--- a/Documents/CSCI 4805 Project Requirements.pptx
+++ b/Documents/CSCI 4805 Project Requirements.pptx
@@ -23,23 +23,25 @@
     <p:sldId id="268" r:id="rId18"/>
     <p:sldId id="269" r:id="rId19"/>
     <p:sldId id="270" r:id="rId20"/>
+    <p:sldId id="271" r:id="rId21"/>
+    <p:sldId id="272" r:id="rId22"/>
   </p:sldIdLst>
   <p:sldSz cy="5143500" cx="9144000"/>
   <p:notesSz cx="6858000" cy="9144000"/>
   <p:embeddedFontLst>
     <p:embeddedFont>
       <p:font typeface="Montserrat"/>
-      <p:regular r:id="rId21"/>
-      <p:bold r:id="rId22"/>
-      <p:italic r:id="rId23"/>
-      <p:boldItalic r:id="rId24"/>
+      <p:regular r:id="rId23"/>
+      <p:bold r:id="rId24"/>
+      <p:italic r:id="rId25"/>
+      <p:boldItalic r:id="rId26"/>
     </p:embeddedFont>
     <p:embeddedFont>
       <p:font typeface="Lato"/>
-      <p:regular r:id="rId25"/>
-      <p:bold r:id="rId26"/>
-      <p:italic r:id="rId27"/>
-      <p:boldItalic r:id="rId28"/>
+      <p:regular r:id="rId27"/>
+      <p:bold r:id="rId28"/>
+      <p:italic r:id="rId29"/>
+      <p:boldItalic r:id="rId30"/>
     </p:embeddedFont>
   </p:embeddedFontLst>
   <p:defaultTextStyle>
@@ -820,7 +822,7 @@
   <p:cSld>
     <p:spTree>
       <p:nvGrpSpPr>
-        <p:cNvPr id="183" name="Shape 183"/>
+        <p:cNvPr id="177" name="Shape 177"/>
         <p:cNvGrpSpPr/>
         <p:nvPr/>
       </p:nvGrpSpPr>
@@ -834,7 +836,7 @@
       </p:grpSpPr>
       <p:sp>
         <p:nvSpPr>
-          <p:cNvPr id="184" name="Google Shape;184;g37c18867a41_0_40:notes"/>
+          <p:cNvPr id="178" name="Google Shape;178;g37c18867a41_0_30:notes"/>
           <p:cNvSpPr/>
           <p:nvPr>
             <p:ph idx="2" type="sldImg"/>
@@ -869,7 +871,7 @@
       </p:sp>
       <p:sp>
         <p:nvSpPr>
-          <p:cNvPr id="185" name="Google Shape;185;g37c18867a41_0_40:notes"/>
+          <p:cNvPr id="179" name="Google Shape;179;g37c18867a41_0_30:notes"/>
           <p:cNvSpPr txBox="1"/>
           <p:nvPr>
             <p:ph idx="1" type="body"/>
@@ -919,7 +921,7 @@
   <p:cSld>
     <p:spTree>
       <p:nvGrpSpPr>
-        <p:cNvPr id="189" name="Shape 189"/>
+        <p:cNvPr id="183" name="Shape 183"/>
         <p:cNvGrpSpPr/>
         <p:nvPr/>
       </p:nvGrpSpPr>
@@ -933,7 +935,7 @@
       </p:grpSpPr>
       <p:sp>
         <p:nvSpPr>
-          <p:cNvPr id="190" name="Google Shape;190;g37c18867a41_0_45:notes"/>
+          <p:cNvPr id="184" name="Google Shape;184;g37c18867a41_0_35:notes"/>
           <p:cNvSpPr/>
           <p:nvPr>
             <p:ph idx="2" type="sldImg"/>
@@ -968,7 +970,7 @@
       </p:sp>
       <p:sp>
         <p:nvSpPr>
-          <p:cNvPr id="191" name="Google Shape;191;g37c18867a41_0_45:notes"/>
+          <p:cNvPr id="185" name="Google Shape;185;g37c18867a41_0_35:notes"/>
           <p:cNvSpPr txBox="1"/>
           <p:nvPr>
             <p:ph idx="1" type="body"/>
@@ -1018,7 +1020,7 @@
   <p:cSld>
     <p:spTree>
       <p:nvGrpSpPr>
-        <p:cNvPr id="195" name="Shape 195"/>
+        <p:cNvPr id="189" name="Shape 189"/>
         <p:cNvGrpSpPr/>
         <p:nvPr/>
       </p:nvGrpSpPr>
@@ -1032,7 +1034,7 @@
       </p:grpSpPr>
       <p:sp>
         <p:nvSpPr>
-          <p:cNvPr id="196" name="Google Shape;196;g37c18867a41_0_50:notes"/>
+          <p:cNvPr id="190" name="Google Shape;190;g37c18867a41_0_40:notes"/>
           <p:cNvSpPr/>
           <p:nvPr>
             <p:ph idx="2" type="sldImg"/>
@@ -1067,7 +1069,7 @@
       </p:sp>
       <p:sp>
         <p:nvSpPr>
-          <p:cNvPr id="197" name="Google Shape;197;g37c18867a41_0_50:notes"/>
+          <p:cNvPr id="191" name="Google Shape;191;g37c18867a41_0_40:notes"/>
           <p:cNvSpPr txBox="1"/>
           <p:nvPr>
             <p:ph idx="1" type="body"/>
@@ -1117,7 +1119,7 @@
   <p:cSld>
     <p:spTree>
       <p:nvGrpSpPr>
-        <p:cNvPr id="201" name="Shape 201"/>
+        <p:cNvPr id="195" name="Shape 195"/>
         <p:cNvGrpSpPr/>
         <p:nvPr/>
       </p:nvGrpSpPr>
@@ -1131,7 +1133,7 @@
       </p:grpSpPr>
       <p:sp>
         <p:nvSpPr>
-          <p:cNvPr id="202" name="Google Shape;202;g37c18867a41_0_55:notes"/>
+          <p:cNvPr id="196" name="Google Shape;196;g37c18867a41_0_45:notes"/>
           <p:cNvSpPr/>
           <p:nvPr>
             <p:ph idx="2" type="sldImg"/>
@@ -1166,7 +1168,7 @@
       </p:sp>
       <p:sp>
         <p:nvSpPr>
-          <p:cNvPr id="203" name="Google Shape;203;g37c18867a41_0_55:notes"/>
+          <p:cNvPr id="197" name="Google Shape;197;g37c18867a41_0_45:notes"/>
           <p:cNvSpPr txBox="1"/>
           <p:nvPr>
             <p:ph idx="1" type="body"/>
@@ -1216,7 +1218,7 @@
   <p:cSld>
     <p:spTree>
       <p:nvGrpSpPr>
-        <p:cNvPr id="207" name="Shape 207"/>
+        <p:cNvPr id="201" name="Shape 201"/>
         <p:cNvGrpSpPr/>
         <p:nvPr/>
       </p:nvGrpSpPr>
@@ -1230,7 +1232,7 @@
       </p:grpSpPr>
       <p:sp>
         <p:nvSpPr>
-          <p:cNvPr id="208" name="Google Shape;208;g37c18867a41_0_60:notes"/>
+          <p:cNvPr id="202" name="Google Shape;202;g37c18867a41_0_50:notes"/>
           <p:cNvSpPr/>
           <p:nvPr>
             <p:ph idx="2" type="sldImg"/>
@@ -1265,7 +1267,7 @@
       </p:sp>
       <p:sp>
         <p:nvSpPr>
-          <p:cNvPr id="209" name="Google Shape;209;g37c18867a41_0_60:notes"/>
+          <p:cNvPr id="203" name="Google Shape;203;g37c18867a41_0_50:notes"/>
           <p:cNvSpPr txBox="1"/>
           <p:nvPr>
             <p:ph idx="1" type="body"/>
@@ -1315,7 +1317,7 @@
   <p:cSld>
     <p:spTree>
       <p:nvGrpSpPr>
-        <p:cNvPr id="213" name="Shape 213"/>
+        <p:cNvPr id="207" name="Shape 207"/>
         <p:cNvGrpSpPr/>
         <p:nvPr/>
       </p:nvGrpSpPr>
@@ -1329,7 +1331,7 @@
       </p:grpSpPr>
       <p:sp>
         <p:nvSpPr>
-          <p:cNvPr id="214" name="Google Shape;214;g37c18867a41_0_65:notes"/>
+          <p:cNvPr id="208" name="Google Shape;208;g37c18867a41_0_55:notes"/>
           <p:cNvSpPr/>
           <p:nvPr>
             <p:ph idx="2" type="sldImg"/>
@@ -1364,7 +1366,205 @@
       </p:sp>
       <p:sp>
         <p:nvSpPr>
-          <p:cNvPr id="215" name="Google Shape;215;g37c18867a41_0_65:notes"/>
+          <p:cNvPr id="209" name="Google Shape;209;g37c18867a41_0_55:notes"/>
+          <p:cNvSpPr txBox="1"/>
+          <p:nvPr>
+            <p:ph idx="1" type="body"/>
+          </p:nvPr>
+        </p:nvSpPr>
+        <p:spPr>
+          <a:xfrm>
+            <a:off x="685800" y="4343400"/>
+            <a:ext cx="5486400" cy="4114800"/>
+          </a:xfrm>
+          <a:prstGeom prst="rect">
+            <a:avLst/>
+          </a:prstGeom>
+        </p:spPr>
+        <p:txBody>
+          <a:bodyPr anchorCtr="0" anchor="t" bIns="91425" lIns="91425" spcFirstLastPara="1" rIns="91425" wrap="square" tIns="91425">
+            <a:noAutofit/>
+          </a:bodyPr>
+          <a:lstStyle/>
+          <a:p>
+            <a:pPr indent="0" lvl="0" marL="0" rtl="0" algn="l">
+              <a:spcBef>
+                <a:spcPts val="0"/>
+              </a:spcBef>
+              <a:spcAft>
+                <a:spcPts val="0"/>
+              </a:spcAft>
+              <a:buNone/>
+            </a:pPr>
+            <a:r>
+              <a:t/>
+            </a:r>
+            <a:endParaRPr/>
+          </a:p>
+        </p:txBody>
+      </p:sp>
+    </p:spTree>
+  </p:cSld>
+  <p:clrMapOvr>
+    <a:masterClrMapping/>
+  </p:clrMapOvr>
+</p:notes>
+</file>
+
+<file path=ppt/notesSlides/notesSlide16.xml><?xml version="1.0" encoding="utf-8"?>
+<p:notes xmlns:a="http://schemas.openxmlformats.org/drawingml/2006/main" xmlns:r="http://schemas.openxmlformats.org/officeDocument/2006/relationships" xmlns:mc="http://schemas.openxmlformats.org/markup-compatibility/2006" xmlns:mv="urn:schemas-microsoft-com:mac:vml" xmlns:p="http://schemas.openxmlformats.org/presentationml/2006/main" xmlns:c="http://schemas.openxmlformats.org/drawingml/2006/chart" xmlns:dgm="http://schemas.openxmlformats.org/drawingml/2006/diagram" xmlns:o="urn:schemas-microsoft-com:office:office" xmlns:v="urn:schemas-microsoft-com:vml" xmlns:pvml="urn:schemas-microsoft-com:office:powerpoint" xmlns:com="http://schemas.openxmlformats.org/drawingml/2006/compatibility" xmlns:p14="http://schemas.microsoft.com/office/powerpoint/2010/main" xmlns:p15="http://schemas.microsoft.com/office/powerpoint/2012/main" xmlns:ahyp="http://schemas.microsoft.com/office/drawing/2018/hyperlinkcolor" showMasterPhAnim="0" showMasterSp="0">
+  <p:cSld>
+    <p:spTree>
+      <p:nvGrpSpPr>
+        <p:cNvPr id="213" name="Shape 213"/>
+        <p:cNvGrpSpPr/>
+        <p:nvPr/>
+      </p:nvGrpSpPr>
+      <p:grpSpPr>
+        <a:xfrm>
+          <a:off x="0" y="0"/>
+          <a:ext cx="0" cy="0"/>
+          <a:chOff x="0" y="0"/>
+          <a:chExt cx="0" cy="0"/>
+        </a:xfrm>
+      </p:grpSpPr>
+      <p:sp>
+        <p:nvSpPr>
+          <p:cNvPr id="214" name="Google Shape;214;g37c18867a41_0_60:notes"/>
+          <p:cNvSpPr/>
+          <p:nvPr>
+            <p:ph idx="2" type="sldImg"/>
+          </p:nvPr>
+        </p:nvSpPr>
+        <p:spPr>
+          <a:xfrm>
+            <a:off x="381300" y="685800"/>
+            <a:ext cx="6096000" cy="3429000"/>
+          </a:xfrm>
+          <a:custGeom>
+            <a:rect b="b" l="l" r="r" t="t"/>
+            <a:pathLst>
+              <a:path extrusionOk="0" h="120000" w="120000">
+                <a:moveTo>
+                  <a:pt x="0" y="0"/>
+                </a:moveTo>
+                <a:lnTo>
+                  <a:pt x="120000" y="0"/>
+                </a:lnTo>
+                <a:lnTo>
+                  <a:pt x="120000" y="120000"/>
+                </a:lnTo>
+                <a:lnTo>
+                  <a:pt x="0" y="120000"/>
+                </a:lnTo>
+                <a:close/>
+              </a:path>
+            </a:pathLst>
+          </a:custGeom>
+        </p:spPr>
+      </p:sp>
+      <p:sp>
+        <p:nvSpPr>
+          <p:cNvPr id="215" name="Google Shape;215;g37c18867a41_0_60:notes"/>
+          <p:cNvSpPr txBox="1"/>
+          <p:nvPr>
+            <p:ph idx="1" type="body"/>
+          </p:nvPr>
+        </p:nvSpPr>
+        <p:spPr>
+          <a:xfrm>
+            <a:off x="685800" y="4343400"/>
+            <a:ext cx="5486400" cy="4114800"/>
+          </a:xfrm>
+          <a:prstGeom prst="rect">
+            <a:avLst/>
+          </a:prstGeom>
+        </p:spPr>
+        <p:txBody>
+          <a:bodyPr anchorCtr="0" anchor="t" bIns="91425" lIns="91425" spcFirstLastPara="1" rIns="91425" wrap="square" tIns="91425">
+            <a:noAutofit/>
+          </a:bodyPr>
+          <a:lstStyle/>
+          <a:p>
+            <a:pPr indent="0" lvl="0" marL="0" rtl="0" algn="l">
+              <a:spcBef>
+                <a:spcPts val="0"/>
+              </a:spcBef>
+              <a:spcAft>
+                <a:spcPts val="0"/>
+              </a:spcAft>
+              <a:buNone/>
+            </a:pPr>
+            <a:r>
+              <a:t/>
+            </a:r>
+            <a:endParaRPr/>
+          </a:p>
+        </p:txBody>
+      </p:sp>
+    </p:spTree>
+  </p:cSld>
+  <p:clrMapOvr>
+    <a:masterClrMapping/>
+  </p:clrMapOvr>
+</p:notes>
+</file>
+
+<file path=ppt/notesSlides/notesSlide17.xml><?xml version="1.0" encoding="utf-8"?>
+<p:notes xmlns:a="http://schemas.openxmlformats.org/drawingml/2006/main" xmlns:r="http://schemas.openxmlformats.org/officeDocument/2006/relationships" xmlns:mc="http://schemas.openxmlformats.org/markup-compatibility/2006" xmlns:mv="urn:schemas-microsoft-com:mac:vml" xmlns:p="http://schemas.openxmlformats.org/presentationml/2006/main" xmlns:c="http://schemas.openxmlformats.org/drawingml/2006/chart" xmlns:dgm="http://schemas.openxmlformats.org/drawingml/2006/diagram" xmlns:o="urn:schemas-microsoft-com:office:office" xmlns:v="urn:schemas-microsoft-com:vml" xmlns:pvml="urn:schemas-microsoft-com:office:powerpoint" xmlns:com="http://schemas.openxmlformats.org/drawingml/2006/compatibility" xmlns:p14="http://schemas.microsoft.com/office/powerpoint/2010/main" xmlns:p15="http://schemas.microsoft.com/office/powerpoint/2012/main" xmlns:ahyp="http://schemas.microsoft.com/office/drawing/2018/hyperlinkcolor" showMasterPhAnim="0" showMasterSp="0">
+  <p:cSld>
+    <p:spTree>
+      <p:nvGrpSpPr>
+        <p:cNvPr id="219" name="Shape 219"/>
+        <p:cNvGrpSpPr/>
+        <p:nvPr/>
+      </p:nvGrpSpPr>
+      <p:grpSpPr>
+        <a:xfrm>
+          <a:off x="0" y="0"/>
+          <a:ext cx="0" cy="0"/>
+          <a:chOff x="0" y="0"/>
+          <a:chExt cx="0" cy="0"/>
+        </a:xfrm>
+      </p:grpSpPr>
+      <p:sp>
+        <p:nvSpPr>
+          <p:cNvPr id="220" name="Google Shape;220;g37c18867a41_0_65:notes"/>
+          <p:cNvSpPr/>
+          <p:nvPr>
+            <p:ph idx="2" type="sldImg"/>
+          </p:nvPr>
+        </p:nvSpPr>
+        <p:spPr>
+          <a:xfrm>
+            <a:off x="381300" y="685800"/>
+            <a:ext cx="6096000" cy="3429000"/>
+          </a:xfrm>
+          <a:custGeom>
+            <a:rect b="b" l="l" r="r" t="t"/>
+            <a:pathLst>
+              <a:path extrusionOk="0" h="120000" w="120000">
+                <a:moveTo>
+                  <a:pt x="0" y="0"/>
+                </a:moveTo>
+                <a:lnTo>
+                  <a:pt x="120000" y="0"/>
+                </a:lnTo>
+                <a:lnTo>
+                  <a:pt x="120000" y="120000"/>
+                </a:lnTo>
+                <a:lnTo>
+                  <a:pt x="0" y="120000"/>
+                </a:lnTo>
+                <a:close/>
+              </a:path>
+            </a:pathLst>
+          </a:custGeom>
+        </p:spPr>
+      </p:sp>
+      <p:sp>
+        <p:nvSpPr>
+          <p:cNvPr id="221" name="Google Shape;221;g37c18867a41_0_65:notes"/>
           <p:cNvSpPr txBox="1"/>
           <p:nvPr>
             <p:ph idx="1" type="body"/>
@@ -1612,7 +1812,7 @@
   <p:cSld>
     <p:spTree>
       <p:nvGrpSpPr>
-        <p:cNvPr id="147" name="Shape 147"/>
+        <p:cNvPr id="146" name="Shape 146"/>
         <p:cNvGrpSpPr/>
         <p:nvPr/>
       </p:nvGrpSpPr>
@@ -1626,7 +1826,7 @@
       </p:grpSpPr>
       <p:sp>
         <p:nvSpPr>
-          <p:cNvPr id="148" name="Google Shape;148;g37c18867a41_0_10:notes"/>
+          <p:cNvPr id="147" name="Google Shape;147;g37c18867a41_0_10:notes"/>
           <p:cNvSpPr/>
           <p:nvPr>
             <p:ph idx="2" type="sldImg"/>
@@ -1661,7 +1861,7 @@
       </p:sp>
       <p:sp>
         <p:nvSpPr>
-          <p:cNvPr id="149" name="Google Shape;149;g37c18867a41_0_10:notes"/>
+          <p:cNvPr id="148" name="Google Shape;148;g37c18867a41_0_10:notes"/>
           <p:cNvSpPr txBox="1"/>
           <p:nvPr>
             <p:ph idx="1" type="body"/>
@@ -1711,7 +1911,7 @@
   <p:cSld>
     <p:spTree>
       <p:nvGrpSpPr>
-        <p:cNvPr id="153" name="Shape 153"/>
+        <p:cNvPr id="151" name="Shape 151"/>
         <p:cNvGrpSpPr/>
         <p:nvPr/>
       </p:nvGrpSpPr>
@@ -1725,7 +1925,7 @@
       </p:grpSpPr>
       <p:sp>
         <p:nvSpPr>
-          <p:cNvPr id="154" name="Google Shape;154;g37c18867a41_0_15:notes"/>
+          <p:cNvPr id="152" name="Google Shape;152;g37dfea1e31d_0_5:notes"/>
           <p:cNvSpPr/>
           <p:nvPr>
             <p:ph idx="2" type="sldImg"/>
@@ -1760,7 +1960,7 @@
       </p:sp>
       <p:sp>
         <p:nvSpPr>
-          <p:cNvPr id="155" name="Google Shape;155;g37c18867a41_0_15:notes"/>
+          <p:cNvPr id="153" name="Google Shape;153;g37dfea1e31d_0_5:notes"/>
           <p:cNvSpPr txBox="1"/>
           <p:nvPr>
             <p:ph idx="1" type="body"/>
@@ -1810,7 +2010,7 @@
   <p:cSld>
     <p:spTree>
       <p:nvGrpSpPr>
-        <p:cNvPr id="159" name="Shape 159"/>
+        <p:cNvPr id="156" name="Shape 156"/>
         <p:cNvGrpSpPr/>
         <p:nvPr/>
       </p:nvGrpSpPr>
@@ -1824,7 +2024,7 @@
       </p:grpSpPr>
       <p:sp>
         <p:nvSpPr>
-          <p:cNvPr id="160" name="Google Shape;160;g37c18867a41_0_20:notes"/>
+          <p:cNvPr id="157" name="Google Shape;157;g37dfea1e31d_0_135:notes"/>
           <p:cNvSpPr/>
           <p:nvPr>
             <p:ph idx="2" type="sldImg"/>
@@ -1859,7 +2059,7 @@
       </p:sp>
       <p:sp>
         <p:nvSpPr>
-          <p:cNvPr id="161" name="Google Shape;161;g37c18867a41_0_20:notes"/>
+          <p:cNvPr id="158" name="Google Shape;158;g37dfea1e31d_0_135:notes"/>
           <p:cNvSpPr txBox="1"/>
           <p:nvPr>
             <p:ph idx="1" type="body"/>
@@ -1909,7 +2109,7 @@
   <p:cSld>
     <p:spTree>
       <p:nvGrpSpPr>
-        <p:cNvPr id="165" name="Shape 165"/>
+        <p:cNvPr id="161" name="Shape 161"/>
         <p:cNvGrpSpPr/>
         <p:nvPr/>
       </p:nvGrpSpPr>
@@ -1923,7 +2123,7 @@
       </p:grpSpPr>
       <p:sp>
         <p:nvSpPr>
-          <p:cNvPr id="166" name="Google Shape;166;g37c18867a41_0_25:notes"/>
+          <p:cNvPr id="162" name="Google Shape;162;g37c18867a41_0_15:notes"/>
           <p:cNvSpPr/>
           <p:nvPr>
             <p:ph idx="2" type="sldImg"/>
@@ -1958,7 +2158,7 @@
       </p:sp>
       <p:sp>
         <p:nvSpPr>
-          <p:cNvPr id="167" name="Google Shape;167;g37c18867a41_0_25:notes"/>
+          <p:cNvPr id="163" name="Google Shape;163;g37c18867a41_0_15:notes"/>
           <p:cNvSpPr txBox="1"/>
           <p:nvPr>
             <p:ph idx="1" type="body"/>
@@ -2008,7 +2208,7 @@
   <p:cSld>
     <p:spTree>
       <p:nvGrpSpPr>
-        <p:cNvPr id="171" name="Shape 171"/>
+        <p:cNvPr id="166" name="Shape 166"/>
         <p:cNvGrpSpPr/>
         <p:nvPr/>
       </p:nvGrpSpPr>
@@ -2022,7 +2222,7 @@
       </p:grpSpPr>
       <p:sp>
         <p:nvSpPr>
-          <p:cNvPr id="172" name="Google Shape;172;g37c18867a41_0_30:notes"/>
+          <p:cNvPr id="167" name="Google Shape;167;g37c18867a41_0_20:notes"/>
           <p:cNvSpPr/>
           <p:nvPr>
             <p:ph idx="2" type="sldImg"/>
@@ -2057,7 +2257,7 @@
       </p:sp>
       <p:sp>
         <p:nvSpPr>
-          <p:cNvPr id="173" name="Google Shape;173;g37c18867a41_0_30:notes"/>
+          <p:cNvPr id="168" name="Google Shape;168;g37c18867a41_0_20:notes"/>
           <p:cNvSpPr txBox="1"/>
           <p:nvPr>
             <p:ph idx="1" type="body"/>
@@ -2107,7 +2307,7 @@
   <p:cSld>
     <p:spTree>
       <p:nvGrpSpPr>
-        <p:cNvPr id="177" name="Shape 177"/>
+        <p:cNvPr id="171" name="Shape 171"/>
         <p:cNvGrpSpPr/>
         <p:nvPr/>
       </p:nvGrpSpPr>
@@ -2121,7 +2321,7 @@
       </p:grpSpPr>
       <p:sp>
         <p:nvSpPr>
-          <p:cNvPr id="178" name="Google Shape;178;g37c18867a41_0_35:notes"/>
+          <p:cNvPr id="172" name="Google Shape;172;g37c18867a41_0_25:notes"/>
           <p:cNvSpPr/>
           <p:nvPr>
             <p:ph idx="2" type="sldImg"/>
@@ -2156,7 +2356,7 @@
       </p:sp>
       <p:sp>
         <p:nvSpPr>
-          <p:cNvPr id="179" name="Google Shape;179;g37c18867a41_0_35:notes"/>
+          <p:cNvPr id="173" name="Google Shape;173;g37c18867a41_0_25:notes"/>
           <p:cNvSpPr txBox="1"/>
           <p:nvPr>
             <p:ph idx="1" type="body"/>
@@ -10557,7 +10757,7 @@
   <p:cSld>
     <p:spTree>
       <p:nvGrpSpPr>
-        <p:cNvPr id="186" name="Shape 186"/>
+        <p:cNvPr id="180" name="Shape 180"/>
         <p:cNvGrpSpPr/>
         <p:nvPr/>
       </p:nvGrpSpPr>
@@ -10571,7 +10771,7 @@
       </p:grpSpPr>
       <p:sp>
         <p:nvSpPr>
-          <p:cNvPr id="187" name="Google Shape;187;p22"/>
+          <p:cNvPr id="181" name="Google Shape;181;p22"/>
           <p:cNvSpPr txBox="1"/>
           <p:nvPr>
             <p:ph type="title"/>
@@ -10610,7 +10810,7 @@
       </p:sp>
       <p:sp>
         <p:nvSpPr>
-          <p:cNvPr id="188" name="Google Shape;188;p22"/>
+          <p:cNvPr id="182" name="Google Shape;182;p22"/>
           <p:cNvSpPr txBox="1"/>
           <p:nvPr>
             <p:ph idx="1" type="body"/>
@@ -10660,7 +10860,7 @@
   <p:cSld>
     <p:spTree>
       <p:nvGrpSpPr>
-        <p:cNvPr id="192" name="Shape 192"/>
+        <p:cNvPr id="186" name="Shape 186"/>
         <p:cNvGrpSpPr/>
         <p:nvPr/>
       </p:nvGrpSpPr>
@@ -10674,7 +10874,7 @@
       </p:grpSpPr>
       <p:sp>
         <p:nvSpPr>
-          <p:cNvPr id="193" name="Google Shape;193;p23"/>
+          <p:cNvPr id="187" name="Google Shape;187;p23"/>
           <p:cNvSpPr txBox="1"/>
           <p:nvPr>
             <p:ph type="title"/>
@@ -10713,7 +10913,7 @@
       </p:sp>
       <p:sp>
         <p:nvSpPr>
-          <p:cNvPr id="194" name="Google Shape;194;p23"/>
+          <p:cNvPr id="188" name="Google Shape;188;p23"/>
           <p:cNvSpPr txBox="1"/>
           <p:nvPr>
             <p:ph idx="1" type="body"/>
@@ -10763,7 +10963,7 @@
   <p:cSld>
     <p:spTree>
       <p:nvGrpSpPr>
-        <p:cNvPr id="198" name="Shape 198"/>
+        <p:cNvPr id="192" name="Shape 192"/>
         <p:cNvGrpSpPr/>
         <p:nvPr/>
       </p:nvGrpSpPr>
@@ -10777,7 +10977,7 @@
       </p:grpSpPr>
       <p:sp>
         <p:nvSpPr>
-          <p:cNvPr id="199" name="Google Shape;199;p24"/>
+          <p:cNvPr id="193" name="Google Shape;193;p24"/>
           <p:cNvSpPr txBox="1"/>
           <p:nvPr>
             <p:ph type="title"/>
@@ -10816,7 +11016,7 @@
       </p:sp>
       <p:sp>
         <p:nvSpPr>
-          <p:cNvPr id="200" name="Google Shape;200;p24"/>
+          <p:cNvPr id="194" name="Google Shape;194;p24"/>
           <p:cNvSpPr txBox="1"/>
           <p:nvPr>
             <p:ph idx="1" type="body"/>
@@ -10866,7 +11066,7 @@
   <p:cSld>
     <p:spTree>
       <p:nvGrpSpPr>
-        <p:cNvPr id="204" name="Shape 204"/>
+        <p:cNvPr id="198" name="Shape 198"/>
         <p:cNvGrpSpPr/>
         <p:nvPr/>
       </p:nvGrpSpPr>
@@ -10880,7 +11080,7 @@
       </p:grpSpPr>
       <p:sp>
         <p:nvSpPr>
-          <p:cNvPr id="205" name="Google Shape;205;p25"/>
+          <p:cNvPr id="199" name="Google Shape;199;p25"/>
           <p:cNvSpPr txBox="1"/>
           <p:nvPr>
             <p:ph type="title"/>
@@ -10919,7 +11119,7 @@
       </p:sp>
       <p:sp>
         <p:nvSpPr>
-          <p:cNvPr id="206" name="Google Shape;206;p25"/>
+          <p:cNvPr id="200" name="Google Shape;200;p25"/>
           <p:cNvSpPr txBox="1"/>
           <p:nvPr>
             <p:ph idx="1" type="body"/>
@@ -10969,7 +11169,7 @@
   <p:cSld>
     <p:spTree>
       <p:nvGrpSpPr>
-        <p:cNvPr id="210" name="Shape 210"/>
+        <p:cNvPr id="204" name="Shape 204"/>
         <p:cNvGrpSpPr/>
         <p:nvPr/>
       </p:nvGrpSpPr>
@@ -10983,7 +11183,7 @@
       </p:grpSpPr>
       <p:sp>
         <p:nvSpPr>
-          <p:cNvPr id="211" name="Google Shape;211;p26"/>
+          <p:cNvPr id="205" name="Google Shape;205;p26"/>
           <p:cNvSpPr txBox="1"/>
           <p:nvPr>
             <p:ph type="title"/>
@@ -11022,7 +11222,7 @@
       </p:sp>
       <p:sp>
         <p:nvSpPr>
-          <p:cNvPr id="212" name="Google Shape;212;p26"/>
+          <p:cNvPr id="206" name="Google Shape;206;p26"/>
           <p:cNvSpPr txBox="1"/>
           <p:nvPr>
             <p:ph idx="1" type="body"/>
@@ -11072,7 +11272,7 @@
   <p:cSld>
     <p:spTree>
       <p:nvGrpSpPr>
-        <p:cNvPr id="216" name="Shape 216"/>
+        <p:cNvPr id="210" name="Shape 210"/>
         <p:cNvGrpSpPr/>
         <p:nvPr/>
       </p:nvGrpSpPr>
@@ -11086,7 +11286,7 @@
       </p:grpSpPr>
       <p:sp>
         <p:nvSpPr>
-          <p:cNvPr id="217" name="Google Shape;217;p27"/>
+          <p:cNvPr id="211" name="Google Shape;211;p27"/>
           <p:cNvSpPr txBox="1"/>
           <p:nvPr>
             <p:ph type="title"/>
@@ -11125,7 +11325,213 @@
       </p:sp>
       <p:sp>
         <p:nvSpPr>
-          <p:cNvPr id="218" name="Google Shape;218;p27"/>
+          <p:cNvPr id="212" name="Google Shape;212;p27"/>
+          <p:cNvSpPr txBox="1"/>
+          <p:nvPr>
+            <p:ph idx="1" type="body"/>
+          </p:nvPr>
+        </p:nvSpPr>
+        <p:spPr>
+          <a:xfrm>
+            <a:off x="1297500" y="1567550"/>
+            <a:ext cx="7038900" cy="2911200"/>
+          </a:xfrm>
+          <a:prstGeom prst="rect">
+            <a:avLst/>
+          </a:prstGeom>
+        </p:spPr>
+        <p:txBody>
+          <a:bodyPr anchorCtr="0" anchor="t" bIns="91425" lIns="91425" spcFirstLastPara="1" rIns="91425" wrap="square" tIns="91425">
+            <a:normAutofit/>
+          </a:bodyPr>
+          <a:lstStyle/>
+          <a:p>
+            <a:pPr indent="0" lvl="0" marL="0" rtl="0" algn="l">
+              <a:spcBef>
+                <a:spcPts val="0"/>
+              </a:spcBef>
+              <a:spcAft>
+                <a:spcPts val="1200"/>
+              </a:spcAft>
+              <a:buNone/>
+            </a:pPr>
+            <a:r>
+              <a:t/>
+            </a:r>
+            <a:endParaRPr/>
+          </a:p>
+        </p:txBody>
+      </p:sp>
+    </p:spTree>
+  </p:cSld>
+  <p:clrMapOvr>
+    <a:masterClrMapping/>
+  </p:clrMapOvr>
+</p:sld>
+</file>
+
+<file path=ppt/slides/slide16.xml><?xml version="1.0" encoding="utf-8"?>
+<p:sld xmlns:a="http://schemas.openxmlformats.org/drawingml/2006/main" xmlns:r="http://schemas.openxmlformats.org/officeDocument/2006/relationships" xmlns:mc="http://schemas.openxmlformats.org/markup-compatibility/2006" xmlns:mv="urn:schemas-microsoft-com:mac:vml" xmlns:p="http://schemas.openxmlformats.org/presentationml/2006/main" xmlns:c="http://schemas.openxmlformats.org/drawingml/2006/chart" xmlns:dgm="http://schemas.openxmlformats.org/drawingml/2006/diagram" xmlns:o="urn:schemas-microsoft-com:office:office" xmlns:v="urn:schemas-microsoft-com:vml" xmlns:pvml="urn:schemas-microsoft-com:office:powerpoint" xmlns:com="http://schemas.openxmlformats.org/drawingml/2006/compatibility" xmlns:p14="http://schemas.microsoft.com/office/powerpoint/2010/main" xmlns:p15="http://schemas.microsoft.com/office/powerpoint/2012/main" xmlns:ahyp="http://schemas.microsoft.com/office/drawing/2018/hyperlinkcolor">
+  <p:cSld>
+    <p:spTree>
+      <p:nvGrpSpPr>
+        <p:cNvPr id="216" name="Shape 216"/>
+        <p:cNvGrpSpPr/>
+        <p:nvPr/>
+      </p:nvGrpSpPr>
+      <p:grpSpPr>
+        <a:xfrm>
+          <a:off x="0" y="0"/>
+          <a:ext cx="0" cy="0"/>
+          <a:chOff x="0" y="0"/>
+          <a:chExt cx="0" cy="0"/>
+        </a:xfrm>
+      </p:grpSpPr>
+      <p:sp>
+        <p:nvSpPr>
+          <p:cNvPr id="217" name="Google Shape;217;p28"/>
+          <p:cNvSpPr txBox="1"/>
+          <p:nvPr>
+            <p:ph type="title"/>
+          </p:nvPr>
+        </p:nvSpPr>
+        <p:spPr>
+          <a:xfrm>
+            <a:off x="1297500" y="393750"/>
+            <a:ext cx="7038900" cy="914100"/>
+          </a:xfrm>
+          <a:prstGeom prst="rect">
+            <a:avLst/>
+          </a:prstGeom>
+        </p:spPr>
+        <p:txBody>
+          <a:bodyPr anchorCtr="0" anchor="t" bIns="91425" lIns="91425" spcFirstLastPara="1" rIns="91425" wrap="square" tIns="91425">
+            <a:normAutofit/>
+          </a:bodyPr>
+          <a:lstStyle/>
+          <a:p>
+            <a:pPr indent="0" lvl="0" marL="0" rtl="0" algn="l">
+              <a:spcBef>
+                <a:spcPts val="0"/>
+              </a:spcBef>
+              <a:spcAft>
+                <a:spcPts val="0"/>
+              </a:spcAft>
+              <a:buNone/>
+            </a:pPr>
+            <a:r>
+              <a:t/>
+            </a:r>
+            <a:endParaRPr/>
+          </a:p>
+        </p:txBody>
+      </p:sp>
+      <p:sp>
+        <p:nvSpPr>
+          <p:cNvPr id="218" name="Google Shape;218;p28"/>
+          <p:cNvSpPr txBox="1"/>
+          <p:nvPr>
+            <p:ph idx="1" type="body"/>
+          </p:nvPr>
+        </p:nvSpPr>
+        <p:spPr>
+          <a:xfrm>
+            <a:off x="1297500" y="1567550"/>
+            <a:ext cx="7038900" cy="2911200"/>
+          </a:xfrm>
+          <a:prstGeom prst="rect">
+            <a:avLst/>
+          </a:prstGeom>
+        </p:spPr>
+        <p:txBody>
+          <a:bodyPr anchorCtr="0" anchor="t" bIns="91425" lIns="91425" spcFirstLastPara="1" rIns="91425" wrap="square" tIns="91425">
+            <a:normAutofit/>
+          </a:bodyPr>
+          <a:lstStyle/>
+          <a:p>
+            <a:pPr indent="0" lvl="0" marL="0" rtl="0" algn="l">
+              <a:spcBef>
+                <a:spcPts val="0"/>
+              </a:spcBef>
+              <a:spcAft>
+                <a:spcPts val="1200"/>
+              </a:spcAft>
+              <a:buNone/>
+            </a:pPr>
+            <a:r>
+              <a:t/>
+            </a:r>
+            <a:endParaRPr/>
+          </a:p>
+        </p:txBody>
+      </p:sp>
+    </p:spTree>
+  </p:cSld>
+  <p:clrMapOvr>
+    <a:masterClrMapping/>
+  </p:clrMapOvr>
+</p:sld>
+</file>
+
+<file path=ppt/slides/slide17.xml><?xml version="1.0" encoding="utf-8"?>
+<p:sld xmlns:a="http://schemas.openxmlformats.org/drawingml/2006/main" xmlns:r="http://schemas.openxmlformats.org/officeDocument/2006/relationships" xmlns:mc="http://schemas.openxmlformats.org/markup-compatibility/2006" xmlns:mv="urn:schemas-microsoft-com:mac:vml" xmlns:p="http://schemas.openxmlformats.org/presentationml/2006/main" xmlns:c="http://schemas.openxmlformats.org/drawingml/2006/chart" xmlns:dgm="http://schemas.openxmlformats.org/drawingml/2006/diagram" xmlns:o="urn:schemas-microsoft-com:office:office" xmlns:v="urn:schemas-microsoft-com:vml" xmlns:pvml="urn:schemas-microsoft-com:office:powerpoint" xmlns:com="http://schemas.openxmlformats.org/drawingml/2006/compatibility" xmlns:p14="http://schemas.microsoft.com/office/powerpoint/2010/main" xmlns:p15="http://schemas.microsoft.com/office/powerpoint/2012/main" xmlns:ahyp="http://schemas.microsoft.com/office/drawing/2018/hyperlinkcolor">
+  <p:cSld>
+    <p:spTree>
+      <p:nvGrpSpPr>
+        <p:cNvPr id="222" name="Shape 222"/>
+        <p:cNvGrpSpPr/>
+        <p:nvPr/>
+      </p:nvGrpSpPr>
+      <p:grpSpPr>
+        <a:xfrm>
+          <a:off x="0" y="0"/>
+          <a:ext cx="0" cy="0"/>
+          <a:chOff x="0" y="0"/>
+          <a:chExt cx="0" cy="0"/>
+        </a:xfrm>
+      </p:grpSpPr>
+      <p:sp>
+        <p:nvSpPr>
+          <p:cNvPr id="223" name="Google Shape;223;p29"/>
+          <p:cNvSpPr txBox="1"/>
+          <p:nvPr>
+            <p:ph type="title"/>
+          </p:nvPr>
+        </p:nvSpPr>
+        <p:spPr>
+          <a:xfrm>
+            <a:off x="1297500" y="393750"/>
+            <a:ext cx="7038900" cy="914100"/>
+          </a:xfrm>
+          <a:prstGeom prst="rect">
+            <a:avLst/>
+          </a:prstGeom>
+        </p:spPr>
+        <p:txBody>
+          <a:bodyPr anchorCtr="0" anchor="t" bIns="91425" lIns="91425" spcFirstLastPara="1" rIns="91425" wrap="square" tIns="91425">
+            <a:normAutofit/>
+          </a:bodyPr>
+          <a:lstStyle/>
+          <a:p>
+            <a:pPr indent="0" lvl="0" marL="0" rtl="0" algn="l">
+              <a:spcBef>
+                <a:spcPts val="0"/>
+              </a:spcBef>
+              <a:spcAft>
+                <a:spcPts val="0"/>
+              </a:spcAft>
+              <a:buNone/>
+            </a:pPr>
+            <a:r>
+              <a:t/>
+            </a:r>
+            <a:endParaRPr/>
+          </a:p>
+        </p:txBody>
+      </p:sp>
+      <p:sp>
+        <p:nvSpPr>
+          <p:cNvPr id="224" name="Google Shape;224;p29"/>
           <p:cNvSpPr txBox="1"/>
           <p:nvPr>
             <p:ph idx="1" type="body"/>
@@ -11272,13 +11678,13 @@
           <p:cNvPr id="145" name="Google Shape;145;p15"/>
           <p:cNvSpPr txBox="1"/>
           <p:nvPr>
-            <p:ph type="title"/>
+            <p:ph idx="1" type="body"/>
           </p:nvPr>
         </p:nvSpPr>
         <p:spPr>
           <a:xfrm>
-            <a:off x="1297500" y="393750"/>
-            <a:ext cx="7038900" cy="914100"/>
+            <a:off x="267525" y="271900"/>
+            <a:ext cx="8068800" cy="4206900"/>
           </a:xfrm>
           <a:prstGeom prst="rect">
             <a:avLst/>
@@ -11286,48 +11692,181 @@
         </p:spPr>
         <p:txBody>
           <a:bodyPr anchorCtr="0" anchor="t" bIns="91425" lIns="91425" spcFirstLastPara="1" rIns="91425" wrap="square" tIns="91425">
-            <a:normAutofit/>
+            <a:noAutofit/>
           </a:bodyPr>
           <a:lstStyle/>
           <a:p>
-            <a:pPr indent="0" lvl="0" marL="0" rtl="0" algn="l">
-              <a:spcBef>
-                <a:spcPts val="0"/>
-              </a:spcBef>
-              <a:spcAft>
-                <a:spcPts val="0"/>
-              </a:spcAft>
-              <a:buNone/>
+            <a:pPr indent="-349250" lvl="0" marL="457200" rtl="0" algn="l">
+              <a:spcBef>
+                <a:spcPts val="0"/>
+              </a:spcBef>
+              <a:spcAft>
+                <a:spcPts val="0"/>
+              </a:spcAft>
+              <a:buClr>
+                <a:srgbClr val="000000"/>
+              </a:buClr>
+              <a:buSzPts val="1900"/>
+              <a:buFont typeface="Times New Roman"/>
+              <a:buChar char="●"/>
             </a:pPr>
             <a:r>
-              <a:t/>
+              <a:rPr lang="en" sz="1900">
+                <a:solidFill>
+                  <a:srgbClr val="000000"/>
+                </a:solidFill>
+                <a:highlight>
+                  <a:srgbClr val="FFFFFF"/>
+                </a:highlight>
+                <a:latin typeface="Times New Roman"/>
+                <a:ea typeface="Times New Roman"/>
+                <a:cs typeface="Times New Roman"/>
+                <a:sym typeface="Times New Roman"/>
+              </a:rPr>
+              <a:t>Platform: Web. Atlas Itinerary is a web-based program. Most of our group knows web-based program functionality, so by making one, we are more prepared for the task. </a:t>
             </a:r>
-            <a:endParaRPr/>
+            <a:endParaRPr sz="1900">
+              <a:solidFill>
+                <a:srgbClr val="000000"/>
+              </a:solidFill>
+              <a:highlight>
+                <a:srgbClr val="FFFFFF"/>
+              </a:highlight>
+              <a:latin typeface="Times New Roman"/>
+              <a:ea typeface="Times New Roman"/>
+              <a:cs typeface="Times New Roman"/>
+              <a:sym typeface="Times New Roman"/>
+            </a:endParaRPr>
           </a:p>
-        </p:txBody>
-      </p:sp>
-      <p:sp>
-        <p:nvSpPr>
-          <p:cNvPr id="146" name="Google Shape;146;p15"/>
-          <p:cNvSpPr txBox="1"/>
-          <p:nvPr>
-            <p:ph idx="1" type="body"/>
-          </p:nvPr>
-        </p:nvSpPr>
-        <p:spPr>
-          <a:xfrm>
-            <a:off x="1297500" y="1567550"/>
-            <a:ext cx="7038900" cy="2911200"/>
-          </a:xfrm>
-          <a:prstGeom prst="rect">
-            <a:avLst/>
-          </a:prstGeom>
-        </p:spPr>
-        <p:txBody>
-          <a:bodyPr anchorCtr="0" anchor="t" bIns="91425" lIns="91425" spcFirstLastPara="1" rIns="91425" wrap="square" tIns="91425">
-            <a:normAutofit/>
-          </a:bodyPr>
-          <a:lstStyle/>
+          <a:p>
+            <a:pPr indent="-349250" lvl="0" marL="457200" rtl="0" algn="l">
+              <a:spcBef>
+                <a:spcPts val="0"/>
+              </a:spcBef>
+              <a:spcAft>
+                <a:spcPts val="0"/>
+              </a:spcAft>
+              <a:buClr>
+                <a:srgbClr val="000000"/>
+              </a:buClr>
+              <a:buSzPts val="1900"/>
+              <a:buFont typeface="Times New Roman"/>
+              <a:buChar char="●"/>
+            </a:pPr>
+            <a:r>
+              <a:rPr lang="en" sz="1900">
+                <a:solidFill>
+                  <a:srgbClr val="000000"/>
+                </a:solidFill>
+                <a:highlight>
+                  <a:srgbClr val="FFFFFF"/>
+                </a:highlight>
+                <a:latin typeface="Times New Roman"/>
+                <a:ea typeface="Times New Roman"/>
+                <a:cs typeface="Times New Roman"/>
+                <a:sym typeface="Times New Roman"/>
+              </a:rPr>
+              <a:t>Browser: Firefox. Firefox is the search engine on which we will make our web-based program. Our group is more familiar with programming web applications on Firefox. </a:t>
+            </a:r>
+            <a:endParaRPr sz="1900">
+              <a:solidFill>
+                <a:srgbClr val="000000"/>
+              </a:solidFill>
+              <a:highlight>
+                <a:srgbClr val="FFFFFF"/>
+              </a:highlight>
+              <a:latin typeface="Times New Roman"/>
+              <a:ea typeface="Times New Roman"/>
+              <a:cs typeface="Times New Roman"/>
+              <a:sym typeface="Times New Roman"/>
+            </a:endParaRPr>
+          </a:p>
+          <a:p>
+            <a:pPr indent="-349250" lvl="0" marL="457200" rtl="0" algn="l">
+              <a:spcBef>
+                <a:spcPts val="0"/>
+              </a:spcBef>
+              <a:spcAft>
+                <a:spcPts val="0"/>
+              </a:spcAft>
+              <a:buClr>
+                <a:srgbClr val="000000"/>
+              </a:buClr>
+              <a:buSzPts val="1900"/>
+              <a:buFont typeface="Times New Roman"/>
+              <a:buChar char="●"/>
+            </a:pPr>
+            <a:r>
+              <a:rPr lang="en" sz="1900">
+                <a:solidFill>
+                  <a:srgbClr val="000000"/>
+                </a:solidFill>
+                <a:highlight>
+                  <a:srgbClr val="FFFFFF"/>
+                </a:highlight>
+                <a:latin typeface="Times New Roman"/>
+                <a:ea typeface="Times New Roman"/>
+                <a:cs typeface="Times New Roman"/>
+                <a:sym typeface="Times New Roman"/>
+              </a:rPr>
+              <a:t>Operating System: Windows. All of our members have Windows operating systems by default. Instead of trying to learn how to make the application on Apple through a VM, we have elected to use Windows. </a:t>
+            </a:r>
+            <a:endParaRPr sz="1900">
+              <a:solidFill>
+                <a:srgbClr val="000000"/>
+              </a:solidFill>
+              <a:highlight>
+                <a:srgbClr val="FFFFFF"/>
+              </a:highlight>
+              <a:latin typeface="Times New Roman"/>
+              <a:ea typeface="Times New Roman"/>
+              <a:cs typeface="Times New Roman"/>
+              <a:sym typeface="Times New Roman"/>
+            </a:endParaRPr>
+          </a:p>
+          <a:p>
+            <a:pPr indent="-349250" lvl="0" marL="457200" rtl="0" algn="l">
+              <a:spcBef>
+                <a:spcPts val="0"/>
+              </a:spcBef>
+              <a:spcAft>
+                <a:spcPts val="0"/>
+              </a:spcAft>
+              <a:buClr>
+                <a:srgbClr val="000000"/>
+              </a:buClr>
+              <a:buSzPts val="1900"/>
+              <a:buFont typeface="Times New Roman"/>
+              <a:buChar char="●"/>
+            </a:pPr>
+            <a:r>
+              <a:rPr lang="en" sz="1900">
+                <a:solidFill>
+                  <a:srgbClr val="000000"/>
+                </a:solidFill>
+                <a:highlight>
+                  <a:srgbClr val="FFFFFF"/>
+                </a:highlight>
+                <a:latin typeface="Times New Roman"/>
+                <a:ea typeface="Times New Roman"/>
+                <a:cs typeface="Times New Roman"/>
+                <a:sym typeface="Times New Roman"/>
+              </a:rPr>
+              <a:t>IDE: IntelliJ. IntelliJ is the IDE our group feels most comfortable programming in. So instead of stretching to learn another IDE we elected to use this one. Preferred IDE for developing in Java.</a:t>
+            </a:r>
+            <a:endParaRPr sz="1900">
+              <a:solidFill>
+                <a:srgbClr val="000000"/>
+              </a:solidFill>
+              <a:highlight>
+                <a:srgbClr val="FFFFFF"/>
+              </a:highlight>
+              <a:latin typeface="Times New Roman"/>
+              <a:ea typeface="Times New Roman"/>
+              <a:cs typeface="Times New Roman"/>
+              <a:sym typeface="Times New Roman"/>
+            </a:endParaRPr>
+          </a:p>
           <a:p>
             <a:pPr indent="0" lvl="0" marL="0" rtl="0" algn="l">
               <a:spcBef>
@@ -11358,7 +11897,7 @@
   <p:cSld>
     <p:spTree>
       <p:nvGrpSpPr>
-        <p:cNvPr id="150" name="Shape 150"/>
+        <p:cNvPr id="149" name="Shape 149"/>
         <p:cNvGrpSpPr/>
         <p:nvPr/>
       </p:nvGrpSpPr>
@@ -11372,7 +11911,862 @@
       </p:grpSpPr>
       <p:sp>
         <p:nvSpPr>
-          <p:cNvPr id="151" name="Google Shape;151;p16"/>
+          <p:cNvPr id="150" name="Google Shape;150;p16"/>
+          <p:cNvSpPr txBox="1"/>
+          <p:nvPr>
+            <p:ph idx="1" type="body"/>
+          </p:nvPr>
+        </p:nvSpPr>
+        <p:spPr>
+          <a:xfrm>
+            <a:off x="421025" y="403475"/>
+            <a:ext cx="7915500" cy="4075200"/>
+          </a:xfrm>
+          <a:prstGeom prst="rect">
+            <a:avLst/>
+          </a:prstGeom>
+        </p:spPr>
+        <p:txBody>
+          <a:bodyPr anchorCtr="0" anchor="t" bIns="91425" lIns="91425" spcFirstLastPara="1" rIns="91425" wrap="square" tIns="91425">
+            <a:normAutofit/>
+          </a:bodyPr>
+          <a:lstStyle/>
+          <a:p>
+            <a:pPr indent="-349250" lvl="0" marL="457200" rtl="0" algn="l">
+              <a:spcBef>
+                <a:spcPts val="0"/>
+              </a:spcBef>
+              <a:spcAft>
+                <a:spcPts val="0"/>
+              </a:spcAft>
+              <a:buClr>
+                <a:srgbClr val="000000"/>
+              </a:buClr>
+              <a:buSzPts val="1900"/>
+              <a:buFont typeface="Times New Roman"/>
+              <a:buChar char="●"/>
+            </a:pPr>
+            <a:r>
+              <a:rPr lang="en" sz="1900">
+                <a:solidFill>
+                  <a:srgbClr val="000000"/>
+                </a:solidFill>
+                <a:highlight>
+                  <a:srgbClr val="FFFFFF"/>
+                </a:highlight>
+                <a:latin typeface="Times New Roman"/>
+                <a:ea typeface="Times New Roman"/>
+                <a:cs typeface="Times New Roman"/>
+                <a:sym typeface="Times New Roman"/>
+              </a:rPr>
+              <a:t>Languages: Java. For developing backend services for our Web application.</a:t>
+            </a:r>
+            <a:endParaRPr sz="1900">
+              <a:solidFill>
+                <a:srgbClr val="000000"/>
+              </a:solidFill>
+              <a:highlight>
+                <a:srgbClr val="FFFFFF"/>
+              </a:highlight>
+              <a:latin typeface="Times New Roman"/>
+              <a:ea typeface="Times New Roman"/>
+              <a:cs typeface="Times New Roman"/>
+              <a:sym typeface="Times New Roman"/>
+            </a:endParaRPr>
+          </a:p>
+          <a:p>
+            <a:pPr indent="-349250" lvl="0" marL="457200" rtl="0" algn="l">
+              <a:spcBef>
+                <a:spcPts val="0"/>
+              </a:spcBef>
+              <a:spcAft>
+                <a:spcPts val="0"/>
+              </a:spcAft>
+              <a:buClr>
+                <a:srgbClr val="000000"/>
+              </a:buClr>
+              <a:buSzPts val="1900"/>
+              <a:buFont typeface="Times New Roman"/>
+              <a:buChar char="●"/>
+            </a:pPr>
+            <a:r>
+              <a:rPr lang="en" sz="1900">
+                <a:solidFill>
+                  <a:srgbClr val="000000"/>
+                </a:solidFill>
+                <a:highlight>
+                  <a:srgbClr val="FFFFFF"/>
+                </a:highlight>
+                <a:latin typeface="Times New Roman"/>
+                <a:ea typeface="Times New Roman"/>
+                <a:cs typeface="Times New Roman"/>
+                <a:sym typeface="Times New Roman"/>
+              </a:rPr>
+              <a:t>HTML, CSS, JavaScript. Necessary for designing web pages and understanding how users will interact with the project..</a:t>
+            </a:r>
+            <a:endParaRPr sz="1900">
+              <a:solidFill>
+                <a:srgbClr val="000000"/>
+              </a:solidFill>
+              <a:highlight>
+                <a:srgbClr val="FFFFFF"/>
+              </a:highlight>
+              <a:latin typeface="Times New Roman"/>
+              <a:ea typeface="Times New Roman"/>
+              <a:cs typeface="Times New Roman"/>
+              <a:sym typeface="Times New Roman"/>
+            </a:endParaRPr>
+          </a:p>
+          <a:p>
+            <a:pPr indent="-349250" lvl="0" marL="457200" rtl="0" algn="l">
+              <a:spcBef>
+                <a:spcPts val="0"/>
+              </a:spcBef>
+              <a:spcAft>
+                <a:spcPts val="0"/>
+              </a:spcAft>
+              <a:buClr>
+                <a:srgbClr val="000000"/>
+              </a:buClr>
+              <a:buSzPts val="1900"/>
+              <a:buFont typeface="Times New Roman"/>
+              <a:buChar char="●"/>
+            </a:pPr>
+            <a:r>
+              <a:rPr lang="en" sz="1900">
+                <a:solidFill>
+                  <a:srgbClr val="000000"/>
+                </a:solidFill>
+                <a:highlight>
+                  <a:srgbClr val="FFFFFF"/>
+                </a:highlight>
+                <a:latin typeface="Times New Roman"/>
+                <a:ea typeface="Times New Roman"/>
+                <a:cs typeface="Times New Roman"/>
+                <a:sym typeface="Times New Roman"/>
+              </a:rPr>
+              <a:t>Server Software: TBD</a:t>
+            </a:r>
+            <a:endParaRPr sz="1900">
+              <a:solidFill>
+                <a:srgbClr val="000000"/>
+              </a:solidFill>
+              <a:highlight>
+                <a:srgbClr val="FFFFFF"/>
+              </a:highlight>
+              <a:latin typeface="Times New Roman"/>
+              <a:ea typeface="Times New Roman"/>
+              <a:cs typeface="Times New Roman"/>
+              <a:sym typeface="Times New Roman"/>
+            </a:endParaRPr>
+          </a:p>
+          <a:p>
+            <a:pPr indent="-349250" lvl="0" marL="457200" rtl="0" algn="l">
+              <a:spcBef>
+                <a:spcPts val="0"/>
+              </a:spcBef>
+              <a:spcAft>
+                <a:spcPts val="0"/>
+              </a:spcAft>
+              <a:buClr>
+                <a:srgbClr val="000000"/>
+              </a:buClr>
+              <a:buSzPts val="1900"/>
+              <a:buFont typeface="Times New Roman"/>
+              <a:buChar char="●"/>
+            </a:pPr>
+            <a:r>
+              <a:rPr lang="en" sz="1900">
+                <a:solidFill>
+                  <a:srgbClr val="000000"/>
+                </a:solidFill>
+                <a:highlight>
+                  <a:srgbClr val="FFFFFF"/>
+                </a:highlight>
+                <a:latin typeface="Times New Roman"/>
+                <a:ea typeface="Times New Roman"/>
+                <a:cs typeface="Times New Roman"/>
+                <a:sym typeface="Times New Roman"/>
+              </a:rPr>
+              <a:t>Communication Software: Discord. Allows for communication outside of class. Non-professional contact method to encourage bonding and familiarity among members. </a:t>
+            </a:r>
+            <a:endParaRPr sz="1900">
+              <a:solidFill>
+                <a:srgbClr val="000000"/>
+              </a:solidFill>
+              <a:highlight>
+                <a:srgbClr val="FFFFFF"/>
+              </a:highlight>
+              <a:latin typeface="Times New Roman"/>
+              <a:ea typeface="Times New Roman"/>
+              <a:cs typeface="Times New Roman"/>
+              <a:sym typeface="Times New Roman"/>
+            </a:endParaRPr>
+          </a:p>
+          <a:p>
+            <a:pPr indent="-349250" lvl="0" marL="457200" rtl="0" algn="l">
+              <a:spcBef>
+                <a:spcPts val="0"/>
+              </a:spcBef>
+              <a:spcAft>
+                <a:spcPts val="0"/>
+              </a:spcAft>
+              <a:buClr>
+                <a:srgbClr val="000000"/>
+              </a:buClr>
+              <a:buSzPts val="1900"/>
+              <a:buFont typeface="Times New Roman"/>
+              <a:buChar char="●"/>
+            </a:pPr>
+            <a:r>
+              <a:rPr lang="en" sz="1900">
+                <a:solidFill>
+                  <a:srgbClr val="000000"/>
+                </a:solidFill>
+                <a:highlight>
+                  <a:srgbClr val="FFFFFF"/>
+                </a:highlight>
+                <a:latin typeface="Times New Roman"/>
+                <a:ea typeface="Times New Roman"/>
+                <a:cs typeface="Times New Roman"/>
+                <a:sym typeface="Times New Roman"/>
+              </a:rPr>
+              <a:t>AI: not to use for coding, but to ask basic questions.</a:t>
+            </a:r>
+            <a:endParaRPr sz="2200"/>
+          </a:p>
+        </p:txBody>
+      </p:sp>
+    </p:spTree>
+  </p:cSld>
+  <p:clrMapOvr>
+    <a:masterClrMapping/>
+  </p:clrMapOvr>
+</p:sld>
+</file>
+
+<file path=ppt/slides/slide5.xml><?xml version="1.0" encoding="utf-8"?>
+<p:sld xmlns:a="http://schemas.openxmlformats.org/drawingml/2006/main" xmlns:r="http://schemas.openxmlformats.org/officeDocument/2006/relationships" xmlns:mc="http://schemas.openxmlformats.org/markup-compatibility/2006" xmlns:mv="urn:schemas-microsoft-com:mac:vml" xmlns:p="http://schemas.openxmlformats.org/presentationml/2006/main" xmlns:c="http://schemas.openxmlformats.org/drawingml/2006/chart" xmlns:dgm="http://schemas.openxmlformats.org/drawingml/2006/diagram" xmlns:o="urn:schemas-microsoft-com:office:office" xmlns:v="urn:schemas-microsoft-com:vml" xmlns:pvml="urn:schemas-microsoft-com:office:powerpoint" xmlns:com="http://schemas.openxmlformats.org/drawingml/2006/compatibility" xmlns:p14="http://schemas.microsoft.com/office/powerpoint/2010/main" xmlns:p15="http://schemas.microsoft.com/office/powerpoint/2012/main" xmlns:ahyp="http://schemas.microsoft.com/office/drawing/2018/hyperlinkcolor">
+  <p:cSld>
+    <p:spTree>
+      <p:nvGrpSpPr>
+        <p:cNvPr id="154" name="Shape 154"/>
+        <p:cNvGrpSpPr/>
+        <p:nvPr/>
+      </p:nvGrpSpPr>
+      <p:grpSpPr>
+        <a:xfrm>
+          <a:off x="0" y="0"/>
+          <a:ext cx="0" cy="0"/>
+          <a:chOff x="0" y="0"/>
+          <a:chExt cx="0" cy="0"/>
+        </a:xfrm>
+      </p:grpSpPr>
+      <p:sp>
+        <p:nvSpPr>
+          <p:cNvPr id="155" name="Google Shape;155;p17"/>
+          <p:cNvSpPr txBox="1"/>
+          <p:nvPr>
+            <p:ph type="title"/>
+          </p:nvPr>
+        </p:nvSpPr>
+        <p:spPr>
+          <a:xfrm>
+            <a:off x="823850" y="866775"/>
+            <a:ext cx="4587000" cy="3521100"/>
+          </a:xfrm>
+          <a:prstGeom prst="rect">
+            <a:avLst/>
+          </a:prstGeom>
+        </p:spPr>
+        <p:txBody>
+          <a:bodyPr anchorCtr="0" anchor="ctr" bIns="91425" lIns="91425" spcFirstLastPara="1" rIns="91425" wrap="square" tIns="91425">
+            <a:normAutofit/>
+          </a:bodyPr>
+          <a:lstStyle/>
+          <a:p>
+            <a:pPr indent="0" lvl="0" marL="0" rtl="0" algn="l">
+              <a:spcBef>
+                <a:spcPts val="0"/>
+              </a:spcBef>
+              <a:spcAft>
+                <a:spcPts val="0"/>
+              </a:spcAft>
+              <a:buNone/>
+            </a:pPr>
+            <a:r>
+              <a:rPr lang="en" sz="3600"/>
+              <a:t>The Requirements</a:t>
+            </a:r>
+            <a:endParaRPr sz="3600"/>
+          </a:p>
+        </p:txBody>
+      </p:sp>
+    </p:spTree>
+  </p:cSld>
+  <p:clrMapOvr>
+    <a:masterClrMapping/>
+  </p:clrMapOvr>
+</p:sld>
+</file>
+
+<file path=ppt/slides/slide6.xml><?xml version="1.0" encoding="utf-8"?>
+<p:sld xmlns:a="http://schemas.openxmlformats.org/drawingml/2006/main" xmlns:r="http://schemas.openxmlformats.org/officeDocument/2006/relationships" xmlns:mc="http://schemas.openxmlformats.org/markup-compatibility/2006" xmlns:mv="urn:schemas-microsoft-com:mac:vml" xmlns:p="http://schemas.openxmlformats.org/presentationml/2006/main" xmlns:c="http://schemas.openxmlformats.org/drawingml/2006/chart" xmlns:dgm="http://schemas.openxmlformats.org/drawingml/2006/diagram" xmlns:o="urn:schemas-microsoft-com:office:office" xmlns:v="urn:schemas-microsoft-com:vml" xmlns:pvml="urn:schemas-microsoft-com:office:powerpoint" xmlns:com="http://schemas.openxmlformats.org/drawingml/2006/compatibility" xmlns:p14="http://schemas.microsoft.com/office/powerpoint/2010/main" xmlns:p15="http://schemas.microsoft.com/office/powerpoint/2012/main" xmlns:ahyp="http://schemas.microsoft.com/office/drawing/2018/hyperlinkcolor">
+  <p:cSld>
+    <p:spTree>
+      <p:nvGrpSpPr>
+        <p:cNvPr id="159" name="Shape 159"/>
+        <p:cNvGrpSpPr/>
+        <p:nvPr/>
+      </p:nvGrpSpPr>
+      <p:grpSpPr>
+        <a:xfrm>
+          <a:off x="0" y="0"/>
+          <a:ext cx="0" cy="0"/>
+          <a:chOff x="0" y="0"/>
+          <a:chExt cx="0" cy="0"/>
+        </a:xfrm>
+      </p:grpSpPr>
+      <p:sp>
+        <p:nvSpPr>
+          <p:cNvPr id="160" name="Google Shape;160;p18"/>
+          <p:cNvSpPr txBox="1"/>
+          <p:nvPr>
+            <p:ph type="title"/>
+          </p:nvPr>
+        </p:nvSpPr>
+        <p:spPr>
+          <a:xfrm>
+            <a:off x="2051825" y="1997400"/>
+            <a:ext cx="4587000" cy="1148700"/>
+          </a:xfrm>
+          <a:prstGeom prst="rect">
+            <a:avLst/>
+          </a:prstGeom>
+        </p:spPr>
+        <p:txBody>
+          <a:bodyPr anchorCtr="0" anchor="ctr" bIns="91425" lIns="91425" spcFirstLastPara="1" rIns="91425" wrap="square" tIns="91425">
+            <a:normAutofit/>
+          </a:bodyPr>
+          <a:lstStyle/>
+          <a:p>
+            <a:pPr indent="0" lvl="0" marL="0" rtl="0" algn="ctr">
+              <a:spcBef>
+                <a:spcPts val="0"/>
+              </a:spcBef>
+              <a:spcAft>
+                <a:spcPts val="0"/>
+              </a:spcAft>
+              <a:buNone/>
+            </a:pPr>
+            <a:r>
+              <a:rPr lang="en"/>
+              <a:t>Sign-in Form</a:t>
+            </a:r>
+            <a:endParaRPr/>
+          </a:p>
+        </p:txBody>
+      </p:sp>
+    </p:spTree>
+  </p:cSld>
+  <p:clrMapOvr>
+    <a:masterClrMapping/>
+  </p:clrMapOvr>
+</p:sld>
+</file>
+
+<file path=ppt/slides/slide7.xml><?xml version="1.0" encoding="utf-8"?>
+<p:sld xmlns:a="http://schemas.openxmlformats.org/drawingml/2006/main" xmlns:r="http://schemas.openxmlformats.org/officeDocument/2006/relationships" xmlns:mc="http://schemas.openxmlformats.org/markup-compatibility/2006" xmlns:mv="urn:schemas-microsoft-com:mac:vml" xmlns:p="http://schemas.openxmlformats.org/presentationml/2006/main" xmlns:c="http://schemas.openxmlformats.org/drawingml/2006/chart" xmlns:dgm="http://schemas.openxmlformats.org/drawingml/2006/diagram" xmlns:o="urn:schemas-microsoft-com:office:office" xmlns:v="urn:schemas-microsoft-com:vml" xmlns:pvml="urn:schemas-microsoft-com:office:powerpoint" xmlns:com="http://schemas.openxmlformats.org/drawingml/2006/compatibility" xmlns:p14="http://schemas.microsoft.com/office/powerpoint/2010/main" xmlns:p15="http://schemas.microsoft.com/office/powerpoint/2012/main" xmlns:ahyp="http://schemas.microsoft.com/office/drawing/2018/hyperlinkcolor">
+  <p:cSld>
+    <p:spTree>
+      <p:nvGrpSpPr>
+        <p:cNvPr id="164" name="Shape 164"/>
+        <p:cNvGrpSpPr/>
+        <p:nvPr/>
+      </p:nvGrpSpPr>
+      <p:grpSpPr>
+        <a:xfrm>
+          <a:off x="0" y="0"/>
+          <a:ext cx="0" cy="0"/>
+          <a:chOff x="0" y="0"/>
+          <a:chExt cx="0" cy="0"/>
+        </a:xfrm>
+      </p:grpSpPr>
+      <p:sp>
+        <p:nvSpPr>
+          <p:cNvPr id="165" name="Google Shape;165;p19"/>
+          <p:cNvSpPr txBox="1"/>
+          <p:nvPr>
+            <p:ph idx="1" type="body"/>
+          </p:nvPr>
+        </p:nvSpPr>
+        <p:spPr>
+          <a:xfrm>
+            <a:off x="355225" y="381550"/>
+            <a:ext cx="7981200" cy="4097100"/>
+          </a:xfrm>
+          <a:prstGeom prst="rect">
+            <a:avLst/>
+          </a:prstGeom>
+        </p:spPr>
+        <p:txBody>
+          <a:bodyPr anchorCtr="0" anchor="t" bIns="91425" lIns="91425" spcFirstLastPara="1" rIns="91425" wrap="square" tIns="91425">
+            <a:normAutofit/>
+          </a:bodyPr>
+          <a:lstStyle/>
+          <a:p>
+            <a:pPr indent="-349250" lvl="0" marL="457200" rtl="0" algn="l">
+              <a:spcBef>
+                <a:spcPts val="0"/>
+              </a:spcBef>
+              <a:spcAft>
+                <a:spcPts val="0"/>
+              </a:spcAft>
+              <a:buClr>
+                <a:srgbClr val="000000"/>
+              </a:buClr>
+              <a:buSzPts val="1900"/>
+              <a:buFont typeface="Times New Roman"/>
+              <a:buChar char="●"/>
+            </a:pPr>
+            <a:r>
+              <a:rPr lang="en" sz="1900">
+                <a:solidFill>
+                  <a:srgbClr val="000000"/>
+                </a:solidFill>
+                <a:highlight>
+                  <a:schemeClr val="lt1"/>
+                </a:highlight>
+                <a:latin typeface="Times New Roman"/>
+                <a:ea typeface="Times New Roman"/>
+                <a:cs typeface="Times New Roman"/>
+                <a:sym typeface="Times New Roman"/>
+              </a:rPr>
+              <a:t>Upon accessing the domain, users will be greeted with a login screen</a:t>
+            </a:r>
+            <a:endParaRPr sz="1900">
+              <a:solidFill>
+                <a:srgbClr val="000000"/>
+              </a:solidFill>
+              <a:highlight>
+                <a:schemeClr val="lt1"/>
+              </a:highlight>
+              <a:latin typeface="Times New Roman"/>
+              <a:ea typeface="Times New Roman"/>
+              <a:cs typeface="Times New Roman"/>
+              <a:sym typeface="Times New Roman"/>
+            </a:endParaRPr>
+          </a:p>
+          <a:p>
+            <a:pPr indent="-349250" lvl="0" marL="457200" rtl="0" algn="l">
+              <a:spcBef>
+                <a:spcPts val="0"/>
+              </a:spcBef>
+              <a:spcAft>
+                <a:spcPts val="0"/>
+              </a:spcAft>
+              <a:buClr>
+                <a:srgbClr val="000000"/>
+              </a:buClr>
+              <a:buSzPts val="1900"/>
+              <a:buFont typeface="Times New Roman"/>
+              <a:buChar char="●"/>
+            </a:pPr>
+            <a:r>
+              <a:rPr lang="en" sz="1900">
+                <a:solidFill>
+                  <a:srgbClr val="000000"/>
+                </a:solidFill>
+                <a:highlight>
+                  <a:schemeClr val="lt1"/>
+                </a:highlight>
+                <a:latin typeface="Times New Roman"/>
+                <a:ea typeface="Times New Roman"/>
+                <a:cs typeface="Times New Roman"/>
+                <a:sym typeface="Times New Roman"/>
+              </a:rPr>
+              <a:t>Two boxes, one for username, one for password</a:t>
+            </a:r>
+            <a:endParaRPr sz="1900">
+              <a:solidFill>
+                <a:srgbClr val="000000"/>
+              </a:solidFill>
+              <a:highlight>
+                <a:schemeClr val="lt1"/>
+              </a:highlight>
+              <a:latin typeface="Times New Roman"/>
+              <a:ea typeface="Times New Roman"/>
+              <a:cs typeface="Times New Roman"/>
+              <a:sym typeface="Times New Roman"/>
+            </a:endParaRPr>
+          </a:p>
+          <a:p>
+            <a:pPr indent="-349250" lvl="0" marL="457200" rtl="0" algn="l">
+              <a:spcBef>
+                <a:spcPts val="0"/>
+              </a:spcBef>
+              <a:spcAft>
+                <a:spcPts val="0"/>
+              </a:spcAft>
+              <a:buClr>
+                <a:srgbClr val="000000"/>
+              </a:buClr>
+              <a:buSzPts val="1900"/>
+              <a:buFont typeface="Times New Roman"/>
+              <a:buChar char="●"/>
+            </a:pPr>
+            <a:r>
+              <a:rPr lang="en" sz="1900">
+                <a:solidFill>
+                  <a:srgbClr val="000000"/>
+                </a:solidFill>
+                <a:highlight>
+                  <a:schemeClr val="lt1"/>
+                </a:highlight>
+                <a:latin typeface="Times New Roman"/>
+                <a:ea typeface="Times New Roman"/>
+                <a:cs typeface="Times New Roman"/>
+                <a:sym typeface="Times New Roman"/>
+              </a:rPr>
+              <a:t>Login button and signup button</a:t>
+            </a:r>
+            <a:endParaRPr sz="1900">
+              <a:solidFill>
+                <a:srgbClr val="000000"/>
+              </a:solidFill>
+              <a:highlight>
+                <a:schemeClr val="lt1"/>
+              </a:highlight>
+              <a:latin typeface="Times New Roman"/>
+              <a:ea typeface="Times New Roman"/>
+              <a:cs typeface="Times New Roman"/>
+              <a:sym typeface="Times New Roman"/>
+            </a:endParaRPr>
+          </a:p>
+          <a:p>
+            <a:pPr indent="-349250" lvl="0" marL="457200" rtl="0" algn="l">
+              <a:spcBef>
+                <a:spcPts val="0"/>
+              </a:spcBef>
+              <a:spcAft>
+                <a:spcPts val="0"/>
+              </a:spcAft>
+              <a:buClr>
+                <a:srgbClr val="000000"/>
+              </a:buClr>
+              <a:buSzPts val="1900"/>
+              <a:buFont typeface="Times New Roman"/>
+              <a:buChar char="●"/>
+            </a:pPr>
+            <a:r>
+              <a:rPr lang="en" sz="1900">
+                <a:solidFill>
+                  <a:srgbClr val="000000"/>
+                </a:solidFill>
+                <a:highlight>
+                  <a:schemeClr val="lt1"/>
+                </a:highlight>
+                <a:latin typeface="Times New Roman"/>
+                <a:ea typeface="Times New Roman"/>
+                <a:cs typeface="Times New Roman"/>
+                <a:sym typeface="Times New Roman"/>
+              </a:rPr>
+              <a:t>If login is not recognized, a message appears below the username and password box letting users know it is not recognized.</a:t>
+            </a:r>
+            <a:endParaRPr sz="1900">
+              <a:solidFill>
+                <a:srgbClr val="000000"/>
+              </a:solidFill>
+              <a:highlight>
+                <a:schemeClr val="lt1"/>
+              </a:highlight>
+              <a:latin typeface="Times New Roman"/>
+              <a:ea typeface="Times New Roman"/>
+              <a:cs typeface="Times New Roman"/>
+              <a:sym typeface="Times New Roman"/>
+            </a:endParaRPr>
+          </a:p>
+          <a:p>
+            <a:pPr indent="-393700" lvl="0" marL="457200" rtl="0" algn="l">
+              <a:spcBef>
+                <a:spcPts val="0"/>
+              </a:spcBef>
+              <a:spcAft>
+                <a:spcPts val="0"/>
+              </a:spcAft>
+              <a:buClr>
+                <a:srgbClr val="000000"/>
+              </a:buClr>
+              <a:buSzPts val="2600"/>
+              <a:buFont typeface="Times New Roman"/>
+              <a:buChar char="●"/>
+            </a:pPr>
+            <a:r>
+              <a:rPr lang="en" sz="1900">
+                <a:solidFill>
+                  <a:schemeClr val="dk1"/>
+                </a:solidFill>
+                <a:highlight>
+                  <a:schemeClr val="lt1"/>
+                </a:highlight>
+                <a:latin typeface="Times New Roman"/>
+                <a:ea typeface="Times New Roman"/>
+                <a:cs typeface="Times New Roman"/>
+                <a:sym typeface="Times New Roman"/>
+              </a:rPr>
+              <a:t>Need help option for recovering the user name and/or password</a:t>
+            </a:r>
+            <a:endParaRPr sz="1900">
+              <a:solidFill>
+                <a:schemeClr val="dk1"/>
+              </a:solidFill>
+              <a:highlight>
+                <a:schemeClr val="lt1"/>
+              </a:highlight>
+              <a:latin typeface="Times New Roman"/>
+              <a:ea typeface="Times New Roman"/>
+              <a:cs typeface="Times New Roman"/>
+              <a:sym typeface="Times New Roman"/>
+            </a:endParaRPr>
+          </a:p>
+          <a:p>
+            <a:pPr indent="-349250" lvl="1" marL="1371600" rtl="0" algn="l">
+              <a:spcBef>
+                <a:spcPts val="0"/>
+              </a:spcBef>
+              <a:spcAft>
+                <a:spcPts val="0"/>
+              </a:spcAft>
+              <a:buClr>
+                <a:schemeClr val="dk1"/>
+              </a:buClr>
+              <a:buSzPts val="1900"/>
+              <a:buFont typeface="Times New Roman"/>
+              <a:buChar char="○"/>
+            </a:pPr>
+            <a:r>
+              <a:rPr lang="en" sz="1900">
+                <a:solidFill>
+                  <a:schemeClr val="dk1"/>
+                </a:solidFill>
+                <a:highlight>
+                  <a:schemeClr val="lt1"/>
+                </a:highlight>
+                <a:latin typeface="Times New Roman"/>
+                <a:ea typeface="Times New Roman"/>
+                <a:cs typeface="Times New Roman"/>
+                <a:sym typeface="Times New Roman"/>
+              </a:rPr>
+              <a:t>Two recovery options will be provided: one for retrieving the username and another to reset the password</a:t>
+            </a:r>
+            <a:endParaRPr sz="2600">
+              <a:solidFill>
+                <a:schemeClr val="dk1"/>
+              </a:solidFill>
+              <a:highlight>
+                <a:schemeClr val="lt1"/>
+              </a:highlight>
+              <a:latin typeface="Times New Roman"/>
+              <a:ea typeface="Times New Roman"/>
+              <a:cs typeface="Times New Roman"/>
+              <a:sym typeface="Times New Roman"/>
+            </a:endParaRPr>
+          </a:p>
+          <a:p>
+            <a:pPr indent="-349250" lvl="0" marL="457200" rtl="0" algn="l">
+              <a:spcBef>
+                <a:spcPts val="0"/>
+              </a:spcBef>
+              <a:spcAft>
+                <a:spcPts val="0"/>
+              </a:spcAft>
+              <a:buClr>
+                <a:srgbClr val="000000"/>
+              </a:buClr>
+              <a:buSzPts val="1900"/>
+              <a:buFont typeface="Times New Roman"/>
+              <a:buChar char="●"/>
+            </a:pPr>
+            <a:r>
+              <a:rPr lang="en" sz="1900">
+                <a:solidFill>
+                  <a:srgbClr val="000000"/>
+                </a:solidFill>
+                <a:highlight>
+                  <a:schemeClr val="lt1"/>
+                </a:highlight>
+                <a:latin typeface="Times New Roman"/>
+                <a:ea typeface="Times New Roman"/>
+                <a:cs typeface="Times New Roman"/>
+                <a:sym typeface="Times New Roman"/>
+              </a:rPr>
+              <a:t>In itinerary modification mode, button to save the itinerary to the account. </a:t>
+            </a:r>
+            <a:endParaRPr sz="1900">
+              <a:solidFill>
+                <a:srgbClr val="000000"/>
+              </a:solidFill>
+              <a:highlight>
+                <a:schemeClr val="lt1"/>
+              </a:highlight>
+              <a:latin typeface="Times New Roman"/>
+              <a:ea typeface="Times New Roman"/>
+              <a:cs typeface="Times New Roman"/>
+              <a:sym typeface="Times New Roman"/>
+            </a:endParaRPr>
+          </a:p>
+          <a:p>
+            <a:pPr indent="-349250" lvl="0" marL="457200" rtl="0" algn="l">
+              <a:spcBef>
+                <a:spcPts val="0"/>
+              </a:spcBef>
+              <a:spcAft>
+                <a:spcPts val="0"/>
+              </a:spcAft>
+              <a:buClr>
+                <a:srgbClr val="000000"/>
+              </a:buClr>
+              <a:buSzPts val="1900"/>
+              <a:buFont typeface="Times New Roman"/>
+              <a:buChar char="●"/>
+            </a:pPr>
+            <a:r>
+              <a:rPr lang="en" sz="1900">
+                <a:solidFill>
+                  <a:srgbClr val="000000"/>
+                </a:solidFill>
+                <a:highlight>
+                  <a:schemeClr val="lt1"/>
+                </a:highlight>
+                <a:latin typeface="Times New Roman"/>
+                <a:ea typeface="Times New Roman"/>
+                <a:cs typeface="Times New Roman"/>
+                <a:sym typeface="Times New Roman"/>
+              </a:rPr>
+              <a:t>Option to sign in using a Google account</a:t>
+            </a:r>
+            <a:endParaRPr sz="1900">
+              <a:solidFill>
+                <a:srgbClr val="000000"/>
+              </a:solidFill>
+              <a:highlight>
+                <a:schemeClr val="lt1"/>
+              </a:highlight>
+              <a:latin typeface="Times New Roman"/>
+              <a:ea typeface="Times New Roman"/>
+              <a:cs typeface="Times New Roman"/>
+              <a:sym typeface="Times New Roman"/>
+            </a:endParaRPr>
+          </a:p>
+          <a:p>
+            <a:pPr indent="0" lvl="0" marL="0" rtl="0" algn="l">
+              <a:spcBef>
+                <a:spcPts val="0"/>
+              </a:spcBef>
+              <a:spcAft>
+                <a:spcPts val="1200"/>
+              </a:spcAft>
+              <a:buNone/>
+            </a:pPr>
+            <a:r>
+              <a:t/>
+            </a:r>
+            <a:endParaRPr/>
+          </a:p>
+        </p:txBody>
+      </p:sp>
+    </p:spTree>
+  </p:cSld>
+  <p:clrMapOvr>
+    <a:masterClrMapping/>
+  </p:clrMapOvr>
+</p:sld>
+</file>
+
+<file path=ppt/slides/slide8.xml><?xml version="1.0" encoding="utf-8"?>
+<p:sld xmlns:a="http://schemas.openxmlformats.org/drawingml/2006/main" xmlns:r="http://schemas.openxmlformats.org/officeDocument/2006/relationships" xmlns:mc="http://schemas.openxmlformats.org/markup-compatibility/2006" xmlns:mv="urn:schemas-microsoft-com:mac:vml" xmlns:p="http://schemas.openxmlformats.org/presentationml/2006/main" xmlns:c="http://schemas.openxmlformats.org/drawingml/2006/chart" xmlns:dgm="http://schemas.openxmlformats.org/drawingml/2006/diagram" xmlns:o="urn:schemas-microsoft-com:office:office" xmlns:v="urn:schemas-microsoft-com:vml" xmlns:pvml="urn:schemas-microsoft-com:office:powerpoint" xmlns:com="http://schemas.openxmlformats.org/drawingml/2006/compatibility" xmlns:p14="http://schemas.microsoft.com/office/powerpoint/2010/main" xmlns:p15="http://schemas.microsoft.com/office/powerpoint/2012/main" xmlns:ahyp="http://schemas.microsoft.com/office/drawing/2018/hyperlinkcolor">
+  <p:cSld>
+    <p:spTree>
+      <p:nvGrpSpPr>
+        <p:cNvPr id="169" name="Shape 169"/>
+        <p:cNvGrpSpPr/>
+        <p:nvPr/>
+      </p:nvGrpSpPr>
+      <p:grpSpPr>
+        <a:xfrm>
+          <a:off x="0" y="0"/>
+          <a:ext cx="0" cy="0"/>
+          <a:chOff x="0" y="0"/>
+          <a:chExt cx="0" cy="0"/>
+        </a:xfrm>
+      </p:grpSpPr>
+      <p:sp>
+        <p:nvSpPr>
+          <p:cNvPr id="170" name="Google Shape;170;p20"/>
+          <p:cNvSpPr txBox="1"/>
+          <p:nvPr>
+            <p:ph idx="1" type="body"/>
+          </p:nvPr>
+        </p:nvSpPr>
+        <p:spPr>
+          <a:xfrm>
+            <a:off x="486800" y="403475"/>
+            <a:ext cx="7849500" cy="4075200"/>
+          </a:xfrm>
+          <a:prstGeom prst="rect">
+            <a:avLst/>
+          </a:prstGeom>
+        </p:spPr>
+        <p:txBody>
+          <a:bodyPr anchorCtr="0" anchor="t" bIns="91425" lIns="91425" spcFirstLastPara="1" rIns="91425" wrap="square" tIns="91425">
+            <a:normAutofit/>
+          </a:bodyPr>
+          <a:lstStyle/>
+          <a:p>
+            <a:pPr indent="0" lvl="0" marL="0" rtl="0" algn="l">
+              <a:spcBef>
+                <a:spcPts val="0"/>
+              </a:spcBef>
+              <a:spcAft>
+                <a:spcPts val="1200"/>
+              </a:spcAft>
+              <a:buNone/>
+            </a:pPr>
+            <a:r>
+              <a:t/>
+            </a:r>
+            <a:endParaRPr/>
+          </a:p>
+        </p:txBody>
+      </p:sp>
+    </p:spTree>
+  </p:cSld>
+  <p:clrMapOvr>
+    <a:masterClrMapping/>
+  </p:clrMapOvr>
+</p:sld>
+</file>
+
+<file path=ppt/slides/slide9.xml><?xml version="1.0" encoding="utf-8"?>
+<p:sld xmlns:a="http://schemas.openxmlformats.org/drawingml/2006/main" xmlns:r="http://schemas.openxmlformats.org/officeDocument/2006/relationships" xmlns:mc="http://schemas.openxmlformats.org/markup-compatibility/2006" xmlns:mv="urn:schemas-microsoft-com:mac:vml" xmlns:p="http://schemas.openxmlformats.org/presentationml/2006/main" xmlns:c="http://schemas.openxmlformats.org/drawingml/2006/chart" xmlns:dgm="http://schemas.openxmlformats.org/drawingml/2006/diagram" xmlns:o="urn:schemas-microsoft-com:office:office" xmlns:v="urn:schemas-microsoft-com:vml" xmlns:pvml="urn:schemas-microsoft-com:office:powerpoint" xmlns:com="http://schemas.openxmlformats.org/drawingml/2006/compatibility" xmlns:p14="http://schemas.microsoft.com/office/powerpoint/2010/main" xmlns:p15="http://schemas.microsoft.com/office/powerpoint/2012/main" xmlns:ahyp="http://schemas.microsoft.com/office/drawing/2018/hyperlinkcolor">
+  <p:cSld>
+    <p:spTree>
+      <p:nvGrpSpPr>
+        <p:cNvPr id="174" name="Shape 174"/>
+        <p:cNvGrpSpPr/>
+        <p:nvPr/>
+      </p:nvGrpSpPr>
+      <p:grpSpPr>
+        <a:xfrm>
+          <a:off x="0" y="0"/>
+          <a:ext cx="0" cy="0"/>
+          <a:chOff x="0" y="0"/>
+          <a:chExt cx="0" cy="0"/>
+        </a:xfrm>
+      </p:grpSpPr>
+      <p:sp>
+        <p:nvSpPr>
+          <p:cNvPr id="175" name="Google Shape;175;p21"/>
           <p:cNvSpPr txBox="1"/>
           <p:nvPr>
             <p:ph type="title"/>
@@ -11411,522 +12805,7 @@
       </p:sp>
       <p:sp>
         <p:nvSpPr>
-          <p:cNvPr id="152" name="Google Shape;152;p16"/>
-          <p:cNvSpPr txBox="1"/>
-          <p:nvPr>
-            <p:ph idx="1" type="body"/>
-          </p:nvPr>
-        </p:nvSpPr>
-        <p:spPr>
-          <a:xfrm>
-            <a:off x="1297500" y="1567550"/>
-            <a:ext cx="7038900" cy="2911200"/>
-          </a:xfrm>
-          <a:prstGeom prst="rect">
-            <a:avLst/>
-          </a:prstGeom>
-        </p:spPr>
-        <p:txBody>
-          <a:bodyPr anchorCtr="0" anchor="t" bIns="91425" lIns="91425" spcFirstLastPara="1" rIns="91425" wrap="square" tIns="91425">
-            <a:normAutofit/>
-          </a:bodyPr>
-          <a:lstStyle/>
-          <a:p>
-            <a:pPr indent="0" lvl="0" marL="0" rtl="0" algn="l">
-              <a:spcBef>
-                <a:spcPts val="0"/>
-              </a:spcBef>
-              <a:spcAft>
-                <a:spcPts val="1200"/>
-              </a:spcAft>
-              <a:buNone/>
-            </a:pPr>
-            <a:r>
-              <a:t/>
-            </a:r>
-            <a:endParaRPr/>
-          </a:p>
-        </p:txBody>
-      </p:sp>
-    </p:spTree>
-  </p:cSld>
-  <p:clrMapOvr>
-    <a:masterClrMapping/>
-  </p:clrMapOvr>
-</p:sld>
-</file>
-
-<file path=ppt/slides/slide5.xml><?xml version="1.0" encoding="utf-8"?>
-<p:sld xmlns:a="http://schemas.openxmlformats.org/drawingml/2006/main" xmlns:r="http://schemas.openxmlformats.org/officeDocument/2006/relationships" xmlns:mc="http://schemas.openxmlformats.org/markup-compatibility/2006" xmlns:mv="urn:schemas-microsoft-com:mac:vml" xmlns:p="http://schemas.openxmlformats.org/presentationml/2006/main" xmlns:c="http://schemas.openxmlformats.org/drawingml/2006/chart" xmlns:dgm="http://schemas.openxmlformats.org/drawingml/2006/diagram" xmlns:o="urn:schemas-microsoft-com:office:office" xmlns:v="urn:schemas-microsoft-com:vml" xmlns:pvml="urn:schemas-microsoft-com:office:powerpoint" xmlns:com="http://schemas.openxmlformats.org/drawingml/2006/compatibility" xmlns:p14="http://schemas.microsoft.com/office/powerpoint/2010/main" xmlns:p15="http://schemas.microsoft.com/office/powerpoint/2012/main" xmlns:ahyp="http://schemas.microsoft.com/office/drawing/2018/hyperlinkcolor">
-  <p:cSld>
-    <p:spTree>
-      <p:nvGrpSpPr>
-        <p:cNvPr id="156" name="Shape 156"/>
-        <p:cNvGrpSpPr/>
-        <p:nvPr/>
-      </p:nvGrpSpPr>
-      <p:grpSpPr>
-        <a:xfrm>
-          <a:off x="0" y="0"/>
-          <a:ext cx="0" cy="0"/>
-          <a:chOff x="0" y="0"/>
-          <a:chExt cx="0" cy="0"/>
-        </a:xfrm>
-      </p:grpSpPr>
-      <p:sp>
-        <p:nvSpPr>
-          <p:cNvPr id="157" name="Google Shape;157;p17"/>
-          <p:cNvSpPr txBox="1"/>
-          <p:nvPr>
-            <p:ph type="title"/>
-          </p:nvPr>
-        </p:nvSpPr>
-        <p:spPr>
-          <a:xfrm>
-            <a:off x="1297500" y="393750"/>
-            <a:ext cx="7038900" cy="914100"/>
-          </a:xfrm>
-          <a:prstGeom prst="rect">
-            <a:avLst/>
-          </a:prstGeom>
-        </p:spPr>
-        <p:txBody>
-          <a:bodyPr anchorCtr="0" anchor="t" bIns="91425" lIns="91425" spcFirstLastPara="1" rIns="91425" wrap="square" tIns="91425">
-            <a:normAutofit/>
-          </a:bodyPr>
-          <a:lstStyle/>
-          <a:p>
-            <a:pPr indent="0" lvl="0" marL="0" rtl="0" algn="l">
-              <a:spcBef>
-                <a:spcPts val="0"/>
-              </a:spcBef>
-              <a:spcAft>
-                <a:spcPts val="0"/>
-              </a:spcAft>
-              <a:buNone/>
-            </a:pPr>
-            <a:r>
-              <a:t/>
-            </a:r>
-            <a:endParaRPr/>
-          </a:p>
-        </p:txBody>
-      </p:sp>
-      <p:sp>
-        <p:nvSpPr>
-          <p:cNvPr id="158" name="Google Shape;158;p17"/>
-          <p:cNvSpPr txBox="1"/>
-          <p:nvPr>
-            <p:ph idx="1" type="body"/>
-          </p:nvPr>
-        </p:nvSpPr>
-        <p:spPr>
-          <a:xfrm>
-            <a:off x="1297500" y="1567550"/>
-            <a:ext cx="7038900" cy="2911200"/>
-          </a:xfrm>
-          <a:prstGeom prst="rect">
-            <a:avLst/>
-          </a:prstGeom>
-        </p:spPr>
-        <p:txBody>
-          <a:bodyPr anchorCtr="0" anchor="t" bIns="91425" lIns="91425" spcFirstLastPara="1" rIns="91425" wrap="square" tIns="91425">
-            <a:normAutofit/>
-          </a:bodyPr>
-          <a:lstStyle/>
-          <a:p>
-            <a:pPr indent="0" lvl="0" marL="0" rtl="0" algn="l">
-              <a:spcBef>
-                <a:spcPts val="0"/>
-              </a:spcBef>
-              <a:spcAft>
-                <a:spcPts val="1200"/>
-              </a:spcAft>
-              <a:buNone/>
-            </a:pPr>
-            <a:r>
-              <a:t/>
-            </a:r>
-            <a:endParaRPr/>
-          </a:p>
-        </p:txBody>
-      </p:sp>
-    </p:spTree>
-  </p:cSld>
-  <p:clrMapOvr>
-    <a:masterClrMapping/>
-  </p:clrMapOvr>
-</p:sld>
-</file>
-
-<file path=ppt/slides/slide6.xml><?xml version="1.0" encoding="utf-8"?>
-<p:sld xmlns:a="http://schemas.openxmlformats.org/drawingml/2006/main" xmlns:r="http://schemas.openxmlformats.org/officeDocument/2006/relationships" xmlns:mc="http://schemas.openxmlformats.org/markup-compatibility/2006" xmlns:mv="urn:schemas-microsoft-com:mac:vml" xmlns:p="http://schemas.openxmlformats.org/presentationml/2006/main" xmlns:c="http://schemas.openxmlformats.org/drawingml/2006/chart" xmlns:dgm="http://schemas.openxmlformats.org/drawingml/2006/diagram" xmlns:o="urn:schemas-microsoft-com:office:office" xmlns:v="urn:schemas-microsoft-com:vml" xmlns:pvml="urn:schemas-microsoft-com:office:powerpoint" xmlns:com="http://schemas.openxmlformats.org/drawingml/2006/compatibility" xmlns:p14="http://schemas.microsoft.com/office/powerpoint/2010/main" xmlns:p15="http://schemas.microsoft.com/office/powerpoint/2012/main" xmlns:ahyp="http://schemas.microsoft.com/office/drawing/2018/hyperlinkcolor">
-  <p:cSld>
-    <p:spTree>
-      <p:nvGrpSpPr>
-        <p:cNvPr id="162" name="Shape 162"/>
-        <p:cNvGrpSpPr/>
-        <p:nvPr/>
-      </p:nvGrpSpPr>
-      <p:grpSpPr>
-        <a:xfrm>
-          <a:off x="0" y="0"/>
-          <a:ext cx="0" cy="0"/>
-          <a:chOff x="0" y="0"/>
-          <a:chExt cx="0" cy="0"/>
-        </a:xfrm>
-      </p:grpSpPr>
-      <p:sp>
-        <p:nvSpPr>
-          <p:cNvPr id="163" name="Google Shape;163;p18"/>
-          <p:cNvSpPr txBox="1"/>
-          <p:nvPr>
-            <p:ph type="title"/>
-          </p:nvPr>
-        </p:nvSpPr>
-        <p:spPr>
-          <a:xfrm>
-            <a:off x="1297500" y="393750"/>
-            <a:ext cx="7038900" cy="914100"/>
-          </a:xfrm>
-          <a:prstGeom prst="rect">
-            <a:avLst/>
-          </a:prstGeom>
-        </p:spPr>
-        <p:txBody>
-          <a:bodyPr anchorCtr="0" anchor="t" bIns="91425" lIns="91425" spcFirstLastPara="1" rIns="91425" wrap="square" tIns="91425">
-            <a:normAutofit/>
-          </a:bodyPr>
-          <a:lstStyle/>
-          <a:p>
-            <a:pPr indent="0" lvl="0" marL="0" rtl="0" algn="l">
-              <a:spcBef>
-                <a:spcPts val="0"/>
-              </a:spcBef>
-              <a:spcAft>
-                <a:spcPts val="0"/>
-              </a:spcAft>
-              <a:buNone/>
-            </a:pPr>
-            <a:r>
-              <a:t/>
-            </a:r>
-            <a:endParaRPr/>
-          </a:p>
-        </p:txBody>
-      </p:sp>
-      <p:sp>
-        <p:nvSpPr>
-          <p:cNvPr id="164" name="Google Shape;164;p18"/>
-          <p:cNvSpPr txBox="1"/>
-          <p:nvPr>
-            <p:ph idx="1" type="body"/>
-          </p:nvPr>
-        </p:nvSpPr>
-        <p:spPr>
-          <a:xfrm>
-            <a:off x="1297500" y="1567550"/>
-            <a:ext cx="7038900" cy="2911200"/>
-          </a:xfrm>
-          <a:prstGeom prst="rect">
-            <a:avLst/>
-          </a:prstGeom>
-        </p:spPr>
-        <p:txBody>
-          <a:bodyPr anchorCtr="0" anchor="t" bIns="91425" lIns="91425" spcFirstLastPara="1" rIns="91425" wrap="square" tIns="91425">
-            <a:normAutofit/>
-          </a:bodyPr>
-          <a:lstStyle/>
-          <a:p>
-            <a:pPr indent="0" lvl="0" marL="0" rtl="0" algn="l">
-              <a:spcBef>
-                <a:spcPts val="0"/>
-              </a:spcBef>
-              <a:spcAft>
-                <a:spcPts val="1200"/>
-              </a:spcAft>
-              <a:buNone/>
-            </a:pPr>
-            <a:r>
-              <a:t/>
-            </a:r>
-            <a:endParaRPr/>
-          </a:p>
-        </p:txBody>
-      </p:sp>
-    </p:spTree>
-  </p:cSld>
-  <p:clrMapOvr>
-    <a:masterClrMapping/>
-  </p:clrMapOvr>
-</p:sld>
-</file>
-
-<file path=ppt/slides/slide7.xml><?xml version="1.0" encoding="utf-8"?>
-<p:sld xmlns:a="http://schemas.openxmlformats.org/drawingml/2006/main" xmlns:r="http://schemas.openxmlformats.org/officeDocument/2006/relationships" xmlns:mc="http://schemas.openxmlformats.org/markup-compatibility/2006" xmlns:mv="urn:schemas-microsoft-com:mac:vml" xmlns:p="http://schemas.openxmlformats.org/presentationml/2006/main" xmlns:c="http://schemas.openxmlformats.org/drawingml/2006/chart" xmlns:dgm="http://schemas.openxmlformats.org/drawingml/2006/diagram" xmlns:o="urn:schemas-microsoft-com:office:office" xmlns:v="urn:schemas-microsoft-com:vml" xmlns:pvml="urn:schemas-microsoft-com:office:powerpoint" xmlns:com="http://schemas.openxmlformats.org/drawingml/2006/compatibility" xmlns:p14="http://schemas.microsoft.com/office/powerpoint/2010/main" xmlns:p15="http://schemas.microsoft.com/office/powerpoint/2012/main" xmlns:ahyp="http://schemas.microsoft.com/office/drawing/2018/hyperlinkcolor">
-  <p:cSld>
-    <p:spTree>
-      <p:nvGrpSpPr>
-        <p:cNvPr id="168" name="Shape 168"/>
-        <p:cNvGrpSpPr/>
-        <p:nvPr/>
-      </p:nvGrpSpPr>
-      <p:grpSpPr>
-        <a:xfrm>
-          <a:off x="0" y="0"/>
-          <a:ext cx="0" cy="0"/>
-          <a:chOff x="0" y="0"/>
-          <a:chExt cx="0" cy="0"/>
-        </a:xfrm>
-      </p:grpSpPr>
-      <p:sp>
-        <p:nvSpPr>
-          <p:cNvPr id="169" name="Google Shape;169;p19"/>
-          <p:cNvSpPr txBox="1"/>
-          <p:nvPr>
-            <p:ph type="title"/>
-          </p:nvPr>
-        </p:nvSpPr>
-        <p:spPr>
-          <a:xfrm>
-            <a:off x="1297500" y="393750"/>
-            <a:ext cx="7038900" cy="914100"/>
-          </a:xfrm>
-          <a:prstGeom prst="rect">
-            <a:avLst/>
-          </a:prstGeom>
-        </p:spPr>
-        <p:txBody>
-          <a:bodyPr anchorCtr="0" anchor="t" bIns="91425" lIns="91425" spcFirstLastPara="1" rIns="91425" wrap="square" tIns="91425">
-            <a:normAutofit/>
-          </a:bodyPr>
-          <a:lstStyle/>
-          <a:p>
-            <a:pPr indent="0" lvl="0" marL="0" rtl="0" algn="l">
-              <a:spcBef>
-                <a:spcPts val="0"/>
-              </a:spcBef>
-              <a:spcAft>
-                <a:spcPts val="0"/>
-              </a:spcAft>
-              <a:buNone/>
-            </a:pPr>
-            <a:r>
-              <a:t/>
-            </a:r>
-            <a:endParaRPr/>
-          </a:p>
-        </p:txBody>
-      </p:sp>
-      <p:sp>
-        <p:nvSpPr>
-          <p:cNvPr id="170" name="Google Shape;170;p19"/>
-          <p:cNvSpPr txBox="1"/>
-          <p:nvPr>
-            <p:ph idx="1" type="body"/>
-          </p:nvPr>
-        </p:nvSpPr>
-        <p:spPr>
-          <a:xfrm>
-            <a:off x="1297500" y="1567550"/>
-            <a:ext cx="7038900" cy="2911200"/>
-          </a:xfrm>
-          <a:prstGeom prst="rect">
-            <a:avLst/>
-          </a:prstGeom>
-        </p:spPr>
-        <p:txBody>
-          <a:bodyPr anchorCtr="0" anchor="t" bIns="91425" lIns="91425" spcFirstLastPara="1" rIns="91425" wrap="square" tIns="91425">
-            <a:normAutofit/>
-          </a:bodyPr>
-          <a:lstStyle/>
-          <a:p>
-            <a:pPr indent="0" lvl="0" marL="0" rtl="0" algn="l">
-              <a:spcBef>
-                <a:spcPts val="0"/>
-              </a:spcBef>
-              <a:spcAft>
-                <a:spcPts val="1200"/>
-              </a:spcAft>
-              <a:buNone/>
-            </a:pPr>
-            <a:r>
-              <a:t/>
-            </a:r>
-            <a:endParaRPr/>
-          </a:p>
-        </p:txBody>
-      </p:sp>
-    </p:spTree>
-  </p:cSld>
-  <p:clrMapOvr>
-    <a:masterClrMapping/>
-  </p:clrMapOvr>
-</p:sld>
-</file>
-
-<file path=ppt/slides/slide8.xml><?xml version="1.0" encoding="utf-8"?>
-<p:sld xmlns:a="http://schemas.openxmlformats.org/drawingml/2006/main" xmlns:r="http://schemas.openxmlformats.org/officeDocument/2006/relationships" xmlns:mc="http://schemas.openxmlformats.org/markup-compatibility/2006" xmlns:mv="urn:schemas-microsoft-com:mac:vml" xmlns:p="http://schemas.openxmlformats.org/presentationml/2006/main" xmlns:c="http://schemas.openxmlformats.org/drawingml/2006/chart" xmlns:dgm="http://schemas.openxmlformats.org/drawingml/2006/diagram" xmlns:o="urn:schemas-microsoft-com:office:office" xmlns:v="urn:schemas-microsoft-com:vml" xmlns:pvml="urn:schemas-microsoft-com:office:powerpoint" xmlns:com="http://schemas.openxmlformats.org/drawingml/2006/compatibility" xmlns:p14="http://schemas.microsoft.com/office/powerpoint/2010/main" xmlns:p15="http://schemas.microsoft.com/office/powerpoint/2012/main" xmlns:ahyp="http://schemas.microsoft.com/office/drawing/2018/hyperlinkcolor">
-  <p:cSld>
-    <p:spTree>
-      <p:nvGrpSpPr>
-        <p:cNvPr id="174" name="Shape 174"/>
-        <p:cNvGrpSpPr/>
-        <p:nvPr/>
-      </p:nvGrpSpPr>
-      <p:grpSpPr>
-        <a:xfrm>
-          <a:off x="0" y="0"/>
-          <a:ext cx="0" cy="0"/>
-          <a:chOff x="0" y="0"/>
-          <a:chExt cx="0" cy="0"/>
-        </a:xfrm>
-      </p:grpSpPr>
-      <p:sp>
-        <p:nvSpPr>
-          <p:cNvPr id="175" name="Google Shape;175;p20"/>
-          <p:cNvSpPr txBox="1"/>
-          <p:nvPr>
-            <p:ph type="title"/>
-          </p:nvPr>
-        </p:nvSpPr>
-        <p:spPr>
-          <a:xfrm>
-            <a:off x="1297500" y="393750"/>
-            <a:ext cx="7038900" cy="914100"/>
-          </a:xfrm>
-          <a:prstGeom prst="rect">
-            <a:avLst/>
-          </a:prstGeom>
-        </p:spPr>
-        <p:txBody>
-          <a:bodyPr anchorCtr="0" anchor="t" bIns="91425" lIns="91425" spcFirstLastPara="1" rIns="91425" wrap="square" tIns="91425">
-            <a:normAutofit/>
-          </a:bodyPr>
-          <a:lstStyle/>
-          <a:p>
-            <a:pPr indent="0" lvl="0" marL="0" rtl="0" algn="l">
-              <a:spcBef>
-                <a:spcPts val="0"/>
-              </a:spcBef>
-              <a:spcAft>
-                <a:spcPts val="0"/>
-              </a:spcAft>
-              <a:buNone/>
-            </a:pPr>
-            <a:r>
-              <a:t/>
-            </a:r>
-            <a:endParaRPr/>
-          </a:p>
-        </p:txBody>
-      </p:sp>
-      <p:sp>
-        <p:nvSpPr>
-          <p:cNvPr id="176" name="Google Shape;176;p20"/>
-          <p:cNvSpPr txBox="1"/>
-          <p:nvPr>
-            <p:ph idx="1" type="body"/>
-          </p:nvPr>
-        </p:nvSpPr>
-        <p:spPr>
-          <a:xfrm>
-            <a:off x="1297500" y="1567550"/>
-            <a:ext cx="7038900" cy="2911200"/>
-          </a:xfrm>
-          <a:prstGeom prst="rect">
-            <a:avLst/>
-          </a:prstGeom>
-        </p:spPr>
-        <p:txBody>
-          <a:bodyPr anchorCtr="0" anchor="t" bIns="91425" lIns="91425" spcFirstLastPara="1" rIns="91425" wrap="square" tIns="91425">
-            <a:normAutofit/>
-          </a:bodyPr>
-          <a:lstStyle/>
-          <a:p>
-            <a:pPr indent="0" lvl="0" marL="0" rtl="0" algn="l">
-              <a:spcBef>
-                <a:spcPts val="0"/>
-              </a:spcBef>
-              <a:spcAft>
-                <a:spcPts val="1200"/>
-              </a:spcAft>
-              <a:buNone/>
-            </a:pPr>
-            <a:r>
-              <a:t/>
-            </a:r>
-            <a:endParaRPr/>
-          </a:p>
-        </p:txBody>
-      </p:sp>
-    </p:spTree>
-  </p:cSld>
-  <p:clrMapOvr>
-    <a:masterClrMapping/>
-  </p:clrMapOvr>
-</p:sld>
-</file>
-
-<file path=ppt/slides/slide9.xml><?xml version="1.0" encoding="utf-8"?>
-<p:sld xmlns:a="http://schemas.openxmlformats.org/drawingml/2006/main" xmlns:r="http://schemas.openxmlformats.org/officeDocument/2006/relationships" xmlns:mc="http://schemas.openxmlformats.org/markup-compatibility/2006" xmlns:mv="urn:schemas-microsoft-com:mac:vml" xmlns:p="http://schemas.openxmlformats.org/presentationml/2006/main" xmlns:c="http://schemas.openxmlformats.org/drawingml/2006/chart" xmlns:dgm="http://schemas.openxmlformats.org/drawingml/2006/diagram" xmlns:o="urn:schemas-microsoft-com:office:office" xmlns:v="urn:schemas-microsoft-com:vml" xmlns:pvml="urn:schemas-microsoft-com:office:powerpoint" xmlns:com="http://schemas.openxmlformats.org/drawingml/2006/compatibility" xmlns:p14="http://schemas.microsoft.com/office/powerpoint/2010/main" xmlns:p15="http://schemas.microsoft.com/office/powerpoint/2012/main" xmlns:ahyp="http://schemas.microsoft.com/office/drawing/2018/hyperlinkcolor">
-  <p:cSld>
-    <p:spTree>
-      <p:nvGrpSpPr>
-        <p:cNvPr id="180" name="Shape 180"/>
-        <p:cNvGrpSpPr/>
-        <p:nvPr/>
-      </p:nvGrpSpPr>
-      <p:grpSpPr>
-        <a:xfrm>
-          <a:off x="0" y="0"/>
-          <a:ext cx="0" cy="0"/>
-          <a:chOff x="0" y="0"/>
-          <a:chExt cx="0" cy="0"/>
-        </a:xfrm>
-      </p:grpSpPr>
-      <p:sp>
-        <p:nvSpPr>
-          <p:cNvPr id="181" name="Google Shape;181;p21"/>
-          <p:cNvSpPr txBox="1"/>
-          <p:nvPr>
-            <p:ph type="title"/>
-          </p:nvPr>
-        </p:nvSpPr>
-        <p:spPr>
-          <a:xfrm>
-            <a:off x="1297500" y="393750"/>
-            <a:ext cx="7038900" cy="914100"/>
-          </a:xfrm>
-          <a:prstGeom prst="rect">
-            <a:avLst/>
-          </a:prstGeom>
-        </p:spPr>
-        <p:txBody>
-          <a:bodyPr anchorCtr="0" anchor="t" bIns="91425" lIns="91425" spcFirstLastPara="1" rIns="91425" wrap="square" tIns="91425">
-            <a:normAutofit/>
-          </a:bodyPr>
-          <a:lstStyle/>
-          <a:p>
-            <a:pPr indent="0" lvl="0" marL="0" rtl="0" algn="l">
-              <a:spcBef>
-                <a:spcPts val="0"/>
-              </a:spcBef>
-              <a:spcAft>
-                <a:spcPts val="0"/>
-              </a:spcAft>
-              <a:buNone/>
-            </a:pPr>
-            <a:r>
-              <a:t/>
-            </a:r>
-            <a:endParaRPr/>
-          </a:p>
-        </p:txBody>
-      </p:sp>
-      <p:sp>
-        <p:nvSpPr>
-          <p:cNvPr id="182" name="Google Shape;182;p21"/>
+          <p:cNvPr id="176" name="Google Shape;176;p21"/>
           <p:cNvSpPr txBox="1"/>
           <p:nvPr>
             <p:ph idx="1" type="body"/>

--- a/Documents/CSCI 4805 Project Requirements.pptx
+++ b/Documents/CSCI 4805 Project Requirements.pptx
@@ -25,23 +25,27 @@
     <p:sldId id="270" r:id="rId20"/>
     <p:sldId id="271" r:id="rId21"/>
     <p:sldId id="272" r:id="rId22"/>
+    <p:sldId id="273" r:id="rId23"/>
+    <p:sldId id="274" r:id="rId24"/>
+    <p:sldId id="275" r:id="rId25"/>
+    <p:sldId id="276" r:id="rId26"/>
   </p:sldIdLst>
   <p:sldSz cy="5143500" cx="9144000"/>
   <p:notesSz cx="6858000" cy="9144000"/>
   <p:embeddedFontLst>
     <p:embeddedFont>
       <p:font typeface="Montserrat"/>
-      <p:regular r:id="rId23"/>
-      <p:bold r:id="rId24"/>
-      <p:italic r:id="rId25"/>
-      <p:boldItalic r:id="rId26"/>
-    </p:embeddedFont>
-    <p:embeddedFont>
-      <p:font typeface="Lato"/>
       <p:regular r:id="rId27"/>
       <p:bold r:id="rId28"/>
       <p:italic r:id="rId29"/>
       <p:boldItalic r:id="rId30"/>
+    </p:embeddedFont>
+    <p:embeddedFont>
+      <p:font typeface="Lato"/>
+      <p:regular r:id="rId31"/>
+      <p:bold r:id="rId32"/>
+      <p:italic r:id="rId33"/>
+      <p:boldItalic r:id="rId34"/>
     </p:embeddedFont>
   </p:embeddedFontLst>
   <p:defaultTextStyle>
@@ -822,7 +826,7 @@
   <p:cSld>
     <p:spTree>
       <p:nvGrpSpPr>
-        <p:cNvPr id="177" name="Shape 177"/>
+        <p:cNvPr id="176" name="Shape 176"/>
         <p:cNvGrpSpPr/>
         <p:nvPr/>
       </p:nvGrpSpPr>
@@ -836,7 +840,7 @@
       </p:grpSpPr>
       <p:sp>
         <p:nvSpPr>
-          <p:cNvPr id="178" name="Google Shape;178;g37c18867a41_0_30:notes"/>
+          <p:cNvPr id="177" name="Google Shape;177;g37eecc9ff4d_0_9:notes"/>
           <p:cNvSpPr/>
           <p:nvPr>
             <p:ph idx="2" type="sldImg"/>
@@ -871,7 +875,7 @@
       </p:sp>
       <p:sp>
         <p:nvSpPr>
-          <p:cNvPr id="179" name="Google Shape;179;g37c18867a41_0_30:notes"/>
+          <p:cNvPr id="178" name="Google Shape;178;g37eecc9ff4d_0_9:notes"/>
           <p:cNvSpPr txBox="1"/>
           <p:nvPr>
             <p:ph idx="1" type="body"/>
@@ -921,7 +925,7 @@
   <p:cSld>
     <p:spTree>
       <p:nvGrpSpPr>
-        <p:cNvPr id="183" name="Shape 183"/>
+        <p:cNvPr id="181" name="Shape 181"/>
         <p:cNvGrpSpPr/>
         <p:nvPr/>
       </p:nvGrpSpPr>
@@ -935,7 +939,7 @@
       </p:grpSpPr>
       <p:sp>
         <p:nvSpPr>
-          <p:cNvPr id="184" name="Google Shape;184;g37c18867a41_0_35:notes"/>
+          <p:cNvPr id="182" name="Google Shape;182;g37c18867a41_0_20:notes"/>
           <p:cNvSpPr/>
           <p:nvPr>
             <p:ph idx="2" type="sldImg"/>
@@ -970,7 +974,7 @@
       </p:sp>
       <p:sp>
         <p:nvSpPr>
-          <p:cNvPr id="185" name="Google Shape;185;g37c18867a41_0_35:notes"/>
+          <p:cNvPr id="183" name="Google Shape;183;g37c18867a41_0_20:notes"/>
           <p:cNvSpPr txBox="1"/>
           <p:nvPr>
             <p:ph idx="1" type="body"/>
@@ -1020,7 +1024,7 @@
   <p:cSld>
     <p:spTree>
       <p:nvGrpSpPr>
-        <p:cNvPr id="189" name="Shape 189"/>
+        <p:cNvPr id="186" name="Shape 186"/>
         <p:cNvGrpSpPr/>
         <p:nvPr/>
       </p:nvGrpSpPr>
@@ -1034,7 +1038,7 @@
       </p:grpSpPr>
       <p:sp>
         <p:nvSpPr>
-          <p:cNvPr id="190" name="Google Shape;190;g37c18867a41_0_40:notes"/>
+          <p:cNvPr id="187" name="Google Shape;187;g37eecc9ff4d_0_13:notes"/>
           <p:cNvSpPr/>
           <p:nvPr>
             <p:ph idx="2" type="sldImg"/>
@@ -1069,7 +1073,7 @@
       </p:sp>
       <p:sp>
         <p:nvSpPr>
-          <p:cNvPr id="191" name="Google Shape;191;g37c18867a41_0_40:notes"/>
+          <p:cNvPr id="188" name="Google Shape;188;g37eecc9ff4d_0_13:notes"/>
           <p:cNvSpPr txBox="1"/>
           <p:nvPr>
             <p:ph idx="1" type="body"/>
@@ -1119,7 +1123,7 @@
   <p:cSld>
     <p:spTree>
       <p:nvGrpSpPr>
-        <p:cNvPr id="195" name="Shape 195"/>
+        <p:cNvPr id="191" name="Shape 191"/>
         <p:cNvGrpSpPr/>
         <p:nvPr/>
       </p:nvGrpSpPr>
@@ -1133,7 +1137,7 @@
       </p:grpSpPr>
       <p:sp>
         <p:nvSpPr>
-          <p:cNvPr id="196" name="Google Shape;196;g37c18867a41_0_45:notes"/>
+          <p:cNvPr id="192" name="Google Shape;192;g37c18867a41_0_25:notes"/>
           <p:cNvSpPr/>
           <p:nvPr>
             <p:ph idx="2" type="sldImg"/>
@@ -1168,7 +1172,7 @@
       </p:sp>
       <p:sp>
         <p:nvSpPr>
-          <p:cNvPr id="197" name="Google Shape;197;g37c18867a41_0_45:notes"/>
+          <p:cNvPr id="193" name="Google Shape;193;g37c18867a41_0_25:notes"/>
           <p:cNvSpPr txBox="1"/>
           <p:nvPr>
             <p:ph idx="1" type="body"/>
@@ -1218,7 +1222,7 @@
   <p:cSld>
     <p:spTree>
       <p:nvGrpSpPr>
-        <p:cNvPr id="201" name="Shape 201"/>
+        <p:cNvPr id="197" name="Shape 197"/>
         <p:cNvGrpSpPr/>
         <p:nvPr/>
       </p:nvGrpSpPr>
@@ -1232,7 +1236,7 @@
       </p:grpSpPr>
       <p:sp>
         <p:nvSpPr>
-          <p:cNvPr id="202" name="Google Shape;202;g37c18867a41_0_50:notes"/>
+          <p:cNvPr id="198" name="Google Shape;198;g37c18867a41_0_30:notes"/>
           <p:cNvSpPr/>
           <p:nvPr>
             <p:ph idx="2" type="sldImg"/>
@@ -1267,7 +1271,7 @@
       </p:sp>
       <p:sp>
         <p:nvSpPr>
-          <p:cNvPr id="203" name="Google Shape;203;g37c18867a41_0_50:notes"/>
+          <p:cNvPr id="199" name="Google Shape;199;g37c18867a41_0_30:notes"/>
           <p:cNvSpPr txBox="1"/>
           <p:nvPr>
             <p:ph idx="1" type="body"/>
@@ -1317,7 +1321,7 @@
   <p:cSld>
     <p:spTree>
       <p:nvGrpSpPr>
-        <p:cNvPr id="207" name="Shape 207"/>
+        <p:cNvPr id="202" name="Shape 202"/>
         <p:cNvGrpSpPr/>
         <p:nvPr/>
       </p:nvGrpSpPr>
@@ -1331,7 +1335,7 @@
       </p:grpSpPr>
       <p:sp>
         <p:nvSpPr>
-          <p:cNvPr id="208" name="Google Shape;208;g37c18867a41_0_55:notes"/>
+          <p:cNvPr id="203" name="Google Shape;203;g37c18867a41_0_35:notes"/>
           <p:cNvSpPr/>
           <p:nvPr>
             <p:ph idx="2" type="sldImg"/>
@@ -1366,7 +1370,7 @@
       </p:sp>
       <p:sp>
         <p:nvSpPr>
-          <p:cNvPr id="209" name="Google Shape;209;g37c18867a41_0_55:notes"/>
+          <p:cNvPr id="204" name="Google Shape;204;g37c18867a41_0_35:notes"/>
           <p:cNvSpPr txBox="1"/>
           <p:nvPr>
             <p:ph idx="1" type="body"/>
@@ -1416,7 +1420,7 @@
   <p:cSld>
     <p:spTree>
       <p:nvGrpSpPr>
-        <p:cNvPr id="213" name="Shape 213"/>
+        <p:cNvPr id="207" name="Shape 207"/>
         <p:cNvGrpSpPr/>
         <p:nvPr/>
       </p:nvGrpSpPr>
@@ -1430,7 +1434,7 @@
       </p:grpSpPr>
       <p:sp>
         <p:nvSpPr>
-          <p:cNvPr id="214" name="Google Shape;214;g37c18867a41_0_60:notes"/>
+          <p:cNvPr id="208" name="Google Shape;208;g37c18867a41_0_40:notes"/>
           <p:cNvSpPr/>
           <p:nvPr>
             <p:ph idx="2" type="sldImg"/>
@@ -1465,7 +1469,7 @@
       </p:sp>
       <p:sp>
         <p:nvSpPr>
-          <p:cNvPr id="215" name="Google Shape;215;g37c18867a41_0_60:notes"/>
+          <p:cNvPr id="209" name="Google Shape;209;g37c18867a41_0_40:notes"/>
           <p:cNvSpPr txBox="1"/>
           <p:nvPr>
             <p:ph idx="1" type="body"/>
@@ -1515,7 +1519,7 @@
   <p:cSld>
     <p:spTree>
       <p:nvGrpSpPr>
-        <p:cNvPr id="219" name="Shape 219"/>
+        <p:cNvPr id="212" name="Shape 212"/>
         <p:cNvGrpSpPr/>
         <p:nvPr/>
       </p:nvGrpSpPr>
@@ -1529,7 +1533,7 @@
       </p:grpSpPr>
       <p:sp>
         <p:nvSpPr>
-          <p:cNvPr id="220" name="Google Shape;220;g37c18867a41_0_65:notes"/>
+          <p:cNvPr id="213" name="Google Shape;213;g37c18867a41_0_45:notes"/>
           <p:cNvSpPr/>
           <p:nvPr>
             <p:ph idx="2" type="sldImg"/>
@@ -1564,7 +1568,205 @@
       </p:sp>
       <p:sp>
         <p:nvSpPr>
-          <p:cNvPr id="221" name="Google Shape;221;g37c18867a41_0_65:notes"/>
+          <p:cNvPr id="214" name="Google Shape;214;g37c18867a41_0_45:notes"/>
+          <p:cNvSpPr txBox="1"/>
+          <p:nvPr>
+            <p:ph idx="1" type="body"/>
+          </p:nvPr>
+        </p:nvSpPr>
+        <p:spPr>
+          <a:xfrm>
+            <a:off x="685800" y="4343400"/>
+            <a:ext cx="5486400" cy="4114800"/>
+          </a:xfrm>
+          <a:prstGeom prst="rect">
+            <a:avLst/>
+          </a:prstGeom>
+        </p:spPr>
+        <p:txBody>
+          <a:bodyPr anchorCtr="0" anchor="t" bIns="91425" lIns="91425" spcFirstLastPara="1" rIns="91425" wrap="square" tIns="91425">
+            <a:noAutofit/>
+          </a:bodyPr>
+          <a:lstStyle/>
+          <a:p>
+            <a:pPr indent="0" lvl="0" marL="0" rtl="0" algn="l">
+              <a:spcBef>
+                <a:spcPts val="0"/>
+              </a:spcBef>
+              <a:spcAft>
+                <a:spcPts val="0"/>
+              </a:spcAft>
+              <a:buNone/>
+            </a:pPr>
+            <a:r>
+              <a:t/>
+            </a:r>
+            <a:endParaRPr/>
+          </a:p>
+        </p:txBody>
+      </p:sp>
+    </p:spTree>
+  </p:cSld>
+  <p:clrMapOvr>
+    <a:masterClrMapping/>
+  </p:clrMapOvr>
+</p:notes>
+</file>
+
+<file path=ppt/notesSlides/notesSlide18.xml><?xml version="1.0" encoding="utf-8"?>
+<p:notes xmlns:a="http://schemas.openxmlformats.org/drawingml/2006/main" xmlns:r="http://schemas.openxmlformats.org/officeDocument/2006/relationships" xmlns:mc="http://schemas.openxmlformats.org/markup-compatibility/2006" xmlns:mv="urn:schemas-microsoft-com:mac:vml" xmlns:p="http://schemas.openxmlformats.org/presentationml/2006/main" xmlns:c="http://schemas.openxmlformats.org/drawingml/2006/chart" xmlns:dgm="http://schemas.openxmlformats.org/drawingml/2006/diagram" xmlns:o="urn:schemas-microsoft-com:office:office" xmlns:v="urn:schemas-microsoft-com:vml" xmlns:pvml="urn:schemas-microsoft-com:office:powerpoint" xmlns:com="http://schemas.openxmlformats.org/drawingml/2006/compatibility" xmlns:p14="http://schemas.microsoft.com/office/powerpoint/2010/main" xmlns:p15="http://schemas.microsoft.com/office/powerpoint/2012/main" xmlns:ahyp="http://schemas.microsoft.com/office/drawing/2018/hyperlinkcolor" showMasterPhAnim="0" showMasterSp="0">
+  <p:cSld>
+    <p:spTree>
+      <p:nvGrpSpPr>
+        <p:cNvPr id="217" name="Shape 217"/>
+        <p:cNvGrpSpPr/>
+        <p:nvPr/>
+      </p:nvGrpSpPr>
+      <p:grpSpPr>
+        <a:xfrm>
+          <a:off x="0" y="0"/>
+          <a:ext cx="0" cy="0"/>
+          <a:chOff x="0" y="0"/>
+          <a:chExt cx="0" cy="0"/>
+        </a:xfrm>
+      </p:grpSpPr>
+      <p:sp>
+        <p:nvSpPr>
+          <p:cNvPr id="218" name="Google Shape;218;g37c18867a41_0_50:notes"/>
+          <p:cNvSpPr/>
+          <p:nvPr>
+            <p:ph idx="2" type="sldImg"/>
+          </p:nvPr>
+        </p:nvSpPr>
+        <p:spPr>
+          <a:xfrm>
+            <a:off x="381300" y="685800"/>
+            <a:ext cx="6096000" cy="3429000"/>
+          </a:xfrm>
+          <a:custGeom>
+            <a:rect b="b" l="l" r="r" t="t"/>
+            <a:pathLst>
+              <a:path extrusionOk="0" h="120000" w="120000">
+                <a:moveTo>
+                  <a:pt x="0" y="0"/>
+                </a:moveTo>
+                <a:lnTo>
+                  <a:pt x="120000" y="0"/>
+                </a:lnTo>
+                <a:lnTo>
+                  <a:pt x="120000" y="120000"/>
+                </a:lnTo>
+                <a:lnTo>
+                  <a:pt x="0" y="120000"/>
+                </a:lnTo>
+                <a:close/>
+              </a:path>
+            </a:pathLst>
+          </a:custGeom>
+        </p:spPr>
+      </p:sp>
+      <p:sp>
+        <p:nvSpPr>
+          <p:cNvPr id="219" name="Google Shape;219;g37c18867a41_0_50:notes"/>
+          <p:cNvSpPr txBox="1"/>
+          <p:nvPr>
+            <p:ph idx="1" type="body"/>
+          </p:nvPr>
+        </p:nvSpPr>
+        <p:spPr>
+          <a:xfrm>
+            <a:off x="685800" y="4343400"/>
+            <a:ext cx="5486400" cy="4114800"/>
+          </a:xfrm>
+          <a:prstGeom prst="rect">
+            <a:avLst/>
+          </a:prstGeom>
+        </p:spPr>
+        <p:txBody>
+          <a:bodyPr anchorCtr="0" anchor="t" bIns="91425" lIns="91425" spcFirstLastPara="1" rIns="91425" wrap="square" tIns="91425">
+            <a:noAutofit/>
+          </a:bodyPr>
+          <a:lstStyle/>
+          <a:p>
+            <a:pPr indent="0" lvl="0" marL="0" rtl="0" algn="l">
+              <a:spcBef>
+                <a:spcPts val="0"/>
+              </a:spcBef>
+              <a:spcAft>
+                <a:spcPts val="0"/>
+              </a:spcAft>
+              <a:buNone/>
+            </a:pPr>
+            <a:r>
+              <a:t/>
+            </a:r>
+            <a:endParaRPr/>
+          </a:p>
+        </p:txBody>
+      </p:sp>
+    </p:spTree>
+  </p:cSld>
+  <p:clrMapOvr>
+    <a:masterClrMapping/>
+  </p:clrMapOvr>
+</p:notes>
+</file>
+
+<file path=ppt/notesSlides/notesSlide19.xml><?xml version="1.0" encoding="utf-8"?>
+<p:notes xmlns:a="http://schemas.openxmlformats.org/drawingml/2006/main" xmlns:r="http://schemas.openxmlformats.org/officeDocument/2006/relationships" xmlns:mc="http://schemas.openxmlformats.org/markup-compatibility/2006" xmlns:mv="urn:schemas-microsoft-com:mac:vml" xmlns:p="http://schemas.openxmlformats.org/presentationml/2006/main" xmlns:c="http://schemas.openxmlformats.org/drawingml/2006/chart" xmlns:dgm="http://schemas.openxmlformats.org/drawingml/2006/diagram" xmlns:o="urn:schemas-microsoft-com:office:office" xmlns:v="urn:schemas-microsoft-com:vml" xmlns:pvml="urn:schemas-microsoft-com:office:powerpoint" xmlns:com="http://schemas.openxmlformats.org/drawingml/2006/compatibility" xmlns:p14="http://schemas.microsoft.com/office/powerpoint/2010/main" xmlns:p15="http://schemas.microsoft.com/office/powerpoint/2012/main" xmlns:ahyp="http://schemas.microsoft.com/office/drawing/2018/hyperlinkcolor" showMasterPhAnim="0" showMasterSp="0">
+  <p:cSld>
+    <p:spTree>
+      <p:nvGrpSpPr>
+        <p:cNvPr id="223" name="Shape 223"/>
+        <p:cNvGrpSpPr/>
+        <p:nvPr/>
+      </p:nvGrpSpPr>
+      <p:grpSpPr>
+        <a:xfrm>
+          <a:off x="0" y="0"/>
+          <a:ext cx="0" cy="0"/>
+          <a:chOff x="0" y="0"/>
+          <a:chExt cx="0" cy="0"/>
+        </a:xfrm>
+      </p:grpSpPr>
+      <p:sp>
+        <p:nvSpPr>
+          <p:cNvPr id="224" name="Google Shape;224;g37c18867a41_0_55:notes"/>
+          <p:cNvSpPr/>
+          <p:nvPr>
+            <p:ph idx="2" type="sldImg"/>
+          </p:nvPr>
+        </p:nvSpPr>
+        <p:spPr>
+          <a:xfrm>
+            <a:off x="381300" y="685800"/>
+            <a:ext cx="6096000" cy="3429000"/>
+          </a:xfrm>
+          <a:custGeom>
+            <a:rect b="b" l="l" r="r" t="t"/>
+            <a:pathLst>
+              <a:path extrusionOk="0" h="120000" w="120000">
+                <a:moveTo>
+                  <a:pt x="0" y="0"/>
+                </a:moveTo>
+                <a:lnTo>
+                  <a:pt x="120000" y="0"/>
+                </a:lnTo>
+                <a:lnTo>
+                  <a:pt x="120000" y="120000"/>
+                </a:lnTo>
+                <a:lnTo>
+                  <a:pt x="0" y="120000"/>
+                </a:lnTo>
+                <a:close/>
+              </a:path>
+            </a:pathLst>
+          </a:custGeom>
+        </p:spPr>
+      </p:sp>
+      <p:sp>
+        <p:nvSpPr>
+          <p:cNvPr id="225" name="Google Shape;225;g37c18867a41_0_55:notes"/>
           <p:cNvSpPr txBox="1"/>
           <p:nvPr>
             <p:ph idx="1" type="body"/>
@@ -1708,6 +1910,204 @@
 </p:notes>
 </file>
 
+<file path=ppt/notesSlides/notesSlide20.xml><?xml version="1.0" encoding="utf-8"?>
+<p:notes xmlns:a="http://schemas.openxmlformats.org/drawingml/2006/main" xmlns:r="http://schemas.openxmlformats.org/officeDocument/2006/relationships" xmlns:mc="http://schemas.openxmlformats.org/markup-compatibility/2006" xmlns:mv="urn:schemas-microsoft-com:mac:vml" xmlns:p="http://schemas.openxmlformats.org/presentationml/2006/main" xmlns:c="http://schemas.openxmlformats.org/drawingml/2006/chart" xmlns:dgm="http://schemas.openxmlformats.org/drawingml/2006/diagram" xmlns:o="urn:schemas-microsoft-com:office:office" xmlns:v="urn:schemas-microsoft-com:vml" xmlns:pvml="urn:schemas-microsoft-com:office:powerpoint" xmlns:com="http://schemas.openxmlformats.org/drawingml/2006/compatibility" xmlns:p14="http://schemas.microsoft.com/office/powerpoint/2010/main" xmlns:p15="http://schemas.microsoft.com/office/powerpoint/2012/main" xmlns:ahyp="http://schemas.microsoft.com/office/drawing/2018/hyperlinkcolor" showMasterPhAnim="0" showMasterSp="0">
+  <p:cSld>
+    <p:spTree>
+      <p:nvGrpSpPr>
+        <p:cNvPr id="229" name="Shape 229"/>
+        <p:cNvGrpSpPr/>
+        <p:nvPr/>
+      </p:nvGrpSpPr>
+      <p:grpSpPr>
+        <a:xfrm>
+          <a:off x="0" y="0"/>
+          <a:ext cx="0" cy="0"/>
+          <a:chOff x="0" y="0"/>
+          <a:chExt cx="0" cy="0"/>
+        </a:xfrm>
+      </p:grpSpPr>
+      <p:sp>
+        <p:nvSpPr>
+          <p:cNvPr id="230" name="Google Shape;230;g37c18867a41_0_60:notes"/>
+          <p:cNvSpPr/>
+          <p:nvPr>
+            <p:ph idx="2" type="sldImg"/>
+          </p:nvPr>
+        </p:nvSpPr>
+        <p:spPr>
+          <a:xfrm>
+            <a:off x="381300" y="685800"/>
+            <a:ext cx="6096000" cy="3429000"/>
+          </a:xfrm>
+          <a:custGeom>
+            <a:rect b="b" l="l" r="r" t="t"/>
+            <a:pathLst>
+              <a:path extrusionOk="0" h="120000" w="120000">
+                <a:moveTo>
+                  <a:pt x="0" y="0"/>
+                </a:moveTo>
+                <a:lnTo>
+                  <a:pt x="120000" y="0"/>
+                </a:lnTo>
+                <a:lnTo>
+                  <a:pt x="120000" y="120000"/>
+                </a:lnTo>
+                <a:lnTo>
+                  <a:pt x="0" y="120000"/>
+                </a:lnTo>
+                <a:close/>
+              </a:path>
+            </a:pathLst>
+          </a:custGeom>
+        </p:spPr>
+      </p:sp>
+      <p:sp>
+        <p:nvSpPr>
+          <p:cNvPr id="231" name="Google Shape;231;g37c18867a41_0_60:notes"/>
+          <p:cNvSpPr txBox="1"/>
+          <p:nvPr>
+            <p:ph idx="1" type="body"/>
+          </p:nvPr>
+        </p:nvSpPr>
+        <p:spPr>
+          <a:xfrm>
+            <a:off x="685800" y="4343400"/>
+            <a:ext cx="5486400" cy="4114800"/>
+          </a:xfrm>
+          <a:prstGeom prst="rect">
+            <a:avLst/>
+          </a:prstGeom>
+        </p:spPr>
+        <p:txBody>
+          <a:bodyPr anchorCtr="0" anchor="t" bIns="91425" lIns="91425" spcFirstLastPara="1" rIns="91425" wrap="square" tIns="91425">
+            <a:noAutofit/>
+          </a:bodyPr>
+          <a:lstStyle/>
+          <a:p>
+            <a:pPr indent="0" lvl="0" marL="0" rtl="0" algn="l">
+              <a:spcBef>
+                <a:spcPts val="0"/>
+              </a:spcBef>
+              <a:spcAft>
+                <a:spcPts val="0"/>
+              </a:spcAft>
+              <a:buNone/>
+            </a:pPr>
+            <a:r>
+              <a:t/>
+            </a:r>
+            <a:endParaRPr/>
+          </a:p>
+        </p:txBody>
+      </p:sp>
+    </p:spTree>
+  </p:cSld>
+  <p:clrMapOvr>
+    <a:masterClrMapping/>
+  </p:clrMapOvr>
+</p:notes>
+</file>
+
+<file path=ppt/notesSlides/notesSlide21.xml><?xml version="1.0" encoding="utf-8"?>
+<p:notes xmlns:a="http://schemas.openxmlformats.org/drawingml/2006/main" xmlns:r="http://schemas.openxmlformats.org/officeDocument/2006/relationships" xmlns:mc="http://schemas.openxmlformats.org/markup-compatibility/2006" xmlns:mv="urn:schemas-microsoft-com:mac:vml" xmlns:p="http://schemas.openxmlformats.org/presentationml/2006/main" xmlns:c="http://schemas.openxmlformats.org/drawingml/2006/chart" xmlns:dgm="http://schemas.openxmlformats.org/drawingml/2006/diagram" xmlns:o="urn:schemas-microsoft-com:office:office" xmlns:v="urn:schemas-microsoft-com:vml" xmlns:pvml="urn:schemas-microsoft-com:office:powerpoint" xmlns:com="http://schemas.openxmlformats.org/drawingml/2006/compatibility" xmlns:p14="http://schemas.microsoft.com/office/powerpoint/2010/main" xmlns:p15="http://schemas.microsoft.com/office/powerpoint/2012/main" xmlns:ahyp="http://schemas.microsoft.com/office/drawing/2018/hyperlinkcolor" showMasterPhAnim="0" showMasterSp="0">
+  <p:cSld>
+    <p:spTree>
+      <p:nvGrpSpPr>
+        <p:cNvPr id="235" name="Shape 235"/>
+        <p:cNvGrpSpPr/>
+        <p:nvPr/>
+      </p:nvGrpSpPr>
+      <p:grpSpPr>
+        <a:xfrm>
+          <a:off x="0" y="0"/>
+          <a:ext cx="0" cy="0"/>
+          <a:chOff x="0" y="0"/>
+          <a:chExt cx="0" cy="0"/>
+        </a:xfrm>
+      </p:grpSpPr>
+      <p:sp>
+        <p:nvSpPr>
+          <p:cNvPr id="236" name="Google Shape;236;g37c18867a41_0_65:notes"/>
+          <p:cNvSpPr/>
+          <p:nvPr>
+            <p:ph idx="2" type="sldImg"/>
+          </p:nvPr>
+        </p:nvSpPr>
+        <p:spPr>
+          <a:xfrm>
+            <a:off x="381300" y="685800"/>
+            <a:ext cx="6096000" cy="3429000"/>
+          </a:xfrm>
+          <a:custGeom>
+            <a:rect b="b" l="l" r="r" t="t"/>
+            <a:pathLst>
+              <a:path extrusionOk="0" h="120000" w="120000">
+                <a:moveTo>
+                  <a:pt x="0" y="0"/>
+                </a:moveTo>
+                <a:lnTo>
+                  <a:pt x="120000" y="0"/>
+                </a:lnTo>
+                <a:lnTo>
+                  <a:pt x="120000" y="120000"/>
+                </a:lnTo>
+                <a:lnTo>
+                  <a:pt x="0" y="120000"/>
+                </a:lnTo>
+                <a:close/>
+              </a:path>
+            </a:pathLst>
+          </a:custGeom>
+        </p:spPr>
+      </p:sp>
+      <p:sp>
+        <p:nvSpPr>
+          <p:cNvPr id="237" name="Google Shape;237;g37c18867a41_0_65:notes"/>
+          <p:cNvSpPr txBox="1"/>
+          <p:nvPr>
+            <p:ph idx="1" type="body"/>
+          </p:nvPr>
+        </p:nvSpPr>
+        <p:spPr>
+          <a:xfrm>
+            <a:off x="685800" y="4343400"/>
+            <a:ext cx="5486400" cy="4114800"/>
+          </a:xfrm>
+          <a:prstGeom prst="rect">
+            <a:avLst/>
+          </a:prstGeom>
+        </p:spPr>
+        <p:txBody>
+          <a:bodyPr anchorCtr="0" anchor="t" bIns="91425" lIns="91425" spcFirstLastPara="1" rIns="91425" wrap="square" tIns="91425">
+            <a:noAutofit/>
+          </a:bodyPr>
+          <a:lstStyle/>
+          <a:p>
+            <a:pPr indent="0" lvl="0" marL="0" rtl="0" algn="l">
+              <a:spcBef>
+                <a:spcPts val="0"/>
+              </a:spcBef>
+              <a:spcAft>
+                <a:spcPts val="0"/>
+              </a:spcAft>
+              <a:buNone/>
+            </a:pPr>
+            <a:r>
+              <a:t/>
+            </a:r>
+            <a:endParaRPr/>
+          </a:p>
+        </p:txBody>
+      </p:sp>
+    </p:spTree>
+  </p:cSld>
+  <p:clrMapOvr>
+    <a:masterClrMapping/>
+  </p:clrMapOvr>
+</p:notes>
+</file>
+
 <file path=ppt/notesSlides/notesSlide3.xml><?xml version="1.0" encoding="utf-8"?>
 <p:notes xmlns:a="http://schemas.openxmlformats.org/drawingml/2006/main" xmlns:r="http://schemas.openxmlformats.org/officeDocument/2006/relationships" xmlns:mc="http://schemas.openxmlformats.org/markup-compatibility/2006" xmlns:mv="urn:schemas-microsoft-com:mac:vml" xmlns:p="http://schemas.openxmlformats.org/presentationml/2006/main" xmlns:c="http://schemas.openxmlformats.org/drawingml/2006/chart" xmlns:dgm="http://schemas.openxmlformats.org/drawingml/2006/diagram" xmlns:o="urn:schemas-microsoft-com:office:office" xmlns:v="urn:schemas-microsoft-com:vml" xmlns:pvml="urn:schemas-microsoft-com:office:powerpoint" xmlns:com="http://schemas.openxmlformats.org/drawingml/2006/compatibility" xmlns:p14="http://schemas.microsoft.com/office/powerpoint/2010/main" xmlns:p15="http://schemas.microsoft.com/office/powerpoint/2012/main" xmlns:ahyp="http://schemas.microsoft.com/office/drawing/2018/hyperlinkcolor" showMasterPhAnim="0" showMasterSp="0">
   <p:cSld>
@@ -2123,7 +2523,7 @@
       </p:grpSpPr>
       <p:sp>
         <p:nvSpPr>
-          <p:cNvPr id="162" name="Google Shape;162;g37c18867a41_0_15:notes"/>
+          <p:cNvPr id="162" name="Google Shape;162;g37eecc9ff4d_0_4:notes"/>
           <p:cNvSpPr/>
           <p:nvPr>
             <p:ph idx="2" type="sldImg"/>
@@ -2158,7 +2558,7 @@
       </p:sp>
       <p:sp>
         <p:nvSpPr>
-          <p:cNvPr id="163" name="Google Shape;163;g37c18867a41_0_15:notes"/>
+          <p:cNvPr id="163" name="Google Shape;163;g37eecc9ff4d_0_4:notes"/>
           <p:cNvSpPr txBox="1"/>
           <p:nvPr>
             <p:ph idx="1" type="body"/>
@@ -2222,7 +2622,7 @@
       </p:grpSpPr>
       <p:sp>
         <p:nvSpPr>
-          <p:cNvPr id="167" name="Google Shape;167;g37c18867a41_0_20:notes"/>
+          <p:cNvPr id="167" name="Google Shape;167;g37eecc9ff4d_0_0:notes"/>
           <p:cNvSpPr/>
           <p:nvPr>
             <p:ph idx="2" type="sldImg"/>
@@ -2257,7 +2657,7 @@
       </p:sp>
       <p:sp>
         <p:nvSpPr>
-          <p:cNvPr id="168" name="Google Shape;168;g37c18867a41_0_20:notes"/>
+          <p:cNvPr id="168" name="Google Shape;168;g37eecc9ff4d_0_0:notes"/>
           <p:cNvSpPr txBox="1"/>
           <p:nvPr>
             <p:ph idx="1" type="body"/>
@@ -2321,7 +2721,7 @@
       </p:grpSpPr>
       <p:sp>
         <p:nvSpPr>
-          <p:cNvPr id="172" name="Google Shape;172;g37c18867a41_0_25:notes"/>
+          <p:cNvPr id="172" name="Google Shape;172;g37c18867a41_0_15:notes"/>
           <p:cNvSpPr/>
           <p:nvPr>
             <p:ph idx="2" type="sldImg"/>
@@ -2356,7 +2756,7 @@
       </p:sp>
       <p:sp>
         <p:nvSpPr>
-          <p:cNvPr id="173" name="Google Shape;173;g37c18867a41_0_25:notes"/>
+          <p:cNvPr id="173" name="Google Shape;173;g37c18867a41_0_15:notes"/>
           <p:cNvSpPr txBox="1"/>
           <p:nvPr>
             <p:ph idx="1" type="body"/>
@@ -10757,7 +11157,7 @@
   <p:cSld>
     <p:spTree>
       <p:nvGrpSpPr>
-        <p:cNvPr id="180" name="Shape 180"/>
+        <p:cNvPr id="179" name="Shape 179"/>
         <p:cNvGrpSpPr/>
         <p:nvPr/>
       </p:nvGrpSpPr>
@@ -10771,7 +11171,1827 @@
       </p:grpSpPr>
       <p:sp>
         <p:nvSpPr>
-          <p:cNvPr id="181" name="Google Shape;181;p22"/>
+          <p:cNvPr id="180" name="Google Shape;180;p22"/>
+          <p:cNvSpPr txBox="1"/>
+          <p:nvPr>
+            <p:ph type="title"/>
+          </p:nvPr>
+        </p:nvSpPr>
+        <p:spPr>
+          <a:xfrm>
+            <a:off x="2051825" y="1997400"/>
+            <a:ext cx="4587000" cy="1148700"/>
+          </a:xfrm>
+          <a:prstGeom prst="rect">
+            <a:avLst/>
+          </a:prstGeom>
+        </p:spPr>
+        <p:txBody>
+          <a:bodyPr anchorCtr="0" anchor="ctr" bIns="91425" lIns="91425" spcFirstLastPara="1" rIns="91425" wrap="square" tIns="91425">
+            <a:normAutofit/>
+          </a:bodyPr>
+          <a:lstStyle/>
+          <a:p>
+            <a:pPr indent="0" lvl="0" marL="0" rtl="0" algn="ctr">
+              <a:spcBef>
+                <a:spcPts val="0"/>
+              </a:spcBef>
+              <a:spcAft>
+                <a:spcPts val="0"/>
+              </a:spcAft>
+              <a:buNone/>
+            </a:pPr>
+            <a:r>
+              <a:rPr lang="en"/>
+              <a:t>Home Page</a:t>
+            </a:r>
+            <a:endParaRPr/>
+          </a:p>
+        </p:txBody>
+      </p:sp>
+    </p:spTree>
+  </p:cSld>
+  <p:clrMapOvr>
+    <a:masterClrMapping/>
+  </p:clrMapOvr>
+</p:sld>
+</file>
+
+<file path=ppt/slides/slide11.xml><?xml version="1.0" encoding="utf-8"?>
+<p:sld xmlns:a="http://schemas.openxmlformats.org/drawingml/2006/main" xmlns:r="http://schemas.openxmlformats.org/officeDocument/2006/relationships" xmlns:mc="http://schemas.openxmlformats.org/markup-compatibility/2006" xmlns:mv="urn:schemas-microsoft-com:mac:vml" xmlns:p="http://schemas.openxmlformats.org/presentationml/2006/main" xmlns:c="http://schemas.openxmlformats.org/drawingml/2006/chart" xmlns:dgm="http://schemas.openxmlformats.org/drawingml/2006/diagram" xmlns:o="urn:schemas-microsoft-com:office:office" xmlns:v="urn:schemas-microsoft-com:vml" xmlns:pvml="urn:schemas-microsoft-com:office:powerpoint" xmlns:com="http://schemas.openxmlformats.org/drawingml/2006/compatibility" xmlns:p14="http://schemas.microsoft.com/office/powerpoint/2010/main" xmlns:p15="http://schemas.microsoft.com/office/powerpoint/2012/main" xmlns:ahyp="http://schemas.microsoft.com/office/drawing/2018/hyperlinkcolor">
+  <p:cSld>
+    <p:spTree>
+      <p:nvGrpSpPr>
+        <p:cNvPr id="184" name="Shape 184"/>
+        <p:cNvGrpSpPr/>
+        <p:nvPr/>
+      </p:nvGrpSpPr>
+      <p:grpSpPr>
+        <a:xfrm>
+          <a:off x="0" y="0"/>
+          <a:ext cx="0" cy="0"/>
+          <a:chOff x="0" y="0"/>
+          <a:chExt cx="0" cy="0"/>
+        </a:xfrm>
+      </p:grpSpPr>
+      <p:sp>
+        <p:nvSpPr>
+          <p:cNvPr id="185" name="Google Shape;185;p23"/>
+          <p:cNvSpPr txBox="1"/>
+          <p:nvPr>
+            <p:ph idx="1" type="body"/>
+          </p:nvPr>
+        </p:nvSpPr>
+        <p:spPr>
+          <a:xfrm>
+            <a:off x="486800" y="403475"/>
+            <a:ext cx="7849500" cy="4075200"/>
+          </a:xfrm>
+          <a:prstGeom prst="rect">
+            <a:avLst/>
+          </a:prstGeom>
+        </p:spPr>
+        <p:txBody>
+          <a:bodyPr anchorCtr="0" anchor="t" bIns="91425" lIns="91425" spcFirstLastPara="1" rIns="91425" wrap="square" tIns="91425">
+            <a:normAutofit/>
+          </a:bodyPr>
+          <a:lstStyle/>
+          <a:p>
+            <a:pPr indent="0" lvl="0" marL="0" rtl="0" algn="l">
+              <a:spcBef>
+                <a:spcPts val="0"/>
+              </a:spcBef>
+              <a:spcAft>
+                <a:spcPts val="1200"/>
+              </a:spcAft>
+              <a:buNone/>
+            </a:pPr>
+            <a:r>
+              <a:t/>
+            </a:r>
+            <a:endParaRPr/>
+          </a:p>
+        </p:txBody>
+      </p:sp>
+    </p:spTree>
+  </p:cSld>
+  <p:clrMapOvr>
+    <a:masterClrMapping/>
+  </p:clrMapOvr>
+</p:sld>
+</file>
+
+<file path=ppt/slides/slide12.xml><?xml version="1.0" encoding="utf-8"?>
+<p:sld xmlns:a="http://schemas.openxmlformats.org/drawingml/2006/main" xmlns:r="http://schemas.openxmlformats.org/officeDocument/2006/relationships" xmlns:mc="http://schemas.openxmlformats.org/markup-compatibility/2006" xmlns:mv="urn:schemas-microsoft-com:mac:vml" xmlns:p="http://schemas.openxmlformats.org/presentationml/2006/main" xmlns:c="http://schemas.openxmlformats.org/drawingml/2006/chart" xmlns:dgm="http://schemas.openxmlformats.org/drawingml/2006/diagram" xmlns:o="urn:schemas-microsoft-com:office:office" xmlns:v="urn:schemas-microsoft-com:vml" xmlns:pvml="urn:schemas-microsoft-com:office:powerpoint" xmlns:com="http://schemas.openxmlformats.org/drawingml/2006/compatibility" xmlns:p14="http://schemas.microsoft.com/office/powerpoint/2010/main" xmlns:p15="http://schemas.microsoft.com/office/powerpoint/2012/main" xmlns:ahyp="http://schemas.microsoft.com/office/drawing/2018/hyperlinkcolor">
+  <p:cSld>
+    <p:spTree>
+      <p:nvGrpSpPr>
+        <p:cNvPr id="189" name="Shape 189"/>
+        <p:cNvGrpSpPr/>
+        <p:nvPr/>
+      </p:nvGrpSpPr>
+      <p:grpSpPr>
+        <a:xfrm>
+          <a:off x="0" y="0"/>
+          <a:ext cx="0" cy="0"/>
+          <a:chOff x="0" y="0"/>
+          <a:chExt cx="0" cy="0"/>
+        </a:xfrm>
+      </p:grpSpPr>
+      <p:sp>
+        <p:nvSpPr>
+          <p:cNvPr id="190" name="Google Shape;190;p24"/>
+          <p:cNvSpPr txBox="1"/>
+          <p:nvPr>
+            <p:ph type="title"/>
+          </p:nvPr>
+        </p:nvSpPr>
+        <p:spPr>
+          <a:xfrm>
+            <a:off x="2051825" y="1997400"/>
+            <a:ext cx="4587000" cy="1148700"/>
+          </a:xfrm>
+          <a:prstGeom prst="rect">
+            <a:avLst/>
+          </a:prstGeom>
+        </p:spPr>
+        <p:txBody>
+          <a:bodyPr anchorCtr="0" anchor="ctr" bIns="91425" lIns="91425" spcFirstLastPara="1" rIns="91425" wrap="square" tIns="91425">
+            <a:normAutofit/>
+          </a:bodyPr>
+          <a:lstStyle/>
+          <a:p>
+            <a:pPr indent="0" lvl="0" marL="0" rtl="0" algn="ctr">
+              <a:spcBef>
+                <a:spcPts val="0"/>
+              </a:spcBef>
+              <a:spcAft>
+                <a:spcPts val="0"/>
+              </a:spcAft>
+              <a:buNone/>
+            </a:pPr>
+            <a:r>
+              <a:rPr lang="en"/>
+              <a:t>Navigation Bar</a:t>
+            </a:r>
+            <a:endParaRPr/>
+          </a:p>
+        </p:txBody>
+      </p:sp>
+    </p:spTree>
+  </p:cSld>
+  <p:clrMapOvr>
+    <a:masterClrMapping/>
+  </p:clrMapOvr>
+</p:sld>
+</file>
+
+<file path=ppt/slides/slide13.xml><?xml version="1.0" encoding="utf-8"?>
+<p:sld xmlns:a="http://schemas.openxmlformats.org/drawingml/2006/main" xmlns:r="http://schemas.openxmlformats.org/officeDocument/2006/relationships" xmlns:mc="http://schemas.openxmlformats.org/markup-compatibility/2006" xmlns:mv="urn:schemas-microsoft-com:mac:vml" xmlns:p="http://schemas.openxmlformats.org/presentationml/2006/main" xmlns:c="http://schemas.openxmlformats.org/drawingml/2006/chart" xmlns:dgm="http://schemas.openxmlformats.org/drawingml/2006/diagram" xmlns:o="urn:schemas-microsoft-com:office:office" xmlns:v="urn:schemas-microsoft-com:vml" xmlns:pvml="urn:schemas-microsoft-com:office:powerpoint" xmlns:com="http://schemas.openxmlformats.org/drawingml/2006/compatibility" xmlns:p14="http://schemas.microsoft.com/office/powerpoint/2010/main" xmlns:p15="http://schemas.microsoft.com/office/powerpoint/2012/main" xmlns:ahyp="http://schemas.microsoft.com/office/drawing/2018/hyperlinkcolor">
+  <p:cSld>
+    <p:spTree>
+      <p:nvGrpSpPr>
+        <p:cNvPr id="194" name="Shape 194"/>
+        <p:cNvGrpSpPr/>
+        <p:nvPr/>
+      </p:nvGrpSpPr>
+      <p:grpSpPr>
+        <a:xfrm>
+          <a:off x="0" y="0"/>
+          <a:ext cx="0" cy="0"/>
+          <a:chOff x="0" y="0"/>
+          <a:chExt cx="0" cy="0"/>
+        </a:xfrm>
+      </p:grpSpPr>
+      <p:sp>
+        <p:nvSpPr>
+          <p:cNvPr id="195" name="Google Shape;195;p25"/>
+          <p:cNvSpPr txBox="1"/>
+          <p:nvPr>
+            <p:ph type="title"/>
+          </p:nvPr>
+        </p:nvSpPr>
+        <p:spPr>
+          <a:xfrm>
+            <a:off x="113375" y="108675"/>
+            <a:ext cx="4254600" cy="886800"/>
+          </a:xfrm>
+          <a:prstGeom prst="rect">
+            <a:avLst/>
+          </a:prstGeom>
+        </p:spPr>
+        <p:txBody>
+          <a:bodyPr anchorCtr="0" anchor="t" bIns="91425" lIns="91425" spcFirstLastPara="1" rIns="91425" wrap="square" tIns="91425">
+            <a:normAutofit/>
+          </a:bodyPr>
+          <a:lstStyle/>
+          <a:p>
+            <a:pPr indent="0" lvl="0" marL="0" rtl="0" algn="l">
+              <a:spcBef>
+                <a:spcPts val="0"/>
+              </a:spcBef>
+              <a:spcAft>
+                <a:spcPts val="0"/>
+              </a:spcAft>
+              <a:buNone/>
+            </a:pPr>
+            <a:r>
+              <a:rPr lang="en"/>
+              <a:t>Create Itineraries</a:t>
+            </a:r>
+            <a:endParaRPr/>
+          </a:p>
+        </p:txBody>
+      </p:sp>
+      <p:sp>
+        <p:nvSpPr>
+          <p:cNvPr id="196" name="Google Shape;196;p25"/>
+          <p:cNvSpPr txBox="1"/>
+          <p:nvPr>
+            <p:ph idx="1" type="body"/>
+          </p:nvPr>
+        </p:nvSpPr>
+        <p:spPr>
+          <a:xfrm>
+            <a:off x="113375" y="1149025"/>
+            <a:ext cx="8223000" cy="3329700"/>
+          </a:xfrm>
+          <a:prstGeom prst="rect">
+            <a:avLst/>
+          </a:prstGeom>
+        </p:spPr>
+        <p:txBody>
+          <a:bodyPr anchorCtr="0" anchor="t" bIns="91425" lIns="91425" spcFirstLastPara="1" rIns="91425" wrap="square" tIns="91425">
+            <a:noAutofit/>
+          </a:bodyPr>
+          <a:lstStyle/>
+          <a:p>
+            <a:pPr indent="-349250" lvl="0" marL="457200" rtl="0" algn="l">
+              <a:spcBef>
+                <a:spcPts val="0"/>
+              </a:spcBef>
+              <a:spcAft>
+                <a:spcPts val="0"/>
+              </a:spcAft>
+              <a:buClr>
+                <a:srgbClr val="000000"/>
+              </a:buClr>
+              <a:buSzPts val="1900"/>
+              <a:buFont typeface="Times New Roman"/>
+              <a:buChar char="●"/>
+            </a:pPr>
+            <a:r>
+              <a:rPr lang="en" sz="1900">
+                <a:solidFill>
+                  <a:srgbClr val="000000"/>
+                </a:solidFill>
+                <a:highlight>
+                  <a:schemeClr val="lt1"/>
+                </a:highlight>
+                <a:latin typeface="Times New Roman"/>
+                <a:ea typeface="Times New Roman"/>
+                <a:cs typeface="Times New Roman"/>
+                <a:sym typeface="Times New Roman"/>
+              </a:rPr>
+              <a:t>Once clicked, the user will be presented a page where they can create itineraries</a:t>
+            </a:r>
+            <a:endParaRPr sz="1900">
+              <a:solidFill>
+                <a:srgbClr val="000000"/>
+              </a:solidFill>
+              <a:highlight>
+                <a:schemeClr val="lt1"/>
+              </a:highlight>
+              <a:latin typeface="Times New Roman"/>
+              <a:ea typeface="Times New Roman"/>
+              <a:cs typeface="Times New Roman"/>
+              <a:sym typeface="Times New Roman"/>
+            </a:endParaRPr>
+          </a:p>
+          <a:p>
+            <a:pPr indent="-349250" lvl="0" marL="457200" rtl="0" algn="l">
+              <a:spcBef>
+                <a:spcPts val="0"/>
+              </a:spcBef>
+              <a:spcAft>
+                <a:spcPts val="0"/>
+              </a:spcAft>
+              <a:buClr>
+                <a:srgbClr val="000000"/>
+              </a:buClr>
+              <a:buSzPts val="1900"/>
+              <a:buFont typeface="Times New Roman"/>
+              <a:buChar char="●"/>
+            </a:pPr>
+            <a:r>
+              <a:rPr lang="en" sz="1900">
+                <a:solidFill>
+                  <a:srgbClr val="000000"/>
+                </a:solidFill>
+                <a:highlight>
+                  <a:schemeClr val="lt1"/>
+                </a:highlight>
+                <a:latin typeface="Times New Roman"/>
+                <a:ea typeface="Times New Roman"/>
+                <a:cs typeface="Times New Roman"/>
+                <a:sym typeface="Times New Roman"/>
+              </a:rPr>
+              <a:t>There will be a label for their Travel Destination</a:t>
+            </a:r>
+            <a:endParaRPr sz="1900">
+              <a:solidFill>
+                <a:srgbClr val="000000"/>
+              </a:solidFill>
+              <a:highlight>
+                <a:schemeClr val="lt1"/>
+              </a:highlight>
+              <a:latin typeface="Times New Roman"/>
+              <a:ea typeface="Times New Roman"/>
+              <a:cs typeface="Times New Roman"/>
+              <a:sym typeface="Times New Roman"/>
+            </a:endParaRPr>
+          </a:p>
+          <a:p>
+            <a:pPr indent="-349250" lvl="0" marL="457200" rtl="0" algn="l">
+              <a:spcBef>
+                <a:spcPts val="0"/>
+              </a:spcBef>
+              <a:spcAft>
+                <a:spcPts val="0"/>
+              </a:spcAft>
+              <a:buClr>
+                <a:srgbClr val="000000"/>
+              </a:buClr>
+              <a:buSzPts val="1900"/>
+              <a:buFont typeface="Times New Roman"/>
+              <a:buChar char="●"/>
+            </a:pPr>
+            <a:r>
+              <a:rPr lang="en" sz="1900">
+                <a:solidFill>
+                  <a:srgbClr val="000000"/>
+                </a:solidFill>
+                <a:highlight>
+                  <a:schemeClr val="lt1"/>
+                </a:highlight>
+                <a:latin typeface="Times New Roman"/>
+                <a:ea typeface="Times New Roman"/>
+                <a:cs typeface="Times New Roman"/>
+                <a:sym typeface="Times New Roman"/>
+              </a:rPr>
+              <a:t>There will be an input box for their Travel Destination</a:t>
+            </a:r>
+            <a:endParaRPr sz="1900">
+              <a:solidFill>
+                <a:srgbClr val="000000"/>
+              </a:solidFill>
+              <a:highlight>
+                <a:schemeClr val="lt1"/>
+              </a:highlight>
+              <a:latin typeface="Times New Roman"/>
+              <a:ea typeface="Times New Roman"/>
+              <a:cs typeface="Times New Roman"/>
+              <a:sym typeface="Times New Roman"/>
+            </a:endParaRPr>
+          </a:p>
+          <a:p>
+            <a:pPr indent="0" lvl="0" marL="0" rtl="0" algn="l">
+              <a:spcBef>
+                <a:spcPts val="0"/>
+              </a:spcBef>
+              <a:spcAft>
+                <a:spcPts val="1200"/>
+              </a:spcAft>
+              <a:buNone/>
+            </a:pPr>
+            <a:r>
+              <a:t/>
+            </a:r>
+            <a:endParaRPr/>
+          </a:p>
+        </p:txBody>
+      </p:sp>
+    </p:spTree>
+  </p:cSld>
+  <p:clrMapOvr>
+    <a:masterClrMapping/>
+  </p:clrMapOvr>
+</p:sld>
+</file>
+
+<file path=ppt/slides/slide14.xml><?xml version="1.0" encoding="utf-8"?>
+<p:sld xmlns:a="http://schemas.openxmlformats.org/drawingml/2006/main" xmlns:r="http://schemas.openxmlformats.org/officeDocument/2006/relationships" xmlns:mc="http://schemas.openxmlformats.org/markup-compatibility/2006" xmlns:mv="urn:schemas-microsoft-com:mac:vml" xmlns:p="http://schemas.openxmlformats.org/presentationml/2006/main" xmlns:c="http://schemas.openxmlformats.org/drawingml/2006/chart" xmlns:dgm="http://schemas.openxmlformats.org/drawingml/2006/diagram" xmlns:o="urn:schemas-microsoft-com:office:office" xmlns:v="urn:schemas-microsoft-com:vml" xmlns:pvml="urn:schemas-microsoft-com:office:powerpoint" xmlns:com="http://schemas.openxmlformats.org/drawingml/2006/compatibility" xmlns:p14="http://schemas.microsoft.com/office/powerpoint/2010/main" xmlns:p15="http://schemas.microsoft.com/office/powerpoint/2012/main" xmlns:ahyp="http://schemas.microsoft.com/office/drawing/2018/hyperlinkcolor">
+  <p:cSld>
+    <p:spTree>
+      <p:nvGrpSpPr>
+        <p:cNvPr id="200" name="Shape 200"/>
+        <p:cNvGrpSpPr/>
+        <p:nvPr/>
+      </p:nvGrpSpPr>
+      <p:grpSpPr>
+        <a:xfrm>
+          <a:off x="0" y="0"/>
+          <a:ext cx="0" cy="0"/>
+          <a:chOff x="0" y="0"/>
+          <a:chExt cx="0" cy="0"/>
+        </a:xfrm>
+      </p:grpSpPr>
+      <p:sp>
+        <p:nvSpPr>
+          <p:cNvPr id="201" name="Google Shape;201;p26"/>
+          <p:cNvSpPr txBox="1"/>
+          <p:nvPr>
+            <p:ph idx="1" type="body"/>
+          </p:nvPr>
+        </p:nvSpPr>
+        <p:spPr>
+          <a:xfrm>
+            <a:off x="421025" y="249975"/>
+            <a:ext cx="7915500" cy="4228800"/>
+          </a:xfrm>
+          <a:prstGeom prst="rect">
+            <a:avLst/>
+          </a:prstGeom>
+        </p:spPr>
+        <p:txBody>
+          <a:bodyPr anchorCtr="0" anchor="t" bIns="91425" lIns="91425" spcFirstLastPara="1" rIns="91425" wrap="square" tIns="91425">
+            <a:normAutofit/>
+          </a:bodyPr>
+          <a:lstStyle/>
+          <a:p>
+            <a:pPr indent="-349250" lvl="0" marL="457200" rtl="0" algn="l">
+              <a:spcBef>
+                <a:spcPts val="0"/>
+              </a:spcBef>
+              <a:spcAft>
+                <a:spcPts val="0"/>
+              </a:spcAft>
+              <a:buClr>
+                <a:srgbClr val="000000"/>
+              </a:buClr>
+              <a:buSzPts val="1900"/>
+              <a:buFont typeface="Times New Roman"/>
+              <a:buChar char="●"/>
+            </a:pPr>
+            <a:r>
+              <a:rPr lang="en" sz="1900">
+                <a:solidFill>
+                  <a:srgbClr val="000000"/>
+                </a:solidFill>
+                <a:highlight>
+                  <a:schemeClr val="lt1"/>
+                </a:highlight>
+                <a:latin typeface="Times New Roman"/>
+                <a:ea typeface="Times New Roman"/>
+                <a:cs typeface="Times New Roman"/>
+                <a:sym typeface="Times New Roman"/>
+              </a:rPr>
+              <a:t>The application will be able to detect the user’s current location and generate suggestions for their Travel Destination</a:t>
+            </a:r>
+            <a:endParaRPr sz="1900">
+              <a:solidFill>
+                <a:srgbClr val="000000"/>
+              </a:solidFill>
+              <a:highlight>
+                <a:schemeClr val="lt1"/>
+              </a:highlight>
+              <a:latin typeface="Times New Roman"/>
+              <a:ea typeface="Times New Roman"/>
+              <a:cs typeface="Times New Roman"/>
+              <a:sym typeface="Times New Roman"/>
+            </a:endParaRPr>
+          </a:p>
+          <a:p>
+            <a:pPr indent="-349250" lvl="1" marL="914400" rtl="0" algn="l">
+              <a:spcBef>
+                <a:spcPts val="0"/>
+              </a:spcBef>
+              <a:spcAft>
+                <a:spcPts val="0"/>
+              </a:spcAft>
+              <a:buClr>
+                <a:srgbClr val="000000"/>
+              </a:buClr>
+              <a:buSzPts val="1900"/>
+              <a:buFont typeface="Times New Roman"/>
+              <a:buChar char="○"/>
+            </a:pPr>
+            <a:r>
+              <a:rPr lang="en" sz="1900">
+                <a:solidFill>
+                  <a:srgbClr val="000000"/>
+                </a:solidFill>
+                <a:highlight>
+                  <a:schemeClr val="lt1"/>
+                </a:highlight>
+                <a:latin typeface="Times New Roman"/>
+                <a:ea typeface="Times New Roman"/>
+                <a:cs typeface="Times New Roman"/>
+                <a:sym typeface="Times New Roman"/>
+              </a:rPr>
+              <a:t>Once the destination searched for is found, the user will be presented a sidebar with several categories</a:t>
+            </a:r>
+            <a:endParaRPr sz="1900">
+              <a:solidFill>
+                <a:srgbClr val="000000"/>
+              </a:solidFill>
+              <a:highlight>
+                <a:schemeClr val="lt1"/>
+              </a:highlight>
+              <a:latin typeface="Times New Roman"/>
+              <a:ea typeface="Times New Roman"/>
+              <a:cs typeface="Times New Roman"/>
+              <a:sym typeface="Times New Roman"/>
+            </a:endParaRPr>
+          </a:p>
+          <a:p>
+            <a:pPr indent="-349250" lvl="2" marL="1371600" rtl="0" algn="l">
+              <a:spcBef>
+                <a:spcPts val="0"/>
+              </a:spcBef>
+              <a:spcAft>
+                <a:spcPts val="0"/>
+              </a:spcAft>
+              <a:buClr>
+                <a:srgbClr val="000000"/>
+              </a:buClr>
+              <a:buSzPts val="1900"/>
+              <a:buFont typeface="Times New Roman"/>
+              <a:buChar char="■"/>
+            </a:pPr>
+            <a:r>
+              <a:rPr lang="en" sz="1900">
+                <a:solidFill>
+                  <a:srgbClr val="000000"/>
+                </a:solidFill>
+                <a:highlight>
+                  <a:schemeClr val="lt1"/>
+                </a:highlight>
+                <a:latin typeface="Times New Roman"/>
+                <a:ea typeface="Times New Roman"/>
+                <a:cs typeface="Times New Roman"/>
+                <a:sym typeface="Times New Roman"/>
+              </a:rPr>
+              <a:t>Lodging is the Default category selected</a:t>
+            </a:r>
+            <a:endParaRPr sz="1900">
+              <a:solidFill>
+                <a:srgbClr val="000000"/>
+              </a:solidFill>
+              <a:highlight>
+                <a:schemeClr val="lt1"/>
+              </a:highlight>
+              <a:latin typeface="Times New Roman"/>
+              <a:ea typeface="Times New Roman"/>
+              <a:cs typeface="Times New Roman"/>
+              <a:sym typeface="Times New Roman"/>
+            </a:endParaRPr>
+          </a:p>
+          <a:p>
+            <a:pPr indent="-349250" lvl="3" marL="1828800" rtl="0" algn="l">
+              <a:spcBef>
+                <a:spcPts val="0"/>
+              </a:spcBef>
+              <a:spcAft>
+                <a:spcPts val="0"/>
+              </a:spcAft>
+              <a:buClr>
+                <a:srgbClr val="000000"/>
+              </a:buClr>
+              <a:buSzPts val="1900"/>
+              <a:buFont typeface="Times New Roman"/>
+              <a:buChar char="●"/>
+            </a:pPr>
+            <a:r>
+              <a:rPr lang="en" sz="1900">
+                <a:solidFill>
+                  <a:srgbClr val="000000"/>
+                </a:solidFill>
+                <a:highlight>
+                  <a:schemeClr val="lt1"/>
+                </a:highlight>
+                <a:latin typeface="Times New Roman"/>
+                <a:ea typeface="Times New Roman"/>
+                <a:cs typeface="Times New Roman"/>
+                <a:sym typeface="Times New Roman"/>
+              </a:rPr>
+              <a:t>Hotel </a:t>
+            </a:r>
+            <a:endParaRPr sz="1900">
+              <a:solidFill>
+                <a:srgbClr val="000000"/>
+              </a:solidFill>
+              <a:highlight>
+                <a:schemeClr val="lt1"/>
+              </a:highlight>
+              <a:latin typeface="Times New Roman"/>
+              <a:ea typeface="Times New Roman"/>
+              <a:cs typeface="Times New Roman"/>
+              <a:sym typeface="Times New Roman"/>
+            </a:endParaRPr>
+          </a:p>
+          <a:p>
+            <a:pPr indent="-349250" lvl="3" marL="1828800" rtl="0" algn="l">
+              <a:spcBef>
+                <a:spcPts val="0"/>
+              </a:spcBef>
+              <a:spcAft>
+                <a:spcPts val="0"/>
+              </a:spcAft>
+              <a:buClr>
+                <a:srgbClr val="000000"/>
+              </a:buClr>
+              <a:buSzPts val="1900"/>
+              <a:buFont typeface="Times New Roman"/>
+              <a:buChar char="●"/>
+            </a:pPr>
+            <a:r>
+              <a:rPr lang="en" sz="1900">
+                <a:solidFill>
+                  <a:srgbClr val="000000"/>
+                </a:solidFill>
+                <a:highlight>
+                  <a:schemeClr val="lt1"/>
+                </a:highlight>
+                <a:latin typeface="Times New Roman"/>
+                <a:ea typeface="Times New Roman"/>
+                <a:cs typeface="Times New Roman"/>
+                <a:sym typeface="Times New Roman"/>
+              </a:rPr>
+              <a:t>Bed and breakfast</a:t>
+            </a:r>
+            <a:endParaRPr sz="1900">
+              <a:solidFill>
+                <a:srgbClr val="000000"/>
+              </a:solidFill>
+              <a:highlight>
+                <a:schemeClr val="lt1"/>
+              </a:highlight>
+              <a:latin typeface="Times New Roman"/>
+              <a:ea typeface="Times New Roman"/>
+              <a:cs typeface="Times New Roman"/>
+              <a:sym typeface="Times New Roman"/>
+            </a:endParaRPr>
+          </a:p>
+          <a:p>
+            <a:pPr indent="-349250" lvl="3" marL="1828800" rtl="0" algn="l">
+              <a:spcBef>
+                <a:spcPts val="0"/>
+              </a:spcBef>
+              <a:spcAft>
+                <a:spcPts val="0"/>
+              </a:spcAft>
+              <a:buClr>
+                <a:srgbClr val="000000"/>
+              </a:buClr>
+              <a:buSzPts val="1900"/>
+              <a:buFont typeface="Times New Roman"/>
+              <a:buChar char="●"/>
+            </a:pPr>
+            <a:r>
+              <a:rPr lang="en" sz="1900">
+                <a:solidFill>
+                  <a:srgbClr val="000000"/>
+                </a:solidFill>
+                <a:highlight>
+                  <a:schemeClr val="lt1"/>
+                </a:highlight>
+                <a:latin typeface="Times New Roman"/>
+                <a:ea typeface="Times New Roman"/>
+                <a:cs typeface="Times New Roman"/>
+                <a:sym typeface="Times New Roman"/>
+              </a:rPr>
+              <a:t>Specialty lodging</a:t>
+            </a:r>
+            <a:endParaRPr sz="1900">
+              <a:solidFill>
+                <a:srgbClr val="000000"/>
+              </a:solidFill>
+              <a:highlight>
+                <a:schemeClr val="lt1"/>
+              </a:highlight>
+              <a:latin typeface="Times New Roman"/>
+              <a:ea typeface="Times New Roman"/>
+              <a:cs typeface="Times New Roman"/>
+              <a:sym typeface="Times New Roman"/>
+            </a:endParaRPr>
+          </a:p>
+          <a:p>
+            <a:pPr indent="-349250" lvl="2" marL="1371600" rtl="0" algn="l">
+              <a:spcBef>
+                <a:spcPts val="0"/>
+              </a:spcBef>
+              <a:spcAft>
+                <a:spcPts val="0"/>
+              </a:spcAft>
+              <a:buClr>
+                <a:srgbClr val="000000"/>
+              </a:buClr>
+              <a:buSzPts val="1900"/>
+              <a:buFont typeface="Times New Roman"/>
+              <a:buChar char="■"/>
+            </a:pPr>
+            <a:r>
+              <a:rPr lang="en" sz="1900">
+                <a:solidFill>
+                  <a:srgbClr val="000000"/>
+                </a:solidFill>
+                <a:highlight>
+                  <a:schemeClr val="lt1"/>
+                </a:highlight>
+                <a:latin typeface="Times New Roman"/>
+                <a:ea typeface="Times New Roman"/>
+                <a:cs typeface="Times New Roman"/>
+                <a:sym typeface="Times New Roman"/>
+              </a:rPr>
+              <a:t>Dining</a:t>
+            </a:r>
+            <a:endParaRPr sz="1900">
+              <a:solidFill>
+                <a:srgbClr val="000000"/>
+              </a:solidFill>
+              <a:highlight>
+                <a:schemeClr val="lt1"/>
+              </a:highlight>
+              <a:latin typeface="Times New Roman"/>
+              <a:ea typeface="Times New Roman"/>
+              <a:cs typeface="Times New Roman"/>
+              <a:sym typeface="Times New Roman"/>
+            </a:endParaRPr>
+          </a:p>
+          <a:p>
+            <a:pPr indent="-349250" lvl="3" marL="1828800" rtl="0" algn="l">
+              <a:spcBef>
+                <a:spcPts val="0"/>
+              </a:spcBef>
+              <a:spcAft>
+                <a:spcPts val="0"/>
+              </a:spcAft>
+              <a:buClr>
+                <a:srgbClr val="000000"/>
+              </a:buClr>
+              <a:buSzPts val="1900"/>
+              <a:buFont typeface="Times New Roman"/>
+              <a:buChar char="●"/>
+            </a:pPr>
+            <a:r>
+              <a:rPr lang="en" sz="1900">
+                <a:solidFill>
+                  <a:srgbClr val="000000"/>
+                </a:solidFill>
+                <a:highlight>
+                  <a:schemeClr val="lt1"/>
+                </a:highlight>
+                <a:latin typeface="Times New Roman"/>
+                <a:ea typeface="Times New Roman"/>
+                <a:cs typeface="Times New Roman"/>
+                <a:sym typeface="Times New Roman"/>
+              </a:rPr>
+              <a:t>Can be sorted by Subcategories</a:t>
+            </a:r>
+            <a:endParaRPr sz="1900">
+              <a:solidFill>
+                <a:srgbClr val="000000"/>
+              </a:solidFill>
+              <a:highlight>
+                <a:schemeClr val="lt1"/>
+              </a:highlight>
+              <a:latin typeface="Times New Roman"/>
+              <a:ea typeface="Times New Roman"/>
+              <a:cs typeface="Times New Roman"/>
+              <a:sym typeface="Times New Roman"/>
+            </a:endParaRPr>
+          </a:p>
+          <a:p>
+            <a:pPr indent="0" lvl="0" marL="0" rtl="0" algn="l">
+              <a:spcBef>
+                <a:spcPts val="0"/>
+              </a:spcBef>
+              <a:spcAft>
+                <a:spcPts val="0"/>
+              </a:spcAft>
+              <a:buNone/>
+            </a:pPr>
+            <a:r>
+              <a:t/>
+            </a:r>
+            <a:endParaRPr sz="1900">
+              <a:highlight>
+                <a:schemeClr val="lt1"/>
+              </a:highlight>
+            </a:endParaRPr>
+          </a:p>
+          <a:p>
+            <a:pPr indent="0" lvl="0" marL="0" rtl="0" algn="l">
+              <a:spcBef>
+                <a:spcPts val="1200"/>
+              </a:spcBef>
+              <a:spcAft>
+                <a:spcPts val="1200"/>
+              </a:spcAft>
+              <a:buNone/>
+            </a:pPr>
+            <a:r>
+              <a:t/>
+            </a:r>
+            <a:endParaRPr/>
+          </a:p>
+        </p:txBody>
+      </p:sp>
+    </p:spTree>
+  </p:cSld>
+  <p:clrMapOvr>
+    <a:masterClrMapping/>
+  </p:clrMapOvr>
+</p:sld>
+</file>
+
+<file path=ppt/slides/slide15.xml><?xml version="1.0" encoding="utf-8"?>
+<p:sld xmlns:a="http://schemas.openxmlformats.org/drawingml/2006/main" xmlns:r="http://schemas.openxmlformats.org/officeDocument/2006/relationships" xmlns:mc="http://schemas.openxmlformats.org/markup-compatibility/2006" xmlns:mv="urn:schemas-microsoft-com:mac:vml" xmlns:p="http://schemas.openxmlformats.org/presentationml/2006/main" xmlns:c="http://schemas.openxmlformats.org/drawingml/2006/chart" xmlns:dgm="http://schemas.openxmlformats.org/drawingml/2006/diagram" xmlns:o="urn:schemas-microsoft-com:office:office" xmlns:v="urn:schemas-microsoft-com:vml" xmlns:pvml="urn:schemas-microsoft-com:office:powerpoint" xmlns:com="http://schemas.openxmlformats.org/drawingml/2006/compatibility" xmlns:p14="http://schemas.microsoft.com/office/powerpoint/2010/main" xmlns:p15="http://schemas.microsoft.com/office/powerpoint/2012/main" xmlns:ahyp="http://schemas.microsoft.com/office/drawing/2018/hyperlinkcolor">
+  <p:cSld>
+    <p:spTree>
+      <p:nvGrpSpPr>
+        <p:cNvPr id="205" name="Shape 205"/>
+        <p:cNvGrpSpPr/>
+        <p:nvPr/>
+      </p:nvGrpSpPr>
+      <p:grpSpPr>
+        <a:xfrm>
+          <a:off x="0" y="0"/>
+          <a:ext cx="0" cy="0"/>
+          <a:chOff x="0" y="0"/>
+          <a:chExt cx="0" cy="0"/>
+        </a:xfrm>
+      </p:grpSpPr>
+      <p:sp>
+        <p:nvSpPr>
+          <p:cNvPr id="206" name="Google Shape;206;p27"/>
+          <p:cNvSpPr txBox="1"/>
+          <p:nvPr>
+            <p:ph idx="1" type="body"/>
+          </p:nvPr>
+        </p:nvSpPr>
+        <p:spPr>
+          <a:xfrm>
+            <a:off x="377175" y="535050"/>
+            <a:ext cx="7959300" cy="3943800"/>
+          </a:xfrm>
+          <a:prstGeom prst="rect">
+            <a:avLst/>
+          </a:prstGeom>
+        </p:spPr>
+        <p:txBody>
+          <a:bodyPr anchorCtr="0" anchor="t" bIns="91425" lIns="91425" spcFirstLastPara="1" rIns="91425" wrap="square" tIns="91425">
+            <a:noAutofit/>
+          </a:bodyPr>
+          <a:lstStyle/>
+          <a:p>
+            <a:pPr indent="-349250" lvl="2" marL="1371600" rtl="0" algn="l">
+              <a:spcBef>
+                <a:spcPts val="0"/>
+              </a:spcBef>
+              <a:spcAft>
+                <a:spcPts val="0"/>
+              </a:spcAft>
+              <a:buClr>
+                <a:srgbClr val="000000"/>
+              </a:buClr>
+              <a:buSzPts val="1900"/>
+              <a:buFont typeface="Times New Roman"/>
+              <a:buChar char="■"/>
+            </a:pPr>
+            <a:r>
+              <a:rPr lang="en" sz="1900">
+                <a:solidFill>
+                  <a:srgbClr val="000000"/>
+                </a:solidFill>
+                <a:highlight>
+                  <a:schemeClr val="lt1"/>
+                </a:highlight>
+                <a:latin typeface="Times New Roman"/>
+                <a:ea typeface="Times New Roman"/>
+                <a:cs typeface="Times New Roman"/>
+                <a:sym typeface="Times New Roman"/>
+              </a:rPr>
+              <a:t>Attractions</a:t>
+            </a:r>
+            <a:endParaRPr sz="1900">
+              <a:solidFill>
+                <a:srgbClr val="000000"/>
+              </a:solidFill>
+              <a:highlight>
+                <a:schemeClr val="lt1"/>
+              </a:highlight>
+              <a:latin typeface="Times New Roman"/>
+              <a:ea typeface="Times New Roman"/>
+              <a:cs typeface="Times New Roman"/>
+              <a:sym typeface="Times New Roman"/>
+            </a:endParaRPr>
+          </a:p>
+          <a:p>
+            <a:pPr indent="-349250" lvl="3" marL="1828800" rtl="0" algn="l">
+              <a:spcBef>
+                <a:spcPts val="0"/>
+              </a:spcBef>
+              <a:spcAft>
+                <a:spcPts val="0"/>
+              </a:spcAft>
+              <a:buClr>
+                <a:srgbClr val="000000"/>
+              </a:buClr>
+              <a:buSzPts val="1900"/>
+              <a:buFont typeface="Times New Roman"/>
+              <a:buChar char="●"/>
+            </a:pPr>
+            <a:r>
+              <a:rPr lang="en" sz="1900">
+                <a:solidFill>
+                  <a:srgbClr val="000000"/>
+                </a:solidFill>
+                <a:highlight>
+                  <a:schemeClr val="lt1"/>
+                </a:highlight>
+                <a:latin typeface="Times New Roman"/>
+                <a:ea typeface="Times New Roman"/>
+                <a:cs typeface="Times New Roman"/>
+                <a:sym typeface="Times New Roman"/>
+              </a:rPr>
+              <a:t>Subcatagories</a:t>
+            </a:r>
+            <a:endParaRPr sz="1900">
+              <a:solidFill>
+                <a:srgbClr val="000000"/>
+              </a:solidFill>
+              <a:highlight>
+                <a:schemeClr val="lt1"/>
+              </a:highlight>
+              <a:latin typeface="Times New Roman"/>
+              <a:ea typeface="Times New Roman"/>
+              <a:cs typeface="Times New Roman"/>
+              <a:sym typeface="Times New Roman"/>
+            </a:endParaRPr>
+          </a:p>
+          <a:p>
+            <a:pPr indent="-349250" lvl="3" marL="1828800" rtl="0" algn="l">
+              <a:spcBef>
+                <a:spcPts val="0"/>
+              </a:spcBef>
+              <a:spcAft>
+                <a:spcPts val="0"/>
+              </a:spcAft>
+              <a:buClr>
+                <a:srgbClr val="000000"/>
+              </a:buClr>
+              <a:buSzPts val="1900"/>
+              <a:buFont typeface="Times New Roman"/>
+              <a:buChar char="●"/>
+            </a:pPr>
+            <a:r>
+              <a:rPr lang="en" sz="1900">
+                <a:solidFill>
+                  <a:srgbClr val="000000"/>
+                </a:solidFill>
+                <a:highlight>
+                  <a:schemeClr val="lt1"/>
+                </a:highlight>
+                <a:latin typeface="Times New Roman"/>
+                <a:ea typeface="Times New Roman"/>
+                <a:cs typeface="Times New Roman"/>
+                <a:sym typeface="Times New Roman"/>
+              </a:rPr>
+              <a:t>Filters for attractions include</a:t>
+            </a:r>
+            <a:endParaRPr sz="1900">
+              <a:solidFill>
+                <a:srgbClr val="000000"/>
+              </a:solidFill>
+              <a:highlight>
+                <a:schemeClr val="lt1"/>
+              </a:highlight>
+              <a:latin typeface="Times New Roman"/>
+              <a:ea typeface="Times New Roman"/>
+              <a:cs typeface="Times New Roman"/>
+              <a:sym typeface="Times New Roman"/>
+            </a:endParaRPr>
+          </a:p>
+          <a:p>
+            <a:pPr indent="-349250" lvl="2" marL="1371600" rtl="0" algn="l">
+              <a:spcBef>
+                <a:spcPts val="0"/>
+              </a:spcBef>
+              <a:spcAft>
+                <a:spcPts val="0"/>
+              </a:spcAft>
+              <a:buClr>
+                <a:srgbClr val="000000"/>
+              </a:buClr>
+              <a:buSzPts val="1900"/>
+              <a:buFont typeface="Times New Roman"/>
+              <a:buChar char="■"/>
+            </a:pPr>
+            <a:r>
+              <a:rPr lang="en" sz="1900">
+                <a:solidFill>
+                  <a:srgbClr val="000000"/>
+                </a:solidFill>
+                <a:highlight>
+                  <a:schemeClr val="lt1"/>
+                </a:highlight>
+                <a:latin typeface="Times New Roman"/>
+                <a:ea typeface="Times New Roman"/>
+                <a:cs typeface="Times New Roman"/>
+                <a:sym typeface="Times New Roman"/>
+              </a:rPr>
+              <a:t>A drop-down menu will be above where locations are displayed containing a variety of sub-categories to filter locations</a:t>
+            </a:r>
+            <a:endParaRPr sz="1900">
+              <a:solidFill>
+                <a:srgbClr val="000000"/>
+              </a:solidFill>
+              <a:highlight>
+                <a:schemeClr val="lt1"/>
+              </a:highlight>
+              <a:latin typeface="Times New Roman"/>
+              <a:ea typeface="Times New Roman"/>
+              <a:cs typeface="Times New Roman"/>
+              <a:sym typeface="Times New Roman"/>
+            </a:endParaRPr>
+          </a:p>
+          <a:p>
+            <a:pPr indent="-349250" lvl="2" marL="1371600" rtl="0" algn="l">
+              <a:spcBef>
+                <a:spcPts val="0"/>
+              </a:spcBef>
+              <a:spcAft>
+                <a:spcPts val="0"/>
+              </a:spcAft>
+              <a:buClr>
+                <a:srgbClr val="000000"/>
+              </a:buClr>
+              <a:buSzPts val="1900"/>
+              <a:buFont typeface="Times New Roman"/>
+              <a:buChar char="■"/>
+            </a:pPr>
+            <a:r>
+              <a:rPr lang="en" sz="1900">
+                <a:solidFill>
+                  <a:srgbClr val="000000"/>
+                </a:solidFill>
+                <a:highlight>
+                  <a:schemeClr val="lt1"/>
+                </a:highlight>
+                <a:latin typeface="Times New Roman"/>
+                <a:ea typeface="Times New Roman"/>
+                <a:cs typeface="Times New Roman"/>
+                <a:sym typeface="Times New Roman"/>
+              </a:rPr>
+              <a:t>Once a category is selected, locations of the category will be displayed as a list of cards</a:t>
+            </a:r>
+            <a:endParaRPr sz="1900">
+              <a:solidFill>
+                <a:srgbClr val="000000"/>
+              </a:solidFill>
+              <a:highlight>
+                <a:schemeClr val="lt1"/>
+              </a:highlight>
+              <a:latin typeface="Times New Roman"/>
+              <a:ea typeface="Times New Roman"/>
+              <a:cs typeface="Times New Roman"/>
+              <a:sym typeface="Times New Roman"/>
+            </a:endParaRPr>
+          </a:p>
+          <a:p>
+            <a:pPr indent="-349250" lvl="3" marL="1828800" rtl="0" algn="l">
+              <a:spcBef>
+                <a:spcPts val="0"/>
+              </a:spcBef>
+              <a:spcAft>
+                <a:spcPts val="0"/>
+              </a:spcAft>
+              <a:buClr>
+                <a:srgbClr val="000000"/>
+              </a:buClr>
+              <a:buSzPts val="1900"/>
+              <a:buFont typeface="Times New Roman"/>
+              <a:buChar char="●"/>
+            </a:pPr>
+            <a:r>
+              <a:rPr lang="en" sz="1900">
+                <a:solidFill>
+                  <a:srgbClr val="000000"/>
+                </a:solidFill>
+                <a:highlight>
+                  <a:schemeClr val="lt1"/>
+                </a:highlight>
+                <a:latin typeface="Times New Roman"/>
+                <a:ea typeface="Times New Roman"/>
+                <a:cs typeface="Times New Roman"/>
+                <a:sym typeface="Times New Roman"/>
+              </a:rPr>
+              <a:t>Cards will consist of an image of the location and the name of the location</a:t>
+            </a:r>
+            <a:endParaRPr sz="1900">
+              <a:solidFill>
+                <a:srgbClr val="000000"/>
+              </a:solidFill>
+              <a:highlight>
+                <a:schemeClr val="lt1"/>
+              </a:highlight>
+              <a:latin typeface="Times New Roman"/>
+              <a:ea typeface="Times New Roman"/>
+              <a:cs typeface="Times New Roman"/>
+              <a:sym typeface="Times New Roman"/>
+            </a:endParaRPr>
+          </a:p>
+          <a:p>
+            <a:pPr indent="0" lvl="0" marL="0" rtl="0" algn="l">
+              <a:spcBef>
+                <a:spcPts val="0"/>
+              </a:spcBef>
+              <a:spcAft>
+                <a:spcPts val="1200"/>
+              </a:spcAft>
+              <a:buNone/>
+            </a:pPr>
+            <a:r>
+              <a:t/>
+            </a:r>
+            <a:endParaRPr/>
+          </a:p>
+        </p:txBody>
+      </p:sp>
+    </p:spTree>
+  </p:cSld>
+  <p:clrMapOvr>
+    <a:masterClrMapping/>
+  </p:clrMapOvr>
+</p:sld>
+</file>
+
+<file path=ppt/slides/slide16.xml><?xml version="1.0" encoding="utf-8"?>
+<p:sld xmlns:a="http://schemas.openxmlformats.org/drawingml/2006/main" xmlns:r="http://schemas.openxmlformats.org/officeDocument/2006/relationships" xmlns:mc="http://schemas.openxmlformats.org/markup-compatibility/2006" xmlns:mv="urn:schemas-microsoft-com:mac:vml" xmlns:p="http://schemas.openxmlformats.org/presentationml/2006/main" xmlns:c="http://schemas.openxmlformats.org/drawingml/2006/chart" xmlns:dgm="http://schemas.openxmlformats.org/drawingml/2006/diagram" xmlns:o="urn:schemas-microsoft-com:office:office" xmlns:v="urn:schemas-microsoft-com:vml" xmlns:pvml="urn:schemas-microsoft-com:office:powerpoint" xmlns:com="http://schemas.openxmlformats.org/drawingml/2006/compatibility" xmlns:p14="http://schemas.microsoft.com/office/powerpoint/2010/main" xmlns:p15="http://schemas.microsoft.com/office/powerpoint/2012/main" xmlns:ahyp="http://schemas.microsoft.com/office/drawing/2018/hyperlinkcolor">
+  <p:cSld>
+    <p:spTree>
+      <p:nvGrpSpPr>
+        <p:cNvPr id="210" name="Shape 210"/>
+        <p:cNvGrpSpPr/>
+        <p:nvPr/>
+      </p:nvGrpSpPr>
+      <p:grpSpPr>
+        <a:xfrm>
+          <a:off x="0" y="0"/>
+          <a:ext cx="0" cy="0"/>
+          <a:chOff x="0" y="0"/>
+          <a:chExt cx="0" cy="0"/>
+        </a:xfrm>
+      </p:grpSpPr>
+      <p:sp>
+        <p:nvSpPr>
+          <p:cNvPr id="211" name="Google Shape;211;p28"/>
+          <p:cNvSpPr txBox="1"/>
+          <p:nvPr>
+            <p:ph idx="1" type="body"/>
+          </p:nvPr>
+        </p:nvSpPr>
+        <p:spPr>
+          <a:xfrm>
+            <a:off x="179800" y="271900"/>
+            <a:ext cx="8156700" cy="4206900"/>
+          </a:xfrm>
+          <a:prstGeom prst="rect">
+            <a:avLst/>
+          </a:prstGeom>
+        </p:spPr>
+        <p:txBody>
+          <a:bodyPr anchorCtr="0" anchor="t" bIns="91425" lIns="91425" spcFirstLastPara="1" rIns="91425" wrap="square" tIns="91425">
+            <a:normAutofit/>
+          </a:bodyPr>
+          <a:lstStyle/>
+          <a:p>
+            <a:pPr indent="-349250" lvl="2" marL="1371600" rtl="0" algn="l">
+              <a:spcBef>
+                <a:spcPts val="0"/>
+              </a:spcBef>
+              <a:spcAft>
+                <a:spcPts val="0"/>
+              </a:spcAft>
+              <a:buClr>
+                <a:srgbClr val="000000"/>
+              </a:buClr>
+              <a:buSzPts val="1900"/>
+              <a:buFont typeface="Times New Roman"/>
+              <a:buChar char="■"/>
+            </a:pPr>
+            <a:r>
+              <a:rPr lang="en" sz="1900">
+                <a:solidFill>
+                  <a:srgbClr val="000000"/>
+                </a:solidFill>
+                <a:highlight>
+                  <a:schemeClr val="lt1"/>
+                </a:highlight>
+                <a:latin typeface="Times New Roman"/>
+                <a:ea typeface="Times New Roman"/>
+                <a:cs typeface="Times New Roman"/>
+                <a:sym typeface="Times New Roman"/>
+              </a:rPr>
+              <a:t>There will be a paging system so that a maximum number of cards will be displayed each page</a:t>
+            </a:r>
+            <a:endParaRPr sz="1900">
+              <a:solidFill>
+                <a:srgbClr val="000000"/>
+              </a:solidFill>
+              <a:highlight>
+                <a:schemeClr val="lt1"/>
+              </a:highlight>
+              <a:latin typeface="Times New Roman"/>
+              <a:ea typeface="Times New Roman"/>
+              <a:cs typeface="Times New Roman"/>
+              <a:sym typeface="Times New Roman"/>
+            </a:endParaRPr>
+          </a:p>
+          <a:p>
+            <a:pPr indent="-349250" lvl="2" marL="1371600" rtl="0" algn="l">
+              <a:spcBef>
+                <a:spcPts val="0"/>
+              </a:spcBef>
+              <a:spcAft>
+                <a:spcPts val="0"/>
+              </a:spcAft>
+              <a:buClr>
+                <a:srgbClr val="000000"/>
+              </a:buClr>
+              <a:buSzPts val="1900"/>
+              <a:buFont typeface="Times New Roman"/>
+              <a:buChar char="■"/>
+            </a:pPr>
+            <a:r>
+              <a:rPr lang="en" sz="1900">
+                <a:solidFill>
+                  <a:srgbClr val="000000"/>
+                </a:solidFill>
+                <a:highlight>
+                  <a:schemeClr val="lt1"/>
+                </a:highlight>
+                <a:latin typeface="Times New Roman"/>
+                <a:ea typeface="Times New Roman"/>
+                <a:cs typeface="Times New Roman"/>
+                <a:sym typeface="Times New Roman"/>
+              </a:rPr>
+              <a:t>Cards will be ordered by the rating of each location</a:t>
+            </a:r>
+            <a:endParaRPr sz="1900">
+              <a:solidFill>
+                <a:srgbClr val="000000"/>
+              </a:solidFill>
+              <a:highlight>
+                <a:schemeClr val="lt1"/>
+              </a:highlight>
+              <a:latin typeface="Times New Roman"/>
+              <a:ea typeface="Times New Roman"/>
+              <a:cs typeface="Times New Roman"/>
+              <a:sym typeface="Times New Roman"/>
+            </a:endParaRPr>
+          </a:p>
+          <a:p>
+            <a:pPr indent="-349250" lvl="2" marL="1371600" rtl="0" algn="l">
+              <a:spcBef>
+                <a:spcPts val="0"/>
+              </a:spcBef>
+              <a:spcAft>
+                <a:spcPts val="0"/>
+              </a:spcAft>
+              <a:buClr>
+                <a:srgbClr val="000000"/>
+              </a:buClr>
+              <a:buSzPts val="1900"/>
+              <a:buFont typeface="Times New Roman"/>
+              <a:buChar char="■"/>
+            </a:pPr>
+            <a:r>
+              <a:rPr lang="en" sz="1900">
+                <a:solidFill>
+                  <a:srgbClr val="000000"/>
+                </a:solidFill>
+                <a:highlight>
+                  <a:schemeClr val="lt1"/>
+                </a:highlight>
+                <a:latin typeface="Times New Roman"/>
+                <a:ea typeface="Times New Roman"/>
+                <a:cs typeface="Times New Roman"/>
+                <a:sym typeface="Times New Roman"/>
+              </a:rPr>
+              <a:t>When a card is clicked, a modal is displayed</a:t>
+            </a:r>
+            <a:endParaRPr sz="1900">
+              <a:solidFill>
+                <a:srgbClr val="000000"/>
+              </a:solidFill>
+              <a:highlight>
+                <a:schemeClr val="lt1"/>
+              </a:highlight>
+              <a:latin typeface="Times New Roman"/>
+              <a:ea typeface="Times New Roman"/>
+              <a:cs typeface="Times New Roman"/>
+              <a:sym typeface="Times New Roman"/>
+            </a:endParaRPr>
+          </a:p>
+          <a:p>
+            <a:pPr indent="-349250" lvl="3" marL="1828800" rtl="0" algn="l">
+              <a:spcBef>
+                <a:spcPts val="0"/>
+              </a:spcBef>
+              <a:spcAft>
+                <a:spcPts val="0"/>
+              </a:spcAft>
+              <a:buClr>
+                <a:srgbClr val="000000"/>
+              </a:buClr>
+              <a:buSzPts val="1900"/>
+              <a:buFont typeface="Times New Roman"/>
+              <a:buChar char="●"/>
+            </a:pPr>
+            <a:r>
+              <a:rPr lang="en" sz="1900">
+                <a:solidFill>
+                  <a:srgbClr val="000000"/>
+                </a:solidFill>
+                <a:highlight>
+                  <a:schemeClr val="lt1"/>
+                </a:highlight>
+                <a:latin typeface="Times New Roman"/>
+                <a:ea typeface="Times New Roman"/>
+                <a:cs typeface="Times New Roman"/>
+                <a:sym typeface="Times New Roman"/>
+              </a:rPr>
+              <a:t>Images of the location are displayed</a:t>
+            </a:r>
+            <a:endParaRPr sz="1900">
+              <a:solidFill>
+                <a:srgbClr val="000000"/>
+              </a:solidFill>
+              <a:highlight>
+                <a:schemeClr val="lt1"/>
+              </a:highlight>
+              <a:latin typeface="Times New Roman"/>
+              <a:ea typeface="Times New Roman"/>
+              <a:cs typeface="Times New Roman"/>
+              <a:sym typeface="Times New Roman"/>
+            </a:endParaRPr>
+          </a:p>
+          <a:p>
+            <a:pPr indent="-349250" lvl="3" marL="1828800" rtl="0" algn="l">
+              <a:spcBef>
+                <a:spcPts val="0"/>
+              </a:spcBef>
+              <a:spcAft>
+                <a:spcPts val="0"/>
+              </a:spcAft>
+              <a:buClr>
+                <a:srgbClr val="000000"/>
+              </a:buClr>
+              <a:buSzPts val="1900"/>
+              <a:buFont typeface="Times New Roman"/>
+              <a:buChar char="●"/>
+            </a:pPr>
+            <a:r>
+              <a:rPr lang="en" sz="1900">
+                <a:solidFill>
+                  <a:srgbClr val="000000"/>
+                </a:solidFill>
+                <a:highlight>
+                  <a:schemeClr val="lt1"/>
+                </a:highlight>
+                <a:latin typeface="Times New Roman"/>
+                <a:ea typeface="Times New Roman"/>
+                <a:cs typeface="Times New Roman"/>
+                <a:sym typeface="Times New Roman"/>
+              </a:rPr>
+              <a:t>A Description of the location is displayed</a:t>
+            </a:r>
+            <a:endParaRPr sz="1900">
+              <a:solidFill>
+                <a:srgbClr val="000000"/>
+              </a:solidFill>
+              <a:highlight>
+                <a:schemeClr val="lt1"/>
+              </a:highlight>
+              <a:latin typeface="Times New Roman"/>
+              <a:ea typeface="Times New Roman"/>
+              <a:cs typeface="Times New Roman"/>
+              <a:sym typeface="Times New Roman"/>
+            </a:endParaRPr>
+          </a:p>
+          <a:p>
+            <a:pPr indent="-349250" lvl="3" marL="1828800" rtl="0" algn="l">
+              <a:spcBef>
+                <a:spcPts val="0"/>
+              </a:spcBef>
+              <a:spcAft>
+                <a:spcPts val="0"/>
+              </a:spcAft>
+              <a:buClr>
+                <a:srgbClr val="000000"/>
+              </a:buClr>
+              <a:buSzPts val="1900"/>
+              <a:buFont typeface="Times New Roman"/>
+              <a:buChar char="●"/>
+            </a:pPr>
+            <a:r>
+              <a:rPr lang="en" sz="1900">
+                <a:solidFill>
+                  <a:srgbClr val="000000"/>
+                </a:solidFill>
+                <a:highlight>
+                  <a:schemeClr val="lt1"/>
+                </a:highlight>
+                <a:latin typeface="Times New Roman"/>
+                <a:ea typeface="Times New Roman"/>
+                <a:cs typeface="Times New Roman"/>
+                <a:sym typeface="Times New Roman"/>
+              </a:rPr>
+              <a:t>Ratings are displayed</a:t>
+            </a:r>
+            <a:endParaRPr sz="1900">
+              <a:solidFill>
+                <a:srgbClr val="000000"/>
+              </a:solidFill>
+              <a:highlight>
+                <a:schemeClr val="lt1"/>
+              </a:highlight>
+              <a:latin typeface="Times New Roman"/>
+              <a:ea typeface="Times New Roman"/>
+              <a:cs typeface="Times New Roman"/>
+              <a:sym typeface="Times New Roman"/>
+            </a:endParaRPr>
+          </a:p>
+          <a:p>
+            <a:pPr indent="-349250" lvl="3" marL="1828800" rtl="0" algn="l">
+              <a:spcBef>
+                <a:spcPts val="0"/>
+              </a:spcBef>
+              <a:spcAft>
+                <a:spcPts val="0"/>
+              </a:spcAft>
+              <a:buClr>
+                <a:srgbClr val="000000"/>
+              </a:buClr>
+              <a:buSzPts val="1900"/>
+              <a:buFont typeface="Times New Roman"/>
+              <a:buChar char="●"/>
+            </a:pPr>
+            <a:r>
+              <a:rPr lang="en" sz="1900">
+                <a:solidFill>
+                  <a:srgbClr val="000000"/>
+                </a:solidFill>
+                <a:highlight>
+                  <a:schemeClr val="lt1"/>
+                </a:highlight>
+                <a:latin typeface="Times New Roman"/>
+                <a:ea typeface="Times New Roman"/>
+                <a:cs typeface="Times New Roman"/>
+                <a:sym typeface="Times New Roman"/>
+              </a:rPr>
+              <a:t>The modal will have a button to add to an itinerary they’re building</a:t>
+            </a:r>
+            <a:endParaRPr sz="1900">
+              <a:solidFill>
+                <a:srgbClr val="000000"/>
+              </a:solidFill>
+              <a:highlight>
+                <a:schemeClr val="lt1"/>
+              </a:highlight>
+              <a:latin typeface="Times New Roman"/>
+              <a:ea typeface="Times New Roman"/>
+              <a:cs typeface="Times New Roman"/>
+              <a:sym typeface="Times New Roman"/>
+            </a:endParaRPr>
+          </a:p>
+          <a:p>
+            <a:pPr indent="-349250" lvl="3" marL="1828800" rtl="0" algn="l">
+              <a:spcBef>
+                <a:spcPts val="0"/>
+              </a:spcBef>
+              <a:spcAft>
+                <a:spcPts val="0"/>
+              </a:spcAft>
+              <a:buClr>
+                <a:srgbClr val="000000"/>
+              </a:buClr>
+              <a:buSzPts val="1900"/>
+              <a:buFont typeface="Times New Roman"/>
+              <a:buChar char="●"/>
+            </a:pPr>
+            <a:r>
+              <a:rPr lang="en" sz="1900">
+                <a:solidFill>
+                  <a:srgbClr val="000000"/>
+                </a:solidFill>
+                <a:highlight>
+                  <a:schemeClr val="lt1"/>
+                </a:highlight>
+                <a:latin typeface="Times New Roman"/>
+                <a:ea typeface="Times New Roman"/>
+                <a:cs typeface="Times New Roman"/>
+                <a:sym typeface="Times New Roman"/>
+              </a:rPr>
+              <a:t>The modal will have a button to cancel, closing the modal</a:t>
+            </a:r>
+            <a:endParaRPr sz="1900">
+              <a:solidFill>
+                <a:srgbClr val="000000"/>
+              </a:solidFill>
+              <a:highlight>
+                <a:schemeClr val="lt1"/>
+              </a:highlight>
+              <a:latin typeface="Times New Roman"/>
+              <a:ea typeface="Times New Roman"/>
+              <a:cs typeface="Times New Roman"/>
+              <a:sym typeface="Times New Roman"/>
+            </a:endParaRPr>
+          </a:p>
+          <a:p>
+            <a:pPr indent="0" lvl="0" marL="0" rtl="0" algn="l">
+              <a:spcBef>
+                <a:spcPts val="0"/>
+              </a:spcBef>
+              <a:spcAft>
+                <a:spcPts val="1200"/>
+              </a:spcAft>
+              <a:buNone/>
+            </a:pPr>
+            <a:r>
+              <a:t/>
+            </a:r>
+            <a:endParaRPr/>
+          </a:p>
+        </p:txBody>
+      </p:sp>
+    </p:spTree>
+  </p:cSld>
+  <p:clrMapOvr>
+    <a:masterClrMapping/>
+  </p:clrMapOvr>
+</p:sld>
+</file>
+
+<file path=ppt/slides/slide17.xml><?xml version="1.0" encoding="utf-8"?>
+<p:sld xmlns:a="http://schemas.openxmlformats.org/drawingml/2006/main" xmlns:r="http://schemas.openxmlformats.org/officeDocument/2006/relationships" xmlns:mc="http://schemas.openxmlformats.org/markup-compatibility/2006" xmlns:mv="urn:schemas-microsoft-com:mac:vml" xmlns:p="http://schemas.openxmlformats.org/presentationml/2006/main" xmlns:c="http://schemas.openxmlformats.org/drawingml/2006/chart" xmlns:dgm="http://schemas.openxmlformats.org/drawingml/2006/diagram" xmlns:o="urn:schemas-microsoft-com:office:office" xmlns:v="urn:schemas-microsoft-com:vml" xmlns:pvml="urn:schemas-microsoft-com:office:powerpoint" xmlns:com="http://schemas.openxmlformats.org/drawingml/2006/compatibility" xmlns:p14="http://schemas.microsoft.com/office/powerpoint/2010/main" xmlns:p15="http://schemas.microsoft.com/office/powerpoint/2012/main" xmlns:ahyp="http://schemas.microsoft.com/office/drawing/2018/hyperlinkcolor">
+  <p:cSld>
+    <p:spTree>
+      <p:nvGrpSpPr>
+        <p:cNvPr id="215" name="Shape 215"/>
+        <p:cNvGrpSpPr/>
+        <p:nvPr/>
+      </p:nvGrpSpPr>
+      <p:grpSpPr>
+        <a:xfrm>
+          <a:off x="0" y="0"/>
+          <a:ext cx="0" cy="0"/>
+          <a:chOff x="0" y="0"/>
+          <a:chExt cx="0" cy="0"/>
+        </a:xfrm>
+      </p:grpSpPr>
+      <p:sp>
+        <p:nvSpPr>
+          <p:cNvPr id="216" name="Google Shape;216;p29"/>
+          <p:cNvSpPr txBox="1"/>
+          <p:nvPr>
+            <p:ph idx="1" type="body"/>
+          </p:nvPr>
+        </p:nvSpPr>
+        <p:spPr>
+          <a:xfrm>
+            <a:off x="179800" y="359625"/>
+            <a:ext cx="8156700" cy="4119000"/>
+          </a:xfrm>
+          <a:prstGeom prst="rect">
+            <a:avLst/>
+          </a:prstGeom>
+        </p:spPr>
+        <p:txBody>
+          <a:bodyPr anchorCtr="0" anchor="t" bIns="91425" lIns="91425" spcFirstLastPara="1" rIns="91425" wrap="square" tIns="91425">
+            <a:normAutofit/>
+          </a:bodyPr>
+          <a:lstStyle/>
+          <a:p>
+            <a:pPr indent="-349250" lvl="1" marL="914400" rtl="0" algn="l">
+              <a:spcBef>
+                <a:spcPts val="0"/>
+              </a:spcBef>
+              <a:spcAft>
+                <a:spcPts val="0"/>
+              </a:spcAft>
+              <a:buClr>
+                <a:srgbClr val="000000"/>
+              </a:buClr>
+              <a:buSzPts val="1900"/>
+              <a:buFont typeface="Times New Roman"/>
+              <a:buChar char="○"/>
+            </a:pPr>
+            <a:r>
+              <a:rPr lang="en" sz="1900">
+                <a:solidFill>
+                  <a:srgbClr val="000000"/>
+                </a:solidFill>
+                <a:highlight>
+                  <a:schemeClr val="lt1"/>
+                </a:highlight>
+                <a:latin typeface="Times New Roman"/>
+                <a:ea typeface="Times New Roman"/>
+                <a:cs typeface="Times New Roman"/>
+                <a:sym typeface="Times New Roman"/>
+              </a:rPr>
+              <a:t>Once a location is added to an itinerary, a sidebar are the right page will appear</a:t>
+            </a:r>
+            <a:endParaRPr sz="1900">
+              <a:solidFill>
+                <a:srgbClr val="000000"/>
+              </a:solidFill>
+              <a:highlight>
+                <a:schemeClr val="lt1"/>
+              </a:highlight>
+              <a:latin typeface="Times New Roman"/>
+              <a:ea typeface="Times New Roman"/>
+              <a:cs typeface="Times New Roman"/>
+              <a:sym typeface="Times New Roman"/>
+            </a:endParaRPr>
+          </a:p>
+          <a:p>
+            <a:pPr indent="-349250" lvl="2" marL="1371600" rtl="0" algn="l">
+              <a:spcBef>
+                <a:spcPts val="0"/>
+              </a:spcBef>
+              <a:spcAft>
+                <a:spcPts val="0"/>
+              </a:spcAft>
+              <a:buClr>
+                <a:srgbClr val="000000"/>
+              </a:buClr>
+              <a:buSzPts val="1900"/>
+              <a:buFont typeface="Times New Roman"/>
+              <a:buChar char="■"/>
+            </a:pPr>
+            <a:r>
+              <a:rPr lang="en" sz="1900">
+                <a:solidFill>
+                  <a:srgbClr val="000000"/>
+                </a:solidFill>
+                <a:highlight>
+                  <a:schemeClr val="lt1"/>
+                </a:highlight>
+                <a:latin typeface="Times New Roman"/>
+                <a:ea typeface="Times New Roman"/>
+                <a:cs typeface="Times New Roman"/>
+                <a:sym typeface="Times New Roman"/>
+              </a:rPr>
+              <a:t>Added locations will be displayed as a descending list of cards</a:t>
+            </a:r>
+            <a:endParaRPr sz="1900">
+              <a:solidFill>
+                <a:srgbClr val="000000"/>
+              </a:solidFill>
+              <a:highlight>
+                <a:schemeClr val="lt1"/>
+              </a:highlight>
+              <a:latin typeface="Times New Roman"/>
+              <a:ea typeface="Times New Roman"/>
+              <a:cs typeface="Times New Roman"/>
+              <a:sym typeface="Times New Roman"/>
+            </a:endParaRPr>
+          </a:p>
+          <a:p>
+            <a:pPr indent="-349250" lvl="3" marL="1828800" rtl="0" algn="l">
+              <a:spcBef>
+                <a:spcPts val="0"/>
+              </a:spcBef>
+              <a:spcAft>
+                <a:spcPts val="0"/>
+              </a:spcAft>
+              <a:buClr>
+                <a:srgbClr val="000000"/>
+              </a:buClr>
+              <a:buSzPts val="1900"/>
+              <a:buFont typeface="Times New Roman"/>
+              <a:buChar char="●"/>
+            </a:pPr>
+            <a:r>
+              <a:rPr lang="en" sz="1900">
+                <a:solidFill>
+                  <a:srgbClr val="000000"/>
+                </a:solidFill>
+                <a:highlight>
+                  <a:schemeClr val="lt1"/>
+                </a:highlight>
+                <a:latin typeface="Times New Roman"/>
+                <a:ea typeface="Times New Roman"/>
+                <a:cs typeface="Times New Roman"/>
+                <a:sym typeface="Times New Roman"/>
+              </a:rPr>
+              <a:t>Cards will consist of an image of the location, the name of a location, and a trash icon.</a:t>
+            </a:r>
+            <a:endParaRPr sz="1900">
+              <a:solidFill>
+                <a:srgbClr val="000000"/>
+              </a:solidFill>
+              <a:highlight>
+                <a:schemeClr val="lt1"/>
+              </a:highlight>
+              <a:latin typeface="Times New Roman"/>
+              <a:ea typeface="Times New Roman"/>
+              <a:cs typeface="Times New Roman"/>
+              <a:sym typeface="Times New Roman"/>
+            </a:endParaRPr>
+          </a:p>
+          <a:p>
+            <a:pPr indent="-349250" lvl="4" marL="2286000" rtl="0" algn="l">
+              <a:spcBef>
+                <a:spcPts val="0"/>
+              </a:spcBef>
+              <a:spcAft>
+                <a:spcPts val="0"/>
+              </a:spcAft>
+              <a:buClr>
+                <a:srgbClr val="000000"/>
+              </a:buClr>
+              <a:buSzPts val="1900"/>
+              <a:buFont typeface="Times New Roman"/>
+              <a:buChar char="○"/>
+            </a:pPr>
+            <a:r>
+              <a:rPr lang="en" sz="1900">
+                <a:solidFill>
+                  <a:srgbClr val="000000"/>
+                </a:solidFill>
+                <a:highlight>
+                  <a:schemeClr val="lt1"/>
+                </a:highlight>
+                <a:latin typeface="Times New Roman"/>
+                <a:ea typeface="Times New Roman"/>
+                <a:cs typeface="Times New Roman"/>
+                <a:sym typeface="Times New Roman"/>
+              </a:rPr>
+              <a:t>Clicking the trash icon will remove the added location from the sidebar, stopping it from being added to an itinerary</a:t>
+            </a:r>
+            <a:endParaRPr sz="1900">
+              <a:solidFill>
+                <a:srgbClr val="000000"/>
+              </a:solidFill>
+              <a:highlight>
+                <a:schemeClr val="lt1"/>
+              </a:highlight>
+              <a:latin typeface="Times New Roman"/>
+              <a:ea typeface="Times New Roman"/>
+              <a:cs typeface="Times New Roman"/>
+              <a:sym typeface="Times New Roman"/>
+            </a:endParaRPr>
+          </a:p>
+          <a:p>
+            <a:pPr indent="0" lvl="0" marL="0" rtl="0" algn="l">
+              <a:spcBef>
+                <a:spcPts val="0"/>
+              </a:spcBef>
+              <a:spcAft>
+                <a:spcPts val="1200"/>
+              </a:spcAft>
+              <a:buNone/>
+            </a:pPr>
+            <a:r>
+              <a:t/>
+            </a:r>
+            <a:endParaRPr/>
+          </a:p>
+        </p:txBody>
+      </p:sp>
+    </p:spTree>
+  </p:cSld>
+  <p:clrMapOvr>
+    <a:masterClrMapping/>
+  </p:clrMapOvr>
+</p:sld>
+</file>
+
+<file path=ppt/slides/slide18.xml><?xml version="1.0" encoding="utf-8"?>
+<p:sld xmlns:a="http://schemas.openxmlformats.org/drawingml/2006/main" xmlns:r="http://schemas.openxmlformats.org/officeDocument/2006/relationships" xmlns:mc="http://schemas.openxmlformats.org/markup-compatibility/2006" xmlns:mv="urn:schemas-microsoft-com:mac:vml" xmlns:p="http://schemas.openxmlformats.org/presentationml/2006/main" xmlns:c="http://schemas.openxmlformats.org/drawingml/2006/chart" xmlns:dgm="http://schemas.openxmlformats.org/drawingml/2006/diagram" xmlns:o="urn:schemas-microsoft-com:office:office" xmlns:v="urn:schemas-microsoft-com:vml" xmlns:pvml="urn:schemas-microsoft-com:office:powerpoint" xmlns:com="http://schemas.openxmlformats.org/drawingml/2006/compatibility" xmlns:p14="http://schemas.microsoft.com/office/powerpoint/2010/main" xmlns:p15="http://schemas.microsoft.com/office/powerpoint/2012/main" xmlns:ahyp="http://schemas.microsoft.com/office/drawing/2018/hyperlinkcolor">
+  <p:cSld>
+    <p:spTree>
+      <p:nvGrpSpPr>
+        <p:cNvPr id="220" name="Shape 220"/>
+        <p:cNvGrpSpPr/>
+        <p:nvPr/>
+      </p:nvGrpSpPr>
+      <p:grpSpPr>
+        <a:xfrm>
+          <a:off x="0" y="0"/>
+          <a:ext cx="0" cy="0"/>
+          <a:chOff x="0" y="0"/>
+          <a:chExt cx="0" cy="0"/>
+        </a:xfrm>
+      </p:grpSpPr>
+      <p:sp>
+        <p:nvSpPr>
+          <p:cNvPr id="221" name="Google Shape;221;p30"/>
           <p:cNvSpPr txBox="1"/>
           <p:nvPr>
             <p:ph type="title"/>
@@ -10810,7 +13030,7 @@
       </p:sp>
       <p:sp>
         <p:nvSpPr>
-          <p:cNvPr id="182" name="Google Shape;182;p22"/>
+          <p:cNvPr id="222" name="Google Shape;222;p30"/>
           <p:cNvSpPr txBox="1"/>
           <p:nvPr>
             <p:ph idx="1" type="body"/>
@@ -10855,12 +13075,12 @@
 </p:sld>
 </file>
 
-<file path=ppt/slides/slide11.xml><?xml version="1.0" encoding="utf-8"?>
+<file path=ppt/slides/slide19.xml><?xml version="1.0" encoding="utf-8"?>
 <p:sld xmlns:a="http://schemas.openxmlformats.org/drawingml/2006/main" xmlns:r="http://schemas.openxmlformats.org/officeDocument/2006/relationships" xmlns:mc="http://schemas.openxmlformats.org/markup-compatibility/2006" xmlns:mv="urn:schemas-microsoft-com:mac:vml" xmlns:p="http://schemas.openxmlformats.org/presentationml/2006/main" xmlns:c="http://schemas.openxmlformats.org/drawingml/2006/chart" xmlns:dgm="http://schemas.openxmlformats.org/drawingml/2006/diagram" xmlns:o="urn:schemas-microsoft-com:office:office" xmlns:v="urn:schemas-microsoft-com:vml" xmlns:pvml="urn:schemas-microsoft-com:office:powerpoint" xmlns:com="http://schemas.openxmlformats.org/drawingml/2006/compatibility" xmlns:p14="http://schemas.microsoft.com/office/powerpoint/2010/main" xmlns:p15="http://schemas.microsoft.com/office/powerpoint/2012/main" xmlns:ahyp="http://schemas.microsoft.com/office/drawing/2018/hyperlinkcolor">
   <p:cSld>
     <p:spTree>
       <p:nvGrpSpPr>
-        <p:cNvPr id="186" name="Shape 186"/>
+        <p:cNvPr id="226" name="Shape 226"/>
         <p:cNvGrpSpPr/>
         <p:nvPr/>
       </p:nvGrpSpPr>
@@ -10874,7 +13094,7 @@
       </p:grpSpPr>
       <p:sp>
         <p:nvSpPr>
-          <p:cNvPr id="187" name="Google Shape;187;p23"/>
+          <p:cNvPr id="227" name="Google Shape;227;p31"/>
           <p:cNvSpPr txBox="1"/>
           <p:nvPr>
             <p:ph type="title"/>
@@ -10913,625 +13133,7 @@
       </p:sp>
       <p:sp>
         <p:nvSpPr>
-          <p:cNvPr id="188" name="Google Shape;188;p23"/>
-          <p:cNvSpPr txBox="1"/>
-          <p:nvPr>
-            <p:ph idx="1" type="body"/>
-          </p:nvPr>
-        </p:nvSpPr>
-        <p:spPr>
-          <a:xfrm>
-            <a:off x="1297500" y="1567550"/>
-            <a:ext cx="7038900" cy="2911200"/>
-          </a:xfrm>
-          <a:prstGeom prst="rect">
-            <a:avLst/>
-          </a:prstGeom>
-        </p:spPr>
-        <p:txBody>
-          <a:bodyPr anchorCtr="0" anchor="t" bIns="91425" lIns="91425" spcFirstLastPara="1" rIns="91425" wrap="square" tIns="91425">
-            <a:normAutofit/>
-          </a:bodyPr>
-          <a:lstStyle/>
-          <a:p>
-            <a:pPr indent="0" lvl="0" marL="0" rtl="0" algn="l">
-              <a:spcBef>
-                <a:spcPts val="0"/>
-              </a:spcBef>
-              <a:spcAft>
-                <a:spcPts val="1200"/>
-              </a:spcAft>
-              <a:buNone/>
-            </a:pPr>
-            <a:r>
-              <a:t/>
-            </a:r>
-            <a:endParaRPr/>
-          </a:p>
-        </p:txBody>
-      </p:sp>
-    </p:spTree>
-  </p:cSld>
-  <p:clrMapOvr>
-    <a:masterClrMapping/>
-  </p:clrMapOvr>
-</p:sld>
-</file>
-
-<file path=ppt/slides/slide12.xml><?xml version="1.0" encoding="utf-8"?>
-<p:sld xmlns:a="http://schemas.openxmlformats.org/drawingml/2006/main" xmlns:r="http://schemas.openxmlformats.org/officeDocument/2006/relationships" xmlns:mc="http://schemas.openxmlformats.org/markup-compatibility/2006" xmlns:mv="urn:schemas-microsoft-com:mac:vml" xmlns:p="http://schemas.openxmlformats.org/presentationml/2006/main" xmlns:c="http://schemas.openxmlformats.org/drawingml/2006/chart" xmlns:dgm="http://schemas.openxmlformats.org/drawingml/2006/diagram" xmlns:o="urn:schemas-microsoft-com:office:office" xmlns:v="urn:schemas-microsoft-com:vml" xmlns:pvml="urn:schemas-microsoft-com:office:powerpoint" xmlns:com="http://schemas.openxmlformats.org/drawingml/2006/compatibility" xmlns:p14="http://schemas.microsoft.com/office/powerpoint/2010/main" xmlns:p15="http://schemas.microsoft.com/office/powerpoint/2012/main" xmlns:ahyp="http://schemas.microsoft.com/office/drawing/2018/hyperlinkcolor">
-  <p:cSld>
-    <p:spTree>
-      <p:nvGrpSpPr>
-        <p:cNvPr id="192" name="Shape 192"/>
-        <p:cNvGrpSpPr/>
-        <p:nvPr/>
-      </p:nvGrpSpPr>
-      <p:grpSpPr>
-        <a:xfrm>
-          <a:off x="0" y="0"/>
-          <a:ext cx="0" cy="0"/>
-          <a:chOff x="0" y="0"/>
-          <a:chExt cx="0" cy="0"/>
-        </a:xfrm>
-      </p:grpSpPr>
-      <p:sp>
-        <p:nvSpPr>
-          <p:cNvPr id="193" name="Google Shape;193;p24"/>
-          <p:cNvSpPr txBox="1"/>
-          <p:nvPr>
-            <p:ph type="title"/>
-          </p:nvPr>
-        </p:nvSpPr>
-        <p:spPr>
-          <a:xfrm>
-            <a:off x="1297500" y="393750"/>
-            <a:ext cx="7038900" cy="914100"/>
-          </a:xfrm>
-          <a:prstGeom prst="rect">
-            <a:avLst/>
-          </a:prstGeom>
-        </p:spPr>
-        <p:txBody>
-          <a:bodyPr anchorCtr="0" anchor="t" bIns="91425" lIns="91425" spcFirstLastPara="1" rIns="91425" wrap="square" tIns="91425">
-            <a:normAutofit/>
-          </a:bodyPr>
-          <a:lstStyle/>
-          <a:p>
-            <a:pPr indent="0" lvl="0" marL="0" rtl="0" algn="l">
-              <a:spcBef>
-                <a:spcPts val="0"/>
-              </a:spcBef>
-              <a:spcAft>
-                <a:spcPts val="0"/>
-              </a:spcAft>
-              <a:buNone/>
-            </a:pPr>
-            <a:r>
-              <a:t/>
-            </a:r>
-            <a:endParaRPr/>
-          </a:p>
-        </p:txBody>
-      </p:sp>
-      <p:sp>
-        <p:nvSpPr>
-          <p:cNvPr id="194" name="Google Shape;194;p24"/>
-          <p:cNvSpPr txBox="1"/>
-          <p:nvPr>
-            <p:ph idx="1" type="body"/>
-          </p:nvPr>
-        </p:nvSpPr>
-        <p:spPr>
-          <a:xfrm>
-            <a:off x="1297500" y="1567550"/>
-            <a:ext cx="7038900" cy="2911200"/>
-          </a:xfrm>
-          <a:prstGeom prst="rect">
-            <a:avLst/>
-          </a:prstGeom>
-        </p:spPr>
-        <p:txBody>
-          <a:bodyPr anchorCtr="0" anchor="t" bIns="91425" lIns="91425" spcFirstLastPara="1" rIns="91425" wrap="square" tIns="91425">
-            <a:normAutofit/>
-          </a:bodyPr>
-          <a:lstStyle/>
-          <a:p>
-            <a:pPr indent="0" lvl="0" marL="0" rtl="0" algn="l">
-              <a:spcBef>
-                <a:spcPts val="0"/>
-              </a:spcBef>
-              <a:spcAft>
-                <a:spcPts val="1200"/>
-              </a:spcAft>
-              <a:buNone/>
-            </a:pPr>
-            <a:r>
-              <a:t/>
-            </a:r>
-            <a:endParaRPr/>
-          </a:p>
-        </p:txBody>
-      </p:sp>
-    </p:spTree>
-  </p:cSld>
-  <p:clrMapOvr>
-    <a:masterClrMapping/>
-  </p:clrMapOvr>
-</p:sld>
-</file>
-
-<file path=ppt/slides/slide13.xml><?xml version="1.0" encoding="utf-8"?>
-<p:sld xmlns:a="http://schemas.openxmlformats.org/drawingml/2006/main" xmlns:r="http://schemas.openxmlformats.org/officeDocument/2006/relationships" xmlns:mc="http://schemas.openxmlformats.org/markup-compatibility/2006" xmlns:mv="urn:schemas-microsoft-com:mac:vml" xmlns:p="http://schemas.openxmlformats.org/presentationml/2006/main" xmlns:c="http://schemas.openxmlformats.org/drawingml/2006/chart" xmlns:dgm="http://schemas.openxmlformats.org/drawingml/2006/diagram" xmlns:o="urn:schemas-microsoft-com:office:office" xmlns:v="urn:schemas-microsoft-com:vml" xmlns:pvml="urn:schemas-microsoft-com:office:powerpoint" xmlns:com="http://schemas.openxmlformats.org/drawingml/2006/compatibility" xmlns:p14="http://schemas.microsoft.com/office/powerpoint/2010/main" xmlns:p15="http://schemas.microsoft.com/office/powerpoint/2012/main" xmlns:ahyp="http://schemas.microsoft.com/office/drawing/2018/hyperlinkcolor">
-  <p:cSld>
-    <p:spTree>
-      <p:nvGrpSpPr>
-        <p:cNvPr id="198" name="Shape 198"/>
-        <p:cNvGrpSpPr/>
-        <p:nvPr/>
-      </p:nvGrpSpPr>
-      <p:grpSpPr>
-        <a:xfrm>
-          <a:off x="0" y="0"/>
-          <a:ext cx="0" cy="0"/>
-          <a:chOff x="0" y="0"/>
-          <a:chExt cx="0" cy="0"/>
-        </a:xfrm>
-      </p:grpSpPr>
-      <p:sp>
-        <p:nvSpPr>
-          <p:cNvPr id="199" name="Google Shape;199;p25"/>
-          <p:cNvSpPr txBox="1"/>
-          <p:nvPr>
-            <p:ph type="title"/>
-          </p:nvPr>
-        </p:nvSpPr>
-        <p:spPr>
-          <a:xfrm>
-            <a:off x="1297500" y="393750"/>
-            <a:ext cx="7038900" cy="914100"/>
-          </a:xfrm>
-          <a:prstGeom prst="rect">
-            <a:avLst/>
-          </a:prstGeom>
-        </p:spPr>
-        <p:txBody>
-          <a:bodyPr anchorCtr="0" anchor="t" bIns="91425" lIns="91425" spcFirstLastPara="1" rIns="91425" wrap="square" tIns="91425">
-            <a:normAutofit/>
-          </a:bodyPr>
-          <a:lstStyle/>
-          <a:p>
-            <a:pPr indent="0" lvl="0" marL="0" rtl="0" algn="l">
-              <a:spcBef>
-                <a:spcPts val="0"/>
-              </a:spcBef>
-              <a:spcAft>
-                <a:spcPts val="0"/>
-              </a:spcAft>
-              <a:buNone/>
-            </a:pPr>
-            <a:r>
-              <a:t/>
-            </a:r>
-            <a:endParaRPr/>
-          </a:p>
-        </p:txBody>
-      </p:sp>
-      <p:sp>
-        <p:nvSpPr>
-          <p:cNvPr id="200" name="Google Shape;200;p25"/>
-          <p:cNvSpPr txBox="1"/>
-          <p:nvPr>
-            <p:ph idx="1" type="body"/>
-          </p:nvPr>
-        </p:nvSpPr>
-        <p:spPr>
-          <a:xfrm>
-            <a:off x="1297500" y="1567550"/>
-            <a:ext cx="7038900" cy="2911200"/>
-          </a:xfrm>
-          <a:prstGeom prst="rect">
-            <a:avLst/>
-          </a:prstGeom>
-        </p:spPr>
-        <p:txBody>
-          <a:bodyPr anchorCtr="0" anchor="t" bIns="91425" lIns="91425" spcFirstLastPara="1" rIns="91425" wrap="square" tIns="91425">
-            <a:normAutofit/>
-          </a:bodyPr>
-          <a:lstStyle/>
-          <a:p>
-            <a:pPr indent="0" lvl="0" marL="0" rtl="0" algn="l">
-              <a:spcBef>
-                <a:spcPts val="0"/>
-              </a:spcBef>
-              <a:spcAft>
-                <a:spcPts val="1200"/>
-              </a:spcAft>
-              <a:buNone/>
-            </a:pPr>
-            <a:r>
-              <a:t/>
-            </a:r>
-            <a:endParaRPr/>
-          </a:p>
-        </p:txBody>
-      </p:sp>
-    </p:spTree>
-  </p:cSld>
-  <p:clrMapOvr>
-    <a:masterClrMapping/>
-  </p:clrMapOvr>
-</p:sld>
-</file>
-
-<file path=ppt/slides/slide14.xml><?xml version="1.0" encoding="utf-8"?>
-<p:sld xmlns:a="http://schemas.openxmlformats.org/drawingml/2006/main" xmlns:r="http://schemas.openxmlformats.org/officeDocument/2006/relationships" xmlns:mc="http://schemas.openxmlformats.org/markup-compatibility/2006" xmlns:mv="urn:schemas-microsoft-com:mac:vml" xmlns:p="http://schemas.openxmlformats.org/presentationml/2006/main" xmlns:c="http://schemas.openxmlformats.org/drawingml/2006/chart" xmlns:dgm="http://schemas.openxmlformats.org/drawingml/2006/diagram" xmlns:o="urn:schemas-microsoft-com:office:office" xmlns:v="urn:schemas-microsoft-com:vml" xmlns:pvml="urn:schemas-microsoft-com:office:powerpoint" xmlns:com="http://schemas.openxmlformats.org/drawingml/2006/compatibility" xmlns:p14="http://schemas.microsoft.com/office/powerpoint/2010/main" xmlns:p15="http://schemas.microsoft.com/office/powerpoint/2012/main" xmlns:ahyp="http://schemas.microsoft.com/office/drawing/2018/hyperlinkcolor">
-  <p:cSld>
-    <p:spTree>
-      <p:nvGrpSpPr>
-        <p:cNvPr id="204" name="Shape 204"/>
-        <p:cNvGrpSpPr/>
-        <p:nvPr/>
-      </p:nvGrpSpPr>
-      <p:grpSpPr>
-        <a:xfrm>
-          <a:off x="0" y="0"/>
-          <a:ext cx="0" cy="0"/>
-          <a:chOff x="0" y="0"/>
-          <a:chExt cx="0" cy="0"/>
-        </a:xfrm>
-      </p:grpSpPr>
-      <p:sp>
-        <p:nvSpPr>
-          <p:cNvPr id="205" name="Google Shape;205;p26"/>
-          <p:cNvSpPr txBox="1"/>
-          <p:nvPr>
-            <p:ph type="title"/>
-          </p:nvPr>
-        </p:nvSpPr>
-        <p:spPr>
-          <a:xfrm>
-            <a:off x="1297500" y="393750"/>
-            <a:ext cx="7038900" cy="914100"/>
-          </a:xfrm>
-          <a:prstGeom prst="rect">
-            <a:avLst/>
-          </a:prstGeom>
-        </p:spPr>
-        <p:txBody>
-          <a:bodyPr anchorCtr="0" anchor="t" bIns="91425" lIns="91425" spcFirstLastPara="1" rIns="91425" wrap="square" tIns="91425">
-            <a:normAutofit/>
-          </a:bodyPr>
-          <a:lstStyle/>
-          <a:p>
-            <a:pPr indent="0" lvl="0" marL="0" rtl="0" algn="l">
-              <a:spcBef>
-                <a:spcPts val="0"/>
-              </a:spcBef>
-              <a:spcAft>
-                <a:spcPts val="0"/>
-              </a:spcAft>
-              <a:buNone/>
-            </a:pPr>
-            <a:r>
-              <a:t/>
-            </a:r>
-            <a:endParaRPr/>
-          </a:p>
-        </p:txBody>
-      </p:sp>
-      <p:sp>
-        <p:nvSpPr>
-          <p:cNvPr id="206" name="Google Shape;206;p26"/>
-          <p:cNvSpPr txBox="1"/>
-          <p:nvPr>
-            <p:ph idx="1" type="body"/>
-          </p:nvPr>
-        </p:nvSpPr>
-        <p:spPr>
-          <a:xfrm>
-            <a:off x="1297500" y="1567550"/>
-            <a:ext cx="7038900" cy="2911200"/>
-          </a:xfrm>
-          <a:prstGeom prst="rect">
-            <a:avLst/>
-          </a:prstGeom>
-        </p:spPr>
-        <p:txBody>
-          <a:bodyPr anchorCtr="0" anchor="t" bIns="91425" lIns="91425" spcFirstLastPara="1" rIns="91425" wrap="square" tIns="91425">
-            <a:normAutofit/>
-          </a:bodyPr>
-          <a:lstStyle/>
-          <a:p>
-            <a:pPr indent="0" lvl="0" marL="0" rtl="0" algn="l">
-              <a:spcBef>
-                <a:spcPts val="0"/>
-              </a:spcBef>
-              <a:spcAft>
-                <a:spcPts val="1200"/>
-              </a:spcAft>
-              <a:buNone/>
-            </a:pPr>
-            <a:r>
-              <a:t/>
-            </a:r>
-            <a:endParaRPr/>
-          </a:p>
-        </p:txBody>
-      </p:sp>
-    </p:spTree>
-  </p:cSld>
-  <p:clrMapOvr>
-    <a:masterClrMapping/>
-  </p:clrMapOvr>
-</p:sld>
-</file>
-
-<file path=ppt/slides/slide15.xml><?xml version="1.0" encoding="utf-8"?>
-<p:sld xmlns:a="http://schemas.openxmlformats.org/drawingml/2006/main" xmlns:r="http://schemas.openxmlformats.org/officeDocument/2006/relationships" xmlns:mc="http://schemas.openxmlformats.org/markup-compatibility/2006" xmlns:mv="urn:schemas-microsoft-com:mac:vml" xmlns:p="http://schemas.openxmlformats.org/presentationml/2006/main" xmlns:c="http://schemas.openxmlformats.org/drawingml/2006/chart" xmlns:dgm="http://schemas.openxmlformats.org/drawingml/2006/diagram" xmlns:o="urn:schemas-microsoft-com:office:office" xmlns:v="urn:schemas-microsoft-com:vml" xmlns:pvml="urn:schemas-microsoft-com:office:powerpoint" xmlns:com="http://schemas.openxmlformats.org/drawingml/2006/compatibility" xmlns:p14="http://schemas.microsoft.com/office/powerpoint/2010/main" xmlns:p15="http://schemas.microsoft.com/office/powerpoint/2012/main" xmlns:ahyp="http://schemas.microsoft.com/office/drawing/2018/hyperlinkcolor">
-  <p:cSld>
-    <p:spTree>
-      <p:nvGrpSpPr>
-        <p:cNvPr id="210" name="Shape 210"/>
-        <p:cNvGrpSpPr/>
-        <p:nvPr/>
-      </p:nvGrpSpPr>
-      <p:grpSpPr>
-        <a:xfrm>
-          <a:off x="0" y="0"/>
-          <a:ext cx="0" cy="0"/>
-          <a:chOff x="0" y="0"/>
-          <a:chExt cx="0" cy="0"/>
-        </a:xfrm>
-      </p:grpSpPr>
-      <p:sp>
-        <p:nvSpPr>
-          <p:cNvPr id="211" name="Google Shape;211;p27"/>
-          <p:cNvSpPr txBox="1"/>
-          <p:nvPr>
-            <p:ph type="title"/>
-          </p:nvPr>
-        </p:nvSpPr>
-        <p:spPr>
-          <a:xfrm>
-            <a:off x="1297500" y="393750"/>
-            <a:ext cx="7038900" cy="914100"/>
-          </a:xfrm>
-          <a:prstGeom prst="rect">
-            <a:avLst/>
-          </a:prstGeom>
-        </p:spPr>
-        <p:txBody>
-          <a:bodyPr anchorCtr="0" anchor="t" bIns="91425" lIns="91425" spcFirstLastPara="1" rIns="91425" wrap="square" tIns="91425">
-            <a:normAutofit/>
-          </a:bodyPr>
-          <a:lstStyle/>
-          <a:p>
-            <a:pPr indent="0" lvl="0" marL="0" rtl="0" algn="l">
-              <a:spcBef>
-                <a:spcPts val="0"/>
-              </a:spcBef>
-              <a:spcAft>
-                <a:spcPts val="0"/>
-              </a:spcAft>
-              <a:buNone/>
-            </a:pPr>
-            <a:r>
-              <a:t/>
-            </a:r>
-            <a:endParaRPr/>
-          </a:p>
-        </p:txBody>
-      </p:sp>
-      <p:sp>
-        <p:nvSpPr>
-          <p:cNvPr id="212" name="Google Shape;212;p27"/>
-          <p:cNvSpPr txBox="1"/>
-          <p:nvPr>
-            <p:ph idx="1" type="body"/>
-          </p:nvPr>
-        </p:nvSpPr>
-        <p:spPr>
-          <a:xfrm>
-            <a:off x="1297500" y="1567550"/>
-            <a:ext cx="7038900" cy="2911200"/>
-          </a:xfrm>
-          <a:prstGeom prst="rect">
-            <a:avLst/>
-          </a:prstGeom>
-        </p:spPr>
-        <p:txBody>
-          <a:bodyPr anchorCtr="0" anchor="t" bIns="91425" lIns="91425" spcFirstLastPara="1" rIns="91425" wrap="square" tIns="91425">
-            <a:normAutofit/>
-          </a:bodyPr>
-          <a:lstStyle/>
-          <a:p>
-            <a:pPr indent="0" lvl="0" marL="0" rtl="0" algn="l">
-              <a:spcBef>
-                <a:spcPts val="0"/>
-              </a:spcBef>
-              <a:spcAft>
-                <a:spcPts val="1200"/>
-              </a:spcAft>
-              <a:buNone/>
-            </a:pPr>
-            <a:r>
-              <a:t/>
-            </a:r>
-            <a:endParaRPr/>
-          </a:p>
-        </p:txBody>
-      </p:sp>
-    </p:spTree>
-  </p:cSld>
-  <p:clrMapOvr>
-    <a:masterClrMapping/>
-  </p:clrMapOvr>
-</p:sld>
-</file>
-
-<file path=ppt/slides/slide16.xml><?xml version="1.0" encoding="utf-8"?>
-<p:sld xmlns:a="http://schemas.openxmlformats.org/drawingml/2006/main" xmlns:r="http://schemas.openxmlformats.org/officeDocument/2006/relationships" xmlns:mc="http://schemas.openxmlformats.org/markup-compatibility/2006" xmlns:mv="urn:schemas-microsoft-com:mac:vml" xmlns:p="http://schemas.openxmlformats.org/presentationml/2006/main" xmlns:c="http://schemas.openxmlformats.org/drawingml/2006/chart" xmlns:dgm="http://schemas.openxmlformats.org/drawingml/2006/diagram" xmlns:o="urn:schemas-microsoft-com:office:office" xmlns:v="urn:schemas-microsoft-com:vml" xmlns:pvml="urn:schemas-microsoft-com:office:powerpoint" xmlns:com="http://schemas.openxmlformats.org/drawingml/2006/compatibility" xmlns:p14="http://schemas.microsoft.com/office/powerpoint/2010/main" xmlns:p15="http://schemas.microsoft.com/office/powerpoint/2012/main" xmlns:ahyp="http://schemas.microsoft.com/office/drawing/2018/hyperlinkcolor">
-  <p:cSld>
-    <p:spTree>
-      <p:nvGrpSpPr>
-        <p:cNvPr id="216" name="Shape 216"/>
-        <p:cNvGrpSpPr/>
-        <p:nvPr/>
-      </p:nvGrpSpPr>
-      <p:grpSpPr>
-        <a:xfrm>
-          <a:off x="0" y="0"/>
-          <a:ext cx="0" cy="0"/>
-          <a:chOff x="0" y="0"/>
-          <a:chExt cx="0" cy="0"/>
-        </a:xfrm>
-      </p:grpSpPr>
-      <p:sp>
-        <p:nvSpPr>
-          <p:cNvPr id="217" name="Google Shape;217;p28"/>
-          <p:cNvSpPr txBox="1"/>
-          <p:nvPr>
-            <p:ph type="title"/>
-          </p:nvPr>
-        </p:nvSpPr>
-        <p:spPr>
-          <a:xfrm>
-            <a:off x="1297500" y="393750"/>
-            <a:ext cx="7038900" cy="914100"/>
-          </a:xfrm>
-          <a:prstGeom prst="rect">
-            <a:avLst/>
-          </a:prstGeom>
-        </p:spPr>
-        <p:txBody>
-          <a:bodyPr anchorCtr="0" anchor="t" bIns="91425" lIns="91425" spcFirstLastPara="1" rIns="91425" wrap="square" tIns="91425">
-            <a:normAutofit/>
-          </a:bodyPr>
-          <a:lstStyle/>
-          <a:p>
-            <a:pPr indent="0" lvl="0" marL="0" rtl="0" algn="l">
-              <a:spcBef>
-                <a:spcPts val="0"/>
-              </a:spcBef>
-              <a:spcAft>
-                <a:spcPts val="0"/>
-              </a:spcAft>
-              <a:buNone/>
-            </a:pPr>
-            <a:r>
-              <a:t/>
-            </a:r>
-            <a:endParaRPr/>
-          </a:p>
-        </p:txBody>
-      </p:sp>
-      <p:sp>
-        <p:nvSpPr>
-          <p:cNvPr id="218" name="Google Shape;218;p28"/>
-          <p:cNvSpPr txBox="1"/>
-          <p:nvPr>
-            <p:ph idx="1" type="body"/>
-          </p:nvPr>
-        </p:nvSpPr>
-        <p:spPr>
-          <a:xfrm>
-            <a:off x="1297500" y="1567550"/>
-            <a:ext cx="7038900" cy="2911200"/>
-          </a:xfrm>
-          <a:prstGeom prst="rect">
-            <a:avLst/>
-          </a:prstGeom>
-        </p:spPr>
-        <p:txBody>
-          <a:bodyPr anchorCtr="0" anchor="t" bIns="91425" lIns="91425" spcFirstLastPara="1" rIns="91425" wrap="square" tIns="91425">
-            <a:normAutofit/>
-          </a:bodyPr>
-          <a:lstStyle/>
-          <a:p>
-            <a:pPr indent="0" lvl="0" marL="0" rtl="0" algn="l">
-              <a:spcBef>
-                <a:spcPts val="0"/>
-              </a:spcBef>
-              <a:spcAft>
-                <a:spcPts val="1200"/>
-              </a:spcAft>
-              <a:buNone/>
-            </a:pPr>
-            <a:r>
-              <a:t/>
-            </a:r>
-            <a:endParaRPr/>
-          </a:p>
-        </p:txBody>
-      </p:sp>
-    </p:spTree>
-  </p:cSld>
-  <p:clrMapOvr>
-    <a:masterClrMapping/>
-  </p:clrMapOvr>
-</p:sld>
-</file>
-
-<file path=ppt/slides/slide17.xml><?xml version="1.0" encoding="utf-8"?>
-<p:sld xmlns:a="http://schemas.openxmlformats.org/drawingml/2006/main" xmlns:r="http://schemas.openxmlformats.org/officeDocument/2006/relationships" xmlns:mc="http://schemas.openxmlformats.org/markup-compatibility/2006" xmlns:mv="urn:schemas-microsoft-com:mac:vml" xmlns:p="http://schemas.openxmlformats.org/presentationml/2006/main" xmlns:c="http://schemas.openxmlformats.org/drawingml/2006/chart" xmlns:dgm="http://schemas.openxmlformats.org/drawingml/2006/diagram" xmlns:o="urn:schemas-microsoft-com:office:office" xmlns:v="urn:schemas-microsoft-com:vml" xmlns:pvml="urn:schemas-microsoft-com:office:powerpoint" xmlns:com="http://schemas.openxmlformats.org/drawingml/2006/compatibility" xmlns:p14="http://schemas.microsoft.com/office/powerpoint/2010/main" xmlns:p15="http://schemas.microsoft.com/office/powerpoint/2012/main" xmlns:ahyp="http://schemas.microsoft.com/office/drawing/2018/hyperlinkcolor">
-  <p:cSld>
-    <p:spTree>
-      <p:nvGrpSpPr>
-        <p:cNvPr id="222" name="Shape 222"/>
-        <p:cNvGrpSpPr/>
-        <p:nvPr/>
-      </p:nvGrpSpPr>
-      <p:grpSpPr>
-        <a:xfrm>
-          <a:off x="0" y="0"/>
-          <a:ext cx="0" cy="0"/>
-          <a:chOff x="0" y="0"/>
-          <a:chExt cx="0" cy="0"/>
-        </a:xfrm>
-      </p:grpSpPr>
-      <p:sp>
-        <p:nvSpPr>
-          <p:cNvPr id="223" name="Google Shape;223;p29"/>
-          <p:cNvSpPr txBox="1"/>
-          <p:nvPr>
-            <p:ph type="title"/>
-          </p:nvPr>
-        </p:nvSpPr>
-        <p:spPr>
-          <a:xfrm>
-            <a:off x="1297500" y="393750"/>
-            <a:ext cx="7038900" cy="914100"/>
-          </a:xfrm>
-          <a:prstGeom prst="rect">
-            <a:avLst/>
-          </a:prstGeom>
-        </p:spPr>
-        <p:txBody>
-          <a:bodyPr anchorCtr="0" anchor="t" bIns="91425" lIns="91425" spcFirstLastPara="1" rIns="91425" wrap="square" tIns="91425">
-            <a:normAutofit/>
-          </a:bodyPr>
-          <a:lstStyle/>
-          <a:p>
-            <a:pPr indent="0" lvl="0" marL="0" rtl="0" algn="l">
-              <a:spcBef>
-                <a:spcPts val="0"/>
-              </a:spcBef>
-              <a:spcAft>
-                <a:spcPts val="0"/>
-              </a:spcAft>
-              <a:buNone/>
-            </a:pPr>
-            <a:r>
-              <a:t/>
-            </a:r>
-            <a:endParaRPr/>
-          </a:p>
-        </p:txBody>
-      </p:sp>
-      <p:sp>
-        <p:nvSpPr>
-          <p:cNvPr id="224" name="Google Shape;224;p29"/>
+          <p:cNvPr id="228" name="Google Shape;228;p31"/>
           <p:cNvSpPr txBox="1"/>
           <p:nvPr>
             <p:ph idx="1" type="body"/>
@@ -11638,6 +13240,212 @@
               </a:spcBef>
               <a:spcAft>
                 <a:spcPts val="0"/>
+              </a:spcAft>
+              <a:buNone/>
+            </a:pPr>
+            <a:r>
+              <a:t/>
+            </a:r>
+            <a:endParaRPr/>
+          </a:p>
+        </p:txBody>
+      </p:sp>
+    </p:spTree>
+  </p:cSld>
+  <p:clrMapOvr>
+    <a:masterClrMapping/>
+  </p:clrMapOvr>
+</p:sld>
+</file>
+
+<file path=ppt/slides/slide20.xml><?xml version="1.0" encoding="utf-8"?>
+<p:sld xmlns:a="http://schemas.openxmlformats.org/drawingml/2006/main" xmlns:r="http://schemas.openxmlformats.org/officeDocument/2006/relationships" xmlns:mc="http://schemas.openxmlformats.org/markup-compatibility/2006" xmlns:mv="urn:schemas-microsoft-com:mac:vml" xmlns:p="http://schemas.openxmlformats.org/presentationml/2006/main" xmlns:c="http://schemas.openxmlformats.org/drawingml/2006/chart" xmlns:dgm="http://schemas.openxmlformats.org/drawingml/2006/diagram" xmlns:o="urn:schemas-microsoft-com:office:office" xmlns:v="urn:schemas-microsoft-com:vml" xmlns:pvml="urn:schemas-microsoft-com:office:powerpoint" xmlns:com="http://schemas.openxmlformats.org/drawingml/2006/compatibility" xmlns:p14="http://schemas.microsoft.com/office/powerpoint/2010/main" xmlns:p15="http://schemas.microsoft.com/office/powerpoint/2012/main" xmlns:ahyp="http://schemas.microsoft.com/office/drawing/2018/hyperlinkcolor">
+  <p:cSld>
+    <p:spTree>
+      <p:nvGrpSpPr>
+        <p:cNvPr id="232" name="Shape 232"/>
+        <p:cNvGrpSpPr/>
+        <p:nvPr/>
+      </p:nvGrpSpPr>
+      <p:grpSpPr>
+        <a:xfrm>
+          <a:off x="0" y="0"/>
+          <a:ext cx="0" cy="0"/>
+          <a:chOff x="0" y="0"/>
+          <a:chExt cx="0" cy="0"/>
+        </a:xfrm>
+      </p:grpSpPr>
+      <p:sp>
+        <p:nvSpPr>
+          <p:cNvPr id="233" name="Google Shape;233;p32"/>
+          <p:cNvSpPr txBox="1"/>
+          <p:nvPr>
+            <p:ph type="title"/>
+          </p:nvPr>
+        </p:nvSpPr>
+        <p:spPr>
+          <a:xfrm>
+            <a:off x="1297500" y="393750"/>
+            <a:ext cx="7038900" cy="914100"/>
+          </a:xfrm>
+          <a:prstGeom prst="rect">
+            <a:avLst/>
+          </a:prstGeom>
+        </p:spPr>
+        <p:txBody>
+          <a:bodyPr anchorCtr="0" anchor="t" bIns="91425" lIns="91425" spcFirstLastPara="1" rIns="91425" wrap="square" tIns="91425">
+            <a:normAutofit/>
+          </a:bodyPr>
+          <a:lstStyle/>
+          <a:p>
+            <a:pPr indent="0" lvl="0" marL="0" rtl="0" algn="l">
+              <a:spcBef>
+                <a:spcPts val="0"/>
+              </a:spcBef>
+              <a:spcAft>
+                <a:spcPts val="0"/>
+              </a:spcAft>
+              <a:buNone/>
+            </a:pPr>
+            <a:r>
+              <a:t/>
+            </a:r>
+            <a:endParaRPr/>
+          </a:p>
+        </p:txBody>
+      </p:sp>
+      <p:sp>
+        <p:nvSpPr>
+          <p:cNvPr id="234" name="Google Shape;234;p32"/>
+          <p:cNvSpPr txBox="1"/>
+          <p:nvPr>
+            <p:ph idx="1" type="body"/>
+          </p:nvPr>
+        </p:nvSpPr>
+        <p:spPr>
+          <a:xfrm>
+            <a:off x="1297500" y="1567550"/>
+            <a:ext cx="7038900" cy="2911200"/>
+          </a:xfrm>
+          <a:prstGeom prst="rect">
+            <a:avLst/>
+          </a:prstGeom>
+        </p:spPr>
+        <p:txBody>
+          <a:bodyPr anchorCtr="0" anchor="t" bIns="91425" lIns="91425" spcFirstLastPara="1" rIns="91425" wrap="square" tIns="91425">
+            <a:normAutofit/>
+          </a:bodyPr>
+          <a:lstStyle/>
+          <a:p>
+            <a:pPr indent="0" lvl="0" marL="0" rtl="0" algn="l">
+              <a:spcBef>
+                <a:spcPts val="0"/>
+              </a:spcBef>
+              <a:spcAft>
+                <a:spcPts val="1200"/>
+              </a:spcAft>
+              <a:buNone/>
+            </a:pPr>
+            <a:r>
+              <a:t/>
+            </a:r>
+            <a:endParaRPr/>
+          </a:p>
+        </p:txBody>
+      </p:sp>
+    </p:spTree>
+  </p:cSld>
+  <p:clrMapOvr>
+    <a:masterClrMapping/>
+  </p:clrMapOvr>
+</p:sld>
+</file>
+
+<file path=ppt/slides/slide21.xml><?xml version="1.0" encoding="utf-8"?>
+<p:sld xmlns:a="http://schemas.openxmlformats.org/drawingml/2006/main" xmlns:r="http://schemas.openxmlformats.org/officeDocument/2006/relationships" xmlns:mc="http://schemas.openxmlformats.org/markup-compatibility/2006" xmlns:mv="urn:schemas-microsoft-com:mac:vml" xmlns:p="http://schemas.openxmlformats.org/presentationml/2006/main" xmlns:c="http://schemas.openxmlformats.org/drawingml/2006/chart" xmlns:dgm="http://schemas.openxmlformats.org/drawingml/2006/diagram" xmlns:o="urn:schemas-microsoft-com:office:office" xmlns:v="urn:schemas-microsoft-com:vml" xmlns:pvml="urn:schemas-microsoft-com:office:powerpoint" xmlns:com="http://schemas.openxmlformats.org/drawingml/2006/compatibility" xmlns:p14="http://schemas.microsoft.com/office/powerpoint/2010/main" xmlns:p15="http://schemas.microsoft.com/office/powerpoint/2012/main" xmlns:ahyp="http://schemas.microsoft.com/office/drawing/2018/hyperlinkcolor">
+  <p:cSld>
+    <p:spTree>
+      <p:nvGrpSpPr>
+        <p:cNvPr id="238" name="Shape 238"/>
+        <p:cNvGrpSpPr/>
+        <p:nvPr/>
+      </p:nvGrpSpPr>
+      <p:grpSpPr>
+        <a:xfrm>
+          <a:off x="0" y="0"/>
+          <a:ext cx="0" cy="0"/>
+          <a:chOff x="0" y="0"/>
+          <a:chExt cx="0" cy="0"/>
+        </a:xfrm>
+      </p:grpSpPr>
+      <p:sp>
+        <p:nvSpPr>
+          <p:cNvPr id="239" name="Google Shape;239;p33"/>
+          <p:cNvSpPr txBox="1"/>
+          <p:nvPr>
+            <p:ph type="title"/>
+          </p:nvPr>
+        </p:nvSpPr>
+        <p:spPr>
+          <a:xfrm>
+            <a:off x="1297500" y="393750"/>
+            <a:ext cx="7038900" cy="914100"/>
+          </a:xfrm>
+          <a:prstGeom prst="rect">
+            <a:avLst/>
+          </a:prstGeom>
+        </p:spPr>
+        <p:txBody>
+          <a:bodyPr anchorCtr="0" anchor="t" bIns="91425" lIns="91425" spcFirstLastPara="1" rIns="91425" wrap="square" tIns="91425">
+            <a:normAutofit/>
+          </a:bodyPr>
+          <a:lstStyle/>
+          <a:p>
+            <a:pPr indent="0" lvl="0" marL="0" rtl="0" algn="l">
+              <a:spcBef>
+                <a:spcPts val="0"/>
+              </a:spcBef>
+              <a:spcAft>
+                <a:spcPts val="0"/>
+              </a:spcAft>
+              <a:buNone/>
+            </a:pPr>
+            <a:r>
+              <a:t/>
+            </a:r>
+            <a:endParaRPr/>
+          </a:p>
+        </p:txBody>
+      </p:sp>
+      <p:sp>
+        <p:nvSpPr>
+          <p:cNvPr id="240" name="Google Shape;240;p33"/>
+          <p:cNvSpPr txBox="1"/>
+          <p:nvPr>
+            <p:ph idx="1" type="body"/>
+          </p:nvPr>
+        </p:nvSpPr>
+        <p:spPr>
+          <a:xfrm>
+            <a:off x="1297500" y="1567550"/>
+            <a:ext cx="7038900" cy="2911200"/>
+          </a:xfrm>
+          <a:prstGeom prst="rect">
+            <a:avLst/>
+          </a:prstGeom>
+        </p:spPr>
+        <p:txBody>
+          <a:bodyPr anchorCtr="0" anchor="t" bIns="91425" lIns="91425" spcFirstLastPara="1" rIns="91425" wrap="square" tIns="91425">
+            <a:normAutofit/>
+          </a:bodyPr>
+          <a:lstStyle/>
+          <a:p>
+            <a:pPr indent="0" lvl="0" marL="0" rtl="0" algn="l">
+              <a:spcBef>
+                <a:spcPts val="0"/>
+              </a:spcBef>
+              <a:spcAft>
+                <a:spcPts val="1200"/>
               </a:spcAft>
               <a:buNone/>
             </a:pPr>
@@ -12261,7 +14069,7 @@
             </a:pPr>
             <a:r>
               <a:rPr lang="en"/>
-              <a:t>Sign-in Form</a:t>
+              <a:t>Sign-Up Form</a:t>
             </a:r>
             <a:endParaRPr/>
           </a:p>
@@ -12302,8 +14110,8 @@
         </p:nvSpPr>
         <p:spPr>
           <a:xfrm>
-            <a:off x="355225" y="381550"/>
-            <a:ext cx="7981200" cy="4097100"/>
+            <a:off x="245600" y="381550"/>
+            <a:ext cx="8090700" cy="4097100"/>
           </a:xfrm>
           <a:prstGeom prst="rect">
             <a:avLst/>
@@ -12342,7 +14150,7 @@
                 <a:cs typeface="Times New Roman"/>
                 <a:sym typeface="Times New Roman"/>
               </a:rPr>
-              <a:t>Upon accessing the domain, users will be greeted with a login screen</a:t>
+              <a:t>The signup page offers two boxes, one for username and one for password. </a:t>
             </a:r>
             <a:endParaRPr sz="1900">
               <a:solidFill>
@@ -12385,7 +14193,7 @@
                 <a:cs typeface="Times New Roman"/>
                 <a:sym typeface="Times New Roman"/>
               </a:rPr>
-              <a:t>Two boxes, one for username, one for password</a:t>
+              <a:t>If the username is already in use, below the username box, the user will be told the username already exists</a:t>
             </a:r>
             <a:endParaRPr sz="1900">
               <a:solidFill>
@@ -12428,7 +14236,7 @@
                 <a:cs typeface="Times New Roman"/>
                 <a:sym typeface="Times New Roman"/>
               </a:rPr>
-              <a:t>Login button and signup button</a:t>
+              <a:t>Passwords will be required to be between 8 and 16 characters with at least one uppercase letter, lowercase letter, special character, and number.</a:t>
             </a:r>
             <a:endParaRPr sz="1900">
               <a:solidFill>
@@ -12471,179 +14279,7 @@
                 <a:cs typeface="Times New Roman"/>
                 <a:sym typeface="Times New Roman"/>
               </a:rPr>
-              <a:t>If login is not recognized, a message appears below the username and password box letting users know it is not recognized.</a:t>
-            </a:r>
-            <a:endParaRPr sz="1900">
-              <a:solidFill>
-                <a:srgbClr val="000000"/>
-              </a:solidFill>
-              <a:highlight>
-                <a:schemeClr val="lt1"/>
-              </a:highlight>
-              <a:latin typeface="Times New Roman"/>
-              <a:ea typeface="Times New Roman"/>
-              <a:cs typeface="Times New Roman"/>
-              <a:sym typeface="Times New Roman"/>
-            </a:endParaRPr>
-          </a:p>
-          <a:p>
-            <a:pPr indent="-393700" lvl="0" marL="457200" rtl="0" algn="l">
-              <a:spcBef>
-                <a:spcPts val="0"/>
-              </a:spcBef>
-              <a:spcAft>
-                <a:spcPts val="0"/>
-              </a:spcAft>
-              <a:buClr>
-                <a:srgbClr val="000000"/>
-              </a:buClr>
-              <a:buSzPts val="2600"/>
-              <a:buFont typeface="Times New Roman"/>
-              <a:buChar char="●"/>
-            </a:pPr>
-            <a:r>
-              <a:rPr lang="en" sz="1900">
-                <a:solidFill>
-                  <a:schemeClr val="dk1"/>
-                </a:solidFill>
-                <a:highlight>
-                  <a:schemeClr val="lt1"/>
-                </a:highlight>
-                <a:latin typeface="Times New Roman"/>
-                <a:ea typeface="Times New Roman"/>
-                <a:cs typeface="Times New Roman"/>
-                <a:sym typeface="Times New Roman"/>
-              </a:rPr>
-              <a:t>Need help option for recovering the user name and/or password</a:t>
-            </a:r>
-            <a:endParaRPr sz="1900">
-              <a:solidFill>
-                <a:schemeClr val="dk1"/>
-              </a:solidFill>
-              <a:highlight>
-                <a:schemeClr val="lt1"/>
-              </a:highlight>
-              <a:latin typeface="Times New Roman"/>
-              <a:ea typeface="Times New Roman"/>
-              <a:cs typeface="Times New Roman"/>
-              <a:sym typeface="Times New Roman"/>
-            </a:endParaRPr>
-          </a:p>
-          <a:p>
-            <a:pPr indent="-349250" lvl="1" marL="1371600" rtl="0" algn="l">
-              <a:spcBef>
-                <a:spcPts val="0"/>
-              </a:spcBef>
-              <a:spcAft>
-                <a:spcPts val="0"/>
-              </a:spcAft>
-              <a:buClr>
-                <a:schemeClr val="dk1"/>
-              </a:buClr>
-              <a:buSzPts val="1900"/>
-              <a:buFont typeface="Times New Roman"/>
-              <a:buChar char="○"/>
-            </a:pPr>
-            <a:r>
-              <a:rPr lang="en" sz="1900">
-                <a:solidFill>
-                  <a:schemeClr val="dk1"/>
-                </a:solidFill>
-                <a:highlight>
-                  <a:schemeClr val="lt1"/>
-                </a:highlight>
-                <a:latin typeface="Times New Roman"/>
-                <a:ea typeface="Times New Roman"/>
-                <a:cs typeface="Times New Roman"/>
-                <a:sym typeface="Times New Roman"/>
-              </a:rPr>
-              <a:t>Two recovery options will be provided: one for retrieving the username and another to reset the password</a:t>
-            </a:r>
-            <a:endParaRPr sz="2600">
-              <a:solidFill>
-                <a:schemeClr val="dk1"/>
-              </a:solidFill>
-              <a:highlight>
-                <a:schemeClr val="lt1"/>
-              </a:highlight>
-              <a:latin typeface="Times New Roman"/>
-              <a:ea typeface="Times New Roman"/>
-              <a:cs typeface="Times New Roman"/>
-              <a:sym typeface="Times New Roman"/>
-            </a:endParaRPr>
-          </a:p>
-          <a:p>
-            <a:pPr indent="-349250" lvl="0" marL="457200" rtl="0" algn="l">
-              <a:spcBef>
-                <a:spcPts val="0"/>
-              </a:spcBef>
-              <a:spcAft>
-                <a:spcPts val="0"/>
-              </a:spcAft>
-              <a:buClr>
-                <a:srgbClr val="000000"/>
-              </a:buClr>
-              <a:buSzPts val="1900"/>
-              <a:buFont typeface="Times New Roman"/>
-              <a:buChar char="●"/>
-            </a:pPr>
-            <a:r>
-              <a:rPr lang="en" sz="1900">
-                <a:solidFill>
-                  <a:srgbClr val="000000"/>
-                </a:solidFill>
-                <a:highlight>
-                  <a:schemeClr val="lt1"/>
-                </a:highlight>
-                <a:latin typeface="Times New Roman"/>
-                <a:ea typeface="Times New Roman"/>
-                <a:cs typeface="Times New Roman"/>
-                <a:sym typeface="Times New Roman"/>
-              </a:rPr>
-              <a:t>In itinerary modification mode, button to save the itinerary to the account. </a:t>
-            </a:r>
-            <a:endParaRPr sz="1900">
-              <a:solidFill>
-                <a:srgbClr val="000000"/>
-              </a:solidFill>
-              <a:highlight>
-                <a:schemeClr val="lt1"/>
-              </a:highlight>
-              <a:latin typeface="Times New Roman"/>
-              <a:ea typeface="Times New Roman"/>
-              <a:cs typeface="Times New Roman"/>
-              <a:sym typeface="Times New Roman"/>
-            </a:endParaRPr>
-          </a:p>
-          <a:p>
-            <a:pPr indent="-349250" lvl="0" marL="457200" rtl="0" algn="l">
-              <a:spcBef>
-                <a:spcPts val="0"/>
-              </a:spcBef>
-              <a:spcAft>
-                <a:spcPts val="0"/>
-              </a:spcAft>
-              <a:buClr>
-                <a:srgbClr val="000000"/>
-              </a:buClr>
-              <a:buSzPts val="1900"/>
-              <a:buFont typeface="Times New Roman"/>
-              <a:buChar char="●"/>
-            </a:pPr>
-            <a:r>
-              <a:rPr lang="en" sz="1900">
-                <a:solidFill>
-                  <a:srgbClr val="000000"/>
-                </a:solidFill>
-                <a:highlight>
-                  <a:schemeClr val="lt1"/>
-                </a:highlight>
-                <a:latin typeface="Times New Roman"/>
-                <a:ea typeface="Times New Roman"/>
-                <a:cs typeface="Times New Roman"/>
-                <a:sym typeface="Times New Roman"/>
-              </a:rPr>
-              <a:t>Option to sign in using a Google account</a:t>
+              <a:t>On the signup page an option to sign up through the user's Google account.</a:t>
             </a:r>
             <a:endParaRPr sz="1900">
               <a:solidFill>
@@ -12705,35 +14341,36 @@
           <p:cNvPr id="170" name="Google Shape;170;p20"/>
           <p:cNvSpPr txBox="1"/>
           <p:nvPr>
-            <p:ph idx="1" type="body"/>
+            <p:ph type="title"/>
           </p:nvPr>
         </p:nvSpPr>
         <p:spPr>
           <a:xfrm>
-            <a:off x="486800" y="403475"/>
-            <a:ext cx="7849500" cy="4075200"/>
+            <a:off x="2051825" y="1997400"/>
+            <a:ext cx="4587000" cy="1148700"/>
           </a:xfrm>
           <a:prstGeom prst="rect">
             <a:avLst/>
           </a:prstGeom>
         </p:spPr>
         <p:txBody>
-          <a:bodyPr anchorCtr="0" anchor="t" bIns="91425" lIns="91425" spcFirstLastPara="1" rIns="91425" wrap="square" tIns="91425">
+          <a:bodyPr anchorCtr="0" anchor="ctr" bIns="91425" lIns="91425" spcFirstLastPara="1" rIns="91425" wrap="square" tIns="91425">
             <a:normAutofit/>
           </a:bodyPr>
           <a:lstStyle/>
           <a:p>
-            <a:pPr indent="0" lvl="0" marL="0" rtl="0" algn="l">
-              <a:spcBef>
-                <a:spcPts val="0"/>
-              </a:spcBef>
-              <a:spcAft>
-                <a:spcPts val="1200"/>
+            <a:pPr indent="0" lvl="0" marL="0" rtl="0" algn="ctr">
+              <a:spcBef>
+                <a:spcPts val="0"/>
+              </a:spcBef>
+              <a:spcAft>
+                <a:spcPts val="0"/>
               </a:spcAft>
               <a:buNone/>
             </a:pPr>
             <a:r>
-              <a:t/>
+              <a:rPr lang="en"/>
+              <a:t>Sign-in Form</a:t>
             </a:r>
             <a:endParaRPr/>
           </a:p>
@@ -12769,13 +14406,13 @@
           <p:cNvPr id="175" name="Google Shape;175;p21"/>
           <p:cNvSpPr txBox="1"/>
           <p:nvPr>
-            <p:ph type="title"/>
+            <p:ph idx="1" type="body"/>
           </p:nvPr>
         </p:nvSpPr>
         <p:spPr>
           <a:xfrm>
-            <a:off x="1297500" y="393750"/>
-            <a:ext cx="7038900" cy="914100"/>
+            <a:off x="355225" y="381550"/>
+            <a:ext cx="7981200" cy="4097100"/>
           </a:xfrm>
           <a:prstGeom prst="rect">
             <a:avLst/>
@@ -12787,44 +14424,349 @@
           </a:bodyPr>
           <a:lstStyle/>
           <a:p>
-            <a:pPr indent="0" lvl="0" marL="0" rtl="0" algn="l">
-              <a:spcBef>
-                <a:spcPts val="0"/>
-              </a:spcBef>
-              <a:spcAft>
-                <a:spcPts val="0"/>
-              </a:spcAft>
-              <a:buNone/>
+            <a:pPr indent="-349250" lvl="0" marL="457200" rtl="0" algn="l">
+              <a:spcBef>
+                <a:spcPts val="0"/>
+              </a:spcBef>
+              <a:spcAft>
+                <a:spcPts val="0"/>
+              </a:spcAft>
+              <a:buClr>
+                <a:srgbClr val="000000"/>
+              </a:buClr>
+              <a:buSzPts val="1900"/>
+              <a:buFont typeface="Times New Roman"/>
+              <a:buChar char="●"/>
             </a:pPr>
             <a:r>
-              <a:t/>
+              <a:rPr lang="en" sz="1900">
+                <a:solidFill>
+                  <a:srgbClr val="000000"/>
+                </a:solidFill>
+                <a:highlight>
+                  <a:schemeClr val="lt1"/>
+                </a:highlight>
+                <a:latin typeface="Times New Roman"/>
+                <a:ea typeface="Times New Roman"/>
+                <a:cs typeface="Times New Roman"/>
+                <a:sym typeface="Times New Roman"/>
+              </a:rPr>
+              <a:t>Upon accessing the domain, users will be greeted with a login screen</a:t>
             </a:r>
-            <a:endParaRPr/>
+            <a:endParaRPr sz="1900">
+              <a:solidFill>
+                <a:srgbClr val="000000"/>
+              </a:solidFill>
+              <a:highlight>
+                <a:schemeClr val="lt1"/>
+              </a:highlight>
+              <a:latin typeface="Times New Roman"/>
+              <a:ea typeface="Times New Roman"/>
+              <a:cs typeface="Times New Roman"/>
+              <a:sym typeface="Times New Roman"/>
+            </a:endParaRPr>
           </a:p>
-        </p:txBody>
-      </p:sp>
-      <p:sp>
-        <p:nvSpPr>
-          <p:cNvPr id="176" name="Google Shape;176;p21"/>
-          <p:cNvSpPr txBox="1"/>
-          <p:nvPr>
-            <p:ph idx="1" type="body"/>
-          </p:nvPr>
-        </p:nvSpPr>
-        <p:spPr>
-          <a:xfrm>
-            <a:off x="1297500" y="1567550"/>
-            <a:ext cx="7038900" cy="2911200"/>
-          </a:xfrm>
-          <a:prstGeom prst="rect">
-            <a:avLst/>
-          </a:prstGeom>
-        </p:spPr>
-        <p:txBody>
-          <a:bodyPr anchorCtr="0" anchor="t" bIns="91425" lIns="91425" spcFirstLastPara="1" rIns="91425" wrap="square" tIns="91425">
-            <a:normAutofit/>
-          </a:bodyPr>
-          <a:lstStyle/>
+          <a:p>
+            <a:pPr indent="-349250" lvl="0" marL="457200" rtl="0" algn="l">
+              <a:spcBef>
+                <a:spcPts val="0"/>
+              </a:spcBef>
+              <a:spcAft>
+                <a:spcPts val="0"/>
+              </a:spcAft>
+              <a:buClr>
+                <a:srgbClr val="000000"/>
+              </a:buClr>
+              <a:buSzPts val="1900"/>
+              <a:buFont typeface="Times New Roman"/>
+              <a:buChar char="●"/>
+            </a:pPr>
+            <a:r>
+              <a:rPr lang="en" sz="1900">
+                <a:solidFill>
+                  <a:srgbClr val="000000"/>
+                </a:solidFill>
+                <a:highlight>
+                  <a:schemeClr val="lt1"/>
+                </a:highlight>
+                <a:latin typeface="Times New Roman"/>
+                <a:ea typeface="Times New Roman"/>
+                <a:cs typeface="Times New Roman"/>
+                <a:sym typeface="Times New Roman"/>
+              </a:rPr>
+              <a:t>Two boxes, one for username, one for password</a:t>
+            </a:r>
+            <a:endParaRPr sz="1900">
+              <a:solidFill>
+                <a:srgbClr val="000000"/>
+              </a:solidFill>
+              <a:highlight>
+                <a:schemeClr val="lt1"/>
+              </a:highlight>
+              <a:latin typeface="Times New Roman"/>
+              <a:ea typeface="Times New Roman"/>
+              <a:cs typeface="Times New Roman"/>
+              <a:sym typeface="Times New Roman"/>
+            </a:endParaRPr>
+          </a:p>
+          <a:p>
+            <a:pPr indent="-349250" lvl="0" marL="457200" rtl="0" algn="l">
+              <a:spcBef>
+                <a:spcPts val="0"/>
+              </a:spcBef>
+              <a:spcAft>
+                <a:spcPts val="0"/>
+              </a:spcAft>
+              <a:buClr>
+                <a:srgbClr val="000000"/>
+              </a:buClr>
+              <a:buSzPts val="1900"/>
+              <a:buFont typeface="Times New Roman"/>
+              <a:buChar char="●"/>
+            </a:pPr>
+            <a:r>
+              <a:rPr lang="en" sz="1900">
+                <a:solidFill>
+                  <a:srgbClr val="000000"/>
+                </a:solidFill>
+                <a:highlight>
+                  <a:schemeClr val="lt1"/>
+                </a:highlight>
+                <a:latin typeface="Times New Roman"/>
+                <a:ea typeface="Times New Roman"/>
+                <a:cs typeface="Times New Roman"/>
+                <a:sym typeface="Times New Roman"/>
+              </a:rPr>
+              <a:t>Login button and signup button</a:t>
+            </a:r>
+            <a:endParaRPr sz="1900">
+              <a:solidFill>
+                <a:srgbClr val="000000"/>
+              </a:solidFill>
+              <a:highlight>
+                <a:schemeClr val="lt1"/>
+              </a:highlight>
+              <a:latin typeface="Times New Roman"/>
+              <a:ea typeface="Times New Roman"/>
+              <a:cs typeface="Times New Roman"/>
+              <a:sym typeface="Times New Roman"/>
+            </a:endParaRPr>
+          </a:p>
+          <a:p>
+            <a:pPr indent="-349250" lvl="0" marL="457200" rtl="0" algn="l">
+              <a:spcBef>
+                <a:spcPts val="0"/>
+              </a:spcBef>
+              <a:spcAft>
+                <a:spcPts val="0"/>
+              </a:spcAft>
+              <a:buClr>
+                <a:srgbClr val="000000"/>
+              </a:buClr>
+              <a:buSzPts val="1900"/>
+              <a:buFont typeface="Times New Roman"/>
+              <a:buChar char="●"/>
+            </a:pPr>
+            <a:r>
+              <a:rPr lang="en" sz="1900">
+                <a:solidFill>
+                  <a:srgbClr val="000000"/>
+                </a:solidFill>
+                <a:highlight>
+                  <a:schemeClr val="lt1"/>
+                </a:highlight>
+                <a:latin typeface="Times New Roman"/>
+                <a:ea typeface="Times New Roman"/>
+                <a:cs typeface="Times New Roman"/>
+                <a:sym typeface="Times New Roman"/>
+              </a:rPr>
+              <a:t>If login is not recognized, a message appears below the username and password box letting users know it is not recognized.</a:t>
+            </a:r>
+            <a:endParaRPr sz="1900">
+              <a:solidFill>
+                <a:srgbClr val="000000"/>
+              </a:solidFill>
+              <a:highlight>
+                <a:schemeClr val="lt1"/>
+              </a:highlight>
+              <a:latin typeface="Times New Roman"/>
+              <a:ea typeface="Times New Roman"/>
+              <a:cs typeface="Times New Roman"/>
+              <a:sym typeface="Times New Roman"/>
+            </a:endParaRPr>
+          </a:p>
+          <a:p>
+            <a:pPr indent="-393700" lvl="0" marL="457200" rtl="0" algn="l">
+              <a:spcBef>
+                <a:spcPts val="0"/>
+              </a:spcBef>
+              <a:spcAft>
+                <a:spcPts val="0"/>
+              </a:spcAft>
+              <a:buClr>
+                <a:srgbClr val="000000"/>
+              </a:buClr>
+              <a:buSzPts val="2600"/>
+              <a:buFont typeface="Times New Roman"/>
+              <a:buChar char="●"/>
+            </a:pPr>
+            <a:r>
+              <a:rPr lang="en" sz="1900">
+                <a:solidFill>
+                  <a:schemeClr val="dk1"/>
+                </a:solidFill>
+                <a:highlight>
+                  <a:schemeClr val="lt1"/>
+                </a:highlight>
+                <a:latin typeface="Times New Roman"/>
+                <a:ea typeface="Times New Roman"/>
+                <a:cs typeface="Times New Roman"/>
+                <a:sym typeface="Times New Roman"/>
+              </a:rPr>
+              <a:t>Need help option for recovering the user name and/or password</a:t>
+            </a:r>
+            <a:endParaRPr sz="1900">
+              <a:solidFill>
+                <a:schemeClr val="dk1"/>
+              </a:solidFill>
+              <a:highlight>
+                <a:schemeClr val="lt1"/>
+              </a:highlight>
+              <a:latin typeface="Times New Roman"/>
+              <a:ea typeface="Times New Roman"/>
+              <a:cs typeface="Times New Roman"/>
+              <a:sym typeface="Times New Roman"/>
+            </a:endParaRPr>
+          </a:p>
+          <a:p>
+            <a:pPr indent="-349250" lvl="1" marL="1371600" rtl="0" algn="l">
+              <a:spcBef>
+                <a:spcPts val="0"/>
+              </a:spcBef>
+              <a:spcAft>
+                <a:spcPts val="0"/>
+              </a:spcAft>
+              <a:buClr>
+                <a:schemeClr val="dk1"/>
+              </a:buClr>
+              <a:buSzPts val="1900"/>
+              <a:buFont typeface="Times New Roman"/>
+              <a:buChar char="○"/>
+            </a:pPr>
+            <a:r>
+              <a:rPr lang="en" sz="1900">
+                <a:solidFill>
+                  <a:schemeClr val="dk1"/>
+                </a:solidFill>
+                <a:highlight>
+                  <a:schemeClr val="lt1"/>
+                </a:highlight>
+                <a:latin typeface="Times New Roman"/>
+                <a:ea typeface="Times New Roman"/>
+                <a:cs typeface="Times New Roman"/>
+                <a:sym typeface="Times New Roman"/>
+              </a:rPr>
+              <a:t>Two recovery options will be provided: one for retrieving the username and another to reset the password</a:t>
+            </a:r>
+            <a:endParaRPr sz="2600">
+              <a:solidFill>
+                <a:schemeClr val="dk1"/>
+              </a:solidFill>
+              <a:highlight>
+                <a:schemeClr val="lt1"/>
+              </a:highlight>
+              <a:latin typeface="Times New Roman"/>
+              <a:ea typeface="Times New Roman"/>
+              <a:cs typeface="Times New Roman"/>
+              <a:sym typeface="Times New Roman"/>
+            </a:endParaRPr>
+          </a:p>
+          <a:p>
+            <a:pPr indent="-349250" lvl="0" marL="457200" rtl="0" algn="l">
+              <a:spcBef>
+                <a:spcPts val="0"/>
+              </a:spcBef>
+              <a:spcAft>
+                <a:spcPts val="0"/>
+              </a:spcAft>
+              <a:buClr>
+                <a:srgbClr val="000000"/>
+              </a:buClr>
+              <a:buSzPts val="1900"/>
+              <a:buFont typeface="Times New Roman"/>
+              <a:buChar char="●"/>
+            </a:pPr>
+            <a:r>
+              <a:rPr lang="en" sz="1900">
+                <a:solidFill>
+                  <a:srgbClr val="000000"/>
+                </a:solidFill>
+                <a:highlight>
+                  <a:schemeClr val="lt1"/>
+                </a:highlight>
+                <a:latin typeface="Times New Roman"/>
+                <a:ea typeface="Times New Roman"/>
+                <a:cs typeface="Times New Roman"/>
+                <a:sym typeface="Times New Roman"/>
+              </a:rPr>
+              <a:t>In itinerary modification mode, button to save the itinerary to the account. </a:t>
+            </a:r>
+            <a:endParaRPr sz="1900">
+              <a:solidFill>
+                <a:srgbClr val="000000"/>
+              </a:solidFill>
+              <a:highlight>
+                <a:schemeClr val="lt1"/>
+              </a:highlight>
+              <a:latin typeface="Times New Roman"/>
+              <a:ea typeface="Times New Roman"/>
+              <a:cs typeface="Times New Roman"/>
+              <a:sym typeface="Times New Roman"/>
+            </a:endParaRPr>
+          </a:p>
+          <a:p>
+            <a:pPr indent="-349250" lvl="0" marL="457200" rtl="0" algn="l">
+              <a:spcBef>
+                <a:spcPts val="0"/>
+              </a:spcBef>
+              <a:spcAft>
+                <a:spcPts val="0"/>
+              </a:spcAft>
+              <a:buClr>
+                <a:srgbClr val="000000"/>
+              </a:buClr>
+              <a:buSzPts val="1900"/>
+              <a:buFont typeface="Times New Roman"/>
+              <a:buChar char="●"/>
+            </a:pPr>
+            <a:r>
+              <a:rPr lang="en" sz="1900">
+                <a:solidFill>
+                  <a:srgbClr val="000000"/>
+                </a:solidFill>
+                <a:highlight>
+                  <a:schemeClr val="lt1"/>
+                </a:highlight>
+                <a:latin typeface="Times New Roman"/>
+                <a:ea typeface="Times New Roman"/>
+                <a:cs typeface="Times New Roman"/>
+                <a:sym typeface="Times New Roman"/>
+              </a:rPr>
+              <a:t>Option to sign in using a Google account</a:t>
+            </a:r>
+            <a:endParaRPr sz="1900">
+              <a:solidFill>
+                <a:srgbClr val="000000"/>
+              </a:solidFill>
+              <a:highlight>
+                <a:schemeClr val="lt1"/>
+              </a:highlight>
+              <a:latin typeface="Times New Roman"/>
+              <a:ea typeface="Times New Roman"/>
+              <a:cs typeface="Times New Roman"/>
+              <a:sym typeface="Times New Roman"/>
+            </a:endParaRPr>
+          </a:p>
           <a:p>
             <a:pPr indent="0" lvl="0" marL="0" rtl="0" algn="l">
               <a:spcBef>
@@ -12851,6 +14793,285 @@
 </file>
 
 <file path=ppt/theme/theme1.xml><?xml version="1.0" encoding="utf-8"?>
+<a:theme xmlns:a="http://schemas.openxmlformats.org/drawingml/2006/main" xmlns:r="http://schemas.openxmlformats.org/officeDocument/2006/relationships" name="Focus">
+  <a:themeElements>
+    <a:clrScheme name="Focus">
+      <a:dk1>
+        <a:srgbClr val="1B212C"/>
+      </a:dk1>
+      <a:lt1>
+        <a:srgbClr val="FFFFFF"/>
+      </a:lt1>
+      <a:dk2>
+        <a:srgbClr val="D9D9D9"/>
+      </a:dk2>
+      <a:lt2>
+        <a:srgbClr val="82C7A5"/>
+      </a:lt2>
+      <a:accent1>
+        <a:srgbClr val="0145AC"/>
+      </a:accent1>
+      <a:accent2>
+        <a:srgbClr val="EECE1A"/>
+      </a:accent2>
+      <a:accent3>
+        <a:srgbClr val="4E5567"/>
+      </a:accent3>
+      <a:accent4>
+        <a:srgbClr val="F4D6AD"/>
+      </a:accent4>
+      <a:accent5>
+        <a:srgbClr val="7890CD"/>
+      </a:accent5>
+      <a:accent6>
+        <a:srgbClr val="F15E22"/>
+      </a:accent6>
+      <a:hlink>
+        <a:srgbClr val="7890CD"/>
+      </a:hlink>
+      <a:folHlink>
+        <a:srgbClr val="7890CD"/>
+      </a:folHlink>
+    </a:clrScheme>
+    <a:fontScheme name="Office">
+      <a:majorFont>
+        <a:latin typeface="Arial"/>
+        <a:ea typeface=""/>
+        <a:cs typeface=""/>
+        <a:font script="Jpan" typeface="ＭＳ Ｐゴシック"/>
+        <a:font script="Hang" typeface="맑은 고딕"/>
+        <a:font script="Hans" typeface="宋体"/>
+        <a:font script="Hant" typeface="新細明體"/>
+        <a:font script="Arab" typeface="Times New Roman"/>
+        <a:font script="Hebr" typeface="Times New Roman"/>
+        <a:font script="Thai" typeface="Angsana New"/>
+        <a:font script="Ethi" typeface="Nyala"/>
+        <a:font script="Beng" typeface="Vrinda"/>
+        <a:font script="Gujr" typeface="Shruti"/>
+        <a:font script="Khmr" typeface="MoolBoran"/>
+        <a:font script="Knda" typeface="Tunga"/>
+        <a:font script="Guru" typeface="Raavi"/>
+        <a:font script="Cans" typeface="Euphemia"/>
+        <a:font script="Cher" typeface="Plantagenet Cherokee"/>
+        <a:font script="Yiii" typeface="Microsoft Yi Baiti"/>
+        <a:font script="Tibt" typeface="Microsoft Himalaya"/>
+        <a:font script="Thaa" typeface="MV Boli"/>
+        <a:font script="Deva" typeface="Mangal"/>
+        <a:font script="Telu" typeface="Gautami"/>
+        <a:font script="Taml" typeface="Latha"/>
+        <a:font script="Syrc" typeface="Estrangelo Edessa"/>
+        <a:font script="Orya" typeface="Kalinga"/>
+        <a:font script="Mlym" typeface="Kartika"/>
+        <a:font script="Laoo" typeface="DokChampa"/>
+        <a:font script="Sinh" typeface="Iskoola Pota"/>
+        <a:font script="Mong" typeface="Mongolian Baiti"/>
+        <a:font script="Viet" typeface="Times New Roman"/>
+        <a:font script="Uigh" typeface="Microsoft Uighur"/>
+        <a:font script="Geor" typeface="Sylfaen"/>
+      </a:majorFont>
+      <a:minorFont>
+        <a:latin typeface="Arial"/>
+        <a:ea typeface=""/>
+        <a:cs typeface=""/>
+        <a:font script="Jpan" typeface="ＭＳ Ｐゴシック"/>
+        <a:font script="Hang" typeface="맑은 고딕"/>
+        <a:font script="Hans" typeface="宋体"/>
+        <a:font script="Hant" typeface="新細明體"/>
+        <a:font script="Arab" typeface="Arial"/>
+        <a:font script="Hebr" typeface="Arial"/>
+        <a:font script="Thai" typeface="Cordia New"/>
+        <a:font script="Ethi" typeface="Nyala"/>
+        <a:font script="Beng" typeface="Vrinda"/>
+        <a:font script="Gujr" typeface="Shruti"/>
+        <a:font script="Khmr" typeface="DaunPenh"/>
+        <a:font script="Knda" typeface="Tunga"/>
+        <a:font script="Guru" typeface="Raavi"/>
+        <a:font script="Cans" typeface="Euphemia"/>
+        <a:font script="Cher" typeface="Plantagenet Cherokee"/>
+        <a:font script="Yiii" typeface="Microsoft Yi Baiti"/>
+        <a:font script="Tibt" typeface="Microsoft Himalaya"/>
+        <a:font script="Thaa" typeface="MV Boli"/>
+        <a:font script="Deva" typeface="Mangal"/>
+        <a:font script="Telu" typeface="Gautami"/>
+        <a:font script="Taml" typeface="Latha"/>
+        <a:font script="Syrc" typeface="Estrangelo Edessa"/>
+        <a:font script="Orya" typeface="Kalinga"/>
+        <a:font script="Mlym" typeface="Kartika"/>
+        <a:font script="Laoo" typeface="DokChampa"/>
+        <a:font script="Sinh" typeface="Iskoola Pota"/>
+        <a:font script="Mong" typeface="Mongolian Baiti"/>
+        <a:font script="Viet" typeface="Arial"/>
+        <a:font script="Uigh" typeface="Microsoft Uighur"/>
+        <a:font script="Geor" typeface="Sylfaen"/>
+      </a:minorFont>
+    </a:fontScheme>
+    <a:fmtScheme name="Office">
+      <a:fillStyleLst>
+        <a:solidFill>
+          <a:schemeClr val="phClr"/>
+        </a:solidFill>
+        <a:gradFill rotWithShape="1">
+          <a:gsLst>
+            <a:gs pos="0">
+              <a:schemeClr val="phClr">
+                <a:tint val="50000"/>
+                <a:satMod val="300000"/>
+              </a:schemeClr>
+            </a:gs>
+            <a:gs pos="35000">
+              <a:schemeClr val="phClr">
+                <a:tint val="37000"/>
+                <a:satMod val="300000"/>
+              </a:schemeClr>
+            </a:gs>
+            <a:gs pos="100000">
+              <a:schemeClr val="phClr">
+                <a:tint val="15000"/>
+                <a:satMod val="350000"/>
+              </a:schemeClr>
+            </a:gs>
+          </a:gsLst>
+          <a:lin ang="16200000" scaled="1"/>
+        </a:gradFill>
+        <a:gradFill rotWithShape="1">
+          <a:gsLst>
+            <a:gs pos="0">
+              <a:schemeClr val="phClr">
+                <a:tint val="100000"/>
+                <a:shade val="100000"/>
+                <a:satMod val="130000"/>
+              </a:schemeClr>
+            </a:gs>
+            <a:gs pos="100000">
+              <a:schemeClr val="phClr">
+                <a:tint val="50000"/>
+                <a:shade val="100000"/>
+                <a:satMod val="350000"/>
+              </a:schemeClr>
+            </a:gs>
+          </a:gsLst>
+          <a:lin ang="16200000" scaled="0"/>
+        </a:gradFill>
+      </a:fillStyleLst>
+      <a:lnStyleLst>
+        <a:ln w="9525" cap="flat" cmpd="sng" algn="ctr">
+          <a:solidFill>
+            <a:schemeClr val="phClr">
+              <a:shade val="95000"/>
+              <a:satMod val="105000"/>
+            </a:schemeClr>
+          </a:solidFill>
+          <a:prstDash val="solid"/>
+        </a:ln>
+        <a:ln w="25400" cap="flat" cmpd="sng" algn="ctr">
+          <a:solidFill>
+            <a:schemeClr val="phClr"/>
+          </a:solidFill>
+          <a:prstDash val="solid"/>
+        </a:ln>
+        <a:ln w="38100" cap="flat" cmpd="sng" algn="ctr">
+          <a:solidFill>
+            <a:schemeClr val="phClr"/>
+          </a:solidFill>
+          <a:prstDash val="solid"/>
+        </a:ln>
+      </a:lnStyleLst>
+      <a:effectStyleLst>
+        <a:effectStyle>
+          <a:effectLst>
+            <a:outerShdw blurRad="40000" dist="20000" dir="5400000" rotWithShape="0">
+              <a:srgbClr val="000000">
+                <a:alpha val="38000"/>
+              </a:srgbClr>
+            </a:outerShdw>
+          </a:effectLst>
+        </a:effectStyle>
+        <a:effectStyle>
+          <a:effectLst>
+            <a:outerShdw blurRad="40000" dist="23000" dir="5400000" rotWithShape="0">
+              <a:srgbClr val="000000">
+                <a:alpha val="35000"/>
+              </a:srgbClr>
+            </a:outerShdw>
+          </a:effectLst>
+        </a:effectStyle>
+        <a:effectStyle>
+          <a:effectLst>
+            <a:outerShdw blurRad="40000" dist="23000" dir="5400000" rotWithShape="0">
+              <a:srgbClr val="000000">
+                <a:alpha val="35000"/>
+              </a:srgbClr>
+            </a:outerShdw>
+          </a:effectLst>
+          <a:scene3d>
+            <a:camera prst="orthographicFront">
+              <a:rot lat="0" lon="0" rev="0"/>
+            </a:camera>
+            <a:lightRig rig="threePt" dir="t">
+              <a:rot lat="0" lon="0" rev="1200000"/>
+            </a:lightRig>
+          </a:scene3d>
+          <a:sp3d>
+            <a:bevelT w="63500" h="25400"/>
+          </a:sp3d>
+        </a:effectStyle>
+      </a:effectStyleLst>
+      <a:bgFillStyleLst>
+        <a:solidFill>
+          <a:schemeClr val="phClr"/>
+        </a:solidFill>
+        <a:gradFill rotWithShape="1">
+          <a:gsLst>
+            <a:gs pos="0">
+              <a:schemeClr val="phClr">
+                <a:tint val="40000"/>
+                <a:satMod val="350000"/>
+              </a:schemeClr>
+            </a:gs>
+            <a:gs pos="40000">
+              <a:schemeClr val="phClr">
+                <a:tint val="45000"/>
+                <a:shade val="99000"/>
+                <a:satMod val="350000"/>
+              </a:schemeClr>
+            </a:gs>
+            <a:gs pos="100000">
+              <a:schemeClr val="phClr">
+                <a:shade val="20000"/>
+                <a:satMod val="255000"/>
+              </a:schemeClr>
+            </a:gs>
+          </a:gsLst>
+          <a:path path="circle">
+            <a:fillToRect l="50000" t="-80000" r="50000" b="180000"/>
+          </a:path>
+        </a:gradFill>
+        <a:gradFill rotWithShape="1">
+          <a:gsLst>
+            <a:gs pos="0">
+              <a:schemeClr val="phClr">
+                <a:tint val="80000"/>
+                <a:satMod val="300000"/>
+              </a:schemeClr>
+            </a:gs>
+            <a:gs pos="100000">
+              <a:schemeClr val="phClr">
+                <a:shade val="30000"/>
+                <a:satMod val="200000"/>
+              </a:schemeClr>
+            </a:gs>
+          </a:gsLst>
+          <a:path path="circle">
+            <a:fillToRect l="50000" t="50000" r="50000" b="50000"/>
+          </a:path>
+        </a:gradFill>
+      </a:bgFillStyleLst>
+    </a:fmtScheme>
+  </a:themeElements>
+</a:theme>
+</file>
+
+<file path=ppt/theme/theme2.xml><?xml version="1.0" encoding="utf-8"?>
 <a:theme xmlns:a="http://schemas.openxmlformats.org/drawingml/2006/main" xmlns:r="http://schemas.openxmlformats.org/officeDocument/2006/relationships">
   <a:themeElements>
     <a:clrScheme name="Default">
@@ -13127,283 +15348,4 @@
     </a:fmtScheme>
   </a:themeElements>
 </a:theme>
-</file>
-
-<file path=ppt/theme/theme2.xml><?xml version="1.0" encoding="utf-8"?>
-<a:theme xmlns:a="http://schemas.openxmlformats.org/drawingml/2006/main" xmlns:r="http://schemas.openxmlformats.org/officeDocument/2006/relationships" name="Focus">
-  <a:themeElements>
-    <a:clrScheme name="Focus">
-      <a:dk1>
-        <a:srgbClr val="1B212C"/>
-      </a:dk1>
-      <a:lt1>
-        <a:srgbClr val="FFFFFF"/>
-      </a:lt1>
-      <a:dk2>
-        <a:srgbClr val="D9D9D9"/>
-      </a:dk2>
-      <a:lt2>
-        <a:srgbClr val="82C7A5"/>
-      </a:lt2>
-      <a:accent1>
-        <a:srgbClr val="0145AC"/>
-      </a:accent1>
-      <a:accent2>
-        <a:srgbClr val="EECE1A"/>
-      </a:accent2>
-      <a:accent3>
-        <a:srgbClr val="4E5567"/>
-      </a:accent3>
-      <a:accent4>
-        <a:srgbClr val="F4D6AD"/>
-      </a:accent4>
-      <a:accent5>
-        <a:srgbClr val="7890CD"/>
-      </a:accent5>
-      <a:accent6>
-        <a:srgbClr val="F15E22"/>
-      </a:accent6>
-      <a:hlink>
-        <a:srgbClr val="7890CD"/>
-      </a:hlink>
-      <a:folHlink>
-        <a:srgbClr val="7890CD"/>
-      </a:folHlink>
-    </a:clrScheme>
-    <a:fontScheme name="Office">
-      <a:majorFont>
-        <a:latin typeface="Arial"/>
-        <a:ea typeface=""/>
-        <a:cs typeface=""/>
-        <a:font script="Jpan" typeface="ＭＳ Ｐゴシック"/>
-        <a:font script="Hang" typeface="맑은 고딕"/>
-        <a:font script="Hans" typeface="宋体"/>
-        <a:font script="Hant" typeface="新細明體"/>
-        <a:font script="Arab" typeface="Times New Roman"/>
-        <a:font script="Hebr" typeface="Times New Roman"/>
-        <a:font script="Thai" typeface="Angsana New"/>
-        <a:font script="Ethi" typeface="Nyala"/>
-        <a:font script="Beng" typeface="Vrinda"/>
-        <a:font script="Gujr" typeface="Shruti"/>
-        <a:font script="Khmr" typeface="MoolBoran"/>
-        <a:font script="Knda" typeface="Tunga"/>
-        <a:font script="Guru" typeface="Raavi"/>
-        <a:font script="Cans" typeface="Euphemia"/>
-        <a:font script="Cher" typeface="Plantagenet Cherokee"/>
-        <a:font script="Yiii" typeface="Microsoft Yi Baiti"/>
-        <a:font script="Tibt" typeface="Microsoft Himalaya"/>
-        <a:font script="Thaa" typeface="MV Boli"/>
-        <a:font script="Deva" typeface="Mangal"/>
-        <a:font script="Telu" typeface="Gautami"/>
-        <a:font script="Taml" typeface="Latha"/>
-        <a:font script="Syrc" typeface="Estrangelo Edessa"/>
-        <a:font script="Orya" typeface="Kalinga"/>
-        <a:font script="Mlym" typeface="Kartika"/>
-        <a:font script="Laoo" typeface="DokChampa"/>
-        <a:font script="Sinh" typeface="Iskoola Pota"/>
-        <a:font script="Mong" typeface="Mongolian Baiti"/>
-        <a:font script="Viet" typeface="Times New Roman"/>
-        <a:font script="Uigh" typeface="Microsoft Uighur"/>
-        <a:font script="Geor" typeface="Sylfaen"/>
-      </a:majorFont>
-      <a:minorFont>
-        <a:latin typeface="Arial"/>
-        <a:ea typeface=""/>
-        <a:cs typeface=""/>
-        <a:font script="Jpan" typeface="ＭＳ Ｐゴシック"/>
-        <a:font script="Hang" typeface="맑은 고딕"/>
-        <a:font script="Hans" typeface="宋体"/>
-        <a:font script="Hant" typeface="新細明體"/>
-        <a:font script="Arab" typeface="Arial"/>
-        <a:font script="Hebr" typeface="Arial"/>
-        <a:font script="Thai" typeface="Cordia New"/>
-        <a:font script="Ethi" typeface="Nyala"/>
-        <a:font script="Beng" typeface="Vrinda"/>
-        <a:font script="Gujr" typeface="Shruti"/>
-        <a:font script="Khmr" typeface="DaunPenh"/>
-        <a:font script="Knda" typeface="Tunga"/>
-        <a:font script="Guru" typeface="Raavi"/>
-        <a:font script="Cans" typeface="Euphemia"/>
-        <a:font script="Cher" typeface="Plantagenet Cherokee"/>
-        <a:font script="Yiii" typeface="Microsoft Yi Baiti"/>
-        <a:font script="Tibt" typeface="Microsoft Himalaya"/>
-        <a:font script="Thaa" typeface="MV Boli"/>
-        <a:font script="Deva" typeface="Mangal"/>
-        <a:font script="Telu" typeface="Gautami"/>
-        <a:font script="Taml" typeface="Latha"/>
-        <a:font script="Syrc" typeface="Estrangelo Edessa"/>
-        <a:font script="Orya" typeface="Kalinga"/>
-        <a:font script="Mlym" typeface="Kartika"/>
-        <a:font script="Laoo" typeface="DokChampa"/>
-        <a:font script="Sinh" typeface="Iskoola Pota"/>
-        <a:font script="Mong" typeface="Mongolian Baiti"/>
-        <a:font script="Viet" typeface="Arial"/>
-        <a:font script="Uigh" typeface="Microsoft Uighur"/>
-        <a:font script="Geor" typeface="Sylfaen"/>
-      </a:minorFont>
-    </a:fontScheme>
-    <a:fmtScheme name="Office">
-      <a:fillStyleLst>
-        <a:solidFill>
-          <a:schemeClr val="phClr"/>
-        </a:solidFill>
-        <a:gradFill rotWithShape="1">
-          <a:gsLst>
-            <a:gs pos="0">
-              <a:schemeClr val="phClr">
-                <a:tint val="50000"/>
-                <a:satMod val="300000"/>
-              </a:schemeClr>
-            </a:gs>
-            <a:gs pos="35000">
-              <a:schemeClr val="phClr">
-                <a:tint val="37000"/>
-                <a:satMod val="300000"/>
-              </a:schemeClr>
-            </a:gs>
-            <a:gs pos="100000">
-              <a:schemeClr val="phClr">
-                <a:tint val="15000"/>
-                <a:satMod val="350000"/>
-              </a:schemeClr>
-            </a:gs>
-          </a:gsLst>
-          <a:lin ang="16200000" scaled="1"/>
-        </a:gradFill>
-        <a:gradFill rotWithShape="1">
-          <a:gsLst>
-            <a:gs pos="0">
-              <a:schemeClr val="phClr">
-                <a:tint val="100000"/>
-                <a:shade val="100000"/>
-                <a:satMod val="130000"/>
-              </a:schemeClr>
-            </a:gs>
-            <a:gs pos="100000">
-              <a:schemeClr val="phClr">
-                <a:tint val="50000"/>
-                <a:shade val="100000"/>
-                <a:satMod val="350000"/>
-              </a:schemeClr>
-            </a:gs>
-          </a:gsLst>
-          <a:lin ang="16200000" scaled="0"/>
-        </a:gradFill>
-      </a:fillStyleLst>
-      <a:lnStyleLst>
-        <a:ln w="9525" cap="flat" cmpd="sng" algn="ctr">
-          <a:solidFill>
-            <a:schemeClr val="phClr">
-              <a:shade val="95000"/>
-              <a:satMod val="105000"/>
-            </a:schemeClr>
-          </a:solidFill>
-          <a:prstDash val="solid"/>
-        </a:ln>
-        <a:ln w="25400" cap="flat" cmpd="sng" algn="ctr">
-          <a:solidFill>
-            <a:schemeClr val="phClr"/>
-          </a:solidFill>
-          <a:prstDash val="solid"/>
-        </a:ln>
-        <a:ln w="38100" cap="flat" cmpd="sng" algn="ctr">
-          <a:solidFill>
-            <a:schemeClr val="phClr"/>
-          </a:solidFill>
-          <a:prstDash val="solid"/>
-        </a:ln>
-      </a:lnStyleLst>
-      <a:effectStyleLst>
-        <a:effectStyle>
-          <a:effectLst>
-            <a:outerShdw blurRad="40000" dist="20000" dir="5400000" rotWithShape="0">
-              <a:srgbClr val="000000">
-                <a:alpha val="38000"/>
-              </a:srgbClr>
-            </a:outerShdw>
-          </a:effectLst>
-        </a:effectStyle>
-        <a:effectStyle>
-          <a:effectLst>
-            <a:outerShdw blurRad="40000" dist="23000" dir="5400000" rotWithShape="0">
-              <a:srgbClr val="000000">
-                <a:alpha val="35000"/>
-              </a:srgbClr>
-            </a:outerShdw>
-          </a:effectLst>
-        </a:effectStyle>
-        <a:effectStyle>
-          <a:effectLst>
-            <a:outerShdw blurRad="40000" dist="23000" dir="5400000" rotWithShape="0">
-              <a:srgbClr val="000000">
-                <a:alpha val="35000"/>
-              </a:srgbClr>
-            </a:outerShdw>
-          </a:effectLst>
-          <a:scene3d>
-            <a:camera prst="orthographicFront">
-              <a:rot lat="0" lon="0" rev="0"/>
-            </a:camera>
-            <a:lightRig rig="threePt" dir="t">
-              <a:rot lat="0" lon="0" rev="1200000"/>
-            </a:lightRig>
-          </a:scene3d>
-          <a:sp3d>
-            <a:bevelT w="63500" h="25400"/>
-          </a:sp3d>
-        </a:effectStyle>
-      </a:effectStyleLst>
-      <a:bgFillStyleLst>
-        <a:solidFill>
-          <a:schemeClr val="phClr"/>
-        </a:solidFill>
-        <a:gradFill rotWithShape="1">
-          <a:gsLst>
-            <a:gs pos="0">
-              <a:schemeClr val="phClr">
-                <a:tint val="40000"/>
-                <a:satMod val="350000"/>
-              </a:schemeClr>
-            </a:gs>
-            <a:gs pos="40000">
-              <a:schemeClr val="phClr">
-                <a:tint val="45000"/>
-                <a:shade val="99000"/>
-                <a:satMod val="350000"/>
-              </a:schemeClr>
-            </a:gs>
-            <a:gs pos="100000">
-              <a:schemeClr val="phClr">
-                <a:shade val="20000"/>
-                <a:satMod val="255000"/>
-              </a:schemeClr>
-            </a:gs>
-          </a:gsLst>
-          <a:path path="circle">
-            <a:fillToRect l="50000" t="-80000" r="50000" b="180000"/>
-          </a:path>
-        </a:gradFill>
-        <a:gradFill rotWithShape="1">
-          <a:gsLst>
-            <a:gs pos="0">
-              <a:schemeClr val="phClr">
-                <a:tint val="80000"/>
-                <a:satMod val="300000"/>
-              </a:schemeClr>
-            </a:gs>
-            <a:gs pos="100000">
-              <a:schemeClr val="phClr">
-                <a:shade val="30000"/>
-                <a:satMod val="200000"/>
-              </a:schemeClr>
-            </a:gs>
-          </a:gsLst>
-          <a:path path="circle">
-            <a:fillToRect l="50000" t="50000" r="50000" b="50000"/>
-          </a:path>
-        </a:gradFill>
-      </a:bgFillStyleLst>
-    </a:fmtScheme>
-  </a:themeElements>
-</a:theme>
 </file>
--- a/Documents/CSCI 4805 Project Requirements.pptx
+++ b/Documents/CSCI 4805 Project Requirements.pptx
@@ -29,23 +29,26 @@
     <p:sldId id="274" r:id="rId24"/>
     <p:sldId id="275" r:id="rId25"/>
     <p:sldId id="276" r:id="rId26"/>
+    <p:sldId id="277" r:id="rId27"/>
+    <p:sldId id="278" r:id="rId28"/>
+    <p:sldId id="279" r:id="rId29"/>
   </p:sldIdLst>
   <p:sldSz cy="5143500" cx="9144000"/>
   <p:notesSz cx="6858000" cy="9144000"/>
   <p:embeddedFontLst>
     <p:embeddedFont>
       <p:font typeface="Montserrat"/>
-      <p:regular r:id="rId27"/>
-      <p:bold r:id="rId28"/>
-      <p:italic r:id="rId29"/>
-      <p:boldItalic r:id="rId30"/>
+      <p:regular r:id="rId30"/>
+      <p:bold r:id="rId31"/>
+      <p:italic r:id="rId32"/>
+      <p:boldItalic r:id="rId33"/>
     </p:embeddedFont>
     <p:embeddedFont>
       <p:font typeface="Lato"/>
-      <p:regular r:id="rId31"/>
-      <p:bold r:id="rId32"/>
-      <p:italic r:id="rId33"/>
-      <p:boldItalic r:id="rId34"/>
+      <p:regular r:id="rId34"/>
+      <p:bold r:id="rId35"/>
+      <p:italic r:id="rId36"/>
+      <p:boldItalic r:id="rId37"/>
     </p:embeddedFont>
   </p:embeddedFontLst>
   <p:defaultTextStyle>
@@ -1632,7 +1635,7 @@
       </p:grpSpPr>
       <p:sp>
         <p:nvSpPr>
-          <p:cNvPr id="218" name="Google Shape;218;g37c18867a41_0_50:notes"/>
+          <p:cNvPr id="218" name="Google Shape;218;g37ff56b6cd9_0_0:notes"/>
           <p:cNvSpPr/>
           <p:nvPr>
             <p:ph idx="2" type="sldImg"/>
@@ -1667,7 +1670,7 @@
       </p:sp>
       <p:sp>
         <p:nvSpPr>
-          <p:cNvPr id="219" name="Google Shape;219;g37c18867a41_0_50:notes"/>
+          <p:cNvPr id="219" name="Google Shape;219;g37ff56b6cd9_0_0:notes"/>
           <p:cNvSpPr txBox="1"/>
           <p:nvPr>
             <p:ph idx="1" type="body"/>
@@ -1717,7 +1720,7 @@
   <p:cSld>
     <p:spTree>
       <p:nvGrpSpPr>
-        <p:cNvPr id="223" name="Shape 223"/>
+        <p:cNvPr id="222" name="Shape 222"/>
         <p:cNvGrpSpPr/>
         <p:nvPr/>
       </p:nvGrpSpPr>
@@ -1731,7 +1734,7 @@
       </p:grpSpPr>
       <p:sp>
         <p:nvSpPr>
-          <p:cNvPr id="224" name="Google Shape;224;g37c18867a41_0_55:notes"/>
+          <p:cNvPr id="223" name="Google Shape;223;g37c18867a41_0_50:notes"/>
           <p:cNvSpPr/>
           <p:nvPr>
             <p:ph idx="2" type="sldImg"/>
@@ -1766,7 +1769,7 @@
       </p:sp>
       <p:sp>
         <p:nvSpPr>
-          <p:cNvPr id="225" name="Google Shape;225;g37c18867a41_0_55:notes"/>
+          <p:cNvPr id="224" name="Google Shape;224;g37c18867a41_0_50:notes"/>
           <p:cNvSpPr txBox="1"/>
           <p:nvPr>
             <p:ph idx="1" type="body"/>
@@ -1915,7 +1918,7 @@
   <p:cSld>
     <p:spTree>
       <p:nvGrpSpPr>
-        <p:cNvPr id="229" name="Shape 229"/>
+        <p:cNvPr id="227" name="Shape 227"/>
         <p:cNvGrpSpPr/>
         <p:nvPr/>
       </p:nvGrpSpPr>
@@ -1929,7 +1932,7 @@
       </p:grpSpPr>
       <p:sp>
         <p:nvSpPr>
-          <p:cNvPr id="230" name="Google Shape;230;g37c18867a41_0_60:notes"/>
+          <p:cNvPr id="228" name="Google Shape;228;g37c18867a41_0_55:notes"/>
           <p:cNvSpPr/>
           <p:nvPr>
             <p:ph idx="2" type="sldImg"/>
@@ -1964,7 +1967,7 @@
       </p:sp>
       <p:sp>
         <p:nvSpPr>
-          <p:cNvPr id="231" name="Google Shape;231;g37c18867a41_0_60:notes"/>
+          <p:cNvPr id="229" name="Google Shape;229;g37c18867a41_0_55:notes"/>
           <p:cNvSpPr txBox="1"/>
           <p:nvPr>
             <p:ph idx="1" type="body"/>
@@ -2014,7 +2017,7 @@
   <p:cSld>
     <p:spTree>
       <p:nvGrpSpPr>
-        <p:cNvPr id="235" name="Shape 235"/>
+        <p:cNvPr id="232" name="Shape 232"/>
         <p:cNvGrpSpPr/>
         <p:nvPr/>
       </p:nvGrpSpPr>
@@ -2028,7 +2031,7 @@
       </p:grpSpPr>
       <p:sp>
         <p:nvSpPr>
-          <p:cNvPr id="236" name="Google Shape;236;g37c18867a41_0_65:notes"/>
+          <p:cNvPr id="233" name="Google Shape;233;g37c18867a41_0_60:notes"/>
           <p:cNvSpPr/>
           <p:nvPr>
             <p:ph idx="2" type="sldImg"/>
@@ -2063,7 +2066,304 @@
       </p:sp>
       <p:sp>
         <p:nvSpPr>
-          <p:cNvPr id="237" name="Google Shape;237;g37c18867a41_0_65:notes"/>
+          <p:cNvPr id="234" name="Google Shape;234;g37c18867a41_0_60:notes"/>
+          <p:cNvSpPr txBox="1"/>
+          <p:nvPr>
+            <p:ph idx="1" type="body"/>
+          </p:nvPr>
+        </p:nvSpPr>
+        <p:spPr>
+          <a:xfrm>
+            <a:off x="685800" y="4343400"/>
+            <a:ext cx="5486400" cy="4114800"/>
+          </a:xfrm>
+          <a:prstGeom prst="rect">
+            <a:avLst/>
+          </a:prstGeom>
+        </p:spPr>
+        <p:txBody>
+          <a:bodyPr anchorCtr="0" anchor="t" bIns="91425" lIns="91425" spcFirstLastPara="1" rIns="91425" wrap="square" tIns="91425">
+            <a:noAutofit/>
+          </a:bodyPr>
+          <a:lstStyle/>
+          <a:p>
+            <a:pPr indent="0" lvl="0" marL="0" rtl="0" algn="l">
+              <a:spcBef>
+                <a:spcPts val="0"/>
+              </a:spcBef>
+              <a:spcAft>
+                <a:spcPts val="0"/>
+              </a:spcAft>
+              <a:buNone/>
+            </a:pPr>
+            <a:r>
+              <a:t/>
+            </a:r>
+            <a:endParaRPr/>
+          </a:p>
+        </p:txBody>
+      </p:sp>
+    </p:spTree>
+  </p:cSld>
+  <p:clrMapOvr>
+    <a:masterClrMapping/>
+  </p:clrMapOvr>
+</p:notes>
+</file>
+
+<file path=ppt/notesSlides/notesSlide22.xml><?xml version="1.0" encoding="utf-8"?>
+<p:notes xmlns:a="http://schemas.openxmlformats.org/drawingml/2006/main" xmlns:r="http://schemas.openxmlformats.org/officeDocument/2006/relationships" xmlns:mc="http://schemas.openxmlformats.org/markup-compatibility/2006" xmlns:mv="urn:schemas-microsoft-com:mac:vml" xmlns:p="http://schemas.openxmlformats.org/presentationml/2006/main" xmlns:c="http://schemas.openxmlformats.org/drawingml/2006/chart" xmlns:dgm="http://schemas.openxmlformats.org/drawingml/2006/diagram" xmlns:o="urn:schemas-microsoft-com:office:office" xmlns:v="urn:schemas-microsoft-com:vml" xmlns:pvml="urn:schemas-microsoft-com:office:powerpoint" xmlns:com="http://schemas.openxmlformats.org/drawingml/2006/compatibility" xmlns:p14="http://schemas.microsoft.com/office/powerpoint/2010/main" xmlns:p15="http://schemas.microsoft.com/office/powerpoint/2012/main" xmlns:ahyp="http://schemas.microsoft.com/office/drawing/2018/hyperlinkcolor" showMasterPhAnim="0" showMasterSp="0">
+  <p:cSld>
+    <p:spTree>
+      <p:nvGrpSpPr>
+        <p:cNvPr id="237" name="Shape 237"/>
+        <p:cNvGrpSpPr/>
+        <p:nvPr/>
+      </p:nvGrpSpPr>
+      <p:grpSpPr>
+        <a:xfrm>
+          <a:off x="0" y="0"/>
+          <a:ext cx="0" cy="0"/>
+          <a:chOff x="0" y="0"/>
+          <a:chExt cx="0" cy="0"/>
+        </a:xfrm>
+      </p:grpSpPr>
+      <p:sp>
+        <p:nvSpPr>
+          <p:cNvPr id="238" name="Google Shape;238;g37c18867a41_0_65:notes"/>
+          <p:cNvSpPr/>
+          <p:nvPr>
+            <p:ph idx="2" type="sldImg"/>
+          </p:nvPr>
+        </p:nvSpPr>
+        <p:spPr>
+          <a:xfrm>
+            <a:off x="381300" y="685800"/>
+            <a:ext cx="6096000" cy="3429000"/>
+          </a:xfrm>
+          <a:custGeom>
+            <a:rect b="b" l="l" r="r" t="t"/>
+            <a:pathLst>
+              <a:path extrusionOk="0" h="120000" w="120000">
+                <a:moveTo>
+                  <a:pt x="0" y="0"/>
+                </a:moveTo>
+                <a:lnTo>
+                  <a:pt x="120000" y="0"/>
+                </a:lnTo>
+                <a:lnTo>
+                  <a:pt x="120000" y="120000"/>
+                </a:lnTo>
+                <a:lnTo>
+                  <a:pt x="0" y="120000"/>
+                </a:lnTo>
+                <a:close/>
+              </a:path>
+            </a:pathLst>
+          </a:custGeom>
+        </p:spPr>
+      </p:sp>
+      <p:sp>
+        <p:nvSpPr>
+          <p:cNvPr id="239" name="Google Shape;239;g37c18867a41_0_65:notes"/>
+          <p:cNvSpPr txBox="1"/>
+          <p:nvPr>
+            <p:ph idx="1" type="body"/>
+          </p:nvPr>
+        </p:nvSpPr>
+        <p:spPr>
+          <a:xfrm>
+            <a:off x="685800" y="4343400"/>
+            <a:ext cx="5486400" cy="4114800"/>
+          </a:xfrm>
+          <a:prstGeom prst="rect">
+            <a:avLst/>
+          </a:prstGeom>
+        </p:spPr>
+        <p:txBody>
+          <a:bodyPr anchorCtr="0" anchor="t" bIns="91425" lIns="91425" spcFirstLastPara="1" rIns="91425" wrap="square" tIns="91425">
+            <a:noAutofit/>
+          </a:bodyPr>
+          <a:lstStyle/>
+          <a:p>
+            <a:pPr indent="0" lvl="0" marL="0" rtl="0" algn="l">
+              <a:spcBef>
+                <a:spcPts val="0"/>
+              </a:spcBef>
+              <a:spcAft>
+                <a:spcPts val="0"/>
+              </a:spcAft>
+              <a:buNone/>
+            </a:pPr>
+            <a:r>
+              <a:t/>
+            </a:r>
+            <a:endParaRPr/>
+          </a:p>
+        </p:txBody>
+      </p:sp>
+    </p:spTree>
+  </p:cSld>
+  <p:clrMapOvr>
+    <a:masterClrMapping/>
+  </p:clrMapOvr>
+</p:notes>
+</file>
+
+<file path=ppt/notesSlides/notesSlide23.xml><?xml version="1.0" encoding="utf-8"?>
+<p:notes xmlns:a="http://schemas.openxmlformats.org/drawingml/2006/main" xmlns:r="http://schemas.openxmlformats.org/officeDocument/2006/relationships" xmlns:mc="http://schemas.openxmlformats.org/markup-compatibility/2006" xmlns:mv="urn:schemas-microsoft-com:mac:vml" xmlns:p="http://schemas.openxmlformats.org/presentationml/2006/main" xmlns:c="http://schemas.openxmlformats.org/drawingml/2006/chart" xmlns:dgm="http://schemas.openxmlformats.org/drawingml/2006/diagram" xmlns:o="urn:schemas-microsoft-com:office:office" xmlns:v="urn:schemas-microsoft-com:vml" xmlns:pvml="urn:schemas-microsoft-com:office:powerpoint" xmlns:com="http://schemas.openxmlformats.org/drawingml/2006/compatibility" xmlns:p14="http://schemas.microsoft.com/office/powerpoint/2010/main" xmlns:p15="http://schemas.microsoft.com/office/powerpoint/2012/main" xmlns:ahyp="http://schemas.microsoft.com/office/drawing/2018/hyperlinkcolor" showMasterPhAnim="0" showMasterSp="0">
+  <p:cSld>
+    <p:spTree>
+      <p:nvGrpSpPr>
+        <p:cNvPr id="242" name="Shape 242"/>
+        <p:cNvGrpSpPr/>
+        <p:nvPr/>
+      </p:nvGrpSpPr>
+      <p:grpSpPr>
+        <a:xfrm>
+          <a:off x="0" y="0"/>
+          <a:ext cx="0" cy="0"/>
+          <a:chOff x="0" y="0"/>
+          <a:chExt cx="0" cy="0"/>
+        </a:xfrm>
+      </p:grpSpPr>
+      <p:sp>
+        <p:nvSpPr>
+          <p:cNvPr id="243" name="Google Shape;243;g37ff56b6cd9_0_4:notes"/>
+          <p:cNvSpPr/>
+          <p:nvPr>
+            <p:ph idx="2" type="sldImg"/>
+          </p:nvPr>
+        </p:nvSpPr>
+        <p:spPr>
+          <a:xfrm>
+            <a:off x="381300" y="685800"/>
+            <a:ext cx="6096000" cy="3429000"/>
+          </a:xfrm>
+          <a:custGeom>
+            <a:rect b="b" l="l" r="r" t="t"/>
+            <a:pathLst>
+              <a:path extrusionOk="0" h="120000" w="120000">
+                <a:moveTo>
+                  <a:pt x="0" y="0"/>
+                </a:moveTo>
+                <a:lnTo>
+                  <a:pt x="120000" y="0"/>
+                </a:lnTo>
+                <a:lnTo>
+                  <a:pt x="120000" y="120000"/>
+                </a:lnTo>
+                <a:lnTo>
+                  <a:pt x="0" y="120000"/>
+                </a:lnTo>
+                <a:close/>
+              </a:path>
+            </a:pathLst>
+          </a:custGeom>
+        </p:spPr>
+      </p:sp>
+      <p:sp>
+        <p:nvSpPr>
+          <p:cNvPr id="244" name="Google Shape;244;g37ff56b6cd9_0_4:notes"/>
+          <p:cNvSpPr txBox="1"/>
+          <p:nvPr>
+            <p:ph idx="1" type="body"/>
+          </p:nvPr>
+        </p:nvSpPr>
+        <p:spPr>
+          <a:xfrm>
+            <a:off x="685800" y="4343400"/>
+            <a:ext cx="5486400" cy="4114800"/>
+          </a:xfrm>
+          <a:prstGeom prst="rect">
+            <a:avLst/>
+          </a:prstGeom>
+        </p:spPr>
+        <p:txBody>
+          <a:bodyPr anchorCtr="0" anchor="t" bIns="91425" lIns="91425" spcFirstLastPara="1" rIns="91425" wrap="square" tIns="91425">
+            <a:noAutofit/>
+          </a:bodyPr>
+          <a:lstStyle/>
+          <a:p>
+            <a:pPr indent="0" lvl="0" marL="0" rtl="0" algn="l">
+              <a:spcBef>
+                <a:spcPts val="0"/>
+              </a:spcBef>
+              <a:spcAft>
+                <a:spcPts val="0"/>
+              </a:spcAft>
+              <a:buNone/>
+            </a:pPr>
+            <a:r>
+              <a:t/>
+            </a:r>
+            <a:endParaRPr/>
+          </a:p>
+        </p:txBody>
+      </p:sp>
+    </p:spTree>
+  </p:cSld>
+  <p:clrMapOvr>
+    <a:masterClrMapping/>
+  </p:clrMapOvr>
+</p:notes>
+</file>
+
+<file path=ppt/notesSlides/notesSlide24.xml><?xml version="1.0" encoding="utf-8"?>
+<p:notes xmlns:a="http://schemas.openxmlformats.org/drawingml/2006/main" xmlns:r="http://schemas.openxmlformats.org/officeDocument/2006/relationships" xmlns:mc="http://schemas.openxmlformats.org/markup-compatibility/2006" xmlns:mv="urn:schemas-microsoft-com:mac:vml" xmlns:p="http://schemas.openxmlformats.org/presentationml/2006/main" xmlns:c="http://schemas.openxmlformats.org/drawingml/2006/chart" xmlns:dgm="http://schemas.openxmlformats.org/drawingml/2006/diagram" xmlns:o="urn:schemas-microsoft-com:office:office" xmlns:v="urn:schemas-microsoft-com:vml" xmlns:pvml="urn:schemas-microsoft-com:office:powerpoint" xmlns:com="http://schemas.openxmlformats.org/drawingml/2006/compatibility" xmlns:p14="http://schemas.microsoft.com/office/powerpoint/2010/main" xmlns:p15="http://schemas.microsoft.com/office/powerpoint/2012/main" xmlns:ahyp="http://schemas.microsoft.com/office/drawing/2018/hyperlinkcolor" showMasterPhAnim="0" showMasterSp="0">
+  <p:cSld>
+    <p:spTree>
+      <p:nvGrpSpPr>
+        <p:cNvPr id="247" name="Shape 247"/>
+        <p:cNvGrpSpPr/>
+        <p:nvPr/>
+      </p:nvGrpSpPr>
+      <p:grpSpPr>
+        <a:xfrm>
+          <a:off x="0" y="0"/>
+          <a:ext cx="0" cy="0"/>
+          <a:chOff x="0" y="0"/>
+          <a:chExt cx="0" cy="0"/>
+        </a:xfrm>
+      </p:grpSpPr>
+      <p:sp>
+        <p:nvSpPr>
+          <p:cNvPr id="248" name="Google Shape;248;g37ff56b6cd9_0_9:notes"/>
+          <p:cNvSpPr/>
+          <p:nvPr>
+            <p:ph idx="2" type="sldImg"/>
+          </p:nvPr>
+        </p:nvSpPr>
+        <p:spPr>
+          <a:xfrm>
+            <a:off x="381300" y="685800"/>
+            <a:ext cx="6096000" cy="3429000"/>
+          </a:xfrm>
+          <a:custGeom>
+            <a:rect b="b" l="l" r="r" t="t"/>
+            <a:pathLst>
+              <a:path extrusionOk="0" h="120000" w="120000">
+                <a:moveTo>
+                  <a:pt x="0" y="0"/>
+                </a:moveTo>
+                <a:lnTo>
+                  <a:pt x="120000" y="0"/>
+                </a:lnTo>
+                <a:lnTo>
+                  <a:pt x="120000" y="120000"/>
+                </a:lnTo>
+                <a:lnTo>
+                  <a:pt x="0" y="120000"/>
+                </a:lnTo>
+                <a:close/>
+              </a:path>
+            </a:pathLst>
+          </a:custGeom>
+        </p:spPr>
+      </p:sp>
+      <p:sp>
+        <p:nvSpPr>
+          <p:cNvPr id="249" name="Google Shape;249;g37ff56b6cd9_0_9:notes"/>
           <p:cNvSpPr txBox="1"/>
           <p:nvPr>
             <p:ph idx="1" type="body"/>
@@ -12999,20 +13299,20 @@
         </p:nvSpPr>
         <p:spPr>
           <a:xfrm>
-            <a:off x="1297500" y="393750"/>
-            <a:ext cx="7038900" cy="914100"/>
+            <a:off x="2051825" y="1997400"/>
+            <a:ext cx="4587000" cy="1148700"/>
           </a:xfrm>
           <a:prstGeom prst="rect">
             <a:avLst/>
           </a:prstGeom>
         </p:spPr>
         <p:txBody>
-          <a:bodyPr anchorCtr="0" anchor="t" bIns="91425" lIns="91425" spcFirstLastPara="1" rIns="91425" wrap="square" tIns="91425">
+          <a:bodyPr anchorCtr="0" anchor="ctr" bIns="91425" lIns="91425" spcFirstLastPara="1" rIns="91425" wrap="square" tIns="91425">
             <a:normAutofit/>
           </a:bodyPr>
           <a:lstStyle/>
           <a:p>
-            <a:pPr indent="0" lvl="0" marL="0" rtl="0" algn="l">
+            <a:pPr indent="0" lvl="0" marL="0" rtl="0" algn="ctr">
               <a:spcBef>
                 <a:spcPts val="0"/>
               </a:spcBef>
@@ -13022,46 +13322,8 @@
               <a:buNone/>
             </a:pPr>
             <a:r>
-              <a:t/>
-            </a:r>
-            <a:endParaRPr/>
-          </a:p>
-        </p:txBody>
-      </p:sp>
-      <p:sp>
-        <p:nvSpPr>
-          <p:cNvPr id="222" name="Google Shape;222;p30"/>
-          <p:cNvSpPr txBox="1"/>
-          <p:nvPr>
-            <p:ph idx="1" type="body"/>
-          </p:nvPr>
-        </p:nvSpPr>
-        <p:spPr>
-          <a:xfrm>
-            <a:off x="1297500" y="1567550"/>
-            <a:ext cx="7038900" cy="2911200"/>
-          </a:xfrm>
-          <a:prstGeom prst="rect">
-            <a:avLst/>
-          </a:prstGeom>
-        </p:spPr>
-        <p:txBody>
-          <a:bodyPr anchorCtr="0" anchor="t" bIns="91425" lIns="91425" spcFirstLastPara="1" rIns="91425" wrap="square" tIns="91425">
-            <a:normAutofit/>
-          </a:bodyPr>
-          <a:lstStyle/>
-          <a:p>
-            <a:pPr indent="0" lvl="0" marL="0" rtl="0" algn="l">
-              <a:spcBef>
-                <a:spcPts val="0"/>
-              </a:spcBef>
-              <a:spcAft>
-                <a:spcPts val="1200"/>
-              </a:spcAft>
-              <a:buNone/>
-            </a:pPr>
-            <a:r>
-              <a:t/>
+              <a:rPr lang="en"/>
+              <a:t>View Itineraries</a:t>
             </a:r>
             <a:endParaRPr/>
           </a:p>
@@ -13080,7 +13342,7 @@
   <p:cSld>
     <p:spTree>
       <p:nvGrpSpPr>
-        <p:cNvPr id="226" name="Shape 226"/>
+        <p:cNvPr id="225" name="Shape 225"/>
         <p:cNvGrpSpPr/>
         <p:nvPr/>
       </p:nvGrpSpPr>
@@ -13094,16 +13356,16 @@
       </p:grpSpPr>
       <p:sp>
         <p:nvSpPr>
-          <p:cNvPr id="227" name="Google Shape;227;p31"/>
+          <p:cNvPr id="226" name="Google Shape;226;p31"/>
           <p:cNvSpPr txBox="1"/>
           <p:nvPr>
-            <p:ph type="title"/>
+            <p:ph idx="1" type="body"/>
           </p:nvPr>
         </p:nvSpPr>
         <p:spPr>
           <a:xfrm>
-            <a:off x="1297500" y="393750"/>
-            <a:ext cx="7038900" cy="914100"/>
+            <a:off x="421025" y="513125"/>
+            <a:ext cx="7915500" cy="3965700"/>
           </a:xfrm>
           <a:prstGeom prst="rect">
             <a:avLst/>
@@ -13115,44 +13377,134 @@
           </a:bodyPr>
           <a:lstStyle/>
           <a:p>
-            <a:pPr indent="0" lvl="0" marL="0" rtl="0" algn="l">
-              <a:spcBef>
-                <a:spcPts val="0"/>
-              </a:spcBef>
-              <a:spcAft>
-                <a:spcPts val="0"/>
-              </a:spcAft>
-              <a:buNone/>
+            <a:pPr indent="-349250" lvl="0" marL="457200" rtl="0" algn="l">
+              <a:spcBef>
+                <a:spcPts val="0"/>
+              </a:spcBef>
+              <a:spcAft>
+                <a:spcPts val="0"/>
+              </a:spcAft>
+              <a:buClr>
+                <a:srgbClr val="000000"/>
+              </a:buClr>
+              <a:buSzPts val="1900"/>
+              <a:buFont typeface="Times New Roman"/>
+              <a:buChar char="●"/>
             </a:pPr>
             <a:r>
-              <a:t/>
+              <a:rPr lang="en" sz="1900">
+                <a:solidFill>
+                  <a:srgbClr val="000000"/>
+                </a:solidFill>
+                <a:highlight>
+                  <a:schemeClr val="lt1"/>
+                </a:highlight>
+                <a:latin typeface="Times New Roman"/>
+                <a:ea typeface="Times New Roman"/>
+                <a:cs typeface="Times New Roman"/>
+                <a:sym typeface="Times New Roman"/>
+              </a:rPr>
+              <a:t>Once clicked, the user will be presented a page with all their built itineraries</a:t>
             </a:r>
-            <a:endParaRPr/>
+            <a:endParaRPr sz="1900">
+              <a:solidFill>
+                <a:srgbClr val="000000"/>
+              </a:solidFill>
+              <a:highlight>
+                <a:schemeClr val="lt1"/>
+              </a:highlight>
+              <a:latin typeface="Times New Roman"/>
+              <a:ea typeface="Times New Roman"/>
+              <a:cs typeface="Times New Roman"/>
+              <a:sym typeface="Times New Roman"/>
+            </a:endParaRPr>
           </a:p>
-        </p:txBody>
-      </p:sp>
-      <p:sp>
-        <p:nvSpPr>
-          <p:cNvPr id="228" name="Google Shape;228;p31"/>
-          <p:cNvSpPr txBox="1"/>
-          <p:nvPr>
-            <p:ph idx="1" type="body"/>
-          </p:nvPr>
-        </p:nvSpPr>
-        <p:spPr>
-          <a:xfrm>
-            <a:off x="1297500" y="1567550"/>
-            <a:ext cx="7038900" cy="2911200"/>
-          </a:xfrm>
-          <a:prstGeom prst="rect">
-            <a:avLst/>
-          </a:prstGeom>
-        </p:spPr>
-        <p:txBody>
-          <a:bodyPr anchorCtr="0" anchor="t" bIns="91425" lIns="91425" spcFirstLastPara="1" rIns="91425" wrap="square" tIns="91425">
-            <a:normAutofit/>
-          </a:bodyPr>
-          <a:lstStyle/>
+          <a:p>
+            <a:pPr indent="-349250" lvl="1" marL="914400" rtl="0" algn="l">
+              <a:spcBef>
+                <a:spcPts val="0"/>
+              </a:spcBef>
+              <a:spcAft>
+                <a:spcPts val="0"/>
+              </a:spcAft>
+              <a:buClr>
+                <a:srgbClr val="000000"/>
+              </a:buClr>
+              <a:buSzPts val="1900"/>
+              <a:buFont typeface="Times New Roman"/>
+              <a:buChar char="○"/>
+            </a:pPr>
+            <a:r>
+              <a:rPr lang="en" sz="1900">
+                <a:solidFill>
+                  <a:srgbClr val="000000"/>
+                </a:solidFill>
+                <a:highlight>
+                  <a:schemeClr val="lt1"/>
+                </a:highlight>
+                <a:latin typeface="Times New Roman"/>
+                <a:ea typeface="Times New Roman"/>
+                <a:cs typeface="Times New Roman"/>
+                <a:sym typeface="Times New Roman"/>
+              </a:rPr>
+              <a:t>Itineraries will be displayed as a list of Cards</a:t>
+            </a:r>
+            <a:endParaRPr sz="1900">
+              <a:solidFill>
+                <a:srgbClr val="000000"/>
+              </a:solidFill>
+              <a:highlight>
+                <a:schemeClr val="lt1"/>
+              </a:highlight>
+              <a:latin typeface="Times New Roman"/>
+              <a:ea typeface="Times New Roman"/>
+              <a:cs typeface="Times New Roman"/>
+              <a:sym typeface="Times New Roman"/>
+            </a:endParaRPr>
+          </a:p>
+          <a:p>
+            <a:pPr indent="-349250" lvl="2" marL="1371600" rtl="0" algn="l">
+              <a:spcBef>
+                <a:spcPts val="0"/>
+              </a:spcBef>
+              <a:spcAft>
+                <a:spcPts val="0"/>
+              </a:spcAft>
+              <a:buClr>
+                <a:srgbClr val="000000"/>
+              </a:buClr>
+              <a:buSzPts val="1900"/>
+              <a:buFont typeface="Times New Roman"/>
+              <a:buChar char="■"/>
+            </a:pPr>
+            <a:r>
+              <a:rPr lang="en" sz="1900">
+                <a:solidFill>
+                  <a:srgbClr val="000000"/>
+                </a:solidFill>
+                <a:highlight>
+                  <a:schemeClr val="lt1"/>
+                </a:highlight>
+                <a:latin typeface="Times New Roman"/>
+                <a:ea typeface="Times New Roman"/>
+                <a:cs typeface="Times New Roman"/>
+                <a:sym typeface="Times New Roman"/>
+              </a:rPr>
+              <a:t>Cards will consist of the name of the itinerary, the start date, and the end date of the itinerary</a:t>
+            </a:r>
+            <a:endParaRPr sz="1900">
+              <a:solidFill>
+                <a:srgbClr val="000000"/>
+              </a:solidFill>
+              <a:highlight>
+                <a:schemeClr val="lt1"/>
+              </a:highlight>
+              <a:latin typeface="Times New Roman"/>
+              <a:ea typeface="Times New Roman"/>
+              <a:cs typeface="Times New Roman"/>
+              <a:sym typeface="Times New Roman"/>
+            </a:endParaRPr>
+          </a:p>
           <a:p>
             <a:pPr indent="0" lvl="0" marL="0" rtl="0" algn="l">
               <a:spcBef>
@@ -13263,7 +13615,7 @@
   <p:cSld>
     <p:spTree>
       <p:nvGrpSpPr>
-        <p:cNvPr id="232" name="Shape 232"/>
+        <p:cNvPr id="230" name="Shape 230"/>
         <p:cNvGrpSpPr/>
         <p:nvPr/>
       </p:nvGrpSpPr>
@@ -13277,16 +13629,16 @@
       </p:grpSpPr>
       <p:sp>
         <p:nvSpPr>
-          <p:cNvPr id="233" name="Google Shape;233;p32"/>
+          <p:cNvPr id="231" name="Google Shape;231;p32"/>
           <p:cNvSpPr txBox="1"/>
           <p:nvPr>
-            <p:ph type="title"/>
+            <p:ph idx="1" type="body"/>
           </p:nvPr>
         </p:nvSpPr>
         <p:spPr>
           <a:xfrm>
-            <a:off x="1297500" y="393750"/>
-            <a:ext cx="7038900" cy="914100"/>
+            <a:off x="245600" y="535050"/>
+            <a:ext cx="8090700" cy="3943800"/>
           </a:xfrm>
           <a:prstGeom prst="rect">
             <a:avLst/>
@@ -13298,44 +13650,177 @@
           </a:bodyPr>
           <a:lstStyle/>
           <a:p>
-            <a:pPr indent="0" lvl="0" marL="0" rtl="0" algn="l">
-              <a:spcBef>
-                <a:spcPts val="0"/>
-              </a:spcBef>
-              <a:spcAft>
-                <a:spcPts val="0"/>
-              </a:spcAft>
-              <a:buNone/>
+            <a:pPr indent="-349250" lvl="1" marL="914400" rtl="0" algn="l">
+              <a:spcBef>
+                <a:spcPts val="0"/>
+              </a:spcBef>
+              <a:spcAft>
+                <a:spcPts val="0"/>
+              </a:spcAft>
+              <a:buClr>
+                <a:srgbClr val="000000"/>
+              </a:buClr>
+              <a:buSzPts val="1900"/>
+              <a:buFont typeface="Times New Roman"/>
+              <a:buChar char="○"/>
             </a:pPr>
             <a:r>
-              <a:t/>
+              <a:rPr lang="en" sz="1900">
+                <a:solidFill>
+                  <a:srgbClr val="000000"/>
+                </a:solidFill>
+                <a:highlight>
+                  <a:schemeClr val="lt1"/>
+                </a:highlight>
+                <a:latin typeface="Times New Roman"/>
+                <a:ea typeface="Times New Roman"/>
+                <a:cs typeface="Times New Roman"/>
+                <a:sym typeface="Times New Roman"/>
+              </a:rPr>
+              <a:t>Once you click on the card, the card expands into a more detailed view</a:t>
             </a:r>
-            <a:endParaRPr/>
+            <a:endParaRPr sz="1900">
+              <a:solidFill>
+                <a:srgbClr val="000000"/>
+              </a:solidFill>
+              <a:highlight>
+                <a:schemeClr val="lt1"/>
+              </a:highlight>
+              <a:latin typeface="Times New Roman"/>
+              <a:ea typeface="Times New Roman"/>
+              <a:cs typeface="Times New Roman"/>
+              <a:sym typeface="Times New Roman"/>
+            </a:endParaRPr>
           </a:p>
-        </p:txBody>
-      </p:sp>
-      <p:sp>
-        <p:nvSpPr>
-          <p:cNvPr id="234" name="Google Shape;234;p32"/>
-          <p:cNvSpPr txBox="1"/>
-          <p:nvPr>
-            <p:ph idx="1" type="body"/>
-          </p:nvPr>
-        </p:nvSpPr>
-        <p:spPr>
-          <a:xfrm>
-            <a:off x="1297500" y="1567550"/>
-            <a:ext cx="7038900" cy="2911200"/>
-          </a:xfrm>
-          <a:prstGeom prst="rect">
-            <a:avLst/>
-          </a:prstGeom>
-        </p:spPr>
-        <p:txBody>
-          <a:bodyPr anchorCtr="0" anchor="t" bIns="91425" lIns="91425" spcFirstLastPara="1" rIns="91425" wrap="square" tIns="91425">
-            <a:normAutofit/>
-          </a:bodyPr>
-          <a:lstStyle/>
+          <a:p>
+            <a:pPr indent="-349250" lvl="2" marL="1371600" rtl="0" algn="l">
+              <a:spcBef>
+                <a:spcPts val="0"/>
+              </a:spcBef>
+              <a:spcAft>
+                <a:spcPts val="0"/>
+              </a:spcAft>
+              <a:buClr>
+                <a:srgbClr val="000000"/>
+              </a:buClr>
+              <a:buSzPts val="1900"/>
+              <a:buFont typeface="Times New Roman"/>
+              <a:buChar char="■"/>
+            </a:pPr>
+            <a:r>
+              <a:rPr lang="en" sz="1900">
+                <a:solidFill>
+                  <a:srgbClr val="000000"/>
+                </a:solidFill>
+                <a:highlight>
+                  <a:schemeClr val="lt1"/>
+                </a:highlight>
+                <a:latin typeface="Times New Roman"/>
+                <a:ea typeface="Times New Roman"/>
+                <a:cs typeface="Times New Roman"/>
+                <a:sym typeface="Times New Roman"/>
+              </a:rPr>
+              <a:t>The view is a calendar view that has bullet points for each event that will occur on each day</a:t>
+            </a:r>
+            <a:endParaRPr sz="1900">
+              <a:solidFill>
+                <a:srgbClr val="000000"/>
+              </a:solidFill>
+              <a:highlight>
+                <a:schemeClr val="lt1"/>
+              </a:highlight>
+              <a:latin typeface="Times New Roman"/>
+              <a:ea typeface="Times New Roman"/>
+              <a:cs typeface="Times New Roman"/>
+              <a:sym typeface="Times New Roman"/>
+            </a:endParaRPr>
+          </a:p>
+          <a:p>
+            <a:pPr indent="-349250" lvl="3" marL="1828800" rtl="0" algn="l">
+              <a:spcBef>
+                <a:spcPts val="0"/>
+              </a:spcBef>
+              <a:spcAft>
+                <a:spcPts val="0"/>
+              </a:spcAft>
+              <a:buClr>
+                <a:srgbClr val="000000"/>
+              </a:buClr>
+              <a:buSzPts val="1900"/>
+              <a:buFont typeface="Times New Roman"/>
+              <a:buChar char="●"/>
+            </a:pPr>
+            <a:r>
+              <a:rPr lang="en" sz="1900">
+                <a:solidFill>
+                  <a:srgbClr val="000000"/>
+                </a:solidFill>
+                <a:highlight>
+                  <a:schemeClr val="lt1"/>
+                </a:highlight>
+                <a:latin typeface="Times New Roman"/>
+                <a:ea typeface="Times New Roman"/>
+                <a:cs typeface="Times New Roman"/>
+                <a:sym typeface="Times New Roman"/>
+              </a:rPr>
+              <a:t>Clicking on the calendar day expands it more, and the events scheduled for that day are listed in chronological order. </a:t>
+            </a:r>
+            <a:endParaRPr sz="1900">
+              <a:solidFill>
+                <a:srgbClr val="000000"/>
+              </a:solidFill>
+              <a:highlight>
+                <a:schemeClr val="lt1"/>
+              </a:highlight>
+              <a:latin typeface="Times New Roman"/>
+              <a:ea typeface="Times New Roman"/>
+              <a:cs typeface="Times New Roman"/>
+              <a:sym typeface="Times New Roman"/>
+            </a:endParaRPr>
+          </a:p>
+          <a:p>
+            <a:pPr indent="-349250" lvl="3" marL="1828800" rtl="0" algn="l">
+              <a:spcBef>
+                <a:spcPts val="0"/>
+              </a:spcBef>
+              <a:spcAft>
+                <a:spcPts val="0"/>
+              </a:spcAft>
+              <a:buClr>
+                <a:srgbClr val="000000"/>
+              </a:buClr>
+              <a:buSzPts val="1900"/>
+              <a:buFont typeface="Times New Roman"/>
+              <a:buChar char="●"/>
+            </a:pPr>
+            <a:r>
+              <a:rPr lang="en" sz="1900">
+                <a:solidFill>
+                  <a:srgbClr val="000000"/>
+                </a:solidFill>
+                <a:highlight>
+                  <a:schemeClr val="lt1"/>
+                </a:highlight>
+                <a:latin typeface="Times New Roman"/>
+                <a:ea typeface="Times New Roman"/>
+                <a:cs typeface="Times New Roman"/>
+                <a:sym typeface="Times New Roman"/>
+              </a:rPr>
+              <a:t>The calendar day starts in view mode </a:t>
+            </a:r>
+            <a:endParaRPr sz="1900">
+              <a:solidFill>
+                <a:srgbClr val="000000"/>
+              </a:solidFill>
+              <a:highlight>
+                <a:schemeClr val="lt1"/>
+              </a:highlight>
+              <a:latin typeface="Times New Roman"/>
+              <a:ea typeface="Times New Roman"/>
+              <a:cs typeface="Times New Roman"/>
+              <a:sym typeface="Times New Roman"/>
+            </a:endParaRPr>
+          </a:p>
           <a:p>
             <a:pPr indent="0" lvl="0" marL="0" rtl="0" algn="l">
               <a:spcBef>
@@ -13366,7 +13851,7 @@
   <p:cSld>
     <p:spTree>
       <p:nvGrpSpPr>
-        <p:cNvPr id="238" name="Shape 238"/>
+        <p:cNvPr id="235" name="Shape 235"/>
         <p:cNvGrpSpPr/>
         <p:nvPr/>
       </p:nvGrpSpPr>
@@ -13380,16 +13865,1025 @@
       </p:grpSpPr>
       <p:sp>
         <p:nvSpPr>
-          <p:cNvPr id="239" name="Google Shape;239;p33"/>
+          <p:cNvPr id="236" name="Google Shape;236;p33"/>
           <p:cNvSpPr txBox="1"/>
           <p:nvPr>
-            <p:ph type="title"/>
+            <p:ph idx="1" type="body"/>
           </p:nvPr>
         </p:nvSpPr>
         <p:spPr>
           <a:xfrm>
-            <a:off x="1297500" y="393750"/>
-            <a:ext cx="7038900" cy="914100"/>
+            <a:off x="355225" y="425400"/>
+            <a:ext cx="7981200" cy="4053300"/>
+          </a:xfrm>
+          <a:prstGeom prst="rect">
+            <a:avLst/>
+          </a:prstGeom>
+        </p:spPr>
+        <p:txBody>
+          <a:bodyPr anchorCtr="0" anchor="t" bIns="91425" lIns="91425" spcFirstLastPara="1" rIns="91425" wrap="square" tIns="91425">
+            <a:noAutofit/>
+          </a:bodyPr>
+          <a:lstStyle/>
+          <a:p>
+            <a:pPr indent="-349250" lvl="3" marL="1828800" rtl="0" algn="l">
+              <a:spcBef>
+                <a:spcPts val="0"/>
+              </a:spcBef>
+              <a:spcAft>
+                <a:spcPts val="0"/>
+              </a:spcAft>
+              <a:buClr>
+                <a:srgbClr val="000000"/>
+              </a:buClr>
+              <a:buSzPts val="1900"/>
+              <a:buFont typeface="Times New Roman"/>
+              <a:buChar char="●"/>
+            </a:pPr>
+            <a:r>
+              <a:rPr lang="en" sz="1900">
+                <a:solidFill>
+                  <a:srgbClr val="000000"/>
+                </a:solidFill>
+                <a:highlight>
+                  <a:schemeClr val="lt1"/>
+                </a:highlight>
+                <a:latin typeface="Times New Roman"/>
+                <a:ea typeface="Times New Roman"/>
+                <a:cs typeface="Times New Roman"/>
+                <a:sym typeface="Times New Roman"/>
+              </a:rPr>
+              <a:t>The calendar day will have an “edit mode” button that will allow users to move into edit mode</a:t>
+            </a:r>
+            <a:endParaRPr sz="1900">
+              <a:solidFill>
+                <a:srgbClr val="000000"/>
+              </a:solidFill>
+              <a:highlight>
+                <a:schemeClr val="lt1"/>
+              </a:highlight>
+              <a:latin typeface="Times New Roman"/>
+              <a:ea typeface="Times New Roman"/>
+              <a:cs typeface="Times New Roman"/>
+              <a:sym typeface="Times New Roman"/>
+            </a:endParaRPr>
+          </a:p>
+          <a:p>
+            <a:pPr indent="-349250" lvl="4" marL="2286000" rtl="0" algn="l">
+              <a:spcBef>
+                <a:spcPts val="0"/>
+              </a:spcBef>
+              <a:spcAft>
+                <a:spcPts val="0"/>
+              </a:spcAft>
+              <a:buClr>
+                <a:srgbClr val="000000"/>
+              </a:buClr>
+              <a:buSzPts val="1900"/>
+              <a:buFont typeface="Times New Roman"/>
+              <a:buChar char="○"/>
+            </a:pPr>
+            <a:r>
+              <a:rPr lang="en" sz="1900">
+                <a:solidFill>
+                  <a:srgbClr val="000000"/>
+                </a:solidFill>
+                <a:highlight>
+                  <a:schemeClr val="lt1"/>
+                </a:highlight>
+                <a:latin typeface="Times New Roman"/>
+                <a:ea typeface="Times New Roman"/>
+                <a:cs typeface="Times New Roman"/>
+                <a:sym typeface="Times New Roman"/>
+              </a:rPr>
+              <a:t>Edit mode will allow users to select events</a:t>
+            </a:r>
+            <a:endParaRPr sz="1900">
+              <a:solidFill>
+                <a:srgbClr val="000000"/>
+              </a:solidFill>
+              <a:highlight>
+                <a:schemeClr val="lt1"/>
+              </a:highlight>
+              <a:latin typeface="Times New Roman"/>
+              <a:ea typeface="Times New Roman"/>
+              <a:cs typeface="Times New Roman"/>
+              <a:sym typeface="Times New Roman"/>
+            </a:endParaRPr>
+          </a:p>
+          <a:p>
+            <a:pPr indent="-349250" lvl="5" marL="2743200" rtl="0" algn="l">
+              <a:spcBef>
+                <a:spcPts val="0"/>
+              </a:spcBef>
+              <a:spcAft>
+                <a:spcPts val="0"/>
+              </a:spcAft>
+              <a:buClr>
+                <a:srgbClr val="000000"/>
+              </a:buClr>
+              <a:buSzPts val="1900"/>
+              <a:buFont typeface="Times New Roman"/>
+              <a:buChar char="■"/>
+            </a:pPr>
+            <a:r>
+              <a:rPr lang="en" sz="1900">
+                <a:solidFill>
+                  <a:srgbClr val="000000"/>
+                </a:solidFill>
+                <a:highlight>
+                  <a:schemeClr val="lt1"/>
+                </a:highlight>
+                <a:latin typeface="Times New Roman"/>
+                <a:ea typeface="Times New Roman"/>
+                <a:cs typeface="Times New Roman"/>
+                <a:sym typeface="Times New Roman"/>
+              </a:rPr>
+              <a:t>Selecting an event will allow users to delete that event.</a:t>
+            </a:r>
+            <a:endParaRPr sz="1900">
+              <a:solidFill>
+                <a:srgbClr val="000000"/>
+              </a:solidFill>
+              <a:highlight>
+                <a:schemeClr val="lt1"/>
+              </a:highlight>
+              <a:latin typeface="Times New Roman"/>
+              <a:ea typeface="Times New Roman"/>
+              <a:cs typeface="Times New Roman"/>
+              <a:sym typeface="Times New Roman"/>
+            </a:endParaRPr>
+          </a:p>
+          <a:p>
+            <a:pPr indent="-349250" lvl="5" marL="2743200" rtl="0" algn="l">
+              <a:spcBef>
+                <a:spcPts val="0"/>
+              </a:spcBef>
+              <a:spcAft>
+                <a:spcPts val="0"/>
+              </a:spcAft>
+              <a:buClr>
+                <a:srgbClr val="000000"/>
+              </a:buClr>
+              <a:buSzPts val="1900"/>
+              <a:buFont typeface="Times New Roman"/>
+              <a:buChar char="■"/>
+            </a:pPr>
+            <a:r>
+              <a:rPr lang="en" sz="1900">
+                <a:solidFill>
+                  <a:srgbClr val="000000"/>
+                </a:solidFill>
+                <a:highlight>
+                  <a:schemeClr val="lt1"/>
+                </a:highlight>
+                <a:latin typeface="Times New Roman"/>
+                <a:ea typeface="Times New Roman"/>
+                <a:cs typeface="Times New Roman"/>
+                <a:sym typeface="Times New Roman"/>
+              </a:rPr>
+              <a:t>If a user chooses to delete an event, a warning alerting the user that they are about to delete the event will pop up.</a:t>
+            </a:r>
+            <a:endParaRPr sz="1900">
+              <a:solidFill>
+                <a:srgbClr val="000000"/>
+              </a:solidFill>
+              <a:highlight>
+                <a:schemeClr val="lt1"/>
+              </a:highlight>
+              <a:latin typeface="Times New Roman"/>
+              <a:ea typeface="Times New Roman"/>
+              <a:cs typeface="Times New Roman"/>
+              <a:sym typeface="Times New Roman"/>
+            </a:endParaRPr>
+          </a:p>
+          <a:p>
+            <a:pPr indent="-349250" lvl="6" marL="3200400" rtl="0" algn="l">
+              <a:spcBef>
+                <a:spcPts val="0"/>
+              </a:spcBef>
+              <a:spcAft>
+                <a:spcPts val="0"/>
+              </a:spcAft>
+              <a:buClr>
+                <a:srgbClr val="000000"/>
+              </a:buClr>
+              <a:buSzPts val="1900"/>
+              <a:buFont typeface="Times New Roman"/>
+              <a:buChar char="●"/>
+            </a:pPr>
+            <a:r>
+              <a:rPr lang="en" sz="1900">
+                <a:solidFill>
+                  <a:srgbClr val="000000"/>
+                </a:solidFill>
+                <a:highlight>
+                  <a:schemeClr val="lt1"/>
+                </a:highlight>
+                <a:latin typeface="Times New Roman"/>
+                <a:ea typeface="Times New Roman"/>
+                <a:cs typeface="Times New Roman"/>
+                <a:sym typeface="Times New Roman"/>
+              </a:rPr>
+              <a:t>The alert will offer a chance to continue and delete the event. </a:t>
+            </a:r>
+            <a:endParaRPr sz="1900">
+              <a:solidFill>
+                <a:srgbClr val="000000"/>
+              </a:solidFill>
+              <a:highlight>
+                <a:schemeClr val="lt1"/>
+              </a:highlight>
+              <a:latin typeface="Times New Roman"/>
+              <a:ea typeface="Times New Roman"/>
+              <a:cs typeface="Times New Roman"/>
+              <a:sym typeface="Times New Roman"/>
+            </a:endParaRPr>
+          </a:p>
+          <a:p>
+            <a:pPr indent="-349250" lvl="6" marL="3200400" rtl="0" algn="l">
+              <a:spcBef>
+                <a:spcPts val="0"/>
+              </a:spcBef>
+              <a:spcAft>
+                <a:spcPts val="0"/>
+              </a:spcAft>
+              <a:buClr>
+                <a:srgbClr val="000000"/>
+              </a:buClr>
+              <a:buSzPts val="1900"/>
+              <a:buFont typeface="Times New Roman"/>
+              <a:buChar char="●"/>
+            </a:pPr>
+            <a:r>
+              <a:rPr lang="en" sz="1900">
+                <a:solidFill>
+                  <a:srgbClr val="000000"/>
+                </a:solidFill>
+                <a:highlight>
+                  <a:schemeClr val="lt1"/>
+                </a:highlight>
+                <a:latin typeface="Times New Roman"/>
+                <a:ea typeface="Times New Roman"/>
+                <a:cs typeface="Times New Roman"/>
+                <a:sym typeface="Times New Roman"/>
+              </a:rPr>
+              <a:t>The alert will also allow users to change their minds and keep the event.</a:t>
+            </a:r>
+            <a:endParaRPr sz="1900">
+              <a:solidFill>
+                <a:srgbClr val="000000"/>
+              </a:solidFill>
+              <a:highlight>
+                <a:schemeClr val="lt1"/>
+              </a:highlight>
+              <a:latin typeface="Times New Roman"/>
+              <a:ea typeface="Times New Roman"/>
+              <a:cs typeface="Times New Roman"/>
+              <a:sym typeface="Times New Roman"/>
+            </a:endParaRPr>
+          </a:p>
+          <a:p>
+            <a:pPr indent="0" lvl="0" marL="0" rtl="0" algn="l">
+              <a:spcBef>
+                <a:spcPts val="0"/>
+              </a:spcBef>
+              <a:spcAft>
+                <a:spcPts val="1200"/>
+              </a:spcAft>
+              <a:buNone/>
+            </a:pPr>
+            <a:r>
+              <a:t/>
+            </a:r>
+            <a:endParaRPr/>
+          </a:p>
+        </p:txBody>
+      </p:sp>
+    </p:spTree>
+  </p:cSld>
+  <p:clrMapOvr>
+    <a:masterClrMapping/>
+  </p:clrMapOvr>
+</p:sld>
+</file>
+
+<file path=ppt/slides/slide22.xml><?xml version="1.0" encoding="utf-8"?>
+<p:sld xmlns:a="http://schemas.openxmlformats.org/drawingml/2006/main" xmlns:r="http://schemas.openxmlformats.org/officeDocument/2006/relationships" xmlns:mc="http://schemas.openxmlformats.org/markup-compatibility/2006" xmlns:mv="urn:schemas-microsoft-com:mac:vml" xmlns:p="http://schemas.openxmlformats.org/presentationml/2006/main" xmlns:c="http://schemas.openxmlformats.org/drawingml/2006/chart" xmlns:dgm="http://schemas.openxmlformats.org/drawingml/2006/diagram" xmlns:o="urn:schemas-microsoft-com:office:office" xmlns:v="urn:schemas-microsoft-com:vml" xmlns:pvml="urn:schemas-microsoft-com:office:powerpoint" xmlns:com="http://schemas.openxmlformats.org/drawingml/2006/compatibility" xmlns:p14="http://schemas.microsoft.com/office/powerpoint/2010/main" xmlns:p15="http://schemas.microsoft.com/office/powerpoint/2012/main" xmlns:ahyp="http://schemas.microsoft.com/office/drawing/2018/hyperlinkcolor">
+  <p:cSld>
+    <p:spTree>
+      <p:nvGrpSpPr>
+        <p:cNvPr id="240" name="Shape 240"/>
+        <p:cNvGrpSpPr/>
+        <p:nvPr/>
+      </p:nvGrpSpPr>
+      <p:grpSpPr>
+        <a:xfrm>
+          <a:off x="0" y="0"/>
+          <a:ext cx="0" cy="0"/>
+          <a:chOff x="0" y="0"/>
+          <a:chExt cx="0" cy="0"/>
+        </a:xfrm>
+      </p:grpSpPr>
+      <p:sp>
+        <p:nvSpPr>
+          <p:cNvPr id="241" name="Google Shape;241;p34"/>
+          <p:cNvSpPr txBox="1"/>
+          <p:nvPr>
+            <p:ph idx="1" type="body"/>
+          </p:nvPr>
+        </p:nvSpPr>
+        <p:spPr>
+          <a:xfrm>
+            <a:off x="289450" y="381550"/>
+            <a:ext cx="8046900" cy="4097100"/>
+          </a:xfrm>
+          <a:prstGeom prst="rect">
+            <a:avLst/>
+          </a:prstGeom>
+        </p:spPr>
+        <p:txBody>
+          <a:bodyPr anchorCtr="0" anchor="t" bIns="91425" lIns="91425" spcFirstLastPara="1" rIns="91425" wrap="square" tIns="91425">
+            <a:noAutofit/>
+          </a:bodyPr>
+          <a:lstStyle/>
+          <a:p>
+            <a:pPr indent="-349250" lvl="5" marL="2743200" rtl="0" algn="l">
+              <a:spcBef>
+                <a:spcPts val="0"/>
+              </a:spcBef>
+              <a:spcAft>
+                <a:spcPts val="0"/>
+              </a:spcAft>
+              <a:buClr>
+                <a:srgbClr val="000000"/>
+              </a:buClr>
+              <a:buSzPts val="1900"/>
+              <a:buFont typeface="Times New Roman"/>
+              <a:buChar char="■"/>
+            </a:pPr>
+            <a:r>
+              <a:rPr lang="en" sz="1900">
+                <a:solidFill>
+                  <a:srgbClr val="000000"/>
+                </a:solidFill>
+                <a:highlight>
+                  <a:schemeClr val="lt1"/>
+                </a:highlight>
+                <a:latin typeface="Times New Roman"/>
+                <a:ea typeface="Times New Roman"/>
+                <a:cs typeface="Times New Roman"/>
+                <a:sym typeface="Times New Roman"/>
+              </a:rPr>
+              <a:t>Selecting events will also allow users to move events</a:t>
+            </a:r>
+            <a:endParaRPr sz="1900">
+              <a:solidFill>
+                <a:srgbClr val="000000"/>
+              </a:solidFill>
+              <a:highlight>
+                <a:schemeClr val="lt1"/>
+              </a:highlight>
+              <a:latin typeface="Times New Roman"/>
+              <a:ea typeface="Times New Roman"/>
+              <a:cs typeface="Times New Roman"/>
+              <a:sym typeface="Times New Roman"/>
+            </a:endParaRPr>
+          </a:p>
+          <a:p>
+            <a:pPr indent="-349250" lvl="6" marL="3200400" rtl="0" algn="l">
+              <a:spcBef>
+                <a:spcPts val="0"/>
+              </a:spcBef>
+              <a:spcAft>
+                <a:spcPts val="0"/>
+              </a:spcAft>
+              <a:buClr>
+                <a:srgbClr val="000000"/>
+              </a:buClr>
+              <a:buSzPts val="1900"/>
+              <a:buFont typeface="Times New Roman"/>
+              <a:buChar char="●"/>
+            </a:pPr>
+            <a:r>
+              <a:rPr lang="en" sz="1900">
+                <a:solidFill>
+                  <a:srgbClr val="000000"/>
+                </a:solidFill>
+                <a:highlight>
+                  <a:schemeClr val="lt1"/>
+                </a:highlight>
+                <a:latin typeface="Times New Roman"/>
+                <a:ea typeface="Times New Roman"/>
+                <a:cs typeface="Times New Roman"/>
+                <a:sym typeface="Times New Roman"/>
+              </a:rPr>
+              <a:t>If an event is not available at that set time, a warning alert will be provided</a:t>
+            </a:r>
+            <a:endParaRPr sz="1900">
+              <a:solidFill>
+                <a:srgbClr val="000000"/>
+              </a:solidFill>
+              <a:highlight>
+                <a:schemeClr val="lt1"/>
+              </a:highlight>
+              <a:latin typeface="Times New Roman"/>
+              <a:ea typeface="Times New Roman"/>
+              <a:cs typeface="Times New Roman"/>
+              <a:sym typeface="Times New Roman"/>
+            </a:endParaRPr>
+          </a:p>
+          <a:p>
+            <a:pPr indent="-349250" lvl="2" marL="1371600" rtl="0" algn="l">
+              <a:spcBef>
+                <a:spcPts val="0"/>
+              </a:spcBef>
+              <a:spcAft>
+                <a:spcPts val="0"/>
+              </a:spcAft>
+              <a:buClr>
+                <a:srgbClr val="000000"/>
+              </a:buClr>
+              <a:buSzPts val="1900"/>
+              <a:buFont typeface="Times New Roman"/>
+              <a:buChar char="■"/>
+            </a:pPr>
+            <a:r>
+              <a:rPr lang="en" sz="1900">
+                <a:solidFill>
+                  <a:srgbClr val="000000"/>
+                </a:solidFill>
+                <a:highlight>
+                  <a:schemeClr val="lt1"/>
+                </a:highlight>
+                <a:latin typeface="Times New Roman"/>
+                <a:ea typeface="Times New Roman"/>
+                <a:cs typeface="Times New Roman"/>
+                <a:sym typeface="Times New Roman"/>
+              </a:rPr>
+              <a:t>Edit mode for calendar that allows for selecting a day, deleting, and moving around of days</a:t>
+            </a:r>
+            <a:endParaRPr sz="1900">
+              <a:solidFill>
+                <a:srgbClr val="000000"/>
+              </a:solidFill>
+              <a:highlight>
+                <a:schemeClr val="lt1"/>
+              </a:highlight>
+              <a:latin typeface="Times New Roman"/>
+              <a:ea typeface="Times New Roman"/>
+              <a:cs typeface="Times New Roman"/>
+              <a:sym typeface="Times New Roman"/>
+            </a:endParaRPr>
+          </a:p>
+          <a:p>
+            <a:pPr indent="-349250" lvl="2" marL="1371600" rtl="0" algn="l">
+              <a:spcBef>
+                <a:spcPts val="0"/>
+              </a:spcBef>
+              <a:spcAft>
+                <a:spcPts val="0"/>
+              </a:spcAft>
+              <a:buClr>
+                <a:srgbClr val="000000"/>
+              </a:buClr>
+              <a:buSzPts val="1900"/>
+              <a:buFont typeface="Times New Roman"/>
+              <a:buChar char="■"/>
+            </a:pPr>
+            <a:r>
+              <a:rPr lang="en" sz="1900">
+                <a:solidFill>
+                  <a:srgbClr val="000000"/>
+                </a:solidFill>
+                <a:highlight>
+                  <a:schemeClr val="lt1"/>
+                </a:highlight>
+                <a:latin typeface="Times New Roman"/>
+                <a:ea typeface="Times New Roman"/>
+                <a:cs typeface="Times New Roman"/>
+                <a:sym typeface="Times New Roman"/>
+              </a:rPr>
+              <a:t>Selecting a day will allow users to delete the event’s day.</a:t>
+            </a:r>
+            <a:endParaRPr sz="1900">
+              <a:solidFill>
+                <a:srgbClr val="000000"/>
+              </a:solidFill>
+              <a:highlight>
+                <a:schemeClr val="lt1"/>
+              </a:highlight>
+              <a:latin typeface="Times New Roman"/>
+              <a:ea typeface="Times New Roman"/>
+              <a:cs typeface="Times New Roman"/>
+              <a:sym typeface="Times New Roman"/>
+            </a:endParaRPr>
+          </a:p>
+          <a:p>
+            <a:pPr indent="-349250" lvl="2" marL="1371600" rtl="0" algn="l">
+              <a:spcBef>
+                <a:spcPts val="0"/>
+              </a:spcBef>
+              <a:spcAft>
+                <a:spcPts val="0"/>
+              </a:spcAft>
+              <a:buClr>
+                <a:srgbClr val="000000"/>
+              </a:buClr>
+              <a:buSzPts val="1900"/>
+              <a:buFont typeface="Times New Roman"/>
+              <a:buChar char="■"/>
+            </a:pPr>
+            <a:r>
+              <a:rPr lang="en" sz="1900">
+                <a:solidFill>
+                  <a:srgbClr val="000000"/>
+                </a:solidFill>
+                <a:highlight>
+                  <a:schemeClr val="lt1"/>
+                </a:highlight>
+                <a:latin typeface="Times New Roman"/>
+                <a:ea typeface="Times New Roman"/>
+                <a:cs typeface="Times New Roman"/>
+                <a:sym typeface="Times New Roman"/>
+              </a:rPr>
+              <a:t>If a user chooses to delete a day, a warning alerting the user that they are about to delete the events for the day will pop up.</a:t>
+            </a:r>
+            <a:endParaRPr sz="1900">
+              <a:solidFill>
+                <a:srgbClr val="000000"/>
+              </a:solidFill>
+              <a:highlight>
+                <a:schemeClr val="lt1"/>
+              </a:highlight>
+              <a:latin typeface="Times New Roman"/>
+              <a:ea typeface="Times New Roman"/>
+              <a:cs typeface="Times New Roman"/>
+              <a:sym typeface="Times New Roman"/>
+            </a:endParaRPr>
+          </a:p>
+          <a:p>
+            <a:pPr indent="-349250" lvl="3" marL="1828800" rtl="0" algn="l">
+              <a:spcBef>
+                <a:spcPts val="0"/>
+              </a:spcBef>
+              <a:spcAft>
+                <a:spcPts val="0"/>
+              </a:spcAft>
+              <a:buClr>
+                <a:srgbClr val="000000"/>
+              </a:buClr>
+              <a:buSzPts val="1900"/>
+              <a:buFont typeface="Times New Roman"/>
+              <a:buChar char="●"/>
+            </a:pPr>
+            <a:r>
+              <a:rPr lang="en" sz="1900">
+                <a:solidFill>
+                  <a:srgbClr val="000000"/>
+                </a:solidFill>
+                <a:highlight>
+                  <a:schemeClr val="lt1"/>
+                </a:highlight>
+                <a:latin typeface="Times New Roman"/>
+                <a:ea typeface="Times New Roman"/>
+                <a:cs typeface="Times New Roman"/>
+                <a:sym typeface="Times New Roman"/>
+              </a:rPr>
+              <a:t>The alert will offer a chance to continue and delete the day’s events. </a:t>
+            </a:r>
+            <a:endParaRPr sz="1900">
+              <a:solidFill>
+                <a:srgbClr val="000000"/>
+              </a:solidFill>
+              <a:highlight>
+                <a:schemeClr val="lt1"/>
+              </a:highlight>
+              <a:latin typeface="Times New Roman"/>
+              <a:ea typeface="Times New Roman"/>
+              <a:cs typeface="Times New Roman"/>
+              <a:sym typeface="Times New Roman"/>
+            </a:endParaRPr>
+          </a:p>
+          <a:p>
+            <a:pPr indent="-349250" lvl="3" marL="1828800" rtl="0" algn="l">
+              <a:spcBef>
+                <a:spcPts val="0"/>
+              </a:spcBef>
+              <a:spcAft>
+                <a:spcPts val="0"/>
+              </a:spcAft>
+              <a:buClr>
+                <a:srgbClr val="000000"/>
+              </a:buClr>
+              <a:buSzPts val="1900"/>
+              <a:buFont typeface="Times New Roman"/>
+              <a:buChar char="●"/>
+            </a:pPr>
+            <a:r>
+              <a:rPr lang="en" sz="1900">
+                <a:solidFill>
+                  <a:srgbClr val="000000"/>
+                </a:solidFill>
+                <a:highlight>
+                  <a:schemeClr val="lt1"/>
+                </a:highlight>
+                <a:latin typeface="Times New Roman"/>
+                <a:ea typeface="Times New Roman"/>
+                <a:cs typeface="Times New Roman"/>
+                <a:sym typeface="Times New Roman"/>
+              </a:rPr>
+              <a:t>The alert will also allow users to change their minds and keep the day’s events.</a:t>
+            </a:r>
+            <a:endParaRPr sz="1900">
+              <a:solidFill>
+                <a:srgbClr val="000000"/>
+              </a:solidFill>
+              <a:highlight>
+                <a:schemeClr val="lt1"/>
+              </a:highlight>
+              <a:latin typeface="Times New Roman"/>
+              <a:ea typeface="Times New Roman"/>
+              <a:cs typeface="Times New Roman"/>
+              <a:sym typeface="Times New Roman"/>
+            </a:endParaRPr>
+          </a:p>
+          <a:p>
+            <a:pPr indent="0" lvl="0" marL="0" rtl="0" algn="l">
+              <a:spcBef>
+                <a:spcPts val="0"/>
+              </a:spcBef>
+              <a:spcAft>
+                <a:spcPts val="1200"/>
+              </a:spcAft>
+              <a:buNone/>
+            </a:pPr>
+            <a:r>
+              <a:t/>
+            </a:r>
+            <a:endParaRPr/>
+          </a:p>
+        </p:txBody>
+      </p:sp>
+    </p:spTree>
+  </p:cSld>
+  <p:clrMapOvr>
+    <a:masterClrMapping/>
+  </p:clrMapOvr>
+</p:sld>
+</file>
+
+<file path=ppt/slides/slide23.xml><?xml version="1.0" encoding="utf-8"?>
+<p:sld xmlns:a="http://schemas.openxmlformats.org/drawingml/2006/main" xmlns:r="http://schemas.openxmlformats.org/officeDocument/2006/relationships" xmlns:mc="http://schemas.openxmlformats.org/markup-compatibility/2006" xmlns:mv="urn:schemas-microsoft-com:mac:vml" xmlns:p="http://schemas.openxmlformats.org/presentationml/2006/main" xmlns:c="http://schemas.openxmlformats.org/drawingml/2006/chart" xmlns:dgm="http://schemas.openxmlformats.org/drawingml/2006/diagram" xmlns:o="urn:schemas-microsoft-com:office:office" xmlns:v="urn:schemas-microsoft-com:vml" xmlns:pvml="urn:schemas-microsoft-com:office:powerpoint" xmlns:com="http://schemas.openxmlformats.org/drawingml/2006/compatibility" xmlns:p14="http://schemas.microsoft.com/office/powerpoint/2010/main" xmlns:p15="http://schemas.microsoft.com/office/powerpoint/2012/main" xmlns:ahyp="http://schemas.microsoft.com/office/drawing/2018/hyperlinkcolor">
+  <p:cSld>
+    <p:spTree>
+      <p:nvGrpSpPr>
+        <p:cNvPr id="245" name="Shape 245"/>
+        <p:cNvGrpSpPr/>
+        <p:nvPr/>
+      </p:nvGrpSpPr>
+      <p:grpSpPr>
+        <a:xfrm>
+          <a:off x="0" y="0"/>
+          <a:ext cx="0" cy="0"/>
+          <a:chOff x="0" y="0"/>
+          <a:chExt cx="0" cy="0"/>
+        </a:xfrm>
+      </p:grpSpPr>
+      <p:sp>
+        <p:nvSpPr>
+          <p:cNvPr id="246" name="Google Shape;246;p35"/>
+          <p:cNvSpPr txBox="1"/>
+          <p:nvPr>
+            <p:ph idx="1" type="body"/>
+          </p:nvPr>
+        </p:nvSpPr>
+        <p:spPr>
+          <a:xfrm>
+            <a:off x="355225" y="403475"/>
+            <a:ext cx="7981200" cy="4075200"/>
+          </a:xfrm>
+          <a:prstGeom prst="rect">
+            <a:avLst/>
+          </a:prstGeom>
+        </p:spPr>
+        <p:txBody>
+          <a:bodyPr anchorCtr="0" anchor="t" bIns="91425" lIns="91425" spcFirstLastPara="1" rIns="91425" wrap="square" tIns="91425">
+            <a:noAutofit/>
+          </a:bodyPr>
+          <a:lstStyle/>
+          <a:p>
+            <a:pPr indent="-349250" lvl="2" marL="1371600" rtl="0" algn="l">
+              <a:spcBef>
+                <a:spcPts val="0"/>
+              </a:spcBef>
+              <a:spcAft>
+                <a:spcPts val="0"/>
+              </a:spcAft>
+              <a:buClr>
+                <a:srgbClr val="000000"/>
+              </a:buClr>
+              <a:buSzPts val="1900"/>
+              <a:buFont typeface="Times New Roman"/>
+              <a:buChar char="■"/>
+            </a:pPr>
+            <a:r>
+              <a:rPr lang="en" sz="1900">
+                <a:solidFill>
+                  <a:srgbClr val="000000"/>
+                </a:solidFill>
+                <a:highlight>
+                  <a:schemeClr val="lt1"/>
+                </a:highlight>
+                <a:latin typeface="Times New Roman"/>
+                <a:ea typeface="Times New Roman"/>
+                <a:cs typeface="Times New Roman"/>
+                <a:sym typeface="Times New Roman"/>
+              </a:rPr>
+              <a:t>Selecting a day will also allow users to move a day’s events to another day.</a:t>
+            </a:r>
+            <a:endParaRPr sz="1900">
+              <a:solidFill>
+                <a:srgbClr val="000000"/>
+              </a:solidFill>
+              <a:highlight>
+                <a:schemeClr val="lt1"/>
+              </a:highlight>
+              <a:latin typeface="Times New Roman"/>
+              <a:ea typeface="Times New Roman"/>
+              <a:cs typeface="Times New Roman"/>
+              <a:sym typeface="Times New Roman"/>
+            </a:endParaRPr>
+          </a:p>
+          <a:p>
+            <a:pPr indent="-349250" lvl="3" marL="1828800" rtl="0" algn="l">
+              <a:spcBef>
+                <a:spcPts val="0"/>
+              </a:spcBef>
+              <a:spcAft>
+                <a:spcPts val="0"/>
+              </a:spcAft>
+              <a:buClr>
+                <a:srgbClr val="000000"/>
+              </a:buClr>
+              <a:buSzPts val="1900"/>
+              <a:buFont typeface="Times New Roman"/>
+              <a:buChar char="●"/>
+            </a:pPr>
+            <a:r>
+              <a:rPr lang="en" sz="1900">
+                <a:solidFill>
+                  <a:srgbClr val="000000"/>
+                </a:solidFill>
+                <a:highlight>
+                  <a:schemeClr val="lt1"/>
+                </a:highlight>
+                <a:latin typeface="Times New Roman"/>
+                <a:ea typeface="Times New Roman"/>
+                <a:cs typeface="Times New Roman"/>
+                <a:sym typeface="Times New Roman"/>
+              </a:rPr>
+              <a:t>If a day’s events are not available at the set times on the day they are being moved to, a warning alert will be provided telling the user which events are not available on the day they are being moved to</a:t>
+            </a:r>
+            <a:endParaRPr sz="1900">
+              <a:solidFill>
+                <a:srgbClr val="000000"/>
+              </a:solidFill>
+              <a:highlight>
+                <a:schemeClr val="lt1"/>
+              </a:highlight>
+              <a:latin typeface="Times New Roman"/>
+              <a:ea typeface="Times New Roman"/>
+              <a:cs typeface="Times New Roman"/>
+              <a:sym typeface="Times New Roman"/>
+            </a:endParaRPr>
+          </a:p>
+          <a:p>
+            <a:pPr indent="-349250" lvl="1" marL="914400" rtl="0" algn="l">
+              <a:spcBef>
+                <a:spcPts val="0"/>
+              </a:spcBef>
+              <a:spcAft>
+                <a:spcPts val="0"/>
+              </a:spcAft>
+              <a:buClr>
+                <a:srgbClr val="000000"/>
+              </a:buClr>
+              <a:buSzPts val="1900"/>
+              <a:buFont typeface="Times New Roman"/>
+              <a:buChar char="○"/>
+            </a:pPr>
+            <a:r>
+              <a:rPr lang="en" sz="1900">
+                <a:solidFill>
+                  <a:srgbClr val="000000"/>
+                </a:solidFill>
+                <a:highlight>
+                  <a:schemeClr val="lt1"/>
+                </a:highlight>
+                <a:latin typeface="Times New Roman"/>
+                <a:ea typeface="Times New Roman"/>
+                <a:cs typeface="Times New Roman"/>
+                <a:sym typeface="Times New Roman"/>
+              </a:rPr>
+              <a:t>A deleted option will be provided for each itinerary</a:t>
+            </a:r>
+            <a:endParaRPr sz="1900">
+              <a:solidFill>
+                <a:srgbClr val="000000"/>
+              </a:solidFill>
+              <a:highlight>
+                <a:schemeClr val="lt1"/>
+              </a:highlight>
+              <a:latin typeface="Times New Roman"/>
+              <a:ea typeface="Times New Roman"/>
+              <a:cs typeface="Times New Roman"/>
+              <a:sym typeface="Times New Roman"/>
+            </a:endParaRPr>
+          </a:p>
+          <a:p>
+            <a:pPr indent="-349250" lvl="2" marL="1371600" rtl="0" algn="l">
+              <a:spcBef>
+                <a:spcPts val="0"/>
+              </a:spcBef>
+              <a:spcAft>
+                <a:spcPts val="0"/>
+              </a:spcAft>
+              <a:buClr>
+                <a:srgbClr val="000000"/>
+              </a:buClr>
+              <a:buSzPts val="1900"/>
+              <a:buFont typeface="Times New Roman"/>
+              <a:buChar char="■"/>
+            </a:pPr>
+            <a:r>
+              <a:rPr lang="en" sz="1900">
+                <a:solidFill>
+                  <a:srgbClr val="000000"/>
+                </a:solidFill>
+                <a:highlight>
+                  <a:schemeClr val="lt1"/>
+                </a:highlight>
+                <a:latin typeface="Times New Roman"/>
+                <a:ea typeface="Times New Roman"/>
+                <a:cs typeface="Times New Roman"/>
+                <a:sym typeface="Times New Roman"/>
+              </a:rPr>
+              <a:t>Once clicked, a warning message will be displayed asking if the user is sure they want to delete the itinerary</a:t>
+            </a:r>
+            <a:endParaRPr sz="1900">
+              <a:solidFill>
+                <a:srgbClr val="000000"/>
+              </a:solidFill>
+              <a:highlight>
+                <a:schemeClr val="lt1"/>
+              </a:highlight>
+              <a:latin typeface="Times New Roman"/>
+              <a:ea typeface="Times New Roman"/>
+              <a:cs typeface="Times New Roman"/>
+              <a:sym typeface="Times New Roman"/>
+            </a:endParaRPr>
+          </a:p>
+          <a:p>
+            <a:pPr indent="-349250" lvl="3" marL="1828800" rtl="0" algn="l">
+              <a:spcBef>
+                <a:spcPts val="0"/>
+              </a:spcBef>
+              <a:spcAft>
+                <a:spcPts val="0"/>
+              </a:spcAft>
+              <a:buClr>
+                <a:srgbClr val="000000"/>
+              </a:buClr>
+              <a:buSzPts val="1900"/>
+              <a:buFont typeface="Times New Roman"/>
+              <a:buChar char="●"/>
+            </a:pPr>
+            <a:r>
+              <a:rPr lang="en" sz="1900">
+                <a:solidFill>
+                  <a:srgbClr val="000000"/>
+                </a:solidFill>
+                <a:highlight>
+                  <a:schemeClr val="lt1"/>
+                </a:highlight>
+                <a:latin typeface="Times New Roman"/>
+                <a:ea typeface="Times New Roman"/>
+                <a:cs typeface="Times New Roman"/>
+                <a:sym typeface="Times New Roman"/>
+              </a:rPr>
+              <a:t>Will default to no</a:t>
+            </a:r>
+            <a:endParaRPr sz="1900">
+              <a:solidFill>
+                <a:srgbClr val="000000"/>
+              </a:solidFill>
+              <a:highlight>
+                <a:schemeClr val="lt1"/>
+              </a:highlight>
+              <a:latin typeface="Times New Roman"/>
+              <a:ea typeface="Times New Roman"/>
+              <a:cs typeface="Times New Roman"/>
+              <a:sym typeface="Times New Roman"/>
+            </a:endParaRPr>
+          </a:p>
+          <a:p>
+            <a:pPr indent="-349250" lvl="3" marL="1828800" rtl="0" algn="l">
+              <a:spcBef>
+                <a:spcPts val="0"/>
+              </a:spcBef>
+              <a:spcAft>
+                <a:spcPts val="0"/>
+              </a:spcAft>
+              <a:buClr>
+                <a:srgbClr val="000000"/>
+              </a:buClr>
+              <a:buSzPts val="1900"/>
+              <a:buFont typeface="Times New Roman"/>
+              <a:buChar char="●"/>
+            </a:pPr>
+            <a:r>
+              <a:rPr lang="en" sz="1900">
+                <a:solidFill>
+                  <a:srgbClr val="000000"/>
+                </a:solidFill>
+                <a:highlight>
+                  <a:schemeClr val="lt1"/>
+                </a:highlight>
+                <a:latin typeface="Times New Roman"/>
+                <a:ea typeface="Times New Roman"/>
+                <a:cs typeface="Times New Roman"/>
+                <a:sym typeface="Times New Roman"/>
+              </a:rPr>
+              <a:t>If the user clicks yes, the itinerary will be deleted</a:t>
+            </a:r>
+            <a:endParaRPr sz="1900">
+              <a:solidFill>
+                <a:srgbClr val="000000"/>
+              </a:solidFill>
+              <a:highlight>
+                <a:schemeClr val="lt1"/>
+              </a:highlight>
+              <a:latin typeface="Times New Roman"/>
+              <a:ea typeface="Times New Roman"/>
+              <a:cs typeface="Times New Roman"/>
+              <a:sym typeface="Times New Roman"/>
+            </a:endParaRPr>
+          </a:p>
+          <a:p>
+            <a:pPr indent="0" lvl="0" marL="0" rtl="0" algn="l">
+              <a:spcBef>
+                <a:spcPts val="0"/>
+              </a:spcBef>
+              <a:spcAft>
+                <a:spcPts val="1200"/>
+              </a:spcAft>
+              <a:buNone/>
+            </a:pPr>
+            <a:r>
+              <a:t/>
+            </a:r>
+            <a:endParaRPr/>
+          </a:p>
+        </p:txBody>
+      </p:sp>
+    </p:spTree>
+  </p:cSld>
+  <p:clrMapOvr>
+    <a:masterClrMapping/>
+  </p:clrMapOvr>
+</p:sld>
+</file>
+
+<file path=ppt/slides/slide24.xml><?xml version="1.0" encoding="utf-8"?>
+<p:sld xmlns:a="http://schemas.openxmlformats.org/drawingml/2006/main" xmlns:r="http://schemas.openxmlformats.org/officeDocument/2006/relationships" xmlns:mc="http://schemas.openxmlformats.org/markup-compatibility/2006" xmlns:mv="urn:schemas-microsoft-com:mac:vml" xmlns:p="http://schemas.openxmlformats.org/presentationml/2006/main" xmlns:c="http://schemas.openxmlformats.org/drawingml/2006/chart" xmlns:dgm="http://schemas.openxmlformats.org/drawingml/2006/diagram" xmlns:o="urn:schemas-microsoft-com:office:office" xmlns:v="urn:schemas-microsoft-com:vml" xmlns:pvml="urn:schemas-microsoft-com:office:powerpoint" xmlns:com="http://schemas.openxmlformats.org/drawingml/2006/compatibility" xmlns:p14="http://schemas.microsoft.com/office/powerpoint/2010/main" xmlns:p15="http://schemas.microsoft.com/office/powerpoint/2012/main" xmlns:ahyp="http://schemas.microsoft.com/office/drawing/2018/hyperlinkcolor">
+  <p:cSld>
+    <p:spTree>
+      <p:nvGrpSpPr>
+        <p:cNvPr id="250" name="Shape 250"/>
+        <p:cNvGrpSpPr/>
+        <p:nvPr/>
+      </p:nvGrpSpPr>
+      <p:grpSpPr>
+        <a:xfrm>
+          <a:off x="0" y="0"/>
+          <a:ext cx="0" cy="0"/>
+          <a:chOff x="0" y="0"/>
+          <a:chExt cx="0" cy="0"/>
+        </a:xfrm>
+      </p:grpSpPr>
+      <p:sp>
+        <p:nvSpPr>
+          <p:cNvPr id="251" name="Google Shape;251;p36"/>
+          <p:cNvSpPr txBox="1"/>
+          <p:nvPr>
+            <p:ph idx="1" type="body"/>
+          </p:nvPr>
+        </p:nvSpPr>
+        <p:spPr>
+          <a:xfrm>
+            <a:off x="377175" y="403475"/>
+            <a:ext cx="7959300" cy="4075200"/>
           </a:xfrm>
           <a:prstGeom prst="rect">
             <a:avLst/>
@@ -13401,44 +14895,177 @@
           </a:bodyPr>
           <a:lstStyle/>
           <a:p>
-            <a:pPr indent="0" lvl="0" marL="0" rtl="0" algn="l">
-              <a:spcBef>
-                <a:spcPts val="0"/>
-              </a:spcBef>
-              <a:spcAft>
-                <a:spcPts val="0"/>
-              </a:spcAft>
-              <a:buNone/>
+            <a:pPr indent="-349250" lvl="0" marL="457200" rtl="0" algn="l">
+              <a:spcBef>
+                <a:spcPts val="0"/>
+              </a:spcBef>
+              <a:spcAft>
+                <a:spcPts val="0"/>
+              </a:spcAft>
+              <a:buClr>
+                <a:srgbClr val="000000"/>
+              </a:buClr>
+              <a:buSzPts val="1900"/>
+              <a:buFont typeface="Times New Roman"/>
+              <a:buChar char="●"/>
             </a:pPr>
             <a:r>
-              <a:t/>
+              <a:rPr lang="en" sz="1900">
+                <a:solidFill>
+                  <a:srgbClr val="000000"/>
+                </a:solidFill>
+                <a:highlight>
+                  <a:schemeClr val="lt1"/>
+                </a:highlight>
+                <a:latin typeface="Times New Roman"/>
+                <a:ea typeface="Times New Roman"/>
+                <a:cs typeface="Times New Roman"/>
+                <a:sym typeface="Times New Roman"/>
+              </a:rPr>
+              <a:t>Account</a:t>
             </a:r>
-            <a:endParaRPr/>
+            <a:endParaRPr sz="1900">
+              <a:solidFill>
+                <a:srgbClr val="000000"/>
+              </a:solidFill>
+              <a:highlight>
+                <a:schemeClr val="lt1"/>
+              </a:highlight>
+              <a:latin typeface="Times New Roman"/>
+              <a:ea typeface="Times New Roman"/>
+              <a:cs typeface="Times New Roman"/>
+              <a:sym typeface="Times New Roman"/>
+            </a:endParaRPr>
           </a:p>
-        </p:txBody>
-      </p:sp>
-      <p:sp>
-        <p:nvSpPr>
-          <p:cNvPr id="240" name="Google Shape;240;p33"/>
-          <p:cNvSpPr txBox="1"/>
-          <p:nvPr>
-            <p:ph idx="1" type="body"/>
-          </p:nvPr>
-        </p:nvSpPr>
-        <p:spPr>
-          <a:xfrm>
-            <a:off x="1297500" y="1567550"/>
-            <a:ext cx="7038900" cy="2911200"/>
-          </a:xfrm>
-          <a:prstGeom prst="rect">
-            <a:avLst/>
-          </a:prstGeom>
-        </p:spPr>
-        <p:txBody>
-          <a:bodyPr anchorCtr="0" anchor="t" bIns="91425" lIns="91425" spcFirstLastPara="1" rIns="91425" wrap="square" tIns="91425">
-            <a:normAutofit/>
-          </a:bodyPr>
-          <a:lstStyle/>
+          <a:p>
+            <a:pPr indent="-349250" lvl="1" marL="914400" rtl="0" algn="l">
+              <a:spcBef>
+                <a:spcPts val="0"/>
+              </a:spcBef>
+              <a:spcAft>
+                <a:spcPts val="0"/>
+              </a:spcAft>
+              <a:buClr>
+                <a:srgbClr val="000000"/>
+              </a:buClr>
+              <a:buSzPts val="1900"/>
+              <a:buFont typeface="Times New Roman"/>
+              <a:buChar char="○"/>
+            </a:pPr>
+            <a:r>
+              <a:rPr lang="en" sz="1900">
+                <a:solidFill>
+                  <a:srgbClr val="000000"/>
+                </a:solidFill>
+                <a:highlight>
+                  <a:schemeClr val="lt1"/>
+                </a:highlight>
+                <a:latin typeface="Times New Roman"/>
+                <a:ea typeface="Times New Roman"/>
+                <a:cs typeface="Times New Roman"/>
+                <a:sym typeface="Times New Roman"/>
+              </a:rPr>
+              <a:t>Once clicked, the user will be presented an account page</a:t>
+            </a:r>
+            <a:endParaRPr sz="1900">
+              <a:solidFill>
+                <a:srgbClr val="000000"/>
+              </a:solidFill>
+              <a:highlight>
+                <a:schemeClr val="lt1"/>
+              </a:highlight>
+              <a:latin typeface="Times New Roman"/>
+              <a:ea typeface="Times New Roman"/>
+              <a:cs typeface="Times New Roman"/>
+              <a:sym typeface="Times New Roman"/>
+            </a:endParaRPr>
+          </a:p>
+          <a:p>
+            <a:pPr indent="-349250" lvl="2" marL="1371600" rtl="0" algn="l">
+              <a:spcBef>
+                <a:spcPts val="0"/>
+              </a:spcBef>
+              <a:spcAft>
+                <a:spcPts val="0"/>
+              </a:spcAft>
+              <a:buClr>
+                <a:srgbClr val="000000"/>
+              </a:buClr>
+              <a:buSzPts val="1900"/>
+              <a:buFont typeface="Times New Roman"/>
+              <a:buChar char="■"/>
+            </a:pPr>
+            <a:r>
+              <a:rPr lang="en" sz="1900">
+                <a:solidFill>
+                  <a:srgbClr val="000000"/>
+                </a:solidFill>
+                <a:highlight>
+                  <a:schemeClr val="lt1"/>
+                </a:highlight>
+                <a:latin typeface="Times New Roman"/>
+                <a:ea typeface="Times New Roman"/>
+                <a:cs typeface="Times New Roman"/>
+                <a:sym typeface="Times New Roman"/>
+              </a:rPr>
+              <a:t>This page will display user’s current information:</a:t>
+            </a:r>
+            <a:endParaRPr sz="1900">
+              <a:solidFill>
+                <a:srgbClr val="000000"/>
+              </a:solidFill>
+              <a:highlight>
+                <a:schemeClr val="lt1"/>
+              </a:highlight>
+              <a:latin typeface="Times New Roman"/>
+              <a:ea typeface="Times New Roman"/>
+              <a:cs typeface="Times New Roman"/>
+              <a:sym typeface="Times New Roman"/>
+            </a:endParaRPr>
+          </a:p>
+          <a:p>
+            <a:pPr indent="-349250" lvl="3" marL="1828800" rtl="0" algn="l">
+              <a:spcBef>
+                <a:spcPts val="0"/>
+              </a:spcBef>
+              <a:spcAft>
+                <a:spcPts val="0"/>
+              </a:spcAft>
+              <a:buClr>
+                <a:srgbClr val="000000"/>
+              </a:buClr>
+              <a:buSzPts val="1900"/>
+              <a:buFont typeface="Times New Roman"/>
+              <a:buChar char="●"/>
+            </a:pPr>
+            <a:r>
+              <a:rPr lang="en" sz="1900">
+                <a:solidFill>
+                  <a:srgbClr val="000000"/>
+                </a:solidFill>
+                <a:highlight>
+                  <a:schemeClr val="lt1"/>
+                </a:highlight>
+                <a:latin typeface="Times New Roman"/>
+                <a:ea typeface="Times New Roman"/>
+                <a:cs typeface="Times New Roman"/>
+                <a:sym typeface="Times New Roman"/>
+              </a:rPr>
+              <a:t>Their username</a:t>
+            </a:r>
+            <a:endParaRPr sz="1900">
+              <a:solidFill>
+                <a:srgbClr val="000000"/>
+              </a:solidFill>
+              <a:highlight>
+                <a:schemeClr val="lt1"/>
+              </a:highlight>
+              <a:latin typeface="Times New Roman"/>
+              <a:ea typeface="Times New Roman"/>
+              <a:cs typeface="Times New Roman"/>
+              <a:sym typeface="Times New Roman"/>
+            </a:endParaRPr>
+          </a:p>
           <a:p>
             <a:pPr indent="0" lvl="0" marL="0" rtl="0" algn="l">
               <a:spcBef>
@@ -14793,6 +16420,285 @@
 </file>
 
 <file path=ppt/theme/theme1.xml><?xml version="1.0" encoding="utf-8"?>
+<a:theme xmlns:a="http://schemas.openxmlformats.org/drawingml/2006/main" xmlns:r="http://schemas.openxmlformats.org/officeDocument/2006/relationships">
+  <a:themeElements>
+    <a:clrScheme name="Default">
+      <a:dk1>
+        <a:srgbClr val="000000"/>
+      </a:dk1>
+      <a:lt1>
+        <a:srgbClr val="FFFFFF"/>
+      </a:lt1>
+      <a:dk2>
+        <a:srgbClr val="158158"/>
+      </a:dk2>
+      <a:lt2>
+        <a:srgbClr val="F3F3F3"/>
+      </a:lt2>
+      <a:accent1>
+        <a:srgbClr val="058DC7"/>
+      </a:accent1>
+      <a:accent2>
+        <a:srgbClr val="50B432"/>
+      </a:accent2>
+      <a:accent3>
+        <a:srgbClr val="ED561B"/>
+      </a:accent3>
+      <a:accent4>
+        <a:srgbClr val="EDEF00"/>
+      </a:accent4>
+      <a:accent5>
+        <a:srgbClr val="24CBE5"/>
+      </a:accent5>
+      <a:accent6>
+        <a:srgbClr val="64E572"/>
+      </a:accent6>
+      <a:hlink>
+        <a:srgbClr val="2200CC"/>
+      </a:hlink>
+      <a:folHlink>
+        <a:srgbClr val="551A8B"/>
+      </a:folHlink>
+    </a:clrScheme>
+    <a:fontScheme name="Office">
+      <a:majorFont>
+        <a:latin typeface="Arial"/>
+        <a:ea typeface=""/>
+        <a:cs typeface=""/>
+        <a:font script="Jpan" typeface="ＭＳ Ｐゴシック"/>
+        <a:font script="Hang" typeface="맑은 고딕"/>
+        <a:font script="Hans" typeface="宋体"/>
+        <a:font script="Hant" typeface="新細明體"/>
+        <a:font script="Arab" typeface="Times New Roman"/>
+        <a:font script="Hebr" typeface="Times New Roman"/>
+        <a:font script="Thai" typeface="Angsana New"/>
+        <a:font script="Ethi" typeface="Nyala"/>
+        <a:font script="Beng" typeface="Vrinda"/>
+        <a:font script="Gujr" typeface="Shruti"/>
+        <a:font script="Khmr" typeface="MoolBoran"/>
+        <a:font script="Knda" typeface="Tunga"/>
+        <a:font script="Guru" typeface="Raavi"/>
+        <a:font script="Cans" typeface="Euphemia"/>
+        <a:font script="Cher" typeface="Plantagenet Cherokee"/>
+        <a:font script="Yiii" typeface="Microsoft Yi Baiti"/>
+        <a:font script="Tibt" typeface="Microsoft Himalaya"/>
+        <a:font script="Thaa" typeface="MV Boli"/>
+        <a:font script="Deva" typeface="Mangal"/>
+        <a:font script="Telu" typeface="Gautami"/>
+        <a:font script="Taml" typeface="Latha"/>
+        <a:font script="Syrc" typeface="Estrangelo Edessa"/>
+        <a:font script="Orya" typeface="Kalinga"/>
+        <a:font script="Mlym" typeface="Kartika"/>
+        <a:font script="Laoo" typeface="DokChampa"/>
+        <a:font script="Sinh" typeface="Iskoola Pota"/>
+        <a:font script="Mong" typeface="Mongolian Baiti"/>
+        <a:font script="Viet" typeface="Times New Roman"/>
+        <a:font script="Uigh" typeface="Microsoft Uighur"/>
+        <a:font script="Geor" typeface="Sylfaen"/>
+      </a:majorFont>
+      <a:minorFont>
+        <a:latin typeface="Arial"/>
+        <a:ea typeface=""/>
+        <a:cs typeface=""/>
+        <a:font script="Jpan" typeface="ＭＳ Ｐゴシック"/>
+        <a:font script="Hang" typeface="맑은 고딕"/>
+        <a:font script="Hans" typeface="宋体"/>
+        <a:font script="Hant" typeface="新細明體"/>
+        <a:font script="Arab" typeface="Arial"/>
+        <a:font script="Hebr" typeface="Arial"/>
+        <a:font script="Thai" typeface="Cordia New"/>
+        <a:font script="Ethi" typeface="Nyala"/>
+        <a:font script="Beng" typeface="Vrinda"/>
+        <a:font script="Gujr" typeface="Shruti"/>
+        <a:font script="Khmr" typeface="DaunPenh"/>
+        <a:font script="Knda" typeface="Tunga"/>
+        <a:font script="Guru" typeface="Raavi"/>
+        <a:font script="Cans" typeface="Euphemia"/>
+        <a:font script="Cher" typeface="Plantagenet Cherokee"/>
+        <a:font script="Yiii" typeface="Microsoft Yi Baiti"/>
+        <a:font script="Tibt" typeface="Microsoft Himalaya"/>
+        <a:font script="Thaa" typeface="MV Boli"/>
+        <a:font script="Deva" typeface="Mangal"/>
+        <a:font script="Telu" typeface="Gautami"/>
+        <a:font script="Taml" typeface="Latha"/>
+        <a:font script="Syrc" typeface="Estrangelo Edessa"/>
+        <a:font script="Orya" typeface="Kalinga"/>
+        <a:font script="Mlym" typeface="Kartika"/>
+        <a:font script="Laoo" typeface="DokChampa"/>
+        <a:font script="Sinh" typeface="Iskoola Pota"/>
+        <a:font script="Mong" typeface="Mongolian Baiti"/>
+        <a:font script="Viet" typeface="Arial"/>
+        <a:font script="Uigh" typeface="Microsoft Uighur"/>
+        <a:font script="Geor" typeface="Sylfaen"/>
+      </a:minorFont>
+    </a:fontScheme>
+    <a:fmtScheme name="Office">
+      <a:fillStyleLst>
+        <a:solidFill>
+          <a:schemeClr val="phClr"/>
+        </a:solidFill>
+        <a:gradFill rotWithShape="1">
+          <a:gsLst>
+            <a:gs pos="0">
+              <a:schemeClr val="phClr">
+                <a:tint val="50000"/>
+                <a:satMod val="300000"/>
+              </a:schemeClr>
+            </a:gs>
+            <a:gs pos="35000">
+              <a:schemeClr val="phClr">
+                <a:tint val="37000"/>
+                <a:satMod val="300000"/>
+              </a:schemeClr>
+            </a:gs>
+            <a:gs pos="100000">
+              <a:schemeClr val="phClr">
+                <a:tint val="15000"/>
+                <a:satMod val="350000"/>
+              </a:schemeClr>
+            </a:gs>
+          </a:gsLst>
+          <a:lin ang="16200000" scaled="1"/>
+        </a:gradFill>
+        <a:gradFill rotWithShape="1">
+          <a:gsLst>
+            <a:gs pos="0">
+              <a:schemeClr val="phClr">
+                <a:tint val="100000"/>
+                <a:shade val="100000"/>
+                <a:satMod val="130000"/>
+              </a:schemeClr>
+            </a:gs>
+            <a:gs pos="100000">
+              <a:schemeClr val="phClr">
+                <a:tint val="50000"/>
+                <a:shade val="100000"/>
+                <a:satMod val="350000"/>
+              </a:schemeClr>
+            </a:gs>
+          </a:gsLst>
+          <a:lin ang="16200000" scaled="0"/>
+        </a:gradFill>
+      </a:fillStyleLst>
+      <a:lnStyleLst>
+        <a:ln w="9525" cap="flat" cmpd="sng" algn="ctr">
+          <a:solidFill>
+            <a:schemeClr val="phClr">
+              <a:shade val="95000"/>
+              <a:satMod val="105000"/>
+            </a:schemeClr>
+          </a:solidFill>
+          <a:prstDash val="solid"/>
+        </a:ln>
+        <a:ln w="25400" cap="flat" cmpd="sng" algn="ctr">
+          <a:solidFill>
+            <a:schemeClr val="phClr"/>
+          </a:solidFill>
+          <a:prstDash val="solid"/>
+        </a:ln>
+        <a:ln w="38100" cap="flat" cmpd="sng" algn="ctr">
+          <a:solidFill>
+            <a:schemeClr val="phClr"/>
+          </a:solidFill>
+          <a:prstDash val="solid"/>
+        </a:ln>
+      </a:lnStyleLst>
+      <a:effectStyleLst>
+        <a:effectStyle>
+          <a:effectLst>
+            <a:outerShdw blurRad="40000" dist="20000" dir="5400000" rotWithShape="0">
+              <a:srgbClr val="000000">
+                <a:alpha val="38000"/>
+              </a:srgbClr>
+            </a:outerShdw>
+          </a:effectLst>
+        </a:effectStyle>
+        <a:effectStyle>
+          <a:effectLst>
+            <a:outerShdw blurRad="40000" dist="23000" dir="5400000" rotWithShape="0">
+              <a:srgbClr val="000000">
+                <a:alpha val="35000"/>
+              </a:srgbClr>
+            </a:outerShdw>
+          </a:effectLst>
+        </a:effectStyle>
+        <a:effectStyle>
+          <a:effectLst>
+            <a:outerShdw blurRad="40000" dist="23000" dir="5400000" rotWithShape="0">
+              <a:srgbClr val="000000">
+                <a:alpha val="35000"/>
+              </a:srgbClr>
+            </a:outerShdw>
+          </a:effectLst>
+          <a:scene3d>
+            <a:camera prst="orthographicFront">
+              <a:rot lat="0" lon="0" rev="0"/>
+            </a:camera>
+            <a:lightRig rig="threePt" dir="t">
+              <a:rot lat="0" lon="0" rev="1200000"/>
+            </a:lightRig>
+          </a:scene3d>
+          <a:sp3d>
+            <a:bevelT w="63500" h="25400"/>
+          </a:sp3d>
+        </a:effectStyle>
+      </a:effectStyleLst>
+      <a:bgFillStyleLst>
+        <a:solidFill>
+          <a:schemeClr val="phClr"/>
+        </a:solidFill>
+        <a:gradFill rotWithShape="1">
+          <a:gsLst>
+            <a:gs pos="0">
+              <a:schemeClr val="phClr">
+                <a:tint val="40000"/>
+                <a:satMod val="350000"/>
+              </a:schemeClr>
+            </a:gs>
+            <a:gs pos="40000">
+              <a:schemeClr val="phClr">
+                <a:tint val="45000"/>
+                <a:shade val="99000"/>
+                <a:satMod val="350000"/>
+              </a:schemeClr>
+            </a:gs>
+            <a:gs pos="100000">
+              <a:schemeClr val="phClr">
+                <a:shade val="20000"/>
+                <a:satMod val="255000"/>
+              </a:schemeClr>
+            </a:gs>
+          </a:gsLst>
+          <a:path path="circle">
+            <a:fillToRect l="50000" t="-80000" r="50000" b="180000"/>
+          </a:path>
+        </a:gradFill>
+        <a:gradFill rotWithShape="1">
+          <a:gsLst>
+            <a:gs pos="0">
+              <a:schemeClr val="phClr">
+                <a:tint val="80000"/>
+                <a:satMod val="300000"/>
+              </a:schemeClr>
+            </a:gs>
+            <a:gs pos="100000">
+              <a:schemeClr val="phClr">
+                <a:shade val="30000"/>
+                <a:satMod val="200000"/>
+              </a:schemeClr>
+            </a:gs>
+          </a:gsLst>
+          <a:path path="circle">
+            <a:fillToRect l="50000" t="50000" r="50000" b="50000"/>
+          </a:path>
+        </a:gradFill>
+      </a:bgFillStyleLst>
+    </a:fmtScheme>
+  </a:themeElements>
+</a:theme>
+</file>
+
+<file path=ppt/theme/theme2.xml><?xml version="1.0" encoding="utf-8"?>
 <a:theme xmlns:a="http://schemas.openxmlformats.org/drawingml/2006/main" xmlns:r="http://schemas.openxmlformats.org/officeDocument/2006/relationships" name="Focus">
   <a:themeElements>
     <a:clrScheme name="Focus">
@@ -15069,283 +16975,4 @@
     </a:fmtScheme>
   </a:themeElements>
 </a:theme>
-</file>
-
-<file path=ppt/theme/theme2.xml><?xml version="1.0" encoding="utf-8"?>
-<a:theme xmlns:a="http://schemas.openxmlformats.org/drawingml/2006/main" xmlns:r="http://schemas.openxmlformats.org/officeDocument/2006/relationships">
-  <a:themeElements>
-    <a:clrScheme name="Default">
-      <a:dk1>
-        <a:srgbClr val="000000"/>
-      </a:dk1>
-      <a:lt1>
-        <a:srgbClr val="FFFFFF"/>
-      </a:lt1>
-      <a:dk2>
-        <a:srgbClr val="158158"/>
-      </a:dk2>
-      <a:lt2>
-        <a:srgbClr val="F3F3F3"/>
-      </a:lt2>
-      <a:accent1>
-        <a:srgbClr val="058DC7"/>
-      </a:accent1>
-      <a:accent2>
-        <a:srgbClr val="50B432"/>
-      </a:accent2>
-      <a:accent3>
-        <a:srgbClr val="ED561B"/>
-      </a:accent3>
-      <a:accent4>
-        <a:srgbClr val="EDEF00"/>
-      </a:accent4>
-      <a:accent5>
-        <a:srgbClr val="24CBE5"/>
-      </a:accent5>
-      <a:accent6>
-        <a:srgbClr val="64E572"/>
-      </a:accent6>
-      <a:hlink>
-        <a:srgbClr val="2200CC"/>
-      </a:hlink>
-      <a:folHlink>
-        <a:srgbClr val="551A8B"/>
-      </a:folHlink>
-    </a:clrScheme>
-    <a:fontScheme name="Office">
-      <a:majorFont>
-        <a:latin typeface="Arial"/>
-        <a:ea typeface=""/>
-        <a:cs typeface=""/>
-        <a:font script="Jpan" typeface="ＭＳ Ｐゴシック"/>
-        <a:font script="Hang" typeface="맑은 고딕"/>
-        <a:font script="Hans" typeface="宋体"/>
-        <a:font script="Hant" typeface="新細明體"/>
-        <a:font script="Arab" typeface="Times New Roman"/>
-        <a:font script="Hebr" typeface="Times New Roman"/>
-        <a:font script="Thai" typeface="Angsana New"/>
-        <a:font script="Ethi" typeface="Nyala"/>
-        <a:font script="Beng" typeface="Vrinda"/>
-        <a:font script="Gujr" typeface="Shruti"/>
-        <a:font script="Khmr" typeface="MoolBoran"/>
-        <a:font script="Knda" typeface="Tunga"/>
-        <a:font script="Guru" typeface="Raavi"/>
-        <a:font script="Cans" typeface="Euphemia"/>
-        <a:font script="Cher" typeface="Plantagenet Cherokee"/>
-        <a:font script="Yiii" typeface="Microsoft Yi Baiti"/>
-        <a:font script="Tibt" typeface="Microsoft Himalaya"/>
-        <a:font script="Thaa" typeface="MV Boli"/>
-        <a:font script="Deva" typeface="Mangal"/>
-        <a:font script="Telu" typeface="Gautami"/>
-        <a:font script="Taml" typeface="Latha"/>
-        <a:font script="Syrc" typeface="Estrangelo Edessa"/>
-        <a:font script="Orya" typeface="Kalinga"/>
-        <a:font script="Mlym" typeface="Kartika"/>
-        <a:font script="Laoo" typeface="DokChampa"/>
-        <a:font script="Sinh" typeface="Iskoola Pota"/>
-        <a:font script="Mong" typeface="Mongolian Baiti"/>
-        <a:font script="Viet" typeface="Times New Roman"/>
-        <a:font script="Uigh" typeface="Microsoft Uighur"/>
-        <a:font script="Geor" typeface="Sylfaen"/>
-      </a:majorFont>
-      <a:minorFont>
-        <a:latin typeface="Arial"/>
-        <a:ea typeface=""/>
-        <a:cs typeface=""/>
-        <a:font script="Jpan" typeface="ＭＳ Ｐゴシック"/>
-        <a:font script="Hang" typeface="맑은 고딕"/>
-        <a:font script="Hans" typeface="宋体"/>
-        <a:font script="Hant" typeface="新細明體"/>
-        <a:font script="Arab" typeface="Arial"/>
-        <a:font script="Hebr" typeface="Arial"/>
-        <a:font script="Thai" typeface="Cordia New"/>
-        <a:font script="Ethi" typeface="Nyala"/>
-        <a:font script="Beng" typeface="Vrinda"/>
-        <a:font script="Gujr" typeface="Shruti"/>
-        <a:font script="Khmr" typeface="DaunPenh"/>
-        <a:font script="Knda" typeface="Tunga"/>
-        <a:font script="Guru" typeface="Raavi"/>
-        <a:font script="Cans" typeface="Euphemia"/>
-        <a:font script="Cher" typeface="Plantagenet Cherokee"/>
-        <a:font script="Yiii" typeface="Microsoft Yi Baiti"/>
-        <a:font script="Tibt" typeface="Microsoft Himalaya"/>
-        <a:font script="Thaa" typeface="MV Boli"/>
-        <a:font script="Deva" typeface="Mangal"/>
-        <a:font script="Telu" typeface="Gautami"/>
-        <a:font script="Taml" typeface="Latha"/>
-        <a:font script="Syrc" typeface="Estrangelo Edessa"/>
-        <a:font script="Orya" typeface="Kalinga"/>
-        <a:font script="Mlym" typeface="Kartika"/>
-        <a:font script="Laoo" typeface="DokChampa"/>
-        <a:font script="Sinh" typeface="Iskoola Pota"/>
-        <a:font script="Mong" typeface="Mongolian Baiti"/>
-        <a:font script="Viet" typeface="Arial"/>
-        <a:font script="Uigh" typeface="Microsoft Uighur"/>
-        <a:font script="Geor" typeface="Sylfaen"/>
-      </a:minorFont>
-    </a:fontScheme>
-    <a:fmtScheme name="Office">
-      <a:fillStyleLst>
-        <a:solidFill>
-          <a:schemeClr val="phClr"/>
-        </a:solidFill>
-        <a:gradFill rotWithShape="1">
-          <a:gsLst>
-            <a:gs pos="0">
-              <a:schemeClr val="phClr">
-                <a:tint val="50000"/>
-                <a:satMod val="300000"/>
-              </a:schemeClr>
-            </a:gs>
-            <a:gs pos="35000">
-              <a:schemeClr val="phClr">
-                <a:tint val="37000"/>
-                <a:satMod val="300000"/>
-              </a:schemeClr>
-            </a:gs>
-            <a:gs pos="100000">
-              <a:schemeClr val="phClr">
-                <a:tint val="15000"/>
-                <a:satMod val="350000"/>
-              </a:schemeClr>
-            </a:gs>
-          </a:gsLst>
-          <a:lin ang="16200000" scaled="1"/>
-        </a:gradFill>
-        <a:gradFill rotWithShape="1">
-          <a:gsLst>
-            <a:gs pos="0">
-              <a:schemeClr val="phClr">
-                <a:tint val="100000"/>
-                <a:shade val="100000"/>
-                <a:satMod val="130000"/>
-              </a:schemeClr>
-            </a:gs>
-            <a:gs pos="100000">
-              <a:schemeClr val="phClr">
-                <a:tint val="50000"/>
-                <a:shade val="100000"/>
-                <a:satMod val="350000"/>
-              </a:schemeClr>
-            </a:gs>
-          </a:gsLst>
-          <a:lin ang="16200000" scaled="0"/>
-        </a:gradFill>
-      </a:fillStyleLst>
-      <a:lnStyleLst>
-        <a:ln w="9525" cap="flat" cmpd="sng" algn="ctr">
-          <a:solidFill>
-            <a:schemeClr val="phClr">
-              <a:shade val="95000"/>
-              <a:satMod val="105000"/>
-            </a:schemeClr>
-          </a:solidFill>
-          <a:prstDash val="solid"/>
-        </a:ln>
-        <a:ln w="25400" cap="flat" cmpd="sng" algn="ctr">
-          <a:solidFill>
-            <a:schemeClr val="phClr"/>
-          </a:solidFill>
-          <a:prstDash val="solid"/>
-        </a:ln>
-        <a:ln w="38100" cap="flat" cmpd="sng" algn="ctr">
-          <a:solidFill>
-            <a:schemeClr val="phClr"/>
-          </a:solidFill>
-          <a:prstDash val="solid"/>
-        </a:ln>
-      </a:lnStyleLst>
-      <a:effectStyleLst>
-        <a:effectStyle>
-          <a:effectLst>
-            <a:outerShdw blurRad="40000" dist="20000" dir="5400000" rotWithShape="0">
-              <a:srgbClr val="000000">
-                <a:alpha val="38000"/>
-              </a:srgbClr>
-            </a:outerShdw>
-          </a:effectLst>
-        </a:effectStyle>
-        <a:effectStyle>
-          <a:effectLst>
-            <a:outerShdw blurRad="40000" dist="23000" dir="5400000" rotWithShape="0">
-              <a:srgbClr val="000000">
-                <a:alpha val="35000"/>
-              </a:srgbClr>
-            </a:outerShdw>
-          </a:effectLst>
-        </a:effectStyle>
-        <a:effectStyle>
-          <a:effectLst>
-            <a:outerShdw blurRad="40000" dist="23000" dir="5400000" rotWithShape="0">
-              <a:srgbClr val="000000">
-                <a:alpha val="35000"/>
-              </a:srgbClr>
-            </a:outerShdw>
-          </a:effectLst>
-          <a:scene3d>
-            <a:camera prst="orthographicFront">
-              <a:rot lat="0" lon="0" rev="0"/>
-            </a:camera>
-            <a:lightRig rig="threePt" dir="t">
-              <a:rot lat="0" lon="0" rev="1200000"/>
-            </a:lightRig>
-          </a:scene3d>
-          <a:sp3d>
-            <a:bevelT w="63500" h="25400"/>
-          </a:sp3d>
-        </a:effectStyle>
-      </a:effectStyleLst>
-      <a:bgFillStyleLst>
-        <a:solidFill>
-          <a:schemeClr val="phClr"/>
-        </a:solidFill>
-        <a:gradFill rotWithShape="1">
-          <a:gsLst>
-            <a:gs pos="0">
-              <a:schemeClr val="phClr">
-                <a:tint val="40000"/>
-                <a:satMod val="350000"/>
-              </a:schemeClr>
-            </a:gs>
-            <a:gs pos="40000">
-              <a:schemeClr val="phClr">
-                <a:tint val="45000"/>
-                <a:shade val="99000"/>
-                <a:satMod val="350000"/>
-              </a:schemeClr>
-            </a:gs>
-            <a:gs pos="100000">
-              <a:schemeClr val="phClr">
-                <a:shade val="20000"/>
-                <a:satMod val="255000"/>
-              </a:schemeClr>
-            </a:gs>
-          </a:gsLst>
-          <a:path path="circle">
-            <a:fillToRect l="50000" t="-80000" r="50000" b="180000"/>
-          </a:path>
-        </a:gradFill>
-        <a:gradFill rotWithShape="1">
-          <a:gsLst>
-            <a:gs pos="0">
-              <a:schemeClr val="phClr">
-                <a:tint val="80000"/>
-                <a:satMod val="300000"/>
-              </a:schemeClr>
-            </a:gs>
-            <a:gs pos="100000">
-              <a:schemeClr val="phClr">
-                <a:shade val="30000"/>
-                <a:satMod val="200000"/>
-              </a:schemeClr>
-            </a:gs>
-          </a:gsLst>
-          <a:path path="circle">
-            <a:fillToRect l="50000" t="50000" r="50000" b="50000"/>
-          </a:path>
-        </a:gradFill>
-      </a:bgFillStyleLst>
-    </a:fmtScheme>
-  </a:themeElements>
-</a:theme>
 </file>
--- a/Documents/CSCI 4805 Project Requirements.pptx
+++ b/Documents/CSCI 4805 Project Requirements.pptx
@@ -22,33 +22,23 @@
     <p:sldId id="267" r:id="rId17"/>
     <p:sldId id="268" r:id="rId18"/>
     <p:sldId id="269" r:id="rId19"/>
-    <p:sldId id="270" r:id="rId20"/>
-    <p:sldId id="271" r:id="rId21"/>
-    <p:sldId id="272" r:id="rId22"/>
-    <p:sldId id="273" r:id="rId23"/>
-    <p:sldId id="274" r:id="rId24"/>
-    <p:sldId id="275" r:id="rId25"/>
-    <p:sldId id="276" r:id="rId26"/>
-    <p:sldId id="277" r:id="rId27"/>
-    <p:sldId id="278" r:id="rId28"/>
-    <p:sldId id="279" r:id="rId29"/>
   </p:sldIdLst>
   <p:sldSz cy="5143500" cx="9144000"/>
   <p:notesSz cx="6858000" cy="9144000"/>
   <p:embeddedFontLst>
     <p:embeddedFont>
       <p:font typeface="Montserrat"/>
-      <p:regular r:id="rId30"/>
-      <p:bold r:id="rId31"/>
-      <p:italic r:id="rId32"/>
-      <p:boldItalic r:id="rId33"/>
+      <p:regular r:id="rId20"/>
+      <p:bold r:id="rId21"/>
+      <p:italic r:id="rId22"/>
+      <p:boldItalic r:id="rId23"/>
     </p:embeddedFont>
     <p:embeddedFont>
       <p:font typeface="Lato"/>
-      <p:regular r:id="rId34"/>
-      <p:bold r:id="rId35"/>
-      <p:italic r:id="rId36"/>
-      <p:boldItalic r:id="rId37"/>
+      <p:regular r:id="rId24"/>
+      <p:bold r:id="rId25"/>
+      <p:italic r:id="rId26"/>
+      <p:boldItalic r:id="rId27"/>
     </p:embeddedFont>
   </p:embeddedFontLst>
   <p:defaultTextStyle>
@@ -829,7 +819,7 @@
   <p:cSld>
     <p:spTree>
       <p:nvGrpSpPr>
-        <p:cNvPr id="176" name="Shape 176"/>
+        <p:cNvPr id="181" name="Shape 181"/>
         <p:cNvGrpSpPr/>
         <p:nvPr/>
       </p:nvGrpSpPr>
@@ -843,7 +833,7 @@
       </p:grpSpPr>
       <p:sp>
         <p:nvSpPr>
-          <p:cNvPr id="177" name="Google Shape;177;g37eecc9ff4d_0_9:notes"/>
+          <p:cNvPr id="182" name="Google Shape;182;g37ffb4d1a44_1_25:notes"/>
           <p:cNvSpPr/>
           <p:nvPr>
             <p:ph idx="2" type="sldImg"/>
@@ -878,7 +868,7 @@
       </p:sp>
       <p:sp>
         <p:nvSpPr>
-          <p:cNvPr id="178" name="Google Shape;178;g37eecc9ff4d_0_9:notes"/>
+          <p:cNvPr id="183" name="Google Shape;183;g37ffb4d1a44_1_25:notes"/>
           <p:cNvSpPr txBox="1"/>
           <p:nvPr>
             <p:ph idx="1" type="body"/>
@@ -928,7 +918,7 @@
   <p:cSld>
     <p:spTree>
       <p:nvGrpSpPr>
-        <p:cNvPr id="181" name="Shape 181"/>
+        <p:cNvPr id="187" name="Shape 187"/>
         <p:cNvGrpSpPr/>
         <p:nvPr/>
       </p:nvGrpSpPr>
@@ -942,7 +932,7 @@
       </p:grpSpPr>
       <p:sp>
         <p:nvSpPr>
-          <p:cNvPr id="182" name="Google Shape;182;g37c18867a41_0_20:notes"/>
+          <p:cNvPr id="188" name="Google Shape;188;g37ffb4d1a44_1_30:notes"/>
           <p:cNvSpPr/>
           <p:nvPr>
             <p:ph idx="2" type="sldImg"/>
@@ -977,7 +967,7 @@
       </p:sp>
       <p:sp>
         <p:nvSpPr>
-          <p:cNvPr id="183" name="Google Shape;183;g37c18867a41_0_20:notes"/>
+          <p:cNvPr id="189" name="Google Shape;189;g37ffb4d1a44_1_30:notes"/>
           <p:cNvSpPr txBox="1"/>
           <p:nvPr>
             <p:ph idx="1" type="body"/>
@@ -1027,7 +1017,7 @@
   <p:cSld>
     <p:spTree>
       <p:nvGrpSpPr>
-        <p:cNvPr id="186" name="Shape 186"/>
+        <p:cNvPr id="193" name="Shape 193"/>
         <p:cNvGrpSpPr/>
         <p:nvPr/>
       </p:nvGrpSpPr>
@@ -1041,7 +1031,7 @@
       </p:grpSpPr>
       <p:sp>
         <p:nvSpPr>
-          <p:cNvPr id="187" name="Google Shape;187;g37eecc9ff4d_0_13:notes"/>
+          <p:cNvPr id="194" name="Google Shape;194;g37ff56b6cd9_0_0:notes"/>
           <p:cNvSpPr/>
           <p:nvPr>
             <p:ph idx="2" type="sldImg"/>
@@ -1076,7 +1066,7 @@
       </p:sp>
       <p:sp>
         <p:nvSpPr>
-          <p:cNvPr id="188" name="Google Shape;188;g37eecc9ff4d_0_13:notes"/>
+          <p:cNvPr id="195" name="Google Shape;195;g37ff56b6cd9_0_0:notes"/>
           <p:cNvSpPr txBox="1"/>
           <p:nvPr>
             <p:ph idx="1" type="body"/>
@@ -1126,7 +1116,7 @@
   <p:cSld>
     <p:spTree>
       <p:nvGrpSpPr>
-        <p:cNvPr id="191" name="Shape 191"/>
+        <p:cNvPr id="198" name="Shape 198"/>
         <p:cNvGrpSpPr/>
         <p:nvPr/>
       </p:nvGrpSpPr>
@@ -1140,7 +1130,7 @@
       </p:grpSpPr>
       <p:sp>
         <p:nvSpPr>
-          <p:cNvPr id="192" name="Google Shape;192;g37c18867a41_0_25:notes"/>
+          <p:cNvPr id="199" name="Google Shape;199;g37ffb4d1a44_1_35:notes"/>
           <p:cNvSpPr/>
           <p:nvPr>
             <p:ph idx="2" type="sldImg"/>
@@ -1175,7 +1165,7 @@
       </p:sp>
       <p:sp>
         <p:nvSpPr>
-          <p:cNvPr id="193" name="Google Shape;193;g37c18867a41_0_25:notes"/>
+          <p:cNvPr id="200" name="Google Shape;200;g37ffb4d1a44_1_35:notes"/>
           <p:cNvSpPr txBox="1"/>
           <p:nvPr>
             <p:ph idx="1" type="body"/>
@@ -1225,7 +1215,7 @@
   <p:cSld>
     <p:spTree>
       <p:nvGrpSpPr>
-        <p:cNvPr id="197" name="Shape 197"/>
+        <p:cNvPr id="204" name="Shape 204"/>
         <p:cNvGrpSpPr/>
         <p:nvPr/>
       </p:nvGrpSpPr>
@@ -1239,7 +1229,7 @@
       </p:grpSpPr>
       <p:sp>
         <p:nvSpPr>
-          <p:cNvPr id="198" name="Google Shape;198;g37c18867a41_0_30:notes"/>
+          <p:cNvPr id="205" name="Google Shape;205;g37ffb4d1a44_1_40:notes"/>
           <p:cNvSpPr/>
           <p:nvPr>
             <p:ph idx="2" type="sldImg"/>
@@ -1274,502 +1264,7 @@
       </p:sp>
       <p:sp>
         <p:nvSpPr>
-          <p:cNvPr id="199" name="Google Shape;199;g37c18867a41_0_30:notes"/>
-          <p:cNvSpPr txBox="1"/>
-          <p:nvPr>
-            <p:ph idx="1" type="body"/>
-          </p:nvPr>
-        </p:nvSpPr>
-        <p:spPr>
-          <a:xfrm>
-            <a:off x="685800" y="4343400"/>
-            <a:ext cx="5486400" cy="4114800"/>
-          </a:xfrm>
-          <a:prstGeom prst="rect">
-            <a:avLst/>
-          </a:prstGeom>
-        </p:spPr>
-        <p:txBody>
-          <a:bodyPr anchorCtr="0" anchor="t" bIns="91425" lIns="91425" spcFirstLastPara="1" rIns="91425" wrap="square" tIns="91425">
-            <a:noAutofit/>
-          </a:bodyPr>
-          <a:lstStyle/>
-          <a:p>
-            <a:pPr indent="0" lvl="0" marL="0" rtl="0" algn="l">
-              <a:spcBef>
-                <a:spcPts val="0"/>
-              </a:spcBef>
-              <a:spcAft>
-                <a:spcPts val="0"/>
-              </a:spcAft>
-              <a:buNone/>
-            </a:pPr>
-            <a:r>
-              <a:t/>
-            </a:r>
-            <a:endParaRPr/>
-          </a:p>
-        </p:txBody>
-      </p:sp>
-    </p:spTree>
-  </p:cSld>
-  <p:clrMapOvr>
-    <a:masterClrMapping/>
-  </p:clrMapOvr>
-</p:notes>
-</file>
-
-<file path=ppt/notesSlides/notesSlide15.xml><?xml version="1.0" encoding="utf-8"?>
-<p:notes xmlns:a="http://schemas.openxmlformats.org/drawingml/2006/main" xmlns:r="http://schemas.openxmlformats.org/officeDocument/2006/relationships" xmlns:mc="http://schemas.openxmlformats.org/markup-compatibility/2006" xmlns:mv="urn:schemas-microsoft-com:mac:vml" xmlns:p="http://schemas.openxmlformats.org/presentationml/2006/main" xmlns:c="http://schemas.openxmlformats.org/drawingml/2006/chart" xmlns:dgm="http://schemas.openxmlformats.org/drawingml/2006/diagram" xmlns:o="urn:schemas-microsoft-com:office:office" xmlns:v="urn:schemas-microsoft-com:vml" xmlns:pvml="urn:schemas-microsoft-com:office:powerpoint" xmlns:com="http://schemas.openxmlformats.org/drawingml/2006/compatibility" xmlns:p14="http://schemas.microsoft.com/office/powerpoint/2010/main" xmlns:p15="http://schemas.microsoft.com/office/powerpoint/2012/main" xmlns:ahyp="http://schemas.microsoft.com/office/drawing/2018/hyperlinkcolor" showMasterPhAnim="0" showMasterSp="0">
-  <p:cSld>
-    <p:spTree>
-      <p:nvGrpSpPr>
-        <p:cNvPr id="202" name="Shape 202"/>
-        <p:cNvGrpSpPr/>
-        <p:nvPr/>
-      </p:nvGrpSpPr>
-      <p:grpSpPr>
-        <a:xfrm>
-          <a:off x="0" y="0"/>
-          <a:ext cx="0" cy="0"/>
-          <a:chOff x="0" y="0"/>
-          <a:chExt cx="0" cy="0"/>
-        </a:xfrm>
-      </p:grpSpPr>
-      <p:sp>
-        <p:nvSpPr>
-          <p:cNvPr id="203" name="Google Shape;203;g37c18867a41_0_35:notes"/>
-          <p:cNvSpPr/>
-          <p:nvPr>
-            <p:ph idx="2" type="sldImg"/>
-          </p:nvPr>
-        </p:nvSpPr>
-        <p:spPr>
-          <a:xfrm>
-            <a:off x="381300" y="685800"/>
-            <a:ext cx="6096000" cy="3429000"/>
-          </a:xfrm>
-          <a:custGeom>
-            <a:rect b="b" l="l" r="r" t="t"/>
-            <a:pathLst>
-              <a:path extrusionOk="0" h="120000" w="120000">
-                <a:moveTo>
-                  <a:pt x="0" y="0"/>
-                </a:moveTo>
-                <a:lnTo>
-                  <a:pt x="120000" y="0"/>
-                </a:lnTo>
-                <a:lnTo>
-                  <a:pt x="120000" y="120000"/>
-                </a:lnTo>
-                <a:lnTo>
-                  <a:pt x="0" y="120000"/>
-                </a:lnTo>
-                <a:close/>
-              </a:path>
-            </a:pathLst>
-          </a:custGeom>
-        </p:spPr>
-      </p:sp>
-      <p:sp>
-        <p:nvSpPr>
-          <p:cNvPr id="204" name="Google Shape;204;g37c18867a41_0_35:notes"/>
-          <p:cNvSpPr txBox="1"/>
-          <p:nvPr>
-            <p:ph idx="1" type="body"/>
-          </p:nvPr>
-        </p:nvSpPr>
-        <p:spPr>
-          <a:xfrm>
-            <a:off x="685800" y="4343400"/>
-            <a:ext cx="5486400" cy="4114800"/>
-          </a:xfrm>
-          <a:prstGeom prst="rect">
-            <a:avLst/>
-          </a:prstGeom>
-        </p:spPr>
-        <p:txBody>
-          <a:bodyPr anchorCtr="0" anchor="t" bIns="91425" lIns="91425" spcFirstLastPara="1" rIns="91425" wrap="square" tIns="91425">
-            <a:noAutofit/>
-          </a:bodyPr>
-          <a:lstStyle/>
-          <a:p>
-            <a:pPr indent="0" lvl="0" marL="0" rtl="0" algn="l">
-              <a:spcBef>
-                <a:spcPts val="0"/>
-              </a:spcBef>
-              <a:spcAft>
-                <a:spcPts val="0"/>
-              </a:spcAft>
-              <a:buNone/>
-            </a:pPr>
-            <a:r>
-              <a:t/>
-            </a:r>
-            <a:endParaRPr/>
-          </a:p>
-        </p:txBody>
-      </p:sp>
-    </p:spTree>
-  </p:cSld>
-  <p:clrMapOvr>
-    <a:masterClrMapping/>
-  </p:clrMapOvr>
-</p:notes>
-</file>
-
-<file path=ppt/notesSlides/notesSlide16.xml><?xml version="1.0" encoding="utf-8"?>
-<p:notes xmlns:a="http://schemas.openxmlformats.org/drawingml/2006/main" xmlns:r="http://schemas.openxmlformats.org/officeDocument/2006/relationships" xmlns:mc="http://schemas.openxmlformats.org/markup-compatibility/2006" xmlns:mv="urn:schemas-microsoft-com:mac:vml" xmlns:p="http://schemas.openxmlformats.org/presentationml/2006/main" xmlns:c="http://schemas.openxmlformats.org/drawingml/2006/chart" xmlns:dgm="http://schemas.openxmlformats.org/drawingml/2006/diagram" xmlns:o="urn:schemas-microsoft-com:office:office" xmlns:v="urn:schemas-microsoft-com:vml" xmlns:pvml="urn:schemas-microsoft-com:office:powerpoint" xmlns:com="http://schemas.openxmlformats.org/drawingml/2006/compatibility" xmlns:p14="http://schemas.microsoft.com/office/powerpoint/2010/main" xmlns:p15="http://schemas.microsoft.com/office/powerpoint/2012/main" xmlns:ahyp="http://schemas.microsoft.com/office/drawing/2018/hyperlinkcolor" showMasterPhAnim="0" showMasterSp="0">
-  <p:cSld>
-    <p:spTree>
-      <p:nvGrpSpPr>
-        <p:cNvPr id="207" name="Shape 207"/>
-        <p:cNvGrpSpPr/>
-        <p:nvPr/>
-      </p:nvGrpSpPr>
-      <p:grpSpPr>
-        <a:xfrm>
-          <a:off x="0" y="0"/>
-          <a:ext cx="0" cy="0"/>
-          <a:chOff x="0" y="0"/>
-          <a:chExt cx="0" cy="0"/>
-        </a:xfrm>
-      </p:grpSpPr>
-      <p:sp>
-        <p:nvSpPr>
-          <p:cNvPr id="208" name="Google Shape;208;g37c18867a41_0_40:notes"/>
-          <p:cNvSpPr/>
-          <p:nvPr>
-            <p:ph idx="2" type="sldImg"/>
-          </p:nvPr>
-        </p:nvSpPr>
-        <p:spPr>
-          <a:xfrm>
-            <a:off x="381300" y="685800"/>
-            <a:ext cx="6096000" cy="3429000"/>
-          </a:xfrm>
-          <a:custGeom>
-            <a:rect b="b" l="l" r="r" t="t"/>
-            <a:pathLst>
-              <a:path extrusionOk="0" h="120000" w="120000">
-                <a:moveTo>
-                  <a:pt x="0" y="0"/>
-                </a:moveTo>
-                <a:lnTo>
-                  <a:pt x="120000" y="0"/>
-                </a:lnTo>
-                <a:lnTo>
-                  <a:pt x="120000" y="120000"/>
-                </a:lnTo>
-                <a:lnTo>
-                  <a:pt x="0" y="120000"/>
-                </a:lnTo>
-                <a:close/>
-              </a:path>
-            </a:pathLst>
-          </a:custGeom>
-        </p:spPr>
-      </p:sp>
-      <p:sp>
-        <p:nvSpPr>
-          <p:cNvPr id="209" name="Google Shape;209;g37c18867a41_0_40:notes"/>
-          <p:cNvSpPr txBox="1"/>
-          <p:nvPr>
-            <p:ph idx="1" type="body"/>
-          </p:nvPr>
-        </p:nvSpPr>
-        <p:spPr>
-          <a:xfrm>
-            <a:off x="685800" y="4343400"/>
-            <a:ext cx="5486400" cy="4114800"/>
-          </a:xfrm>
-          <a:prstGeom prst="rect">
-            <a:avLst/>
-          </a:prstGeom>
-        </p:spPr>
-        <p:txBody>
-          <a:bodyPr anchorCtr="0" anchor="t" bIns="91425" lIns="91425" spcFirstLastPara="1" rIns="91425" wrap="square" tIns="91425">
-            <a:noAutofit/>
-          </a:bodyPr>
-          <a:lstStyle/>
-          <a:p>
-            <a:pPr indent="0" lvl="0" marL="0" rtl="0" algn="l">
-              <a:spcBef>
-                <a:spcPts val="0"/>
-              </a:spcBef>
-              <a:spcAft>
-                <a:spcPts val="0"/>
-              </a:spcAft>
-              <a:buNone/>
-            </a:pPr>
-            <a:r>
-              <a:t/>
-            </a:r>
-            <a:endParaRPr/>
-          </a:p>
-        </p:txBody>
-      </p:sp>
-    </p:spTree>
-  </p:cSld>
-  <p:clrMapOvr>
-    <a:masterClrMapping/>
-  </p:clrMapOvr>
-</p:notes>
-</file>
-
-<file path=ppt/notesSlides/notesSlide17.xml><?xml version="1.0" encoding="utf-8"?>
-<p:notes xmlns:a="http://schemas.openxmlformats.org/drawingml/2006/main" xmlns:r="http://schemas.openxmlformats.org/officeDocument/2006/relationships" xmlns:mc="http://schemas.openxmlformats.org/markup-compatibility/2006" xmlns:mv="urn:schemas-microsoft-com:mac:vml" xmlns:p="http://schemas.openxmlformats.org/presentationml/2006/main" xmlns:c="http://schemas.openxmlformats.org/drawingml/2006/chart" xmlns:dgm="http://schemas.openxmlformats.org/drawingml/2006/diagram" xmlns:o="urn:schemas-microsoft-com:office:office" xmlns:v="urn:schemas-microsoft-com:vml" xmlns:pvml="urn:schemas-microsoft-com:office:powerpoint" xmlns:com="http://schemas.openxmlformats.org/drawingml/2006/compatibility" xmlns:p14="http://schemas.microsoft.com/office/powerpoint/2010/main" xmlns:p15="http://schemas.microsoft.com/office/powerpoint/2012/main" xmlns:ahyp="http://schemas.microsoft.com/office/drawing/2018/hyperlinkcolor" showMasterPhAnim="0" showMasterSp="0">
-  <p:cSld>
-    <p:spTree>
-      <p:nvGrpSpPr>
-        <p:cNvPr id="212" name="Shape 212"/>
-        <p:cNvGrpSpPr/>
-        <p:nvPr/>
-      </p:nvGrpSpPr>
-      <p:grpSpPr>
-        <a:xfrm>
-          <a:off x="0" y="0"/>
-          <a:ext cx="0" cy="0"/>
-          <a:chOff x="0" y="0"/>
-          <a:chExt cx="0" cy="0"/>
-        </a:xfrm>
-      </p:grpSpPr>
-      <p:sp>
-        <p:nvSpPr>
-          <p:cNvPr id="213" name="Google Shape;213;g37c18867a41_0_45:notes"/>
-          <p:cNvSpPr/>
-          <p:nvPr>
-            <p:ph idx="2" type="sldImg"/>
-          </p:nvPr>
-        </p:nvSpPr>
-        <p:spPr>
-          <a:xfrm>
-            <a:off x="381300" y="685800"/>
-            <a:ext cx="6096000" cy="3429000"/>
-          </a:xfrm>
-          <a:custGeom>
-            <a:rect b="b" l="l" r="r" t="t"/>
-            <a:pathLst>
-              <a:path extrusionOk="0" h="120000" w="120000">
-                <a:moveTo>
-                  <a:pt x="0" y="0"/>
-                </a:moveTo>
-                <a:lnTo>
-                  <a:pt x="120000" y="0"/>
-                </a:lnTo>
-                <a:lnTo>
-                  <a:pt x="120000" y="120000"/>
-                </a:lnTo>
-                <a:lnTo>
-                  <a:pt x="0" y="120000"/>
-                </a:lnTo>
-                <a:close/>
-              </a:path>
-            </a:pathLst>
-          </a:custGeom>
-        </p:spPr>
-      </p:sp>
-      <p:sp>
-        <p:nvSpPr>
-          <p:cNvPr id="214" name="Google Shape;214;g37c18867a41_0_45:notes"/>
-          <p:cNvSpPr txBox="1"/>
-          <p:nvPr>
-            <p:ph idx="1" type="body"/>
-          </p:nvPr>
-        </p:nvSpPr>
-        <p:spPr>
-          <a:xfrm>
-            <a:off x="685800" y="4343400"/>
-            <a:ext cx="5486400" cy="4114800"/>
-          </a:xfrm>
-          <a:prstGeom prst="rect">
-            <a:avLst/>
-          </a:prstGeom>
-        </p:spPr>
-        <p:txBody>
-          <a:bodyPr anchorCtr="0" anchor="t" bIns="91425" lIns="91425" spcFirstLastPara="1" rIns="91425" wrap="square" tIns="91425">
-            <a:noAutofit/>
-          </a:bodyPr>
-          <a:lstStyle/>
-          <a:p>
-            <a:pPr indent="0" lvl="0" marL="0" rtl="0" algn="l">
-              <a:spcBef>
-                <a:spcPts val="0"/>
-              </a:spcBef>
-              <a:spcAft>
-                <a:spcPts val="0"/>
-              </a:spcAft>
-              <a:buNone/>
-            </a:pPr>
-            <a:r>
-              <a:t/>
-            </a:r>
-            <a:endParaRPr/>
-          </a:p>
-        </p:txBody>
-      </p:sp>
-    </p:spTree>
-  </p:cSld>
-  <p:clrMapOvr>
-    <a:masterClrMapping/>
-  </p:clrMapOvr>
-</p:notes>
-</file>
-
-<file path=ppt/notesSlides/notesSlide18.xml><?xml version="1.0" encoding="utf-8"?>
-<p:notes xmlns:a="http://schemas.openxmlformats.org/drawingml/2006/main" xmlns:r="http://schemas.openxmlformats.org/officeDocument/2006/relationships" xmlns:mc="http://schemas.openxmlformats.org/markup-compatibility/2006" xmlns:mv="urn:schemas-microsoft-com:mac:vml" xmlns:p="http://schemas.openxmlformats.org/presentationml/2006/main" xmlns:c="http://schemas.openxmlformats.org/drawingml/2006/chart" xmlns:dgm="http://schemas.openxmlformats.org/drawingml/2006/diagram" xmlns:o="urn:schemas-microsoft-com:office:office" xmlns:v="urn:schemas-microsoft-com:vml" xmlns:pvml="urn:schemas-microsoft-com:office:powerpoint" xmlns:com="http://schemas.openxmlformats.org/drawingml/2006/compatibility" xmlns:p14="http://schemas.microsoft.com/office/powerpoint/2010/main" xmlns:p15="http://schemas.microsoft.com/office/powerpoint/2012/main" xmlns:ahyp="http://schemas.microsoft.com/office/drawing/2018/hyperlinkcolor" showMasterPhAnim="0" showMasterSp="0">
-  <p:cSld>
-    <p:spTree>
-      <p:nvGrpSpPr>
-        <p:cNvPr id="217" name="Shape 217"/>
-        <p:cNvGrpSpPr/>
-        <p:nvPr/>
-      </p:nvGrpSpPr>
-      <p:grpSpPr>
-        <a:xfrm>
-          <a:off x="0" y="0"/>
-          <a:ext cx="0" cy="0"/>
-          <a:chOff x="0" y="0"/>
-          <a:chExt cx="0" cy="0"/>
-        </a:xfrm>
-      </p:grpSpPr>
-      <p:sp>
-        <p:nvSpPr>
-          <p:cNvPr id="218" name="Google Shape;218;g37ff56b6cd9_0_0:notes"/>
-          <p:cNvSpPr/>
-          <p:nvPr>
-            <p:ph idx="2" type="sldImg"/>
-          </p:nvPr>
-        </p:nvSpPr>
-        <p:spPr>
-          <a:xfrm>
-            <a:off x="381300" y="685800"/>
-            <a:ext cx="6096000" cy="3429000"/>
-          </a:xfrm>
-          <a:custGeom>
-            <a:rect b="b" l="l" r="r" t="t"/>
-            <a:pathLst>
-              <a:path extrusionOk="0" h="120000" w="120000">
-                <a:moveTo>
-                  <a:pt x="0" y="0"/>
-                </a:moveTo>
-                <a:lnTo>
-                  <a:pt x="120000" y="0"/>
-                </a:lnTo>
-                <a:lnTo>
-                  <a:pt x="120000" y="120000"/>
-                </a:lnTo>
-                <a:lnTo>
-                  <a:pt x="0" y="120000"/>
-                </a:lnTo>
-                <a:close/>
-              </a:path>
-            </a:pathLst>
-          </a:custGeom>
-        </p:spPr>
-      </p:sp>
-      <p:sp>
-        <p:nvSpPr>
-          <p:cNvPr id="219" name="Google Shape;219;g37ff56b6cd9_0_0:notes"/>
-          <p:cNvSpPr txBox="1"/>
-          <p:nvPr>
-            <p:ph idx="1" type="body"/>
-          </p:nvPr>
-        </p:nvSpPr>
-        <p:spPr>
-          <a:xfrm>
-            <a:off x="685800" y="4343400"/>
-            <a:ext cx="5486400" cy="4114800"/>
-          </a:xfrm>
-          <a:prstGeom prst="rect">
-            <a:avLst/>
-          </a:prstGeom>
-        </p:spPr>
-        <p:txBody>
-          <a:bodyPr anchorCtr="0" anchor="t" bIns="91425" lIns="91425" spcFirstLastPara="1" rIns="91425" wrap="square" tIns="91425">
-            <a:noAutofit/>
-          </a:bodyPr>
-          <a:lstStyle/>
-          <a:p>
-            <a:pPr indent="0" lvl="0" marL="0" rtl="0" algn="l">
-              <a:spcBef>
-                <a:spcPts val="0"/>
-              </a:spcBef>
-              <a:spcAft>
-                <a:spcPts val="0"/>
-              </a:spcAft>
-              <a:buNone/>
-            </a:pPr>
-            <a:r>
-              <a:t/>
-            </a:r>
-            <a:endParaRPr/>
-          </a:p>
-        </p:txBody>
-      </p:sp>
-    </p:spTree>
-  </p:cSld>
-  <p:clrMapOvr>
-    <a:masterClrMapping/>
-  </p:clrMapOvr>
-</p:notes>
-</file>
-
-<file path=ppt/notesSlides/notesSlide19.xml><?xml version="1.0" encoding="utf-8"?>
-<p:notes xmlns:a="http://schemas.openxmlformats.org/drawingml/2006/main" xmlns:r="http://schemas.openxmlformats.org/officeDocument/2006/relationships" xmlns:mc="http://schemas.openxmlformats.org/markup-compatibility/2006" xmlns:mv="urn:schemas-microsoft-com:mac:vml" xmlns:p="http://schemas.openxmlformats.org/presentationml/2006/main" xmlns:c="http://schemas.openxmlformats.org/drawingml/2006/chart" xmlns:dgm="http://schemas.openxmlformats.org/drawingml/2006/diagram" xmlns:o="urn:schemas-microsoft-com:office:office" xmlns:v="urn:schemas-microsoft-com:vml" xmlns:pvml="urn:schemas-microsoft-com:office:powerpoint" xmlns:com="http://schemas.openxmlformats.org/drawingml/2006/compatibility" xmlns:p14="http://schemas.microsoft.com/office/powerpoint/2010/main" xmlns:p15="http://schemas.microsoft.com/office/powerpoint/2012/main" xmlns:ahyp="http://schemas.microsoft.com/office/drawing/2018/hyperlinkcolor" showMasterPhAnim="0" showMasterSp="0">
-  <p:cSld>
-    <p:spTree>
-      <p:nvGrpSpPr>
-        <p:cNvPr id="222" name="Shape 222"/>
-        <p:cNvGrpSpPr/>
-        <p:nvPr/>
-      </p:nvGrpSpPr>
-      <p:grpSpPr>
-        <a:xfrm>
-          <a:off x="0" y="0"/>
-          <a:ext cx="0" cy="0"/>
-          <a:chOff x="0" y="0"/>
-          <a:chExt cx="0" cy="0"/>
-        </a:xfrm>
-      </p:grpSpPr>
-      <p:sp>
-        <p:nvSpPr>
-          <p:cNvPr id="223" name="Google Shape;223;g37c18867a41_0_50:notes"/>
-          <p:cNvSpPr/>
-          <p:nvPr>
-            <p:ph idx="2" type="sldImg"/>
-          </p:nvPr>
-        </p:nvSpPr>
-        <p:spPr>
-          <a:xfrm>
-            <a:off x="381300" y="685800"/>
-            <a:ext cx="6096000" cy="3429000"/>
-          </a:xfrm>
-          <a:custGeom>
-            <a:rect b="b" l="l" r="r" t="t"/>
-            <a:pathLst>
-              <a:path extrusionOk="0" h="120000" w="120000">
-                <a:moveTo>
-                  <a:pt x="0" y="0"/>
-                </a:moveTo>
-                <a:lnTo>
-                  <a:pt x="120000" y="0"/>
-                </a:lnTo>
-                <a:lnTo>
-                  <a:pt x="120000" y="120000"/>
-                </a:lnTo>
-                <a:lnTo>
-                  <a:pt x="0" y="120000"/>
-                </a:lnTo>
-                <a:close/>
-              </a:path>
-            </a:pathLst>
-          </a:custGeom>
-        </p:spPr>
-      </p:sp>
-      <p:sp>
-        <p:nvSpPr>
-          <p:cNvPr id="224" name="Google Shape;224;g37c18867a41_0_50:notes"/>
+          <p:cNvPr id="206" name="Google Shape;206;g37ffb4d1a44_1_40:notes"/>
           <p:cNvSpPr txBox="1"/>
           <p:nvPr>
             <p:ph idx="1" type="body"/>
@@ -1833,7 +1328,7 @@
       </p:grpSpPr>
       <p:sp>
         <p:nvSpPr>
-          <p:cNvPr id="137" name="Google Shape;137;g37dfea1e31d_0_0:notes"/>
+          <p:cNvPr id="137" name="Google Shape;137;g37ffb4d1a44_1_45:notes"/>
           <p:cNvSpPr/>
           <p:nvPr>
             <p:ph idx="2" type="sldImg"/>
@@ -1868,7 +1363,7 @@
       </p:sp>
       <p:sp>
         <p:nvSpPr>
-          <p:cNvPr id="138" name="Google Shape;138;g37dfea1e31d_0_0:notes"/>
+          <p:cNvPr id="138" name="Google Shape;138;g37ffb4d1a44_1_45:notes"/>
           <p:cNvSpPr txBox="1"/>
           <p:nvPr>
             <p:ph idx="1" type="body"/>
@@ -1913,12 +1408,12 @@
 </p:notes>
 </file>
 
-<file path=ppt/notesSlides/notesSlide20.xml><?xml version="1.0" encoding="utf-8"?>
+<file path=ppt/notesSlides/notesSlide3.xml><?xml version="1.0" encoding="utf-8"?>
 <p:notes xmlns:a="http://schemas.openxmlformats.org/drawingml/2006/main" xmlns:r="http://schemas.openxmlformats.org/officeDocument/2006/relationships" xmlns:mc="http://schemas.openxmlformats.org/markup-compatibility/2006" xmlns:mv="urn:schemas-microsoft-com:mac:vml" xmlns:p="http://schemas.openxmlformats.org/presentationml/2006/main" xmlns:c="http://schemas.openxmlformats.org/drawingml/2006/chart" xmlns:dgm="http://schemas.openxmlformats.org/drawingml/2006/diagram" xmlns:o="urn:schemas-microsoft-com:office:office" xmlns:v="urn:schemas-microsoft-com:vml" xmlns:pvml="urn:schemas-microsoft-com:office:powerpoint" xmlns:com="http://schemas.openxmlformats.org/drawingml/2006/compatibility" xmlns:p14="http://schemas.microsoft.com/office/powerpoint/2010/main" xmlns:p15="http://schemas.microsoft.com/office/powerpoint/2012/main" xmlns:ahyp="http://schemas.microsoft.com/office/drawing/2018/hyperlinkcolor" showMasterPhAnim="0" showMasterSp="0">
   <p:cSld>
     <p:spTree>
       <p:nvGrpSpPr>
-        <p:cNvPr id="227" name="Shape 227"/>
+        <p:cNvPr id="142" name="Shape 142"/>
         <p:cNvGrpSpPr/>
         <p:nvPr/>
       </p:nvGrpSpPr>
@@ -1932,7 +1427,7 @@
       </p:grpSpPr>
       <p:sp>
         <p:nvSpPr>
-          <p:cNvPr id="228" name="Google Shape;228;g37c18867a41_0_55:notes"/>
+          <p:cNvPr id="143" name="Google Shape;143;g37dfea1e31d_0_135:notes"/>
           <p:cNvSpPr/>
           <p:nvPr>
             <p:ph idx="2" type="sldImg"/>
@@ -1967,7 +1462,7 @@
       </p:sp>
       <p:sp>
         <p:nvSpPr>
-          <p:cNvPr id="229" name="Google Shape;229;g37c18867a41_0_55:notes"/>
+          <p:cNvPr id="144" name="Google Shape;144;g37dfea1e31d_0_135:notes"/>
           <p:cNvSpPr txBox="1"/>
           <p:nvPr>
             <p:ph idx="1" type="body"/>
@@ -2012,12 +1507,12 @@
 </p:notes>
 </file>
 
-<file path=ppt/notesSlides/notesSlide21.xml><?xml version="1.0" encoding="utf-8"?>
+<file path=ppt/notesSlides/notesSlide4.xml><?xml version="1.0" encoding="utf-8"?>
 <p:notes xmlns:a="http://schemas.openxmlformats.org/drawingml/2006/main" xmlns:r="http://schemas.openxmlformats.org/officeDocument/2006/relationships" xmlns:mc="http://schemas.openxmlformats.org/markup-compatibility/2006" xmlns:mv="urn:schemas-microsoft-com:mac:vml" xmlns:p="http://schemas.openxmlformats.org/presentationml/2006/main" xmlns:c="http://schemas.openxmlformats.org/drawingml/2006/chart" xmlns:dgm="http://schemas.openxmlformats.org/drawingml/2006/diagram" xmlns:o="urn:schemas-microsoft-com:office:office" xmlns:v="urn:schemas-microsoft-com:vml" xmlns:pvml="urn:schemas-microsoft-com:office:powerpoint" xmlns:com="http://schemas.openxmlformats.org/drawingml/2006/compatibility" xmlns:p14="http://schemas.microsoft.com/office/powerpoint/2010/main" xmlns:p15="http://schemas.microsoft.com/office/powerpoint/2012/main" xmlns:ahyp="http://schemas.microsoft.com/office/drawing/2018/hyperlinkcolor" showMasterPhAnim="0" showMasterSp="0">
   <p:cSld>
     <p:spTree>
       <p:nvGrpSpPr>
-        <p:cNvPr id="232" name="Shape 232"/>
+        <p:cNvPr id="147" name="Shape 147"/>
         <p:cNvGrpSpPr/>
         <p:nvPr/>
       </p:nvGrpSpPr>
@@ -2031,7 +1526,7 @@
       </p:grpSpPr>
       <p:sp>
         <p:nvSpPr>
-          <p:cNvPr id="233" name="Google Shape;233;g37c18867a41_0_60:notes"/>
+          <p:cNvPr id="148" name="Google Shape;148;g37eecc9ff4d_0_4:notes"/>
           <p:cNvSpPr/>
           <p:nvPr>
             <p:ph idx="2" type="sldImg"/>
@@ -2066,7 +1561,7 @@
       </p:sp>
       <p:sp>
         <p:nvSpPr>
-          <p:cNvPr id="234" name="Google Shape;234;g37c18867a41_0_60:notes"/>
+          <p:cNvPr id="149" name="Google Shape;149;g37eecc9ff4d_0_4:notes"/>
           <p:cNvSpPr txBox="1"/>
           <p:nvPr>
             <p:ph idx="1" type="body"/>
@@ -2111,12 +1606,12 @@
 </p:notes>
 </file>
 
-<file path=ppt/notesSlides/notesSlide22.xml><?xml version="1.0" encoding="utf-8"?>
+<file path=ppt/notesSlides/notesSlide5.xml><?xml version="1.0" encoding="utf-8"?>
 <p:notes xmlns:a="http://schemas.openxmlformats.org/drawingml/2006/main" xmlns:r="http://schemas.openxmlformats.org/officeDocument/2006/relationships" xmlns:mc="http://schemas.openxmlformats.org/markup-compatibility/2006" xmlns:mv="urn:schemas-microsoft-com:mac:vml" xmlns:p="http://schemas.openxmlformats.org/presentationml/2006/main" xmlns:c="http://schemas.openxmlformats.org/drawingml/2006/chart" xmlns:dgm="http://schemas.openxmlformats.org/drawingml/2006/diagram" xmlns:o="urn:schemas-microsoft-com:office:office" xmlns:v="urn:schemas-microsoft-com:vml" xmlns:pvml="urn:schemas-microsoft-com:office:powerpoint" xmlns:com="http://schemas.openxmlformats.org/drawingml/2006/compatibility" xmlns:p14="http://schemas.microsoft.com/office/powerpoint/2010/main" xmlns:p15="http://schemas.microsoft.com/office/powerpoint/2012/main" xmlns:ahyp="http://schemas.microsoft.com/office/drawing/2018/hyperlinkcolor" showMasterPhAnim="0" showMasterSp="0">
   <p:cSld>
     <p:spTree>
       <p:nvGrpSpPr>
-        <p:cNvPr id="237" name="Shape 237"/>
+        <p:cNvPr id="153" name="Shape 153"/>
         <p:cNvGrpSpPr/>
         <p:nvPr/>
       </p:nvGrpSpPr>
@@ -2130,7 +1625,7 @@
       </p:grpSpPr>
       <p:sp>
         <p:nvSpPr>
-          <p:cNvPr id="238" name="Google Shape;238;g37c18867a41_0_65:notes"/>
+          <p:cNvPr id="154" name="Google Shape;154;g37eecc9ff4d_0_0:notes"/>
           <p:cNvSpPr/>
           <p:nvPr>
             <p:ph idx="2" type="sldImg"/>
@@ -2165,7 +1660,7 @@
       </p:sp>
       <p:sp>
         <p:nvSpPr>
-          <p:cNvPr id="239" name="Google Shape;239;g37c18867a41_0_65:notes"/>
+          <p:cNvPr id="155" name="Google Shape;155;g37eecc9ff4d_0_0:notes"/>
           <p:cNvSpPr txBox="1"/>
           <p:nvPr>
             <p:ph idx="1" type="body"/>
@@ -2210,12 +1705,12 @@
 </p:notes>
 </file>
 
-<file path=ppt/notesSlides/notesSlide23.xml><?xml version="1.0" encoding="utf-8"?>
+<file path=ppt/notesSlides/notesSlide6.xml><?xml version="1.0" encoding="utf-8"?>
 <p:notes xmlns:a="http://schemas.openxmlformats.org/drawingml/2006/main" xmlns:r="http://schemas.openxmlformats.org/officeDocument/2006/relationships" xmlns:mc="http://schemas.openxmlformats.org/markup-compatibility/2006" xmlns:mv="urn:schemas-microsoft-com:mac:vml" xmlns:p="http://schemas.openxmlformats.org/presentationml/2006/main" xmlns:c="http://schemas.openxmlformats.org/drawingml/2006/chart" xmlns:dgm="http://schemas.openxmlformats.org/drawingml/2006/diagram" xmlns:o="urn:schemas-microsoft-com:office:office" xmlns:v="urn:schemas-microsoft-com:vml" xmlns:pvml="urn:schemas-microsoft-com:office:powerpoint" xmlns:com="http://schemas.openxmlformats.org/drawingml/2006/compatibility" xmlns:p14="http://schemas.microsoft.com/office/powerpoint/2010/main" xmlns:p15="http://schemas.microsoft.com/office/powerpoint/2012/main" xmlns:ahyp="http://schemas.microsoft.com/office/drawing/2018/hyperlinkcolor" showMasterPhAnim="0" showMasterSp="0">
   <p:cSld>
     <p:spTree>
       <p:nvGrpSpPr>
-        <p:cNvPr id="242" name="Shape 242"/>
+        <p:cNvPr id="158" name="Shape 158"/>
         <p:cNvGrpSpPr/>
         <p:nvPr/>
       </p:nvGrpSpPr>
@@ -2229,7 +1724,7 @@
       </p:grpSpPr>
       <p:sp>
         <p:nvSpPr>
-          <p:cNvPr id="243" name="Google Shape;243;g37ff56b6cd9_0_4:notes"/>
+          <p:cNvPr id="159" name="Google Shape;159;g37c18867a41_0_15:notes"/>
           <p:cNvSpPr/>
           <p:nvPr>
             <p:ph idx="2" type="sldImg"/>
@@ -2264,7 +1759,7 @@
       </p:sp>
       <p:sp>
         <p:nvSpPr>
-          <p:cNvPr id="244" name="Google Shape;244;g37ff56b6cd9_0_4:notes"/>
+          <p:cNvPr id="160" name="Google Shape;160;g37c18867a41_0_15:notes"/>
           <p:cNvSpPr txBox="1"/>
           <p:nvPr>
             <p:ph idx="1" type="body"/>
@@ -2309,12 +1804,12 @@
 </p:notes>
 </file>
 
-<file path=ppt/notesSlides/notesSlide24.xml><?xml version="1.0" encoding="utf-8"?>
+<file path=ppt/notesSlides/notesSlide7.xml><?xml version="1.0" encoding="utf-8"?>
 <p:notes xmlns:a="http://schemas.openxmlformats.org/drawingml/2006/main" xmlns:r="http://schemas.openxmlformats.org/officeDocument/2006/relationships" xmlns:mc="http://schemas.openxmlformats.org/markup-compatibility/2006" xmlns:mv="urn:schemas-microsoft-com:mac:vml" xmlns:p="http://schemas.openxmlformats.org/presentationml/2006/main" xmlns:c="http://schemas.openxmlformats.org/drawingml/2006/chart" xmlns:dgm="http://schemas.openxmlformats.org/drawingml/2006/diagram" xmlns:o="urn:schemas-microsoft-com:office:office" xmlns:v="urn:schemas-microsoft-com:vml" xmlns:pvml="urn:schemas-microsoft-com:office:powerpoint" xmlns:com="http://schemas.openxmlformats.org/drawingml/2006/compatibility" xmlns:p14="http://schemas.microsoft.com/office/powerpoint/2010/main" xmlns:p15="http://schemas.microsoft.com/office/powerpoint/2012/main" xmlns:ahyp="http://schemas.microsoft.com/office/drawing/2018/hyperlinkcolor" showMasterPhAnim="0" showMasterSp="0">
   <p:cSld>
     <p:spTree>
       <p:nvGrpSpPr>
-        <p:cNvPr id="247" name="Shape 247"/>
+        <p:cNvPr id="164" name="Shape 164"/>
         <p:cNvGrpSpPr/>
         <p:nvPr/>
       </p:nvGrpSpPr>
@@ -2328,7 +1823,7 @@
       </p:grpSpPr>
       <p:sp>
         <p:nvSpPr>
-          <p:cNvPr id="248" name="Google Shape;248;g37ff56b6cd9_0_9:notes"/>
+          <p:cNvPr id="165" name="Google Shape;165;g37ffb4d1a44_2_2:notes"/>
           <p:cNvSpPr/>
           <p:nvPr>
             <p:ph idx="2" type="sldImg"/>
@@ -2363,7 +1858,7 @@
       </p:sp>
       <p:sp>
         <p:nvSpPr>
-          <p:cNvPr id="249" name="Google Shape;249;g37ff56b6cd9_0_9:notes"/>
+          <p:cNvPr id="166" name="Google Shape;166;g37ffb4d1a44_2_2:notes"/>
           <p:cNvSpPr txBox="1"/>
           <p:nvPr>
             <p:ph idx="1" type="body"/>
@@ -2408,12 +1903,12 @@
 </p:notes>
 </file>
 
-<file path=ppt/notesSlides/notesSlide3.xml><?xml version="1.0" encoding="utf-8"?>
+<file path=ppt/notesSlides/notesSlide8.xml><?xml version="1.0" encoding="utf-8"?>
 <p:notes xmlns:a="http://schemas.openxmlformats.org/drawingml/2006/main" xmlns:r="http://schemas.openxmlformats.org/officeDocument/2006/relationships" xmlns:mc="http://schemas.openxmlformats.org/markup-compatibility/2006" xmlns:mv="urn:schemas-microsoft-com:mac:vml" xmlns:p="http://schemas.openxmlformats.org/presentationml/2006/main" xmlns:c="http://schemas.openxmlformats.org/drawingml/2006/chart" xmlns:dgm="http://schemas.openxmlformats.org/drawingml/2006/diagram" xmlns:o="urn:schemas-microsoft-com:office:office" xmlns:v="urn:schemas-microsoft-com:vml" xmlns:pvml="urn:schemas-microsoft-com:office:powerpoint" xmlns:com="http://schemas.openxmlformats.org/drawingml/2006/compatibility" xmlns:p14="http://schemas.microsoft.com/office/powerpoint/2010/main" xmlns:p15="http://schemas.microsoft.com/office/powerpoint/2012/main" xmlns:ahyp="http://schemas.microsoft.com/office/drawing/2018/hyperlinkcolor" showMasterPhAnim="0" showMasterSp="0">
   <p:cSld>
     <p:spTree>
       <p:nvGrpSpPr>
-        <p:cNvPr id="141" name="Shape 141"/>
+        <p:cNvPr id="169" name="Shape 169"/>
         <p:cNvGrpSpPr/>
         <p:nvPr/>
       </p:nvGrpSpPr>
@@ -2427,7 +1922,7 @@
       </p:grpSpPr>
       <p:sp>
         <p:nvSpPr>
-          <p:cNvPr id="142" name="Google Shape;142;g37c18867a41_0_70:notes"/>
+          <p:cNvPr id="170" name="Google Shape;170;g37c18867a41_0_25:notes"/>
           <p:cNvSpPr/>
           <p:nvPr>
             <p:ph idx="2" type="sldImg"/>
@@ -2462,7 +1957,7 @@
       </p:sp>
       <p:sp>
         <p:nvSpPr>
-          <p:cNvPr id="143" name="Google Shape;143;g37c18867a41_0_70:notes"/>
+          <p:cNvPr id="171" name="Google Shape;171;g37c18867a41_0_25:notes"/>
           <p:cNvSpPr txBox="1"/>
           <p:nvPr>
             <p:ph idx="1" type="body"/>
@@ -2507,12 +2002,12 @@
 </p:notes>
 </file>
 
-<file path=ppt/notesSlides/notesSlide4.xml><?xml version="1.0" encoding="utf-8"?>
+<file path=ppt/notesSlides/notesSlide9.xml><?xml version="1.0" encoding="utf-8"?>
 <p:notes xmlns:a="http://schemas.openxmlformats.org/drawingml/2006/main" xmlns:r="http://schemas.openxmlformats.org/officeDocument/2006/relationships" xmlns:mc="http://schemas.openxmlformats.org/markup-compatibility/2006" xmlns:mv="urn:schemas-microsoft-com:mac:vml" xmlns:p="http://schemas.openxmlformats.org/presentationml/2006/main" xmlns:c="http://schemas.openxmlformats.org/drawingml/2006/chart" xmlns:dgm="http://schemas.openxmlformats.org/drawingml/2006/diagram" xmlns:o="urn:schemas-microsoft-com:office:office" xmlns:v="urn:schemas-microsoft-com:vml" xmlns:pvml="urn:schemas-microsoft-com:office:powerpoint" xmlns:com="http://schemas.openxmlformats.org/drawingml/2006/compatibility" xmlns:p14="http://schemas.microsoft.com/office/powerpoint/2010/main" xmlns:p15="http://schemas.microsoft.com/office/powerpoint/2012/main" xmlns:ahyp="http://schemas.microsoft.com/office/drawing/2018/hyperlinkcolor" showMasterPhAnim="0" showMasterSp="0">
   <p:cSld>
     <p:spTree>
       <p:nvGrpSpPr>
-        <p:cNvPr id="146" name="Shape 146"/>
+        <p:cNvPr id="175" name="Shape 175"/>
         <p:cNvGrpSpPr/>
         <p:nvPr/>
       </p:nvGrpSpPr>
@@ -2526,7 +2021,7 @@
       </p:grpSpPr>
       <p:sp>
         <p:nvSpPr>
-          <p:cNvPr id="147" name="Google Shape;147;g37c18867a41_0_10:notes"/>
+          <p:cNvPr id="176" name="Google Shape;176;g37ffb4d1a44_1_15:notes"/>
           <p:cNvSpPr/>
           <p:nvPr>
             <p:ph idx="2" type="sldImg"/>
@@ -2561,502 +2056,7 @@
       </p:sp>
       <p:sp>
         <p:nvSpPr>
-          <p:cNvPr id="148" name="Google Shape;148;g37c18867a41_0_10:notes"/>
-          <p:cNvSpPr txBox="1"/>
-          <p:nvPr>
-            <p:ph idx="1" type="body"/>
-          </p:nvPr>
-        </p:nvSpPr>
-        <p:spPr>
-          <a:xfrm>
-            <a:off x="685800" y="4343400"/>
-            <a:ext cx="5486400" cy="4114800"/>
-          </a:xfrm>
-          <a:prstGeom prst="rect">
-            <a:avLst/>
-          </a:prstGeom>
-        </p:spPr>
-        <p:txBody>
-          <a:bodyPr anchorCtr="0" anchor="t" bIns="91425" lIns="91425" spcFirstLastPara="1" rIns="91425" wrap="square" tIns="91425">
-            <a:noAutofit/>
-          </a:bodyPr>
-          <a:lstStyle/>
-          <a:p>
-            <a:pPr indent="0" lvl="0" marL="0" rtl="0" algn="l">
-              <a:spcBef>
-                <a:spcPts val="0"/>
-              </a:spcBef>
-              <a:spcAft>
-                <a:spcPts val="0"/>
-              </a:spcAft>
-              <a:buNone/>
-            </a:pPr>
-            <a:r>
-              <a:t/>
-            </a:r>
-            <a:endParaRPr/>
-          </a:p>
-        </p:txBody>
-      </p:sp>
-    </p:spTree>
-  </p:cSld>
-  <p:clrMapOvr>
-    <a:masterClrMapping/>
-  </p:clrMapOvr>
-</p:notes>
-</file>
-
-<file path=ppt/notesSlides/notesSlide5.xml><?xml version="1.0" encoding="utf-8"?>
-<p:notes xmlns:a="http://schemas.openxmlformats.org/drawingml/2006/main" xmlns:r="http://schemas.openxmlformats.org/officeDocument/2006/relationships" xmlns:mc="http://schemas.openxmlformats.org/markup-compatibility/2006" xmlns:mv="urn:schemas-microsoft-com:mac:vml" xmlns:p="http://schemas.openxmlformats.org/presentationml/2006/main" xmlns:c="http://schemas.openxmlformats.org/drawingml/2006/chart" xmlns:dgm="http://schemas.openxmlformats.org/drawingml/2006/diagram" xmlns:o="urn:schemas-microsoft-com:office:office" xmlns:v="urn:schemas-microsoft-com:vml" xmlns:pvml="urn:schemas-microsoft-com:office:powerpoint" xmlns:com="http://schemas.openxmlformats.org/drawingml/2006/compatibility" xmlns:p14="http://schemas.microsoft.com/office/powerpoint/2010/main" xmlns:p15="http://schemas.microsoft.com/office/powerpoint/2012/main" xmlns:ahyp="http://schemas.microsoft.com/office/drawing/2018/hyperlinkcolor" showMasterPhAnim="0" showMasterSp="0">
-  <p:cSld>
-    <p:spTree>
-      <p:nvGrpSpPr>
-        <p:cNvPr id="151" name="Shape 151"/>
-        <p:cNvGrpSpPr/>
-        <p:nvPr/>
-      </p:nvGrpSpPr>
-      <p:grpSpPr>
-        <a:xfrm>
-          <a:off x="0" y="0"/>
-          <a:ext cx="0" cy="0"/>
-          <a:chOff x="0" y="0"/>
-          <a:chExt cx="0" cy="0"/>
-        </a:xfrm>
-      </p:grpSpPr>
-      <p:sp>
-        <p:nvSpPr>
-          <p:cNvPr id="152" name="Google Shape;152;g37dfea1e31d_0_5:notes"/>
-          <p:cNvSpPr/>
-          <p:nvPr>
-            <p:ph idx="2" type="sldImg"/>
-          </p:nvPr>
-        </p:nvSpPr>
-        <p:spPr>
-          <a:xfrm>
-            <a:off x="381300" y="685800"/>
-            <a:ext cx="6096000" cy="3429000"/>
-          </a:xfrm>
-          <a:custGeom>
-            <a:rect b="b" l="l" r="r" t="t"/>
-            <a:pathLst>
-              <a:path extrusionOk="0" h="120000" w="120000">
-                <a:moveTo>
-                  <a:pt x="0" y="0"/>
-                </a:moveTo>
-                <a:lnTo>
-                  <a:pt x="120000" y="0"/>
-                </a:lnTo>
-                <a:lnTo>
-                  <a:pt x="120000" y="120000"/>
-                </a:lnTo>
-                <a:lnTo>
-                  <a:pt x="0" y="120000"/>
-                </a:lnTo>
-                <a:close/>
-              </a:path>
-            </a:pathLst>
-          </a:custGeom>
-        </p:spPr>
-      </p:sp>
-      <p:sp>
-        <p:nvSpPr>
-          <p:cNvPr id="153" name="Google Shape;153;g37dfea1e31d_0_5:notes"/>
-          <p:cNvSpPr txBox="1"/>
-          <p:nvPr>
-            <p:ph idx="1" type="body"/>
-          </p:nvPr>
-        </p:nvSpPr>
-        <p:spPr>
-          <a:xfrm>
-            <a:off x="685800" y="4343400"/>
-            <a:ext cx="5486400" cy="4114800"/>
-          </a:xfrm>
-          <a:prstGeom prst="rect">
-            <a:avLst/>
-          </a:prstGeom>
-        </p:spPr>
-        <p:txBody>
-          <a:bodyPr anchorCtr="0" anchor="t" bIns="91425" lIns="91425" spcFirstLastPara="1" rIns="91425" wrap="square" tIns="91425">
-            <a:noAutofit/>
-          </a:bodyPr>
-          <a:lstStyle/>
-          <a:p>
-            <a:pPr indent="0" lvl="0" marL="0" rtl="0" algn="l">
-              <a:spcBef>
-                <a:spcPts val="0"/>
-              </a:spcBef>
-              <a:spcAft>
-                <a:spcPts val="0"/>
-              </a:spcAft>
-              <a:buNone/>
-            </a:pPr>
-            <a:r>
-              <a:t/>
-            </a:r>
-            <a:endParaRPr/>
-          </a:p>
-        </p:txBody>
-      </p:sp>
-    </p:spTree>
-  </p:cSld>
-  <p:clrMapOvr>
-    <a:masterClrMapping/>
-  </p:clrMapOvr>
-</p:notes>
-</file>
-
-<file path=ppt/notesSlides/notesSlide6.xml><?xml version="1.0" encoding="utf-8"?>
-<p:notes xmlns:a="http://schemas.openxmlformats.org/drawingml/2006/main" xmlns:r="http://schemas.openxmlformats.org/officeDocument/2006/relationships" xmlns:mc="http://schemas.openxmlformats.org/markup-compatibility/2006" xmlns:mv="urn:schemas-microsoft-com:mac:vml" xmlns:p="http://schemas.openxmlformats.org/presentationml/2006/main" xmlns:c="http://schemas.openxmlformats.org/drawingml/2006/chart" xmlns:dgm="http://schemas.openxmlformats.org/drawingml/2006/diagram" xmlns:o="urn:schemas-microsoft-com:office:office" xmlns:v="urn:schemas-microsoft-com:vml" xmlns:pvml="urn:schemas-microsoft-com:office:powerpoint" xmlns:com="http://schemas.openxmlformats.org/drawingml/2006/compatibility" xmlns:p14="http://schemas.microsoft.com/office/powerpoint/2010/main" xmlns:p15="http://schemas.microsoft.com/office/powerpoint/2012/main" xmlns:ahyp="http://schemas.microsoft.com/office/drawing/2018/hyperlinkcolor" showMasterPhAnim="0" showMasterSp="0">
-  <p:cSld>
-    <p:spTree>
-      <p:nvGrpSpPr>
-        <p:cNvPr id="156" name="Shape 156"/>
-        <p:cNvGrpSpPr/>
-        <p:nvPr/>
-      </p:nvGrpSpPr>
-      <p:grpSpPr>
-        <a:xfrm>
-          <a:off x="0" y="0"/>
-          <a:ext cx="0" cy="0"/>
-          <a:chOff x="0" y="0"/>
-          <a:chExt cx="0" cy="0"/>
-        </a:xfrm>
-      </p:grpSpPr>
-      <p:sp>
-        <p:nvSpPr>
-          <p:cNvPr id="157" name="Google Shape;157;g37dfea1e31d_0_135:notes"/>
-          <p:cNvSpPr/>
-          <p:nvPr>
-            <p:ph idx="2" type="sldImg"/>
-          </p:nvPr>
-        </p:nvSpPr>
-        <p:spPr>
-          <a:xfrm>
-            <a:off x="381300" y="685800"/>
-            <a:ext cx="6096000" cy="3429000"/>
-          </a:xfrm>
-          <a:custGeom>
-            <a:rect b="b" l="l" r="r" t="t"/>
-            <a:pathLst>
-              <a:path extrusionOk="0" h="120000" w="120000">
-                <a:moveTo>
-                  <a:pt x="0" y="0"/>
-                </a:moveTo>
-                <a:lnTo>
-                  <a:pt x="120000" y="0"/>
-                </a:lnTo>
-                <a:lnTo>
-                  <a:pt x="120000" y="120000"/>
-                </a:lnTo>
-                <a:lnTo>
-                  <a:pt x="0" y="120000"/>
-                </a:lnTo>
-                <a:close/>
-              </a:path>
-            </a:pathLst>
-          </a:custGeom>
-        </p:spPr>
-      </p:sp>
-      <p:sp>
-        <p:nvSpPr>
-          <p:cNvPr id="158" name="Google Shape;158;g37dfea1e31d_0_135:notes"/>
-          <p:cNvSpPr txBox="1"/>
-          <p:nvPr>
-            <p:ph idx="1" type="body"/>
-          </p:nvPr>
-        </p:nvSpPr>
-        <p:spPr>
-          <a:xfrm>
-            <a:off x="685800" y="4343400"/>
-            <a:ext cx="5486400" cy="4114800"/>
-          </a:xfrm>
-          <a:prstGeom prst="rect">
-            <a:avLst/>
-          </a:prstGeom>
-        </p:spPr>
-        <p:txBody>
-          <a:bodyPr anchorCtr="0" anchor="t" bIns="91425" lIns="91425" spcFirstLastPara="1" rIns="91425" wrap="square" tIns="91425">
-            <a:noAutofit/>
-          </a:bodyPr>
-          <a:lstStyle/>
-          <a:p>
-            <a:pPr indent="0" lvl="0" marL="0" rtl="0" algn="l">
-              <a:spcBef>
-                <a:spcPts val="0"/>
-              </a:spcBef>
-              <a:spcAft>
-                <a:spcPts val="0"/>
-              </a:spcAft>
-              <a:buNone/>
-            </a:pPr>
-            <a:r>
-              <a:t/>
-            </a:r>
-            <a:endParaRPr/>
-          </a:p>
-        </p:txBody>
-      </p:sp>
-    </p:spTree>
-  </p:cSld>
-  <p:clrMapOvr>
-    <a:masterClrMapping/>
-  </p:clrMapOvr>
-</p:notes>
-</file>
-
-<file path=ppt/notesSlides/notesSlide7.xml><?xml version="1.0" encoding="utf-8"?>
-<p:notes xmlns:a="http://schemas.openxmlformats.org/drawingml/2006/main" xmlns:r="http://schemas.openxmlformats.org/officeDocument/2006/relationships" xmlns:mc="http://schemas.openxmlformats.org/markup-compatibility/2006" xmlns:mv="urn:schemas-microsoft-com:mac:vml" xmlns:p="http://schemas.openxmlformats.org/presentationml/2006/main" xmlns:c="http://schemas.openxmlformats.org/drawingml/2006/chart" xmlns:dgm="http://schemas.openxmlformats.org/drawingml/2006/diagram" xmlns:o="urn:schemas-microsoft-com:office:office" xmlns:v="urn:schemas-microsoft-com:vml" xmlns:pvml="urn:schemas-microsoft-com:office:powerpoint" xmlns:com="http://schemas.openxmlformats.org/drawingml/2006/compatibility" xmlns:p14="http://schemas.microsoft.com/office/powerpoint/2010/main" xmlns:p15="http://schemas.microsoft.com/office/powerpoint/2012/main" xmlns:ahyp="http://schemas.microsoft.com/office/drawing/2018/hyperlinkcolor" showMasterPhAnim="0" showMasterSp="0">
-  <p:cSld>
-    <p:spTree>
-      <p:nvGrpSpPr>
-        <p:cNvPr id="161" name="Shape 161"/>
-        <p:cNvGrpSpPr/>
-        <p:nvPr/>
-      </p:nvGrpSpPr>
-      <p:grpSpPr>
-        <a:xfrm>
-          <a:off x="0" y="0"/>
-          <a:ext cx="0" cy="0"/>
-          <a:chOff x="0" y="0"/>
-          <a:chExt cx="0" cy="0"/>
-        </a:xfrm>
-      </p:grpSpPr>
-      <p:sp>
-        <p:nvSpPr>
-          <p:cNvPr id="162" name="Google Shape;162;g37eecc9ff4d_0_4:notes"/>
-          <p:cNvSpPr/>
-          <p:nvPr>
-            <p:ph idx="2" type="sldImg"/>
-          </p:nvPr>
-        </p:nvSpPr>
-        <p:spPr>
-          <a:xfrm>
-            <a:off x="381300" y="685800"/>
-            <a:ext cx="6096000" cy="3429000"/>
-          </a:xfrm>
-          <a:custGeom>
-            <a:rect b="b" l="l" r="r" t="t"/>
-            <a:pathLst>
-              <a:path extrusionOk="0" h="120000" w="120000">
-                <a:moveTo>
-                  <a:pt x="0" y="0"/>
-                </a:moveTo>
-                <a:lnTo>
-                  <a:pt x="120000" y="0"/>
-                </a:lnTo>
-                <a:lnTo>
-                  <a:pt x="120000" y="120000"/>
-                </a:lnTo>
-                <a:lnTo>
-                  <a:pt x="0" y="120000"/>
-                </a:lnTo>
-                <a:close/>
-              </a:path>
-            </a:pathLst>
-          </a:custGeom>
-        </p:spPr>
-      </p:sp>
-      <p:sp>
-        <p:nvSpPr>
-          <p:cNvPr id="163" name="Google Shape;163;g37eecc9ff4d_0_4:notes"/>
-          <p:cNvSpPr txBox="1"/>
-          <p:nvPr>
-            <p:ph idx="1" type="body"/>
-          </p:nvPr>
-        </p:nvSpPr>
-        <p:spPr>
-          <a:xfrm>
-            <a:off x="685800" y="4343400"/>
-            <a:ext cx="5486400" cy="4114800"/>
-          </a:xfrm>
-          <a:prstGeom prst="rect">
-            <a:avLst/>
-          </a:prstGeom>
-        </p:spPr>
-        <p:txBody>
-          <a:bodyPr anchorCtr="0" anchor="t" bIns="91425" lIns="91425" spcFirstLastPara="1" rIns="91425" wrap="square" tIns="91425">
-            <a:noAutofit/>
-          </a:bodyPr>
-          <a:lstStyle/>
-          <a:p>
-            <a:pPr indent="0" lvl="0" marL="0" rtl="0" algn="l">
-              <a:spcBef>
-                <a:spcPts val="0"/>
-              </a:spcBef>
-              <a:spcAft>
-                <a:spcPts val="0"/>
-              </a:spcAft>
-              <a:buNone/>
-            </a:pPr>
-            <a:r>
-              <a:t/>
-            </a:r>
-            <a:endParaRPr/>
-          </a:p>
-        </p:txBody>
-      </p:sp>
-    </p:spTree>
-  </p:cSld>
-  <p:clrMapOvr>
-    <a:masterClrMapping/>
-  </p:clrMapOvr>
-</p:notes>
-</file>
-
-<file path=ppt/notesSlides/notesSlide8.xml><?xml version="1.0" encoding="utf-8"?>
-<p:notes xmlns:a="http://schemas.openxmlformats.org/drawingml/2006/main" xmlns:r="http://schemas.openxmlformats.org/officeDocument/2006/relationships" xmlns:mc="http://schemas.openxmlformats.org/markup-compatibility/2006" xmlns:mv="urn:schemas-microsoft-com:mac:vml" xmlns:p="http://schemas.openxmlformats.org/presentationml/2006/main" xmlns:c="http://schemas.openxmlformats.org/drawingml/2006/chart" xmlns:dgm="http://schemas.openxmlformats.org/drawingml/2006/diagram" xmlns:o="urn:schemas-microsoft-com:office:office" xmlns:v="urn:schemas-microsoft-com:vml" xmlns:pvml="urn:schemas-microsoft-com:office:powerpoint" xmlns:com="http://schemas.openxmlformats.org/drawingml/2006/compatibility" xmlns:p14="http://schemas.microsoft.com/office/powerpoint/2010/main" xmlns:p15="http://schemas.microsoft.com/office/powerpoint/2012/main" xmlns:ahyp="http://schemas.microsoft.com/office/drawing/2018/hyperlinkcolor" showMasterPhAnim="0" showMasterSp="0">
-  <p:cSld>
-    <p:spTree>
-      <p:nvGrpSpPr>
-        <p:cNvPr id="166" name="Shape 166"/>
-        <p:cNvGrpSpPr/>
-        <p:nvPr/>
-      </p:nvGrpSpPr>
-      <p:grpSpPr>
-        <a:xfrm>
-          <a:off x="0" y="0"/>
-          <a:ext cx="0" cy="0"/>
-          <a:chOff x="0" y="0"/>
-          <a:chExt cx="0" cy="0"/>
-        </a:xfrm>
-      </p:grpSpPr>
-      <p:sp>
-        <p:nvSpPr>
-          <p:cNvPr id="167" name="Google Shape;167;g37eecc9ff4d_0_0:notes"/>
-          <p:cNvSpPr/>
-          <p:nvPr>
-            <p:ph idx="2" type="sldImg"/>
-          </p:nvPr>
-        </p:nvSpPr>
-        <p:spPr>
-          <a:xfrm>
-            <a:off x="381300" y="685800"/>
-            <a:ext cx="6096000" cy="3429000"/>
-          </a:xfrm>
-          <a:custGeom>
-            <a:rect b="b" l="l" r="r" t="t"/>
-            <a:pathLst>
-              <a:path extrusionOk="0" h="120000" w="120000">
-                <a:moveTo>
-                  <a:pt x="0" y="0"/>
-                </a:moveTo>
-                <a:lnTo>
-                  <a:pt x="120000" y="0"/>
-                </a:lnTo>
-                <a:lnTo>
-                  <a:pt x="120000" y="120000"/>
-                </a:lnTo>
-                <a:lnTo>
-                  <a:pt x="0" y="120000"/>
-                </a:lnTo>
-                <a:close/>
-              </a:path>
-            </a:pathLst>
-          </a:custGeom>
-        </p:spPr>
-      </p:sp>
-      <p:sp>
-        <p:nvSpPr>
-          <p:cNvPr id="168" name="Google Shape;168;g37eecc9ff4d_0_0:notes"/>
-          <p:cNvSpPr txBox="1"/>
-          <p:nvPr>
-            <p:ph idx="1" type="body"/>
-          </p:nvPr>
-        </p:nvSpPr>
-        <p:spPr>
-          <a:xfrm>
-            <a:off x="685800" y="4343400"/>
-            <a:ext cx="5486400" cy="4114800"/>
-          </a:xfrm>
-          <a:prstGeom prst="rect">
-            <a:avLst/>
-          </a:prstGeom>
-        </p:spPr>
-        <p:txBody>
-          <a:bodyPr anchorCtr="0" anchor="t" bIns="91425" lIns="91425" spcFirstLastPara="1" rIns="91425" wrap="square" tIns="91425">
-            <a:noAutofit/>
-          </a:bodyPr>
-          <a:lstStyle/>
-          <a:p>
-            <a:pPr indent="0" lvl="0" marL="0" rtl="0" algn="l">
-              <a:spcBef>
-                <a:spcPts val="0"/>
-              </a:spcBef>
-              <a:spcAft>
-                <a:spcPts val="0"/>
-              </a:spcAft>
-              <a:buNone/>
-            </a:pPr>
-            <a:r>
-              <a:t/>
-            </a:r>
-            <a:endParaRPr/>
-          </a:p>
-        </p:txBody>
-      </p:sp>
-    </p:spTree>
-  </p:cSld>
-  <p:clrMapOvr>
-    <a:masterClrMapping/>
-  </p:clrMapOvr>
-</p:notes>
-</file>
-
-<file path=ppt/notesSlides/notesSlide9.xml><?xml version="1.0" encoding="utf-8"?>
-<p:notes xmlns:a="http://schemas.openxmlformats.org/drawingml/2006/main" xmlns:r="http://schemas.openxmlformats.org/officeDocument/2006/relationships" xmlns:mc="http://schemas.openxmlformats.org/markup-compatibility/2006" xmlns:mv="urn:schemas-microsoft-com:mac:vml" xmlns:p="http://schemas.openxmlformats.org/presentationml/2006/main" xmlns:c="http://schemas.openxmlformats.org/drawingml/2006/chart" xmlns:dgm="http://schemas.openxmlformats.org/drawingml/2006/diagram" xmlns:o="urn:schemas-microsoft-com:office:office" xmlns:v="urn:schemas-microsoft-com:vml" xmlns:pvml="urn:schemas-microsoft-com:office:powerpoint" xmlns:com="http://schemas.openxmlformats.org/drawingml/2006/compatibility" xmlns:p14="http://schemas.microsoft.com/office/powerpoint/2010/main" xmlns:p15="http://schemas.microsoft.com/office/powerpoint/2012/main" xmlns:ahyp="http://schemas.microsoft.com/office/drawing/2018/hyperlinkcolor" showMasterPhAnim="0" showMasterSp="0">
-  <p:cSld>
-    <p:spTree>
-      <p:nvGrpSpPr>
-        <p:cNvPr id="171" name="Shape 171"/>
-        <p:cNvGrpSpPr/>
-        <p:nvPr/>
-      </p:nvGrpSpPr>
-      <p:grpSpPr>
-        <a:xfrm>
-          <a:off x="0" y="0"/>
-          <a:ext cx="0" cy="0"/>
-          <a:chOff x="0" y="0"/>
-          <a:chExt cx="0" cy="0"/>
-        </a:xfrm>
-      </p:grpSpPr>
-      <p:sp>
-        <p:nvSpPr>
-          <p:cNvPr id="172" name="Google Shape;172;g37c18867a41_0_15:notes"/>
-          <p:cNvSpPr/>
-          <p:nvPr>
-            <p:ph idx="2" type="sldImg"/>
-          </p:nvPr>
-        </p:nvSpPr>
-        <p:spPr>
-          <a:xfrm>
-            <a:off x="381300" y="685800"/>
-            <a:ext cx="6096000" cy="3429000"/>
-          </a:xfrm>
-          <a:custGeom>
-            <a:rect b="b" l="l" r="r" t="t"/>
-            <a:pathLst>
-              <a:path extrusionOk="0" h="120000" w="120000">
-                <a:moveTo>
-                  <a:pt x="0" y="0"/>
-                </a:moveTo>
-                <a:lnTo>
-                  <a:pt x="120000" y="0"/>
-                </a:lnTo>
-                <a:lnTo>
-                  <a:pt x="120000" y="120000"/>
-                </a:lnTo>
-                <a:lnTo>
-                  <a:pt x="0" y="120000"/>
-                </a:lnTo>
-                <a:close/>
-              </a:path>
-            </a:pathLst>
-          </a:custGeom>
-        </p:spPr>
-      </p:sp>
-      <p:sp>
-        <p:nvSpPr>
-          <p:cNvPr id="173" name="Google Shape;173;g37c18867a41_0_15:notes"/>
+          <p:cNvPr id="177" name="Google Shape;177;g37ffb4d1a44_1_15:notes"/>
           <p:cNvSpPr txBox="1"/>
           <p:nvPr>
             <p:ph idx="1" type="body"/>
@@ -11457,7 +10457,7 @@
   <p:cSld>
     <p:spTree>
       <p:nvGrpSpPr>
-        <p:cNvPr id="179" name="Shape 179"/>
+        <p:cNvPr id="184" name="Shape 184"/>
         <p:cNvGrpSpPr/>
         <p:nvPr/>
       </p:nvGrpSpPr>
@@ -11471,7 +10471,511 @@
       </p:grpSpPr>
       <p:sp>
         <p:nvSpPr>
-          <p:cNvPr id="180" name="Google Shape;180;p22"/>
+          <p:cNvPr id="185" name="Google Shape;185;p22"/>
+          <p:cNvSpPr txBox="1"/>
+          <p:nvPr>
+            <p:ph type="title"/>
+          </p:nvPr>
+        </p:nvSpPr>
+        <p:spPr>
+          <a:xfrm>
+            <a:off x="1297500" y="393750"/>
+            <a:ext cx="7038900" cy="914100"/>
+          </a:xfrm>
+          <a:prstGeom prst="rect">
+            <a:avLst/>
+          </a:prstGeom>
+        </p:spPr>
+        <p:txBody>
+          <a:bodyPr anchorCtr="0" anchor="t" bIns="91425" lIns="91425" spcFirstLastPara="1" rIns="91425" wrap="square" tIns="91425">
+            <a:normAutofit/>
+          </a:bodyPr>
+          <a:lstStyle/>
+          <a:p>
+            <a:pPr indent="0" lvl="0" marL="0" rtl="0" algn="l">
+              <a:spcBef>
+                <a:spcPts val="0"/>
+              </a:spcBef>
+              <a:spcAft>
+                <a:spcPts val="0"/>
+              </a:spcAft>
+              <a:buNone/>
+            </a:pPr>
+            <a:r>
+              <a:rPr lang="en"/>
+              <a:t>Create Itineraries</a:t>
+            </a:r>
+            <a:endParaRPr/>
+          </a:p>
+        </p:txBody>
+      </p:sp>
+      <p:sp>
+        <p:nvSpPr>
+          <p:cNvPr id="186" name="Google Shape;186;p22"/>
+          <p:cNvSpPr txBox="1"/>
+          <p:nvPr>
+            <p:ph idx="1" type="body"/>
+          </p:nvPr>
+        </p:nvSpPr>
+        <p:spPr>
+          <a:xfrm>
+            <a:off x="1297500" y="1567550"/>
+            <a:ext cx="7038900" cy="2911200"/>
+          </a:xfrm>
+          <a:prstGeom prst="rect">
+            <a:avLst/>
+          </a:prstGeom>
+        </p:spPr>
+        <p:txBody>
+          <a:bodyPr anchorCtr="0" anchor="t" bIns="91425" lIns="91425" spcFirstLastPara="1" rIns="91425" wrap="square" tIns="91425">
+            <a:noAutofit/>
+          </a:bodyPr>
+          <a:lstStyle/>
+          <a:p>
+            <a:pPr indent="-349250" lvl="0" marL="457200" rtl="0" algn="l">
+              <a:spcBef>
+                <a:spcPts val="0"/>
+              </a:spcBef>
+              <a:spcAft>
+                <a:spcPts val="0"/>
+              </a:spcAft>
+              <a:buSzPts val="1900"/>
+              <a:buFont typeface="Times New Roman"/>
+              <a:buChar char="●"/>
+            </a:pPr>
+            <a:r>
+              <a:rPr lang="en" sz="1900">
+                <a:latin typeface="Times New Roman"/>
+                <a:ea typeface="Times New Roman"/>
+                <a:cs typeface="Times New Roman"/>
+                <a:sym typeface="Times New Roman"/>
+              </a:rPr>
+              <a:t>When a card is clicked, a modal appears containing additional information on that location.</a:t>
+            </a:r>
+            <a:endParaRPr sz="1900">
+              <a:latin typeface="Times New Roman"/>
+              <a:ea typeface="Times New Roman"/>
+              <a:cs typeface="Times New Roman"/>
+              <a:sym typeface="Times New Roman"/>
+            </a:endParaRPr>
+          </a:p>
+          <a:p>
+            <a:pPr indent="-349250" lvl="1" marL="914400" rtl="0" algn="l">
+              <a:spcBef>
+                <a:spcPts val="0"/>
+              </a:spcBef>
+              <a:spcAft>
+                <a:spcPts val="0"/>
+              </a:spcAft>
+              <a:buSzPts val="1900"/>
+              <a:buFont typeface="Times New Roman"/>
+              <a:buChar char="○"/>
+            </a:pPr>
+            <a:r>
+              <a:rPr lang="en" sz="1900">
+                <a:latin typeface="Times New Roman"/>
+                <a:ea typeface="Times New Roman"/>
+                <a:cs typeface="Times New Roman"/>
+                <a:sym typeface="Times New Roman"/>
+              </a:rPr>
+              <a:t>Images</a:t>
+            </a:r>
+            <a:endParaRPr sz="1900">
+              <a:latin typeface="Times New Roman"/>
+              <a:ea typeface="Times New Roman"/>
+              <a:cs typeface="Times New Roman"/>
+              <a:sym typeface="Times New Roman"/>
+            </a:endParaRPr>
+          </a:p>
+          <a:p>
+            <a:pPr indent="-349250" lvl="1" marL="914400" rtl="0" algn="l">
+              <a:spcBef>
+                <a:spcPts val="0"/>
+              </a:spcBef>
+              <a:spcAft>
+                <a:spcPts val="0"/>
+              </a:spcAft>
+              <a:buSzPts val="1900"/>
+              <a:buFont typeface="Times New Roman"/>
+              <a:buChar char="○"/>
+            </a:pPr>
+            <a:r>
+              <a:rPr lang="en" sz="1900">
+                <a:latin typeface="Times New Roman"/>
+                <a:ea typeface="Times New Roman"/>
+                <a:cs typeface="Times New Roman"/>
+                <a:sym typeface="Times New Roman"/>
+              </a:rPr>
+              <a:t>A Description</a:t>
+            </a:r>
+            <a:endParaRPr sz="1900">
+              <a:latin typeface="Times New Roman"/>
+              <a:ea typeface="Times New Roman"/>
+              <a:cs typeface="Times New Roman"/>
+              <a:sym typeface="Times New Roman"/>
+            </a:endParaRPr>
+          </a:p>
+          <a:p>
+            <a:pPr indent="-349250" lvl="1" marL="914400" rtl="0" algn="l">
+              <a:spcBef>
+                <a:spcPts val="0"/>
+              </a:spcBef>
+              <a:spcAft>
+                <a:spcPts val="0"/>
+              </a:spcAft>
+              <a:buSzPts val="1900"/>
+              <a:buFont typeface="Times New Roman"/>
+              <a:buChar char="○"/>
+            </a:pPr>
+            <a:r>
+              <a:rPr lang="en" sz="1900">
+                <a:latin typeface="Times New Roman"/>
+                <a:ea typeface="Times New Roman"/>
+                <a:cs typeface="Times New Roman"/>
+                <a:sym typeface="Times New Roman"/>
+              </a:rPr>
+              <a:t>Ratings</a:t>
+            </a:r>
+            <a:endParaRPr sz="1900">
+              <a:latin typeface="Times New Roman"/>
+              <a:ea typeface="Times New Roman"/>
+              <a:cs typeface="Times New Roman"/>
+              <a:sym typeface="Times New Roman"/>
+            </a:endParaRPr>
+          </a:p>
+          <a:p>
+            <a:pPr indent="-349250" lvl="0" marL="457200" rtl="0" algn="l">
+              <a:spcBef>
+                <a:spcPts val="0"/>
+              </a:spcBef>
+              <a:spcAft>
+                <a:spcPts val="0"/>
+              </a:spcAft>
+              <a:buSzPts val="1900"/>
+              <a:buFont typeface="Times New Roman"/>
+              <a:buChar char="●"/>
+            </a:pPr>
+            <a:r>
+              <a:rPr lang="en" sz="1900">
+                <a:latin typeface="Times New Roman"/>
+                <a:ea typeface="Times New Roman"/>
+                <a:cs typeface="Times New Roman"/>
+                <a:sym typeface="Times New Roman"/>
+              </a:rPr>
+              <a:t>Modal has two buttons</a:t>
+            </a:r>
+            <a:endParaRPr sz="1900">
+              <a:latin typeface="Times New Roman"/>
+              <a:ea typeface="Times New Roman"/>
+              <a:cs typeface="Times New Roman"/>
+              <a:sym typeface="Times New Roman"/>
+            </a:endParaRPr>
+          </a:p>
+          <a:p>
+            <a:pPr indent="-349250" lvl="1" marL="914400" rtl="0" algn="l">
+              <a:spcBef>
+                <a:spcPts val="0"/>
+              </a:spcBef>
+              <a:spcAft>
+                <a:spcPts val="0"/>
+              </a:spcAft>
+              <a:buSzPts val="1900"/>
+              <a:buFont typeface="Times New Roman"/>
+              <a:buChar char="○"/>
+            </a:pPr>
+            <a:r>
+              <a:rPr lang="en" sz="1900">
+                <a:latin typeface="Times New Roman"/>
+                <a:ea typeface="Times New Roman"/>
+                <a:cs typeface="Times New Roman"/>
+                <a:sym typeface="Times New Roman"/>
+              </a:rPr>
+              <a:t>Add</a:t>
+            </a:r>
+            <a:endParaRPr sz="1900">
+              <a:latin typeface="Times New Roman"/>
+              <a:ea typeface="Times New Roman"/>
+              <a:cs typeface="Times New Roman"/>
+              <a:sym typeface="Times New Roman"/>
+            </a:endParaRPr>
+          </a:p>
+          <a:p>
+            <a:pPr indent="-349250" lvl="1" marL="914400" rtl="0" algn="l">
+              <a:spcBef>
+                <a:spcPts val="0"/>
+              </a:spcBef>
+              <a:spcAft>
+                <a:spcPts val="0"/>
+              </a:spcAft>
+              <a:buSzPts val="1900"/>
+              <a:buFont typeface="Times New Roman"/>
+              <a:buChar char="○"/>
+            </a:pPr>
+            <a:r>
+              <a:rPr lang="en" sz="1900">
+                <a:latin typeface="Times New Roman"/>
+                <a:ea typeface="Times New Roman"/>
+                <a:cs typeface="Times New Roman"/>
+                <a:sym typeface="Times New Roman"/>
+              </a:rPr>
+              <a:t>Cancel</a:t>
+            </a:r>
+            <a:endParaRPr sz="1900">
+              <a:latin typeface="Times New Roman"/>
+              <a:ea typeface="Times New Roman"/>
+              <a:cs typeface="Times New Roman"/>
+              <a:sym typeface="Times New Roman"/>
+            </a:endParaRPr>
+          </a:p>
+        </p:txBody>
+      </p:sp>
+    </p:spTree>
+  </p:cSld>
+  <p:clrMapOvr>
+    <a:masterClrMapping/>
+  </p:clrMapOvr>
+</p:sld>
+</file>
+
+<file path=ppt/slides/slide11.xml><?xml version="1.0" encoding="utf-8"?>
+<p:sld xmlns:a="http://schemas.openxmlformats.org/drawingml/2006/main" xmlns:r="http://schemas.openxmlformats.org/officeDocument/2006/relationships" xmlns:mc="http://schemas.openxmlformats.org/markup-compatibility/2006" xmlns:mv="urn:schemas-microsoft-com:mac:vml" xmlns:p="http://schemas.openxmlformats.org/presentationml/2006/main" xmlns:c="http://schemas.openxmlformats.org/drawingml/2006/chart" xmlns:dgm="http://schemas.openxmlformats.org/drawingml/2006/diagram" xmlns:o="urn:schemas-microsoft-com:office:office" xmlns:v="urn:schemas-microsoft-com:vml" xmlns:pvml="urn:schemas-microsoft-com:office:powerpoint" xmlns:com="http://schemas.openxmlformats.org/drawingml/2006/compatibility" xmlns:p14="http://schemas.microsoft.com/office/powerpoint/2010/main" xmlns:p15="http://schemas.microsoft.com/office/powerpoint/2012/main" xmlns:ahyp="http://schemas.microsoft.com/office/drawing/2018/hyperlinkcolor">
+  <p:cSld>
+    <p:spTree>
+      <p:nvGrpSpPr>
+        <p:cNvPr id="190" name="Shape 190"/>
+        <p:cNvGrpSpPr/>
+        <p:nvPr/>
+      </p:nvGrpSpPr>
+      <p:grpSpPr>
+        <a:xfrm>
+          <a:off x="0" y="0"/>
+          <a:ext cx="0" cy="0"/>
+          <a:chOff x="0" y="0"/>
+          <a:chExt cx="0" cy="0"/>
+        </a:xfrm>
+      </p:grpSpPr>
+      <p:sp>
+        <p:nvSpPr>
+          <p:cNvPr id="191" name="Google Shape;191;p23"/>
+          <p:cNvSpPr txBox="1"/>
+          <p:nvPr>
+            <p:ph type="title"/>
+          </p:nvPr>
+        </p:nvSpPr>
+        <p:spPr>
+          <a:xfrm>
+            <a:off x="1297500" y="393750"/>
+            <a:ext cx="7038900" cy="914100"/>
+          </a:xfrm>
+          <a:prstGeom prst="rect">
+            <a:avLst/>
+          </a:prstGeom>
+        </p:spPr>
+        <p:txBody>
+          <a:bodyPr anchorCtr="0" anchor="t" bIns="91425" lIns="91425" spcFirstLastPara="1" rIns="91425" wrap="square" tIns="91425">
+            <a:normAutofit/>
+          </a:bodyPr>
+          <a:lstStyle/>
+          <a:p>
+            <a:pPr indent="0" lvl="0" marL="0" rtl="0" algn="l">
+              <a:spcBef>
+                <a:spcPts val="0"/>
+              </a:spcBef>
+              <a:spcAft>
+                <a:spcPts val="0"/>
+              </a:spcAft>
+              <a:buNone/>
+            </a:pPr>
+            <a:r>
+              <a:rPr lang="en"/>
+              <a:t>Create Itineraries</a:t>
+            </a:r>
+            <a:endParaRPr/>
+          </a:p>
+        </p:txBody>
+      </p:sp>
+      <p:sp>
+        <p:nvSpPr>
+          <p:cNvPr id="192" name="Google Shape;192;p23"/>
+          <p:cNvSpPr txBox="1"/>
+          <p:nvPr>
+            <p:ph idx="1" type="body"/>
+          </p:nvPr>
+        </p:nvSpPr>
+        <p:spPr>
+          <a:xfrm>
+            <a:off x="1297500" y="1567550"/>
+            <a:ext cx="7038900" cy="2911200"/>
+          </a:xfrm>
+          <a:prstGeom prst="rect">
+            <a:avLst/>
+          </a:prstGeom>
+        </p:spPr>
+        <p:txBody>
+          <a:bodyPr anchorCtr="0" anchor="t" bIns="91425" lIns="91425" spcFirstLastPara="1" rIns="91425" wrap="square" tIns="91425">
+            <a:normAutofit/>
+          </a:bodyPr>
+          <a:lstStyle/>
+          <a:p>
+            <a:pPr indent="-349250" lvl="0" marL="457200" rtl="0" algn="l">
+              <a:spcBef>
+                <a:spcPts val="0"/>
+              </a:spcBef>
+              <a:spcAft>
+                <a:spcPts val="0"/>
+              </a:spcAft>
+              <a:buSzPts val="1900"/>
+              <a:buFont typeface="Times New Roman"/>
+              <a:buChar char="●"/>
+            </a:pPr>
+            <a:r>
+              <a:rPr lang="en" sz="1900">
+                <a:latin typeface="Times New Roman"/>
+                <a:ea typeface="Times New Roman"/>
+                <a:cs typeface="Times New Roman"/>
+                <a:sym typeface="Times New Roman"/>
+              </a:rPr>
+              <a:t>Calendar representing </a:t>
+            </a:r>
+            <a:r>
+              <a:rPr lang="en" sz="1900">
+                <a:latin typeface="Times New Roman"/>
+                <a:ea typeface="Times New Roman"/>
+                <a:cs typeface="Times New Roman"/>
+                <a:sym typeface="Times New Roman"/>
+              </a:rPr>
+              <a:t>itinerary</a:t>
+            </a:r>
+            <a:r>
+              <a:rPr lang="en" sz="1900">
+                <a:latin typeface="Times New Roman"/>
+                <a:ea typeface="Times New Roman"/>
+                <a:cs typeface="Times New Roman"/>
+                <a:sym typeface="Times New Roman"/>
+              </a:rPr>
+              <a:t> </a:t>
+            </a:r>
+            <a:endParaRPr sz="1900">
+              <a:latin typeface="Times New Roman"/>
+              <a:ea typeface="Times New Roman"/>
+              <a:cs typeface="Times New Roman"/>
+              <a:sym typeface="Times New Roman"/>
+            </a:endParaRPr>
+          </a:p>
+          <a:p>
+            <a:pPr indent="-349250" lvl="1" marL="914400" rtl="0" algn="l">
+              <a:spcBef>
+                <a:spcPts val="0"/>
+              </a:spcBef>
+              <a:spcAft>
+                <a:spcPts val="0"/>
+              </a:spcAft>
+              <a:buSzPts val="1900"/>
+              <a:buFont typeface="Times New Roman"/>
+              <a:buChar char="○"/>
+            </a:pPr>
+            <a:r>
+              <a:rPr lang="en" sz="1900">
+                <a:latin typeface="Times New Roman"/>
+                <a:ea typeface="Times New Roman"/>
+                <a:cs typeface="Times New Roman"/>
+                <a:sym typeface="Times New Roman"/>
+              </a:rPr>
+              <a:t>where locations are added</a:t>
+            </a:r>
+            <a:endParaRPr sz="1900">
+              <a:latin typeface="Times New Roman"/>
+              <a:ea typeface="Times New Roman"/>
+              <a:cs typeface="Times New Roman"/>
+              <a:sym typeface="Times New Roman"/>
+            </a:endParaRPr>
+          </a:p>
+          <a:p>
+            <a:pPr indent="-349250" lvl="1" marL="914400" rtl="0" algn="l">
+              <a:spcBef>
+                <a:spcPts val="0"/>
+              </a:spcBef>
+              <a:spcAft>
+                <a:spcPts val="0"/>
+              </a:spcAft>
+              <a:buSzPts val="1900"/>
+              <a:buFont typeface="Times New Roman"/>
+              <a:buChar char="○"/>
+            </a:pPr>
+            <a:r>
+              <a:rPr lang="en" sz="1900">
+                <a:latin typeface="Times New Roman"/>
+                <a:ea typeface="Times New Roman"/>
+                <a:cs typeface="Times New Roman"/>
+                <a:sym typeface="Times New Roman"/>
+              </a:rPr>
+              <a:t>Keeps track of the selected date and time of locations</a:t>
+            </a:r>
+            <a:endParaRPr sz="1900">
+              <a:latin typeface="Times New Roman"/>
+              <a:ea typeface="Times New Roman"/>
+              <a:cs typeface="Times New Roman"/>
+              <a:sym typeface="Times New Roman"/>
+            </a:endParaRPr>
+          </a:p>
+          <a:p>
+            <a:pPr indent="-349250" lvl="1" marL="914400" rtl="0" algn="l">
+              <a:spcBef>
+                <a:spcPts val="0"/>
+              </a:spcBef>
+              <a:spcAft>
+                <a:spcPts val="0"/>
+              </a:spcAft>
+              <a:buSzPts val="1900"/>
+              <a:buFont typeface="Times New Roman"/>
+              <a:buChar char="○"/>
+            </a:pPr>
+            <a:r>
+              <a:rPr lang="en" sz="1900">
+                <a:latin typeface="Times New Roman"/>
+                <a:ea typeface="Times New Roman"/>
+                <a:cs typeface="Times New Roman"/>
+                <a:sym typeface="Times New Roman"/>
+              </a:rPr>
+              <a:t>Save As button</a:t>
+            </a:r>
+            <a:endParaRPr sz="1900">
+              <a:latin typeface="Times New Roman"/>
+              <a:ea typeface="Times New Roman"/>
+              <a:cs typeface="Times New Roman"/>
+              <a:sym typeface="Times New Roman"/>
+            </a:endParaRPr>
+          </a:p>
+        </p:txBody>
+      </p:sp>
+    </p:spTree>
+  </p:cSld>
+  <p:clrMapOvr>
+    <a:masterClrMapping/>
+  </p:clrMapOvr>
+</p:sld>
+</file>
+
+<file path=ppt/slides/slide12.xml><?xml version="1.0" encoding="utf-8"?>
+<p:sld xmlns:a="http://schemas.openxmlformats.org/drawingml/2006/main" xmlns:r="http://schemas.openxmlformats.org/officeDocument/2006/relationships" xmlns:mc="http://schemas.openxmlformats.org/markup-compatibility/2006" xmlns:mv="urn:schemas-microsoft-com:mac:vml" xmlns:p="http://schemas.openxmlformats.org/presentationml/2006/main" xmlns:c="http://schemas.openxmlformats.org/drawingml/2006/chart" xmlns:dgm="http://schemas.openxmlformats.org/drawingml/2006/diagram" xmlns:o="urn:schemas-microsoft-com:office:office" xmlns:v="urn:schemas-microsoft-com:vml" xmlns:pvml="urn:schemas-microsoft-com:office:powerpoint" xmlns:com="http://schemas.openxmlformats.org/drawingml/2006/compatibility" xmlns:p14="http://schemas.microsoft.com/office/powerpoint/2010/main" xmlns:p15="http://schemas.microsoft.com/office/powerpoint/2012/main" xmlns:ahyp="http://schemas.microsoft.com/office/drawing/2018/hyperlinkcolor">
+  <p:cSld>
+    <p:spTree>
+      <p:nvGrpSpPr>
+        <p:cNvPr id="196" name="Shape 196"/>
+        <p:cNvGrpSpPr/>
+        <p:nvPr/>
+      </p:nvGrpSpPr>
+      <p:grpSpPr>
+        <a:xfrm>
+          <a:off x="0" y="0"/>
+          <a:ext cx="0" cy="0"/>
+          <a:chOff x="0" y="0"/>
+          <a:chExt cx="0" cy="0"/>
+        </a:xfrm>
+      </p:grpSpPr>
+      <p:sp>
+        <p:nvSpPr>
+          <p:cNvPr id="197" name="Google Shape;197;p24"/>
           <p:cNvSpPr txBox="1"/>
           <p:nvPr>
             <p:ph type="title"/>
@@ -11503,136 +11007,7 @@
             </a:pPr>
             <a:r>
               <a:rPr lang="en"/>
-              <a:t>Home Page</a:t>
-            </a:r>
-            <a:endParaRPr/>
-          </a:p>
-        </p:txBody>
-      </p:sp>
-    </p:spTree>
-  </p:cSld>
-  <p:clrMapOvr>
-    <a:masterClrMapping/>
-  </p:clrMapOvr>
-</p:sld>
-</file>
-
-<file path=ppt/slides/slide11.xml><?xml version="1.0" encoding="utf-8"?>
-<p:sld xmlns:a="http://schemas.openxmlformats.org/drawingml/2006/main" xmlns:r="http://schemas.openxmlformats.org/officeDocument/2006/relationships" xmlns:mc="http://schemas.openxmlformats.org/markup-compatibility/2006" xmlns:mv="urn:schemas-microsoft-com:mac:vml" xmlns:p="http://schemas.openxmlformats.org/presentationml/2006/main" xmlns:c="http://schemas.openxmlformats.org/drawingml/2006/chart" xmlns:dgm="http://schemas.openxmlformats.org/drawingml/2006/diagram" xmlns:o="urn:schemas-microsoft-com:office:office" xmlns:v="urn:schemas-microsoft-com:vml" xmlns:pvml="urn:schemas-microsoft-com:office:powerpoint" xmlns:com="http://schemas.openxmlformats.org/drawingml/2006/compatibility" xmlns:p14="http://schemas.microsoft.com/office/powerpoint/2010/main" xmlns:p15="http://schemas.microsoft.com/office/powerpoint/2012/main" xmlns:ahyp="http://schemas.microsoft.com/office/drawing/2018/hyperlinkcolor">
-  <p:cSld>
-    <p:spTree>
-      <p:nvGrpSpPr>
-        <p:cNvPr id="184" name="Shape 184"/>
-        <p:cNvGrpSpPr/>
-        <p:nvPr/>
-      </p:nvGrpSpPr>
-      <p:grpSpPr>
-        <a:xfrm>
-          <a:off x="0" y="0"/>
-          <a:ext cx="0" cy="0"/>
-          <a:chOff x="0" y="0"/>
-          <a:chExt cx="0" cy="0"/>
-        </a:xfrm>
-      </p:grpSpPr>
-      <p:sp>
-        <p:nvSpPr>
-          <p:cNvPr id="185" name="Google Shape;185;p23"/>
-          <p:cNvSpPr txBox="1"/>
-          <p:nvPr>
-            <p:ph idx="1" type="body"/>
-          </p:nvPr>
-        </p:nvSpPr>
-        <p:spPr>
-          <a:xfrm>
-            <a:off x="486800" y="403475"/>
-            <a:ext cx="7849500" cy="4075200"/>
-          </a:xfrm>
-          <a:prstGeom prst="rect">
-            <a:avLst/>
-          </a:prstGeom>
-        </p:spPr>
-        <p:txBody>
-          <a:bodyPr anchorCtr="0" anchor="t" bIns="91425" lIns="91425" spcFirstLastPara="1" rIns="91425" wrap="square" tIns="91425">
-            <a:normAutofit/>
-          </a:bodyPr>
-          <a:lstStyle/>
-          <a:p>
-            <a:pPr indent="0" lvl="0" marL="0" rtl="0" algn="l">
-              <a:spcBef>
-                <a:spcPts val="0"/>
-              </a:spcBef>
-              <a:spcAft>
-                <a:spcPts val="1200"/>
-              </a:spcAft>
-              <a:buNone/>
-            </a:pPr>
-            <a:r>
-              <a:t/>
-            </a:r>
-            <a:endParaRPr/>
-          </a:p>
-        </p:txBody>
-      </p:sp>
-    </p:spTree>
-  </p:cSld>
-  <p:clrMapOvr>
-    <a:masterClrMapping/>
-  </p:clrMapOvr>
-</p:sld>
-</file>
-
-<file path=ppt/slides/slide12.xml><?xml version="1.0" encoding="utf-8"?>
-<p:sld xmlns:a="http://schemas.openxmlformats.org/drawingml/2006/main" xmlns:r="http://schemas.openxmlformats.org/officeDocument/2006/relationships" xmlns:mc="http://schemas.openxmlformats.org/markup-compatibility/2006" xmlns:mv="urn:schemas-microsoft-com:mac:vml" xmlns:p="http://schemas.openxmlformats.org/presentationml/2006/main" xmlns:c="http://schemas.openxmlformats.org/drawingml/2006/chart" xmlns:dgm="http://schemas.openxmlformats.org/drawingml/2006/diagram" xmlns:o="urn:schemas-microsoft-com:office:office" xmlns:v="urn:schemas-microsoft-com:vml" xmlns:pvml="urn:schemas-microsoft-com:office:powerpoint" xmlns:com="http://schemas.openxmlformats.org/drawingml/2006/compatibility" xmlns:p14="http://schemas.microsoft.com/office/powerpoint/2010/main" xmlns:p15="http://schemas.microsoft.com/office/powerpoint/2012/main" xmlns:ahyp="http://schemas.microsoft.com/office/drawing/2018/hyperlinkcolor">
-  <p:cSld>
-    <p:spTree>
-      <p:nvGrpSpPr>
-        <p:cNvPr id="189" name="Shape 189"/>
-        <p:cNvGrpSpPr/>
-        <p:nvPr/>
-      </p:nvGrpSpPr>
-      <p:grpSpPr>
-        <a:xfrm>
-          <a:off x="0" y="0"/>
-          <a:ext cx="0" cy="0"/>
-          <a:chOff x="0" y="0"/>
-          <a:chExt cx="0" cy="0"/>
-        </a:xfrm>
-      </p:grpSpPr>
-      <p:sp>
-        <p:nvSpPr>
-          <p:cNvPr id="190" name="Google Shape;190;p24"/>
-          <p:cNvSpPr txBox="1"/>
-          <p:nvPr>
-            <p:ph type="title"/>
-          </p:nvPr>
-        </p:nvSpPr>
-        <p:spPr>
-          <a:xfrm>
-            <a:off x="2051825" y="1997400"/>
-            <a:ext cx="4587000" cy="1148700"/>
-          </a:xfrm>
-          <a:prstGeom prst="rect">
-            <a:avLst/>
-          </a:prstGeom>
-        </p:spPr>
-        <p:txBody>
-          <a:bodyPr anchorCtr="0" anchor="ctr" bIns="91425" lIns="91425" spcFirstLastPara="1" rIns="91425" wrap="square" tIns="91425">
-            <a:normAutofit/>
-          </a:bodyPr>
-          <a:lstStyle/>
-          <a:p>
-            <a:pPr indent="0" lvl="0" marL="0" rtl="0" algn="ctr">
-              <a:spcBef>
-                <a:spcPts val="0"/>
-              </a:spcBef>
-              <a:spcAft>
-                <a:spcPts val="0"/>
-              </a:spcAft>
-              <a:buNone/>
-            </a:pPr>
-            <a:r>
-              <a:rPr lang="en"/>
-              <a:t>Navigation Bar</a:t>
+              <a:t>View Itineraries</a:t>
             </a:r>
             <a:endParaRPr/>
           </a:p>
@@ -11651,7 +11026,7 @@
   <p:cSld>
     <p:spTree>
       <p:nvGrpSpPr>
-        <p:cNvPr id="194" name="Shape 194"/>
+        <p:cNvPr id="201" name="Shape 201"/>
         <p:cNvGrpSpPr/>
         <p:nvPr/>
       </p:nvGrpSpPr>
@@ -11665,7 +11040,7 @@
       </p:grpSpPr>
       <p:sp>
         <p:nvSpPr>
-          <p:cNvPr id="195" name="Google Shape;195;p25"/>
+          <p:cNvPr id="202" name="Google Shape;202;p25"/>
           <p:cNvSpPr txBox="1"/>
           <p:nvPr>
             <p:ph type="title"/>
@@ -11673,8 +11048,8 @@
         </p:nvSpPr>
         <p:spPr>
           <a:xfrm>
-            <a:off x="113375" y="108675"/>
-            <a:ext cx="4254600" cy="886800"/>
+            <a:off x="1297500" y="393750"/>
+            <a:ext cx="7038900" cy="914100"/>
           </a:xfrm>
           <a:prstGeom prst="rect">
             <a:avLst/>
@@ -11697,7 +11072,7 @@
             </a:pPr>
             <a:r>
               <a:rPr lang="en"/>
-              <a:t>Create Itineraries</a:t>
+              <a:t>View Itineraries</a:t>
             </a:r>
             <a:endParaRPr/>
           </a:p>
@@ -11705,7 +11080,7 @@
       </p:sp>
       <p:sp>
         <p:nvSpPr>
-          <p:cNvPr id="196" name="Google Shape;196;p25"/>
+          <p:cNvPr id="203" name="Google Shape;203;p25"/>
           <p:cNvSpPr txBox="1"/>
           <p:nvPr>
             <p:ph idx="1" type="body"/>
@@ -11713,8 +11088,8 @@
         </p:nvSpPr>
         <p:spPr>
           <a:xfrm>
-            <a:off x="113375" y="1149025"/>
-            <a:ext cx="8223000" cy="3329700"/>
+            <a:off x="1297500" y="1567550"/>
+            <a:ext cx="7038900" cy="2911200"/>
           </a:xfrm>
           <a:prstGeom prst="rect">
             <a:avLst/>
@@ -11722,7 +11097,7 @@
         </p:spPr>
         <p:txBody>
           <a:bodyPr anchorCtr="0" anchor="t" bIns="91425" lIns="91425" spcFirstLastPara="1" rIns="91425" wrap="square" tIns="91425">
-            <a:noAutofit/>
+            <a:normAutofit/>
           </a:bodyPr>
           <a:lstStyle/>
           <a:p>
@@ -11733,35 +11108,20 @@
               <a:spcAft>
                 <a:spcPts val="0"/>
               </a:spcAft>
-              <a:buClr>
-                <a:srgbClr val="000000"/>
-              </a:buClr>
               <a:buSzPts val="1900"/>
               <a:buFont typeface="Times New Roman"/>
               <a:buChar char="●"/>
             </a:pPr>
             <a:r>
               <a:rPr lang="en" sz="1900">
-                <a:solidFill>
-                  <a:srgbClr val="000000"/>
-                </a:solidFill>
-                <a:highlight>
-                  <a:schemeClr val="lt1"/>
-                </a:highlight>
                 <a:latin typeface="Times New Roman"/>
                 <a:ea typeface="Times New Roman"/>
                 <a:cs typeface="Times New Roman"/>
                 <a:sym typeface="Times New Roman"/>
               </a:rPr>
-              <a:t>Once clicked, the user will be presented a page where they can create itineraries</a:t>
+              <a:t>Once clicked, the user will be presented a page with all their built itineraries</a:t>
             </a:r>
             <a:endParaRPr sz="1900">
-              <a:solidFill>
-                <a:srgbClr val="000000"/>
-              </a:solidFill>
-              <a:highlight>
-                <a:schemeClr val="lt1"/>
-              </a:highlight>
               <a:latin typeface="Times New Roman"/>
               <a:ea typeface="Times New Roman"/>
               <a:cs typeface="Times New Roman"/>
@@ -11776,98 +11136,25 @@
               <a:spcAft>
                 <a:spcPts val="0"/>
               </a:spcAft>
-              <a:buClr>
-                <a:srgbClr val="000000"/>
-              </a:buClr>
               <a:buSzPts val="1900"/>
               <a:buFont typeface="Times New Roman"/>
               <a:buChar char="●"/>
             </a:pPr>
             <a:r>
               <a:rPr lang="en" sz="1900">
-                <a:solidFill>
-                  <a:srgbClr val="000000"/>
-                </a:solidFill>
-                <a:highlight>
-                  <a:schemeClr val="lt1"/>
-                </a:highlight>
                 <a:latin typeface="Times New Roman"/>
                 <a:ea typeface="Times New Roman"/>
                 <a:cs typeface="Times New Roman"/>
                 <a:sym typeface="Times New Roman"/>
               </a:rPr>
-              <a:t>There will be a label for their Travel Destination</a:t>
+              <a:t>Itineraries will be displayed as a list of Cards ordered by creation date</a:t>
             </a:r>
             <a:endParaRPr sz="1900">
-              <a:solidFill>
-                <a:srgbClr val="000000"/>
-              </a:solidFill>
-              <a:highlight>
-                <a:schemeClr val="lt1"/>
-              </a:highlight>
               <a:latin typeface="Times New Roman"/>
               <a:ea typeface="Times New Roman"/>
               <a:cs typeface="Times New Roman"/>
               <a:sym typeface="Times New Roman"/>
             </a:endParaRPr>
-          </a:p>
-          <a:p>
-            <a:pPr indent="-349250" lvl="0" marL="457200" rtl="0" algn="l">
-              <a:spcBef>
-                <a:spcPts val="0"/>
-              </a:spcBef>
-              <a:spcAft>
-                <a:spcPts val="0"/>
-              </a:spcAft>
-              <a:buClr>
-                <a:srgbClr val="000000"/>
-              </a:buClr>
-              <a:buSzPts val="1900"/>
-              <a:buFont typeface="Times New Roman"/>
-              <a:buChar char="●"/>
-            </a:pPr>
-            <a:r>
-              <a:rPr lang="en" sz="1900">
-                <a:solidFill>
-                  <a:srgbClr val="000000"/>
-                </a:solidFill>
-                <a:highlight>
-                  <a:schemeClr val="lt1"/>
-                </a:highlight>
-                <a:latin typeface="Times New Roman"/>
-                <a:ea typeface="Times New Roman"/>
-                <a:cs typeface="Times New Roman"/>
-                <a:sym typeface="Times New Roman"/>
-              </a:rPr>
-              <a:t>There will be an input box for their Travel Destination</a:t>
-            </a:r>
-            <a:endParaRPr sz="1900">
-              <a:solidFill>
-                <a:srgbClr val="000000"/>
-              </a:solidFill>
-              <a:highlight>
-                <a:schemeClr val="lt1"/>
-              </a:highlight>
-              <a:latin typeface="Times New Roman"/>
-              <a:ea typeface="Times New Roman"/>
-              <a:cs typeface="Times New Roman"/>
-              <a:sym typeface="Times New Roman"/>
-            </a:endParaRPr>
-          </a:p>
-          <a:p>
-            <a:pPr indent="0" lvl="0" marL="0" rtl="0" algn="l">
-              <a:spcBef>
-                <a:spcPts val="0"/>
-              </a:spcBef>
-              <a:spcAft>
-                <a:spcPts val="1200"/>
-              </a:spcAft>
-              <a:buNone/>
-            </a:pPr>
-            <a:r>
-              <a:t/>
-            </a:r>
-            <a:endParaRPr/>
           </a:p>
         </p:txBody>
       </p:sp>
@@ -11884,7 +11171,7 @@
   <p:cSld>
     <p:spTree>
       <p:nvGrpSpPr>
-        <p:cNvPr id="200" name="Shape 200"/>
+        <p:cNvPr id="207" name="Shape 207"/>
         <p:cNvGrpSpPr/>
         <p:nvPr/>
       </p:nvGrpSpPr>
@@ -11898,7 +11185,47 @@
       </p:grpSpPr>
       <p:sp>
         <p:nvSpPr>
-          <p:cNvPr id="201" name="Google Shape;201;p26"/>
+          <p:cNvPr id="208" name="Google Shape;208;p26"/>
+          <p:cNvSpPr txBox="1"/>
+          <p:nvPr>
+            <p:ph type="title"/>
+          </p:nvPr>
+        </p:nvSpPr>
+        <p:spPr>
+          <a:xfrm>
+            <a:off x="1297500" y="393750"/>
+            <a:ext cx="7038900" cy="914100"/>
+          </a:xfrm>
+          <a:prstGeom prst="rect">
+            <a:avLst/>
+          </a:prstGeom>
+        </p:spPr>
+        <p:txBody>
+          <a:bodyPr anchorCtr="0" anchor="t" bIns="91425" lIns="91425" spcFirstLastPara="1" rIns="91425" wrap="square" tIns="91425">
+            <a:normAutofit/>
+          </a:bodyPr>
+          <a:lstStyle/>
+          <a:p>
+            <a:pPr indent="0" lvl="0" marL="0" rtl="0" algn="l">
+              <a:spcBef>
+                <a:spcPts val="0"/>
+              </a:spcBef>
+              <a:spcAft>
+                <a:spcPts val="0"/>
+              </a:spcAft>
+              <a:buNone/>
+            </a:pPr>
+            <a:r>
+              <a:rPr lang="en"/>
+              <a:t>View Itineraries</a:t>
+            </a:r>
+            <a:endParaRPr/>
+          </a:p>
+        </p:txBody>
+      </p:sp>
+      <p:sp>
+        <p:nvSpPr>
+          <p:cNvPr id="209" name="Google Shape;209;p26"/>
           <p:cNvSpPr txBox="1"/>
           <p:nvPr>
             <p:ph idx="1" type="body"/>
@@ -11906,8 +11233,8 @@
         </p:nvSpPr>
         <p:spPr>
           <a:xfrm>
-            <a:off x="421025" y="249975"/>
-            <a:ext cx="7915500" cy="4228800"/>
+            <a:off x="1297500" y="1567550"/>
+            <a:ext cx="7038900" cy="2911200"/>
           </a:xfrm>
           <a:prstGeom prst="rect">
             <a:avLst/>
@@ -11926,35 +11253,20 @@
               <a:spcAft>
                 <a:spcPts val="0"/>
               </a:spcAft>
-              <a:buClr>
-                <a:srgbClr val="000000"/>
-              </a:buClr>
               <a:buSzPts val="1900"/>
               <a:buFont typeface="Times New Roman"/>
               <a:buChar char="●"/>
             </a:pPr>
             <a:r>
               <a:rPr lang="en" sz="1900">
-                <a:solidFill>
-                  <a:srgbClr val="000000"/>
-                </a:solidFill>
-                <a:highlight>
-                  <a:schemeClr val="lt1"/>
-                </a:highlight>
                 <a:latin typeface="Times New Roman"/>
                 <a:ea typeface="Times New Roman"/>
                 <a:cs typeface="Times New Roman"/>
                 <a:sym typeface="Times New Roman"/>
               </a:rPr>
-              <a:t>The application will be able to detect the user’s current location and generate suggestions for their Travel Destination</a:t>
+              <a:t>When clicked, cards expand into a more detailed view of the itinerary</a:t>
             </a:r>
             <a:endParaRPr sz="1900">
-              <a:solidFill>
-                <a:srgbClr val="000000"/>
-              </a:solidFill>
-              <a:highlight>
-                <a:schemeClr val="lt1"/>
-              </a:highlight>
               <a:latin typeface="Times New Roman"/>
               <a:ea typeface="Times New Roman"/>
               <a:cs typeface="Times New Roman"/>
@@ -11969,35 +11281,20 @@
               <a:spcAft>
                 <a:spcPts val="0"/>
               </a:spcAft>
-              <a:buClr>
-                <a:srgbClr val="000000"/>
-              </a:buClr>
               <a:buSzPts val="1900"/>
               <a:buFont typeface="Times New Roman"/>
               <a:buChar char="○"/>
             </a:pPr>
             <a:r>
               <a:rPr lang="en" sz="1900">
-                <a:solidFill>
-                  <a:srgbClr val="000000"/>
-                </a:solidFill>
-                <a:highlight>
-                  <a:schemeClr val="lt1"/>
-                </a:highlight>
                 <a:latin typeface="Times New Roman"/>
                 <a:ea typeface="Times New Roman"/>
                 <a:cs typeface="Times New Roman"/>
                 <a:sym typeface="Times New Roman"/>
               </a:rPr>
-              <a:t>Once the destination searched for is found, the user will be presented a sidebar with several categories</a:t>
+              <a:t>A calendar view containing locations/events for each day</a:t>
             </a:r>
             <a:endParaRPr sz="1900">
-              <a:solidFill>
-                <a:srgbClr val="000000"/>
-              </a:solidFill>
-              <a:highlight>
-                <a:schemeClr val="lt1"/>
-              </a:highlight>
               <a:latin typeface="Times New Roman"/>
               <a:ea typeface="Times New Roman"/>
               <a:cs typeface="Times New Roman"/>
@@ -12005,1414 +11302,27 @@
             </a:endParaRPr>
           </a:p>
           <a:p>
-            <a:pPr indent="-349250" lvl="2" marL="1371600" rtl="0" algn="l">
-              <a:spcBef>
-                <a:spcPts val="0"/>
-              </a:spcBef>
-              <a:spcAft>
-                <a:spcPts val="0"/>
-              </a:spcAft>
-              <a:buClr>
-                <a:srgbClr val="000000"/>
-              </a:buClr>
-              <a:buSzPts val="1900"/>
-              <a:buFont typeface="Times New Roman"/>
-              <a:buChar char="■"/>
-            </a:pPr>
-            <a:r>
-              <a:rPr lang="en" sz="1900">
-                <a:solidFill>
-                  <a:srgbClr val="000000"/>
-                </a:solidFill>
-                <a:highlight>
-                  <a:schemeClr val="lt1"/>
-                </a:highlight>
-                <a:latin typeface="Times New Roman"/>
-                <a:ea typeface="Times New Roman"/>
-                <a:cs typeface="Times New Roman"/>
-                <a:sym typeface="Times New Roman"/>
-              </a:rPr>
-              <a:t>Lodging is the Default category selected</a:t>
-            </a:r>
-            <a:endParaRPr sz="1900">
-              <a:solidFill>
-                <a:srgbClr val="000000"/>
-              </a:solidFill>
-              <a:highlight>
-                <a:schemeClr val="lt1"/>
-              </a:highlight>
-              <a:latin typeface="Times New Roman"/>
-              <a:ea typeface="Times New Roman"/>
-              <a:cs typeface="Times New Roman"/>
-              <a:sym typeface="Times New Roman"/>
-            </a:endParaRPr>
-          </a:p>
-          <a:p>
-            <a:pPr indent="-349250" lvl="3" marL="1828800" rtl="0" algn="l">
-              <a:spcBef>
-                <a:spcPts val="0"/>
-              </a:spcBef>
-              <a:spcAft>
-                <a:spcPts val="0"/>
-              </a:spcAft>
-              <a:buClr>
-                <a:srgbClr val="000000"/>
-              </a:buClr>
+            <a:pPr indent="-349250" lvl="0" marL="457200" rtl="0" algn="l">
+              <a:spcBef>
+                <a:spcPts val="0"/>
+              </a:spcBef>
+              <a:spcAft>
+                <a:spcPts val="0"/>
+              </a:spcAft>
               <a:buSzPts val="1900"/>
               <a:buFont typeface="Times New Roman"/>
               <a:buChar char="●"/>
             </a:pPr>
             <a:r>
               <a:rPr lang="en" sz="1900">
-                <a:solidFill>
-                  <a:srgbClr val="000000"/>
-                </a:solidFill>
-                <a:highlight>
-                  <a:schemeClr val="lt1"/>
-                </a:highlight>
                 <a:latin typeface="Times New Roman"/>
                 <a:ea typeface="Times New Roman"/>
                 <a:cs typeface="Times New Roman"/>
                 <a:sym typeface="Times New Roman"/>
               </a:rPr>
-              <a:t>Hotel </a:t>
+              <a:t>Days within the calendar can be expanded more</a:t>
             </a:r>
             <a:endParaRPr sz="1900">
-              <a:solidFill>
-                <a:srgbClr val="000000"/>
-              </a:solidFill>
-              <a:highlight>
-                <a:schemeClr val="lt1"/>
-              </a:highlight>
-              <a:latin typeface="Times New Roman"/>
-              <a:ea typeface="Times New Roman"/>
-              <a:cs typeface="Times New Roman"/>
-              <a:sym typeface="Times New Roman"/>
-            </a:endParaRPr>
-          </a:p>
-          <a:p>
-            <a:pPr indent="-349250" lvl="3" marL="1828800" rtl="0" algn="l">
-              <a:spcBef>
-                <a:spcPts val="0"/>
-              </a:spcBef>
-              <a:spcAft>
-                <a:spcPts val="0"/>
-              </a:spcAft>
-              <a:buClr>
-                <a:srgbClr val="000000"/>
-              </a:buClr>
-              <a:buSzPts val="1900"/>
-              <a:buFont typeface="Times New Roman"/>
-              <a:buChar char="●"/>
-            </a:pPr>
-            <a:r>
-              <a:rPr lang="en" sz="1900">
-                <a:solidFill>
-                  <a:srgbClr val="000000"/>
-                </a:solidFill>
-                <a:highlight>
-                  <a:schemeClr val="lt1"/>
-                </a:highlight>
-                <a:latin typeface="Times New Roman"/>
-                <a:ea typeface="Times New Roman"/>
-                <a:cs typeface="Times New Roman"/>
-                <a:sym typeface="Times New Roman"/>
-              </a:rPr>
-              <a:t>Bed and breakfast</a:t>
-            </a:r>
-            <a:endParaRPr sz="1900">
-              <a:solidFill>
-                <a:srgbClr val="000000"/>
-              </a:solidFill>
-              <a:highlight>
-                <a:schemeClr val="lt1"/>
-              </a:highlight>
-              <a:latin typeface="Times New Roman"/>
-              <a:ea typeface="Times New Roman"/>
-              <a:cs typeface="Times New Roman"/>
-              <a:sym typeface="Times New Roman"/>
-            </a:endParaRPr>
-          </a:p>
-          <a:p>
-            <a:pPr indent="-349250" lvl="3" marL="1828800" rtl="0" algn="l">
-              <a:spcBef>
-                <a:spcPts val="0"/>
-              </a:spcBef>
-              <a:spcAft>
-                <a:spcPts val="0"/>
-              </a:spcAft>
-              <a:buClr>
-                <a:srgbClr val="000000"/>
-              </a:buClr>
-              <a:buSzPts val="1900"/>
-              <a:buFont typeface="Times New Roman"/>
-              <a:buChar char="●"/>
-            </a:pPr>
-            <a:r>
-              <a:rPr lang="en" sz="1900">
-                <a:solidFill>
-                  <a:srgbClr val="000000"/>
-                </a:solidFill>
-                <a:highlight>
-                  <a:schemeClr val="lt1"/>
-                </a:highlight>
-                <a:latin typeface="Times New Roman"/>
-                <a:ea typeface="Times New Roman"/>
-                <a:cs typeface="Times New Roman"/>
-                <a:sym typeface="Times New Roman"/>
-              </a:rPr>
-              <a:t>Specialty lodging</a:t>
-            </a:r>
-            <a:endParaRPr sz="1900">
-              <a:solidFill>
-                <a:srgbClr val="000000"/>
-              </a:solidFill>
-              <a:highlight>
-                <a:schemeClr val="lt1"/>
-              </a:highlight>
-              <a:latin typeface="Times New Roman"/>
-              <a:ea typeface="Times New Roman"/>
-              <a:cs typeface="Times New Roman"/>
-              <a:sym typeface="Times New Roman"/>
-            </a:endParaRPr>
-          </a:p>
-          <a:p>
-            <a:pPr indent="-349250" lvl="2" marL="1371600" rtl="0" algn="l">
-              <a:spcBef>
-                <a:spcPts val="0"/>
-              </a:spcBef>
-              <a:spcAft>
-                <a:spcPts val="0"/>
-              </a:spcAft>
-              <a:buClr>
-                <a:srgbClr val="000000"/>
-              </a:buClr>
-              <a:buSzPts val="1900"/>
-              <a:buFont typeface="Times New Roman"/>
-              <a:buChar char="■"/>
-            </a:pPr>
-            <a:r>
-              <a:rPr lang="en" sz="1900">
-                <a:solidFill>
-                  <a:srgbClr val="000000"/>
-                </a:solidFill>
-                <a:highlight>
-                  <a:schemeClr val="lt1"/>
-                </a:highlight>
-                <a:latin typeface="Times New Roman"/>
-                <a:ea typeface="Times New Roman"/>
-                <a:cs typeface="Times New Roman"/>
-                <a:sym typeface="Times New Roman"/>
-              </a:rPr>
-              <a:t>Dining</a:t>
-            </a:r>
-            <a:endParaRPr sz="1900">
-              <a:solidFill>
-                <a:srgbClr val="000000"/>
-              </a:solidFill>
-              <a:highlight>
-                <a:schemeClr val="lt1"/>
-              </a:highlight>
-              <a:latin typeface="Times New Roman"/>
-              <a:ea typeface="Times New Roman"/>
-              <a:cs typeface="Times New Roman"/>
-              <a:sym typeface="Times New Roman"/>
-            </a:endParaRPr>
-          </a:p>
-          <a:p>
-            <a:pPr indent="-349250" lvl="3" marL="1828800" rtl="0" algn="l">
-              <a:spcBef>
-                <a:spcPts val="0"/>
-              </a:spcBef>
-              <a:spcAft>
-                <a:spcPts val="0"/>
-              </a:spcAft>
-              <a:buClr>
-                <a:srgbClr val="000000"/>
-              </a:buClr>
-              <a:buSzPts val="1900"/>
-              <a:buFont typeface="Times New Roman"/>
-              <a:buChar char="●"/>
-            </a:pPr>
-            <a:r>
-              <a:rPr lang="en" sz="1900">
-                <a:solidFill>
-                  <a:srgbClr val="000000"/>
-                </a:solidFill>
-                <a:highlight>
-                  <a:schemeClr val="lt1"/>
-                </a:highlight>
-                <a:latin typeface="Times New Roman"/>
-                <a:ea typeface="Times New Roman"/>
-                <a:cs typeface="Times New Roman"/>
-                <a:sym typeface="Times New Roman"/>
-              </a:rPr>
-              <a:t>Can be sorted by Subcategories</a:t>
-            </a:r>
-            <a:endParaRPr sz="1900">
-              <a:solidFill>
-                <a:srgbClr val="000000"/>
-              </a:solidFill>
-              <a:highlight>
-                <a:schemeClr val="lt1"/>
-              </a:highlight>
-              <a:latin typeface="Times New Roman"/>
-              <a:ea typeface="Times New Roman"/>
-              <a:cs typeface="Times New Roman"/>
-              <a:sym typeface="Times New Roman"/>
-            </a:endParaRPr>
-          </a:p>
-          <a:p>
-            <a:pPr indent="0" lvl="0" marL="0" rtl="0" algn="l">
-              <a:spcBef>
-                <a:spcPts val="0"/>
-              </a:spcBef>
-              <a:spcAft>
-                <a:spcPts val="0"/>
-              </a:spcAft>
-              <a:buNone/>
-            </a:pPr>
-            <a:r>
-              <a:t/>
-            </a:r>
-            <a:endParaRPr sz="1900">
-              <a:highlight>
-                <a:schemeClr val="lt1"/>
-              </a:highlight>
-            </a:endParaRPr>
-          </a:p>
-          <a:p>
-            <a:pPr indent="0" lvl="0" marL="0" rtl="0" algn="l">
-              <a:spcBef>
-                <a:spcPts val="1200"/>
-              </a:spcBef>
-              <a:spcAft>
-                <a:spcPts val="1200"/>
-              </a:spcAft>
-              <a:buNone/>
-            </a:pPr>
-            <a:r>
-              <a:t/>
-            </a:r>
-            <a:endParaRPr/>
-          </a:p>
-        </p:txBody>
-      </p:sp>
-    </p:spTree>
-  </p:cSld>
-  <p:clrMapOvr>
-    <a:masterClrMapping/>
-  </p:clrMapOvr>
-</p:sld>
-</file>
-
-<file path=ppt/slides/slide15.xml><?xml version="1.0" encoding="utf-8"?>
-<p:sld xmlns:a="http://schemas.openxmlformats.org/drawingml/2006/main" xmlns:r="http://schemas.openxmlformats.org/officeDocument/2006/relationships" xmlns:mc="http://schemas.openxmlformats.org/markup-compatibility/2006" xmlns:mv="urn:schemas-microsoft-com:mac:vml" xmlns:p="http://schemas.openxmlformats.org/presentationml/2006/main" xmlns:c="http://schemas.openxmlformats.org/drawingml/2006/chart" xmlns:dgm="http://schemas.openxmlformats.org/drawingml/2006/diagram" xmlns:o="urn:schemas-microsoft-com:office:office" xmlns:v="urn:schemas-microsoft-com:vml" xmlns:pvml="urn:schemas-microsoft-com:office:powerpoint" xmlns:com="http://schemas.openxmlformats.org/drawingml/2006/compatibility" xmlns:p14="http://schemas.microsoft.com/office/powerpoint/2010/main" xmlns:p15="http://schemas.microsoft.com/office/powerpoint/2012/main" xmlns:ahyp="http://schemas.microsoft.com/office/drawing/2018/hyperlinkcolor">
-  <p:cSld>
-    <p:spTree>
-      <p:nvGrpSpPr>
-        <p:cNvPr id="205" name="Shape 205"/>
-        <p:cNvGrpSpPr/>
-        <p:nvPr/>
-      </p:nvGrpSpPr>
-      <p:grpSpPr>
-        <a:xfrm>
-          <a:off x="0" y="0"/>
-          <a:ext cx="0" cy="0"/>
-          <a:chOff x="0" y="0"/>
-          <a:chExt cx="0" cy="0"/>
-        </a:xfrm>
-      </p:grpSpPr>
-      <p:sp>
-        <p:nvSpPr>
-          <p:cNvPr id="206" name="Google Shape;206;p27"/>
-          <p:cNvSpPr txBox="1"/>
-          <p:nvPr>
-            <p:ph idx="1" type="body"/>
-          </p:nvPr>
-        </p:nvSpPr>
-        <p:spPr>
-          <a:xfrm>
-            <a:off x="377175" y="535050"/>
-            <a:ext cx="7959300" cy="3943800"/>
-          </a:xfrm>
-          <a:prstGeom prst="rect">
-            <a:avLst/>
-          </a:prstGeom>
-        </p:spPr>
-        <p:txBody>
-          <a:bodyPr anchorCtr="0" anchor="t" bIns="91425" lIns="91425" spcFirstLastPara="1" rIns="91425" wrap="square" tIns="91425">
-            <a:noAutofit/>
-          </a:bodyPr>
-          <a:lstStyle/>
-          <a:p>
-            <a:pPr indent="-349250" lvl="2" marL="1371600" rtl="0" algn="l">
-              <a:spcBef>
-                <a:spcPts val="0"/>
-              </a:spcBef>
-              <a:spcAft>
-                <a:spcPts val="0"/>
-              </a:spcAft>
-              <a:buClr>
-                <a:srgbClr val="000000"/>
-              </a:buClr>
-              <a:buSzPts val="1900"/>
-              <a:buFont typeface="Times New Roman"/>
-              <a:buChar char="■"/>
-            </a:pPr>
-            <a:r>
-              <a:rPr lang="en" sz="1900">
-                <a:solidFill>
-                  <a:srgbClr val="000000"/>
-                </a:solidFill>
-                <a:highlight>
-                  <a:schemeClr val="lt1"/>
-                </a:highlight>
-                <a:latin typeface="Times New Roman"/>
-                <a:ea typeface="Times New Roman"/>
-                <a:cs typeface="Times New Roman"/>
-                <a:sym typeface="Times New Roman"/>
-              </a:rPr>
-              <a:t>Attractions</a:t>
-            </a:r>
-            <a:endParaRPr sz="1900">
-              <a:solidFill>
-                <a:srgbClr val="000000"/>
-              </a:solidFill>
-              <a:highlight>
-                <a:schemeClr val="lt1"/>
-              </a:highlight>
-              <a:latin typeface="Times New Roman"/>
-              <a:ea typeface="Times New Roman"/>
-              <a:cs typeface="Times New Roman"/>
-              <a:sym typeface="Times New Roman"/>
-            </a:endParaRPr>
-          </a:p>
-          <a:p>
-            <a:pPr indent="-349250" lvl="3" marL="1828800" rtl="0" algn="l">
-              <a:spcBef>
-                <a:spcPts val="0"/>
-              </a:spcBef>
-              <a:spcAft>
-                <a:spcPts val="0"/>
-              </a:spcAft>
-              <a:buClr>
-                <a:srgbClr val="000000"/>
-              </a:buClr>
-              <a:buSzPts val="1900"/>
-              <a:buFont typeface="Times New Roman"/>
-              <a:buChar char="●"/>
-            </a:pPr>
-            <a:r>
-              <a:rPr lang="en" sz="1900">
-                <a:solidFill>
-                  <a:srgbClr val="000000"/>
-                </a:solidFill>
-                <a:highlight>
-                  <a:schemeClr val="lt1"/>
-                </a:highlight>
-                <a:latin typeface="Times New Roman"/>
-                <a:ea typeface="Times New Roman"/>
-                <a:cs typeface="Times New Roman"/>
-                <a:sym typeface="Times New Roman"/>
-              </a:rPr>
-              <a:t>Subcatagories</a:t>
-            </a:r>
-            <a:endParaRPr sz="1900">
-              <a:solidFill>
-                <a:srgbClr val="000000"/>
-              </a:solidFill>
-              <a:highlight>
-                <a:schemeClr val="lt1"/>
-              </a:highlight>
-              <a:latin typeface="Times New Roman"/>
-              <a:ea typeface="Times New Roman"/>
-              <a:cs typeface="Times New Roman"/>
-              <a:sym typeface="Times New Roman"/>
-            </a:endParaRPr>
-          </a:p>
-          <a:p>
-            <a:pPr indent="-349250" lvl="3" marL="1828800" rtl="0" algn="l">
-              <a:spcBef>
-                <a:spcPts val="0"/>
-              </a:spcBef>
-              <a:spcAft>
-                <a:spcPts val="0"/>
-              </a:spcAft>
-              <a:buClr>
-                <a:srgbClr val="000000"/>
-              </a:buClr>
-              <a:buSzPts val="1900"/>
-              <a:buFont typeface="Times New Roman"/>
-              <a:buChar char="●"/>
-            </a:pPr>
-            <a:r>
-              <a:rPr lang="en" sz="1900">
-                <a:solidFill>
-                  <a:srgbClr val="000000"/>
-                </a:solidFill>
-                <a:highlight>
-                  <a:schemeClr val="lt1"/>
-                </a:highlight>
-                <a:latin typeface="Times New Roman"/>
-                <a:ea typeface="Times New Roman"/>
-                <a:cs typeface="Times New Roman"/>
-                <a:sym typeface="Times New Roman"/>
-              </a:rPr>
-              <a:t>Filters for attractions include</a:t>
-            </a:r>
-            <a:endParaRPr sz="1900">
-              <a:solidFill>
-                <a:srgbClr val="000000"/>
-              </a:solidFill>
-              <a:highlight>
-                <a:schemeClr val="lt1"/>
-              </a:highlight>
-              <a:latin typeface="Times New Roman"/>
-              <a:ea typeface="Times New Roman"/>
-              <a:cs typeface="Times New Roman"/>
-              <a:sym typeface="Times New Roman"/>
-            </a:endParaRPr>
-          </a:p>
-          <a:p>
-            <a:pPr indent="-349250" lvl="2" marL="1371600" rtl="0" algn="l">
-              <a:spcBef>
-                <a:spcPts val="0"/>
-              </a:spcBef>
-              <a:spcAft>
-                <a:spcPts val="0"/>
-              </a:spcAft>
-              <a:buClr>
-                <a:srgbClr val="000000"/>
-              </a:buClr>
-              <a:buSzPts val="1900"/>
-              <a:buFont typeface="Times New Roman"/>
-              <a:buChar char="■"/>
-            </a:pPr>
-            <a:r>
-              <a:rPr lang="en" sz="1900">
-                <a:solidFill>
-                  <a:srgbClr val="000000"/>
-                </a:solidFill>
-                <a:highlight>
-                  <a:schemeClr val="lt1"/>
-                </a:highlight>
-                <a:latin typeface="Times New Roman"/>
-                <a:ea typeface="Times New Roman"/>
-                <a:cs typeface="Times New Roman"/>
-                <a:sym typeface="Times New Roman"/>
-              </a:rPr>
-              <a:t>A drop-down menu will be above where locations are displayed containing a variety of sub-categories to filter locations</a:t>
-            </a:r>
-            <a:endParaRPr sz="1900">
-              <a:solidFill>
-                <a:srgbClr val="000000"/>
-              </a:solidFill>
-              <a:highlight>
-                <a:schemeClr val="lt1"/>
-              </a:highlight>
-              <a:latin typeface="Times New Roman"/>
-              <a:ea typeface="Times New Roman"/>
-              <a:cs typeface="Times New Roman"/>
-              <a:sym typeface="Times New Roman"/>
-            </a:endParaRPr>
-          </a:p>
-          <a:p>
-            <a:pPr indent="-349250" lvl="2" marL="1371600" rtl="0" algn="l">
-              <a:spcBef>
-                <a:spcPts val="0"/>
-              </a:spcBef>
-              <a:spcAft>
-                <a:spcPts val="0"/>
-              </a:spcAft>
-              <a:buClr>
-                <a:srgbClr val="000000"/>
-              </a:buClr>
-              <a:buSzPts val="1900"/>
-              <a:buFont typeface="Times New Roman"/>
-              <a:buChar char="■"/>
-            </a:pPr>
-            <a:r>
-              <a:rPr lang="en" sz="1900">
-                <a:solidFill>
-                  <a:srgbClr val="000000"/>
-                </a:solidFill>
-                <a:highlight>
-                  <a:schemeClr val="lt1"/>
-                </a:highlight>
-                <a:latin typeface="Times New Roman"/>
-                <a:ea typeface="Times New Roman"/>
-                <a:cs typeface="Times New Roman"/>
-                <a:sym typeface="Times New Roman"/>
-              </a:rPr>
-              <a:t>Once a category is selected, locations of the category will be displayed as a list of cards</a:t>
-            </a:r>
-            <a:endParaRPr sz="1900">
-              <a:solidFill>
-                <a:srgbClr val="000000"/>
-              </a:solidFill>
-              <a:highlight>
-                <a:schemeClr val="lt1"/>
-              </a:highlight>
-              <a:latin typeface="Times New Roman"/>
-              <a:ea typeface="Times New Roman"/>
-              <a:cs typeface="Times New Roman"/>
-              <a:sym typeface="Times New Roman"/>
-            </a:endParaRPr>
-          </a:p>
-          <a:p>
-            <a:pPr indent="-349250" lvl="3" marL="1828800" rtl="0" algn="l">
-              <a:spcBef>
-                <a:spcPts val="0"/>
-              </a:spcBef>
-              <a:spcAft>
-                <a:spcPts val="0"/>
-              </a:spcAft>
-              <a:buClr>
-                <a:srgbClr val="000000"/>
-              </a:buClr>
-              <a:buSzPts val="1900"/>
-              <a:buFont typeface="Times New Roman"/>
-              <a:buChar char="●"/>
-            </a:pPr>
-            <a:r>
-              <a:rPr lang="en" sz="1900">
-                <a:solidFill>
-                  <a:srgbClr val="000000"/>
-                </a:solidFill>
-                <a:highlight>
-                  <a:schemeClr val="lt1"/>
-                </a:highlight>
-                <a:latin typeface="Times New Roman"/>
-                <a:ea typeface="Times New Roman"/>
-                <a:cs typeface="Times New Roman"/>
-                <a:sym typeface="Times New Roman"/>
-              </a:rPr>
-              <a:t>Cards will consist of an image of the location and the name of the location</a:t>
-            </a:r>
-            <a:endParaRPr sz="1900">
-              <a:solidFill>
-                <a:srgbClr val="000000"/>
-              </a:solidFill>
-              <a:highlight>
-                <a:schemeClr val="lt1"/>
-              </a:highlight>
-              <a:latin typeface="Times New Roman"/>
-              <a:ea typeface="Times New Roman"/>
-              <a:cs typeface="Times New Roman"/>
-              <a:sym typeface="Times New Roman"/>
-            </a:endParaRPr>
-          </a:p>
-          <a:p>
-            <a:pPr indent="0" lvl="0" marL="0" rtl="0" algn="l">
-              <a:spcBef>
-                <a:spcPts val="0"/>
-              </a:spcBef>
-              <a:spcAft>
-                <a:spcPts val="1200"/>
-              </a:spcAft>
-              <a:buNone/>
-            </a:pPr>
-            <a:r>
-              <a:t/>
-            </a:r>
-            <a:endParaRPr/>
-          </a:p>
-        </p:txBody>
-      </p:sp>
-    </p:spTree>
-  </p:cSld>
-  <p:clrMapOvr>
-    <a:masterClrMapping/>
-  </p:clrMapOvr>
-</p:sld>
-</file>
-
-<file path=ppt/slides/slide16.xml><?xml version="1.0" encoding="utf-8"?>
-<p:sld xmlns:a="http://schemas.openxmlformats.org/drawingml/2006/main" xmlns:r="http://schemas.openxmlformats.org/officeDocument/2006/relationships" xmlns:mc="http://schemas.openxmlformats.org/markup-compatibility/2006" xmlns:mv="urn:schemas-microsoft-com:mac:vml" xmlns:p="http://schemas.openxmlformats.org/presentationml/2006/main" xmlns:c="http://schemas.openxmlformats.org/drawingml/2006/chart" xmlns:dgm="http://schemas.openxmlformats.org/drawingml/2006/diagram" xmlns:o="urn:schemas-microsoft-com:office:office" xmlns:v="urn:schemas-microsoft-com:vml" xmlns:pvml="urn:schemas-microsoft-com:office:powerpoint" xmlns:com="http://schemas.openxmlformats.org/drawingml/2006/compatibility" xmlns:p14="http://schemas.microsoft.com/office/powerpoint/2010/main" xmlns:p15="http://schemas.microsoft.com/office/powerpoint/2012/main" xmlns:ahyp="http://schemas.microsoft.com/office/drawing/2018/hyperlinkcolor">
-  <p:cSld>
-    <p:spTree>
-      <p:nvGrpSpPr>
-        <p:cNvPr id="210" name="Shape 210"/>
-        <p:cNvGrpSpPr/>
-        <p:nvPr/>
-      </p:nvGrpSpPr>
-      <p:grpSpPr>
-        <a:xfrm>
-          <a:off x="0" y="0"/>
-          <a:ext cx="0" cy="0"/>
-          <a:chOff x="0" y="0"/>
-          <a:chExt cx="0" cy="0"/>
-        </a:xfrm>
-      </p:grpSpPr>
-      <p:sp>
-        <p:nvSpPr>
-          <p:cNvPr id="211" name="Google Shape;211;p28"/>
-          <p:cNvSpPr txBox="1"/>
-          <p:nvPr>
-            <p:ph idx="1" type="body"/>
-          </p:nvPr>
-        </p:nvSpPr>
-        <p:spPr>
-          <a:xfrm>
-            <a:off x="179800" y="271900"/>
-            <a:ext cx="8156700" cy="4206900"/>
-          </a:xfrm>
-          <a:prstGeom prst="rect">
-            <a:avLst/>
-          </a:prstGeom>
-        </p:spPr>
-        <p:txBody>
-          <a:bodyPr anchorCtr="0" anchor="t" bIns="91425" lIns="91425" spcFirstLastPara="1" rIns="91425" wrap="square" tIns="91425">
-            <a:normAutofit/>
-          </a:bodyPr>
-          <a:lstStyle/>
-          <a:p>
-            <a:pPr indent="-349250" lvl="2" marL="1371600" rtl="0" algn="l">
-              <a:spcBef>
-                <a:spcPts val="0"/>
-              </a:spcBef>
-              <a:spcAft>
-                <a:spcPts val="0"/>
-              </a:spcAft>
-              <a:buClr>
-                <a:srgbClr val="000000"/>
-              </a:buClr>
-              <a:buSzPts val="1900"/>
-              <a:buFont typeface="Times New Roman"/>
-              <a:buChar char="■"/>
-            </a:pPr>
-            <a:r>
-              <a:rPr lang="en" sz="1900">
-                <a:solidFill>
-                  <a:srgbClr val="000000"/>
-                </a:solidFill>
-                <a:highlight>
-                  <a:schemeClr val="lt1"/>
-                </a:highlight>
-                <a:latin typeface="Times New Roman"/>
-                <a:ea typeface="Times New Roman"/>
-                <a:cs typeface="Times New Roman"/>
-                <a:sym typeface="Times New Roman"/>
-              </a:rPr>
-              <a:t>There will be a paging system so that a maximum number of cards will be displayed each page</a:t>
-            </a:r>
-            <a:endParaRPr sz="1900">
-              <a:solidFill>
-                <a:srgbClr val="000000"/>
-              </a:solidFill>
-              <a:highlight>
-                <a:schemeClr val="lt1"/>
-              </a:highlight>
-              <a:latin typeface="Times New Roman"/>
-              <a:ea typeface="Times New Roman"/>
-              <a:cs typeface="Times New Roman"/>
-              <a:sym typeface="Times New Roman"/>
-            </a:endParaRPr>
-          </a:p>
-          <a:p>
-            <a:pPr indent="-349250" lvl="2" marL="1371600" rtl="0" algn="l">
-              <a:spcBef>
-                <a:spcPts val="0"/>
-              </a:spcBef>
-              <a:spcAft>
-                <a:spcPts val="0"/>
-              </a:spcAft>
-              <a:buClr>
-                <a:srgbClr val="000000"/>
-              </a:buClr>
-              <a:buSzPts val="1900"/>
-              <a:buFont typeface="Times New Roman"/>
-              <a:buChar char="■"/>
-            </a:pPr>
-            <a:r>
-              <a:rPr lang="en" sz="1900">
-                <a:solidFill>
-                  <a:srgbClr val="000000"/>
-                </a:solidFill>
-                <a:highlight>
-                  <a:schemeClr val="lt1"/>
-                </a:highlight>
-                <a:latin typeface="Times New Roman"/>
-                <a:ea typeface="Times New Roman"/>
-                <a:cs typeface="Times New Roman"/>
-                <a:sym typeface="Times New Roman"/>
-              </a:rPr>
-              <a:t>Cards will be ordered by the rating of each location</a:t>
-            </a:r>
-            <a:endParaRPr sz="1900">
-              <a:solidFill>
-                <a:srgbClr val="000000"/>
-              </a:solidFill>
-              <a:highlight>
-                <a:schemeClr val="lt1"/>
-              </a:highlight>
-              <a:latin typeface="Times New Roman"/>
-              <a:ea typeface="Times New Roman"/>
-              <a:cs typeface="Times New Roman"/>
-              <a:sym typeface="Times New Roman"/>
-            </a:endParaRPr>
-          </a:p>
-          <a:p>
-            <a:pPr indent="-349250" lvl="2" marL="1371600" rtl="0" algn="l">
-              <a:spcBef>
-                <a:spcPts val="0"/>
-              </a:spcBef>
-              <a:spcAft>
-                <a:spcPts val="0"/>
-              </a:spcAft>
-              <a:buClr>
-                <a:srgbClr val="000000"/>
-              </a:buClr>
-              <a:buSzPts val="1900"/>
-              <a:buFont typeface="Times New Roman"/>
-              <a:buChar char="■"/>
-            </a:pPr>
-            <a:r>
-              <a:rPr lang="en" sz="1900">
-                <a:solidFill>
-                  <a:srgbClr val="000000"/>
-                </a:solidFill>
-                <a:highlight>
-                  <a:schemeClr val="lt1"/>
-                </a:highlight>
-                <a:latin typeface="Times New Roman"/>
-                <a:ea typeface="Times New Roman"/>
-                <a:cs typeface="Times New Roman"/>
-                <a:sym typeface="Times New Roman"/>
-              </a:rPr>
-              <a:t>When a card is clicked, a modal is displayed</a:t>
-            </a:r>
-            <a:endParaRPr sz="1900">
-              <a:solidFill>
-                <a:srgbClr val="000000"/>
-              </a:solidFill>
-              <a:highlight>
-                <a:schemeClr val="lt1"/>
-              </a:highlight>
-              <a:latin typeface="Times New Roman"/>
-              <a:ea typeface="Times New Roman"/>
-              <a:cs typeface="Times New Roman"/>
-              <a:sym typeface="Times New Roman"/>
-            </a:endParaRPr>
-          </a:p>
-          <a:p>
-            <a:pPr indent="-349250" lvl="3" marL="1828800" rtl="0" algn="l">
-              <a:spcBef>
-                <a:spcPts val="0"/>
-              </a:spcBef>
-              <a:spcAft>
-                <a:spcPts val="0"/>
-              </a:spcAft>
-              <a:buClr>
-                <a:srgbClr val="000000"/>
-              </a:buClr>
-              <a:buSzPts val="1900"/>
-              <a:buFont typeface="Times New Roman"/>
-              <a:buChar char="●"/>
-            </a:pPr>
-            <a:r>
-              <a:rPr lang="en" sz="1900">
-                <a:solidFill>
-                  <a:srgbClr val="000000"/>
-                </a:solidFill>
-                <a:highlight>
-                  <a:schemeClr val="lt1"/>
-                </a:highlight>
-                <a:latin typeface="Times New Roman"/>
-                <a:ea typeface="Times New Roman"/>
-                <a:cs typeface="Times New Roman"/>
-                <a:sym typeface="Times New Roman"/>
-              </a:rPr>
-              <a:t>Images of the location are displayed</a:t>
-            </a:r>
-            <a:endParaRPr sz="1900">
-              <a:solidFill>
-                <a:srgbClr val="000000"/>
-              </a:solidFill>
-              <a:highlight>
-                <a:schemeClr val="lt1"/>
-              </a:highlight>
-              <a:latin typeface="Times New Roman"/>
-              <a:ea typeface="Times New Roman"/>
-              <a:cs typeface="Times New Roman"/>
-              <a:sym typeface="Times New Roman"/>
-            </a:endParaRPr>
-          </a:p>
-          <a:p>
-            <a:pPr indent="-349250" lvl="3" marL="1828800" rtl="0" algn="l">
-              <a:spcBef>
-                <a:spcPts val="0"/>
-              </a:spcBef>
-              <a:spcAft>
-                <a:spcPts val="0"/>
-              </a:spcAft>
-              <a:buClr>
-                <a:srgbClr val="000000"/>
-              </a:buClr>
-              <a:buSzPts val="1900"/>
-              <a:buFont typeface="Times New Roman"/>
-              <a:buChar char="●"/>
-            </a:pPr>
-            <a:r>
-              <a:rPr lang="en" sz="1900">
-                <a:solidFill>
-                  <a:srgbClr val="000000"/>
-                </a:solidFill>
-                <a:highlight>
-                  <a:schemeClr val="lt1"/>
-                </a:highlight>
-                <a:latin typeface="Times New Roman"/>
-                <a:ea typeface="Times New Roman"/>
-                <a:cs typeface="Times New Roman"/>
-                <a:sym typeface="Times New Roman"/>
-              </a:rPr>
-              <a:t>A Description of the location is displayed</a:t>
-            </a:r>
-            <a:endParaRPr sz="1900">
-              <a:solidFill>
-                <a:srgbClr val="000000"/>
-              </a:solidFill>
-              <a:highlight>
-                <a:schemeClr val="lt1"/>
-              </a:highlight>
-              <a:latin typeface="Times New Roman"/>
-              <a:ea typeface="Times New Roman"/>
-              <a:cs typeface="Times New Roman"/>
-              <a:sym typeface="Times New Roman"/>
-            </a:endParaRPr>
-          </a:p>
-          <a:p>
-            <a:pPr indent="-349250" lvl="3" marL="1828800" rtl="0" algn="l">
-              <a:spcBef>
-                <a:spcPts val="0"/>
-              </a:spcBef>
-              <a:spcAft>
-                <a:spcPts val="0"/>
-              </a:spcAft>
-              <a:buClr>
-                <a:srgbClr val="000000"/>
-              </a:buClr>
-              <a:buSzPts val="1900"/>
-              <a:buFont typeface="Times New Roman"/>
-              <a:buChar char="●"/>
-            </a:pPr>
-            <a:r>
-              <a:rPr lang="en" sz="1900">
-                <a:solidFill>
-                  <a:srgbClr val="000000"/>
-                </a:solidFill>
-                <a:highlight>
-                  <a:schemeClr val="lt1"/>
-                </a:highlight>
-                <a:latin typeface="Times New Roman"/>
-                <a:ea typeface="Times New Roman"/>
-                <a:cs typeface="Times New Roman"/>
-                <a:sym typeface="Times New Roman"/>
-              </a:rPr>
-              <a:t>Ratings are displayed</a:t>
-            </a:r>
-            <a:endParaRPr sz="1900">
-              <a:solidFill>
-                <a:srgbClr val="000000"/>
-              </a:solidFill>
-              <a:highlight>
-                <a:schemeClr val="lt1"/>
-              </a:highlight>
-              <a:latin typeface="Times New Roman"/>
-              <a:ea typeface="Times New Roman"/>
-              <a:cs typeface="Times New Roman"/>
-              <a:sym typeface="Times New Roman"/>
-            </a:endParaRPr>
-          </a:p>
-          <a:p>
-            <a:pPr indent="-349250" lvl="3" marL="1828800" rtl="0" algn="l">
-              <a:spcBef>
-                <a:spcPts val="0"/>
-              </a:spcBef>
-              <a:spcAft>
-                <a:spcPts val="0"/>
-              </a:spcAft>
-              <a:buClr>
-                <a:srgbClr val="000000"/>
-              </a:buClr>
-              <a:buSzPts val="1900"/>
-              <a:buFont typeface="Times New Roman"/>
-              <a:buChar char="●"/>
-            </a:pPr>
-            <a:r>
-              <a:rPr lang="en" sz="1900">
-                <a:solidFill>
-                  <a:srgbClr val="000000"/>
-                </a:solidFill>
-                <a:highlight>
-                  <a:schemeClr val="lt1"/>
-                </a:highlight>
-                <a:latin typeface="Times New Roman"/>
-                <a:ea typeface="Times New Roman"/>
-                <a:cs typeface="Times New Roman"/>
-                <a:sym typeface="Times New Roman"/>
-              </a:rPr>
-              <a:t>The modal will have a button to add to an itinerary they’re building</a:t>
-            </a:r>
-            <a:endParaRPr sz="1900">
-              <a:solidFill>
-                <a:srgbClr val="000000"/>
-              </a:solidFill>
-              <a:highlight>
-                <a:schemeClr val="lt1"/>
-              </a:highlight>
-              <a:latin typeface="Times New Roman"/>
-              <a:ea typeface="Times New Roman"/>
-              <a:cs typeface="Times New Roman"/>
-              <a:sym typeface="Times New Roman"/>
-            </a:endParaRPr>
-          </a:p>
-          <a:p>
-            <a:pPr indent="-349250" lvl="3" marL="1828800" rtl="0" algn="l">
-              <a:spcBef>
-                <a:spcPts val="0"/>
-              </a:spcBef>
-              <a:spcAft>
-                <a:spcPts val="0"/>
-              </a:spcAft>
-              <a:buClr>
-                <a:srgbClr val="000000"/>
-              </a:buClr>
-              <a:buSzPts val="1900"/>
-              <a:buFont typeface="Times New Roman"/>
-              <a:buChar char="●"/>
-            </a:pPr>
-            <a:r>
-              <a:rPr lang="en" sz="1900">
-                <a:solidFill>
-                  <a:srgbClr val="000000"/>
-                </a:solidFill>
-                <a:highlight>
-                  <a:schemeClr val="lt1"/>
-                </a:highlight>
-                <a:latin typeface="Times New Roman"/>
-                <a:ea typeface="Times New Roman"/>
-                <a:cs typeface="Times New Roman"/>
-                <a:sym typeface="Times New Roman"/>
-              </a:rPr>
-              <a:t>The modal will have a button to cancel, closing the modal</a:t>
-            </a:r>
-            <a:endParaRPr sz="1900">
-              <a:solidFill>
-                <a:srgbClr val="000000"/>
-              </a:solidFill>
-              <a:highlight>
-                <a:schemeClr val="lt1"/>
-              </a:highlight>
-              <a:latin typeface="Times New Roman"/>
-              <a:ea typeface="Times New Roman"/>
-              <a:cs typeface="Times New Roman"/>
-              <a:sym typeface="Times New Roman"/>
-            </a:endParaRPr>
-          </a:p>
-          <a:p>
-            <a:pPr indent="0" lvl="0" marL="0" rtl="0" algn="l">
-              <a:spcBef>
-                <a:spcPts val="0"/>
-              </a:spcBef>
-              <a:spcAft>
-                <a:spcPts val="1200"/>
-              </a:spcAft>
-              <a:buNone/>
-            </a:pPr>
-            <a:r>
-              <a:t/>
-            </a:r>
-            <a:endParaRPr/>
-          </a:p>
-        </p:txBody>
-      </p:sp>
-    </p:spTree>
-  </p:cSld>
-  <p:clrMapOvr>
-    <a:masterClrMapping/>
-  </p:clrMapOvr>
-</p:sld>
-</file>
-
-<file path=ppt/slides/slide17.xml><?xml version="1.0" encoding="utf-8"?>
-<p:sld xmlns:a="http://schemas.openxmlformats.org/drawingml/2006/main" xmlns:r="http://schemas.openxmlformats.org/officeDocument/2006/relationships" xmlns:mc="http://schemas.openxmlformats.org/markup-compatibility/2006" xmlns:mv="urn:schemas-microsoft-com:mac:vml" xmlns:p="http://schemas.openxmlformats.org/presentationml/2006/main" xmlns:c="http://schemas.openxmlformats.org/drawingml/2006/chart" xmlns:dgm="http://schemas.openxmlformats.org/drawingml/2006/diagram" xmlns:o="urn:schemas-microsoft-com:office:office" xmlns:v="urn:schemas-microsoft-com:vml" xmlns:pvml="urn:schemas-microsoft-com:office:powerpoint" xmlns:com="http://schemas.openxmlformats.org/drawingml/2006/compatibility" xmlns:p14="http://schemas.microsoft.com/office/powerpoint/2010/main" xmlns:p15="http://schemas.microsoft.com/office/powerpoint/2012/main" xmlns:ahyp="http://schemas.microsoft.com/office/drawing/2018/hyperlinkcolor">
-  <p:cSld>
-    <p:spTree>
-      <p:nvGrpSpPr>
-        <p:cNvPr id="215" name="Shape 215"/>
-        <p:cNvGrpSpPr/>
-        <p:nvPr/>
-      </p:nvGrpSpPr>
-      <p:grpSpPr>
-        <a:xfrm>
-          <a:off x="0" y="0"/>
-          <a:ext cx="0" cy="0"/>
-          <a:chOff x="0" y="0"/>
-          <a:chExt cx="0" cy="0"/>
-        </a:xfrm>
-      </p:grpSpPr>
-      <p:sp>
-        <p:nvSpPr>
-          <p:cNvPr id="216" name="Google Shape;216;p29"/>
-          <p:cNvSpPr txBox="1"/>
-          <p:nvPr>
-            <p:ph idx="1" type="body"/>
-          </p:nvPr>
-        </p:nvSpPr>
-        <p:spPr>
-          <a:xfrm>
-            <a:off x="179800" y="359625"/>
-            <a:ext cx="8156700" cy="4119000"/>
-          </a:xfrm>
-          <a:prstGeom prst="rect">
-            <a:avLst/>
-          </a:prstGeom>
-        </p:spPr>
-        <p:txBody>
-          <a:bodyPr anchorCtr="0" anchor="t" bIns="91425" lIns="91425" spcFirstLastPara="1" rIns="91425" wrap="square" tIns="91425">
-            <a:normAutofit/>
-          </a:bodyPr>
-          <a:lstStyle/>
-          <a:p>
-            <a:pPr indent="-349250" lvl="1" marL="914400" rtl="0" algn="l">
-              <a:spcBef>
-                <a:spcPts val="0"/>
-              </a:spcBef>
-              <a:spcAft>
-                <a:spcPts val="0"/>
-              </a:spcAft>
-              <a:buClr>
-                <a:srgbClr val="000000"/>
-              </a:buClr>
-              <a:buSzPts val="1900"/>
-              <a:buFont typeface="Times New Roman"/>
-              <a:buChar char="○"/>
-            </a:pPr>
-            <a:r>
-              <a:rPr lang="en" sz="1900">
-                <a:solidFill>
-                  <a:srgbClr val="000000"/>
-                </a:solidFill>
-                <a:highlight>
-                  <a:schemeClr val="lt1"/>
-                </a:highlight>
-                <a:latin typeface="Times New Roman"/>
-                <a:ea typeface="Times New Roman"/>
-                <a:cs typeface="Times New Roman"/>
-                <a:sym typeface="Times New Roman"/>
-              </a:rPr>
-              <a:t>Once a location is added to an itinerary, a sidebar are the right page will appear</a:t>
-            </a:r>
-            <a:endParaRPr sz="1900">
-              <a:solidFill>
-                <a:srgbClr val="000000"/>
-              </a:solidFill>
-              <a:highlight>
-                <a:schemeClr val="lt1"/>
-              </a:highlight>
-              <a:latin typeface="Times New Roman"/>
-              <a:ea typeface="Times New Roman"/>
-              <a:cs typeface="Times New Roman"/>
-              <a:sym typeface="Times New Roman"/>
-            </a:endParaRPr>
-          </a:p>
-          <a:p>
-            <a:pPr indent="-349250" lvl="2" marL="1371600" rtl="0" algn="l">
-              <a:spcBef>
-                <a:spcPts val="0"/>
-              </a:spcBef>
-              <a:spcAft>
-                <a:spcPts val="0"/>
-              </a:spcAft>
-              <a:buClr>
-                <a:srgbClr val="000000"/>
-              </a:buClr>
-              <a:buSzPts val="1900"/>
-              <a:buFont typeface="Times New Roman"/>
-              <a:buChar char="■"/>
-            </a:pPr>
-            <a:r>
-              <a:rPr lang="en" sz="1900">
-                <a:solidFill>
-                  <a:srgbClr val="000000"/>
-                </a:solidFill>
-                <a:highlight>
-                  <a:schemeClr val="lt1"/>
-                </a:highlight>
-                <a:latin typeface="Times New Roman"/>
-                <a:ea typeface="Times New Roman"/>
-                <a:cs typeface="Times New Roman"/>
-                <a:sym typeface="Times New Roman"/>
-              </a:rPr>
-              <a:t>Added locations will be displayed as a descending list of cards</a:t>
-            </a:r>
-            <a:endParaRPr sz="1900">
-              <a:solidFill>
-                <a:srgbClr val="000000"/>
-              </a:solidFill>
-              <a:highlight>
-                <a:schemeClr val="lt1"/>
-              </a:highlight>
-              <a:latin typeface="Times New Roman"/>
-              <a:ea typeface="Times New Roman"/>
-              <a:cs typeface="Times New Roman"/>
-              <a:sym typeface="Times New Roman"/>
-            </a:endParaRPr>
-          </a:p>
-          <a:p>
-            <a:pPr indent="-349250" lvl="3" marL="1828800" rtl="0" algn="l">
-              <a:spcBef>
-                <a:spcPts val="0"/>
-              </a:spcBef>
-              <a:spcAft>
-                <a:spcPts val="0"/>
-              </a:spcAft>
-              <a:buClr>
-                <a:srgbClr val="000000"/>
-              </a:buClr>
-              <a:buSzPts val="1900"/>
-              <a:buFont typeface="Times New Roman"/>
-              <a:buChar char="●"/>
-            </a:pPr>
-            <a:r>
-              <a:rPr lang="en" sz="1900">
-                <a:solidFill>
-                  <a:srgbClr val="000000"/>
-                </a:solidFill>
-                <a:highlight>
-                  <a:schemeClr val="lt1"/>
-                </a:highlight>
-                <a:latin typeface="Times New Roman"/>
-                <a:ea typeface="Times New Roman"/>
-                <a:cs typeface="Times New Roman"/>
-                <a:sym typeface="Times New Roman"/>
-              </a:rPr>
-              <a:t>Cards will consist of an image of the location, the name of a location, and a trash icon.</a:t>
-            </a:r>
-            <a:endParaRPr sz="1900">
-              <a:solidFill>
-                <a:srgbClr val="000000"/>
-              </a:solidFill>
-              <a:highlight>
-                <a:schemeClr val="lt1"/>
-              </a:highlight>
-              <a:latin typeface="Times New Roman"/>
-              <a:ea typeface="Times New Roman"/>
-              <a:cs typeface="Times New Roman"/>
-              <a:sym typeface="Times New Roman"/>
-            </a:endParaRPr>
-          </a:p>
-          <a:p>
-            <a:pPr indent="-349250" lvl="4" marL="2286000" rtl="0" algn="l">
-              <a:spcBef>
-                <a:spcPts val="0"/>
-              </a:spcBef>
-              <a:spcAft>
-                <a:spcPts val="0"/>
-              </a:spcAft>
-              <a:buClr>
-                <a:srgbClr val="000000"/>
-              </a:buClr>
-              <a:buSzPts val="1900"/>
-              <a:buFont typeface="Times New Roman"/>
-              <a:buChar char="○"/>
-            </a:pPr>
-            <a:r>
-              <a:rPr lang="en" sz="1900">
-                <a:solidFill>
-                  <a:srgbClr val="000000"/>
-                </a:solidFill>
-                <a:highlight>
-                  <a:schemeClr val="lt1"/>
-                </a:highlight>
-                <a:latin typeface="Times New Roman"/>
-                <a:ea typeface="Times New Roman"/>
-                <a:cs typeface="Times New Roman"/>
-                <a:sym typeface="Times New Roman"/>
-              </a:rPr>
-              <a:t>Clicking the trash icon will remove the added location from the sidebar, stopping it from being added to an itinerary</a:t>
-            </a:r>
-            <a:endParaRPr sz="1900">
-              <a:solidFill>
-                <a:srgbClr val="000000"/>
-              </a:solidFill>
-              <a:highlight>
-                <a:schemeClr val="lt1"/>
-              </a:highlight>
-              <a:latin typeface="Times New Roman"/>
-              <a:ea typeface="Times New Roman"/>
-              <a:cs typeface="Times New Roman"/>
-              <a:sym typeface="Times New Roman"/>
-            </a:endParaRPr>
-          </a:p>
-          <a:p>
-            <a:pPr indent="0" lvl="0" marL="0" rtl="0" algn="l">
-              <a:spcBef>
-                <a:spcPts val="0"/>
-              </a:spcBef>
-              <a:spcAft>
-                <a:spcPts val="1200"/>
-              </a:spcAft>
-              <a:buNone/>
-            </a:pPr>
-            <a:r>
-              <a:t/>
-            </a:r>
-            <a:endParaRPr/>
-          </a:p>
-        </p:txBody>
-      </p:sp>
-    </p:spTree>
-  </p:cSld>
-  <p:clrMapOvr>
-    <a:masterClrMapping/>
-  </p:clrMapOvr>
-</p:sld>
-</file>
-
-<file path=ppt/slides/slide18.xml><?xml version="1.0" encoding="utf-8"?>
-<p:sld xmlns:a="http://schemas.openxmlformats.org/drawingml/2006/main" xmlns:r="http://schemas.openxmlformats.org/officeDocument/2006/relationships" xmlns:mc="http://schemas.openxmlformats.org/markup-compatibility/2006" xmlns:mv="urn:schemas-microsoft-com:mac:vml" xmlns:p="http://schemas.openxmlformats.org/presentationml/2006/main" xmlns:c="http://schemas.openxmlformats.org/drawingml/2006/chart" xmlns:dgm="http://schemas.openxmlformats.org/drawingml/2006/diagram" xmlns:o="urn:schemas-microsoft-com:office:office" xmlns:v="urn:schemas-microsoft-com:vml" xmlns:pvml="urn:schemas-microsoft-com:office:powerpoint" xmlns:com="http://schemas.openxmlformats.org/drawingml/2006/compatibility" xmlns:p14="http://schemas.microsoft.com/office/powerpoint/2010/main" xmlns:p15="http://schemas.microsoft.com/office/powerpoint/2012/main" xmlns:ahyp="http://schemas.microsoft.com/office/drawing/2018/hyperlinkcolor">
-  <p:cSld>
-    <p:spTree>
-      <p:nvGrpSpPr>
-        <p:cNvPr id="220" name="Shape 220"/>
-        <p:cNvGrpSpPr/>
-        <p:nvPr/>
-      </p:nvGrpSpPr>
-      <p:grpSpPr>
-        <a:xfrm>
-          <a:off x="0" y="0"/>
-          <a:ext cx="0" cy="0"/>
-          <a:chOff x="0" y="0"/>
-          <a:chExt cx="0" cy="0"/>
-        </a:xfrm>
-      </p:grpSpPr>
-      <p:sp>
-        <p:nvSpPr>
-          <p:cNvPr id="221" name="Google Shape;221;p30"/>
-          <p:cNvSpPr txBox="1"/>
-          <p:nvPr>
-            <p:ph type="title"/>
-          </p:nvPr>
-        </p:nvSpPr>
-        <p:spPr>
-          <a:xfrm>
-            <a:off x="2051825" y="1997400"/>
-            <a:ext cx="4587000" cy="1148700"/>
-          </a:xfrm>
-          <a:prstGeom prst="rect">
-            <a:avLst/>
-          </a:prstGeom>
-        </p:spPr>
-        <p:txBody>
-          <a:bodyPr anchorCtr="0" anchor="ctr" bIns="91425" lIns="91425" spcFirstLastPara="1" rIns="91425" wrap="square" tIns="91425">
-            <a:normAutofit/>
-          </a:bodyPr>
-          <a:lstStyle/>
-          <a:p>
-            <a:pPr indent="0" lvl="0" marL="0" rtl="0" algn="ctr">
-              <a:spcBef>
-                <a:spcPts val="0"/>
-              </a:spcBef>
-              <a:spcAft>
-                <a:spcPts val="0"/>
-              </a:spcAft>
-              <a:buNone/>
-            </a:pPr>
-            <a:r>
-              <a:rPr lang="en"/>
-              <a:t>View Itineraries</a:t>
-            </a:r>
-            <a:endParaRPr/>
-          </a:p>
-        </p:txBody>
-      </p:sp>
-    </p:spTree>
-  </p:cSld>
-  <p:clrMapOvr>
-    <a:masterClrMapping/>
-  </p:clrMapOvr>
-</p:sld>
-</file>
-
-<file path=ppt/slides/slide19.xml><?xml version="1.0" encoding="utf-8"?>
-<p:sld xmlns:a="http://schemas.openxmlformats.org/drawingml/2006/main" xmlns:r="http://schemas.openxmlformats.org/officeDocument/2006/relationships" xmlns:mc="http://schemas.openxmlformats.org/markup-compatibility/2006" xmlns:mv="urn:schemas-microsoft-com:mac:vml" xmlns:p="http://schemas.openxmlformats.org/presentationml/2006/main" xmlns:c="http://schemas.openxmlformats.org/drawingml/2006/chart" xmlns:dgm="http://schemas.openxmlformats.org/drawingml/2006/diagram" xmlns:o="urn:schemas-microsoft-com:office:office" xmlns:v="urn:schemas-microsoft-com:vml" xmlns:pvml="urn:schemas-microsoft-com:office:powerpoint" xmlns:com="http://schemas.openxmlformats.org/drawingml/2006/compatibility" xmlns:p14="http://schemas.microsoft.com/office/powerpoint/2010/main" xmlns:p15="http://schemas.microsoft.com/office/powerpoint/2012/main" xmlns:ahyp="http://schemas.microsoft.com/office/drawing/2018/hyperlinkcolor">
-  <p:cSld>
-    <p:spTree>
-      <p:nvGrpSpPr>
-        <p:cNvPr id="225" name="Shape 225"/>
-        <p:cNvGrpSpPr/>
-        <p:nvPr/>
-      </p:nvGrpSpPr>
-      <p:grpSpPr>
-        <a:xfrm>
-          <a:off x="0" y="0"/>
-          <a:ext cx="0" cy="0"/>
-          <a:chOff x="0" y="0"/>
-          <a:chExt cx="0" cy="0"/>
-        </a:xfrm>
-      </p:grpSpPr>
-      <p:sp>
-        <p:nvSpPr>
-          <p:cNvPr id="226" name="Google Shape;226;p31"/>
-          <p:cNvSpPr txBox="1"/>
-          <p:nvPr>
-            <p:ph idx="1" type="body"/>
-          </p:nvPr>
-        </p:nvSpPr>
-        <p:spPr>
-          <a:xfrm>
-            <a:off x="421025" y="513125"/>
-            <a:ext cx="7915500" cy="3965700"/>
-          </a:xfrm>
-          <a:prstGeom prst="rect">
-            <a:avLst/>
-          </a:prstGeom>
-        </p:spPr>
-        <p:txBody>
-          <a:bodyPr anchorCtr="0" anchor="t" bIns="91425" lIns="91425" spcFirstLastPara="1" rIns="91425" wrap="square" tIns="91425">
-            <a:normAutofit/>
-          </a:bodyPr>
-          <a:lstStyle/>
-          <a:p>
-            <a:pPr indent="-349250" lvl="0" marL="457200" rtl="0" algn="l">
-              <a:spcBef>
-                <a:spcPts val="0"/>
-              </a:spcBef>
-              <a:spcAft>
-                <a:spcPts val="0"/>
-              </a:spcAft>
-              <a:buClr>
-                <a:srgbClr val="000000"/>
-              </a:buClr>
-              <a:buSzPts val="1900"/>
-              <a:buFont typeface="Times New Roman"/>
-              <a:buChar char="●"/>
-            </a:pPr>
-            <a:r>
-              <a:rPr lang="en" sz="1900">
-                <a:solidFill>
-                  <a:srgbClr val="000000"/>
-                </a:solidFill>
-                <a:highlight>
-                  <a:schemeClr val="lt1"/>
-                </a:highlight>
-                <a:latin typeface="Times New Roman"/>
-                <a:ea typeface="Times New Roman"/>
-                <a:cs typeface="Times New Roman"/>
-                <a:sym typeface="Times New Roman"/>
-              </a:rPr>
-              <a:t>Once clicked, the user will be presented a page with all their built itineraries</a:t>
-            </a:r>
-            <a:endParaRPr sz="1900">
-              <a:solidFill>
-                <a:srgbClr val="000000"/>
-              </a:solidFill>
-              <a:highlight>
-                <a:schemeClr val="lt1"/>
-              </a:highlight>
               <a:latin typeface="Times New Roman"/>
               <a:ea typeface="Times New Roman"/>
               <a:cs typeface="Times New Roman"/>
@@ -13427,35 +11337,20 @@
               <a:spcAft>
                 <a:spcPts val="0"/>
               </a:spcAft>
-              <a:buClr>
-                <a:srgbClr val="000000"/>
-              </a:buClr>
               <a:buSzPts val="1900"/>
               <a:buFont typeface="Times New Roman"/>
               <a:buChar char="○"/>
             </a:pPr>
             <a:r>
               <a:rPr lang="en" sz="1900">
-                <a:solidFill>
-                  <a:srgbClr val="000000"/>
-                </a:solidFill>
-                <a:highlight>
-                  <a:schemeClr val="lt1"/>
-                </a:highlight>
                 <a:latin typeface="Times New Roman"/>
                 <a:ea typeface="Times New Roman"/>
                 <a:cs typeface="Times New Roman"/>
                 <a:sym typeface="Times New Roman"/>
               </a:rPr>
-              <a:t>Itineraries will be displayed as a list of Cards</a:t>
+              <a:t>actions/events listed in chronological order</a:t>
             </a:r>
             <a:endParaRPr sz="1900">
-              <a:solidFill>
-                <a:srgbClr val="000000"/>
-              </a:solidFill>
-              <a:highlight>
-                <a:schemeClr val="lt1"/>
-              </a:highlight>
               <a:latin typeface="Times New Roman"/>
               <a:ea typeface="Times New Roman"/>
               <a:cs typeface="Times New Roman"/>
@@ -13463,42 +11358,27 @@
             </a:endParaRPr>
           </a:p>
           <a:p>
-            <a:pPr indent="-349250" lvl="2" marL="1371600" rtl="0" algn="l">
-              <a:spcBef>
-                <a:spcPts val="0"/>
-              </a:spcBef>
-              <a:spcAft>
-                <a:spcPts val="0"/>
-              </a:spcAft>
-              <a:buClr>
-                <a:srgbClr val="000000"/>
-              </a:buClr>
+            <a:pPr indent="-349250" lvl="0" marL="457200" rtl="0" algn="l">
+              <a:spcBef>
+                <a:spcPts val="0"/>
+              </a:spcBef>
+              <a:spcAft>
+                <a:spcPts val="0"/>
+              </a:spcAft>
               <a:buSzPts val="1900"/>
               <a:buFont typeface="Times New Roman"/>
-              <a:buChar char="■"/>
+              <a:buChar char="●"/>
             </a:pPr>
             <a:r>
               <a:rPr lang="en" sz="1900">
-                <a:solidFill>
-                  <a:srgbClr val="000000"/>
-                </a:solidFill>
-                <a:highlight>
-                  <a:schemeClr val="lt1"/>
-                </a:highlight>
                 <a:latin typeface="Times New Roman"/>
                 <a:ea typeface="Times New Roman"/>
                 <a:cs typeface="Times New Roman"/>
                 <a:sym typeface="Times New Roman"/>
               </a:rPr>
-              <a:t>Cards will consist of the name of the itinerary, the start date, and the end date of the itinerary</a:t>
+              <a:t>Edit mode</a:t>
             </a:r>
             <a:endParaRPr sz="1900">
-              <a:solidFill>
-                <a:srgbClr val="000000"/>
-              </a:solidFill>
-              <a:highlight>
-                <a:schemeClr val="lt1"/>
-              </a:highlight>
               <a:latin typeface="Times New Roman"/>
               <a:ea typeface="Times New Roman"/>
               <a:cs typeface="Times New Roman"/>
@@ -13506,19 +11386,60 @@
             </a:endParaRPr>
           </a:p>
           <a:p>
-            <a:pPr indent="0" lvl="0" marL="0" rtl="0" algn="l">
-              <a:spcBef>
-                <a:spcPts val="0"/>
-              </a:spcBef>
-              <a:spcAft>
-                <a:spcPts val="1200"/>
-              </a:spcAft>
-              <a:buNone/>
+            <a:pPr indent="-349250" lvl="1" marL="914400" rtl="0" algn="l">
+              <a:spcBef>
+                <a:spcPts val="0"/>
+              </a:spcBef>
+              <a:spcAft>
+                <a:spcPts val="0"/>
+              </a:spcAft>
+              <a:buSzPts val="1900"/>
+              <a:buFont typeface="Times New Roman"/>
+              <a:buChar char="○"/>
             </a:pPr>
             <a:r>
-              <a:t/>
+              <a:rPr lang="en" sz="1900">
+                <a:latin typeface="Times New Roman"/>
+                <a:ea typeface="Times New Roman"/>
+                <a:cs typeface="Times New Roman"/>
+                <a:sym typeface="Times New Roman"/>
+              </a:rPr>
+              <a:t>For overall calendar</a:t>
             </a:r>
-            <a:endParaRPr/>
+            <a:endParaRPr sz="1900">
+              <a:latin typeface="Times New Roman"/>
+              <a:ea typeface="Times New Roman"/>
+              <a:cs typeface="Times New Roman"/>
+              <a:sym typeface="Times New Roman"/>
+            </a:endParaRPr>
+          </a:p>
+          <a:p>
+            <a:pPr indent="-349250" lvl="1" marL="914400" rtl="0" algn="l">
+              <a:spcBef>
+                <a:spcPts val="0"/>
+              </a:spcBef>
+              <a:spcAft>
+                <a:spcPts val="0"/>
+              </a:spcAft>
+              <a:buSzPts val="1900"/>
+              <a:buFont typeface="Times New Roman"/>
+              <a:buChar char="○"/>
+            </a:pPr>
+            <a:r>
+              <a:rPr lang="en" sz="1900">
+                <a:latin typeface="Times New Roman"/>
+                <a:ea typeface="Times New Roman"/>
+                <a:cs typeface="Times New Roman"/>
+                <a:sym typeface="Times New Roman"/>
+              </a:rPr>
+              <a:t>For specific day</a:t>
+            </a:r>
+            <a:endParaRPr sz="1900">
+              <a:latin typeface="Times New Roman"/>
+              <a:ea typeface="Times New Roman"/>
+              <a:cs typeface="Times New Roman"/>
+              <a:sym typeface="Times New Roman"/>
+            </a:endParaRPr>
           </a:p>
         </p:txBody>
       </p:sp>
@@ -13557,88 +11478,8 @@
         </p:nvSpPr>
         <p:spPr>
           <a:xfrm>
-            <a:off x="823850" y="2053000"/>
-            <a:ext cx="4587000" cy="1148700"/>
-          </a:xfrm>
-          <a:prstGeom prst="rect">
-            <a:avLst/>
-          </a:prstGeom>
-        </p:spPr>
-        <p:txBody>
-          <a:bodyPr anchorCtr="0" anchor="ctr" bIns="91425" lIns="91425" spcFirstLastPara="1" rIns="91425" wrap="square" tIns="91425">
-            <a:normAutofit fontScale="90000"/>
-          </a:bodyPr>
-          <a:lstStyle/>
-          <a:p>
-            <a:pPr indent="0" lvl="0" marL="0" rtl="0" algn="l">
-              <a:spcBef>
-                <a:spcPts val="0"/>
-              </a:spcBef>
-              <a:spcAft>
-                <a:spcPts val="0"/>
-              </a:spcAft>
-              <a:buNone/>
-            </a:pPr>
-            <a:r>
-              <a:rPr lang="en"/>
-              <a:t>Initial Set of Technologies</a:t>
-            </a:r>
-            <a:endParaRPr/>
-          </a:p>
-          <a:p>
-            <a:pPr indent="0" lvl="0" marL="0" rtl="0" algn="l">
-              <a:spcBef>
-                <a:spcPts val="0"/>
-              </a:spcBef>
-              <a:spcAft>
-                <a:spcPts val="0"/>
-              </a:spcAft>
-              <a:buNone/>
-            </a:pPr>
-            <a:r>
-              <a:t/>
-            </a:r>
-            <a:endParaRPr/>
-          </a:p>
-        </p:txBody>
-      </p:sp>
-    </p:spTree>
-  </p:cSld>
-  <p:clrMapOvr>
-    <a:masterClrMapping/>
-  </p:clrMapOvr>
-</p:sld>
-</file>
-
-<file path=ppt/slides/slide20.xml><?xml version="1.0" encoding="utf-8"?>
-<p:sld xmlns:a="http://schemas.openxmlformats.org/drawingml/2006/main" xmlns:r="http://schemas.openxmlformats.org/officeDocument/2006/relationships" xmlns:mc="http://schemas.openxmlformats.org/markup-compatibility/2006" xmlns:mv="urn:schemas-microsoft-com:mac:vml" xmlns:p="http://schemas.openxmlformats.org/presentationml/2006/main" xmlns:c="http://schemas.openxmlformats.org/drawingml/2006/chart" xmlns:dgm="http://schemas.openxmlformats.org/drawingml/2006/diagram" xmlns:o="urn:schemas-microsoft-com:office:office" xmlns:v="urn:schemas-microsoft-com:vml" xmlns:pvml="urn:schemas-microsoft-com:office:powerpoint" xmlns:com="http://schemas.openxmlformats.org/drawingml/2006/compatibility" xmlns:p14="http://schemas.microsoft.com/office/powerpoint/2010/main" xmlns:p15="http://schemas.microsoft.com/office/powerpoint/2012/main" xmlns:ahyp="http://schemas.microsoft.com/office/drawing/2018/hyperlinkcolor">
-  <p:cSld>
-    <p:spTree>
-      <p:nvGrpSpPr>
-        <p:cNvPr id="230" name="Shape 230"/>
-        <p:cNvGrpSpPr/>
-        <p:nvPr/>
-      </p:nvGrpSpPr>
-      <p:grpSpPr>
-        <a:xfrm>
-          <a:off x="0" y="0"/>
-          <a:ext cx="0" cy="0"/>
-          <a:chOff x="0" y="0"/>
-          <a:chExt cx="0" cy="0"/>
-        </a:xfrm>
-      </p:grpSpPr>
-      <p:sp>
-        <p:nvSpPr>
-          <p:cNvPr id="231" name="Google Shape;231;p32"/>
-          <p:cNvSpPr txBox="1"/>
-          <p:nvPr>
-            <p:ph idx="1" type="body"/>
-          </p:nvPr>
-        </p:nvSpPr>
-        <p:spPr>
-          <a:xfrm>
-            <a:off x="245600" y="535050"/>
-            <a:ext cx="8090700" cy="3943800"/>
+            <a:off x="1297500" y="393750"/>
+            <a:ext cx="7038900" cy="914100"/>
           </a:xfrm>
           <a:prstGeom prst="rect">
             <a:avLst/>
@@ -13650,222 +11491,26 @@
           </a:bodyPr>
           <a:lstStyle/>
           <a:p>
-            <a:pPr indent="-349250" lvl="1" marL="914400" rtl="0" algn="l">
-              <a:spcBef>
-                <a:spcPts val="0"/>
-              </a:spcBef>
-              <a:spcAft>
-                <a:spcPts val="0"/>
-              </a:spcAft>
-              <a:buClr>
-                <a:srgbClr val="000000"/>
-              </a:buClr>
-              <a:buSzPts val="1900"/>
-              <a:buFont typeface="Times New Roman"/>
-              <a:buChar char="○"/>
+            <a:pPr indent="0" lvl="0" marL="0" rtl="0" algn="l">
+              <a:spcBef>
+                <a:spcPts val="0"/>
+              </a:spcBef>
+              <a:spcAft>
+                <a:spcPts val="0"/>
+              </a:spcAft>
+              <a:buNone/>
             </a:pPr>
             <a:r>
-              <a:rPr lang="en" sz="1900">
-                <a:solidFill>
-                  <a:srgbClr val="000000"/>
-                </a:solidFill>
-                <a:highlight>
-                  <a:schemeClr val="lt1"/>
-                </a:highlight>
-                <a:latin typeface="Times New Roman"/>
-                <a:ea typeface="Times New Roman"/>
-                <a:cs typeface="Times New Roman"/>
-                <a:sym typeface="Times New Roman"/>
-              </a:rPr>
-              <a:t>Once you click on the card, the card expands into a more detailed view</a:t>
-            </a:r>
-            <a:endParaRPr sz="1900">
-              <a:solidFill>
-                <a:srgbClr val="000000"/>
-              </a:solidFill>
-              <a:highlight>
-                <a:schemeClr val="lt1"/>
-              </a:highlight>
-              <a:latin typeface="Times New Roman"/>
-              <a:ea typeface="Times New Roman"/>
-              <a:cs typeface="Times New Roman"/>
-              <a:sym typeface="Times New Roman"/>
-            </a:endParaRPr>
-          </a:p>
-          <a:p>
-            <a:pPr indent="-349250" lvl="2" marL="1371600" rtl="0" algn="l">
-              <a:spcBef>
-                <a:spcPts val="0"/>
-              </a:spcBef>
-              <a:spcAft>
-                <a:spcPts val="0"/>
-              </a:spcAft>
-              <a:buClr>
-                <a:srgbClr val="000000"/>
-              </a:buClr>
-              <a:buSzPts val="1900"/>
-              <a:buFont typeface="Times New Roman"/>
-              <a:buChar char="■"/>
-            </a:pPr>
-            <a:r>
-              <a:rPr lang="en" sz="1900">
-                <a:solidFill>
-                  <a:srgbClr val="000000"/>
-                </a:solidFill>
-                <a:highlight>
-                  <a:schemeClr val="lt1"/>
-                </a:highlight>
-                <a:latin typeface="Times New Roman"/>
-                <a:ea typeface="Times New Roman"/>
-                <a:cs typeface="Times New Roman"/>
-                <a:sym typeface="Times New Roman"/>
-              </a:rPr>
-              <a:t>The view is a calendar view that has bullet points for each event that will occur on each day</a:t>
-            </a:r>
-            <a:endParaRPr sz="1900">
-              <a:solidFill>
-                <a:srgbClr val="000000"/>
-              </a:solidFill>
-              <a:highlight>
-                <a:schemeClr val="lt1"/>
-              </a:highlight>
-              <a:latin typeface="Times New Roman"/>
-              <a:ea typeface="Times New Roman"/>
-              <a:cs typeface="Times New Roman"/>
-              <a:sym typeface="Times New Roman"/>
-            </a:endParaRPr>
-          </a:p>
-          <a:p>
-            <a:pPr indent="-349250" lvl="3" marL="1828800" rtl="0" algn="l">
-              <a:spcBef>
-                <a:spcPts val="0"/>
-              </a:spcBef>
-              <a:spcAft>
-                <a:spcPts val="0"/>
-              </a:spcAft>
-              <a:buClr>
-                <a:srgbClr val="000000"/>
-              </a:buClr>
-              <a:buSzPts val="1900"/>
-              <a:buFont typeface="Times New Roman"/>
-              <a:buChar char="●"/>
-            </a:pPr>
-            <a:r>
-              <a:rPr lang="en" sz="1900">
-                <a:solidFill>
-                  <a:srgbClr val="000000"/>
-                </a:solidFill>
-                <a:highlight>
-                  <a:schemeClr val="lt1"/>
-                </a:highlight>
-                <a:latin typeface="Times New Roman"/>
-                <a:ea typeface="Times New Roman"/>
-                <a:cs typeface="Times New Roman"/>
-                <a:sym typeface="Times New Roman"/>
-              </a:rPr>
-              <a:t>Clicking on the calendar day expands it more, and the events scheduled for that day are listed in chronological order. </a:t>
-            </a:r>
-            <a:endParaRPr sz="1900">
-              <a:solidFill>
-                <a:srgbClr val="000000"/>
-              </a:solidFill>
-              <a:highlight>
-                <a:schemeClr val="lt1"/>
-              </a:highlight>
-              <a:latin typeface="Times New Roman"/>
-              <a:ea typeface="Times New Roman"/>
-              <a:cs typeface="Times New Roman"/>
-              <a:sym typeface="Times New Roman"/>
-            </a:endParaRPr>
-          </a:p>
-          <a:p>
-            <a:pPr indent="-349250" lvl="3" marL="1828800" rtl="0" algn="l">
-              <a:spcBef>
-                <a:spcPts val="0"/>
-              </a:spcBef>
-              <a:spcAft>
-                <a:spcPts val="0"/>
-              </a:spcAft>
-              <a:buClr>
-                <a:srgbClr val="000000"/>
-              </a:buClr>
-              <a:buSzPts val="1900"/>
-              <a:buFont typeface="Times New Roman"/>
-              <a:buChar char="●"/>
-            </a:pPr>
-            <a:r>
-              <a:rPr lang="en" sz="1900">
-                <a:solidFill>
-                  <a:srgbClr val="000000"/>
-                </a:solidFill>
-                <a:highlight>
-                  <a:schemeClr val="lt1"/>
-                </a:highlight>
-                <a:latin typeface="Times New Roman"/>
-                <a:ea typeface="Times New Roman"/>
-                <a:cs typeface="Times New Roman"/>
-                <a:sym typeface="Times New Roman"/>
-              </a:rPr>
-              <a:t>The calendar day starts in view mode </a:t>
-            </a:r>
-            <a:endParaRPr sz="1900">
-              <a:solidFill>
-                <a:srgbClr val="000000"/>
-              </a:solidFill>
-              <a:highlight>
-                <a:schemeClr val="lt1"/>
-              </a:highlight>
-              <a:latin typeface="Times New Roman"/>
-              <a:ea typeface="Times New Roman"/>
-              <a:cs typeface="Times New Roman"/>
-              <a:sym typeface="Times New Roman"/>
-            </a:endParaRPr>
-          </a:p>
-          <a:p>
-            <a:pPr indent="0" lvl="0" marL="0" rtl="0" algn="l">
-              <a:spcBef>
-                <a:spcPts val="0"/>
-              </a:spcBef>
-              <a:spcAft>
-                <a:spcPts val="1200"/>
-              </a:spcAft>
-              <a:buNone/>
-            </a:pPr>
-            <a:r>
-              <a:t/>
+              <a:rPr lang="en"/>
+              <a:t>Requirements Summary</a:t>
             </a:r>
             <a:endParaRPr/>
           </a:p>
         </p:txBody>
       </p:sp>
-    </p:spTree>
-  </p:cSld>
-  <p:clrMapOvr>
-    <a:masterClrMapping/>
-  </p:clrMapOvr>
-</p:sld>
-</file>
-
-<file path=ppt/slides/slide21.xml><?xml version="1.0" encoding="utf-8"?>
-<p:sld xmlns:a="http://schemas.openxmlformats.org/drawingml/2006/main" xmlns:r="http://schemas.openxmlformats.org/officeDocument/2006/relationships" xmlns:mc="http://schemas.openxmlformats.org/markup-compatibility/2006" xmlns:mv="urn:schemas-microsoft-com:mac:vml" xmlns:p="http://schemas.openxmlformats.org/presentationml/2006/main" xmlns:c="http://schemas.openxmlformats.org/drawingml/2006/chart" xmlns:dgm="http://schemas.openxmlformats.org/drawingml/2006/diagram" xmlns:o="urn:schemas-microsoft-com:office:office" xmlns:v="urn:schemas-microsoft-com:vml" xmlns:pvml="urn:schemas-microsoft-com:office:powerpoint" xmlns:com="http://schemas.openxmlformats.org/drawingml/2006/compatibility" xmlns:p14="http://schemas.microsoft.com/office/powerpoint/2010/main" xmlns:p15="http://schemas.microsoft.com/office/powerpoint/2012/main" xmlns:ahyp="http://schemas.microsoft.com/office/drawing/2018/hyperlinkcolor">
-  <p:cSld>
-    <p:spTree>
-      <p:nvGrpSpPr>
-        <p:cNvPr id="235" name="Shape 235"/>
-        <p:cNvGrpSpPr/>
-        <p:nvPr/>
-      </p:nvGrpSpPr>
-      <p:grpSpPr>
-        <a:xfrm>
-          <a:off x="0" y="0"/>
-          <a:ext cx="0" cy="0"/>
-          <a:chOff x="0" y="0"/>
-          <a:chExt cx="0" cy="0"/>
-        </a:xfrm>
-      </p:grpSpPr>
       <p:sp>
         <p:nvSpPr>
-          <p:cNvPr id="236" name="Google Shape;236;p33"/>
+          <p:cNvPr id="141" name="Google Shape;141;p14"/>
           <p:cNvSpPr txBox="1"/>
           <p:nvPr>
             <p:ph idx="1" type="body"/>
@@ -13873,1017 +11518,8 @@
         </p:nvSpPr>
         <p:spPr>
           <a:xfrm>
-            <a:off x="355225" y="425400"/>
-            <a:ext cx="7981200" cy="4053300"/>
-          </a:xfrm>
-          <a:prstGeom prst="rect">
-            <a:avLst/>
-          </a:prstGeom>
-        </p:spPr>
-        <p:txBody>
-          <a:bodyPr anchorCtr="0" anchor="t" bIns="91425" lIns="91425" spcFirstLastPara="1" rIns="91425" wrap="square" tIns="91425">
-            <a:noAutofit/>
-          </a:bodyPr>
-          <a:lstStyle/>
-          <a:p>
-            <a:pPr indent="-349250" lvl="3" marL="1828800" rtl="0" algn="l">
-              <a:spcBef>
-                <a:spcPts val="0"/>
-              </a:spcBef>
-              <a:spcAft>
-                <a:spcPts val="0"/>
-              </a:spcAft>
-              <a:buClr>
-                <a:srgbClr val="000000"/>
-              </a:buClr>
-              <a:buSzPts val="1900"/>
-              <a:buFont typeface="Times New Roman"/>
-              <a:buChar char="●"/>
-            </a:pPr>
-            <a:r>
-              <a:rPr lang="en" sz="1900">
-                <a:solidFill>
-                  <a:srgbClr val="000000"/>
-                </a:solidFill>
-                <a:highlight>
-                  <a:schemeClr val="lt1"/>
-                </a:highlight>
-                <a:latin typeface="Times New Roman"/>
-                <a:ea typeface="Times New Roman"/>
-                <a:cs typeface="Times New Roman"/>
-                <a:sym typeface="Times New Roman"/>
-              </a:rPr>
-              <a:t>The calendar day will have an “edit mode” button that will allow users to move into edit mode</a:t>
-            </a:r>
-            <a:endParaRPr sz="1900">
-              <a:solidFill>
-                <a:srgbClr val="000000"/>
-              </a:solidFill>
-              <a:highlight>
-                <a:schemeClr val="lt1"/>
-              </a:highlight>
-              <a:latin typeface="Times New Roman"/>
-              <a:ea typeface="Times New Roman"/>
-              <a:cs typeface="Times New Roman"/>
-              <a:sym typeface="Times New Roman"/>
-            </a:endParaRPr>
-          </a:p>
-          <a:p>
-            <a:pPr indent="-349250" lvl="4" marL="2286000" rtl="0" algn="l">
-              <a:spcBef>
-                <a:spcPts val="0"/>
-              </a:spcBef>
-              <a:spcAft>
-                <a:spcPts val="0"/>
-              </a:spcAft>
-              <a:buClr>
-                <a:srgbClr val="000000"/>
-              </a:buClr>
-              <a:buSzPts val="1900"/>
-              <a:buFont typeface="Times New Roman"/>
-              <a:buChar char="○"/>
-            </a:pPr>
-            <a:r>
-              <a:rPr lang="en" sz="1900">
-                <a:solidFill>
-                  <a:srgbClr val="000000"/>
-                </a:solidFill>
-                <a:highlight>
-                  <a:schemeClr val="lt1"/>
-                </a:highlight>
-                <a:latin typeface="Times New Roman"/>
-                <a:ea typeface="Times New Roman"/>
-                <a:cs typeface="Times New Roman"/>
-                <a:sym typeface="Times New Roman"/>
-              </a:rPr>
-              <a:t>Edit mode will allow users to select events</a:t>
-            </a:r>
-            <a:endParaRPr sz="1900">
-              <a:solidFill>
-                <a:srgbClr val="000000"/>
-              </a:solidFill>
-              <a:highlight>
-                <a:schemeClr val="lt1"/>
-              </a:highlight>
-              <a:latin typeface="Times New Roman"/>
-              <a:ea typeface="Times New Roman"/>
-              <a:cs typeface="Times New Roman"/>
-              <a:sym typeface="Times New Roman"/>
-            </a:endParaRPr>
-          </a:p>
-          <a:p>
-            <a:pPr indent="-349250" lvl="5" marL="2743200" rtl="0" algn="l">
-              <a:spcBef>
-                <a:spcPts val="0"/>
-              </a:spcBef>
-              <a:spcAft>
-                <a:spcPts val="0"/>
-              </a:spcAft>
-              <a:buClr>
-                <a:srgbClr val="000000"/>
-              </a:buClr>
-              <a:buSzPts val="1900"/>
-              <a:buFont typeface="Times New Roman"/>
-              <a:buChar char="■"/>
-            </a:pPr>
-            <a:r>
-              <a:rPr lang="en" sz="1900">
-                <a:solidFill>
-                  <a:srgbClr val="000000"/>
-                </a:solidFill>
-                <a:highlight>
-                  <a:schemeClr val="lt1"/>
-                </a:highlight>
-                <a:latin typeface="Times New Roman"/>
-                <a:ea typeface="Times New Roman"/>
-                <a:cs typeface="Times New Roman"/>
-                <a:sym typeface="Times New Roman"/>
-              </a:rPr>
-              <a:t>Selecting an event will allow users to delete that event.</a:t>
-            </a:r>
-            <a:endParaRPr sz="1900">
-              <a:solidFill>
-                <a:srgbClr val="000000"/>
-              </a:solidFill>
-              <a:highlight>
-                <a:schemeClr val="lt1"/>
-              </a:highlight>
-              <a:latin typeface="Times New Roman"/>
-              <a:ea typeface="Times New Roman"/>
-              <a:cs typeface="Times New Roman"/>
-              <a:sym typeface="Times New Roman"/>
-            </a:endParaRPr>
-          </a:p>
-          <a:p>
-            <a:pPr indent="-349250" lvl="5" marL="2743200" rtl="0" algn="l">
-              <a:spcBef>
-                <a:spcPts val="0"/>
-              </a:spcBef>
-              <a:spcAft>
-                <a:spcPts val="0"/>
-              </a:spcAft>
-              <a:buClr>
-                <a:srgbClr val="000000"/>
-              </a:buClr>
-              <a:buSzPts val="1900"/>
-              <a:buFont typeface="Times New Roman"/>
-              <a:buChar char="■"/>
-            </a:pPr>
-            <a:r>
-              <a:rPr lang="en" sz="1900">
-                <a:solidFill>
-                  <a:srgbClr val="000000"/>
-                </a:solidFill>
-                <a:highlight>
-                  <a:schemeClr val="lt1"/>
-                </a:highlight>
-                <a:latin typeface="Times New Roman"/>
-                <a:ea typeface="Times New Roman"/>
-                <a:cs typeface="Times New Roman"/>
-                <a:sym typeface="Times New Roman"/>
-              </a:rPr>
-              <a:t>If a user chooses to delete an event, a warning alerting the user that they are about to delete the event will pop up.</a:t>
-            </a:r>
-            <a:endParaRPr sz="1900">
-              <a:solidFill>
-                <a:srgbClr val="000000"/>
-              </a:solidFill>
-              <a:highlight>
-                <a:schemeClr val="lt1"/>
-              </a:highlight>
-              <a:latin typeface="Times New Roman"/>
-              <a:ea typeface="Times New Roman"/>
-              <a:cs typeface="Times New Roman"/>
-              <a:sym typeface="Times New Roman"/>
-            </a:endParaRPr>
-          </a:p>
-          <a:p>
-            <a:pPr indent="-349250" lvl="6" marL="3200400" rtl="0" algn="l">
-              <a:spcBef>
-                <a:spcPts val="0"/>
-              </a:spcBef>
-              <a:spcAft>
-                <a:spcPts val="0"/>
-              </a:spcAft>
-              <a:buClr>
-                <a:srgbClr val="000000"/>
-              </a:buClr>
-              <a:buSzPts val="1900"/>
-              <a:buFont typeface="Times New Roman"/>
-              <a:buChar char="●"/>
-            </a:pPr>
-            <a:r>
-              <a:rPr lang="en" sz="1900">
-                <a:solidFill>
-                  <a:srgbClr val="000000"/>
-                </a:solidFill>
-                <a:highlight>
-                  <a:schemeClr val="lt1"/>
-                </a:highlight>
-                <a:latin typeface="Times New Roman"/>
-                <a:ea typeface="Times New Roman"/>
-                <a:cs typeface="Times New Roman"/>
-                <a:sym typeface="Times New Roman"/>
-              </a:rPr>
-              <a:t>The alert will offer a chance to continue and delete the event. </a:t>
-            </a:r>
-            <a:endParaRPr sz="1900">
-              <a:solidFill>
-                <a:srgbClr val="000000"/>
-              </a:solidFill>
-              <a:highlight>
-                <a:schemeClr val="lt1"/>
-              </a:highlight>
-              <a:latin typeface="Times New Roman"/>
-              <a:ea typeface="Times New Roman"/>
-              <a:cs typeface="Times New Roman"/>
-              <a:sym typeface="Times New Roman"/>
-            </a:endParaRPr>
-          </a:p>
-          <a:p>
-            <a:pPr indent="-349250" lvl="6" marL="3200400" rtl="0" algn="l">
-              <a:spcBef>
-                <a:spcPts val="0"/>
-              </a:spcBef>
-              <a:spcAft>
-                <a:spcPts val="0"/>
-              </a:spcAft>
-              <a:buClr>
-                <a:srgbClr val="000000"/>
-              </a:buClr>
-              <a:buSzPts val="1900"/>
-              <a:buFont typeface="Times New Roman"/>
-              <a:buChar char="●"/>
-            </a:pPr>
-            <a:r>
-              <a:rPr lang="en" sz="1900">
-                <a:solidFill>
-                  <a:srgbClr val="000000"/>
-                </a:solidFill>
-                <a:highlight>
-                  <a:schemeClr val="lt1"/>
-                </a:highlight>
-                <a:latin typeface="Times New Roman"/>
-                <a:ea typeface="Times New Roman"/>
-                <a:cs typeface="Times New Roman"/>
-                <a:sym typeface="Times New Roman"/>
-              </a:rPr>
-              <a:t>The alert will also allow users to change their minds and keep the event.</a:t>
-            </a:r>
-            <a:endParaRPr sz="1900">
-              <a:solidFill>
-                <a:srgbClr val="000000"/>
-              </a:solidFill>
-              <a:highlight>
-                <a:schemeClr val="lt1"/>
-              </a:highlight>
-              <a:latin typeface="Times New Roman"/>
-              <a:ea typeface="Times New Roman"/>
-              <a:cs typeface="Times New Roman"/>
-              <a:sym typeface="Times New Roman"/>
-            </a:endParaRPr>
-          </a:p>
-          <a:p>
-            <a:pPr indent="0" lvl="0" marL="0" rtl="0" algn="l">
-              <a:spcBef>
-                <a:spcPts val="0"/>
-              </a:spcBef>
-              <a:spcAft>
-                <a:spcPts val="1200"/>
-              </a:spcAft>
-              <a:buNone/>
-            </a:pPr>
-            <a:r>
-              <a:t/>
-            </a:r>
-            <a:endParaRPr/>
-          </a:p>
-        </p:txBody>
-      </p:sp>
-    </p:spTree>
-  </p:cSld>
-  <p:clrMapOvr>
-    <a:masterClrMapping/>
-  </p:clrMapOvr>
-</p:sld>
-</file>
-
-<file path=ppt/slides/slide22.xml><?xml version="1.0" encoding="utf-8"?>
-<p:sld xmlns:a="http://schemas.openxmlformats.org/drawingml/2006/main" xmlns:r="http://schemas.openxmlformats.org/officeDocument/2006/relationships" xmlns:mc="http://schemas.openxmlformats.org/markup-compatibility/2006" xmlns:mv="urn:schemas-microsoft-com:mac:vml" xmlns:p="http://schemas.openxmlformats.org/presentationml/2006/main" xmlns:c="http://schemas.openxmlformats.org/drawingml/2006/chart" xmlns:dgm="http://schemas.openxmlformats.org/drawingml/2006/diagram" xmlns:o="urn:schemas-microsoft-com:office:office" xmlns:v="urn:schemas-microsoft-com:vml" xmlns:pvml="urn:schemas-microsoft-com:office:powerpoint" xmlns:com="http://schemas.openxmlformats.org/drawingml/2006/compatibility" xmlns:p14="http://schemas.microsoft.com/office/powerpoint/2010/main" xmlns:p15="http://schemas.microsoft.com/office/powerpoint/2012/main" xmlns:ahyp="http://schemas.microsoft.com/office/drawing/2018/hyperlinkcolor">
-  <p:cSld>
-    <p:spTree>
-      <p:nvGrpSpPr>
-        <p:cNvPr id="240" name="Shape 240"/>
-        <p:cNvGrpSpPr/>
-        <p:nvPr/>
-      </p:nvGrpSpPr>
-      <p:grpSpPr>
-        <a:xfrm>
-          <a:off x="0" y="0"/>
-          <a:ext cx="0" cy="0"/>
-          <a:chOff x="0" y="0"/>
-          <a:chExt cx="0" cy="0"/>
-        </a:xfrm>
-      </p:grpSpPr>
-      <p:sp>
-        <p:nvSpPr>
-          <p:cNvPr id="241" name="Google Shape;241;p34"/>
-          <p:cNvSpPr txBox="1"/>
-          <p:nvPr>
-            <p:ph idx="1" type="body"/>
-          </p:nvPr>
-        </p:nvSpPr>
-        <p:spPr>
-          <a:xfrm>
-            <a:off x="289450" y="381550"/>
-            <a:ext cx="8046900" cy="4097100"/>
-          </a:xfrm>
-          <a:prstGeom prst="rect">
-            <a:avLst/>
-          </a:prstGeom>
-        </p:spPr>
-        <p:txBody>
-          <a:bodyPr anchorCtr="0" anchor="t" bIns="91425" lIns="91425" spcFirstLastPara="1" rIns="91425" wrap="square" tIns="91425">
-            <a:noAutofit/>
-          </a:bodyPr>
-          <a:lstStyle/>
-          <a:p>
-            <a:pPr indent="-349250" lvl="5" marL="2743200" rtl="0" algn="l">
-              <a:spcBef>
-                <a:spcPts val="0"/>
-              </a:spcBef>
-              <a:spcAft>
-                <a:spcPts val="0"/>
-              </a:spcAft>
-              <a:buClr>
-                <a:srgbClr val="000000"/>
-              </a:buClr>
-              <a:buSzPts val="1900"/>
-              <a:buFont typeface="Times New Roman"/>
-              <a:buChar char="■"/>
-            </a:pPr>
-            <a:r>
-              <a:rPr lang="en" sz="1900">
-                <a:solidFill>
-                  <a:srgbClr val="000000"/>
-                </a:solidFill>
-                <a:highlight>
-                  <a:schemeClr val="lt1"/>
-                </a:highlight>
-                <a:latin typeface="Times New Roman"/>
-                <a:ea typeface="Times New Roman"/>
-                <a:cs typeface="Times New Roman"/>
-                <a:sym typeface="Times New Roman"/>
-              </a:rPr>
-              <a:t>Selecting events will also allow users to move events</a:t>
-            </a:r>
-            <a:endParaRPr sz="1900">
-              <a:solidFill>
-                <a:srgbClr val="000000"/>
-              </a:solidFill>
-              <a:highlight>
-                <a:schemeClr val="lt1"/>
-              </a:highlight>
-              <a:latin typeface="Times New Roman"/>
-              <a:ea typeface="Times New Roman"/>
-              <a:cs typeface="Times New Roman"/>
-              <a:sym typeface="Times New Roman"/>
-            </a:endParaRPr>
-          </a:p>
-          <a:p>
-            <a:pPr indent="-349250" lvl="6" marL="3200400" rtl="0" algn="l">
-              <a:spcBef>
-                <a:spcPts val="0"/>
-              </a:spcBef>
-              <a:spcAft>
-                <a:spcPts val="0"/>
-              </a:spcAft>
-              <a:buClr>
-                <a:srgbClr val="000000"/>
-              </a:buClr>
-              <a:buSzPts val="1900"/>
-              <a:buFont typeface="Times New Roman"/>
-              <a:buChar char="●"/>
-            </a:pPr>
-            <a:r>
-              <a:rPr lang="en" sz="1900">
-                <a:solidFill>
-                  <a:srgbClr val="000000"/>
-                </a:solidFill>
-                <a:highlight>
-                  <a:schemeClr val="lt1"/>
-                </a:highlight>
-                <a:latin typeface="Times New Roman"/>
-                <a:ea typeface="Times New Roman"/>
-                <a:cs typeface="Times New Roman"/>
-                <a:sym typeface="Times New Roman"/>
-              </a:rPr>
-              <a:t>If an event is not available at that set time, a warning alert will be provided</a:t>
-            </a:r>
-            <a:endParaRPr sz="1900">
-              <a:solidFill>
-                <a:srgbClr val="000000"/>
-              </a:solidFill>
-              <a:highlight>
-                <a:schemeClr val="lt1"/>
-              </a:highlight>
-              <a:latin typeface="Times New Roman"/>
-              <a:ea typeface="Times New Roman"/>
-              <a:cs typeface="Times New Roman"/>
-              <a:sym typeface="Times New Roman"/>
-            </a:endParaRPr>
-          </a:p>
-          <a:p>
-            <a:pPr indent="-349250" lvl="2" marL="1371600" rtl="0" algn="l">
-              <a:spcBef>
-                <a:spcPts val="0"/>
-              </a:spcBef>
-              <a:spcAft>
-                <a:spcPts val="0"/>
-              </a:spcAft>
-              <a:buClr>
-                <a:srgbClr val="000000"/>
-              </a:buClr>
-              <a:buSzPts val="1900"/>
-              <a:buFont typeface="Times New Roman"/>
-              <a:buChar char="■"/>
-            </a:pPr>
-            <a:r>
-              <a:rPr lang="en" sz="1900">
-                <a:solidFill>
-                  <a:srgbClr val="000000"/>
-                </a:solidFill>
-                <a:highlight>
-                  <a:schemeClr val="lt1"/>
-                </a:highlight>
-                <a:latin typeface="Times New Roman"/>
-                <a:ea typeface="Times New Roman"/>
-                <a:cs typeface="Times New Roman"/>
-                <a:sym typeface="Times New Roman"/>
-              </a:rPr>
-              <a:t>Edit mode for calendar that allows for selecting a day, deleting, and moving around of days</a:t>
-            </a:r>
-            <a:endParaRPr sz="1900">
-              <a:solidFill>
-                <a:srgbClr val="000000"/>
-              </a:solidFill>
-              <a:highlight>
-                <a:schemeClr val="lt1"/>
-              </a:highlight>
-              <a:latin typeface="Times New Roman"/>
-              <a:ea typeface="Times New Roman"/>
-              <a:cs typeface="Times New Roman"/>
-              <a:sym typeface="Times New Roman"/>
-            </a:endParaRPr>
-          </a:p>
-          <a:p>
-            <a:pPr indent="-349250" lvl="2" marL="1371600" rtl="0" algn="l">
-              <a:spcBef>
-                <a:spcPts val="0"/>
-              </a:spcBef>
-              <a:spcAft>
-                <a:spcPts val="0"/>
-              </a:spcAft>
-              <a:buClr>
-                <a:srgbClr val="000000"/>
-              </a:buClr>
-              <a:buSzPts val="1900"/>
-              <a:buFont typeface="Times New Roman"/>
-              <a:buChar char="■"/>
-            </a:pPr>
-            <a:r>
-              <a:rPr lang="en" sz="1900">
-                <a:solidFill>
-                  <a:srgbClr val="000000"/>
-                </a:solidFill>
-                <a:highlight>
-                  <a:schemeClr val="lt1"/>
-                </a:highlight>
-                <a:latin typeface="Times New Roman"/>
-                <a:ea typeface="Times New Roman"/>
-                <a:cs typeface="Times New Roman"/>
-                <a:sym typeface="Times New Roman"/>
-              </a:rPr>
-              <a:t>Selecting a day will allow users to delete the event’s day.</a:t>
-            </a:r>
-            <a:endParaRPr sz="1900">
-              <a:solidFill>
-                <a:srgbClr val="000000"/>
-              </a:solidFill>
-              <a:highlight>
-                <a:schemeClr val="lt1"/>
-              </a:highlight>
-              <a:latin typeface="Times New Roman"/>
-              <a:ea typeface="Times New Roman"/>
-              <a:cs typeface="Times New Roman"/>
-              <a:sym typeface="Times New Roman"/>
-            </a:endParaRPr>
-          </a:p>
-          <a:p>
-            <a:pPr indent="-349250" lvl="2" marL="1371600" rtl="0" algn="l">
-              <a:spcBef>
-                <a:spcPts val="0"/>
-              </a:spcBef>
-              <a:spcAft>
-                <a:spcPts val="0"/>
-              </a:spcAft>
-              <a:buClr>
-                <a:srgbClr val="000000"/>
-              </a:buClr>
-              <a:buSzPts val="1900"/>
-              <a:buFont typeface="Times New Roman"/>
-              <a:buChar char="■"/>
-            </a:pPr>
-            <a:r>
-              <a:rPr lang="en" sz="1900">
-                <a:solidFill>
-                  <a:srgbClr val="000000"/>
-                </a:solidFill>
-                <a:highlight>
-                  <a:schemeClr val="lt1"/>
-                </a:highlight>
-                <a:latin typeface="Times New Roman"/>
-                <a:ea typeface="Times New Roman"/>
-                <a:cs typeface="Times New Roman"/>
-                <a:sym typeface="Times New Roman"/>
-              </a:rPr>
-              <a:t>If a user chooses to delete a day, a warning alerting the user that they are about to delete the events for the day will pop up.</a:t>
-            </a:r>
-            <a:endParaRPr sz="1900">
-              <a:solidFill>
-                <a:srgbClr val="000000"/>
-              </a:solidFill>
-              <a:highlight>
-                <a:schemeClr val="lt1"/>
-              </a:highlight>
-              <a:latin typeface="Times New Roman"/>
-              <a:ea typeface="Times New Roman"/>
-              <a:cs typeface="Times New Roman"/>
-              <a:sym typeface="Times New Roman"/>
-            </a:endParaRPr>
-          </a:p>
-          <a:p>
-            <a:pPr indent="-349250" lvl="3" marL="1828800" rtl="0" algn="l">
-              <a:spcBef>
-                <a:spcPts val="0"/>
-              </a:spcBef>
-              <a:spcAft>
-                <a:spcPts val="0"/>
-              </a:spcAft>
-              <a:buClr>
-                <a:srgbClr val="000000"/>
-              </a:buClr>
-              <a:buSzPts val="1900"/>
-              <a:buFont typeface="Times New Roman"/>
-              <a:buChar char="●"/>
-            </a:pPr>
-            <a:r>
-              <a:rPr lang="en" sz="1900">
-                <a:solidFill>
-                  <a:srgbClr val="000000"/>
-                </a:solidFill>
-                <a:highlight>
-                  <a:schemeClr val="lt1"/>
-                </a:highlight>
-                <a:latin typeface="Times New Roman"/>
-                <a:ea typeface="Times New Roman"/>
-                <a:cs typeface="Times New Roman"/>
-                <a:sym typeface="Times New Roman"/>
-              </a:rPr>
-              <a:t>The alert will offer a chance to continue and delete the day’s events. </a:t>
-            </a:r>
-            <a:endParaRPr sz="1900">
-              <a:solidFill>
-                <a:srgbClr val="000000"/>
-              </a:solidFill>
-              <a:highlight>
-                <a:schemeClr val="lt1"/>
-              </a:highlight>
-              <a:latin typeface="Times New Roman"/>
-              <a:ea typeface="Times New Roman"/>
-              <a:cs typeface="Times New Roman"/>
-              <a:sym typeface="Times New Roman"/>
-            </a:endParaRPr>
-          </a:p>
-          <a:p>
-            <a:pPr indent="-349250" lvl="3" marL="1828800" rtl="0" algn="l">
-              <a:spcBef>
-                <a:spcPts val="0"/>
-              </a:spcBef>
-              <a:spcAft>
-                <a:spcPts val="0"/>
-              </a:spcAft>
-              <a:buClr>
-                <a:srgbClr val="000000"/>
-              </a:buClr>
-              <a:buSzPts val="1900"/>
-              <a:buFont typeface="Times New Roman"/>
-              <a:buChar char="●"/>
-            </a:pPr>
-            <a:r>
-              <a:rPr lang="en" sz="1900">
-                <a:solidFill>
-                  <a:srgbClr val="000000"/>
-                </a:solidFill>
-                <a:highlight>
-                  <a:schemeClr val="lt1"/>
-                </a:highlight>
-                <a:latin typeface="Times New Roman"/>
-                <a:ea typeface="Times New Roman"/>
-                <a:cs typeface="Times New Roman"/>
-                <a:sym typeface="Times New Roman"/>
-              </a:rPr>
-              <a:t>The alert will also allow users to change their minds and keep the day’s events.</a:t>
-            </a:r>
-            <a:endParaRPr sz="1900">
-              <a:solidFill>
-                <a:srgbClr val="000000"/>
-              </a:solidFill>
-              <a:highlight>
-                <a:schemeClr val="lt1"/>
-              </a:highlight>
-              <a:latin typeface="Times New Roman"/>
-              <a:ea typeface="Times New Roman"/>
-              <a:cs typeface="Times New Roman"/>
-              <a:sym typeface="Times New Roman"/>
-            </a:endParaRPr>
-          </a:p>
-          <a:p>
-            <a:pPr indent="0" lvl="0" marL="0" rtl="0" algn="l">
-              <a:spcBef>
-                <a:spcPts val="0"/>
-              </a:spcBef>
-              <a:spcAft>
-                <a:spcPts val="1200"/>
-              </a:spcAft>
-              <a:buNone/>
-            </a:pPr>
-            <a:r>
-              <a:t/>
-            </a:r>
-            <a:endParaRPr/>
-          </a:p>
-        </p:txBody>
-      </p:sp>
-    </p:spTree>
-  </p:cSld>
-  <p:clrMapOvr>
-    <a:masterClrMapping/>
-  </p:clrMapOvr>
-</p:sld>
-</file>
-
-<file path=ppt/slides/slide23.xml><?xml version="1.0" encoding="utf-8"?>
-<p:sld xmlns:a="http://schemas.openxmlformats.org/drawingml/2006/main" xmlns:r="http://schemas.openxmlformats.org/officeDocument/2006/relationships" xmlns:mc="http://schemas.openxmlformats.org/markup-compatibility/2006" xmlns:mv="urn:schemas-microsoft-com:mac:vml" xmlns:p="http://schemas.openxmlformats.org/presentationml/2006/main" xmlns:c="http://schemas.openxmlformats.org/drawingml/2006/chart" xmlns:dgm="http://schemas.openxmlformats.org/drawingml/2006/diagram" xmlns:o="urn:schemas-microsoft-com:office:office" xmlns:v="urn:schemas-microsoft-com:vml" xmlns:pvml="urn:schemas-microsoft-com:office:powerpoint" xmlns:com="http://schemas.openxmlformats.org/drawingml/2006/compatibility" xmlns:p14="http://schemas.microsoft.com/office/powerpoint/2010/main" xmlns:p15="http://schemas.microsoft.com/office/powerpoint/2012/main" xmlns:ahyp="http://schemas.microsoft.com/office/drawing/2018/hyperlinkcolor">
-  <p:cSld>
-    <p:spTree>
-      <p:nvGrpSpPr>
-        <p:cNvPr id="245" name="Shape 245"/>
-        <p:cNvGrpSpPr/>
-        <p:nvPr/>
-      </p:nvGrpSpPr>
-      <p:grpSpPr>
-        <a:xfrm>
-          <a:off x="0" y="0"/>
-          <a:ext cx="0" cy="0"/>
-          <a:chOff x="0" y="0"/>
-          <a:chExt cx="0" cy="0"/>
-        </a:xfrm>
-      </p:grpSpPr>
-      <p:sp>
-        <p:nvSpPr>
-          <p:cNvPr id="246" name="Google Shape;246;p35"/>
-          <p:cNvSpPr txBox="1"/>
-          <p:nvPr>
-            <p:ph idx="1" type="body"/>
-          </p:nvPr>
-        </p:nvSpPr>
-        <p:spPr>
-          <a:xfrm>
-            <a:off x="355225" y="403475"/>
-            <a:ext cx="7981200" cy="4075200"/>
-          </a:xfrm>
-          <a:prstGeom prst="rect">
-            <a:avLst/>
-          </a:prstGeom>
-        </p:spPr>
-        <p:txBody>
-          <a:bodyPr anchorCtr="0" anchor="t" bIns="91425" lIns="91425" spcFirstLastPara="1" rIns="91425" wrap="square" tIns="91425">
-            <a:noAutofit/>
-          </a:bodyPr>
-          <a:lstStyle/>
-          <a:p>
-            <a:pPr indent="-349250" lvl="2" marL="1371600" rtl="0" algn="l">
-              <a:spcBef>
-                <a:spcPts val="0"/>
-              </a:spcBef>
-              <a:spcAft>
-                <a:spcPts val="0"/>
-              </a:spcAft>
-              <a:buClr>
-                <a:srgbClr val="000000"/>
-              </a:buClr>
-              <a:buSzPts val="1900"/>
-              <a:buFont typeface="Times New Roman"/>
-              <a:buChar char="■"/>
-            </a:pPr>
-            <a:r>
-              <a:rPr lang="en" sz="1900">
-                <a:solidFill>
-                  <a:srgbClr val="000000"/>
-                </a:solidFill>
-                <a:highlight>
-                  <a:schemeClr val="lt1"/>
-                </a:highlight>
-                <a:latin typeface="Times New Roman"/>
-                <a:ea typeface="Times New Roman"/>
-                <a:cs typeface="Times New Roman"/>
-                <a:sym typeface="Times New Roman"/>
-              </a:rPr>
-              <a:t>Selecting a day will also allow users to move a day’s events to another day.</a:t>
-            </a:r>
-            <a:endParaRPr sz="1900">
-              <a:solidFill>
-                <a:srgbClr val="000000"/>
-              </a:solidFill>
-              <a:highlight>
-                <a:schemeClr val="lt1"/>
-              </a:highlight>
-              <a:latin typeface="Times New Roman"/>
-              <a:ea typeface="Times New Roman"/>
-              <a:cs typeface="Times New Roman"/>
-              <a:sym typeface="Times New Roman"/>
-            </a:endParaRPr>
-          </a:p>
-          <a:p>
-            <a:pPr indent="-349250" lvl="3" marL="1828800" rtl="0" algn="l">
-              <a:spcBef>
-                <a:spcPts val="0"/>
-              </a:spcBef>
-              <a:spcAft>
-                <a:spcPts val="0"/>
-              </a:spcAft>
-              <a:buClr>
-                <a:srgbClr val="000000"/>
-              </a:buClr>
-              <a:buSzPts val="1900"/>
-              <a:buFont typeface="Times New Roman"/>
-              <a:buChar char="●"/>
-            </a:pPr>
-            <a:r>
-              <a:rPr lang="en" sz="1900">
-                <a:solidFill>
-                  <a:srgbClr val="000000"/>
-                </a:solidFill>
-                <a:highlight>
-                  <a:schemeClr val="lt1"/>
-                </a:highlight>
-                <a:latin typeface="Times New Roman"/>
-                <a:ea typeface="Times New Roman"/>
-                <a:cs typeface="Times New Roman"/>
-                <a:sym typeface="Times New Roman"/>
-              </a:rPr>
-              <a:t>If a day’s events are not available at the set times on the day they are being moved to, a warning alert will be provided telling the user which events are not available on the day they are being moved to</a:t>
-            </a:r>
-            <a:endParaRPr sz="1900">
-              <a:solidFill>
-                <a:srgbClr val="000000"/>
-              </a:solidFill>
-              <a:highlight>
-                <a:schemeClr val="lt1"/>
-              </a:highlight>
-              <a:latin typeface="Times New Roman"/>
-              <a:ea typeface="Times New Roman"/>
-              <a:cs typeface="Times New Roman"/>
-              <a:sym typeface="Times New Roman"/>
-            </a:endParaRPr>
-          </a:p>
-          <a:p>
-            <a:pPr indent="-349250" lvl="1" marL="914400" rtl="0" algn="l">
-              <a:spcBef>
-                <a:spcPts val="0"/>
-              </a:spcBef>
-              <a:spcAft>
-                <a:spcPts val="0"/>
-              </a:spcAft>
-              <a:buClr>
-                <a:srgbClr val="000000"/>
-              </a:buClr>
-              <a:buSzPts val="1900"/>
-              <a:buFont typeface="Times New Roman"/>
-              <a:buChar char="○"/>
-            </a:pPr>
-            <a:r>
-              <a:rPr lang="en" sz="1900">
-                <a:solidFill>
-                  <a:srgbClr val="000000"/>
-                </a:solidFill>
-                <a:highlight>
-                  <a:schemeClr val="lt1"/>
-                </a:highlight>
-                <a:latin typeface="Times New Roman"/>
-                <a:ea typeface="Times New Roman"/>
-                <a:cs typeface="Times New Roman"/>
-                <a:sym typeface="Times New Roman"/>
-              </a:rPr>
-              <a:t>A deleted option will be provided for each itinerary</a:t>
-            </a:r>
-            <a:endParaRPr sz="1900">
-              <a:solidFill>
-                <a:srgbClr val="000000"/>
-              </a:solidFill>
-              <a:highlight>
-                <a:schemeClr val="lt1"/>
-              </a:highlight>
-              <a:latin typeface="Times New Roman"/>
-              <a:ea typeface="Times New Roman"/>
-              <a:cs typeface="Times New Roman"/>
-              <a:sym typeface="Times New Roman"/>
-            </a:endParaRPr>
-          </a:p>
-          <a:p>
-            <a:pPr indent="-349250" lvl="2" marL="1371600" rtl="0" algn="l">
-              <a:spcBef>
-                <a:spcPts val="0"/>
-              </a:spcBef>
-              <a:spcAft>
-                <a:spcPts val="0"/>
-              </a:spcAft>
-              <a:buClr>
-                <a:srgbClr val="000000"/>
-              </a:buClr>
-              <a:buSzPts val="1900"/>
-              <a:buFont typeface="Times New Roman"/>
-              <a:buChar char="■"/>
-            </a:pPr>
-            <a:r>
-              <a:rPr lang="en" sz="1900">
-                <a:solidFill>
-                  <a:srgbClr val="000000"/>
-                </a:solidFill>
-                <a:highlight>
-                  <a:schemeClr val="lt1"/>
-                </a:highlight>
-                <a:latin typeface="Times New Roman"/>
-                <a:ea typeface="Times New Roman"/>
-                <a:cs typeface="Times New Roman"/>
-                <a:sym typeface="Times New Roman"/>
-              </a:rPr>
-              <a:t>Once clicked, a warning message will be displayed asking if the user is sure they want to delete the itinerary</a:t>
-            </a:r>
-            <a:endParaRPr sz="1900">
-              <a:solidFill>
-                <a:srgbClr val="000000"/>
-              </a:solidFill>
-              <a:highlight>
-                <a:schemeClr val="lt1"/>
-              </a:highlight>
-              <a:latin typeface="Times New Roman"/>
-              <a:ea typeface="Times New Roman"/>
-              <a:cs typeface="Times New Roman"/>
-              <a:sym typeface="Times New Roman"/>
-            </a:endParaRPr>
-          </a:p>
-          <a:p>
-            <a:pPr indent="-349250" lvl="3" marL="1828800" rtl="0" algn="l">
-              <a:spcBef>
-                <a:spcPts val="0"/>
-              </a:spcBef>
-              <a:spcAft>
-                <a:spcPts val="0"/>
-              </a:spcAft>
-              <a:buClr>
-                <a:srgbClr val="000000"/>
-              </a:buClr>
-              <a:buSzPts val="1900"/>
-              <a:buFont typeface="Times New Roman"/>
-              <a:buChar char="●"/>
-            </a:pPr>
-            <a:r>
-              <a:rPr lang="en" sz="1900">
-                <a:solidFill>
-                  <a:srgbClr val="000000"/>
-                </a:solidFill>
-                <a:highlight>
-                  <a:schemeClr val="lt1"/>
-                </a:highlight>
-                <a:latin typeface="Times New Roman"/>
-                <a:ea typeface="Times New Roman"/>
-                <a:cs typeface="Times New Roman"/>
-                <a:sym typeface="Times New Roman"/>
-              </a:rPr>
-              <a:t>Will default to no</a:t>
-            </a:r>
-            <a:endParaRPr sz="1900">
-              <a:solidFill>
-                <a:srgbClr val="000000"/>
-              </a:solidFill>
-              <a:highlight>
-                <a:schemeClr val="lt1"/>
-              </a:highlight>
-              <a:latin typeface="Times New Roman"/>
-              <a:ea typeface="Times New Roman"/>
-              <a:cs typeface="Times New Roman"/>
-              <a:sym typeface="Times New Roman"/>
-            </a:endParaRPr>
-          </a:p>
-          <a:p>
-            <a:pPr indent="-349250" lvl="3" marL="1828800" rtl="0" algn="l">
-              <a:spcBef>
-                <a:spcPts val="0"/>
-              </a:spcBef>
-              <a:spcAft>
-                <a:spcPts val="0"/>
-              </a:spcAft>
-              <a:buClr>
-                <a:srgbClr val="000000"/>
-              </a:buClr>
-              <a:buSzPts val="1900"/>
-              <a:buFont typeface="Times New Roman"/>
-              <a:buChar char="●"/>
-            </a:pPr>
-            <a:r>
-              <a:rPr lang="en" sz="1900">
-                <a:solidFill>
-                  <a:srgbClr val="000000"/>
-                </a:solidFill>
-                <a:highlight>
-                  <a:schemeClr val="lt1"/>
-                </a:highlight>
-                <a:latin typeface="Times New Roman"/>
-                <a:ea typeface="Times New Roman"/>
-                <a:cs typeface="Times New Roman"/>
-                <a:sym typeface="Times New Roman"/>
-              </a:rPr>
-              <a:t>If the user clicks yes, the itinerary will be deleted</a:t>
-            </a:r>
-            <a:endParaRPr sz="1900">
-              <a:solidFill>
-                <a:srgbClr val="000000"/>
-              </a:solidFill>
-              <a:highlight>
-                <a:schemeClr val="lt1"/>
-              </a:highlight>
-              <a:latin typeface="Times New Roman"/>
-              <a:ea typeface="Times New Roman"/>
-              <a:cs typeface="Times New Roman"/>
-              <a:sym typeface="Times New Roman"/>
-            </a:endParaRPr>
-          </a:p>
-          <a:p>
-            <a:pPr indent="0" lvl="0" marL="0" rtl="0" algn="l">
-              <a:spcBef>
-                <a:spcPts val="0"/>
-              </a:spcBef>
-              <a:spcAft>
-                <a:spcPts val="1200"/>
-              </a:spcAft>
-              <a:buNone/>
-            </a:pPr>
-            <a:r>
-              <a:t/>
-            </a:r>
-            <a:endParaRPr/>
-          </a:p>
-        </p:txBody>
-      </p:sp>
-    </p:spTree>
-  </p:cSld>
-  <p:clrMapOvr>
-    <a:masterClrMapping/>
-  </p:clrMapOvr>
-</p:sld>
-</file>
-
-<file path=ppt/slides/slide24.xml><?xml version="1.0" encoding="utf-8"?>
-<p:sld xmlns:a="http://schemas.openxmlformats.org/drawingml/2006/main" xmlns:r="http://schemas.openxmlformats.org/officeDocument/2006/relationships" xmlns:mc="http://schemas.openxmlformats.org/markup-compatibility/2006" xmlns:mv="urn:schemas-microsoft-com:mac:vml" xmlns:p="http://schemas.openxmlformats.org/presentationml/2006/main" xmlns:c="http://schemas.openxmlformats.org/drawingml/2006/chart" xmlns:dgm="http://schemas.openxmlformats.org/drawingml/2006/diagram" xmlns:o="urn:schemas-microsoft-com:office:office" xmlns:v="urn:schemas-microsoft-com:vml" xmlns:pvml="urn:schemas-microsoft-com:office:powerpoint" xmlns:com="http://schemas.openxmlformats.org/drawingml/2006/compatibility" xmlns:p14="http://schemas.microsoft.com/office/powerpoint/2010/main" xmlns:p15="http://schemas.microsoft.com/office/powerpoint/2012/main" xmlns:ahyp="http://schemas.microsoft.com/office/drawing/2018/hyperlinkcolor">
-  <p:cSld>
-    <p:spTree>
-      <p:nvGrpSpPr>
-        <p:cNvPr id="250" name="Shape 250"/>
-        <p:cNvGrpSpPr/>
-        <p:nvPr/>
-      </p:nvGrpSpPr>
-      <p:grpSpPr>
-        <a:xfrm>
-          <a:off x="0" y="0"/>
-          <a:ext cx="0" cy="0"/>
-          <a:chOff x="0" y="0"/>
-          <a:chExt cx="0" cy="0"/>
-        </a:xfrm>
-      </p:grpSpPr>
-      <p:sp>
-        <p:nvSpPr>
-          <p:cNvPr id="251" name="Google Shape;251;p36"/>
-          <p:cNvSpPr txBox="1"/>
-          <p:nvPr>
-            <p:ph idx="1" type="body"/>
-          </p:nvPr>
-        </p:nvSpPr>
-        <p:spPr>
-          <a:xfrm>
-            <a:off x="377175" y="403475"/>
-            <a:ext cx="7959300" cy="4075200"/>
+            <a:off x="1297500" y="1567550"/>
+            <a:ext cx="7038900" cy="2911200"/>
           </a:xfrm>
           <a:prstGeom prst="rect">
             <a:avLst/>
@@ -14902,35 +11538,20 @@
               <a:spcAft>
                 <a:spcPts val="0"/>
               </a:spcAft>
-              <a:buClr>
-                <a:srgbClr val="000000"/>
-              </a:buClr>
               <a:buSzPts val="1900"/>
               <a:buFont typeface="Times New Roman"/>
               <a:buChar char="●"/>
             </a:pPr>
             <a:r>
               <a:rPr lang="en" sz="1900">
-                <a:solidFill>
-                  <a:srgbClr val="000000"/>
-                </a:solidFill>
-                <a:highlight>
-                  <a:schemeClr val="lt1"/>
-                </a:highlight>
                 <a:latin typeface="Times New Roman"/>
                 <a:ea typeface="Times New Roman"/>
                 <a:cs typeface="Times New Roman"/>
                 <a:sym typeface="Times New Roman"/>
               </a:rPr>
-              <a:t>Account</a:t>
+              <a:t>Sign-in forms</a:t>
             </a:r>
             <a:endParaRPr sz="1900">
-              <a:solidFill>
-                <a:srgbClr val="000000"/>
-              </a:solidFill>
-              <a:highlight>
-                <a:schemeClr val="lt1"/>
-              </a:highlight>
               <a:latin typeface="Times New Roman"/>
               <a:ea typeface="Times New Roman"/>
               <a:cs typeface="Times New Roman"/>
@@ -14938,42 +11559,27 @@
             </a:endParaRPr>
           </a:p>
           <a:p>
-            <a:pPr indent="-349250" lvl="1" marL="914400" rtl="0" algn="l">
-              <a:spcBef>
-                <a:spcPts val="0"/>
-              </a:spcBef>
-              <a:spcAft>
-                <a:spcPts val="0"/>
-              </a:spcAft>
-              <a:buClr>
-                <a:srgbClr val="000000"/>
-              </a:buClr>
+            <a:pPr indent="-349250" lvl="0" marL="457200" rtl="0" algn="l">
+              <a:spcBef>
+                <a:spcPts val="0"/>
+              </a:spcBef>
+              <a:spcAft>
+                <a:spcPts val="0"/>
+              </a:spcAft>
               <a:buSzPts val="1900"/>
               <a:buFont typeface="Times New Roman"/>
-              <a:buChar char="○"/>
+              <a:buChar char="●"/>
             </a:pPr>
             <a:r>
               <a:rPr lang="en" sz="1900">
-                <a:solidFill>
-                  <a:srgbClr val="000000"/>
-                </a:solidFill>
-                <a:highlight>
-                  <a:schemeClr val="lt1"/>
-                </a:highlight>
                 <a:latin typeface="Times New Roman"/>
                 <a:ea typeface="Times New Roman"/>
                 <a:cs typeface="Times New Roman"/>
                 <a:sym typeface="Times New Roman"/>
               </a:rPr>
-              <a:t>Once clicked, the user will be presented an account page</a:t>
+              <a:t>Sign-up forms</a:t>
             </a:r>
             <a:endParaRPr sz="1900">
-              <a:solidFill>
-                <a:srgbClr val="000000"/>
-              </a:solidFill>
-              <a:highlight>
-                <a:schemeClr val="lt1"/>
-              </a:highlight>
               <a:latin typeface="Times New Roman"/>
               <a:ea typeface="Times New Roman"/>
               <a:cs typeface="Times New Roman"/>
@@ -14981,42 +11587,27 @@
             </a:endParaRPr>
           </a:p>
           <a:p>
-            <a:pPr indent="-349250" lvl="2" marL="1371600" rtl="0" algn="l">
-              <a:spcBef>
-                <a:spcPts val="0"/>
-              </a:spcBef>
-              <a:spcAft>
-                <a:spcPts val="0"/>
-              </a:spcAft>
-              <a:buClr>
-                <a:srgbClr val="000000"/>
-              </a:buClr>
+            <a:pPr indent="-349250" lvl="0" marL="457200" rtl="0" algn="l">
+              <a:spcBef>
+                <a:spcPts val="0"/>
+              </a:spcBef>
+              <a:spcAft>
+                <a:spcPts val="0"/>
+              </a:spcAft>
               <a:buSzPts val="1900"/>
               <a:buFont typeface="Times New Roman"/>
-              <a:buChar char="■"/>
+              <a:buChar char="●"/>
             </a:pPr>
             <a:r>
               <a:rPr lang="en" sz="1900">
-                <a:solidFill>
-                  <a:srgbClr val="000000"/>
-                </a:solidFill>
-                <a:highlight>
-                  <a:schemeClr val="lt1"/>
-                </a:highlight>
                 <a:latin typeface="Times New Roman"/>
                 <a:ea typeface="Times New Roman"/>
                 <a:cs typeface="Times New Roman"/>
                 <a:sym typeface="Times New Roman"/>
               </a:rPr>
-              <a:t>This page will display user’s current information:</a:t>
+              <a:t>Home Page</a:t>
             </a:r>
             <a:endParaRPr sz="1900">
-              <a:solidFill>
-                <a:srgbClr val="000000"/>
-              </a:solidFill>
-              <a:highlight>
-                <a:schemeClr val="lt1"/>
-              </a:highlight>
               <a:latin typeface="Times New Roman"/>
               <a:ea typeface="Times New Roman"/>
               <a:cs typeface="Times New Roman"/>
@@ -15024,42 +11615,27 @@
             </a:endParaRPr>
           </a:p>
           <a:p>
-            <a:pPr indent="-349250" lvl="3" marL="1828800" rtl="0" algn="l">
-              <a:spcBef>
-                <a:spcPts val="0"/>
-              </a:spcBef>
-              <a:spcAft>
-                <a:spcPts val="0"/>
-              </a:spcAft>
-              <a:buClr>
-                <a:srgbClr val="000000"/>
-              </a:buClr>
+            <a:pPr indent="-349250" lvl="0" marL="457200" rtl="0" algn="l">
+              <a:spcBef>
+                <a:spcPts val="0"/>
+              </a:spcBef>
+              <a:spcAft>
+                <a:spcPts val="0"/>
+              </a:spcAft>
               <a:buSzPts val="1900"/>
               <a:buFont typeface="Times New Roman"/>
               <a:buChar char="●"/>
             </a:pPr>
             <a:r>
               <a:rPr lang="en" sz="1900">
-                <a:solidFill>
-                  <a:srgbClr val="000000"/>
-                </a:solidFill>
-                <a:highlight>
-                  <a:schemeClr val="lt1"/>
-                </a:highlight>
                 <a:latin typeface="Times New Roman"/>
                 <a:ea typeface="Times New Roman"/>
                 <a:cs typeface="Times New Roman"/>
                 <a:sym typeface="Times New Roman"/>
               </a:rPr>
-              <a:t>Their username</a:t>
+              <a:t>Creating Itineraries</a:t>
             </a:r>
             <a:endParaRPr sz="1900">
-              <a:solidFill>
-                <a:srgbClr val="000000"/>
-              </a:solidFill>
-              <a:highlight>
-                <a:schemeClr val="lt1"/>
-              </a:highlight>
               <a:latin typeface="Times New Roman"/>
               <a:ea typeface="Times New Roman"/>
               <a:cs typeface="Times New Roman"/>
@@ -15067,19 +11643,60 @@
             </a:endParaRPr>
           </a:p>
           <a:p>
-            <a:pPr indent="0" lvl="0" marL="0" rtl="0" algn="l">
-              <a:spcBef>
-                <a:spcPts val="0"/>
-              </a:spcBef>
-              <a:spcAft>
-                <a:spcPts val="1200"/>
-              </a:spcAft>
-              <a:buNone/>
+            <a:pPr indent="-349250" lvl="0" marL="457200" rtl="0" algn="l">
+              <a:spcBef>
+                <a:spcPts val="0"/>
+              </a:spcBef>
+              <a:spcAft>
+                <a:spcPts val="0"/>
+              </a:spcAft>
+              <a:buSzPts val="1900"/>
+              <a:buFont typeface="Times New Roman"/>
+              <a:buChar char="●"/>
             </a:pPr>
             <a:r>
-              <a:t/>
+              <a:rPr lang="en" sz="1900">
+                <a:latin typeface="Times New Roman"/>
+                <a:ea typeface="Times New Roman"/>
+                <a:cs typeface="Times New Roman"/>
+                <a:sym typeface="Times New Roman"/>
+              </a:rPr>
+              <a:t>Viewing Itineraries</a:t>
             </a:r>
-            <a:endParaRPr/>
+            <a:endParaRPr sz="1900">
+              <a:latin typeface="Times New Roman"/>
+              <a:ea typeface="Times New Roman"/>
+              <a:cs typeface="Times New Roman"/>
+              <a:sym typeface="Times New Roman"/>
+            </a:endParaRPr>
+          </a:p>
+          <a:p>
+            <a:pPr indent="-349250" lvl="0" marL="457200" rtl="0" algn="l">
+              <a:spcBef>
+                <a:spcPts val="0"/>
+              </a:spcBef>
+              <a:spcAft>
+                <a:spcPts val="0"/>
+              </a:spcAft>
+              <a:buSzPts val="1900"/>
+              <a:buFont typeface="Times New Roman"/>
+              <a:buChar char="●"/>
+            </a:pPr>
+            <a:r>
+              <a:rPr lang="en" sz="1900">
+                <a:latin typeface="Times New Roman"/>
+                <a:ea typeface="Times New Roman"/>
+                <a:cs typeface="Times New Roman"/>
+                <a:sym typeface="Times New Roman"/>
+              </a:rPr>
+              <a:t>Account Management</a:t>
+            </a:r>
+            <a:endParaRPr sz="1900">
+              <a:latin typeface="Times New Roman"/>
+              <a:ea typeface="Times New Roman"/>
+              <a:cs typeface="Times New Roman"/>
+              <a:sym typeface="Times New Roman"/>
+            </a:endParaRPr>
           </a:p>
         </p:txBody>
       </p:sp>
@@ -15096,7 +11713,7 @@
   <p:cSld>
     <p:spTree>
       <p:nvGrpSpPr>
-        <p:cNvPr id="144" name="Shape 144"/>
+        <p:cNvPr id="145" name="Shape 145"/>
         <p:cNvGrpSpPr/>
         <p:nvPr/>
       </p:nvGrpSpPr>
@@ -15110,561 +11727,7 @@
       </p:grpSpPr>
       <p:sp>
         <p:nvSpPr>
-          <p:cNvPr id="145" name="Google Shape;145;p15"/>
-          <p:cNvSpPr txBox="1"/>
-          <p:nvPr>
-            <p:ph idx="1" type="body"/>
-          </p:nvPr>
-        </p:nvSpPr>
-        <p:spPr>
-          <a:xfrm>
-            <a:off x="267525" y="271900"/>
-            <a:ext cx="8068800" cy="4206900"/>
-          </a:xfrm>
-          <a:prstGeom prst="rect">
-            <a:avLst/>
-          </a:prstGeom>
-        </p:spPr>
-        <p:txBody>
-          <a:bodyPr anchorCtr="0" anchor="t" bIns="91425" lIns="91425" spcFirstLastPara="1" rIns="91425" wrap="square" tIns="91425">
-            <a:noAutofit/>
-          </a:bodyPr>
-          <a:lstStyle/>
-          <a:p>
-            <a:pPr indent="-349250" lvl="0" marL="457200" rtl="0" algn="l">
-              <a:spcBef>
-                <a:spcPts val="0"/>
-              </a:spcBef>
-              <a:spcAft>
-                <a:spcPts val="0"/>
-              </a:spcAft>
-              <a:buClr>
-                <a:srgbClr val="000000"/>
-              </a:buClr>
-              <a:buSzPts val="1900"/>
-              <a:buFont typeface="Times New Roman"/>
-              <a:buChar char="●"/>
-            </a:pPr>
-            <a:r>
-              <a:rPr lang="en" sz="1900">
-                <a:solidFill>
-                  <a:srgbClr val="000000"/>
-                </a:solidFill>
-                <a:highlight>
-                  <a:srgbClr val="FFFFFF"/>
-                </a:highlight>
-                <a:latin typeface="Times New Roman"/>
-                <a:ea typeface="Times New Roman"/>
-                <a:cs typeface="Times New Roman"/>
-                <a:sym typeface="Times New Roman"/>
-              </a:rPr>
-              <a:t>Platform: Web. Atlas Itinerary is a web-based program. Most of our group knows web-based program functionality, so by making one, we are more prepared for the task. </a:t>
-            </a:r>
-            <a:endParaRPr sz="1900">
-              <a:solidFill>
-                <a:srgbClr val="000000"/>
-              </a:solidFill>
-              <a:highlight>
-                <a:srgbClr val="FFFFFF"/>
-              </a:highlight>
-              <a:latin typeface="Times New Roman"/>
-              <a:ea typeface="Times New Roman"/>
-              <a:cs typeface="Times New Roman"/>
-              <a:sym typeface="Times New Roman"/>
-            </a:endParaRPr>
-          </a:p>
-          <a:p>
-            <a:pPr indent="-349250" lvl="0" marL="457200" rtl="0" algn="l">
-              <a:spcBef>
-                <a:spcPts val="0"/>
-              </a:spcBef>
-              <a:spcAft>
-                <a:spcPts val="0"/>
-              </a:spcAft>
-              <a:buClr>
-                <a:srgbClr val="000000"/>
-              </a:buClr>
-              <a:buSzPts val="1900"/>
-              <a:buFont typeface="Times New Roman"/>
-              <a:buChar char="●"/>
-            </a:pPr>
-            <a:r>
-              <a:rPr lang="en" sz="1900">
-                <a:solidFill>
-                  <a:srgbClr val="000000"/>
-                </a:solidFill>
-                <a:highlight>
-                  <a:srgbClr val="FFFFFF"/>
-                </a:highlight>
-                <a:latin typeface="Times New Roman"/>
-                <a:ea typeface="Times New Roman"/>
-                <a:cs typeface="Times New Roman"/>
-                <a:sym typeface="Times New Roman"/>
-              </a:rPr>
-              <a:t>Browser: Firefox. Firefox is the search engine on which we will make our web-based program. Our group is more familiar with programming web applications on Firefox. </a:t>
-            </a:r>
-            <a:endParaRPr sz="1900">
-              <a:solidFill>
-                <a:srgbClr val="000000"/>
-              </a:solidFill>
-              <a:highlight>
-                <a:srgbClr val="FFFFFF"/>
-              </a:highlight>
-              <a:latin typeface="Times New Roman"/>
-              <a:ea typeface="Times New Roman"/>
-              <a:cs typeface="Times New Roman"/>
-              <a:sym typeface="Times New Roman"/>
-            </a:endParaRPr>
-          </a:p>
-          <a:p>
-            <a:pPr indent="-349250" lvl="0" marL="457200" rtl="0" algn="l">
-              <a:spcBef>
-                <a:spcPts val="0"/>
-              </a:spcBef>
-              <a:spcAft>
-                <a:spcPts val="0"/>
-              </a:spcAft>
-              <a:buClr>
-                <a:srgbClr val="000000"/>
-              </a:buClr>
-              <a:buSzPts val="1900"/>
-              <a:buFont typeface="Times New Roman"/>
-              <a:buChar char="●"/>
-            </a:pPr>
-            <a:r>
-              <a:rPr lang="en" sz="1900">
-                <a:solidFill>
-                  <a:srgbClr val="000000"/>
-                </a:solidFill>
-                <a:highlight>
-                  <a:srgbClr val="FFFFFF"/>
-                </a:highlight>
-                <a:latin typeface="Times New Roman"/>
-                <a:ea typeface="Times New Roman"/>
-                <a:cs typeface="Times New Roman"/>
-                <a:sym typeface="Times New Roman"/>
-              </a:rPr>
-              <a:t>Operating System: Windows. All of our members have Windows operating systems by default. Instead of trying to learn how to make the application on Apple through a VM, we have elected to use Windows. </a:t>
-            </a:r>
-            <a:endParaRPr sz="1900">
-              <a:solidFill>
-                <a:srgbClr val="000000"/>
-              </a:solidFill>
-              <a:highlight>
-                <a:srgbClr val="FFFFFF"/>
-              </a:highlight>
-              <a:latin typeface="Times New Roman"/>
-              <a:ea typeface="Times New Roman"/>
-              <a:cs typeface="Times New Roman"/>
-              <a:sym typeface="Times New Roman"/>
-            </a:endParaRPr>
-          </a:p>
-          <a:p>
-            <a:pPr indent="-349250" lvl="0" marL="457200" rtl="0" algn="l">
-              <a:spcBef>
-                <a:spcPts val="0"/>
-              </a:spcBef>
-              <a:spcAft>
-                <a:spcPts val="0"/>
-              </a:spcAft>
-              <a:buClr>
-                <a:srgbClr val="000000"/>
-              </a:buClr>
-              <a:buSzPts val="1900"/>
-              <a:buFont typeface="Times New Roman"/>
-              <a:buChar char="●"/>
-            </a:pPr>
-            <a:r>
-              <a:rPr lang="en" sz="1900">
-                <a:solidFill>
-                  <a:srgbClr val="000000"/>
-                </a:solidFill>
-                <a:highlight>
-                  <a:srgbClr val="FFFFFF"/>
-                </a:highlight>
-                <a:latin typeface="Times New Roman"/>
-                <a:ea typeface="Times New Roman"/>
-                <a:cs typeface="Times New Roman"/>
-                <a:sym typeface="Times New Roman"/>
-              </a:rPr>
-              <a:t>IDE: IntelliJ. IntelliJ is the IDE our group feels most comfortable programming in. So instead of stretching to learn another IDE we elected to use this one. Preferred IDE for developing in Java.</a:t>
-            </a:r>
-            <a:endParaRPr sz="1900">
-              <a:solidFill>
-                <a:srgbClr val="000000"/>
-              </a:solidFill>
-              <a:highlight>
-                <a:srgbClr val="FFFFFF"/>
-              </a:highlight>
-              <a:latin typeface="Times New Roman"/>
-              <a:ea typeface="Times New Roman"/>
-              <a:cs typeface="Times New Roman"/>
-              <a:sym typeface="Times New Roman"/>
-            </a:endParaRPr>
-          </a:p>
-          <a:p>
-            <a:pPr indent="0" lvl="0" marL="0" rtl="0" algn="l">
-              <a:spcBef>
-                <a:spcPts val="0"/>
-              </a:spcBef>
-              <a:spcAft>
-                <a:spcPts val="1200"/>
-              </a:spcAft>
-              <a:buNone/>
-            </a:pPr>
-            <a:r>
-              <a:t/>
-            </a:r>
-            <a:endParaRPr/>
-          </a:p>
-        </p:txBody>
-      </p:sp>
-    </p:spTree>
-  </p:cSld>
-  <p:clrMapOvr>
-    <a:masterClrMapping/>
-  </p:clrMapOvr>
-</p:sld>
-</file>
-
-<file path=ppt/slides/slide4.xml><?xml version="1.0" encoding="utf-8"?>
-<p:sld xmlns:a="http://schemas.openxmlformats.org/drawingml/2006/main" xmlns:r="http://schemas.openxmlformats.org/officeDocument/2006/relationships" xmlns:mc="http://schemas.openxmlformats.org/markup-compatibility/2006" xmlns:mv="urn:schemas-microsoft-com:mac:vml" xmlns:p="http://schemas.openxmlformats.org/presentationml/2006/main" xmlns:c="http://schemas.openxmlformats.org/drawingml/2006/chart" xmlns:dgm="http://schemas.openxmlformats.org/drawingml/2006/diagram" xmlns:o="urn:schemas-microsoft-com:office:office" xmlns:v="urn:schemas-microsoft-com:vml" xmlns:pvml="urn:schemas-microsoft-com:office:powerpoint" xmlns:com="http://schemas.openxmlformats.org/drawingml/2006/compatibility" xmlns:p14="http://schemas.microsoft.com/office/powerpoint/2010/main" xmlns:p15="http://schemas.microsoft.com/office/powerpoint/2012/main" xmlns:ahyp="http://schemas.microsoft.com/office/drawing/2018/hyperlinkcolor">
-  <p:cSld>
-    <p:spTree>
-      <p:nvGrpSpPr>
-        <p:cNvPr id="149" name="Shape 149"/>
-        <p:cNvGrpSpPr/>
-        <p:nvPr/>
-      </p:nvGrpSpPr>
-      <p:grpSpPr>
-        <a:xfrm>
-          <a:off x="0" y="0"/>
-          <a:ext cx="0" cy="0"/>
-          <a:chOff x="0" y="0"/>
-          <a:chExt cx="0" cy="0"/>
-        </a:xfrm>
-      </p:grpSpPr>
-      <p:sp>
-        <p:nvSpPr>
-          <p:cNvPr id="150" name="Google Shape;150;p16"/>
-          <p:cNvSpPr txBox="1"/>
-          <p:nvPr>
-            <p:ph idx="1" type="body"/>
-          </p:nvPr>
-        </p:nvSpPr>
-        <p:spPr>
-          <a:xfrm>
-            <a:off x="421025" y="403475"/>
-            <a:ext cx="7915500" cy="4075200"/>
-          </a:xfrm>
-          <a:prstGeom prst="rect">
-            <a:avLst/>
-          </a:prstGeom>
-        </p:spPr>
-        <p:txBody>
-          <a:bodyPr anchorCtr="0" anchor="t" bIns="91425" lIns="91425" spcFirstLastPara="1" rIns="91425" wrap="square" tIns="91425">
-            <a:normAutofit/>
-          </a:bodyPr>
-          <a:lstStyle/>
-          <a:p>
-            <a:pPr indent="-349250" lvl="0" marL="457200" rtl="0" algn="l">
-              <a:spcBef>
-                <a:spcPts val="0"/>
-              </a:spcBef>
-              <a:spcAft>
-                <a:spcPts val="0"/>
-              </a:spcAft>
-              <a:buClr>
-                <a:srgbClr val="000000"/>
-              </a:buClr>
-              <a:buSzPts val="1900"/>
-              <a:buFont typeface="Times New Roman"/>
-              <a:buChar char="●"/>
-            </a:pPr>
-            <a:r>
-              <a:rPr lang="en" sz="1900">
-                <a:solidFill>
-                  <a:srgbClr val="000000"/>
-                </a:solidFill>
-                <a:highlight>
-                  <a:srgbClr val="FFFFFF"/>
-                </a:highlight>
-                <a:latin typeface="Times New Roman"/>
-                <a:ea typeface="Times New Roman"/>
-                <a:cs typeface="Times New Roman"/>
-                <a:sym typeface="Times New Roman"/>
-              </a:rPr>
-              <a:t>Languages: Java. For developing backend services for our Web application.</a:t>
-            </a:r>
-            <a:endParaRPr sz="1900">
-              <a:solidFill>
-                <a:srgbClr val="000000"/>
-              </a:solidFill>
-              <a:highlight>
-                <a:srgbClr val="FFFFFF"/>
-              </a:highlight>
-              <a:latin typeface="Times New Roman"/>
-              <a:ea typeface="Times New Roman"/>
-              <a:cs typeface="Times New Roman"/>
-              <a:sym typeface="Times New Roman"/>
-            </a:endParaRPr>
-          </a:p>
-          <a:p>
-            <a:pPr indent="-349250" lvl="0" marL="457200" rtl="0" algn="l">
-              <a:spcBef>
-                <a:spcPts val="0"/>
-              </a:spcBef>
-              <a:spcAft>
-                <a:spcPts val="0"/>
-              </a:spcAft>
-              <a:buClr>
-                <a:srgbClr val="000000"/>
-              </a:buClr>
-              <a:buSzPts val="1900"/>
-              <a:buFont typeface="Times New Roman"/>
-              <a:buChar char="●"/>
-            </a:pPr>
-            <a:r>
-              <a:rPr lang="en" sz="1900">
-                <a:solidFill>
-                  <a:srgbClr val="000000"/>
-                </a:solidFill>
-                <a:highlight>
-                  <a:srgbClr val="FFFFFF"/>
-                </a:highlight>
-                <a:latin typeface="Times New Roman"/>
-                <a:ea typeface="Times New Roman"/>
-                <a:cs typeface="Times New Roman"/>
-                <a:sym typeface="Times New Roman"/>
-              </a:rPr>
-              <a:t>HTML, CSS, JavaScript. Necessary for designing web pages and understanding how users will interact with the project..</a:t>
-            </a:r>
-            <a:endParaRPr sz="1900">
-              <a:solidFill>
-                <a:srgbClr val="000000"/>
-              </a:solidFill>
-              <a:highlight>
-                <a:srgbClr val="FFFFFF"/>
-              </a:highlight>
-              <a:latin typeface="Times New Roman"/>
-              <a:ea typeface="Times New Roman"/>
-              <a:cs typeface="Times New Roman"/>
-              <a:sym typeface="Times New Roman"/>
-            </a:endParaRPr>
-          </a:p>
-          <a:p>
-            <a:pPr indent="-349250" lvl="0" marL="457200" rtl="0" algn="l">
-              <a:spcBef>
-                <a:spcPts val="0"/>
-              </a:spcBef>
-              <a:spcAft>
-                <a:spcPts val="0"/>
-              </a:spcAft>
-              <a:buClr>
-                <a:srgbClr val="000000"/>
-              </a:buClr>
-              <a:buSzPts val="1900"/>
-              <a:buFont typeface="Times New Roman"/>
-              <a:buChar char="●"/>
-            </a:pPr>
-            <a:r>
-              <a:rPr lang="en" sz="1900">
-                <a:solidFill>
-                  <a:srgbClr val="000000"/>
-                </a:solidFill>
-                <a:highlight>
-                  <a:srgbClr val="FFFFFF"/>
-                </a:highlight>
-                <a:latin typeface="Times New Roman"/>
-                <a:ea typeface="Times New Roman"/>
-                <a:cs typeface="Times New Roman"/>
-                <a:sym typeface="Times New Roman"/>
-              </a:rPr>
-              <a:t>Server Software: TBD</a:t>
-            </a:r>
-            <a:endParaRPr sz="1900">
-              <a:solidFill>
-                <a:srgbClr val="000000"/>
-              </a:solidFill>
-              <a:highlight>
-                <a:srgbClr val="FFFFFF"/>
-              </a:highlight>
-              <a:latin typeface="Times New Roman"/>
-              <a:ea typeface="Times New Roman"/>
-              <a:cs typeface="Times New Roman"/>
-              <a:sym typeface="Times New Roman"/>
-            </a:endParaRPr>
-          </a:p>
-          <a:p>
-            <a:pPr indent="-349250" lvl="0" marL="457200" rtl="0" algn="l">
-              <a:spcBef>
-                <a:spcPts val="0"/>
-              </a:spcBef>
-              <a:spcAft>
-                <a:spcPts val="0"/>
-              </a:spcAft>
-              <a:buClr>
-                <a:srgbClr val="000000"/>
-              </a:buClr>
-              <a:buSzPts val="1900"/>
-              <a:buFont typeface="Times New Roman"/>
-              <a:buChar char="●"/>
-            </a:pPr>
-            <a:r>
-              <a:rPr lang="en" sz="1900">
-                <a:solidFill>
-                  <a:srgbClr val="000000"/>
-                </a:solidFill>
-                <a:highlight>
-                  <a:srgbClr val="FFFFFF"/>
-                </a:highlight>
-                <a:latin typeface="Times New Roman"/>
-                <a:ea typeface="Times New Roman"/>
-                <a:cs typeface="Times New Roman"/>
-                <a:sym typeface="Times New Roman"/>
-              </a:rPr>
-              <a:t>Communication Software: Discord. Allows for communication outside of class. Non-professional contact method to encourage bonding and familiarity among members. </a:t>
-            </a:r>
-            <a:endParaRPr sz="1900">
-              <a:solidFill>
-                <a:srgbClr val="000000"/>
-              </a:solidFill>
-              <a:highlight>
-                <a:srgbClr val="FFFFFF"/>
-              </a:highlight>
-              <a:latin typeface="Times New Roman"/>
-              <a:ea typeface="Times New Roman"/>
-              <a:cs typeface="Times New Roman"/>
-              <a:sym typeface="Times New Roman"/>
-            </a:endParaRPr>
-          </a:p>
-          <a:p>
-            <a:pPr indent="-349250" lvl="0" marL="457200" rtl="0" algn="l">
-              <a:spcBef>
-                <a:spcPts val="0"/>
-              </a:spcBef>
-              <a:spcAft>
-                <a:spcPts val="0"/>
-              </a:spcAft>
-              <a:buClr>
-                <a:srgbClr val="000000"/>
-              </a:buClr>
-              <a:buSzPts val="1900"/>
-              <a:buFont typeface="Times New Roman"/>
-              <a:buChar char="●"/>
-            </a:pPr>
-            <a:r>
-              <a:rPr lang="en" sz="1900">
-                <a:solidFill>
-                  <a:srgbClr val="000000"/>
-                </a:solidFill>
-                <a:highlight>
-                  <a:srgbClr val="FFFFFF"/>
-                </a:highlight>
-                <a:latin typeface="Times New Roman"/>
-                <a:ea typeface="Times New Roman"/>
-                <a:cs typeface="Times New Roman"/>
-                <a:sym typeface="Times New Roman"/>
-              </a:rPr>
-              <a:t>AI: not to use for coding, but to ask basic questions.</a:t>
-            </a:r>
-            <a:endParaRPr sz="2200"/>
-          </a:p>
-        </p:txBody>
-      </p:sp>
-    </p:spTree>
-  </p:cSld>
-  <p:clrMapOvr>
-    <a:masterClrMapping/>
-  </p:clrMapOvr>
-</p:sld>
-</file>
-
-<file path=ppt/slides/slide5.xml><?xml version="1.0" encoding="utf-8"?>
-<p:sld xmlns:a="http://schemas.openxmlformats.org/drawingml/2006/main" xmlns:r="http://schemas.openxmlformats.org/officeDocument/2006/relationships" xmlns:mc="http://schemas.openxmlformats.org/markup-compatibility/2006" xmlns:mv="urn:schemas-microsoft-com:mac:vml" xmlns:p="http://schemas.openxmlformats.org/presentationml/2006/main" xmlns:c="http://schemas.openxmlformats.org/drawingml/2006/chart" xmlns:dgm="http://schemas.openxmlformats.org/drawingml/2006/diagram" xmlns:o="urn:schemas-microsoft-com:office:office" xmlns:v="urn:schemas-microsoft-com:vml" xmlns:pvml="urn:schemas-microsoft-com:office:powerpoint" xmlns:com="http://schemas.openxmlformats.org/drawingml/2006/compatibility" xmlns:p14="http://schemas.microsoft.com/office/powerpoint/2010/main" xmlns:p15="http://schemas.microsoft.com/office/powerpoint/2012/main" xmlns:ahyp="http://schemas.microsoft.com/office/drawing/2018/hyperlinkcolor">
-  <p:cSld>
-    <p:spTree>
-      <p:nvGrpSpPr>
-        <p:cNvPr id="154" name="Shape 154"/>
-        <p:cNvGrpSpPr/>
-        <p:nvPr/>
-      </p:nvGrpSpPr>
-      <p:grpSpPr>
-        <a:xfrm>
-          <a:off x="0" y="0"/>
-          <a:ext cx="0" cy="0"/>
-          <a:chOff x="0" y="0"/>
-          <a:chExt cx="0" cy="0"/>
-        </a:xfrm>
-      </p:grpSpPr>
-      <p:sp>
-        <p:nvSpPr>
-          <p:cNvPr id="155" name="Google Shape;155;p17"/>
-          <p:cNvSpPr txBox="1"/>
-          <p:nvPr>
-            <p:ph type="title"/>
-          </p:nvPr>
-        </p:nvSpPr>
-        <p:spPr>
-          <a:xfrm>
-            <a:off x="823850" y="866775"/>
-            <a:ext cx="4587000" cy="3521100"/>
-          </a:xfrm>
-          <a:prstGeom prst="rect">
-            <a:avLst/>
-          </a:prstGeom>
-        </p:spPr>
-        <p:txBody>
-          <a:bodyPr anchorCtr="0" anchor="ctr" bIns="91425" lIns="91425" spcFirstLastPara="1" rIns="91425" wrap="square" tIns="91425">
-            <a:normAutofit/>
-          </a:bodyPr>
-          <a:lstStyle/>
-          <a:p>
-            <a:pPr indent="0" lvl="0" marL="0" rtl="0" algn="l">
-              <a:spcBef>
-                <a:spcPts val="0"/>
-              </a:spcBef>
-              <a:spcAft>
-                <a:spcPts val="0"/>
-              </a:spcAft>
-              <a:buNone/>
-            </a:pPr>
-            <a:r>
-              <a:rPr lang="en" sz="3600"/>
-              <a:t>The Requirements</a:t>
-            </a:r>
-            <a:endParaRPr sz="3600"/>
-          </a:p>
-        </p:txBody>
-      </p:sp>
-    </p:spTree>
-  </p:cSld>
-  <p:clrMapOvr>
-    <a:masterClrMapping/>
-  </p:clrMapOvr>
-</p:sld>
-</file>
-
-<file path=ppt/slides/slide6.xml><?xml version="1.0" encoding="utf-8"?>
-<p:sld xmlns:a="http://schemas.openxmlformats.org/drawingml/2006/main" xmlns:r="http://schemas.openxmlformats.org/officeDocument/2006/relationships" xmlns:mc="http://schemas.openxmlformats.org/markup-compatibility/2006" xmlns:mv="urn:schemas-microsoft-com:mac:vml" xmlns:p="http://schemas.openxmlformats.org/presentationml/2006/main" xmlns:c="http://schemas.openxmlformats.org/drawingml/2006/chart" xmlns:dgm="http://schemas.openxmlformats.org/drawingml/2006/diagram" xmlns:o="urn:schemas-microsoft-com:office:office" xmlns:v="urn:schemas-microsoft-com:vml" xmlns:pvml="urn:schemas-microsoft-com:office:powerpoint" xmlns:com="http://schemas.openxmlformats.org/drawingml/2006/compatibility" xmlns:p14="http://schemas.microsoft.com/office/powerpoint/2010/main" xmlns:p15="http://schemas.microsoft.com/office/powerpoint/2012/main" xmlns:ahyp="http://schemas.microsoft.com/office/drawing/2018/hyperlinkcolor">
-  <p:cSld>
-    <p:spTree>
-      <p:nvGrpSpPr>
-        <p:cNvPr id="159" name="Shape 159"/>
-        <p:cNvGrpSpPr/>
-        <p:nvPr/>
-      </p:nvGrpSpPr>
-      <p:grpSpPr>
-        <a:xfrm>
-          <a:off x="0" y="0"/>
-          <a:ext cx="0" cy="0"/>
-          <a:chOff x="0" y="0"/>
-          <a:chExt cx="0" cy="0"/>
-        </a:xfrm>
-      </p:grpSpPr>
-      <p:sp>
-        <p:nvSpPr>
-          <p:cNvPr id="160" name="Google Shape;160;p18"/>
+          <p:cNvPr id="146" name="Google Shape;146;p15"/>
           <p:cNvSpPr txBox="1"/>
           <p:nvPr>
             <p:ph type="title"/>
@@ -15710,12 +11773,12 @@
 </p:sld>
 </file>
 
-<file path=ppt/slides/slide7.xml><?xml version="1.0" encoding="utf-8"?>
+<file path=ppt/slides/slide4.xml><?xml version="1.0" encoding="utf-8"?>
 <p:sld xmlns:a="http://schemas.openxmlformats.org/drawingml/2006/main" xmlns:r="http://schemas.openxmlformats.org/officeDocument/2006/relationships" xmlns:mc="http://schemas.openxmlformats.org/markup-compatibility/2006" xmlns:mv="urn:schemas-microsoft-com:mac:vml" xmlns:p="http://schemas.openxmlformats.org/presentationml/2006/main" xmlns:c="http://schemas.openxmlformats.org/drawingml/2006/chart" xmlns:dgm="http://schemas.openxmlformats.org/drawingml/2006/diagram" xmlns:o="urn:schemas-microsoft-com:office:office" xmlns:v="urn:schemas-microsoft-com:vml" xmlns:pvml="urn:schemas-microsoft-com:office:powerpoint" xmlns:com="http://schemas.openxmlformats.org/drawingml/2006/compatibility" xmlns:p14="http://schemas.microsoft.com/office/powerpoint/2010/main" xmlns:p15="http://schemas.microsoft.com/office/powerpoint/2012/main" xmlns:ahyp="http://schemas.microsoft.com/office/drawing/2018/hyperlinkcolor">
   <p:cSld>
     <p:spTree>
       <p:nvGrpSpPr>
-        <p:cNvPr id="164" name="Shape 164"/>
+        <p:cNvPr id="150" name="Shape 150"/>
         <p:cNvGrpSpPr/>
         <p:nvPr/>
       </p:nvGrpSpPr>
@@ -15729,7 +11792,7 @@
       </p:grpSpPr>
       <p:sp>
         <p:nvSpPr>
-          <p:cNvPr id="165" name="Google Shape;165;p19"/>
+          <p:cNvPr id="151" name="Google Shape;151;p16"/>
           <p:cNvSpPr txBox="1"/>
           <p:nvPr>
             <p:ph idx="1" type="body"/>
@@ -15737,8 +11800,8 @@
         </p:nvSpPr>
         <p:spPr>
           <a:xfrm>
-            <a:off x="245600" y="381550"/>
-            <a:ext cx="8090700" cy="4097100"/>
+            <a:off x="1297500" y="1567550"/>
+            <a:ext cx="7038900" cy="2911200"/>
           </a:xfrm>
           <a:prstGeom prst="rect">
             <a:avLst/>
@@ -15757,34 +11820,25 @@
               <a:spcAft>
                 <a:spcPts val="0"/>
               </a:spcAft>
-              <a:buClr>
-                <a:srgbClr val="000000"/>
-              </a:buClr>
               <a:buSzPts val="1900"/>
               <a:buFont typeface="Times New Roman"/>
               <a:buChar char="●"/>
             </a:pPr>
             <a:r>
               <a:rPr lang="en" sz="1900">
-                <a:solidFill>
-                  <a:srgbClr val="000000"/>
-                </a:solidFill>
                 <a:highlight>
-                  <a:schemeClr val="lt1"/>
+                  <a:schemeClr val="dk1"/>
                 </a:highlight>
                 <a:latin typeface="Times New Roman"/>
                 <a:ea typeface="Times New Roman"/>
                 <a:cs typeface="Times New Roman"/>
                 <a:sym typeface="Times New Roman"/>
               </a:rPr>
-              <a:t>The signup page offers two boxes, one for username and one for password. </a:t>
+              <a:t>The signup with username and password. </a:t>
             </a:r>
             <a:endParaRPr sz="1900">
-              <a:solidFill>
-                <a:srgbClr val="000000"/>
-              </a:solidFill>
               <a:highlight>
-                <a:schemeClr val="lt1"/>
+                <a:schemeClr val="dk1"/>
               </a:highlight>
               <a:latin typeface="Times New Roman"/>
               <a:ea typeface="Times New Roman"/>
@@ -15800,34 +11854,25 @@
               <a:spcAft>
                 <a:spcPts val="0"/>
               </a:spcAft>
-              <a:buClr>
-                <a:srgbClr val="000000"/>
-              </a:buClr>
               <a:buSzPts val="1900"/>
               <a:buFont typeface="Times New Roman"/>
               <a:buChar char="●"/>
             </a:pPr>
             <a:r>
               <a:rPr lang="en" sz="1900">
-                <a:solidFill>
-                  <a:srgbClr val="000000"/>
-                </a:solidFill>
                 <a:highlight>
-                  <a:schemeClr val="lt1"/>
+                  <a:schemeClr val="dk1"/>
                 </a:highlight>
                 <a:latin typeface="Times New Roman"/>
                 <a:ea typeface="Times New Roman"/>
                 <a:cs typeface="Times New Roman"/>
                 <a:sym typeface="Times New Roman"/>
               </a:rPr>
-              <a:t>If the username is already in use, below the username box, the user will be told the username already exists</a:t>
+              <a:t>Unique username</a:t>
             </a:r>
             <a:endParaRPr sz="1900">
-              <a:solidFill>
-                <a:srgbClr val="000000"/>
-              </a:solidFill>
               <a:highlight>
-                <a:schemeClr val="lt1"/>
+                <a:schemeClr val="dk1"/>
               </a:highlight>
               <a:latin typeface="Times New Roman"/>
               <a:ea typeface="Times New Roman"/>
@@ -15843,34 +11888,25 @@
               <a:spcAft>
                 <a:spcPts val="0"/>
               </a:spcAft>
-              <a:buClr>
-                <a:srgbClr val="000000"/>
-              </a:buClr>
               <a:buSzPts val="1900"/>
               <a:buFont typeface="Times New Roman"/>
               <a:buChar char="●"/>
             </a:pPr>
             <a:r>
               <a:rPr lang="en" sz="1900">
-                <a:solidFill>
-                  <a:srgbClr val="000000"/>
-                </a:solidFill>
                 <a:highlight>
-                  <a:schemeClr val="lt1"/>
+                  <a:schemeClr val="dk1"/>
                 </a:highlight>
                 <a:latin typeface="Times New Roman"/>
                 <a:ea typeface="Times New Roman"/>
                 <a:cs typeface="Times New Roman"/>
                 <a:sym typeface="Times New Roman"/>
               </a:rPr>
-              <a:t>Passwords will be required to be between 8 and 16 characters with at least one uppercase letter, lowercase letter, special character, and number.</a:t>
+              <a:t>Password requirements</a:t>
             </a:r>
             <a:endParaRPr sz="1900">
-              <a:solidFill>
-                <a:srgbClr val="000000"/>
-              </a:solidFill>
               <a:highlight>
-                <a:schemeClr val="lt1"/>
+                <a:schemeClr val="dk1"/>
               </a:highlight>
               <a:latin typeface="Times New Roman"/>
               <a:ea typeface="Times New Roman"/>
@@ -15886,34 +11922,56 @@
               <a:spcAft>
                 <a:spcPts val="0"/>
               </a:spcAft>
-              <a:buClr>
-                <a:srgbClr val="000000"/>
-              </a:buClr>
               <a:buSzPts val="1900"/>
               <a:buFont typeface="Times New Roman"/>
               <a:buChar char="●"/>
             </a:pPr>
             <a:r>
               <a:rPr lang="en" sz="1900">
-                <a:solidFill>
-                  <a:srgbClr val="000000"/>
-                </a:solidFill>
                 <a:highlight>
-                  <a:schemeClr val="lt1"/>
+                  <a:schemeClr val="dk1"/>
                 </a:highlight>
                 <a:latin typeface="Times New Roman"/>
                 <a:ea typeface="Times New Roman"/>
                 <a:cs typeface="Times New Roman"/>
                 <a:sym typeface="Times New Roman"/>
               </a:rPr>
-              <a:t>On the signup page an option to sign up through the user's Google account.</a:t>
+              <a:t>Google account sign in.</a:t>
             </a:r>
             <a:endParaRPr sz="1900">
-              <a:solidFill>
-                <a:srgbClr val="000000"/>
-              </a:solidFill>
               <a:highlight>
-                <a:schemeClr val="lt1"/>
+                <a:schemeClr val="dk1"/>
+              </a:highlight>
+              <a:latin typeface="Times New Roman"/>
+              <a:ea typeface="Times New Roman"/>
+              <a:cs typeface="Times New Roman"/>
+              <a:sym typeface="Times New Roman"/>
+            </a:endParaRPr>
+          </a:p>
+          <a:p>
+            <a:pPr indent="-349250" lvl="0" marL="457200" rtl="0" algn="l">
+              <a:spcBef>
+                <a:spcPts val="0"/>
+              </a:spcBef>
+              <a:spcAft>
+                <a:spcPts val="0"/>
+              </a:spcAft>
+              <a:buSzPts val="1900"/>
+              <a:buFont typeface="Times New Roman"/>
+              <a:buChar char="●"/>
+            </a:pPr>
+            <a:r>
+              <a:rPr lang="en" sz="1900">
+                <a:latin typeface="Times New Roman"/>
+                <a:ea typeface="Times New Roman"/>
+                <a:cs typeface="Times New Roman"/>
+                <a:sym typeface="Times New Roman"/>
+              </a:rPr>
+              <a:t>Login hyperlink at bottom</a:t>
+            </a:r>
+            <a:endParaRPr sz="1900">
+              <a:highlight>
+                <a:schemeClr val="dk1"/>
               </a:highlight>
               <a:latin typeface="Times New Roman"/>
               <a:ea typeface="Times New Roman"/>
@@ -15933,6 +11991,50 @@
             </a:pPr>
             <a:r>
               <a:t/>
+            </a:r>
+            <a:endParaRPr>
+              <a:highlight>
+                <a:schemeClr val="dk1"/>
+              </a:highlight>
+            </a:endParaRPr>
+          </a:p>
+        </p:txBody>
+      </p:sp>
+      <p:sp>
+        <p:nvSpPr>
+          <p:cNvPr id="152" name="Google Shape;152;p16"/>
+          <p:cNvSpPr txBox="1"/>
+          <p:nvPr>
+            <p:ph type="title"/>
+          </p:nvPr>
+        </p:nvSpPr>
+        <p:spPr>
+          <a:xfrm>
+            <a:off x="1297500" y="393750"/>
+            <a:ext cx="7038900" cy="914100"/>
+          </a:xfrm>
+          <a:prstGeom prst="rect">
+            <a:avLst/>
+          </a:prstGeom>
+        </p:spPr>
+        <p:txBody>
+          <a:bodyPr anchorCtr="0" anchor="t" bIns="91425" lIns="91425" spcFirstLastPara="1" rIns="91425" wrap="square" tIns="91425">
+            <a:normAutofit/>
+          </a:bodyPr>
+          <a:lstStyle/>
+          <a:p>
+            <a:pPr indent="0" lvl="0" marL="0" rtl="0" algn="l">
+              <a:spcBef>
+                <a:spcPts val="0"/>
+              </a:spcBef>
+              <a:spcAft>
+                <a:spcPts val="0"/>
+              </a:spcAft>
+              <a:buNone/>
+            </a:pPr>
+            <a:r>
+              <a:rPr lang="en"/>
+              <a:t>Sign Up Form</a:t>
             </a:r>
             <a:endParaRPr/>
           </a:p>
@@ -15946,12 +12048,12 @@
 </p:sld>
 </file>
 
-<file path=ppt/slides/slide8.xml><?xml version="1.0" encoding="utf-8"?>
+<file path=ppt/slides/slide5.xml><?xml version="1.0" encoding="utf-8"?>
 <p:sld xmlns:a="http://schemas.openxmlformats.org/drawingml/2006/main" xmlns:r="http://schemas.openxmlformats.org/officeDocument/2006/relationships" xmlns:mc="http://schemas.openxmlformats.org/markup-compatibility/2006" xmlns:mv="urn:schemas-microsoft-com:mac:vml" xmlns:p="http://schemas.openxmlformats.org/presentationml/2006/main" xmlns:c="http://schemas.openxmlformats.org/drawingml/2006/chart" xmlns:dgm="http://schemas.openxmlformats.org/drawingml/2006/diagram" xmlns:o="urn:schemas-microsoft-com:office:office" xmlns:v="urn:schemas-microsoft-com:vml" xmlns:pvml="urn:schemas-microsoft-com:office:powerpoint" xmlns:com="http://schemas.openxmlformats.org/drawingml/2006/compatibility" xmlns:p14="http://schemas.microsoft.com/office/powerpoint/2010/main" xmlns:p15="http://schemas.microsoft.com/office/powerpoint/2012/main" xmlns:ahyp="http://schemas.microsoft.com/office/drawing/2018/hyperlinkcolor">
   <p:cSld>
     <p:spTree>
       <p:nvGrpSpPr>
-        <p:cNvPr id="169" name="Shape 169"/>
+        <p:cNvPr id="156" name="Shape 156"/>
         <p:cNvGrpSpPr/>
         <p:nvPr/>
       </p:nvGrpSpPr>
@@ -15965,7 +12067,7 @@
       </p:grpSpPr>
       <p:sp>
         <p:nvSpPr>
-          <p:cNvPr id="170" name="Google Shape;170;p20"/>
+          <p:cNvPr id="157" name="Google Shape;157;p17"/>
           <p:cNvSpPr txBox="1"/>
           <p:nvPr>
             <p:ph type="title"/>
@@ -16011,12 +12113,12 @@
 </p:sld>
 </file>
 
-<file path=ppt/slides/slide9.xml><?xml version="1.0" encoding="utf-8"?>
+<file path=ppt/slides/slide6.xml><?xml version="1.0" encoding="utf-8"?>
 <p:sld xmlns:a="http://schemas.openxmlformats.org/drawingml/2006/main" xmlns:r="http://schemas.openxmlformats.org/officeDocument/2006/relationships" xmlns:mc="http://schemas.openxmlformats.org/markup-compatibility/2006" xmlns:mv="urn:schemas-microsoft-com:mac:vml" xmlns:p="http://schemas.openxmlformats.org/presentationml/2006/main" xmlns:c="http://schemas.openxmlformats.org/drawingml/2006/chart" xmlns:dgm="http://schemas.openxmlformats.org/drawingml/2006/diagram" xmlns:o="urn:schemas-microsoft-com:office:office" xmlns:v="urn:schemas-microsoft-com:vml" xmlns:pvml="urn:schemas-microsoft-com:office:powerpoint" xmlns:com="http://schemas.openxmlformats.org/drawingml/2006/compatibility" xmlns:p14="http://schemas.microsoft.com/office/powerpoint/2010/main" xmlns:p15="http://schemas.microsoft.com/office/powerpoint/2012/main" xmlns:ahyp="http://schemas.microsoft.com/office/drawing/2018/hyperlinkcolor">
   <p:cSld>
     <p:spTree>
       <p:nvGrpSpPr>
-        <p:cNvPr id="174" name="Shape 174"/>
+        <p:cNvPr id="161" name="Shape 161"/>
         <p:cNvGrpSpPr/>
         <p:nvPr/>
       </p:nvGrpSpPr>
@@ -16030,7 +12132,7 @@
       </p:grpSpPr>
       <p:sp>
         <p:nvSpPr>
-          <p:cNvPr id="175" name="Google Shape;175;p21"/>
+          <p:cNvPr id="162" name="Google Shape;162;p18"/>
           <p:cNvSpPr txBox="1"/>
           <p:nvPr>
             <p:ph idx="1" type="body"/>
@@ -16038,8 +12140,8 @@
         </p:nvSpPr>
         <p:spPr>
           <a:xfrm>
-            <a:off x="355225" y="381550"/>
-            <a:ext cx="7981200" cy="4097100"/>
+            <a:off x="1297500" y="1567550"/>
+            <a:ext cx="7038900" cy="2911200"/>
           </a:xfrm>
           <a:prstGeom prst="rect">
             <a:avLst/>
@@ -16051,42 +12153,19 @@
           </a:bodyPr>
           <a:lstStyle/>
           <a:p>
-            <a:pPr indent="-349250" lvl="0" marL="457200" rtl="0" algn="l">
-              <a:spcBef>
-                <a:spcPts val="0"/>
-              </a:spcBef>
-              <a:spcAft>
-                <a:spcPts val="0"/>
-              </a:spcAft>
-              <a:buClr>
-                <a:srgbClr val="000000"/>
-              </a:buClr>
-              <a:buSzPts val="1900"/>
-              <a:buFont typeface="Times New Roman"/>
-              <a:buChar char="●"/>
+            <a:pPr indent="0" lvl="0" marL="0" rtl="0" algn="l">
+              <a:spcBef>
+                <a:spcPts val="0"/>
+              </a:spcBef>
+              <a:spcAft>
+                <a:spcPts val="0"/>
+              </a:spcAft>
+              <a:buNone/>
             </a:pPr>
             <a:r>
-              <a:rPr lang="en" sz="1900">
-                <a:solidFill>
-                  <a:srgbClr val="000000"/>
-                </a:solidFill>
-                <a:highlight>
-                  <a:schemeClr val="lt1"/>
-                </a:highlight>
-                <a:latin typeface="Times New Roman"/>
-                <a:ea typeface="Times New Roman"/>
-                <a:cs typeface="Times New Roman"/>
-                <a:sym typeface="Times New Roman"/>
-              </a:rPr>
-              <a:t>Upon accessing the domain, users will be greeted with a login screen</a:t>
+              <a:t/>
             </a:r>
             <a:endParaRPr sz="1900">
-              <a:solidFill>
-                <a:srgbClr val="000000"/>
-              </a:solidFill>
-              <a:highlight>
-                <a:schemeClr val="lt1"/>
-              </a:highlight>
               <a:latin typeface="Times New Roman"/>
               <a:ea typeface="Times New Roman"/>
               <a:cs typeface="Times New Roman"/>
@@ -16101,35 +12180,20 @@
               <a:spcAft>
                 <a:spcPts val="0"/>
               </a:spcAft>
-              <a:buClr>
-                <a:srgbClr val="000000"/>
-              </a:buClr>
               <a:buSzPts val="1900"/>
               <a:buFont typeface="Times New Roman"/>
               <a:buChar char="●"/>
             </a:pPr>
             <a:r>
               <a:rPr lang="en" sz="1900">
-                <a:solidFill>
-                  <a:srgbClr val="000000"/>
-                </a:solidFill>
-                <a:highlight>
-                  <a:schemeClr val="lt1"/>
-                </a:highlight>
                 <a:latin typeface="Times New Roman"/>
                 <a:ea typeface="Times New Roman"/>
                 <a:cs typeface="Times New Roman"/>
                 <a:sym typeface="Times New Roman"/>
               </a:rPr>
-              <a:t>Two boxes, one for username, one for password</a:t>
+              <a:t>Username and password login form</a:t>
             </a:r>
             <a:endParaRPr sz="1900">
-              <a:solidFill>
-                <a:srgbClr val="000000"/>
-              </a:solidFill>
-              <a:highlight>
-                <a:schemeClr val="lt1"/>
-              </a:highlight>
               <a:latin typeface="Times New Roman"/>
               <a:ea typeface="Times New Roman"/>
               <a:cs typeface="Times New Roman"/>
@@ -16144,35 +12208,20 @@
               <a:spcAft>
                 <a:spcPts val="0"/>
               </a:spcAft>
-              <a:buClr>
-                <a:srgbClr val="000000"/>
-              </a:buClr>
               <a:buSzPts val="1900"/>
               <a:buFont typeface="Times New Roman"/>
               <a:buChar char="●"/>
             </a:pPr>
             <a:r>
               <a:rPr lang="en" sz="1900">
-                <a:solidFill>
-                  <a:srgbClr val="000000"/>
-                </a:solidFill>
-                <a:highlight>
-                  <a:schemeClr val="lt1"/>
-                </a:highlight>
                 <a:latin typeface="Times New Roman"/>
                 <a:ea typeface="Times New Roman"/>
                 <a:cs typeface="Times New Roman"/>
                 <a:sym typeface="Times New Roman"/>
               </a:rPr>
-              <a:t>Login button and signup button</a:t>
+              <a:t>Username or password error</a:t>
             </a:r>
             <a:endParaRPr sz="1900">
-              <a:solidFill>
-                <a:srgbClr val="000000"/>
-              </a:solidFill>
-              <a:highlight>
-                <a:schemeClr val="lt1"/>
-              </a:highlight>
               <a:latin typeface="Times New Roman"/>
               <a:ea typeface="Times New Roman"/>
               <a:cs typeface="Times New Roman"/>
@@ -16187,121 +12236,20 @@
               <a:spcAft>
                 <a:spcPts val="0"/>
               </a:spcAft>
-              <a:buClr>
-                <a:srgbClr val="000000"/>
-              </a:buClr>
               <a:buSzPts val="1900"/>
               <a:buFont typeface="Times New Roman"/>
               <a:buChar char="●"/>
             </a:pPr>
             <a:r>
               <a:rPr lang="en" sz="1900">
-                <a:solidFill>
-                  <a:srgbClr val="000000"/>
-                </a:solidFill>
-                <a:highlight>
-                  <a:schemeClr val="lt1"/>
-                </a:highlight>
                 <a:latin typeface="Times New Roman"/>
                 <a:ea typeface="Times New Roman"/>
                 <a:cs typeface="Times New Roman"/>
                 <a:sym typeface="Times New Roman"/>
               </a:rPr>
-              <a:t>If login is not recognized, a message appears below the username and password box letting users know it is not recognized.</a:t>
+              <a:t>Username and password recovery</a:t>
             </a:r>
             <a:endParaRPr sz="1900">
-              <a:solidFill>
-                <a:srgbClr val="000000"/>
-              </a:solidFill>
-              <a:highlight>
-                <a:schemeClr val="lt1"/>
-              </a:highlight>
-              <a:latin typeface="Times New Roman"/>
-              <a:ea typeface="Times New Roman"/>
-              <a:cs typeface="Times New Roman"/>
-              <a:sym typeface="Times New Roman"/>
-            </a:endParaRPr>
-          </a:p>
-          <a:p>
-            <a:pPr indent="-393700" lvl="0" marL="457200" rtl="0" algn="l">
-              <a:spcBef>
-                <a:spcPts val="0"/>
-              </a:spcBef>
-              <a:spcAft>
-                <a:spcPts val="0"/>
-              </a:spcAft>
-              <a:buClr>
-                <a:srgbClr val="000000"/>
-              </a:buClr>
-              <a:buSzPts val="2600"/>
-              <a:buFont typeface="Times New Roman"/>
-              <a:buChar char="●"/>
-            </a:pPr>
-            <a:r>
-              <a:rPr lang="en" sz="1900">
-                <a:solidFill>
-                  <a:schemeClr val="dk1"/>
-                </a:solidFill>
-                <a:highlight>
-                  <a:schemeClr val="lt1"/>
-                </a:highlight>
-                <a:latin typeface="Times New Roman"/>
-                <a:ea typeface="Times New Roman"/>
-                <a:cs typeface="Times New Roman"/>
-                <a:sym typeface="Times New Roman"/>
-              </a:rPr>
-              <a:t>Need help option for recovering the user name and/or password</a:t>
-            </a:r>
-            <a:endParaRPr sz="1900">
-              <a:solidFill>
-                <a:schemeClr val="dk1"/>
-              </a:solidFill>
-              <a:highlight>
-                <a:schemeClr val="lt1"/>
-              </a:highlight>
-              <a:latin typeface="Times New Roman"/>
-              <a:ea typeface="Times New Roman"/>
-              <a:cs typeface="Times New Roman"/>
-              <a:sym typeface="Times New Roman"/>
-            </a:endParaRPr>
-          </a:p>
-          <a:p>
-            <a:pPr indent="-349250" lvl="1" marL="1371600" rtl="0" algn="l">
-              <a:spcBef>
-                <a:spcPts val="0"/>
-              </a:spcBef>
-              <a:spcAft>
-                <a:spcPts val="0"/>
-              </a:spcAft>
-              <a:buClr>
-                <a:schemeClr val="dk1"/>
-              </a:buClr>
-              <a:buSzPts val="1900"/>
-              <a:buFont typeface="Times New Roman"/>
-              <a:buChar char="○"/>
-            </a:pPr>
-            <a:r>
-              <a:rPr lang="en" sz="1900">
-                <a:solidFill>
-                  <a:schemeClr val="dk1"/>
-                </a:solidFill>
-                <a:highlight>
-                  <a:schemeClr val="lt1"/>
-                </a:highlight>
-                <a:latin typeface="Times New Roman"/>
-                <a:ea typeface="Times New Roman"/>
-                <a:cs typeface="Times New Roman"/>
-                <a:sym typeface="Times New Roman"/>
-              </a:rPr>
-              <a:t>Two recovery options will be provided: one for retrieving the username and another to reset the password</a:t>
-            </a:r>
-            <a:endParaRPr sz="2600">
-              <a:solidFill>
-                <a:schemeClr val="dk1"/>
-              </a:solidFill>
-              <a:highlight>
-                <a:schemeClr val="lt1"/>
-              </a:highlight>
               <a:latin typeface="Times New Roman"/>
               <a:ea typeface="Times New Roman"/>
               <a:cs typeface="Times New Roman"/>
@@ -16316,64 +12264,12 @@
               <a:spcAft>
                 <a:spcPts val="0"/>
               </a:spcAft>
-              <a:buClr>
-                <a:srgbClr val="000000"/>
-              </a:buClr>
               <a:buSzPts val="1900"/>
               <a:buFont typeface="Times New Roman"/>
               <a:buChar char="●"/>
             </a:pPr>
             <a:r>
               <a:rPr lang="en" sz="1900">
-                <a:solidFill>
-                  <a:srgbClr val="000000"/>
-                </a:solidFill>
-                <a:highlight>
-                  <a:schemeClr val="lt1"/>
-                </a:highlight>
-                <a:latin typeface="Times New Roman"/>
-                <a:ea typeface="Times New Roman"/>
-                <a:cs typeface="Times New Roman"/>
-                <a:sym typeface="Times New Roman"/>
-              </a:rPr>
-              <a:t>In itinerary modification mode, button to save the itinerary to the account. </a:t>
-            </a:r>
-            <a:endParaRPr sz="1900">
-              <a:solidFill>
-                <a:srgbClr val="000000"/>
-              </a:solidFill>
-              <a:highlight>
-                <a:schemeClr val="lt1"/>
-              </a:highlight>
-              <a:latin typeface="Times New Roman"/>
-              <a:ea typeface="Times New Roman"/>
-              <a:cs typeface="Times New Roman"/>
-              <a:sym typeface="Times New Roman"/>
-            </a:endParaRPr>
-          </a:p>
-          <a:p>
-            <a:pPr indent="-349250" lvl="0" marL="457200" rtl="0" algn="l">
-              <a:spcBef>
-                <a:spcPts val="0"/>
-              </a:spcBef>
-              <a:spcAft>
-                <a:spcPts val="0"/>
-              </a:spcAft>
-              <a:buClr>
-                <a:srgbClr val="000000"/>
-              </a:buClr>
-              <a:buSzPts val="1900"/>
-              <a:buFont typeface="Times New Roman"/>
-              <a:buChar char="●"/>
-            </a:pPr>
-            <a:r>
-              <a:rPr lang="en" sz="1900">
-                <a:solidFill>
-                  <a:srgbClr val="000000"/>
-                </a:solidFill>
-                <a:highlight>
-                  <a:schemeClr val="lt1"/>
-                </a:highlight>
                 <a:latin typeface="Times New Roman"/>
                 <a:ea typeface="Times New Roman"/>
                 <a:cs typeface="Times New Roman"/>
@@ -16381,31 +12277,45 @@
               </a:rPr>
               <a:t>Option to sign in using a Google account</a:t>
             </a:r>
-            <a:endParaRPr sz="1900">
-              <a:solidFill>
-                <a:srgbClr val="000000"/>
-              </a:solidFill>
-              <a:highlight>
-                <a:schemeClr val="lt1"/>
-              </a:highlight>
-              <a:latin typeface="Times New Roman"/>
-              <a:ea typeface="Times New Roman"/>
-              <a:cs typeface="Times New Roman"/>
-              <a:sym typeface="Times New Roman"/>
-            </a:endParaRPr>
+            <a:endParaRPr/>
           </a:p>
+        </p:txBody>
+      </p:sp>
+      <p:sp>
+        <p:nvSpPr>
+          <p:cNvPr id="163" name="Google Shape;163;p18"/>
+          <p:cNvSpPr txBox="1"/>
+          <p:nvPr>
+            <p:ph type="title"/>
+          </p:nvPr>
+        </p:nvSpPr>
+        <p:spPr>
+          <a:xfrm>
+            <a:off x="1297500" y="393750"/>
+            <a:ext cx="7038900" cy="914100"/>
+          </a:xfrm>
+          <a:prstGeom prst="rect">
+            <a:avLst/>
+          </a:prstGeom>
+        </p:spPr>
+        <p:txBody>
+          <a:bodyPr anchorCtr="0" anchor="t" bIns="91425" lIns="91425" spcFirstLastPara="1" rIns="91425" wrap="square" tIns="91425">
+            <a:normAutofit/>
+          </a:bodyPr>
+          <a:lstStyle/>
           <a:p>
             <a:pPr indent="0" lvl="0" marL="0" rtl="0" algn="l">
               <a:spcBef>
                 <a:spcPts val="0"/>
               </a:spcBef>
               <a:spcAft>
-                <a:spcPts val="1200"/>
+                <a:spcPts val="0"/>
               </a:spcAft>
               <a:buNone/>
             </a:pPr>
             <a:r>
-              <a:t/>
+              <a:rPr lang="en"/>
+              <a:t>Sign In form</a:t>
             </a:r>
             <a:endParaRPr/>
           </a:p>
@@ -16419,7 +12329,720 @@
 </p:sld>
 </file>
 
+<file path=ppt/slides/slide7.xml><?xml version="1.0" encoding="utf-8"?>
+<p:sld xmlns:a="http://schemas.openxmlformats.org/drawingml/2006/main" xmlns:r="http://schemas.openxmlformats.org/officeDocument/2006/relationships" xmlns:mc="http://schemas.openxmlformats.org/markup-compatibility/2006" xmlns:mv="urn:schemas-microsoft-com:mac:vml" xmlns:p="http://schemas.openxmlformats.org/presentationml/2006/main" xmlns:c="http://schemas.openxmlformats.org/drawingml/2006/chart" xmlns:dgm="http://schemas.openxmlformats.org/drawingml/2006/diagram" xmlns:o="urn:schemas-microsoft-com:office:office" xmlns:v="urn:schemas-microsoft-com:vml" xmlns:pvml="urn:schemas-microsoft-com:office:powerpoint" xmlns:com="http://schemas.openxmlformats.org/drawingml/2006/compatibility" xmlns:p14="http://schemas.microsoft.com/office/powerpoint/2010/main" xmlns:p15="http://schemas.microsoft.com/office/powerpoint/2012/main" xmlns:ahyp="http://schemas.microsoft.com/office/drawing/2018/hyperlinkcolor">
+  <p:cSld>
+    <p:spTree>
+      <p:nvGrpSpPr>
+        <p:cNvPr id="167" name="Shape 167"/>
+        <p:cNvGrpSpPr/>
+        <p:nvPr/>
+      </p:nvGrpSpPr>
+      <p:grpSpPr>
+        <a:xfrm>
+          <a:off x="0" y="0"/>
+          <a:ext cx="0" cy="0"/>
+          <a:chOff x="0" y="0"/>
+          <a:chExt cx="0" cy="0"/>
+        </a:xfrm>
+      </p:grpSpPr>
+      <p:sp>
+        <p:nvSpPr>
+          <p:cNvPr id="168" name="Google Shape;168;p19"/>
+          <p:cNvSpPr txBox="1"/>
+          <p:nvPr>
+            <p:ph type="title"/>
+          </p:nvPr>
+        </p:nvSpPr>
+        <p:spPr>
+          <a:xfrm>
+            <a:off x="823850" y="2053000"/>
+            <a:ext cx="4587000" cy="1148700"/>
+          </a:xfrm>
+          <a:prstGeom prst="rect">
+            <a:avLst/>
+          </a:prstGeom>
+        </p:spPr>
+        <p:txBody>
+          <a:bodyPr anchorCtr="0" anchor="ctr" bIns="91425" lIns="91425" spcFirstLastPara="1" rIns="91425" wrap="square" tIns="91425">
+            <a:normAutofit/>
+          </a:bodyPr>
+          <a:lstStyle/>
+          <a:p>
+            <a:pPr indent="0" lvl="0" marL="0" rtl="0" algn="l">
+              <a:spcBef>
+                <a:spcPts val="0"/>
+              </a:spcBef>
+              <a:spcAft>
+                <a:spcPts val="0"/>
+              </a:spcAft>
+              <a:buNone/>
+            </a:pPr>
+            <a:r>
+              <a:rPr lang="en"/>
+              <a:t>Create Itinerary</a:t>
+            </a:r>
+            <a:endParaRPr/>
+          </a:p>
+        </p:txBody>
+      </p:sp>
+    </p:spTree>
+  </p:cSld>
+  <p:clrMapOvr>
+    <a:masterClrMapping/>
+  </p:clrMapOvr>
+</p:sld>
+</file>
+
+<file path=ppt/slides/slide8.xml><?xml version="1.0" encoding="utf-8"?>
+<p:sld xmlns:a="http://schemas.openxmlformats.org/drawingml/2006/main" xmlns:r="http://schemas.openxmlformats.org/officeDocument/2006/relationships" xmlns:mc="http://schemas.openxmlformats.org/markup-compatibility/2006" xmlns:mv="urn:schemas-microsoft-com:mac:vml" xmlns:p="http://schemas.openxmlformats.org/presentationml/2006/main" xmlns:c="http://schemas.openxmlformats.org/drawingml/2006/chart" xmlns:dgm="http://schemas.openxmlformats.org/drawingml/2006/diagram" xmlns:o="urn:schemas-microsoft-com:office:office" xmlns:v="urn:schemas-microsoft-com:vml" xmlns:pvml="urn:schemas-microsoft-com:office:powerpoint" xmlns:com="http://schemas.openxmlformats.org/drawingml/2006/compatibility" xmlns:p14="http://schemas.microsoft.com/office/powerpoint/2010/main" xmlns:p15="http://schemas.microsoft.com/office/powerpoint/2012/main" xmlns:ahyp="http://schemas.microsoft.com/office/drawing/2018/hyperlinkcolor">
+  <p:cSld>
+    <p:spTree>
+      <p:nvGrpSpPr>
+        <p:cNvPr id="172" name="Shape 172"/>
+        <p:cNvGrpSpPr/>
+        <p:nvPr/>
+      </p:nvGrpSpPr>
+      <p:grpSpPr>
+        <a:xfrm>
+          <a:off x="0" y="0"/>
+          <a:ext cx="0" cy="0"/>
+          <a:chOff x="0" y="0"/>
+          <a:chExt cx="0" cy="0"/>
+        </a:xfrm>
+      </p:grpSpPr>
+      <p:sp>
+        <p:nvSpPr>
+          <p:cNvPr id="173" name="Google Shape;173;p20"/>
+          <p:cNvSpPr txBox="1"/>
+          <p:nvPr>
+            <p:ph type="title"/>
+          </p:nvPr>
+        </p:nvSpPr>
+        <p:spPr>
+          <a:xfrm>
+            <a:off x="1297500" y="393750"/>
+            <a:ext cx="7038900" cy="914100"/>
+          </a:xfrm>
+          <a:prstGeom prst="rect">
+            <a:avLst/>
+          </a:prstGeom>
+        </p:spPr>
+        <p:txBody>
+          <a:bodyPr anchorCtr="0" anchor="t" bIns="91425" lIns="91425" spcFirstLastPara="1" rIns="91425" wrap="square" tIns="91425">
+            <a:normAutofit/>
+          </a:bodyPr>
+          <a:lstStyle/>
+          <a:p>
+            <a:pPr indent="0" lvl="0" marL="0" rtl="0" algn="l">
+              <a:spcBef>
+                <a:spcPts val="0"/>
+              </a:spcBef>
+              <a:spcAft>
+                <a:spcPts val="0"/>
+              </a:spcAft>
+              <a:buNone/>
+            </a:pPr>
+            <a:r>
+              <a:rPr lang="en"/>
+              <a:t>Create Itineraries</a:t>
+            </a:r>
+            <a:endParaRPr/>
+          </a:p>
+        </p:txBody>
+      </p:sp>
+      <p:sp>
+        <p:nvSpPr>
+          <p:cNvPr id="174" name="Google Shape;174;p20"/>
+          <p:cNvSpPr txBox="1"/>
+          <p:nvPr>
+            <p:ph idx="1" type="body"/>
+          </p:nvPr>
+        </p:nvSpPr>
+        <p:spPr>
+          <a:xfrm>
+            <a:off x="1297500" y="1567550"/>
+            <a:ext cx="7038900" cy="2911200"/>
+          </a:xfrm>
+          <a:prstGeom prst="rect">
+            <a:avLst/>
+          </a:prstGeom>
+        </p:spPr>
+        <p:txBody>
+          <a:bodyPr anchorCtr="0" anchor="t" bIns="91425" lIns="91425" spcFirstLastPara="1" rIns="91425" wrap="square" tIns="91425">
+            <a:noAutofit/>
+          </a:bodyPr>
+          <a:lstStyle/>
+          <a:p>
+            <a:pPr indent="-349250" lvl="0" marL="457200" rtl="0" algn="l">
+              <a:spcBef>
+                <a:spcPts val="0"/>
+              </a:spcBef>
+              <a:spcAft>
+                <a:spcPts val="0"/>
+              </a:spcAft>
+              <a:buSzPts val="1900"/>
+              <a:buFont typeface="Times New Roman"/>
+              <a:buChar char="●"/>
+            </a:pPr>
+            <a:r>
+              <a:rPr lang="en" sz="1900">
+                <a:latin typeface="Times New Roman"/>
+                <a:ea typeface="Times New Roman"/>
+                <a:cs typeface="Times New Roman"/>
+                <a:sym typeface="Times New Roman"/>
+              </a:rPr>
+              <a:t>Once clicked, the user will be presented a page where they can create itineraries</a:t>
+            </a:r>
+            <a:endParaRPr sz="1900">
+              <a:latin typeface="Times New Roman"/>
+              <a:ea typeface="Times New Roman"/>
+              <a:cs typeface="Times New Roman"/>
+              <a:sym typeface="Times New Roman"/>
+            </a:endParaRPr>
+          </a:p>
+          <a:p>
+            <a:pPr indent="-349250" lvl="0" marL="457200" rtl="0" algn="l">
+              <a:spcBef>
+                <a:spcPts val="0"/>
+              </a:spcBef>
+              <a:spcAft>
+                <a:spcPts val="0"/>
+              </a:spcAft>
+              <a:buSzPts val="1900"/>
+              <a:buFont typeface="Times New Roman"/>
+              <a:buChar char="●"/>
+            </a:pPr>
+            <a:r>
+              <a:rPr lang="en" sz="1900">
+                <a:latin typeface="Times New Roman"/>
+                <a:ea typeface="Times New Roman"/>
+                <a:cs typeface="Times New Roman"/>
+                <a:sym typeface="Times New Roman"/>
+              </a:rPr>
+              <a:t>Searching for Travel Destination</a:t>
+            </a:r>
+            <a:endParaRPr/>
+          </a:p>
+        </p:txBody>
+      </p:sp>
+    </p:spTree>
+  </p:cSld>
+  <p:clrMapOvr>
+    <a:masterClrMapping/>
+  </p:clrMapOvr>
+</p:sld>
+</file>
+
+<file path=ppt/slides/slide9.xml><?xml version="1.0" encoding="utf-8"?>
+<p:sld xmlns:a="http://schemas.openxmlformats.org/drawingml/2006/main" xmlns:r="http://schemas.openxmlformats.org/officeDocument/2006/relationships" xmlns:mc="http://schemas.openxmlformats.org/markup-compatibility/2006" xmlns:mv="urn:schemas-microsoft-com:mac:vml" xmlns:p="http://schemas.openxmlformats.org/presentationml/2006/main" xmlns:c="http://schemas.openxmlformats.org/drawingml/2006/chart" xmlns:dgm="http://schemas.openxmlformats.org/drawingml/2006/diagram" xmlns:o="urn:schemas-microsoft-com:office:office" xmlns:v="urn:schemas-microsoft-com:vml" xmlns:pvml="urn:schemas-microsoft-com:office:powerpoint" xmlns:com="http://schemas.openxmlformats.org/drawingml/2006/compatibility" xmlns:p14="http://schemas.microsoft.com/office/powerpoint/2010/main" xmlns:p15="http://schemas.microsoft.com/office/powerpoint/2012/main" xmlns:ahyp="http://schemas.microsoft.com/office/drawing/2018/hyperlinkcolor">
+  <p:cSld>
+    <p:spTree>
+      <p:nvGrpSpPr>
+        <p:cNvPr id="178" name="Shape 178"/>
+        <p:cNvGrpSpPr/>
+        <p:nvPr/>
+      </p:nvGrpSpPr>
+      <p:grpSpPr>
+        <a:xfrm>
+          <a:off x="0" y="0"/>
+          <a:ext cx="0" cy="0"/>
+          <a:chOff x="0" y="0"/>
+          <a:chExt cx="0" cy="0"/>
+        </a:xfrm>
+      </p:grpSpPr>
+      <p:sp>
+        <p:nvSpPr>
+          <p:cNvPr id="179" name="Google Shape;179;p21"/>
+          <p:cNvSpPr txBox="1"/>
+          <p:nvPr>
+            <p:ph type="title"/>
+          </p:nvPr>
+        </p:nvSpPr>
+        <p:spPr>
+          <a:xfrm>
+            <a:off x="1297500" y="393750"/>
+            <a:ext cx="7038900" cy="914100"/>
+          </a:xfrm>
+          <a:prstGeom prst="rect">
+            <a:avLst/>
+          </a:prstGeom>
+        </p:spPr>
+        <p:txBody>
+          <a:bodyPr anchorCtr="0" anchor="t" bIns="91425" lIns="91425" spcFirstLastPara="1" rIns="91425" wrap="square" tIns="91425">
+            <a:normAutofit/>
+          </a:bodyPr>
+          <a:lstStyle/>
+          <a:p>
+            <a:pPr indent="0" lvl="0" marL="0" rtl="0" algn="l">
+              <a:spcBef>
+                <a:spcPts val="0"/>
+              </a:spcBef>
+              <a:spcAft>
+                <a:spcPts val="0"/>
+              </a:spcAft>
+              <a:buNone/>
+            </a:pPr>
+            <a:r>
+              <a:rPr lang="en"/>
+              <a:t>Create Itineraries</a:t>
+            </a:r>
+            <a:endParaRPr/>
+          </a:p>
+        </p:txBody>
+      </p:sp>
+      <p:sp>
+        <p:nvSpPr>
+          <p:cNvPr id="180" name="Google Shape;180;p21"/>
+          <p:cNvSpPr txBox="1"/>
+          <p:nvPr>
+            <p:ph idx="1" type="body"/>
+          </p:nvPr>
+        </p:nvSpPr>
+        <p:spPr>
+          <a:xfrm>
+            <a:off x="1297500" y="1567550"/>
+            <a:ext cx="7038900" cy="2911200"/>
+          </a:xfrm>
+          <a:prstGeom prst="rect">
+            <a:avLst/>
+          </a:prstGeom>
+        </p:spPr>
+        <p:txBody>
+          <a:bodyPr anchorCtr="0" anchor="t" bIns="91425" lIns="91425" spcFirstLastPara="1" rIns="91425" wrap="square" tIns="91425">
+            <a:noAutofit/>
+          </a:bodyPr>
+          <a:lstStyle/>
+          <a:p>
+            <a:pPr indent="-349250" lvl="0" marL="457200" rtl="0" algn="l">
+              <a:spcBef>
+                <a:spcPts val="0"/>
+              </a:spcBef>
+              <a:spcAft>
+                <a:spcPts val="0"/>
+              </a:spcAft>
+              <a:buSzPts val="1900"/>
+              <a:buFont typeface="Times New Roman"/>
+              <a:buChar char="●"/>
+            </a:pPr>
+            <a:r>
+              <a:rPr lang="en" sz="1900">
+                <a:latin typeface="Times New Roman"/>
+                <a:ea typeface="Times New Roman"/>
+                <a:cs typeface="Times New Roman"/>
+                <a:sym typeface="Times New Roman"/>
+              </a:rPr>
+              <a:t>Using the Travel Destination acquired from the user, there will be three categories of locations users will be presented.</a:t>
+            </a:r>
+            <a:endParaRPr sz="1900">
+              <a:latin typeface="Times New Roman"/>
+              <a:ea typeface="Times New Roman"/>
+              <a:cs typeface="Times New Roman"/>
+              <a:sym typeface="Times New Roman"/>
+            </a:endParaRPr>
+          </a:p>
+          <a:p>
+            <a:pPr indent="-349250" lvl="1" marL="914400" rtl="0" algn="l">
+              <a:spcBef>
+                <a:spcPts val="0"/>
+              </a:spcBef>
+              <a:spcAft>
+                <a:spcPts val="0"/>
+              </a:spcAft>
+              <a:buSzPts val="1900"/>
+              <a:buFont typeface="Times New Roman"/>
+              <a:buChar char="○"/>
+            </a:pPr>
+            <a:r>
+              <a:rPr lang="en" sz="1900">
+                <a:latin typeface="Times New Roman"/>
+                <a:ea typeface="Times New Roman"/>
+                <a:cs typeface="Times New Roman"/>
+                <a:sym typeface="Times New Roman"/>
+              </a:rPr>
+              <a:t>Lodging</a:t>
+            </a:r>
+            <a:endParaRPr sz="1900">
+              <a:latin typeface="Times New Roman"/>
+              <a:ea typeface="Times New Roman"/>
+              <a:cs typeface="Times New Roman"/>
+              <a:sym typeface="Times New Roman"/>
+            </a:endParaRPr>
+          </a:p>
+          <a:p>
+            <a:pPr indent="-349250" lvl="1" marL="914400" rtl="0" algn="l">
+              <a:spcBef>
+                <a:spcPts val="0"/>
+              </a:spcBef>
+              <a:spcAft>
+                <a:spcPts val="0"/>
+              </a:spcAft>
+              <a:buSzPts val="1900"/>
+              <a:buFont typeface="Times New Roman"/>
+              <a:buChar char="○"/>
+            </a:pPr>
+            <a:r>
+              <a:rPr lang="en" sz="1900">
+                <a:latin typeface="Times New Roman"/>
+                <a:ea typeface="Times New Roman"/>
+                <a:cs typeface="Times New Roman"/>
+                <a:sym typeface="Times New Roman"/>
+              </a:rPr>
+              <a:t>Dining</a:t>
+            </a:r>
+            <a:endParaRPr sz="1900">
+              <a:latin typeface="Times New Roman"/>
+              <a:ea typeface="Times New Roman"/>
+              <a:cs typeface="Times New Roman"/>
+              <a:sym typeface="Times New Roman"/>
+            </a:endParaRPr>
+          </a:p>
+          <a:p>
+            <a:pPr indent="-349250" lvl="1" marL="914400" rtl="0" algn="l">
+              <a:spcBef>
+                <a:spcPts val="0"/>
+              </a:spcBef>
+              <a:spcAft>
+                <a:spcPts val="0"/>
+              </a:spcAft>
+              <a:buSzPts val="1900"/>
+              <a:buFont typeface="Times New Roman"/>
+              <a:buChar char="○"/>
+            </a:pPr>
+            <a:r>
+              <a:rPr lang="en" sz="1900">
+                <a:latin typeface="Times New Roman"/>
+                <a:ea typeface="Times New Roman"/>
+                <a:cs typeface="Times New Roman"/>
+                <a:sym typeface="Times New Roman"/>
+              </a:rPr>
+              <a:t>Attractions</a:t>
+            </a:r>
+            <a:endParaRPr sz="1900">
+              <a:latin typeface="Times New Roman"/>
+              <a:ea typeface="Times New Roman"/>
+              <a:cs typeface="Times New Roman"/>
+              <a:sym typeface="Times New Roman"/>
+            </a:endParaRPr>
+          </a:p>
+          <a:p>
+            <a:pPr indent="-349250" lvl="0" marL="457200" rtl="0" algn="l">
+              <a:spcBef>
+                <a:spcPts val="0"/>
+              </a:spcBef>
+              <a:spcAft>
+                <a:spcPts val="0"/>
+              </a:spcAft>
+              <a:buSzPts val="1900"/>
+              <a:buFont typeface="Times New Roman"/>
+              <a:buChar char="●"/>
+            </a:pPr>
+            <a:r>
+              <a:rPr lang="en" sz="1900">
+                <a:latin typeface="Times New Roman"/>
+                <a:ea typeface="Times New Roman"/>
+                <a:cs typeface="Times New Roman"/>
+                <a:sym typeface="Times New Roman"/>
+              </a:rPr>
+              <a:t>Locations will displayed as cards sorted in descending order by ratings.</a:t>
+            </a:r>
+            <a:endParaRPr sz="1900">
+              <a:latin typeface="Times New Roman"/>
+              <a:ea typeface="Times New Roman"/>
+              <a:cs typeface="Times New Roman"/>
+              <a:sym typeface="Times New Roman"/>
+            </a:endParaRPr>
+          </a:p>
+        </p:txBody>
+      </p:sp>
+    </p:spTree>
+  </p:cSld>
+  <p:clrMapOvr>
+    <a:masterClrMapping/>
+  </p:clrMapOvr>
+</p:sld>
+</file>
+
 <file path=ppt/theme/theme1.xml><?xml version="1.0" encoding="utf-8"?>
+<a:theme xmlns:a="http://schemas.openxmlformats.org/drawingml/2006/main" xmlns:r="http://schemas.openxmlformats.org/officeDocument/2006/relationships" name="Focus">
+  <a:themeElements>
+    <a:clrScheme name="Focus">
+      <a:dk1>
+        <a:srgbClr val="1B212C"/>
+      </a:dk1>
+      <a:lt1>
+        <a:srgbClr val="FFFFFF"/>
+      </a:lt1>
+      <a:dk2>
+        <a:srgbClr val="D9D9D9"/>
+      </a:dk2>
+      <a:lt2>
+        <a:srgbClr val="82C7A5"/>
+      </a:lt2>
+      <a:accent1>
+        <a:srgbClr val="0145AC"/>
+      </a:accent1>
+      <a:accent2>
+        <a:srgbClr val="EECE1A"/>
+      </a:accent2>
+      <a:accent3>
+        <a:srgbClr val="4E5567"/>
+      </a:accent3>
+      <a:accent4>
+        <a:srgbClr val="F4D6AD"/>
+      </a:accent4>
+      <a:accent5>
+        <a:srgbClr val="7890CD"/>
+      </a:accent5>
+      <a:accent6>
+        <a:srgbClr val="F15E22"/>
+      </a:accent6>
+      <a:hlink>
+        <a:srgbClr val="7890CD"/>
+      </a:hlink>
+      <a:folHlink>
+        <a:srgbClr val="7890CD"/>
+      </a:folHlink>
+    </a:clrScheme>
+    <a:fontScheme name="Office">
+      <a:majorFont>
+        <a:latin typeface="Arial"/>
+        <a:ea typeface=""/>
+        <a:cs typeface=""/>
+        <a:font script="Jpan" typeface="ＭＳ Ｐゴシック"/>
+        <a:font script="Hang" typeface="맑은 고딕"/>
+        <a:font script="Hans" typeface="宋体"/>
+        <a:font script="Hant" typeface="新細明體"/>
+        <a:font script="Arab" typeface="Times New Roman"/>
+        <a:font script="Hebr" typeface="Times New Roman"/>
+        <a:font script="Thai" typeface="Angsana New"/>
+        <a:font script="Ethi" typeface="Nyala"/>
+        <a:font script="Beng" typeface="Vrinda"/>
+        <a:font script="Gujr" typeface="Shruti"/>
+        <a:font script="Khmr" typeface="MoolBoran"/>
+        <a:font script="Knda" typeface="Tunga"/>
+        <a:font script="Guru" typeface="Raavi"/>
+        <a:font script="Cans" typeface="Euphemia"/>
+        <a:font script="Cher" typeface="Plantagenet Cherokee"/>
+        <a:font script="Yiii" typeface="Microsoft Yi Baiti"/>
+        <a:font script="Tibt" typeface="Microsoft Himalaya"/>
+        <a:font script="Thaa" typeface="MV Boli"/>
+        <a:font script="Deva" typeface="Mangal"/>
+        <a:font script="Telu" typeface="Gautami"/>
+        <a:font script="Taml" typeface="Latha"/>
+        <a:font script="Syrc" typeface="Estrangelo Edessa"/>
+        <a:font script="Orya" typeface="Kalinga"/>
+        <a:font script="Mlym" typeface="Kartika"/>
+        <a:font script="Laoo" typeface="DokChampa"/>
+        <a:font script="Sinh" typeface="Iskoola Pota"/>
+        <a:font script="Mong" typeface="Mongolian Baiti"/>
+        <a:font script="Viet" typeface="Times New Roman"/>
+        <a:font script="Uigh" typeface="Microsoft Uighur"/>
+        <a:font script="Geor" typeface="Sylfaen"/>
+      </a:majorFont>
+      <a:minorFont>
+        <a:latin typeface="Arial"/>
+        <a:ea typeface=""/>
+        <a:cs typeface=""/>
+        <a:font script="Jpan" typeface="ＭＳ Ｐゴシック"/>
+        <a:font script="Hang" typeface="맑은 고딕"/>
+        <a:font script="Hans" typeface="宋体"/>
+        <a:font script="Hant" typeface="新細明體"/>
+        <a:font script="Arab" typeface="Arial"/>
+        <a:font script="Hebr" typeface="Arial"/>
+        <a:font script="Thai" typeface="Cordia New"/>
+        <a:font script="Ethi" typeface="Nyala"/>
+        <a:font script="Beng" typeface="Vrinda"/>
+        <a:font script="Gujr" typeface="Shruti"/>
+        <a:font script="Khmr" typeface="DaunPenh"/>
+        <a:font script="Knda" typeface="Tunga"/>
+        <a:font script="Guru" typeface="Raavi"/>
+        <a:font script="Cans" typeface="Euphemia"/>
+        <a:font script="Cher" typeface="Plantagenet Cherokee"/>
+        <a:font script="Yiii" typeface="Microsoft Yi Baiti"/>
+        <a:font script="Tibt" typeface="Microsoft Himalaya"/>
+        <a:font script="Thaa" typeface="MV Boli"/>
+        <a:font script="Deva" typeface="Mangal"/>
+        <a:font script="Telu" typeface="Gautami"/>
+        <a:font script="Taml" typeface="Latha"/>
+        <a:font script="Syrc" typeface="Estrangelo Edessa"/>
+        <a:font script="Orya" typeface="Kalinga"/>
+        <a:font script="Mlym" typeface="Kartika"/>
+        <a:font script="Laoo" typeface="DokChampa"/>
+        <a:font script="Sinh" typeface="Iskoola Pota"/>
+        <a:font script="Mong" typeface="Mongolian Baiti"/>
+        <a:font script="Viet" typeface="Arial"/>
+        <a:font script="Uigh" typeface="Microsoft Uighur"/>
+        <a:font script="Geor" typeface="Sylfaen"/>
+      </a:minorFont>
+    </a:fontScheme>
+    <a:fmtScheme name="Office">
+      <a:fillStyleLst>
+        <a:solidFill>
+          <a:schemeClr val="phClr"/>
+        </a:solidFill>
+        <a:gradFill rotWithShape="1">
+          <a:gsLst>
+            <a:gs pos="0">
+              <a:schemeClr val="phClr">
+                <a:tint val="50000"/>
+                <a:satMod val="300000"/>
+              </a:schemeClr>
+            </a:gs>
+            <a:gs pos="35000">
+              <a:schemeClr val="phClr">
+                <a:tint val="37000"/>
+                <a:satMod val="300000"/>
+              </a:schemeClr>
+            </a:gs>
+            <a:gs pos="100000">
+              <a:schemeClr val="phClr">
+                <a:tint val="15000"/>
+                <a:satMod val="350000"/>
+              </a:schemeClr>
+            </a:gs>
+          </a:gsLst>
+          <a:lin ang="16200000" scaled="1"/>
+        </a:gradFill>
+        <a:gradFill rotWithShape="1">
+          <a:gsLst>
+            <a:gs pos="0">
+              <a:schemeClr val="phClr">
+                <a:tint val="100000"/>
+                <a:shade val="100000"/>
+                <a:satMod val="130000"/>
+              </a:schemeClr>
+            </a:gs>
+            <a:gs pos="100000">
+              <a:schemeClr val="phClr">
+                <a:tint val="50000"/>
+                <a:shade val="100000"/>
+                <a:satMod val="350000"/>
+              </a:schemeClr>
+            </a:gs>
+          </a:gsLst>
+          <a:lin ang="16200000" scaled="0"/>
+        </a:gradFill>
+      </a:fillStyleLst>
+      <a:lnStyleLst>
+        <a:ln w="9525" cap="flat" cmpd="sng" algn="ctr">
+          <a:solidFill>
+            <a:schemeClr val="phClr">
+              <a:shade val="95000"/>
+              <a:satMod val="105000"/>
+            </a:schemeClr>
+          </a:solidFill>
+          <a:prstDash val="solid"/>
+        </a:ln>
+        <a:ln w="25400" cap="flat" cmpd="sng" algn="ctr">
+          <a:solidFill>
+            <a:schemeClr val="phClr"/>
+          </a:solidFill>
+          <a:prstDash val="solid"/>
+        </a:ln>
+        <a:ln w="38100" cap="flat" cmpd="sng" algn="ctr">
+          <a:solidFill>
+            <a:schemeClr val="phClr"/>
+          </a:solidFill>
+          <a:prstDash val="solid"/>
+        </a:ln>
+      </a:lnStyleLst>
+      <a:effectStyleLst>
+        <a:effectStyle>
+          <a:effectLst>
+            <a:outerShdw blurRad="40000" dist="20000" dir="5400000" rotWithShape="0">
+              <a:srgbClr val="000000">
+                <a:alpha val="38000"/>
+              </a:srgbClr>
+            </a:outerShdw>
+          </a:effectLst>
+        </a:effectStyle>
+        <a:effectStyle>
+          <a:effectLst>
+            <a:outerShdw blurRad="40000" dist="23000" dir="5400000" rotWithShape="0">
+              <a:srgbClr val="000000">
+                <a:alpha val="35000"/>
+              </a:srgbClr>
+            </a:outerShdw>
+          </a:effectLst>
+        </a:effectStyle>
+        <a:effectStyle>
+          <a:effectLst>
+            <a:outerShdw blurRad="40000" dist="23000" dir="5400000" rotWithShape="0">
+              <a:srgbClr val="000000">
+                <a:alpha val="35000"/>
+              </a:srgbClr>
+            </a:outerShdw>
+          </a:effectLst>
+          <a:scene3d>
+            <a:camera prst="orthographicFront">
+              <a:rot lat="0" lon="0" rev="0"/>
+            </a:camera>
+            <a:lightRig rig="threePt" dir="t">
+              <a:rot lat="0" lon="0" rev="1200000"/>
+            </a:lightRig>
+          </a:scene3d>
+          <a:sp3d>
+            <a:bevelT w="63500" h="25400"/>
+          </a:sp3d>
+        </a:effectStyle>
+      </a:effectStyleLst>
+      <a:bgFillStyleLst>
+        <a:solidFill>
+          <a:schemeClr val="phClr"/>
+        </a:solidFill>
+        <a:gradFill rotWithShape="1">
+          <a:gsLst>
+            <a:gs pos="0">
+              <a:schemeClr val="phClr">
+                <a:tint val="40000"/>
+                <a:satMod val="350000"/>
+              </a:schemeClr>
+            </a:gs>
+            <a:gs pos="40000">
+              <a:schemeClr val="phClr">
+                <a:tint val="45000"/>
+                <a:shade val="99000"/>
+                <a:satMod val="350000"/>
+              </a:schemeClr>
+            </a:gs>
+            <a:gs pos="100000">
+              <a:schemeClr val="phClr">
+                <a:shade val="20000"/>
+                <a:satMod val="255000"/>
+              </a:schemeClr>
+            </a:gs>
+          </a:gsLst>
+          <a:path path="circle">
+            <a:fillToRect l="50000" t="-80000" r="50000" b="180000"/>
+          </a:path>
+        </a:gradFill>
+        <a:gradFill rotWithShape="1">
+          <a:gsLst>
+            <a:gs pos="0">
+              <a:schemeClr val="phClr">
+                <a:tint val="80000"/>
+                <a:satMod val="300000"/>
+              </a:schemeClr>
+            </a:gs>
+            <a:gs pos="100000">
+              <a:schemeClr val="phClr">
+                <a:shade val="30000"/>
+                <a:satMod val="200000"/>
+              </a:schemeClr>
+            </a:gs>
+          </a:gsLst>
+          <a:path path="circle">
+            <a:fillToRect l="50000" t="50000" r="50000" b="50000"/>
+          </a:path>
+        </a:gradFill>
+      </a:bgFillStyleLst>
+    </a:fmtScheme>
+  </a:themeElements>
+</a:theme>
+</file>
+
+<file path=ppt/theme/theme2.xml><?xml version="1.0" encoding="utf-8"?>
 <a:theme xmlns:a="http://schemas.openxmlformats.org/drawingml/2006/main" xmlns:r="http://schemas.openxmlformats.org/officeDocument/2006/relationships">
   <a:themeElements>
     <a:clrScheme name="Default">
@@ -16696,283 +13319,4 @@
     </a:fmtScheme>
   </a:themeElements>
 </a:theme>
-</file>
-
-<file path=ppt/theme/theme2.xml><?xml version="1.0" encoding="utf-8"?>
-<a:theme xmlns:a="http://schemas.openxmlformats.org/drawingml/2006/main" xmlns:r="http://schemas.openxmlformats.org/officeDocument/2006/relationships" name="Focus">
-  <a:themeElements>
-    <a:clrScheme name="Focus">
-      <a:dk1>
-        <a:srgbClr val="1B212C"/>
-      </a:dk1>
-      <a:lt1>
-        <a:srgbClr val="FFFFFF"/>
-      </a:lt1>
-      <a:dk2>
-        <a:srgbClr val="D9D9D9"/>
-      </a:dk2>
-      <a:lt2>
-        <a:srgbClr val="82C7A5"/>
-      </a:lt2>
-      <a:accent1>
-        <a:srgbClr val="0145AC"/>
-      </a:accent1>
-      <a:accent2>
-        <a:srgbClr val="EECE1A"/>
-      </a:accent2>
-      <a:accent3>
-        <a:srgbClr val="4E5567"/>
-      </a:accent3>
-      <a:accent4>
-        <a:srgbClr val="F4D6AD"/>
-      </a:accent4>
-      <a:accent5>
-        <a:srgbClr val="7890CD"/>
-      </a:accent5>
-      <a:accent6>
-        <a:srgbClr val="F15E22"/>
-      </a:accent6>
-      <a:hlink>
-        <a:srgbClr val="7890CD"/>
-      </a:hlink>
-      <a:folHlink>
-        <a:srgbClr val="7890CD"/>
-      </a:folHlink>
-    </a:clrScheme>
-    <a:fontScheme name="Office">
-      <a:majorFont>
-        <a:latin typeface="Arial"/>
-        <a:ea typeface=""/>
-        <a:cs typeface=""/>
-        <a:font script="Jpan" typeface="ＭＳ Ｐゴシック"/>
-        <a:font script="Hang" typeface="맑은 고딕"/>
-        <a:font script="Hans" typeface="宋体"/>
-        <a:font script="Hant" typeface="新細明體"/>
-        <a:font script="Arab" typeface="Times New Roman"/>
-        <a:font script="Hebr" typeface="Times New Roman"/>
-        <a:font script="Thai" typeface="Angsana New"/>
-        <a:font script="Ethi" typeface="Nyala"/>
-        <a:font script="Beng" typeface="Vrinda"/>
-        <a:font script="Gujr" typeface="Shruti"/>
-        <a:font script="Khmr" typeface="MoolBoran"/>
-        <a:font script="Knda" typeface="Tunga"/>
-        <a:font script="Guru" typeface="Raavi"/>
-        <a:font script="Cans" typeface="Euphemia"/>
-        <a:font script="Cher" typeface="Plantagenet Cherokee"/>
-        <a:font script="Yiii" typeface="Microsoft Yi Baiti"/>
-        <a:font script="Tibt" typeface="Microsoft Himalaya"/>
-        <a:font script="Thaa" typeface="MV Boli"/>
-        <a:font script="Deva" typeface="Mangal"/>
-        <a:font script="Telu" typeface="Gautami"/>
-        <a:font script="Taml" typeface="Latha"/>
-        <a:font script="Syrc" typeface="Estrangelo Edessa"/>
-        <a:font script="Orya" typeface="Kalinga"/>
-        <a:font script="Mlym" typeface="Kartika"/>
-        <a:font script="Laoo" typeface="DokChampa"/>
-        <a:font script="Sinh" typeface="Iskoola Pota"/>
-        <a:font script="Mong" typeface="Mongolian Baiti"/>
-        <a:font script="Viet" typeface="Times New Roman"/>
-        <a:font script="Uigh" typeface="Microsoft Uighur"/>
-        <a:font script="Geor" typeface="Sylfaen"/>
-      </a:majorFont>
-      <a:minorFont>
-        <a:latin typeface="Arial"/>
-        <a:ea typeface=""/>
-        <a:cs typeface=""/>
-        <a:font script="Jpan" typeface="ＭＳ Ｐゴシック"/>
-        <a:font script="Hang" typeface="맑은 고딕"/>
-        <a:font script="Hans" typeface="宋体"/>
-        <a:font script="Hant" typeface="新細明體"/>
-        <a:font script="Arab" typeface="Arial"/>
-        <a:font script="Hebr" typeface="Arial"/>
-        <a:font script="Thai" typeface="Cordia New"/>
-        <a:font script="Ethi" typeface="Nyala"/>
-        <a:font script="Beng" typeface="Vrinda"/>
-        <a:font script="Gujr" typeface="Shruti"/>
-        <a:font script="Khmr" typeface="DaunPenh"/>
-        <a:font script="Knda" typeface="Tunga"/>
-        <a:font script="Guru" typeface="Raavi"/>
-        <a:font script="Cans" typeface="Euphemia"/>
-        <a:font script="Cher" typeface="Plantagenet Cherokee"/>
-        <a:font script="Yiii" typeface="Microsoft Yi Baiti"/>
-        <a:font script="Tibt" typeface="Microsoft Himalaya"/>
-        <a:font script="Thaa" typeface="MV Boli"/>
-        <a:font script="Deva" typeface="Mangal"/>
-        <a:font script="Telu" typeface="Gautami"/>
-        <a:font script="Taml" typeface="Latha"/>
-        <a:font script="Syrc" typeface="Estrangelo Edessa"/>
-        <a:font script="Orya" typeface="Kalinga"/>
-        <a:font script="Mlym" typeface="Kartika"/>
-        <a:font script="Laoo" typeface="DokChampa"/>
-        <a:font script="Sinh" typeface="Iskoola Pota"/>
-        <a:font script="Mong" typeface="Mongolian Baiti"/>
-        <a:font script="Viet" typeface="Arial"/>
-        <a:font script="Uigh" typeface="Microsoft Uighur"/>
-        <a:font script="Geor" typeface="Sylfaen"/>
-      </a:minorFont>
-    </a:fontScheme>
-    <a:fmtScheme name="Office">
-      <a:fillStyleLst>
-        <a:solidFill>
-          <a:schemeClr val="phClr"/>
-        </a:solidFill>
-        <a:gradFill rotWithShape="1">
-          <a:gsLst>
-            <a:gs pos="0">
-              <a:schemeClr val="phClr">
-                <a:tint val="50000"/>
-                <a:satMod val="300000"/>
-              </a:schemeClr>
-            </a:gs>
-            <a:gs pos="35000">
-              <a:schemeClr val="phClr">
-                <a:tint val="37000"/>
-                <a:satMod val="300000"/>
-              </a:schemeClr>
-            </a:gs>
-            <a:gs pos="100000">
-              <a:schemeClr val="phClr">
-                <a:tint val="15000"/>
-                <a:satMod val="350000"/>
-              </a:schemeClr>
-            </a:gs>
-          </a:gsLst>
-          <a:lin ang="16200000" scaled="1"/>
-        </a:gradFill>
-        <a:gradFill rotWithShape="1">
-          <a:gsLst>
-            <a:gs pos="0">
-              <a:schemeClr val="phClr">
-                <a:tint val="100000"/>
-                <a:shade val="100000"/>
-                <a:satMod val="130000"/>
-              </a:schemeClr>
-            </a:gs>
-            <a:gs pos="100000">
-              <a:schemeClr val="phClr">
-                <a:tint val="50000"/>
-                <a:shade val="100000"/>
-                <a:satMod val="350000"/>
-              </a:schemeClr>
-            </a:gs>
-          </a:gsLst>
-          <a:lin ang="16200000" scaled="0"/>
-        </a:gradFill>
-      </a:fillStyleLst>
-      <a:lnStyleLst>
-        <a:ln w="9525" cap="flat" cmpd="sng" algn="ctr">
-          <a:solidFill>
-            <a:schemeClr val="phClr">
-              <a:shade val="95000"/>
-              <a:satMod val="105000"/>
-            </a:schemeClr>
-          </a:solidFill>
-          <a:prstDash val="solid"/>
-        </a:ln>
-        <a:ln w="25400" cap="flat" cmpd="sng" algn="ctr">
-          <a:solidFill>
-            <a:schemeClr val="phClr"/>
-          </a:solidFill>
-          <a:prstDash val="solid"/>
-        </a:ln>
-        <a:ln w="38100" cap="flat" cmpd="sng" algn="ctr">
-          <a:solidFill>
-            <a:schemeClr val="phClr"/>
-          </a:solidFill>
-          <a:prstDash val="solid"/>
-        </a:ln>
-      </a:lnStyleLst>
-      <a:effectStyleLst>
-        <a:effectStyle>
-          <a:effectLst>
-            <a:outerShdw blurRad="40000" dist="20000" dir="5400000" rotWithShape="0">
-              <a:srgbClr val="000000">
-                <a:alpha val="38000"/>
-              </a:srgbClr>
-            </a:outerShdw>
-          </a:effectLst>
-        </a:effectStyle>
-        <a:effectStyle>
-          <a:effectLst>
-            <a:outerShdw blurRad="40000" dist="23000" dir="5400000" rotWithShape="0">
-              <a:srgbClr val="000000">
-                <a:alpha val="35000"/>
-              </a:srgbClr>
-            </a:outerShdw>
-          </a:effectLst>
-        </a:effectStyle>
-        <a:effectStyle>
-          <a:effectLst>
-            <a:outerShdw blurRad="40000" dist="23000" dir="5400000" rotWithShape="0">
-              <a:srgbClr val="000000">
-                <a:alpha val="35000"/>
-              </a:srgbClr>
-            </a:outerShdw>
-          </a:effectLst>
-          <a:scene3d>
-            <a:camera prst="orthographicFront">
-              <a:rot lat="0" lon="0" rev="0"/>
-            </a:camera>
-            <a:lightRig rig="threePt" dir="t">
-              <a:rot lat="0" lon="0" rev="1200000"/>
-            </a:lightRig>
-          </a:scene3d>
-          <a:sp3d>
-            <a:bevelT w="63500" h="25400"/>
-          </a:sp3d>
-        </a:effectStyle>
-      </a:effectStyleLst>
-      <a:bgFillStyleLst>
-        <a:solidFill>
-          <a:schemeClr val="phClr"/>
-        </a:solidFill>
-        <a:gradFill rotWithShape="1">
-          <a:gsLst>
-            <a:gs pos="0">
-              <a:schemeClr val="phClr">
-                <a:tint val="40000"/>
-                <a:satMod val="350000"/>
-              </a:schemeClr>
-            </a:gs>
-            <a:gs pos="40000">
-              <a:schemeClr val="phClr">
-                <a:tint val="45000"/>
-                <a:shade val="99000"/>
-                <a:satMod val="350000"/>
-              </a:schemeClr>
-            </a:gs>
-            <a:gs pos="100000">
-              <a:schemeClr val="phClr">
-                <a:shade val="20000"/>
-                <a:satMod val="255000"/>
-              </a:schemeClr>
-            </a:gs>
-          </a:gsLst>
-          <a:path path="circle">
-            <a:fillToRect l="50000" t="-80000" r="50000" b="180000"/>
-          </a:path>
-        </a:gradFill>
-        <a:gradFill rotWithShape="1">
-          <a:gsLst>
-            <a:gs pos="0">
-              <a:schemeClr val="phClr">
-                <a:tint val="80000"/>
-                <a:satMod val="300000"/>
-              </a:schemeClr>
-            </a:gs>
-            <a:gs pos="100000">
-              <a:schemeClr val="phClr">
-                <a:shade val="30000"/>
-                <a:satMod val="200000"/>
-              </a:schemeClr>
-            </a:gs>
-          </a:gsLst>
-          <a:path path="circle">
-            <a:fillToRect l="50000" t="50000" r="50000" b="50000"/>
-          </a:path>
-        </a:gradFill>
-      </a:bgFillStyleLst>
-    </a:fmtScheme>
-  </a:themeElements>
-</a:theme>
 </file>
--- a/Documents/CSCI 4805 Project Requirements.pptx
+++ b/Documents/CSCI 4805 Project Requirements.pptx
@@ -22,23 +22,24 @@
     <p:sldId id="267" r:id="rId17"/>
     <p:sldId id="268" r:id="rId18"/>
     <p:sldId id="269" r:id="rId19"/>
+    <p:sldId id="270" r:id="rId20"/>
   </p:sldIdLst>
   <p:sldSz cy="5143500" cx="9144000"/>
   <p:notesSz cx="6858000" cy="9144000"/>
   <p:embeddedFontLst>
     <p:embeddedFont>
       <p:font typeface="Montserrat"/>
-      <p:regular r:id="rId20"/>
-      <p:bold r:id="rId21"/>
-      <p:italic r:id="rId22"/>
-      <p:boldItalic r:id="rId23"/>
+      <p:regular r:id="rId21"/>
+      <p:bold r:id="rId22"/>
+      <p:italic r:id="rId23"/>
+      <p:boldItalic r:id="rId24"/>
     </p:embeddedFont>
     <p:embeddedFont>
       <p:font typeface="Lato"/>
-      <p:regular r:id="rId24"/>
-      <p:bold r:id="rId25"/>
-      <p:italic r:id="rId26"/>
-      <p:boldItalic r:id="rId27"/>
+      <p:regular r:id="rId25"/>
+      <p:bold r:id="rId26"/>
+      <p:italic r:id="rId27"/>
+      <p:boldItalic r:id="rId28"/>
     </p:embeddedFont>
   </p:embeddedFontLst>
   <p:defaultTextStyle>
@@ -819,7 +820,7 @@
   <p:cSld>
     <p:spTree>
       <p:nvGrpSpPr>
-        <p:cNvPr id="181" name="Shape 181"/>
+        <p:cNvPr id="180" name="Shape 180"/>
         <p:cNvGrpSpPr/>
         <p:nvPr/>
       </p:nvGrpSpPr>
@@ -833,7 +834,7 @@
       </p:grpSpPr>
       <p:sp>
         <p:nvSpPr>
-          <p:cNvPr id="182" name="Google Shape;182;g37ffb4d1a44_1_25:notes"/>
+          <p:cNvPr id="181" name="Google Shape;181;g37ffb4d1a44_1_15:notes"/>
           <p:cNvSpPr/>
           <p:nvPr>
             <p:ph idx="2" type="sldImg"/>
@@ -868,7 +869,7 @@
       </p:sp>
       <p:sp>
         <p:nvSpPr>
-          <p:cNvPr id="183" name="Google Shape;183;g37ffb4d1a44_1_25:notes"/>
+          <p:cNvPr id="182" name="Google Shape;182;g37ffb4d1a44_1_15:notes"/>
           <p:cNvSpPr txBox="1"/>
           <p:nvPr>
             <p:ph idx="1" type="body"/>
@@ -918,7 +919,7 @@
   <p:cSld>
     <p:spTree>
       <p:nvGrpSpPr>
-        <p:cNvPr id="187" name="Shape 187"/>
+        <p:cNvPr id="186" name="Shape 186"/>
         <p:cNvGrpSpPr/>
         <p:nvPr/>
       </p:nvGrpSpPr>
@@ -932,7 +933,7 @@
       </p:grpSpPr>
       <p:sp>
         <p:nvSpPr>
-          <p:cNvPr id="188" name="Google Shape;188;g37ffb4d1a44_1_30:notes"/>
+          <p:cNvPr id="187" name="Google Shape;187;g37ffb4d1a44_1_25:notes"/>
           <p:cNvSpPr/>
           <p:nvPr>
             <p:ph idx="2" type="sldImg"/>
@@ -967,7 +968,7 @@
       </p:sp>
       <p:sp>
         <p:nvSpPr>
-          <p:cNvPr id="189" name="Google Shape;189;g37ffb4d1a44_1_30:notes"/>
+          <p:cNvPr id="188" name="Google Shape;188;g37ffb4d1a44_1_25:notes"/>
           <p:cNvSpPr txBox="1"/>
           <p:nvPr>
             <p:ph idx="1" type="body"/>
@@ -1017,7 +1018,7 @@
   <p:cSld>
     <p:spTree>
       <p:nvGrpSpPr>
-        <p:cNvPr id="193" name="Shape 193"/>
+        <p:cNvPr id="192" name="Shape 192"/>
         <p:cNvGrpSpPr/>
         <p:nvPr/>
       </p:nvGrpSpPr>
@@ -1031,7 +1032,7 @@
       </p:grpSpPr>
       <p:sp>
         <p:nvSpPr>
-          <p:cNvPr id="194" name="Google Shape;194;g37ff56b6cd9_0_0:notes"/>
+          <p:cNvPr id="193" name="Google Shape;193;g37ffb4d1a44_1_30:notes"/>
           <p:cNvSpPr/>
           <p:nvPr>
             <p:ph idx="2" type="sldImg"/>
@@ -1066,7 +1067,7 @@
       </p:sp>
       <p:sp>
         <p:nvSpPr>
-          <p:cNvPr id="195" name="Google Shape;195;g37ff56b6cd9_0_0:notes"/>
+          <p:cNvPr id="194" name="Google Shape;194;g37ffb4d1a44_1_30:notes"/>
           <p:cNvSpPr txBox="1"/>
           <p:nvPr>
             <p:ph idx="1" type="body"/>
@@ -1130,7 +1131,7 @@
       </p:grpSpPr>
       <p:sp>
         <p:nvSpPr>
-          <p:cNvPr id="199" name="Google Shape;199;g37ffb4d1a44_1_35:notes"/>
+          <p:cNvPr id="199" name="Google Shape;199;g37ff56b6cd9_0_0:notes"/>
           <p:cNvSpPr/>
           <p:nvPr>
             <p:ph idx="2" type="sldImg"/>
@@ -1165,7 +1166,7 @@
       </p:sp>
       <p:sp>
         <p:nvSpPr>
-          <p:cNvPr id="200" name="Google Shape;200;g37ffb4d1a44_1_35:notes"/>
+          <p:cNvPr id="200" name="Google Shape;200;g37ff56b6cd9_0_0:notes"/>
           <p:cNvSpPr txBox="1"/>
           <p:nvPr>
             <p:ph idx="1" type="body"/>
@@ -1215,7 +1216,7 @@
   <p:cSld>
     <p:spTree>
       <p:nvGrpSpPr>
-        <p:cNvPr id="204" name="Shape 204"/>
+        <p:cNvPr id="203" name="Shape 203"/>
         <p:cNvGrpSpPr/>
         <p:nvPr/>
       </p:nvGrpSpPr>
@@ -1229,7 +1230,7 @@
       </p:grpSpPr>
       <p:sp>
         <p:nvSpPr>
-          <p:cNvPr id="205" name="Google Shape;205;g37ffb4d1a44_1_40:notes"/>
+          <p:cNvPr id="204" name="Google Shape;204;g37ffb4d1a44_1_35:notes"/>
           <p:cNvSpPr/>
           <p:nvPr>
             <p:ph idx="2" type="sldImg"/>
@@ -1264,7 +1265,106 @@
       </p:sp>
       <p:sp>
         <p:nvSpPr>
-          <p:cNvPr id="206" name="Google Shape;206;g37ffb4d1a44_1_40:notes"/>
+          <p:cNvPr id="205" name="Google Shape;205;g37ffb4d1a44_1_35:notes"/>
+          <p:cNvSpPr txBox="1"/>
+          <p:nvPr>
+            <p:ph idx="1" type="body"/>
+          </p:nvPr>
+        </p:nvSpPr>
+        <p:spPr>
+          <a:xfrm>
+            <a:off x="685800" y="4343400"/>
+            <a:ext cx="5486400" cy="4114800"/>
+          </a:xfrm>
+          <a:prstGeom prst="rect">
+            <a:avLst/>
+          </a:prstGeom>
+        </p:spPr>
+        <p:txBody>
+          <a:bodyPr anchorCtr="0" anchor="t" bIns="91425" lIns="91425" spcFirstLastPara="1" rIns="91425" wrap="square" tIns="91425">
+            <a:noAutofit/>
+          </a:bodyPr>
+          <a:lstStyle/>
+          <a:p>
+            <a:pPr indent="0" lvl="0" marL="0" rtl="0" algn="l">
+              <a:spcBef>
+                <a:spcPts val="0"/>
+              </a:spcBef>
+              <a:spcAft>
+                <a:spcPts val="0"/>
+              </a:spcAft>
+              <a:buNone/>
+            </a:pPr>
+            <a:r>
+              <a:t/>
+            </a:r>
+            <a:endParaRPr/>
+          </a:p>
+        </p:txBody>
+      </p:sp>
+    </p:spTree>
+  </p:cSld>
+  <p:clrMapOvr>
+    <a:masterClrMapping/>
+  </p:clrMapOvr>
+</p:notes>
+</file>
+
+<file path=ppt/notesSlides/notesSlide15.xml><?xml version="1.0" encoding="utf-8"?>
+<p:notes xmlns:a="http://schemas.openxmlformats.org/drawingml/2006/main" xmlns:r="http://schemas.openxmlformats.org/officeDocument/2006/relationships" xmlns:mc="http://schemas.openxmlformats.org/markup-compatibility/2006" xmlns:mv="urn:schemas-microsoft-com:mac:vml" xmlns:p="http://schemas.openxmlformats.org/presentationml/2006/main" xmlns:c="http://schemas.openxmlformats.org/drawingml/2006/chart" xmlns:dgm="http://schemas.openxmlformats.org/drawingml/2006/diagram" xmlns:o="urn:schemas-microsoft-com:office:office" xmlns:v="urn:schemas-microsoft-com:vml" xmlns:pvml="urn:schemas-microsoft-com:office:powerpoint" xmlns:com="http://schemas.openxmlformats.org/drawingml/2006/compatibility" xmlns:p14="http://schemas.microsoft.com/office/powerpoint/2010/main" xmlns:p15="http://schemas.microsoft.com/office/powerpoint/2012/main" xmlns:ahyp="http://schemas.microsoft.com/office/drawing/2018/hyperlinkcolor" showMasterPhAnim="0" showMasterSp="0">
+  <p:cSld>
+    <p:spTree>
+      <p:nvGrpSpPr>
+        <p:cNvPr id="209" name="Shape 209"/>
+        <p:cNvGrpSpPr/>
+        <p:nvPr/>
+      </p:nvGrpSpPr>
+      <p:grpSpPr>
+        <a:xfrm>
+          <a:off x="0" y="0"/>
+          <a:ext cx="0" cy="0"/>
+          <a:chOff x="0" y="0"/>
+          <a:chExt cx="0" cy="0"/>
+        </a:xfrm>
+      </p:grpSpPr>
+      <p:sp>
+        <p:nvSpPr>
+          <p:cNvPr id="210" name="Google Shape;210;g37ffb4d1a44_1_40:notes"/>
+          <p:cNvSpPr/>
+          <p:nvPr>
+            <p:ph idx="2" type="sldImg"/>
+          </p:nvPr>
+        </p:nvSpPr>
+        <p:spPr>
+          <a:xfrm>
+            <a:off x="381300" y="685800"/>
+            <a:ext cx="6096000" cy="3429000"/>
+          </a:xfrm>
+          <a:custGeom>
+            <a:rect b="b" l="l" r="r" t="t"/>
+            <a:pathLst>
+              <a:path extrusionOk="0" h="120000" w="120000">
+                <a:moveTo>
+                  <a:pt x="0" y="0"/>
+                </a:moveTo>
+                <a:lnTo>
+                  <a:pt x="120000" y="0"/>
+                </a:lnTo>
+                <a:lnTo>
+                  <a:pt x="120000" y="120000"/>
+                </a:lnTo>
+                <a:lnTo>
+                  <a:pt x="0" y="120000"/>
+                </a:lnTo>
+                <a:close/>
+              </a:path>
+            </a:pathLst>
+          </a:custGeom>
+        </p:spPr>
+      </p:sp>
+      <p:sp>
+        <p:nvSpPr>
+          <p:cNvPr id="211" name="Google Shape;211;g37ffb4d1a44_1_40:notes"/>
           <p:cNvSpPr txBox="1"/>
           <p:nvPr>
             <p:ph idx="1" type="body"/>
@@ -1823,7 +1923,7 @@
       </p:grpSpPr>
       <p:sp>
         <p:nvSpPr>
-          <p:cNvPr id="165" name="Google Shape;165;g37ffb4d1a44_2_2:notes"/>
+          <p:cNvPr id="165" name="Google Shape;165;g38024e96cf7_0_7:notes"/>
           <p:cNvSpPr/>
           <p:nvPr>
             <p:ph idx="2" type="sldImg"/>
@@ -1858,7 +1958,7 @@
       </p:sp>
       <p:sp>
         <p:nvSpPr>
-          <p:cNvPr id="166" name="Google Shape;166;g37ffb4d1a44_2_2:notes"/>
+          <p:cNvPr id="166" name="Google Shape;166;g38024e96cf7_0_7:notes"/>
           <p:cNvSpPr txBox="1"/>
           <p:nvPr>
             <p:ph idx="1" type="body"/>
@@ -1922,7 +2022,7 @@
       </p:grpSpPr>
       <p:sp>
         <p:nvSpPr>
-          <p:cNvPr id="170" name="Google Shape;170;g37c18867a41_0_25:notes"/>
+          <p:cNvPr id="170" name="Google Shape;170;g37ffb4d1a44_2_2:notes"/>
           <p:cNvSpPr/>
           <p:nvPr>
             <p:ph idx="2" type="sldImg"/>
@@ -1957,7 +2057,7 @@
       </p:sp>
       <p:sp>
         <p:nvSpPr>
-          <p:cNvPr id="171" name="Google Shape;171;g37c18867a41_0_25:notes"/>
+          <p:cNvPr id="171" name="Google Shape;171;g37ffb4d1a44_2_2:notes"/>
           <p:cNvSpPr txBox="1"/>
           <p:nvPr>
             <p:ph idx="1" type="body"/>
@@ -2007,7 +2107,7 @@
   <p:cSld>
     <p:spTree>
       <p:nvGrpSpPr>
-        <p:cNvPr id="175" name="Shape 175"/>
+        <p:cNvPr id="174" name="Shape 174"/>
         <p:cNvGrpSpPr/>
         <p:nvPr/>
       </p:nvGrpSpPr>
@@ -2021,7 +2121,7 @@
       </p:grpSpPr>
       <p:sp>
         <p:nvSpPr>
-          <p:cNvPr id="176" name="Google Shape;176;g37ffb4d1a44_1_15:notes"/>
+          <p:cNvPr id="175" name="Google Shape;175;g37c18867a41_0_25:notes"/>
           <p:cNvSpPr/>
           <p:nvPr>
             <p:ph idx="2" type="sldImg"/>
@@ -2056,7 +2156,7 @@
       </p:sp>
       <p:sp>
         <p:nvSpPr>
-          <p:cNvPr id="177" name="Google Shape;177;g37ffb4d1a44_1_15:notes"/>
+          <p:cNvPr id="176" name="Google Shape;176;g37c18867a41_0_25:notes"/>
           <p:cNvSpPr txBox="1"/>
           <p:nvPr>
             <p:ph idx="1" type="body"/>
@@ -10457,7 +10557,7 @@
   <p:cSld>
     <p:spTree>
       <p:nvGrpSpPr>
-        <p:cNvPr id="184" name="Shape 184"/>
+        <p:cNvPr id="183" name="Shape 183"/>
         <p:cNvGrpSpPr/>
         <p:nvPr/>
       </p:nvGrpSpPr>
@@ -10471,7 +10571,7 @@
       </p:grpSpPr>
       <p:sp>
         <p:nvSpPr>
-          <p:cNvPr id="185" name="Google Shape;185;p22"/>
+          <p:cNvPr id="184" name="Google Shape;184;p22"/>
           <p:cNvSpPr txBox="1"/>
           <p:nvPr>
             <p:ph type="title"/>
@@ -10511,7 +10611,236 @@
       </p:sp>
       <p:sp>
         <p:nvSpPr>
-          <p:cNvPr id="186" name="Google Shape;186;p22"/>
+          <p:cNvPr id="185" name="Google Shape;185;p22"/>
+          <p:cNvSpPr txBox="1"/>
+          <p:nvPr>
+            <p:ph idx="1" type="body"/>
+          </p:nvPr>
+        </p:nvSpPr>
+        <p:spPr>
+          <a:xfrm>
+            <a:off x="1297500" y="1567550"/>
+            <a:ext cx="7038900" cy="2911200"/>
+          </a:xfrm>
+          <a:prstGeom prst="rect">
+            <a:avLst/>
+          </a:prstGeom>
+        </p:spPr>
+        <p:txBody>
+          <a:bodyPr anchorCtr="0" anchor="t" bIns="91425" lIns="91425" spcFirstLastPara="1" rIns="91425" wrap="square" tIns="91425">
+            <a:noAutofit/>
+          </a:bodyPr>
+          <a:lstStyle/>
+          <a:p>
+            <a:pPr indent="-349250" lvl="0" marL="457200" rtl="0" algn="l">
+              <a:spcBef>
+                <a:spcPts val="0"/>
+              </a:spcBef>
+              <a:spcAft>
+                <a:spcPts val="0"/>
+              </a:spcAft>
+              <a:buSzPts val="1900"/>
+              <a:buFont typeface="Times New Roman"/>
+              <a:buChar char="●"/>
+            </a:pPr>
+            <a:r>
+              <a:rPr lang="en" sz="1900">
+                <a:latin typeface="Times New Roman"/>
+                <a:ea typeface="Times New Roman"/>
+                <a:cs typeface="Times New Roman"/>
+                <a:sym typeface="Times New Roman"/>
+              </a:rPr>
+              <a:t>Using the Travel Destination acquired from the user, there will be three categories of locations users will be presented.</a:t>
+            </a:r>
+            <a:endParaRPr sz="1900">
+              <a:latin typeface="Times New Roman"/>
+              <a:ea typeface="Times New Roman"/>
+              <a:cs typeface="Times New Roman"/>
+              <a:sym typeface="Times New Roman"/>
+            </a:endParaRPr>
+          </a:p>
+          <a:p>
+            <a:pPr indent="-349250" lvl="1" marL="914400" rtl="0" algn="l">
+              <a:spcBef>
+                <a:spcPts val="0"/>
+              </a:spcBef>
+              <a:spcAft>
+                <a:spcPts val="0"/>
+              </a:spcAft>
+              <a:buSzPts val="1900"/>
+              <a:buFont typeface="Times New Roman"/>
+              <a:buChar char="○"/>
+            </a:pPr>
+            <a:r>
+              <a:rPr lang="en" sz="1900">
+                <a:latin typeface="Times New Roman"/>
+                <a:ea typeface="Times New Roman"/>
+                <a:cs typeface="Times New Roman"/>
+                <a:sym typeface="Times New Roman"/>
+              </a:rPr>
+              <a:t>Lodging</a:t>
+            </a:r>
+            <a:endParaRPr sz="1900">
+              <a:latin typeface="Times New Roman"/>
+              <a:ea typeface="Times New Roman"/>
+              <a:cs typeface="Times New Roman"/>
+              <a:sym typeface="Times New Roman"/>
+            </a:endParaRPr>
+          </a:p>
+          <a:p>
+            <a:pPr indent="-349250" lvl="1" marL="914400" rtl="0" algn="l">
+              <a:spcBef>
+                <a:spcPts val="0"/>
+              </a:spcBef>
+              <a:spcAft>
+                <a:spcPts val="0"/>
+              </a:spcAft>
+              <a:buSzPts val="1900"/>
+              <a:buFont typeface="Times New Roman"/>
+              <a:buChar char="○"/>
+            </a:pPr>
+            <a:r>
+              <a:rPr lang="en" sz="1900">
+                <a:latin typeface="Times New Roman"/>
+                <a:ea typeface="Times New Roman"/>
+                <a:cs typeface="Times New Roman"/>
+                <a:sym typeface="Times New Roman"/>
+              </a:rPr>
+              <a:t>Dining</a:t>
+            </a:r>
+            <a:endParaRPr sz="1900">
+              <a:latin typeface="Times New Roman"/>
+              <a:ea typeface="Times New Roman"/>
+              <a:cs typeface="Times New Roman"/>
+              <a:sym typeface="Times New Roman"/>
+            </a:endParaRPr>
+          </a:p>
+          <a:p>
+            <a:pPr indent="-349250" lvl="1" marL="914400" rtl="0" algn="l">
+              <a:spcBef>
+                <a:spcPts val="0"/>
+              </a:spcBef>
+              <a:spcAft>
+                <a:spcPts val="0"/>
+              </a:spcAft>
+              <a:buSzPts val="1900"/>
+              <a:buFont typeface="Times New Roman"/>
+              <a:buChar char="○"/>
+            </a:pPr>
+            <a:r>
+              <a:rPr lang="en" sz="1900">
+                <a:latin typeface="Times New Roman"/>
+                <a:ea typeface="Times New Roman"/>
+                <a:cs typeface="Times New Roman"/>
+                <a:sym typeface="Times New Roman"/>
+              </a:rPr>
+              <a:t>Attractions</a:t>
+            </a:r>
+            <a:endParaRPr sz="1900">
+              <a:latin typeface="Times New Roman"/>
+              <a:ea typeface="Times New Roman"/>
+              <a:cs typeface="Times New Roman"/>
+              <a:sym typeface="Times New Roman"/>
+            </a:endParaRPr>
+          </a:p>
+          <a:p>
+            <a:pPr indent="-349250" lvl="0" marL="457200" rtl="0" algn="l">
+              <a:spcBef>
+                <a:spcPts val="0"/>
+              </a:spcBef>
+              <a:spcAft>
+                <a:spcPts val="0"/>
+              </a:spcAft>
+              <a:buSzPts val="1900"/>
+              <a:buFont typeface="Times New Roman"/>
+              <a:buChar char="●"/>
+            </a:pPr>
+            <a:r>
+              <a:rPr lang="en" sz="1900">
+                <a:latin typeface="Times New Roman"/>
+                <a:ea typeface="Times New Roman"/>
+                <a:cs typeface="Times New Roman"/>
+                <a:sym typeface="Times New Roman"/>
+              </a:rPr>
+              <a:t>Locations will displayed as cards sorted in descending order by ratings.</a:t>
+            </a:r>
+            <a:endParaRPr sz="1900">
+              <a:latin typeface="Times New Roman"/>
+              <a:ea typeface="Times New Roman"/>
+              <a:cs typeface="Times New Roman"/>
+              <a:sym typeface="Times New Roman"/>
+            </a:endParaRPr>
+          </a:p>
+        </p:txBody>
+      </p:sp>
+    </p:spTree>
+  </p:cSld>
+  <p:clrMapOvr>
+    <a:masterClrMapping/>
+  </p:clrMapOvr>
+</p:sld>
+</file>
+
+<file path=ppt/slides/slide11.xml><?xml version="1.0" encoding="utf-8"?>
+<p:sld xmlns:a="http://schemas.openxmlformats.org/drawingml/2006/main" xmlns:r="http://schemas.openxmlformats.org/officeDocument/2006/relationships" xmlns:mc="http://schemas.openxmlformats.org/markup-compatibility/2006" xmlns:mv="urn:schemas-microsoft-com:mac:vml" xmlns:p="http://schemas.openxmlformats.org/presentationml/2006/main" xmlns:c="http://schemas.openxmlformats.org/drawingml/2006/chart" xmlns:dgm="http://schemas.openxmlformats.org/drawingml/2006/diagram" xmlns:o="urn:schemas-microsoft-com:office:office" xmlns:v="urn:schemas-microsoft-com:vml" xmlns:pvml="urn:schemas-microsoft-com:office:powerpoint" xmlns:com="http://schemas.openxmlformats.org/drawingml/2006/compatibility" xmlns:p14="http://schemas.microsoft.com/office/powerpoint/2010/main" xmlns:p15="http://schemas.microsoft.com/office/powerpoint/2012/main" xmlns:ahyp="http://schemas.microsoft.com/office/drawing/2018/hyperlinkcolor">
+  <p:cSld>
+    <p:spTree>
+      <p:nvGrpSpPr>
+        <p:cNvPr id="189" name="Shape 189"/>
+        <p:cNvGrpSpPr/>
+        <p:nvPr/>
+      </p:nvGrpSpPr>
+      <p:grpSpPr>
+        <a:xfrm>
+          <a:off x="0" y="0"/>
+          <a:ext cx="0" cy="0"/>
+          <a:chOff x="0" y="0"/>
+          <a:chExt cx="0" cy="0"/>
+        </a:xfrm>
+      </p:grpSpPr>
+      <p:sp>
+        <p:nvSpPr>
+          <p:cNvPr id="190" name="Google Shape;190;p23"/>
+          <p:cNvSpPr txBox="1"/>
+          <p:nvPr>
+            <p:ph type="title"/>
+          </p:nvPr>
+        </p:nvSpPr>
+        <p:spPr>
+          <a:xfrm>
+            <a:off x="1297500" y="393750"/>
+            <a:ext cx="7038900" cy="914100"/>
+          </a:xfrm>
+          <a:prstGeom prst="rect">
+            <a:avLst/>
+          </a:prstGeom>
+        </p:spPr>
+        <p:txBody>
+          <a:bodyPr anchorCtr="0" anchor="t" bIns="91425" lIns="91425" spcFirstLastPara="1" rIns="91425" wrap="square" tIns="91425">
+            <a:normAutofit/>
+          </a:bodyPr>
+          <a:lstStyle/>
+          <a:p>
+            <a:pPr indent="0" lvl="0" marL="0" rtl="0" algn="l">
+              <a:spcBef>
+                <a:spcPts val="0"/>
+              </a:spcBef>
+              <a:spcAft>
+                <a:spcPts val="0"/>
+              </a:spcAft>
+              <a:buNone/>
+            </a:pPr>
+            <a:r>
+              <a:rPr lang="en"/>
+              <a:t>Create Itineraries</a:t>
+            </a:r>
+            <a:endParaRPr/>
+          </a:p>
+        </p:txBody>
+      </p:sp>
+      <p:sp>
+        <p:nvSpPr>
+          <p:cNvPr id="191" name="Google Shape;191;p23"/>
           <p:cNvSpPr txBox="1"/>
           <p:nvPr>
             <p:ph idx="1" type="body"/>
@@ -10737,12 +11066,12 @@
 </p:sld>
 </file>
 
-<file path=ppt/slides/slide11.xml><?xml version="1.0" encoding="utf-8"?>
+<file path=ppt/slides/slide12.xml><?xml version="1.0" encoding="utf-8"?>
 <p:sld xmlns:a="http://schemas.openxmlformats.org/drawingml/2006/main" xmlns:r="http://schemas.openxmlformats.org/officeDocument/2006/relationships" xmlns:mc="http://schemas.openxmlformats.org/markup-compatibility/2006" xmlns:mv="urn:schemas-microsoft-com:mac:vml" xmlns:p="http://schemas.openxmlformats.org/presentationml/2006/main" xmlns:c="http://schemas.openxmlformats.org/drawingml/2006/chart" xmlns:dgm="http://schemas.openxmlformats.org/drawingml/2006/diagram" xmlns:o="urn:schemas-microsoft-com:office:office" xmlns:v="urn:schemas-microsoft-com:vml" xmlns:pvml="urn:schemas-microsoft-com:office:powerpoint" xmlns:com="http://schemas.openxmlformats.org/drawingml/2006/compatibility" xmlns:p14="http://schemas.microsoft.com/office/powerpoint/2010/main" xmlns:p15="http://schemas.microsoft.com/office/powerpoint/2012/main" xmlns:ahyp="http://schemas.microsoft.com/office/drawing/2018/hyperlinkcolor">
   <p:cSld>
     <p:spTree>
       <p:nvGrpSpPr>
-        <p:cNvPr id="190" name="Shape 190"/>
+        <p:cNvPr id="195" name="Shape 195"/>
         <p:cNvGrpSpPr/>
         <p:nvPr/>
       </p:nvGrpSpPr>
@@ -10756,7 +11085,7 @@
       </p:grpSpPr>
       <p:sp>
         <p:nvSpPr>
-          <p:cNvPr id="191" name="Google Shape;191;p23"/>
+          <p:cNvPr id="196" name="Google Shape;196;p24"/>
           <p:cNvSpPr txBox="1"/>
           <p:nvPr>
             <p:ph type="title"/>
@@ -10796,7 +11125,7 @@
       </p:sp>
       <p:sp>
         <p:nvSpPr>
-          <p:cNvPr id="192" name="Google Shape;192;p23"/>
+          <p:cNvPr id="197" name="Google Shape;197;p24"/>
           <p:cNvSpPr txBox="1"/>
           <p:nvPr>
             <p:ph idx="1" type="body"/>
@@ -10956,71 +11285,6 @@
 </p:sld>
 </file>
 
-<file path=ppt/slides/slide12.xml><?xml version="1.0" encoding="utf-8"?>
-<p:sld xmlns:a="http://schemas.openxmlformats.org/drawingml/2006/main" xmlns:r="http://schemas.openxmlformats.org/officeDocument/2006/relationships" xmlns:mc="http://schemas.openxmlformats.org/markup-compatibility/2006" xmlns:mv="urn:schemas-microsoft-com:mac:vml" xmlns:p="http://schemas.openxmlformats.org/presentationml/2006/main" xmlns:c="http://schemas.openxmlformats.org/drawingml/2006/chart" xmlns:dgm="http://schemas.openxmlformats.org/drawingml/2006/diagram" xmlns:o="urn:schemas-microsoft-com:office:office" xmlns:v="urn:schemas-microsoft-com:vml" xmlns:pvml="urn:schemas-microsoft-com:office:powerpoint" xmlns:com="http://schemas.openxmlformats.org/drawingml/2006/compatibility" xmlns:p14="http://schemas.microsoft.com/office/powerpoint/2010/main" xmlns:p15="http://schemas.microsoft.com/office/powerpoint/2012/main" xmlns:ahyp="http://schemas.microsoft.com/office/drawing/2018/hyperlinkcolor">
-  <p:cSld>
-    <p:spTree>
-      <p:nvGrpSpPr>
-        <p:cNvPr id="196" name="Shape 196"/>
-        <p:cNvGrpSpPr/>
-        <p:nvPr/>
-      </p:nvGrpSpPr>
-      <p:grpSpPr>
-        <a:xfrm>
-          <a:off x="0" y="0"/>
-          <a:ext cx="0" cy="0"/>
-          <a:chOff x="0" y="0"/>
-          <a:chExt cx="0" cy="0"/>
-        </a:xfrm>
-      </p:grpSpPr>
-      <p:sp>
-        <p:nvSpPr>
-          <p:cNvPr id="197" name="Google Shape;197;p24"/>
-          <p:cNvSpPr txBox="1"/>
-          <p:nvPr>
-            <p:ph type="title"/>
-          </p:nvPr>
-        </p:nvSpPr>
-        <p:spPr>
-          <a:xfrm>
-            <a:off x="2051825" y="1997400"/>
-            <a:ext cx="4587000" cy="1148700"/>
-          </a:xfrm>
-          <a:prstGeom prst="rect">
-            <a:avLst/>
-          </a:prstGeom>
-        </p:spPr>
-        <p:txBody>
-          <a:bodyPr anchorCtr="0" anchor="ctr" bIns="91425" lIns="91425" spcFirstLastPara="1" rIns="91425" wrap="square" tIns="91425">
-            <a:normAutofit/>
-          </a:bodyPr>
-          <a:lstStyle/>
-          <a:p>
-            <a:pPr indent="0" lvl="0" marL="0" rtl="0" algn="ctr">
-              <a:spcBef>
-                <a:spcPts val="0"/>
-              </a:spcBef>
-              <a:spcAft>
-                <a:spcPts val="0"/>
-              </a:spcAft>
-              <a:buNone/>
-            </a:pPr>
-            <a:r>
-              <a:rPr lang="en"/>
-              <a:t>View Itineraries</a:t>
-            </a:r>
-            <a:endParaRPr/>
-          </a:p>
-        </p:txBody>
-      </p:sp>
-    </p:spTree>
-  </p:cSld>
-  <p:clrMapOvr>
-    <a:masterClrMapping/>
-  </p:clrMapOvr>
-</p:sld>
-</file>
-
 <file path=ppt/slides/slide13.xml><?xml version="1.0" encoding="utf-8"?>
 <p:sld xmlns:a="http://schemas.openxmlformats.org/drawingml/2006/main" xmlns:r="http://schemas.openxmlformats.org/officeDocument/2006/relationships" xmlns:mc="http://schemas.openxmlformats.org/markup-compatibility/2006" xmlns:mv="urn:schemas-microsoft-com:mac:vml" xmlns:p="http://schemas.openxmlformats.org/presentationml/2006/main" xmlns:c="http://schemas.openxmlformats.org/drawingml/2006/chart" xmlns:dgm="http://schemas.openxmlformats.org/drawingml/2006/diagram" xmlns:o="urn:schemas-microsoft-com:office:office" xmlns:v="urn:schemas-microsoft-com:vml" xmlns:pvml="urn:schemas-microsoft-com:office:powerpoint" xmlns:com="http://schemas.openxmlformats.org/drawingml/2006/compatibility" xmlns:p14="http://schemas.microsoft.com/office/powerpoint/2010/main" xmlns:p15="http://schemas.microsoft.com/office/powerpoint/2012/main" xmlns:ahyp="http://schemas.microsoft.com/office/drawing/2018/hyperlinkcolor">
   <p:cSld>
@@ -11048,6 +11312,71 @@
         </p:nvSpPr>
         <p:spPr>
           <a:xfrm>
+            <a:off x="2051825" y="1997400"/>
+            <a:ext cx="4587000" cy="1148700"/>
+          </a:xfrm>
+          <a:prstGeom prst="rect">
+            <a:avLst/>
+          </a:prstGeom>
+        </p:spPr>
+        <p:txBody>
+          <a:bodyPr anchorCtr="0" anchor="ctr" bIns="91425" lIns="91425" spcFirstLastPara="1" rIns="91425" wrap="square" tIns="91425">
+            <a:normAutofit/>
+          </a:bodyPr>
+          <a:lstStyle/>
+          <a:p>
+            <a:pPr indent="0" lvl="0" marL="0" rtl="0" algn="ctr">
+              <a:spcBef>
+                <a:spcPts val="0"/>
+              </a:spcBef>
+              <a:spcAft>
+                <a:spcPts val="0"/>
+              </a:spcAft>
+              <a:buNone/>
+            </a:pPr>
+            <a:r>
+              <a:rPr lang="en"/>
+              <a:t>View Itineraries</a:t>
+            </a:r>
+            <a:endParaRPr/>
+          </a:p>
+        </p:txBody>
+      </p:sp>
+    </p:spTree>
+  </p:cSld>
+  <p:clrMapOvr>
+    <a:masterClrMapping/>
+  </p:clrMapOvr>
+</p:sld>
+</file>
+
+<file path=ppt/slides/slide14.xml><?xml version="1.0" encoding="utf-8"?>
+<p:sld xmlns:a="http://schemas.openxmlformats.org/drawingml/2006/main" xmlns:r="http://schemas.openxmlformats.org/officeDocument/2006/relationships" xmlns:mc="http://schemas.openxmlformats.org/markup-compatibility/2006" xmlns:mv="urn:schemas-microsoft-com:mac:vml" xmlns:p="http://schemas.openxmlformats.org/presentationml/2006/main" xmlns:c="http://schemas.openxmlformats.org/drawingml/2006/chart" xmlns:dgm="http://schemas.openxmlformats.org/drawingml/2006/diagram" xmlns:o="urn:schemas-microsoft-com:office:office" xmlns:v="urn:schemas-microsoft-com:vml" xmlns:pvml="urn:schemas-microsoft-com:office:powerpoint" xmlns:com="http://schemas.openxmlformats.org/drawingml/2006/compatibility" xmlns:p14="http://schemas.microsoft.com/office/powerpoint/2010/main" xmlns:p15="http://schemas.microsoft.com/office/powerpoint/2012/main" xmlns:ahyp="http://schemas.microsoft.com/office/drawing/2018/hyperlinkcolor">
+  <p:cSld>
+    <p:spTree>
+      <p:nvGrpSpPr>
+        <p:cNvPr id="206" name="Shape 206"/>
+        <p:cNvGrpSpPr/>
+        <p:nvPr/>
+      </p:nvGrpSpPr>
+      <p:grpSpPr>
+        <a:xfrm>
+          <a:off x="0" y="0"/>
+          <a:ext cx="0" cy="0"/>
+          <a:chOff x="0" y="0"/>
+          <a:chExt cx="0" cy="0"/>
+        </a:xfrm>
+      </p:grpSpPr>
+      <p:sp>
+        <p:nvSpPr>
+          <p:cNvPr id="207" name="Google Shape;207;p26"/>
+          <p:cNvSpPr txBox="1"/>
+          <p:nvPr>
+            <p:ph type="title"/>
+          </p:nvPr>
+        </p:nvSpPr>
+        <p:spPr>
+          <a:xfrm>
             <a:off x="1297500" y="393750"/>
             <a:ext cx="7038900" cy="914100"/>
           </a:xfrm>
@@ -11080,7 +11409,7 @@
       </p:sp>
       <p:sp>
         <p:nvSpPr>
-          <p:cNvPr id="203" name="Google Shape;203;p25"/>
+          <p:cNvPr id="208" name="Google Shape;208;p26"/>
           <p:cNvSpPr txBox="1"/>
           <p:nvPr>
             <p:ph idx="1" type="body"/>
@@ -11166,12 +11495,12 @@
 </p:sld>
 </file>
 
-<file path=ppt/slides/slide14.xml><?xml version="1.0" encoding="utf-8"?>
+<file path=ppt/slides/slide15.xml><?xml version="1.0" encoding="utf-8"?>
 <p:sld xmlns:a="http://schemas.openxmlformats.org/drawingml/2006/main" xmlns:r="http://schemas.openxmlformats.org/officeDocument/2006/relationships" xmlns:mc="http://schemas.openxmlformats.org/markup-compatibility/2006" xmlns:mv="urn:schemas-microsoft-com:mac:vml" xmlns:p="http://schemas.openxmlformats.org/presentationml/2006/main" xmlns:c="http://schemas.openxmlformats.org/drawingml/2006/chart" xmlns:dgm="http://schemas.openxmlformats.org/drawingml/2006/diagram" xmlns:o="urn:schemas-microsoft-com:office:office" xmlns:v="urn:schemas-microsoft-com:vml" xmlns:pvml="urn:schemas-microsoft-com:office:powerpoint" xmlns:com="http://schemas.openxmlformats.org/drawingml/2006/compatibility" xmlns:p14="http://schemas.microsoft.com/office/powerpoint/2010/main" xmlns:p15="http://schemas.microsoft.com/office/powerpoint/2012/main" xmlns:ahyp="http://schemas.microsoft.com/office/drawing/2018/hyperlinkcolor">
   <p:cSld>
     <p:spTree>
       <p:nvGrpSpPr>
-        <p:cNvPr id="207" name="Shape 207"/>
+        <p:cNvPr id="212" name="Shape 212"/>
         <p:cNvGrpSpPr/>
         <p:nvPr/>
       </p:nvGrpSpPr>
@@ -11185,7 +11514,7 @@
       </p:grpSpPr>
       <p:sp>
         <p:nvSpPr>
-          <p:cNvPr id="208" name="Google Shape;208;p26"/>
+          <p:cNvPr id="213" name="Google Shape;213;p27"/>
           <p:cNvSpPr txBox="1"/>
           <p:nvPr>
             <p:ph type="title"/>
@@ -11225,7 +11554,7 @@
       </p:sp>
       <p:sp>
         <p:nvSpPr>
-          <p:cNvPr id="209" name="Google Shape;209;p26"/>
+          <p:cNvPr id="214" name="Google Shape;214;p27"/>
           <p:cNvSpPr txBox="1"/>
           <p:nvPr>
             <p:ph idx="1" type="body"/>
@@ -12380,7 +12709,7 @@
             </a:pPr>
             <a:r>
               <a:rPr lang="en"/>
-              <a:t>Create Itinerary</a:t>
+              <a:t>Home Page</a:t>
             </a:r>
             <a:endParaRPr/>
           </a:p>
@@ -12421,6 +12750,71 @@
         </p:nvSpPr>
         <p:spPr>
           <a:xfrm>
+            <a:off x="823850" y="2053000"/>
+            <a:ext cx="4587000" cy="1148700"/>
+          </a:xfrm>
+          <a:prstGeom prst="rect">
+            <a:avLst/>
+          </a:prstGeom>
+        </p:spPr>
+        <p:txBody>
+          <a:bodyPr anchorCtr="0" anchor="ctr" bIns="91425" lIns="91425" spcFirstLastPara="1" rIns="91425" wrap="square" tIns="91425">
+            <a:normAutofit/>
+          </a:bodyPr>
+          <a:lstStyle/>
+          <a:p>
+            <a:pPr indent="0" lvl="0" marL="0" rtl="0" algn="l">
+              <a:spcBef>
+                <a:spcPts val="0"/>
+              </a:spcBef>
+              <a:spcAft>
+                <a:spcPts val="0"/>
+              </a:spcAft>
+              <a:buNone/>
+            </a:pPr>
+            <a:r>
+              <a:rPr lang="en"/>
+              <a:t>Create Itinerary</a:t>
+            </a:r>
+            <a:endParaRPr/>
+          </a:p>
+        </p:txBody>
+      </p:sp>
+    </p:spTree>
+  </p:cSld>
+  <p:clrMapOvr>
+    <a:masterClrMapping/>
+  </p:clrMapOvr>
+</p:sld>
+</file>
+
+<file path=ppt/slides/slide9.xml><?xml version="1.0" encoding="utf-8"?>
+<p:sld xmlns:a="http://schemas.openxmlformats.org/drawingml/2006/main" xmlns:r="http://schemas.openxmlformats.org/officeDocument/2006/relationships" xmlns:mc="http://schemas.openxmlformats.org/markup-compatibility/2006" xmlns:mv="urn:schemas-microsoft-com:mac:vml" xmlns:p="http://schemas.openxmlformats.org/presentationml/2006/main" xmlns:c="http://schemas.openxmlformats.org/drawingml/2006/chart" xmlns:dgm="http://schemas.openxmlformats.org/drawingml/2006/diagram" xmlns:o="urn:schemas-microsoft-com:office:office" xmlns:v="urn:schemas-microsoft-com:vml" xmlns:pvml="urn:schemas-microsoft-com:office:powerpoint" xmlns:com="http://schemas.openxmlformats.org/drawingml/2006/compatibility" xmlns:p14="http://schemas.microsoft.com/office/powerpoint/2010/main" xmlns:p15="http://schemas.microsoft.com/office/powerpoint/2012/main" xmlns:ahyp="http://schemas.microsoft.com/office/drawing/2018/hyperlinkcolor">
+  <p:cSld>
+    <p:spTree>
+      <p:nvGrpSpPr>
+        <p:cNvPr id="177" name="Shape 177"/>
+        <p:cNvGrpSpPr/>
+        <p:nvPr/>
+      </p:nvGrpSpPr>
+      <p:grpSpPr>
+        <a:xfrm>
+          <a:off x="0" y="0"/>
+          <a:ext cx="0" cy="0"/>
+          <a:chOff x="0" y="0"/>
+          <a:chExt cx="0" cy="0"/>
+        </a:xfrm>
+      </p:grpSpPr>
+      <p:sp>
+        <p:nvSpPr>
+          <p:cNvPr id="178" name="Google Shape;178;p21"/>
+          <p:cNvSpPr txBox="1"/>
+          <p:nvPr>
+            <p:ph type="title"/>
+          </p:nvPr>
+        </p:nvSpPr>
+        <p:spPr>
+          <a:xfrm>
             <a:off x="1297500" y="393750"/>
             <a:ext cx="7038900" cy="914100"/>
           </a:xfrm>
@@ -12453,7 +12847,7 @@
       </p:sp>
       <p:sp>
         <p:nvSpPr>
-          <p:cNvPr id="174" name="Google Shape;174;p20"/>
+          <p:cNvPr id="179" name="Google Shape;179;p21"/>
           <p:cNvSpPr txBox="1"/>
           <p:nvPr>
             <p:ph idx="1" type="body"/>
@@ -12523,235 +12917,6 @@
               <a:t>Searching for Travel Destination</a:t>
             </a:r>
             <a:endParaRPr/>
-          </a:p>
-        </p:txBody>
-      </p:sp>
-    </p:spTree>
-  </p:cSld>
-  <p:clrMapOvr>
-    <a:masterClrMapping/>
-  </p:clrMapOvr>
-</p:sld>
-</file>
-
-<file path=ppt/slides/slide9.xml><?xml version="1.0" encoding="utf-8"?>
-<p:sld xmlns:a="http://schemas.openxmlformats.org/drawingml/2006/main" xmlns:r="http://schemas.openxmlformats.org/officeDocument/2006/relationships" xmlns:mc="http://schemas.openxmlformats.org/markup-compatibility/2006" xmlns:mv="urn:schemas-microsoft-com:mac:vml" xmlns:p="http://schemas.openxmlformats.org/presentationml/2006/main" xmlns:c="http://schemas.openxmlformats.org/drawingml/2006/chart" xmlns:dgm="http://schemas.openxmlformats.org/drawingml/2006/diagram" xmlns:o="urn:schemas-microsoft-com:office:office" xmlns:v="urn:schemas-microsoft-com:vml" xmlns:pvml="urn:schemas-microsoft-com:office:powerpoint" xmlns:com="http://schemas.openxmlformats.org/drawingml/2006/compatibility" xmlns:p14="http://schemas.microsoft.com/office/powerpoint/2010/main" xmlns:p15="http://schemas.microsoft.com/office/powerpoint/2012/main" xmlns:ahyp="http://schemas.microsoft.com/office/drawing/2018/hyperlinkcolor">
-  <p:cSld>
-    <p:spTree>
-      <p:nvGrpSpPr>
-        <p:cNvPr id="178" name="Shape 178"/>
-        <p:cNvGrpSpPr/>
-        <p:nvPr/>
-      </p:nvGrpSpPr>
-      <p:grpSpPr>
-        <a:xfrm>
-          <a:off x="0" y="0"/>
-          <a:ext cx="0" cy="0"/>
-          <a:chOff x="0" y="0"/>
-          <a:chExt cx="0" cy="0"/>
-        </a:xfrm>
-      </p:grpSpPr>
-      <p:sp>
-        <p:nvSpPr>
-          <p:cNvPr id="179" name="Google Shape;179;p21"/>
-          <p:cNvSpPr txBox="1"/>
-          <p:nvPr>
-            <p:ph type="title"/>
-          </p:nvPr>
-        </p:nvSpPr>
-        <p:spPr>
-          <a:xfrm>
-            <a:off x="1297500" y="393750"/>
-            <a:ext cx="7038900" cy="914100"/>
-          </a:xfrm>
-          <a:prstGeom prst="rect">
-            <a:avLst/>
-          </a:prstGeom>
-        </p:spPr>
-        <p:txBody>
-          <a:bodyPr anchorCtr="0" anchor="t" bIns="91425" lIns="91425" spcFirstLastPara="1" rIns="91425" wrap="square" tIns="91425">
-            <a:normAutofit/>
-          </a:bodyPr>
-          <a:lstStyle/>
-          <a:p>
-            <a:pPr indent="0" lvl="0" marL="0" rtl="0" algn="l">
-              <a:spcBef>
-                <a:spcPts val="0"/>
-              </a:spcBef>
-              <a:spcAft>
-                <a:spcPts val="0"/>
-              </a:spcAft>
-              <a:buNone/>
-            </a:pPr>
-            <a:r>
-              <a:rPr lang="en"/>
-              <a:t>Create Itineraries</a:t>
-            </a:r>
-            <a:endParaRPr/>
-          </a:p>
-        </p:txBody>
-      </p:sp>
-      <p:sp>
-        <p:nvSpPr>
-          <p:cNvPr id="180" name="Google Shape;180;p21"/>
-          <p:cNvSpPr txBox="1"/>
-          <p:nvPr>
-            <p:ph idx="1" type="body"/>
-          </p:nvPr>
-        </p:nvSpPr>
-        <p:spPr>
-          <a:xfrm>
-            <a:off x="1297500" y="1567550"/>
-            <a:ext cx="7038900" cy="2911200"/>
-          </a:xfrm>
-          <a:prstGeom prst="rect">
-            <a:avLst/>
-          </a:prstGeom>
-        </p:spPr>
-        <p:txBody>
-          <a:bodyPr anchorCtr="0" anchor="t" bIns="91425" lIns="91425" spcFirstLastPara="1" rIns="91425" wrap="square" tIns="91425">
-            <a:noAutofit/>
-          </a:bodyPr>
-          <a:lstStyle/>
-          <a:p>
-            <a:pPr indent="-349250" lvl="0" marL="457200" rtl="0" algn="l">
-              <a:spcBef>
-                <a:spcPts val="0"/>
-              </a:spcBef>
-              <a:spcAft>
-                <a:spcPts val="0"/>
-              </a:spcAft>
-              <a:buSzPts val="1900"/>
-              <a:buFont typeface="Times New Roman"/>
-              <a:buChar char="●"/>
-            </a:pPr>
-            <a:r>
-              <a:rPr lang="en" sz="1900">
-                <a:latin typeface="Times New Roman"/>
-                <a:ea typeface="Times New Roman"/>
-                <a:cs typeface="Times New Roman"/>
-                <a:sym typeface="Times New Roman"/>
-              </a:rPr>
-              <a:t>Using the Travel Destination acquired from the user, there will be three categories of locations users will be presented.</a:t>
-            </a:r>
-            <a:endParaRPr sz="1900">
-              <a:latin typeface="Times New Roman"/>
-              <a:ea typeface="Times New Roman"/>
-              <a:cs typeface="Times New Roman"/>
-              <a:sym typeface="Times New Roman"/>
-            </a:endParaRPr>
-          </a:p>
-          <a:p>
-            <a:pPr indent="-349250" lvl="1" marL="914400" rtl="0" algn="l">
-              <a:spcBef>
-                <a:spcPts val="0"/>
-              </a:spcBef>
-              <a:spcAft>
-                <a:spcPts val="0"/>
-              </a:spcAft>
-              <a:buSzPts val="1900"/>
-              <a:buFont typeface="Times New Roman"/>
-              <a:buChar char="○"/>
-            </a:pPr>
-            <a:r>
-              <a:rPr lang="en" sz="1900">
-                <a:latin typeface="Times New Roman"/>
-                <a:ea typeface="Times New Roman"/>
-                <a:cs typeface="Times New Roman"/>
-                <a:sym typeface="Times New Roman"/>
-              </a:rPr>
-              <a:t>Lodging</a:t>
-            </a:r>
-            <a:endParaRPr sz="1900">
-              <a:latin typeface="Times New Roman"/>
-              <a:ea typeface="Times New Roman"/>
-              <a:cs typeface="Times New Roman"/>
-              <a:sym typeface="Times New Roman"/>
-            </a:endParaRPr>
-          </a:p>
-          <a:p>
-            <a:pPr indent="-349250" lvl="1" marL="914400" rtl="0" algn="l">
-              <a:spcBef>
-                <a:spcPts val="0"/>
-              </a:spcBef>
-              <a:spcAft>
-                <a:spcPts val="0"/>
-              </a:spcAft>
-              <a:buSzPts val="1900"/>
-              <a:buFont typeface="Times New Roman"/>
-              <a:buChar char="○"/>
-            </a:pPr>
-            <a:r>
-              <a:rPr lang="en" sz="1900">
-                <a:latin typeface="Times New Roman"/>
-                <a:ea typeface="Times New Roman"/>
-                <a:cs typeface="Times New Roman"/>
-                <a:sym typeface="Times New Roman"/>
-              </a:rPr>
-              <a:t>Dining</a:t>
-            </a:r>
-            <a:endParaRPr sz="1900">
-              <a:latin typeface="Times New Roman"/>
-              <a:ea typeface="Times New Roman"/>
-              <a:cs typeface="Times New Roman"/>
-              <a:sym typeface="Times New Roman"/>
-            </a:endParaRPr>
-          </a:p>
-          <a:p>
-            <a:pPr indent="-349250" lvl="1" marL="914400" rtl="0" algn="l">
-              <a:spcBef>
-                <a:spcPts val="0"/>
-              </a:spcBef>
-              <a:spcAft>
-                <a:spcPts val="0"/>
-              </a:spcAft>
-              <a:buSzPts val="1900"/>
-              <a:buFont typeface="Times New Roman"/>
-              <a:buChar char="○"/>
-            </a:pPr>
-            <a:r>
-              <a:rPr lang="en" sz="1900">
-                <a:latin typeface="Times New Roman"/>
-                <a:ea typeface="Times New Roman"/>
-                <a:cs typeface="Times New Roman"/>
-                <a:sym typeface="Times New Roman"/>
-              </a:rPr>
-              <a:t>Attractions</a:t>
-            </a:r>
-            <a:endParaRPr sz="1900">
-              <a:latin typeface="Times New Roman"/>
-              <a:ea typeface="Times New Roman"/>
-              <a:cs typeface="Times New Roman"/>
-              <a:sym typeface="Times New Roman"/>
-            </a:endParaRPr>
-          </a:p>
-          <a:p>
-            <a:pPr indent="-349250" lvl="0" marL="457200" rtl="0" algn="l">
-              <a:spcBef>
-                <a:spcPts val="0"/>
-              </a:spcBef>
-              <a:spcAft>
-                <a:spcPts val="0"/>
-              </a:spcAft>
-              <a:buSzPts val="1900"/>
-              <a:buFont typeface="Times New Roman"/>
-              <a:buChar char="●"/>
-            </a:pPr>
-            <a:r>
-              <a:rPr lang="en" sz="1900">
-                <a:latin typeface="Times New Roman"/>
-                <a:ea typeface="Times New Roman"/>
-                <a:cs typeface="Times New Roman"/>
-                <a:sym typeface="Times New Roman"/>
-              </a:rPr>
-              <a:t>Locations will displayed as cards sorted in descending order by ratings.</a:t>
-            </a:r>
-            <a:endParaRPr sz="1900">
-              <a:latin typeface="Times New Roman"/>
-              <a:ea typeface="Times New Roman"/>
-              <a:cs typeface="Times New Roman"/>
-              <a:sym typeface="Times New Roman"/>
-            </a:endParaRPr>
           </a:p>
         </p:txBody>
       </p:sp>
